--- a/paper/figs/images.pptx
+++ b/paper/figs/images.pptx
@@ -6,6 +6,7 @@
   </p:sldMasterIdLst>
   <p:sldIdLst>
     <p:sldId id="256" r:id="rId2"/>
+    <p:sldId id="257" r:id="rId3"/>
   </p:sldIdLst>
   <p:sldSz cx="9144000" cy="6858000" type="screen4x3"/>
   <p:notesSz cx="6858000" cy="9144000"/>
@@ -288,7 +289,7 @@
           <a:p>
             <a:fld id="{06D27FD6-7394-0F44-B86B-46BBC2D874F2}" type="datetimeFigureOut">
               <a:rPr lang="en-US" smtClean="0"/>
-              <a:t>4/4/14</a:t>
+              <a:t>4/29/14</a:t>
             </a:fld>
             <a:endParaRPr lang="en-US"/>
           </a:p>
@@ -458,7 +459,7 @@
           <a:p>
             <a:fld id="{06D27FD6-7394-0F44-B86B-46BBC2D874F2}" type="datetimeFigureOut">
               <a:rPr lang="en-US" smtClean="0"/>
-              <a:t>4/4/14</a:t>
+              <a:t>4/29/14</a:t>
             </a:fld>
             <a:endParaRPr lang="en-US"/>
           </a:p>
@@ -638,7 +639,7 @@
           <a:p>
             <a:fld id="{06D27FD6-7394-0F44-B86B-46BBC2D874F2}" type="datetimeFigureOut">
               <a:rPr lang="en-US" smtClean="0"/>
-              <a:t>4/4/14</a:t>
+              <a:t>4/29/14</a:t>
             </a:fld>
             <a:endParaRPr lang="en-US"/>
           </a:p>
@@ -808,7 +809,7 @@
           <a:p>
             <a:fld id="{06D27FD6-7394-0F44-B86B-46BBC2D874F2}" type="datetimeFigureOut">
               <a:rPr lang="en-US" smtClean="0"/>
-              <a:t>4/4/14</a:t>
+              <a:t>4/29/14</a:t>
             </a:fld>
             <a:endParaRPr lang="en-US"/>
           </a:p>
@@ -1054,7 +1055,7 @@
           <a:p>
             <a:fld id="{06D27FD6-7394-0F44-B86B-46BBC2D874F2}" type="datetimeFigureOut">
               <a:rPr lang="en-US" smtClean="0"/>
-              <a:t>4/4/14</a:t>
+              <a:t>4/29/14</a:t>
             </a:fld>
             <a:endParaRPr lang="en-US"/>
           </a:p>
@@ -1342,7 +1343,7 @@
           <a:p>
             <a:fld id="{06D27FD6-7394-0F44-B86B-46BBC2D874F2}" type="datetimeFigureOut">
               <a:rPr lang="en-US" smtClean="0"/>
-              <a:t>4/4/14</a:t>
+              <a:t>4/29/14</a:t>
             </a:fld>
             <a:endParaRPr lang="en-US"/>
           </a:p>
@@ -1764,7 +1765,7 @@
           <a:p>
             <a:fld id="{06D27FD6-7394-0F44-B86B-46BBC2D874F2}" type="datetimeFigureOut">
               <a:rPr lang="en-US" smtClean="0"/>
-              <a:t>4/4/14</a:t>
+              <a:t>4/29/14</a:t>
             </a:fld>
             <a:endParaRPr lang="en-US"/>
           </a:p>
@@ -1882,7 +1883,7 @@
           <a:p>
             <a:fld id="{06D27FD6-7394-0F44-B86B-46BBC2D874F2}" type="datetimeFigureOut">
               <a:rPr lang="en-US" smtClean="0"/>
-              <a:t>4/4/14</a:t>
+              <a:t>4/29/14</a:t>
             </a:fld>
             <a:endParaRPr lang="en-US"/>
           </a:p>
@@ -1977,7 +1978,7 @@
           <a:p>
             <a:fld id="{06D27FD6-7394-0F44-B86B-46BBC2D874F2}" type="datetimeFigureOut">
               <a:rPr lang="en-US" smtClean="0"/>
-              <a:t>4/4/14</a:t>
+              <a:t>4/29/14</a:t>
             </a:fld>
             <a:endParaRPr lang="en-US"/>
           </a:p>
@@ -2254,7 +2255,7 @@
           <a:p>
             <a:fld id="{06D27FD6-7394-0F44-B86B-46BBC2D874F2}" type="datetimeFigureOut">
               <a:rPr lang="en-US" smtClean="0"/>
-              <a:t>4/4/14</a:t>
+              <a:t>4/29/14</a:t>
             </a:fld>
             <a:endParaRPr lang="en-US"/>
           </a:p>
@@ -2507,7 +2508,7 @@
           <a:p>
             <a:fld id="{06D27FD6-7394-0F44-B86B-46BBC2D874F2}" type="datetimeFigureOut">
               <a:rPr lang="en-US" smtClean="0"/>
-              <a:t>4/4/14</a:t>
+              <a:t>4/29/14</a:t>
             </a:fld>
             <a:endParaRPr lang="en-US"/>
           </a:p>
@@ -2720,7 +2721,7 @@
           <a:p>
             <a:fld id="{06D27FD6-7394-0F44-B86B-46BBC2D874F2}" type="datetimeFigureOut">
               <a:rPr lang="en-US" smtClean="0"/>
-              <a:t>4/4/14</a:t>
+              <a:t>4/29/14</a:t>
             </a:fld>
             <a:endParaRPr lang="en-US"/>
           </a:p>
@@ -3095,6 +3096,94 @@
           <a:chExt cx="0" cy="0"/>
         </a:xfrm>
       </p:grpSpPr>
+      <p:sp>
+        <p:nvSpPr>
+          <p:cNvPr id="3" name="Rectangle 2"/>
+          <p:cNvSpPr/>
+          <p:nvPr/>
+        </p:nvSpPr>
+        <p:spPr>
+          <a:xfrm>
+            <a:off x="2442380" y="3520803"/>
+            <a:ext cx="3006842" cy="1559599"/>
+          </a:xfrm>
+          <a:prstGeom prst="rect">
+            <a:avLst/>
+          </a:prstGeom>
+          <a:solidFill>
+            <a:schemeClr val="accent2">
+              <a:lumMod val="40000"/>
+              <a:lumOff val="60000"/>
+            </a:schemeClr>
+          </a:solidFill>
+          <a:ln w="22225">
+            <a:solidFill>
+              <a:schemeClr val="tx1"/>
+            </a:solidFill>
+            <a:prstDash val="dashDot"/>
+          </a:ln>
+        </p:spPr>
+        <p:style>
+          <a:lnRef idx="1">
+            <a:schemeClr val="accent1"/>
+          </a:lnRef>
+          <a:fillRef idx="3">
+            <a:schemeClr val="accent1"/>
+          </a:fillRef>
+          <a:effectRef idx="2">
+            <a:schemeClr val="accent1"/>
+          </a:effectRef>
+          <a:fontRef idx="minor">
+            <a:schemeClr val="lt1"/>
+          </a:fontRef>
+        </p:style>
+        <p:txBody>
+          <a:bodyPr rtlCol="0" anchor="ctr"/>
+          <a:lstStyle/>
+          <a:p>
+            <a:pPr algn="ctr"/>
+            <a:endParaRPr lang="en-US"/>
+          </a:p>
+        </p:txBody>
+      </p:sp>
+      <p:sp>
+        <p:nvSpPr>
+          <p:cNvPr id="2" name="Rectangle 1"/>
+          <p:cNvSpPr/>
+          <p:nvPr/>
+        </p:nvSpPr>
+        <p:spPr>
+          <a:xfrm rot="16200000">
+            <a:off x="5587022" y="3064742"/>
+            <a:ext cx="1153193" cy="784109"/>
+          </a:xfrm>
+          <a:prstGeom prst="rect">
+            <a:avLst/>
+          </a:prstGeom>
+        </p:spPr>
+        <p:style>
+          <a:lnRef idx="1">
+            <a:schemeClr val="accent1"/>
+          </a:lnRef>
+          <a:fillRef idx="3">
+            <a:schemeClr val="accent1"/>
+          </a:fillRef>
+          <a:effectRef idx="2">
+            <a:schemeClr val="accent1"/>
+          </a:effectRef>
+          <a:fontRef idx="minor">
+            <a:schemeClr val="lt1"/>
+          </a:fontRef>
+        </p:style>
+        <p:txBody>
+          <a:bodyPr rtlCol="0" anchor="ctr"/>
+          <a:lstStyle/>
+          <a:p>
+            <a:pPr algn="ctr"/>
+            <a:endParaRPr lang="en-US"/>
+          </a:p>
+        </p:txBody>
+      </p:sp>
       <p:grpSp>
         <p:nvGrpSpPr>
           <p:cNvPr id="76" name="Group 75"/>
@@ -3440,9 +3529,9 @@
         <p:grpSpPr>
           <a:xfrm>
             <a:off x="516269" y="2249461"/>
-            <a:ext cx="5716960" cy="2540201"/>
+            <a:ext cx="5858075" cy="2540201"/>
             <a:chOff x="516269" y="2249461"/>
-            <a:chExt cx="5716960" cy="2540201"/>
+            <a:chExt cx="5858075" cy="2540201"/>
           </a:xfrm>
         </p:grpSpPr>
         <p:sp>
@@ -3653,7 +3742,7 @@
           </p:nvCxnSpPr>
           <p:spPr>
             <a:xfrm>
-              <a:off x="2322974" y="3520803"/>
+              <a:off x="2322974" y="3444811"/>
               <a:ext cx="488476" cy="0"/>
             </a:xfrm>
             <a:prstGeom prst="straightConnector1">
@@ -3737,7 +3826,7 @@
           <p:spPr>
             <a:xfrm>
               <a:off x="2811450" y="3219874"/>
-              <a:ext cx="868401" cy="646331"/>
+              <a:ext cx="868401" cy="461665"/>
             </a:xfrm>
             <a:prstGeom prst="rect">
               <a:avLst/>
@@ -3753,14 +3842,14 @@
               <a:pPr algn="ctr"/>
               <a:r>
                 <a:rPr lang="en-US" sz="1200" dirty="0" smtClean="0"/>
-                <a:t>Proxy(load-balancer)</a:t>
+                <a:t>Proxy</a:t>
               </a:r>
             </a:p>
             <a:p>
               <a:pPr algn="ctr"/>
               <a:r>
                 <a:rPr lang="en-US" sz="1200" dirty="0" smtClean="0"/>
-                <a:t>Process</a:t>
+                <a:t>Duplicator</a:t>
               </a:r>
               <a:endParaRPr lang="en-US" sz="1200" dirty="0"/>
             </a:p>
@@ -4229,7 +4318,7 @@
           </p:nvSpPr>
           <p:spPr>
             <a:xfrm rot="5400000">
-              <a:off x="5568196" y="3233091"/>
+              <a:off x="5709311" y="3233091"/>
               <a:ext cx="868401" cy="461665"/>
             </a:xfrm>
             <a:prstGeom prst="rect">
@@ -4246,14 +4335,7 @@
               <a:pPr algn="ctr"/>
               <a:r>
                 <a:rPr lang="en-US" sz="1200" i="1" dirty="0" smtClean="0"/>
-                <a:t>Online</a:t>
-              </a:r>
-            </a:p>
-            <a:p>
-              <a:pPr algn="ctr"/>
-              <a:r>
-                <a:rPr lang="en-US" sz="1200" i="1" dirty="0" smtClean="0"/>
-                <a:t>Migrate</a:t>
+                <a:t>Clone Manager</a:t>
               </a:r>
               <a:endParaRPr lang="en-US" sz="1200" i="1" dirty="0"/>
             </a:p>
@@ -4334,6 +4416,1632 @@
     <p:extLst>
       <p:ext uri="{BB962C8B-B14F-4D97-AF65-F5344CB8AC3E}">
         <p14:creationId xmlns:p14="http://schemas.microsoft.com/office/powerpoint/2010/main" val="1442316366"/>
+      </p:ext>
+    </p:extLst>
+  </p:cSld>
+  <p:clrMapOvr>
+    <a:masterClrMapping/>
+  </p:clrMapOvr>
+</p:sld>
+</file>
+
+<file path=ppt/slides/slide2.xml><?xml version="1.0" encoding="utf-8"?>
+<p:sld xmlns:a="http://schemas.openxmlformats.org/drawingml/2006/main" xmlns:r="http://schemas.openxmlformats.org/officeDocument/2006/relationships" xmlns:p="http://schemas.openxmlformats.org/presentationml/2006/main">
+  <p:cSld>
+    <p:spTree>
+      <p:nvGrpSpPr>
+        <p:cNvPr id="1" name=""/>
+        <p:cNvGrpSpPr/>
+        <p:nvPr/>
+      </p:nvGrpSpPr>
+      <p:grpSpPr>
+        <a:xfrm>
+          <a:off x="0" y="0"/>
+          <a:ext cx="0" cy="0"/>
+          <a:chOff x="0" y="0"/>
+          <a:chExt cx="0" cy="0"/>
+        </a:xfrm>
+      </p:grpSpPr>
+      <p:sp>
+        <p:nvSpPr>
+          <p:cNvPr id="33" name="Rectangle 32"/>
+          <p:cNvSpPr/>
+          <p:nvPr/>
+        </p:nvSpPr>
+        <p:spPr>
+          <a:xfrm>
+            <a:off x="2279554" y="1276912"/>
+            <a:ext cx="4157475" cy="3997417"/>
+          </a:xfrm>
+          <a:prstGeom prst="rect">
+            <a:avLst/>
+          </a:prstGeom>
+          <a:noFill/>
+          <a:ln w="25400">
+            <a:solidFill>
+              <a:schemeClr val="tx1"/>
+            </a:solidFill>
+          </a:ln>
+          <a:effectLst/>
+        </p:spPr>
+        <p:style>
+          <a:lnRef idx="1">
+            <a:schemeClr val="accent1"/>
+          </a:lnRef>
+          <a:fillRef idx="3">
+            <a:schemeClr val="accent1"/>
+          </a:fillRef>
+          <a:effectRef idx="2">
+            <a:schemeClr val="accent1"/>
+          </a:effectRef>
+          <a:fontRef idx="minor">
+            <a:schemeClr val="lt1"/>
+          </a:fontRef>
+        </p:style>
+        <p:txBody>
+          <a:bodyPr rtlCol="0" anchor="ctr"/>
+          <a:lstStyle/>
+          <a:p>
+            <a:pPr algn="ctr"/>
+            <a:endParaRPr lang="en-US"/>
+          </a:p>
+        </p:txBody>
+      </p:sp>
+      <p:sp>
+        <p:nvSpPr>
+          <p:cNvPr id="34" name="Rectangle 33"/>
+          <p:cNvSpPr/>
+          <p:nvPr/>
+        </p:nvSpPr>
+        <p:spPr>
+          <a:xfrm>
+            <a:off x="2452806" y="1681140"/>
+            <a:ext cx="2019463" cy="641748"/>
+          </a:xfrm>
+          <a:prstGeom prst="rect">
+            <a:avLst/>
+          </a:prstGeom>
+          <a:noFill/>
+          <a:ln w="25400">
+            <a:solidFill>
+              <a:schemeClr val="tx1"/>
+            </a:solidFill>
+          </a:ln>
+          <a:effectLst/>
+        </p:spPr>
+        <p:style>
+          <a:lnRef idx="1">
+            <a:schemeClr val="accent1"/>
+          </a:lnRef>
+          <a:fillRef idx="3">
+            <a:schemeClr val="accent1"/>
+          </a:fillRef>
+          <a:effectRef idx="2">
+            <a:schemeClr val="accent1"/>
+          </a:effectRef>
+          <a:fontRef idx="minor">
+            <a:schemeClr val="lt1"/>
+          </a:fontRef>
+        </p:style>
+        <p:txBody>
+          <a:bodyPr rtlCol="0" anchor="ctr"/>
+          <a:lstStyle/>
+          <a:p>
+            <a:pPr algn="ctr"/>
+            <a:endParaRPr lang="en-US"/>
+          </a:p>
+        </p:txBody>
+      </p:sp>
+      <p:sp>
+        <p:nvSpPr>
+          <p:cNvPr id="35" name="TextBox 34"/>
+          <p:cNvSpPr txBox="1"/>
+          <p:nvPr/>
+        </p:nvSpPr>
+        <p:spPr>
+          <a:xfrm>
+            <a:off x="2409388" y="1802217"/>
+            <a:ext cx="2182287" cy="338554"/>
+          </a:xfrm>
+          <a:prstGeom prst="rect">
+            <a:avLst/>
+          </a:prstGeom>
+          <a:noFill/>
+        </p:spPr>
+        <p:txBody>
+          <a:bodyPr wrap="square" rtlCol="0">
+            <a:spAutoFit/>
+          </a:bodyPr>
+          <a:lstStyle/>
+          <a:p>
+            <a:r>
+              <a:rPr lang="en-US" sz="1600" dirty="0"/>
+              <a:t>2</a:t>
+            </a:r>
+            <a:r>
+              <a:rPr lang="en-US" sz="1600" dirty="0" smtClean="0"/>
+              <a:t>: Connection Manager</a:t>
+            </a:r>
+            <a:endParaRPr lang="en-US" sz="1600" dirty="0"/>
+          </a:p>
+        </p:txBody>
+      </p:sp>
+      <p:sp>
+        <p:nvSpPr>
+          <p:cNvPr id="36" name="Rectangle 35"/>
+          <p:cNvSpPr/>
+          <p:nvPr/>
+        </p:nvSpPr>
+        <p:spPr>
+          <a:xfrm>
+            <a:off x="2181860" y="3906529"/>
+            <a:ext cx="270946" cy="350445"/>
+          </a:xfrm>
+          <a:prstGeom prst="rect">
+            <a:avLst/>
+          </a:prstGeom>
+          <a:solidFill>
+            <a:schemeClr val="tx1">
+              <a:lumMod val="50000"/>
+              <a:lumOff val="50000"/>
+            </a:schemeClr>
+          </a:solidFill>
+          <a:ln w="25400">
+            <a:solidFill>
+              <a:schemeClr val="tx1"/>
+            </a:solidFill>
+          </a:ln>
+          <a:effectLst/>
+        </p:spPr>
+        <p:style>
+          <a:lnRef idx="1">
+            <a:schemeClr val="accent1"/>
+          </a:lnRef>
+          <a:fillRef idx="3">
+            <a:schemeClr val="accent1"/>
+          </a:fillRef>
+          <a:effectRef idx="2">
+            <a:schemeClr val="accent1"/>
+          </a:effectRef>
+          <a:fontRef idx="minor">
+            <a:schemeClr val="lt1"/>
+          </a:fontRef>
+        </p:style>
+        <p:txBody>
+          <a:bodyPr rtlCol="0" anchor="ctr"/>
+          <a:lstStyle/>
+          <a:p>
+            <a:pPr algn="ctr"/>
+            <a:endParaRPr lang="en-US"/>
+          </a:p>
+        </p:txBody>
+      </p:sp>
+      <p:cxnSp>
+        <p:nvCxnSpPr>
+          <p:cNvPr id="40" name="Straight Arrow Connector 39"/>
+          <p:cNvCxnSpPr/>
+          <p:nvPr/>
+        </p:nvCxnSpPr>
+        <p:spPr>
+          <a:xfrm>
+            <a:off x="1736804" y="4038328"/>
+            <a:ext cx="445056" cy="0"/>
+          </a:xfrm>
+          <a:prstGeom prst="straightConnector1">
+            <a:avLst/>
+          </a:prstGeom>
+          <a:ln>
+            <a:solidFill>
+              <a:schemeClr val="tx1"/>
+            </a:solidFill>
+            <a:tailEnd type="arrow"/>
+          </a:ln>
+          <a:effectLst/>
+        </p:spPr>
+        <p:style>
+          <a:lnRef idx="2">
+            <a:schemeClr val="accent1"/>
+          </a:lnRef>
+          <a:fillRef idx="0">
+            <a:schemeClr val="accent1"/>
+          </a:fillRef>
+          <a:effectRef idx="1">
+            <a:schemeClr val="accent1"/>
+          </a:effectRef>
+          <a:fontRef idx="minor">
+            <a:schemeClr val="tx1"/>
+          </a:fontRef>
+        </p:style>
+      </p:cxnSp>
+      <p:cxnSp>
+        <p:nvCxnSpPr>
+          <p:cNvPr id="43" name="Straight Arrow Connector 42"/>
+          <p:cNvCxnSpPr/>
+          <p:nvPr/>
+        </p:nvCxnSpPr>
+        <p:spPr>
+          <a:xfrm rot="5400000" flipH="1" flipV="1">
+            <a:off x="1850184" y="2925516"/>
+            <a:ext cx="1656653" cy="451405"/>
+          </a:xfrm>
+          <a:prstGeom prst="bentConnector3">
+            <a:avLst>
+              <a:gd name="adj1" fmla="val 199"/>
+            </a:avLst>
+          </a:prstGeom>
+          <a:ln>
+            <a:solidFill>
+              <a:schemeClr val="tx1"/>
+            </a:solidFill>
+            <a:tailEnd type="arrow"/>
+          </a:ln>
+          <a:effectLst/>
+        </p:spPr>
+        <p:style>
+          <a:lnRef idx="2">
+            <a:schemeClr val="accent1"/>
+          </a:lnRef>
+          <a:fillRef idx="0">
+            <a:schemeClr val="accent1"/>
+          </a:fillRef>
+          <a:effectRef idx="1">
+            <a:schemeClr val="accent1"/>
+          </a:effectRef>
+          <a:fontRef idx="minor">
+            <a:schemeClr val="tx1"/>
+          </a:fontRef>
+        </p:style>
+      </p:cxnSp>
+      <p:sp>
+        <p:nvSpPr>
+          <p:cNvPr id="46" name="Rectangle 45"/>
+          <p:cNvSpPr/>
+          <p:nvPr/>
+        </p:nvSpPr>
+        <p:spPr>
+          <a:xfrm rot="16200000">
+            <a:off x="5216033" y="1776613"/>
+            <a:ext cx="1166795" cy="598743"/>
+          </a:xfrm>
+          <a:prstGeom prst="rect">
+            <a:avLst/>
+          </a:prstGeom>
+          <a:noFill/>
+          <a:ln w="25400">
+            <a:solidFill>
+              <a:schemeClr val="tx1"/>
+            </a:solidFill>
+          </a:ln>
+          <a:effectLst/>
+        </p:spPr>
+        <p:style>
+          <a:lnRef idx="1">
+            <a:schemeClr val="accent1"/>
+          </a:lnRef>
+          <a:fillRef idx="3">
+            <a:schemeClr val="accent1"/>
+          </a:fillRef>
+          <a:effectRef idx="2">
+            <a:schemeClr val="accent1"/>
+          </a:effectRef>
+          <a:fontRef idx="minor">
+            <a:schemeClr val="lt1"/>
+          </a:fontRef>
+        </p:style>
+        <p:txBody>
+          <a:bodyPr rtlCol="0" anchor="ctr"/>
+          <a:lstStyle/>
+          <a:p>
+            <a:pPr algn="ctr"/>
+            <a:r>
+              <a:rPr lang="en-US" dirty="0" smtClean="0">
+                <a:solidFill>
+                  <a:schemeClr val="tx1"/>
+                </a:solidFill>
+              </a:rPr>
+              <a:t>3: TCP Connector</a:t>
+            </a:r>
+            <a:endParaRPr lang="en-US" dirty="0">
+              <a:solidFill>
+                <a:schemeClr val="tx1"/>
+              </a:solidFill>
+            </a:endParaRPr>
+          </a:p>
+        </p:txBody>
+      </p:sp>
+      <p:cxnSp>
+        <p:nvCxnSpPr>
+          <p:cNvPr id="48" name="Straight Arrow Connector 47"/>
+          <p:cNvCxnSpPr/>
+          <p:nvPr/>
+        </p:nvCxnSpPr>
+        <p:spPr>
+          <a:xfrm>
+            <a:off x="6113149" y="1979107"/>
+            <a:ext cx="776350" cy="0"/>
+          </a:xfrm>
+          <a:prstGeom prst="straightConnector1">
+            <a:avLst/>
+          </a:prstGeom>
+          <a:ln>
+            <a:solidFill>
+              <a:schemeClr val="tx1"/>
+            </a:solidFill>
+            <a:tailEnd type="arrow"/>
+          </a:ln>
+          <a:effectLst/>
+        </p:spPr>
+        <p:style>
+          <a:lnRef idx="2">
+            <a:schemeClr val="accent1"/>
+          </a:lnRef>
+          <a:fillRef idx="0">
+            <a:schemeClr val="accent1"/>
+          </a:fillRef>
+          <a:effectRef idx="1">
+            <a:schemeClr val="accent1"/>
+          </a:effectRef>
+          <a:fontRef idx="minor">
+            <a:schemeClr val="tx1"/>
+          </a:fontRef>
+        </p:style>
+      </p:cxnSp>
+      <p:cxnSp>
+        <p:nvCxnSpPr>
+          <p:cNvPr id="50" name="Straight Arrow Connector 49"/>
+          <p:cNvCxnSpPr/>
+          <p:nvPr/>
+        </p:nvCxnSpPr>
+        <p:spPr>
+          <a:xfrm>
+            <a:off x="4472269" y="1910773"/>
+            <a:ext cx="1027790" cy="0"/>
+          </a:xfrm>
+          <a:prstGeom prst="straightConnector1">
+            <a:avLst/>
+          </a:prstGeom>
+          <a:ln>
+            <a:solidFill>
+              <a:schemeClr val="tx1"/>
+            </a:solidFill>
+            <a:tailEnd type="arrow"/>
+          </a:ln>
+          <a:effectLst/>
+        </p:spPr>
+        <p:style>
+          <a:lnRef idx="2">
+            <a:schemeClr val="accent1"/>
+          </a:lnRef>
+          <a:fillRef idx="0">
+            <a:schemeClr val="accent1"/>
+          </a:fillRef>
+          <a:effectRef idx="1">
+            <a:schemeClr val="accent1"/>
+          </a:effectRef>
+          <a:fontRef idx="minor">
+            <a:schemeClr val="tx1"/>
+          </a:fontRef>
+        </p:style>
+      </p:cxnSp>
+      <p:cxnSp>
+        <p:nvCxnSpPr>
+          <p:cNvPr id="53" name="Straight Arrow Connector 52"/>
+          <p:cNvCxnSpPr/>
+          <p:nvPr/>
+        </p:nvCxnSpPr>
+        <p:spPr>
+          <a:xfrm flipH="1">
+            <a:off x="6108152" y="2131507"/>
+            <a:ext cx="781347" cy="0"/>
+          </a:xfrm>
+          <a:prstGeom prst="straightConnector1">
+            <a:avLst/>
+          </a:prstGeom>
+          <a:ln>
+            <a:solidFill>
+              <a:schemeClr val="tx1"/>
+            </a:solidFill>
+            <a:tailEnd type="arrow"/>
+          </a:ln>
+          <a:effectLst/>
+        </p:spPr>
+        <p:style>
+          <a:lnRef idx="2">
+            <a:schemeClr val="accent1"/>
+          </a:lnRef>
+          <a:fillRef idx="0">
+            <a:schemeClr val="accent1"/>
+          </a:fillRef>
+          <a:effectRef idx="1">
+            <a:schemeClr val="accent1"/>
+          </a:effectRef>
+          <a:fontRef idx="minor">
+            <a:schemeClr val="tx1"/>
+          </a:fontRef>
+        </p:style>
+      </p:cxnSp>
+      <p:sp>
+        <p:nvSpPr>
+          <p:cNvPr id="37" name="Rectangle 36"/>
+          <p:cNvSpPr/>
+          <p:nvPr/>
+        </p:nvSpPr>
+        <p:spPr>
+          <a:xfrm>
+            <a:off x="6287259" y="1889066"/>
+            <a:ext cx="270946" cy="350445"/>
+          </a:xfrm>
+          <a:prstGeom prst="rect">
+            <a:avLst/>
+          </a:prstGeom>
+          <a:solidFill>
+            <a:schemeClr val="tx1">
+              <a:lumMod val="50000"/>
+              <a:lumOff val="50000"/>
+            </a:schemeClr>
+          </a:solidFill>
+          <a:ln w="25400">
+            <a:solidFill>
+              <a:schemeClr val="tx1"/>
+            </a:solidFill>
+          </a:ln>
+          <a:effectLst/>
+        </p:spPr>
+        <p:style>
+          <a:lnRef idx="1">
+            <a:schemeClr val="accent1"/>
+          </a:lnRef>
+          <a:fillRef idx="3">
+            <a:schemeClr val="accent1"/>
+          </a:fillRef>
+          <a:effectRef idx="2">
+            <a:schemeClr val="accent1"/>
+          </a:effectRef>
+          <a:fontRef idx="minor">
+            <a:schemeClr val="lt1"/>
+          </a:fontRef>
+        </p:style>
+        <p:txBody>
+          <a:bodyPr rtlCol="0" anchor="ctr"/>
+          <a:lstStyle/>
+          <a:p>
+            <a:pPr algn="ctr"/>
+            <a:endParaRPr lang="en-US"/>
+          </a:p>
+        </p:txBody>
+      </p:sp>
+      <p:cxnSp>
+        <p:nvCxnSpPr>
+          <p:cNvPr id="56" name="Straight Arrow Connector 55"/>
+          <p:cNvCxnSpPr>
+            <a:stCxn id="46" idx="0"/>
+          </p:cNvCxnSpPr>
+          <p:nvPr/>
+        </p:nvCxnSpPr>
+        <p:spPr>
+          <a:xfrm flipH="1" flipV="1">
+            <a:off x="4472269" y="2067150"/>
+            <a:ext cx="1027790" cy="8834"/>
+          </a:xfrm>
+          <a:prstGeom prst="straightConnector1">
+            <a:avLst/>
+          </a:prstGeom>
+          <a:ln>
+            <a:solidFill>
+              <a:schemeClr val="tx1"/>
+            </a:solidFill>
+            <a:tailEnd type="arrow"/>
+          </a:ln>
+          <a:effectLst/>
+        </p:spPr>
+        <p:style>
+          <a:lnRef idx="2">
+            <a:schemeClr val="accent1"/>
+          </a:lnRef>
+          <a:fillRef idx="0">
+            <a:schemeClr val="accent1"/>
+          </a:fillRef>
+          <a:effectRef idx="1">
+            <a:schemeClr val="accent1"/>
+          </a:effectRef>
+          <a:fontRef idx="minor">
+            <a:schemeClr val="tx1"/>
+          </a:fontRef>
+        </p:style>
+      </p:cxnSp>
+      <p:cxnSp>
+        <p:nvCxnSpPr>
+          <p:cNvPr id="60" name="Straight Arrow Connector 59"/>
+          <p:cNvCxnSpPr>
+            <a:endCxn id="36" idx="3"/>
+          </p:cNvCxnSpPr>
+          <p:nvPr/>
+        </p:nvCxnSpPr>
+        <p:spPr>
+          <a:xfrm rot="5400000">
+            <a:off x="1864422" y="2911272"/>
+            <a:ext cx="1758864" cy="582096"/>
+          </a:xfrm>
+          <a:prstGeom prst="bentConnector2">
+            <a:avLst/>
+          </a:prstGeom>
+          <a:ln>
+            <a:solidFill>
+              <a:schemeClr val="tx1"/>
+            </a:solidFill>
+            <a:tailEnd type="arrow"/>
+          </a:ln>
+          <a:effectLst/>
+        </p:spPr>
+        <p:style>
+          <a:lnRef idx="2">
+            <a:schemeClr val="accent1"/>
+          </a:lnRef>
+          <a:fillRef idx="0">
+            <a:schemeClr val="accent1"/>
+          </a:fillRef>
+          <a:effectRef idx="1">
+            <a:schemeClr val="accent1"/>
+          </a:effectRef>
+          <a:fontRef idx="minor">
+            <a:schemeClr val="tx1"/>
+          </a:fontRef>
+        </p:style>
+      </p:cxnSp>
+      <p:sp>
+        <p:nvSpPr>
+          <p:cNvPr id="66" name="Rectangle 65"/>
+          <p:cNvSpPr/>
+          <p:nvPr/>
+        </p:nvSpPr>
+        <p:spPr>
+          <a:xfrm rot="16200000">
+            <a:off x="5211036" y="3377138"/>
+            <a:ext cx="1166795" cy="598743"/>
+          </a:xfrm>
+          <a:prstGeom prst="rect">
+            <a:avLst/>
+          </a:prstGeom>
+          <a:noFill/>
+          <a:ln w="25400">
+            <a:solidFill>
+              <a:schemeClr val="tx1"/>
+            </a:solidFill>
+          </a:ln>
+          <a:effectLst/>
+        </p:spPr>
+        <p:style>
+          <a:lnRef idx="1">
+            <a:schemeClr val="accent1"/>
+          </a:lnRef>
+          <a:fillRef idx="3">
+            <a:schemeClr val="accent1"/>
+          </a:fillRef>
+          <a:effectRef idx="2">
+            <a:schemeClr val="accent1"/>
+          </a:effectRef>
+          <a:fontRef idx="minor">
+            <a:schemeClr val="lt1"/>
+          </a:fontRef>
+        </p:style>
+        <p:txBody>
+          <a:bodyPr rtlCol="0" anchor="ctr"/>
+          <a:lstStyle/>
+          <a:p>
+            <a:pPr algn="ctr"/>
+            <a:r>
+              <a:rPr lang="en-US" dirty="0" smtClean="0">
+                <a:solidFill>
+                  <a:schemeClr val="tx1"/>
+                </a:solidFill>
+              </a:rPr>
+              <a:t>6: TCP Connector</a:t>
+            </a:r>
+            <a:endParaRPr lang="en-US" dirty="0">
+              <a:solidFill>
+                <a:schemeClr val="tx1"/>
+              </a:solidFill>
+            </a:endParaRPr>
+          </a:p>
+        </p:txBody>
+      </p:sp>
+      <p:cxnSp>
+        <p:nvCxnSpPr>
+          <p:cNvPr id="67" name="Straight Arrow Connector 66"/>
+          <p:cNvCxnSpPr/>
+          <p:nvPr/>
+        </p:nvCxnSpPr>
+        <p:spPr>
+          <a:xfrm>
+            <a:off x="6081014" y="3612199"/>
+            <a:ext cx="776350" cy="0"/>
+          </a:xfrm>
+          <a:prstGeom prst="straightConnector1">
+            <a:avLst/>
+          </a:prstGeom>
+          <a:ln>
+            <a:solidFill>
+              <a:schemeClr val="tx1"/>
+            </a:solidFill>
+            <a:tailEnd type="arrow"/>
+          </a:ln>
+          <a:effectLst/>
+        </p:spPr>
+        <p:style>
+          <a:lnRef idx="2">
+            <a:schemeClr val="accent1"/>
+          </a:lnRef>
+          <a:fillRef idx="0">
+            <a:schemeClr val="accent1"/>
+          </a:fillRef>
+          <a:effectRef idx="1">
+            <a:schemeClr val="accent1"/>
+          </a:effectRef>
+          <a:fontRef idx="minor">
+            <a:schemeClr val="tx1"/>
+          </a:fontRef>
+        </p:style>
+      </p:cxnSp>
+      <p:cxnSp>
+        <p:nvCxnSpPr>
+          <p:cNvPr id="68" name="Straight Arrow Connector 67"/>
+          <p:cNvCxnSpPr/>
+          <p:nvPr/>
+        </p:nvCxnSpPr>
+        <p:spPr>
+          <a:xfrm flipH="1">
+            <a:off x="6076017" y="3732032"/>
+            <a:ext cx="781347" cy="0"/>
+          </a:xfrm>
+          <a:prstGeom prst="straightConnector1">
+            <a:avLst/>
+          </a:prstGeom>
+          <a:ln>
+            <a:solidFill>
+              <a:schemeClr val="tx1"/>
+            </a:solidFill>
+            <a:tailEnd type="arrow"/>
+          </a:ln>
+          <a:effectLst/>
+        </p:spPr>
+        <p:style>
+          <a:lnRef idx="2">
+            <a:schemeClr val="accent1"/>
+          </a:lnRef>
+          <a:fillRef idx="0">
+            <a:schemeClr val="accent1"/>
+          </a:fillRef>
+          <a:effectRef idx="1">
+            <a:schemeClr val="accent1"/>
+          </a:effectRef>
+          <a:fontRef idx="minor">
+            <a:schemeClr val="tx1"/>
+          </a:fontRef>
+        </p:style>
+      </p:cxnSp>
+      <p:sp>
+        <p:nvSpPr>
+          <p:cNvPr id="38" name="Rectangle 37"/>
+          <p:cNvSpPr/>
+          <p:nvPr/>
+        </p:nvSpPr>
+        <p:spPr>
+          <a:xfrm>
+            <a:off x="6282047" y="3500020"/>
+            <a:ext cx="270946" cy="350445"/>
+          </a:xfrm>
+          <a:prstGeom prst="rect">
+            <a:avLst/>
+          </a:prstGeom>
+          <a:solidFill>
+            <a:schemeClr val="tx1">
+              <a:lumMod val="50000"/>
+              <a:lumOff val="50000"/>
+            </a:schemeClr>
+          </a:solidFill>
+          <a:ln w="25400">
+            <a:solidFill>
+              <a:schemeClr val="tx1"/>
+            </a:solidFill>
+          </a:ln>
+          <a:effectLst/>
+        </p:spPr>
+        <p:style>
+          <a:lnRef idx="1">
+            <a:schemeClr val="accent1"/>
+          </a:lnRef>
+          <a:fillRef idx="3">
+            <a:schemeClr val="accent1"/>
+          </a:fillRef>
+          <a:effectRef idx="2">
+            <a:schemeClr val="accent1"/>
+          </a:effectRef>
+          <a:fontRef idx="minor">
+            <a:schemeClr val="lt1"/>
+          </a:fontRef>
+        </p:style>
+        <p:txBody>
+          <a:bodyPr rtlCol="0" anchor="ctr"/>
+          <a:lstStyle/>
+          <a:p>
+            <a:pPr algn="ctr"/>
+            <a:endParaRPr lang="en-US"/>
+          </a:p>
+        </p:txBody>
+      </p:sp>
+      <p:sp>
+        <p:nvSpPr>
+          <p:cNvPr id="69" name="Rectangle 68"/>
+          <p:cNvSpPr/>
+          <p:nvPr/>
+        </p:nvSpPr>
+        <p:spPr>
+          <a:xfrm>
+            <a:off x="3365057" y="2603859"/>
+            <a:ext cx="1791079" cy="2507637"/>
+          </a:xfrm>
+          <a:prstGeom prst="rect">
+            <a:avLst/>
+          </a:prstGeom>
+          <a:noFill/>
+          <a:ln w="25400">
+            <a:solidFill>
+              <a:schemeClr val="tx1"/>
+            </a:solidFill>
+          </a:ln>
+          <a:effectLst/>
+        </p:spPr>
+        <p:style>
+          <a:lnRef idx="1">
+            <a:schemeClr val="accent1"/>
+          </a:lnRef>
+          <a:fillRef idx="3">
+            <a:schemeClr val="accent1"/>
+          </a:fillRef>
+          <a:effectRef idx="2">
+            <a:schemeClr val="accent1"/>
+          </a:effectRef>
+          <a:fontRef idx="minor">
+            <a:schemeClr val="lt1"/>
+          </a:fontRef>
+        </p:style>
+        <p:txBody>
+          <a:bodyPr rtlCol="0" anchor="ctr"/>
+          <a:lstStyle/>
+          <a:p>
+            <a:pPr algn="ctr"/>
+            <a:endParaRPr lang="en-US"/>
+          </a:p>
+        </p:txBody>
+      </p:sp>
+      <p:sp>
+        <p:nvSpPr>
+          <p:cNvPr id="85" name="TextBox 84"/>
+          <p:cNvSpPr txBox="1"/>
+          <p:nvPr/>
+        </p:nvSpPr>
+        <p:spPr>
+          <a:xfrm>
+            <a:off x="3365057" y="4641838"/>
+            <a:ext cx="1773291" cy="338554"/>
+          </a:xfrm>
+          <a:prstGeom prst="rect">
+            <a:avLst/>
+          </a:prstGeom>
+          <a:noFill/>
+        </p:spPr>
+        <p:txBody>
+          <a:bodyPr wrap="square" rtlCol="0">
+            <a:spAutoFit/>
+          </a:bodyPr>
+          <a:lstStyle/>
+          <a:p>
+            <a:pPr algn="ctr"/>
+            <a:r>
+              <a:rPr lang="en-US" sz="1600" dirty="0" smtClean="0"/>
+              <a:t>5: Buffer Manager</a:t>
+            </a:r>
+            <a:endParaRPr lang="en-US" sz="1600" dirty="0"/>
+          </a:p>
+        </p:txBody>
+      </p:sp>
+      <p:cxnSp>
+        <p:nvCxnSpPr>
+          <p:cNvPr id="86" name="Straight Arrow Connector 85"/>
+          <p:cNvCxnSpPr/>
+          <p:nvPr/>
+        </p:nvCxnSpPr>
+        <p:spPr>
+          <a:xfrm flipH="1">
+            <a:off x="3512356" y="2322892"/>
+            <a:ext cx="15744" cy="2318946"/>
+          </a:xfrm>
+          <a:prstGeom prst="straightConnector1">
+            <a:avLst/>
+          </a:prstGeom>
+          <a:ln>
+            <a:solidFill>
+              <a:schemeClr val="tx1"/>
+            </a:solidFill>
+            <a:tailEnd type="arrow"/>
+          </a:ln>
+          <a:effectLst/>
+        </p:spPr>
+        <p:style>
+          <a:lnRef idx="2">
+            <a:schemeClr val="accent1"/>
+          </a:lnRef>
+          <a:fillRef idx="0">
+            <a:schemeClr val="accent1"/>
+          </a:fillRef>
+          <a:effectRef idx="1">
+            <a:schemeClr val="accent1"/>
+          </a:effectRef>
+          <a:fontRef idx="minor">
+            <a:schemeClr val="tx1"/>
+          </a:fontRef>
+        </p:style>
+      </p:cxnSp>
+      <p:cxnSp>
+        <p:nvCxnSpPr>
+          <p:cNvPr id="89" name="Straight Arrow Connector 88"/>
+          <p:cNvCxnSpPr/>
+          <p:nvPr/>
+        </p:nvCxnSpPr>
+        <p:spPr>
+          <a:xfrm>
+            <a:off x="3528100" y="3061885"/>
+            <a:ext cx="336288" cy="0"/>
+          </a:xfrm>
+          <a:prstGeom prst="straightConnector1">
+            <a:avLst/>
+          </a:prstGeom>
+          <a:ln>
+            <a:solidFill>
+              <a:schemeClr val="tx1"/>
+            </a:solidFill>
+            <a:tailEnd type="arrow"/>
+          </a:ln>
+          <a:effectLst/>
+        </p:spPr>
+        <p:style>
+          <a:lnRef idx="2">
+            <a:schemeClr val="accent1"/>
+          </a:lnRef>
+          <a:fillRef idx="0">
+            <a:schemeClr val="accent1"/>
+          </a:fillRef>
+          <a:effectRef idx="1">
+            <a:schemeClr val="accent1"/>
+          </a:effectRef>
+          <a:fontRef idx="minor">
+            <a:schemeClr val="tx1"/>
+          </a:fontRef>
+        </p:style>
+      </p:cxnSp>
+      <p:cxnSp>
+        <p:nvCxnSpPr>
+          <p:cNvPr id="92" name="Straight Arrow Connector 91"/>
+          <p:cNvCxnSpPr/>
+          <p:nvPr/>
+        </p:nvCxnSpPr>
+        <p:spPr>
+          <a:xfrm>
+            <a:off x="3528100" y="3477330"/>
+            <a:ext cx="336288" cy="0"/>
+          </a:xfrm>
+          <a:prstGeom prst="straightConnector1">
+            <a:avLst/>
+          </a:prstGeom>
+          <a:ln>
+            <a:solidFill>
+              <a:schemeClr val="tx1"/>
+            </a:solidFill>
+            <a:tailEnd type="arrow"/>
+          </a:ln>
+          <a:effectLst/>
+        </p:spPr>
+        <p:style>
+          <a:lnRef idx="2">
+            <a:schemeClr val="accent1"/>
+          </a:lnRef>
+          <a:fillRef idx="0">
+            <a:schemeClr val="accent1"/>
+          </a:fillRef>
+          <a:effectRef idx="1">
+            <a:schemeClr val="accent1"/>
+          </a:effectRef>
+          <a:fontRef idx="minor">
+            <a:schemeClr val="tx1"/>
+          </a:fontRef>
+        </p:style>
+      </p:cxnSp>
+      <p:cxnSp>
+        <p:nvCxnSpPr>
+          <p:cNvPr id="93" name="Straight Arrow Connector 92"/>
+          <p:cNvCxnSpPr/>
+          <p:nvPr/>
+        </p:nvCxnSpPr>
+        <p:spPr>
+          <a:xfrm>
+            <a:off x="3528100" y="3724918"/>
+            <a:ext cx="336288" cy="0"/>
+          </a:xfrm>
+          <a:prstGeom prst="straightConnector1">
+            <a:avLst/>
+          </a:prstGeom>
+          <a:ln>
+            <a:solidFill>
+              <a:schemeClr val="tx1"/>
+            </a:solidFill>
+            <a:tailEnd type="arrow"/>
+          </a:ln>
+          <a:effectLst/>
+        </p:spPr>
+        <p:style>
+          <a:lnRef idx="2">
+            <a:schemeClr val="accent1"/>
+          </a:lnRef>
+          <a:fillRef idx="0">
+            <a:schemeClr val="accent1"/>
+          </a:fillRef>
+          <a:effectRef idx="1">
+            <a:schemeClr val="accent1"/>
+          </a:effectRef>
+          <a:fontRef idx="minor">
+            <a:schemeClr val="tx1"/>
+          </a:fontRef>
+        </p:style>
+      </p:cxnSp>
+      <p:cxnSp>
+        <p:nvCxnSpPr>
+          <p:cNvPr id="94" name="Straight Arrow Connector 93"/>
+          <p:cNvCxnSpPr/>
+          <p:nvPr/>
+        </p:nvCxnSpPr>
+        <p:spPr>
+          <a:xfrm>
+            <a:off x="3528100" y="4022969"/>
+            <a:ext cx="336288" cy="0"/>
+          </a:xfrm>
+          <a:prstGeom prst="straightConnector1">
+            <a:avLst/>
+          </a:prstGeom>
+          <a:ln>
+            <a:solidFill>
+              <a:schemeClr val="tx1"/>
+            </a:solidFill>
+            <a:tailEnd type="arrow"/>
+          </a:ln>
+          <a:effectLst/>
+        </p:spPr>
+        <p:style>
+          <a:lnRef idx="2">
+            <a:schemeClr val="accent1"/>
+          </a:lnRef>
+          <a:fillRef idx="0">
+            <a:schemeClr val="accent1"/>
+          </a:fillRef>
+          <a:effectRef idx="1">
+            <a:schemeClr val="accent1"/>
+          </a:effectRef>
+          <a:fontRef idx="minor">
+            <a:schemeClr val="tx1"/>
+          </a:fontRef>
+        </p:style>
+      </p:cxnSp>
+      <p:cxnSp>
+        <p:nvCxnSpPr>
+          <p:cNvPr id="95" name="Straight Arrow Connector 94"/>
+          <p:cNvCxnSpPr/>
+          <p:nvPr/>
+        </p:nvCxnSpPr>
+        <p:spPr>
+          <a:xfrm>
+            <a:off x="3512356" y="4390097"/>
+            <a:ext cx="336288" cy="0"/>
+          </a:xfrm>
+          <a:prstGeom prst="straightConnector1">
+            <a:avLst/>
+          </a:prstGeom>
+          <a:ln>
+            <a:solidFill>
+              <a:schemeClr val="tx1"/>
+            </a:solidFill>
+            <a:tailEnd type="arrow"/>
+          </a:ln>
+          <a:effectLst/>
+        </p:spPr>
+        <p:style>
+          <a:lnRef idx="2">
+            <a:schemeClr val="accent1"/>
+          </a:lnRef>
+          <a:fillRef idx="0">
+            <a:schemeClr val="accent1"/>
+          </a:fillRef>
+          <a:effectRef idx="1">
+            <a:schemeClr val="accent1"/>
+          </a:effectRef>
+          <a:fontRef idx="minor">
+            <a:schemeClr val="tx1"/>
+          </a:fontRef>
+        </p:style>
+      </p:cxnSp>
+      <p:sp>
+        <p:nvSpPr>
+          <p:cNvPr id="96" name="Rectangle 95"/>
+          <p:cNvSpPr/>
+          <p:nvPr/>
+        </p:nvSpPr>
+        <p:spPr>
+          <a:xfrm>
+            <a:off x="3864389" y="2942897"/>
+            <a:ext cx="1161487" cy="260110"/>
+          </a:xfrm>
+          <a:prstGeom prst="rect">
+            <a:avLst/>
+          </a:prstGeom>
+          <a:noFill/>
+          <a:ln w="25400">
+            <a:solidFill>
+              <a:schemeClr val="tx1"/>
+            </a:solidFill>
+          </a:ln>
+          <a:effectLst/>
+        </p:spPr>
+        <p:style>
+          <a:lnRef idx="1">
+            <a:schemeClr val="accent1"/>
+          </a:lnRef>
+          <a:fillRef idx="3">
+            <a:schemeClr val="accent1"/>
+          </a:fillRef>
+          <a:effectRef idx="2">
+            <a:schemeClr val="accent1"/>
+          </a:effectRef>
+          <a:fontRef idx="minor">
+            <a:schemeClr val="lt1"/>
+          </a:fontRef>
+        </p:style>
+        <p:txBody>
+          <a:bodyPr rtlCol="0" anchor="ctr"/>
+          <a:lstStyle/>
+          <a:p>
+            <a:pPr algn="ctr"/>
+            <a:endParaRPr lang="en-US"/>
+          </a:p>
+        </p:txBody>
+      </p:sp>
+      <p:sp>
+        <p:nvSpPr>
+          <p:cNvPr id="99" name="Rectangle 98"/>
+          <p:cNvSpPr/>
+          <p:nvPr/>
+        </p:nvSpPr>
+        <p:spPr>
+          <a:xfrm>
+            <a:off x="3887388" y="3280473"/>
+            <a:ext cx="868402" cy="260110"/>
+          </a:xfrm>
+          <a:prstGeom prst="rect">
+            <a:avLst/>
+          </a:prstGeom>
+          <a:noFill/>
+          <a:ln w="25400">
+            <a:solidFill>
+              <a:schemeClr val="tx1"/>
+            </a:solidFill>
+          </a:ln>
+          <a:effectLst/>
+        </p:spPr>
+        <p:style>
+          <a:lnRef idx="1">
+            <a:schemeClr val="accent1"/>
+          </a:lnRef>
+          <a:fillRef idx="3">
+            <a:schemeClr val="accent1"/>
+          </a:fillRef>
+          <a:effectRef idx="2">
+            <a:schemeClr val="accent1"/>
+          </a:effectRef>
+          <a:fontRef idx="minor">
+            <a:schemeClr val="lt1"/>
+          </a:fontRef>
+        </p:style>
+        <p:txBody>
+          <a:bodyPr rtlCol="0" anchor="ctr"/>
+          <a:lstStyle/>
+          <a:p>
+            <a:pPr algn="ctr"/>
+            <a:endParaRPr lang="en-US"/>
+          </a:p>
+        </p:txBody>
+      </p:sp>
+      <p:sp>
+        <p:nvSpPr>
+          <p:cNvPr id="100" name="Rectangle 99"/>
+          <p:cNvSpPr/>
+          <p:nvPr/>
+        </p:nvSpPr>
+        <p:spPr>
+          <a:xfrm>
+            <a:off x="3887388" y="3914626"/>
+            <a:ext cx="541461" cy="217200"/>
+          </a:xfrm>
+          <a:prstGeom prst="rect">
+            <a:avLst/>
+          </a:prstGeom>
+          <a:noFill/>
+          <a:ln w="25400">
+            <a:solidFill>
+              <a:schemeClr val="tx1"/>
+            </a:solidFill>
+          </a:ln>
+          <a:effectLst/>
+        </p:spPr>
+        <p:style>
+          <a:lnRef idx="1">
+            <a:schemeClr val="accent1"/>
+          </a:lnRef>
+          <a:fillRef idx="3">
+            <a:schemeClr val="accent1"/>
+          </a:fillRef>
+          <a:effectRef idx="2">
+            <a:schemeClr val="accent1"/>
+          </a:effectRef>
+          <a:fontRef idx="minor">
+            <a:schemeClr val="lt1"/>
+          </a:fontRef>
+        </p:style>
+        <p:txBody>
+          <a:bodyPr rtlCol="0" anchor="ctr"/>
+          <a:lstStyle/>
+          <a:p>
+            <a:pPr algn="ctr"/>
+            <a:endParaRPr lang="en-US"/>
+          </a:p>
+        </p:txBody>
+      </p:sp>
+      <p:sp>
+        <p:nvSpPr>
+          <p:cNvPr id="101" name="Rectangle 100"/>
+          <p:cNvSpPr/>
+          <p:nvPr/>
+        </p:nvSpPr>
+        <p:spPr>
+          <a:xfrm>
+            <a:off x="3887388" y="3594863"/>
+            <a:ext cx="997372" cy="260110"/>
+          </a:xfrm>
+          <a:prstGeom prst="rect">
+            <a:avLst/>
+          </a:prstGeom>
+          <a:noFill/>
+          <a:ln w="25400">
+            <a:solidFill>
+              <a:schemeClr val="tx1"/>
+            </a:solidFill>
+          </a:ln>
+          <a:effectLst/>
+        </p:spPr>
+        <p:style>
+          <a:lnRef idx="1">
+            <a:schemeClr val="accent1"/>
+          </a:lnRef>
+          <a:fillRef idx="3">
+            <a:schemeClr val="accent1"/>
+          </a:fillRef>
+          <a:effectRef idx="2">
+            <a:schemeClr val="accent1"/>
+          </a:effectRef>
+          <a:fontRef idx="minor">
+            <a:schemeClr val="lt1"/>
+          </a:fontRef>
+        </p:style>
+        <p:txBody>
+          <a:bodyPr rtlCol="0" anchor="ctr"/>
+          <a:lstStyle/>
+          <a:p>
+            <a:pPr algn="ctr"/>
+            <a:endParaRPr lang="en-US"/>
+          </a:p>
+        </p:txBody>
+      </p:sp>
+      <p:sp>
+        <p:nvSpPr>
+          <p:cNvPr id="102" name="Rectangle 101"/>
+          <p:cNvSpPr/>
+          <p:nvPr/>
+        </p:nvSpPr>
+        <p:spPr>
+          <a:xfrm>
+            <a:off x="3887387" y="4246861"/>
+            <a:ext cx="1138489" cy="235410"/>
+          </a:xfrm>
+          <a:prstGeom prst="rect">
+            <a:avLst/>
+          </a:prstGeom>
+          <a:noFill/>
+          <a:ln w="25400">
+            <a:solidFill>
+              <a:schemeClr val="tx1"/>
+            </a:solidFill>
+          </a:ln>
+          <a:effectLst/>
+        </p:spPr>
+        <p:style>
+          <a:lnRef idx="1">
+            <a:schemeClr val="accent1"/>
+          </a:lnRef>
+          <a:fillRef idx="3">
+            <a:schemeClr val="accent1"/>
+          </a:fillRef>
+          <a:effectRef idx="2">
+            <a:schemeClr val="accent1"/>
+          </a:effectRef>
+          <a:fontRef idx="minor">
+            <a:schemeClr val="lt1"/>
+          </a:fontRef>
+        </p:style>
+        <p:txBody>
+          <a:bodyPr rtlCol="0" anchor="ctr"/>
+          <a:lstStyle/>
+          <a:p>
+            <a:pPr algn="ctr"/>
+            <a:endParaRPr lang="en-US"/>
+          </a:p>
+        </p:txBody>
+      </p:sp>
+      <p:cxnSp>
+        <p:nvCxnSpPr>
+          <p:cNvPr id="108" name="Straight Arrow Connector 107"/>
+          <p:cNvCxnSpPr>
+            <a:endCxn id="66" idx="0"/>
+          </p:cNvCxnSpPr>
+          <p:nvPr/>
+        </p:nvCxnSpPr>
+        <p:spPr>
+          <a:xfrm>
+            <a:off x="5138348" y="3676509"/>
+            <a:ext cx="356714" cy="0"/>
+          </a:xfrm>
+          <a:prstGeom prst="straightConnector1">
+            <a:avLst/>
+          </a:prstGeom>
+          <a:ln>
+            <a:solidFill>
+              <a:schemeClr val="tx1"/>
+            </a:solidFill>
+            <a:tailEnd type="arrow"/>
+          </a:ln>
+          <a:effectLst/>
+        </p:spPr>
+        <p:style>
+          <a:lnRef idx="2">
+            <a:schemeClr val="accent1"/>
+          </a:lnRef>
+          <a:fillRef idx="0">
+            <a:schemeClr val="accent1"/>
+          </a:fillRef>
+          <a:effectRef idx="1">
+            <a:schemeClr val="accent1"/>
+          </a:effectRef>
+          <a:fontRef idx="minor">
+            <a:schemeClr val="tx1"/>
+          </a:fontRef>
+        </p:style>
+      </p:cxnSp>
+      <p:grpSp>
+        <p:nvGrpSpPr>
+          <p:cNvPr id="116" name="Group 115"/>
+          <p:cNvGrpSpPr/>
+          <p:nvPr/>
+        </p:nvGrpSpPr>
+        <p:grpSpPr>
+          <a:xfrm>
+            <a:off x="1335168" y="3925570"/>
+            <a:ext cx="401636" cy="412511"/>
+            <a:chOff x="7489966" y="477645"/>
+            <a:chExt cx="401636" cy="412511"/>
+          </a:xfrm>
+        </p:grpSpPr>
+        <p:sp>
+          <p:nvSpPr>
+            <p:cNvPr id="114" name="Oval 113"/>
+            <p:cNvSpPr/>
+            <p:nvPr/>
+          </p:nvSpPr>
+          <p:spPr>
+            <a:xfrm>
+              <a:off x="7489966" y="477645"/>
+              <a:ext cx="401636" cy="412511"/>
+            </a:xfrm>
+            <a:prstGeom prst="ellipse">
+              <a:avLst/>
+            </a:prstGeom>
+            <a:noFill/>
+            <a:ln w="22225">
+              <a:solidFill>
+                <a:schemeClr val="tx1"/>
+              </a:solidFill>
+            </a:ln>
+            <a:effectLst/>
+          </p:spPr>
+          <p:style>
+            <a:lnRef idx="1">
+              <a:schemeClr val="accent1"/>
+            </a:lnRef>
+            <a:fillRef idx="3">
+              <a:schemeClr val="accent1"/>
+            </a:fillRef>
+            <a:effectRef idx="2">
+              <a:schemeClr val="accent1"/>
+            </a:effectRef>
+            <a:fontRef idx="minor">
+              <a:schemeClr val="lt1"/>
+            </a:fontRef>
+          </p:style>
+          <p:txBody>
+            <a:bodyPr rtlCol="0" anchor="ctr"/>
+            <a:lstStyle/>
+            <a:p>
+              <a:pPr algn="ctr"/>
+              <a:endParaRPr lang="en-US"/>
+            </a:p>
+          </p:txBody>
+        </p:sp>
+        <p:sp>
+          <p:nvSpPr>
+            <p:cNvPr id="115" name="TextBox 114"/>
+            <p:cNvSpPr txBox="1"/>
+            <p:nvPr/>
+          </p:nvSpPr>
+          <p:spPr>
+            <a:xfrm>
+              <a:off x="7524812" y="477645"/>
+              <a:ext cx="301660" cy="369332"/>
+            </a:xfrm>
+            <a:prstGeom prst="rect">
+              <a:avLst/>
+            </a:prstGeom>
+            <a:noFill/>
+          </p:spPr>
+          <p:txBody>
+            <a:bodyPr wrap="none" rtlCol="0">
+              <a:spAutoFit/>
+            </a:bodyPr>
+            <a:lstStyle/>
+            <a:p>
+              <a:r>
+                <a:rPr lang="en-US" dirty="0" smtClean="0"/>
+                <a:t>1</a:t>
+              </a:r>
+              <a:endParaRPr lang="en-US" dirty="0"/>
+            </a:p>
+          </p:txBody>
+        </p:sp>
+      </p:grpSp>
+      <p:grpSp>
+        <p:nvGrpSpPr>
+          <p:cNvPr id="117" name="Group 116"/>
+          <p:cNvGrpSpPr/>
+          <p:nvPr/>
+        </p:nvGrpSpPr>
+        <p:grpSpPr>
+          <a:xfrm>
+            <a:off x="6889499" y="1812667"/>
+            <a:ext cx="401636" cy="412511"/>
+            <a:chOff x="7489966" y="477645"/>
+            <a:chExt cx="401636" cy="412511"/>
+          </a:xfrm>
+        </p:grpSpPr>
+        <p:sp>
+          <p:nvSpPr>
+            <p:cNvPr id="118" name="Oval 117"/>
+            <p:cNvSpPr/>
+            <p:nvPr/>
+          </p:nvSpPr>
+          <p:spPr>
+            <a:xfrm>
+              <a:off x="7489966" y="477645"/>
+              <a:ext cx="401636" cy="412511"/>
+            </a:xfrm>
+            <a:prstGeom prst="ellipse">
+              <a:avLst/>
+            </a:prstGeom>
+            <a:noFill/>
+            <a:ln w="22225">
+              <a:solidFill>
+                <a:schemeClr val="tx1"/>
+              </a:solidFill>
+            </a:ln>
+            <a:effectLst/>
+          </p:spPr>
+          <p:style>
+            <a:lnRef idx="1">
+              <a:schemeClr val="accent1"/>
+            </a:lnRef>
+            <a:fillRef idx="3">
+              <a:schemeClr val="accent1"/>
+            </a:fillRef>
+            <a:effectRef idx="2">
+              <a:schemeClr val="accent1"/>
+            </a:effectRef>
+            <a:fontRef idx="minor">
+              <a:schemeClr val="lt1"/>
+            </a:fontRef>
+          </p:style>
+          <p:txBody>
+            <a:bodyPr rtlCol="0" anchor="ctr"/>
+            <a:lstStyle/>
+            <a:p>
+              <a:pPr algn="ctr"/>
+              <a:endParaRPr lang="en-US"/>
+            </a:p>
+          </p:txBody>
+        </p:sp>
+        <p:sp>
+          <p:nvSpPr>
+            <p:cNvPr id="119" name="TextBox 118"/>
+            <p:cNvSpPr txBox="1"/>
+            <p:nvPr/>
+          </p:nvSpPr>
+          <p:spPr>
+            <a:xfrm>
+              <a:off x="7524812" y="477645"/>
+              <a:ext cx="301660" cy="369332"/>
+            </a:xfrm>
+            <a:prstGeom prst="rect">
+              <a:avLst/>
+            </a:prstGeom>
+            <a:noFill/>
+          </p:spPr>
+          <p:txBody>
+            <a:bodyPr wrap="none" rtlCol="0">
+              <a:spAutoFit/>
+            </a:bodyPr>
+            <a:lstStyle/>
+            <a:p>
+              <a:r>
+                <a:rPr lang="en-US" dirty="0"/>
+                <a:t>4</a:t>
+              </a:r>
+              <a:endParaRPr lang="en-US" dirty="0"/>
+            </a:p>
+          </p:txBody>
+        </p:sp>
+      </p:grpSp>
+      <p:grpSp>
+        <p:nvGrpSpPr>
+          <p:cNvPr id="120" name="Group 119"/>
+          <p:cNvGrpSpPr/>
+          <p:nvPr/>
+        </p:nvGrpSpPr>
+        <p:grpSpPr>
+          <a:xfrm>
+            <a:off x="6889499" y="3453861"/>
+            <a:ext cx="401636" cy="412511"/>
+            <a:chOff x="7489966" y="477645"/>
+            <a:chExt cx="401636" cy="412511"/>
+          </a:xfrm>
+        </p:grpSpPr>
+        <p:sp>
+          <p:nvSpPr>
+            <p:cNvPr id="121" name="Oval 120"/>
+            <p:cNvSpPr/>
+            <p:nvPr/>
+          </p:nvSpPr>
+          <p:spPr>
+            <a:xfrm>
+              <a:off x="7489966" y="477645"/>
+              <a:ext cx="401636" cy="412511"/>
+            </a:xfrm>
+            <a:prstGeom prst="ellipse">
+              <a:avLst/>
+            </a:prstGeom>
+            <a:noFill/>
+            <a:ln w="22225">
+              <a:solidFill>
+                <a:schemeClr val="tx1"/>
+              </a:solidFill>
+            </a:ln>
+            <a:effectLst/>
+          </p:spPr>
+          <p:style>
+            <a:lnRef idx="1">
+              <a:schemeClr val="accent1"/>
+            </a:lnRef>
+            <a:fillRef idx="3">
+              <a:schemeClr val="accent1"/>
+            </a:fillRef>
+            <a:effectRef idx="2">
+              <a:schemeClr val="accent1"/>
+            </a:effectRef>
+            <a:fontRef idx="minor">
+              <a:schemeClr val="lt1"/>
+            </a:fontRef>
+          </p:style>
+          <p:txBody>
+            <a:bodyPr rtlCol="0" anchor="ctr"/>
+            <a:lstStyle/>
+            <a:p>
+              <a:pPr algn="ctr"/>
+              <a:endParaRPr lang="en-US"/>
+            </a:p>
+          </p:txBody>
+        </p:sp>
+        <p:sp>
+          <p:nvSpPr>
+            <p:cNvPr id="122" name="TextBox 121"/>
+            <p:cNvSpPr txBox="1"/>
+            <p:nvPr/>
+          </p:nvSpPr>
+          <p:spPr>
+            <a:xfrm>
+              <a:off x="7524812" y="477645"/>
+              <a:ext cx="301660" cy="369332"/>
+            </a:xfrm>
+            <a:prstGeom prst="rect">
+              <a:avLst/>
+            </a:prstGeom>
+            <a:noFill/>
+          </p:spPr>
+          <p:txBody>
+            <a:bodyPr wrap="none" rtlCol="0">
+              <a:spAutoFit/>
+            </a:bodyPr>
+            <a:lstStyle/>
+            <a:p>
+              <a:r>
+                <a:rPr lang="en-US" dirty="0" smtClean="0"/>
+                <a:t>7</a:t>
+              </a:r>
+              <a:endParaRPr lang="en-US" dirty="0"/>
+            </a:p>
+          </p:txBody>
+        </p:sp>
+      </p:grpSp>
+      <p:cxnSp>
+        <p:nvCxnSpPr>
+          <p:cNvPr id="123" name="Straight Arrow Connector 122"/>
+          <p:cNvCxnSpPr/>
+          <p:nvPr/>
+        </p:nvCxnSpPr>
+        <p:spPr>
+          <a:xfrm flipH="1">
+            <a:off x="1736804" y="4153538"/>
+            <a:ext cx="445056" cy="0"/>
+          </a:xfrm>
+          <a:prstGeom prst="straightConnector1">
+            <a:avLst/>
+          </a:prstGeom>
+          <a:ln>
+            <a:solidFill>
+              <a:schemeClr val="tx1"/>
+            </a:solidFill>
+            <a:tailEnd type="arrow"/>
+          </a:ln>
+          <a:effectLst/>
+        </p:spPr>
+        <p:style>
+          <a:lnRef idx="2">
+            <a:schemeClr val="accent1"/>
+          </a:lnRef>
+          <a:fillRef idx="0">
+            <a:schemeClr val="accent1"/>
+          </a:fillRef>
+          <a:effectRef idx="1">
+            <a:schemeClr val="accent1"/>
+          </a:effectRef>
+          <a:fontRef idx="minor">
+            <a:schemeClr val="tx1"/>
+          </a:fontRef>
+        </p:style>
+      </p:cxnSp>
+    </p:spTree>
+    <p:extLst>
+      <p:ext uri="{BB962C8B-B14F-4D97-AF65-F5344CB8AC3E}">
+        <p14:creationId xmlns:p14="http://schemas.microsoft.com/office/powerpoint/2010/main" val="2909022565"/>
       </p:ext>
     </p:extLst>
   </p:cSld>

--- a/paper/figs/images.pptx
+++ b/paper/figs/images.pptx
@@ -6,7 +6,9 @@
   </p:sldMasterIdLst>
   <p:sldIdLst>
     <p:sldId id="256" r:id="rId2"/>
-    <p:sldId id="257" r:id="rId3"/>
+    <p:sldId id="258" r:id="rId3"/>
+    <p:sldId id="259" r:id="rId4"/>
+    <p:sldId id="257" r:id="rId5"/>
   </p:sldIdLst>
   <p:sldSz cx="9144000" cy="6858000" type="screen4x3"/>
   <p:notesSz cx="6858000" cy="9144000"/>
@@ -289,7 +291,7 @@
           <a:p>
             <a:fld id="{06D27FD6-7394-0F44-B86B-46BBC2D874F2}" type="datetimeFigureOut">
               <a:rPr lang="en-US" smtClean="0"/>
-              <a:t>4/29/14</a:t>
+              <a:t>7/22/14</a:t>
             </a:fld>
             <a:endParaRPr lang="en-US"/>
           </a:p>
@@ -459,7 +461,7 @@
           <a:p>
             <a:fld id="{06D27FD6-7394-0F44-B86B-46BBC2D874F2}" type="datetimeFigureOut">
               <a:rPr lang="en-US" smtClean="0"/>
-              <a:t>4/29/14</a:t>
+              <a:t>7/22/14</a:t>
             </a:fld>
             <a:endParaRPr lang="en-US"/>
           </a:p>
@@ -639,7 +641,7 @@
           <a:p>
             <a:fld id="{06D27FD6-7394-0F44-B86B-46BBC2D874F2}" type="datetimeFigureOut">
               <a:rPr lang="en-US" smtClean="0"/>
-              <a:t>4/29/14</a:t>
+              <a:t>7/22/14</a:t>
             </a:fld>
             <a:endParaRPr lang="en-US"/>
           </a:p>
@@ -809,7 +811,7 @@
           <a:p>
             <a:fld id="{06D27FD6-7394-0F44-B86B-46BBC2D874F2}" type="datetimeFigureOut">
               <a:rPr lang="en-US" smtClean="0"/>
-              <a:t>4/29/14</a:t>
+              <a:t>7/22/14</a:t>
             </a:fld>
             <a:endParaRPr lang="en-US"/>
           </a:p>
@@ -1055,7 +1057,7 @@
           <a:p>
             <a:fld id="{06D27FD6-7394-0F44-B86B-46BBC2D874F2}" type="datetimeFigureOut">
               <a:rPr lang="en-US" smtClean="0"/>
-              <a:t>4/29/14</a:t>
+              <a:t>7/22/14</a:t>
             </a:fld>
             <a:endParaRPr lang="en-US"/>
           </a:p>
@@ -1343,7 +1345,7 @@
           <a:p>
             <a:fld id="{06D27FD6-7394-0F44-B86B-46BBC2D874F2}" type="datetimeFigureOut">
               <a:rPr lang="en-US" smtClean="0"/>
-              <a:t>4/29/14</a:t>
+              <a:t>7/22/14</a:t>
             </a:fld>
             <a:endParaRPr lang="en-US"/>
           </a:p>
@@ -1765,7 +1767,7 @@
           <a:p>
             <a:fld id="{06D27FD6-7394-0F44-B86B-46BBC2D874F2}" type="datetimeFigureOut">
               <a:rPr lang="en-US" smtClean="0"/>
-              <a:t>4/29/14</a:t>
+              <a:t>7/22/14</a:t>
             </a:fld>
             <a:endParaRPr lang="en-US"/>
           </a:p>
@@ -1883,7 +1885,7 @@
           <a:p>
             <a:fld id="{06D27FD6-7394-0F44-B86B-46BBC2D874F2}" type="datetimeFigureOut">
               <a:rPr lang="en-US" smtClean="0"/>
-              <a:t>4/29/14</a:t>
+              <a:t>7/22/14</a:t>
             </a:fld>
             <a:endParaRPr lang="en-US"/>
           </a:p>
@@ -1978,7 +1980,7 @@
           <a:p>
             <a:fld id="{06D27FD6-7394-0F44-B86B-46BBC2D874F2}" type="datetimeFigureOut">
               <a:rPr lang="en-US" smtClean="0"/>
-              <a:t>4/29/14</a:t>
+              <a:t>7/22/14</a:t>
             </a:fld>
             <a:endParaRPr lang="en-US"/>
           </a:p>
@@ -2255,7 +2257,7 @@
           <a:p>
             <a:fld id="{06D27FD6-7394-0F44-B86B-46BBC2D874F2}" type="datetimeFigureOut">
               <a:rPr lang="en-US" smtClean="0"/>
-              <a:t>4/29/14</a:t>
+              <a:t>7/22/14</a:t>
             </a:fld>
             <a:endParaRPr lang="en-US"/>
           </a:p>
@@ -2508,7 +2510,7 @@
           <a:p>
             <a:fld id="{06D27FD6-7394-0F44-B86B-46BBC2D874F2}" type="datetimeFigureOut">
               <a:rPr lang="en-US" smtClean="0"/>
-              <a:t>4/29/14</a:t>
+              <a:t>7/22/14</a:t>
             </a:fld>
             <a:endParaRPr lang="en-US"/>
           </a:p>
@@ -2721,7 +2723,7 @@
           <a:p>
             <a:fld id="{06D27FD6-7394-0F44-B86B-46BBC2D874F2}" type="datetimeFigureOut">
               <a:rPr lang="en-US" smtClean="0"/>
-              <a:t>4/29/14</a:t>
+              <a:t>7/22/14</a:t>
             </a:fld>
             <a:endParaRPr lang="en-US"/>
           </a:p>
@@ -4444,14 +4446,14 @@
       </p:grpSpPr>
       <p:sp>
         <p:nvSpPr>
-          <p:cNvPr id="33" name="Rectangle 32"/>
+          <p:cNvPr id="6" name="Rectangle 5"/>
           <p:cNvSpPr/>
           <p:nvPr/>
         </p:nvSpPr>
         <p:spPr>
           <a:xfrm>
-            <a:off x="2279554" y="1276912"/>
-            <a:ext cx="4157475" cy="3997417"/>
+            <a:off x="1308471" y="2287099"/>
+            <a:ext cx="1636040" cy="1398972"/>
           </a:xfrm>
           <a:prstGeom prst="rect">
             <a:avLst/>
@@ -4487,22 +4489,268 @@
           </a:p>
         </p:txBody>
       </p:sp>
-      <p:sp>
-        <p:nvSpPr>
-          <p:cNvPr id="34" name="Rectangle 33"/>
+    </p:spTree>
+    <p:extLst>
+      <p:ext uri="{BB962C8B-B14F-4D97-AF65-F5344CB8AC3E}">
+        <p14:creationId xmlns:p14="http://schemas.microsoft.com/office/powerpoint/2010/main" val="2335478642"/>
+      </p:ext>
+    </p:extLst>
+  </p:cSld>
+  <p:clrMapOvr>
+    <a:masterClrMapping/>
+  </p:clrMapOvr>
+</p:sld>
+</file>
+
+<file path=ppt/slides/slide3.xml><?xml version="1.0" encoding="utf-8"?>
+<p:sld xmlns:a="http://schemas.openxmlformats.org/drawingml/2006/main" xmlns:r="http://schemas.openxmlformats.org/officeDocument/2006/relationships" xmlns:p="http://schemas.openxmlformats.org/presentationml/2006/main">
+  <p:cSld>
+    <p:spTree>
+      <p:nvGrpSpPr>
+        <p:cNvPr id="1" name=""/>
+        <p:cNvGrpSpPr/>
+        <p:nvPr/>
+      </p:nvGrpSpPr>
+      <p:grpSpPr>
+        <a:xfrm>
+          <a:off x="0" y="0"/>
+          <a:ext cx="0" cy="0"/>
+          <a:chOff x="0" y="0"/>
+          <a:chExt cx="0" cy="0"/>
+        </a:xfrm>
+      </p:grpSpPr>
+      <p:sp>
+        <p:nvSpPr>
+          <p:cNvPr id="7" name="Rounded Rectangle 6"/>
           <p:cNvSpPr/>
           <p:nvPr/>
         </p:nvSpPr>
         <p:spPr>
           <a:xfrm>
-            <a:off x="2452806" y="1681140"/>
-            <a:ext cx="2019463" cy="641748"/>
+            <a:off x="720137" y="1921701"/>
+            <a:ext cx="1186725" cy="2000491"/>
+          </a:xfrm>
+          <a:prstGeom prst="roundRect">
+            <a:avLst>
+              <a:gd name="adj" fmla="val 7797"/>
+            </a:avLst>
+          </a:prstGeom>
+          <a:solidFill>
+            <a:schemeClr val="bg1">
+              <a:lumMod val="85000"/>
+            </a:schemeClr>
+          </a:solidFill>
+          <a:ln w="38100" cmpd="sng">
+            <a:solidFill>
+              <a:schemeClr val="tx1"/>
+            </a:solidFill>
+          </a:ln>
+        </p:spPr>
+        <p:style>
+          <a:lnRef idx="1">
+            <a:schemeClr val="accent1"/>
+          </a:lnRef>
+          <a:fillRef idx="3">
+            <a:schemeClr val="accent1"/>
+          </a:fillRef>
+          <a:effectRef idx="2">
+            <a:schemeClr val="accent1"/>
+          </a:effectRef>
+          <a:fontRef idx="minor">
+            <a:schemeClr val="lt1"/>
+          </a:fontRef>
+        </p:style>
+        <p:txBody>
+          <a:bodyPr anchor="ctr"/>
+          <a:lstStyle/>
+          <a:p>
+            <a:pPr algn="ctr">
+              <a:defRPr/>
+            </a:pPr>
+            <a:endParaRPr lang="en-US">
+              <a:solidFill>
+                <a:srgbClr val="FFFFFF"/>
+              </a:solidFill>
+              <a:latin typeface="Arial"/>
+              <a:ea typeface="ＭＳ Ｐゴシック"/>
+            </a:endParaRPr>
+          </a:p>
+        </p:txBody>
+      </p:sp>
+      <p:sp>
+        <p:nvSpPr>
+          <p:cNvPr id="27" name="Rounded Rectangle 26"/>
+          <p:cNvSpPr/>
+          <p:nvPr/>
+        </p:nvSpPr>
+        <p:spPr>
+          <a:xfrm>
+            <a:off x="851301" y="2584743"/>
+            <a:ext cx="909460" cy="831737"/>
+          </a:xfrm>
+          <a:prstGeom prst="roundRect">
+            <a:avLst/>
+          </a:prstGeom>
+          <a:solidFill>
+            <a:srgbClr val="FF6600"/>
+          </a:solidFill>
+          <a:ln>
+            <a:solidFill>
+              <a:srgbClr val="000000"/>
+            </a:solidFill>
+          </a:ln>
+          <a:effectLst/>
+        </p:spPr>
+        <p:style>
+          <a:lnRef idx="1">
+            <a:schemeClr val="accent1"/>
+          </a:lnRef>
+          <a:fillRef idx="3">
+            <a:schemeClr val="accent1"/>
+          </a:fillRef>
+          <a:effectRef idx="2">
+            <a:schemeClr val="accent1"/>
+          </a:effectRef>
+          <a:fontRef idx="minor">
+            <a:schemeClr val="lt1"/>
+          </a:fontRef>
+        </p:style>
+        <p:txBody>
+          <a:bodyPr anchor="ctr"/>
+          <a:lstStyle>
+            <a:lvl1pPr>
+              <a:defRPr>
+                <a:solidFill>
+                  <a:schemeClr val="lt1"/>
+                </a:solidFill>
+                <a:latin typeface="+mn-lt"/>
+                <a:ea typeface="+mn-ea"/>
+                <a:cs typeface="+mn-cs"/>
+              </a:defRPr>
+            </a:lvl1pPr>
+            <a:lvl2pPr>
+              <a:defRPr>
+                <a:solidFill>
+                  <a:schemeClr val="lt1"/>
+                </a:solidFill>
+                <a:latin typeface="+mn-lt"/>
+                <a:ea typeface="+mn-ea"/>
+                <a:cs typeface="+mn-cs"/>
+              </a:defRPr>
+            </a:lvl2pPr>
+            <a:lvl3pPr>
+              <a:defRPr>
+                <a:solidFill>
+                  <a:schemeClr val="lt1"/>
+                </a:solidFill>
+                <a:latin typeface="+mn-lt"/>
+                <a:ea typeface="+mn-ea"/>
+                <a:cs typeface="+mn-cs"/>
+              </a:defRPr>
+            </a:lvl3pPr>
+            <a:lvl4pPr>
+              <a:defRPr>
+                <a:solidFill>
+                  <a:schemeClr val="lt1"/>
+                </a:solidFill>
+                <a:latin typeface="+mn-lt"/>
+                <a:ea typeface="+mn-ea"/>
+                <a:cs typeface="+mn-cs"/>
+              </a:defRPr>
+            </a:lvl4pPr>
+            <a:lvl5pPr>
+              <a:defRPr>
+                <a:solidFill>
+                  <a:schemeClr val="lt1"/>
+                </a:solidFill>
+                <a:latin typeface="+mn-lt"/>
+                <a:ea typeface="+mn-ea"/>
+                <a:cs typeface="+mn-cs"/>
+              </a:defRPr>
+            </a:lvl5pPr>
+            <a:lvl6pPr>
+              <a:defRPr>
+                <a:solidFill>
+                  <a:schemeClr val="lt1"/>
+                </a:solidFill>
+                <a:latin typeface="+mn-lt"/>
+                <a:ea typeface="+mn-ea"/>
+                <a:cs typeface="+mn-cs"/>
+              </a:defRPr>
+            </a:lvl6pPr>
+            <a:lvl7pPr>
+              <a:defRPr>
+                <a:solidFill>
+                  <a:schemeClr val="lt1"/>
+                </a:solidFill>
+                <a:latin typeface="+mn-lt"/>
+                <a:ea typeface="+mn-ea"/>
+                <a:cs typeface="+mn-cs"/>
+              </a:defRPr>
+            </a:lvl7pPr>
+            <a:lvl8pPr>
+              <a:defRPr>
+                <a:solidFill>
+                  <a:schemeClr val="lt1"/>
+                </a:solidFill>
+                <a:latin typeface="+mn-lt"/>
+                <a:ea typeface="+mn-ea"/>
+                <a:cs typeface="+mn-cs"/>
+              </a:defRPr>
+            </a:lvl8pPr>
+            <a:lvl9pPr>
+              <a:defRPr>
+                <a:solidFill>
+                  <a:schemeClr val="lt1"/>
+                </a:solidFill>
+                <a:latin typeface="+mn-lt"/>
+                <a:ea typeface="+mn-ea"/>
+                <a:cs typeface="+mn-cs"/>
+              </a:defRPr>
+            </a:lvl9pPr>
+          </a:lstStyle>
+          <a:p>
+            <a:pPr algn="ctr">
+              <a:defRPr/>
+            </a:pPr>
+            <a:r>
+              <a:rPr lang="en-US" b="1" kern="1200" dirty="0" smtClean="0">
+                <a:solidFill>
+                  <a:srgbClr val="000000"/>
+                </a:solidFill>
+                <a:latin typeface="Arial"/>
+                <a:ea typeface="ＭＳ Ｐゴシック"/>
+              </a:rPr>
+              <a:t>P1</a:t>
+            </a:r>
+            <a:endParaRPr lang="en-US" b="1" kern="1200" dirty="0">
+              <a:solidFill>
+                <a:srgbClr val="000000"/>
+              </a:solidFill>
+              <a:latin typeface="Arial"/>
+              <a:ea typeface="ＭＳ Ｐゴシック"/>
+            </a:endParaRPr>
+          </a:p>
+        </p:txBody>
+      </p:sp>
+      <p:sp>
+        <p:nvSpPr>
+          <p:cNvPr id="3" name="Rectangle 2"/>
+          <p:cNvSpPr/>
+          <p:nvPr/>
+        </p:nvSpPr>
+        <p:spPr>
+          <a:xfrm>
+            <a:off x="851301" y="3528861"/>
+            <a:ext cx="909460" cy="280951"/>
           </a:xfrm>
           <a:prstGeom prst="rect">
             <a:avLst/>
           </a:prstGeom>
-          <a:noFill/>
-          <a:ln w="25400">
+          <a:solidFill>
+            <a:srgbClr val="CCFFCC"/>
+          </a:solidFill>
+          <a:ln>
             <a:solidFill>
               <a:schemeClr val="tx1"/>
             </a:solidFill>
@@ -4528,65 +4776,254 @@
           <a:lstStyle/>
           <a:p>
             <a:pPr algn="ctr"/>
-            <a:endParaRPr lang="en-US"/>
-          </a:p>
-        </p:txBody>
-      </p:sp>
-      <p:sp>
-        <p:nvSpPr>
-          <p:cNvPr id="35" name="TextBox 34"/>
-          <p:cNvSpPr txBox="1"/>
+            <a:r>
+              <a:rPr lang="en-US" dirty="0" smtClean="0">
+                <a:solidFill>
+                  <a:schemeClr val="tx1"/>
+                </a:solidFill>
+              </a:rPr>
+              <a:t>NAT</a:t>
+            </a:r>
+            <a:endParaRPr lang="en-US" dirty="0">
+              <a:solidFill>
+                <a:schemeClr val="tx1"/>
+              </a:solidFill>
+            </a:endParaRPr>
+          </a:p>
+        </p:txBody>
+      </p:sp>
+      <p:sp>
+        <p:nvSpPr>
+          <p:cNvPr id="31" name="Rounded Rectangle 30"/>
+          <p:cNvSpPr/>
           <p:nvPr/>
         </p:nvSpPr>
         <p:spPr>
           <a:xfrm>
-            <a:off x="2409388" y="1802217"/>
-            <a:ext cx="2182287" cy="338554"/>
+            <a:off x="2115456" y="1921701"/>
+            <a:ext cx="1186725" cy="1989253"/>
           </a:xfrm>
-          <a:prstGeom prst="rect">
+          <a:prstGeom prst="roundRect">
+            <a:avLst>
+              <a:gd name="adj" fmla="val 7797"/>
+            </a:avLst>
+          </a:prstGeom>
+          <a:solidFill>
+            <a:schemeClr val="bg1">
+              <a:lumMod val="85000"/>
+            </a:schemeClr>
+          </a:solidFill>
+          <a:ln w="38100" cmpd="sng">
+            <a:solidFill>
+              <a:schemeClr val="tx1"/>
+            </a:solidFill>
+          </a:ln>
+        </p:spPr>
+        <p:style>
+          <a:lnRef idx="1">
+            <a:schemeClr val="accent1"/>
+          </a:lnRef>
+          <a:fillRef idx="3">
+            <a:schemeClr val="accent1"/>
+          </a:fillRef>
+          <a:effectRef idx="2">
+            <a:schemeClr val="accent1"/>
+          </a:effectRef>
+          <a:fontRef idx="minor">
+            <a:schemeClr val="lt1"/>
+          </a:fontRef>
+        </p:style>
+        <p:txBody>
+          <a:bodyPr anchor="ctr"/>
+          <a:lstStyle/>
+          <a:p>
+            <a:pPr algn="ctr">
+              <a:defRPr/>
+            </a:pPr>
+            <a:endParaRPr lang="en-US">
+              <a:solidFill>
+                <a:srgbClr val="FFFFFF"/>
+              </a:solidFill>
+              <a:latin typeface="Arial"/>
+              <a:ea typeface="ＭＳ Ｐゴシック"/>
+            </a:endParaRPr>
+          </a:p>
+        </p:txBody>
+      </p:sp>
+      <p:sp>
+        <p:nvSpPr>
+          <p:cNvPr id="32" name="Rounded Rectangle 31"/>
+          <p:cNvSpPr/>
+          <p:nvPr/>
+        </p:nvSpPr>
+        <p:spPr>
+          <a:xfrm>
+            <a:off x="2246620" y="2584743"/>
+            <a:ext cx="909460" cy="820500"/>
+          </a:xfrm>
+          <a:prstGeom prst="roundRect">
             <a:avLst/>
           </a:prstGeom>
-          <a:noFill/>
+          <a:solidFill>
+            <a:srgbClr val="FF6600"/>
+          </a:solidFill>
+          <a:ln>
+            <a:solidFill>
+              <a:srgbClr val="000000"/>
+            </a:solidFill>
+          </a:ln>
+          <a:effectLst/>
         </p:spPr>
-        <p:txBody>
-          <a:bodyPr wrap="square" rtlCol="0">
-            <a:spAutoFit/>
-          </a:bodyPr>
-          <a:lstStyle/>
-          <a:p>
+        <p:style>
+          <a:lnRef idx="1">
+            <a:schemeClr val="accent1"/>
+          </a:lnRef>
+          <a:fillRef idx="3">
+            <a:schemeClr val="accent1"/>
+          </a:fillRef>
+          <a:effectRef idx="2">
+            <a:schemeClr val="accent1"/>
+          </a:effectRef>
+          <a:fontRef idx="minor">
+            <a:schemeClr val="lt1"/>
+          </a:fontRef>
+        </p:style>
+        <p:txBody>
+          <a:bodyPr anchor="ctr"/>
+          <a:lstStyle>
+            <a:lvl1pPr>
+              <a:defRPr>
+                <a:solidFill>
+                  <a:schemeClr val="lt1"/>
+                </a:solidFill>
+                <a:latin typeface="+mn-lt"/>
+                <a:ea typeface="+mn-ea"/>
+                <a:cs typeface="+mn-cs"/>
+              </a:defRPr>
+            </a:lvl1pPr>
+            <a:lvl2pPr>
+              <a:defRPr>
+                <a:solidFill>
+                  <a:schemeClr val="lt1"/>
+                </a:solidFill>
+                <a:latin typeface="+mn-lt"/>
+                <a:ea typeface="+mn-ea"/>
+                <a:cs typeface="+mn-cs"/>
+              </a:defRPr>
+            </a:lvl2pPr>
+            <a:lvl3pPr>
+              <a:defRPr>
+                <a:solidFill>
+                  <a:schemeClr val="lt1"/>
+                </a:solidFill>
+                <a:latin typeface="+mn-lt"/>
+                <a:ea typeface="+mn-ea"/>
+                <a:cs typeface="+mn-cs"/>
+              </a:defRPr>
+            </a:lvl3pPr>
+            <a:lvl4pPr>
+              <a:defRPr>
+                <a:solidFill>
+                  <a:schemeClr val="lt1"/>
+                </a:solidFill>
+                <a:latin typeface="+mn-lt"/>
+                <a:ea typeface="+mn-ea"/>
+                <a:cs typeface="+mn-cs"/>
+              </a:defRPr>
+            </a:lvl4pPr>
+            <a:lvl5pPr>
+              <a:defRPr>
+                <a:solidFill>
+                  <a:schemeClr val="lt1"/>
+                </a:solidFill>
+                <a:latin typeface="+mn-lt"/>
+                <a:ea typeface="+mn-ea"/>
+                <a:cs typeface="+mn-cs"/>
+              </a:defRPr>
+            </a:lvl5pPr>
+            <a:lvl6pPr>
+              <a:defRPr>
+                <a:solidFill>
+                  <a:schemeClr val="lt1"/>
+                </a:solidFill>
+                <a:latin typeface="+mn-lt"/>
+                <a:ea typeface="+mn-ea"/>
+                <a:cs typeface="+mn-cs"/>
+              </a:defRPr>
+            </a:lvl6pPr>
+            <a:lvl7pPr>
+              <a:defRPr>
+                <a:solidFill>
+                  <a:schemeClr val="lt1"/>
+                </a:solidFill>
+                <a:latin typeface="+mn-lt"/>
+                <a:ea typeface="+mn-ea"/>
+                <a:cs typeface="+mn-cs"/>
+              </a:defRPr>
+            </a:lvl7pPr>
+            <a:lvl8pPr>
+              <a:defRPr>
+                <a:solidFill>
+                  <a:schemeClr val="lt1"/>
+                </a:solidFill>
+                <a:latin typeface="+mn-lt"/>
+                <a:ea typeface="+mn-ea"/>
+                <a:cs typeface="+mn-cs"/>
+              </a:defRPr>
+            </a:lvl8pPr>
+            <a:lvl9pPr>
+              <a:defRPr>
+                <a:solidFill>
+                  <a:schemeClr val="lt1"/>
+                </a:solidFill>
+                <a:latin typeface="+mn-lt"/>
+                <a:ea typeface="+mn-ea"/>
+                <a:cs typeface="+mn-cs"/>
+              </a:defRPr>
+            </a:lvl9pPr>
+          </a:lstStyle>
+          <a:p>
+            <a:pPr algn="ctr">
+              <a:defRPr/>
+            </a:pPr>
             <a:r>
-              <a:rPr lang="en-US" sz="1600" dirty="0"/>
-              <a:t>2</a:t>
+              <a:rPr lang="en-US" b="1" dirty="0" smtClean="0">
+                <a:solidFill>
+                  <a:srgbClr val="000000"/>
+                </a:solidFill>
+                <a:latin typeface="Arial"/>
+                <a:ea typeface="ＭＳ Ｐゴシック"/>
+              </a:rPr>
+              <a:t>T1</a:t>
             </a:r>
-            <a:r>
-              <a:rPr lang="en-US" sz="1600" dirty="0" smtClean="0"/>
-              <a:t>: Connection Manager</a:t>
-            </a:r>
-            <a:endParaRPr lang="en-US" sz="1600" dirty="0"/>
-          </a:p>
-        </p:txBody>
-      </p:sp>
-      <p:sp>
-        <p:nvSpPr>
-          <p:cNvPr id="36" name="Rectangle 35"/>
+            <a:endParaRPr lang="en-US" b="1" kern="1200" dirty="0">
+              <a:solidFill>
+                <a:srgbClr val="000000"/>
+              </a:solidFill>
+              <a:latin typeface="Arial"/>
+              <a:ea typeface="ＭＳ Ｐゴシック"/>
+            </a:endParaRPr>
+          </a:p>
+        </p:txBody>
+      </p:sp>
+      <p:sp>
+        <p:nvSpPr>
+          <p:cNvPr id="33" name="Rectangle 32"/>
           <p:cNvSpPr/>
           <p:nvPr/>
         </p:nvSpPr>
         <p:spPr>
           <a:xfrm>
-            <a:off x="2181860" y="3906529"/>
-            <a:ext cx="270946" cy="350445"/>
+            <a:off x="2246620" y="3517623"/>
+            <a:ext cx="909460" cy="280951"/>
           </a:xfrm>
           <a:prstGeom prst="rect">
             <a:avLst/>
           </a:prstGeom>
           <a:solidFill>
-            <a:schemeClr val="tx1">
-              <a:lumMod val="50000"/>
-              <a:lumOff val="50000"/>
-            </a:schemeClr>
+            <a:srgbClr val="CCFFCC"/>
           </a:solidFill>
-          <a:ln w="25400">
+          <a:ln>
             <a:solidFill>
               <a:schemeClr val="tx1"/>
             </a:solidFill>
@@ -4612,20 +5049,94 @@
           <a:lstStyle/>
           <a:p>
             <a:pPr algn="ctr"/>
-            <a:endParaRPr lang="en-US"/>
+            <a:r>
+              <a:rPr lang="en-US" dirty="0" smtClean="0">
+                <a:solidFill>
+                  <a:schemeClr val="tx1"/>
+                </a:solidFill>
+              </a:rPr>
+              <a:t>NAT</a:t>
+            </a:r>
+            <a:endParaRPr lang="en-US" dirty="0">
+              <a:solidFill>
+                <a:schemeClr val="tx1"/>
+              </a:solidFill>
+            </a:endParaRPr>
+          </a:p>
+        </p:txBody>
+      </p:sp>
+      <p:sp>
+        <p:nvSpPr>
+          <p:cNvPr id="4" name="Rectangle 3"/>
+          <p:cNvSpPr/>
+          <p:nvPr/>
+        </p:nvSpPr>
+        <p:spPr>
+          <a:xfrm>
+            <a:off x="720137" y="977707"/>
+            <a:ext cx="2582044" cy="606853"/>
+          </a:xfrm>
+          <a:prstGeom prst="rect">
+            <a:avLst/>
+          </a:prstGeom>
+          <a:solidFill>
+            <a:schemeClr val="accent5"/>
+          </a:solidFill>
+          <a:ln>
+            <a:solidFill>
+              <a:schemeClr val="tx1"/>
+            </a:solidFill>
+          </a:ln>
+          <a:effectLst/>
+        </p:spPr>
+        <p:style>
+          <a:lnRef idx="1">
+            <a:schemeClr val="accent1"/>
+          </a:lnRef>
+          <a:fillRef idx="3">
+            <a:schemeClr val="accent1"/>
+          </a:fillRef>
+          <a:effectRef idx="2">
+            <a:schemeClr val="accent1"/>
+          </a:effectRef>
+          <a:fontRef idx="minor">
+            <a:schemeClr val="lt1"/>
+          </a:fontRef>
+        </p:style>
+        <p:txBody>
+          <a:bodyPr rtlCol="0" anchor="ctr"/>
+          <a:lstStyle/>
+          <a:p>
+            <a:pPr algn="ctr"/>
+            <a:r>
+              <a:rPr lang="en-US" dirty="0" smtClean="0">
+                <a:solidFill>
+                  <a:srgbClr val="000000"/>
+                </a:solidFill>
+              </a:rPr>
+              <a:t>Clone Manager</a:t>
+            </a:r>
+            <a:endParaRPr lang="en-US" dirty="0">
+              <a:solidFill>
+                <a:srgbClr val="000000"/>
+              </a:solidFill>
+            </a:endParaRPr>
           </a:p>
         </p:txBody>
       </p:sp>
       <p:cxnSp>
         <p:nvCxnSpPr>
-          <p:cNvPr id="40" name="Straight Arrow Connector 39"/>
-          <p:cNvCxnSpPr/>
+          <p:cNvPr id="12" name="Straight Arrow Connector 11"/>
+          <p:cNvCxnSpPr>
+            <a:stCxn id="4" idx="2"/>
+            <a:endCxn id="7" idx="0"/>
+          </p:cNvCxnSpPr>
           <p:nvPr/>
         </p:nvCxnSpPr>
         <p:spPr>
-          <a:xfrm>
-            <a:off x="1736804" y="4038328"/>
-            <a:ext cx="445056" cy="0"/>
+          <a:xfrm flipH="1">
+            <a:off x="1313500" y="1584560"/>
+            <a:ext cx="697659" cy="337141"/>
           </a:xfrm>
           <a:prstGeom prst="straightConnector1">
             <a:avLst/>
@@ -4634,6 +5145,7 @@
             <a:solidFill>
               <a:schemeClr val="tx1"/>
             </a:solidFill>
+            <a:prstDash val="dash"/>
             <a:tailEnd type="arrow"/>
           </a:ln>
           <a:effectLst/>
@@ -4655,24 +5167,26 @@
       </p:cxnSp>
       <p:cxnSp>
         <p:nvCxnSpPr>
-          <p:cNvPr id="43" name="Straight Arrow Connector 42"/>
-          <p:cNvCxnSpPr/>
+          <p:cNvPr id="40" name="Straight Arrow Connector 39"/>
+          <p:cNvCxnSpPr>
+            <a:stCxn id="4" idx="2"/>
+            <a:endCxn id="31" idx="0"/>
+          </p:cNvCxnSpPr>
           <p:nvPr/>
         </p:nvCxnSpPr>
         <p:spPr>
-          <a:xfrm rot="5400000" flipH="1" flipV="1">
-            <a:off x="1850184" y="2925516"/>
-            <a:ext cx="1656653" cy="451405"/>
+          <a:xfrm>
+            <a:off x="2011159" y="1584560"/>
+            <a:ext cx="697660" cy="337141"/>
           </a:xfrm>
-          <a:prstGeom prst="bentConnector3">
-            <a:avLst>
-              <a:gd name="adj1" fmla="val 199"/>
-            </a:avLst>
+          <a:prstGeom prst="straightConnector1">
+            <a:avLst/>
           </a:prstGeom>
           <a:ln>
             <a:solidFill>
               <a:schemeClr val="tx1"/>
             </a:solidFill>
+            <a:prstDash val="dash"/>
             <a:tailEnd type="arrow"/>
           </a:ln>
           <a:effectLst/>
@@ -4694,20 +5208,25 @@
       </p:cxnSp>
       <p:sp>
         <p:nvSpPr>
-          <p:cNvPr id="46" name="Rectangle 45"/>
+          <p:cNvPr id="23" name="Rectangle 22"/>
           <p:cNvSpPr/>
           <p:nvPr/>
         </p:nvSpPr>
         <p:spPr>
-          <a:xfrm rot="16200000">
-            <a:off x="5216033" y="1776613"/>
-            <a:ext cx="1166795" cy="598743"/>
+          <a:xfrm>
+            <a:off x="851301" y="2034081"/>
+            <a:ext cx="909460" cy="370855"/>
           </a:xfrm>
           <a:prstGeom prst="rect">
             <a:avLst/>
           </a:prstGeom>
-          <a:noFill/>
-          <a:ln w="25400">
+          <a:solidFill>
+            <a:schemeClr val="tx2">
+              <a:lumMod val="40000"/>
+              <a:lumOff val="60000"/>
+            </a:schemeClr>
+          </a:solidFill>
+          <a:ln>
             <a:solidFill>
               <a:schemeClr val="tx1"/>
             </a:solidFill>
@@ -4736,29 +5255,523 @@
             <a:r>
               <a:rPr lang="en-US" dirty="0" smtClean="0">
                 <a:solidFill>
-                  <a:schemeClr val="tx1"/>
+                  <a:srgbClr val="000000"/>
                 </a:solidFill>
               </a:rPr>
-              <a:t>3: TCP Connector</a:t>
+              <a:t>Agent</a:t>
             </a:r>
             <a:endParaRPr lang="en-US" dirty="0">
               <a:solidFill>
-                <a:schemeClr val="tx1"/>
+                <a:srgbClr val="000000"/>
               </a:solidFill>
             </a:endParaRPr>
           </a:p>
         </p:txBody>
       </p:sp>
+      <p:sp>
+        <p:nvSpPr>
+          <p:cNvPr id="52" name="Rectangle 51"/>
+          <p:cNvSpPr/>
+          <p:nvPr/>
+        </p:nvSpPr>
+        <p:spPr>
+          <a:xfrm>
+            <a:off x="2254089" y="2034081"/>
+            <a:ext cx="909460" cy="370855"/>
+          </a:xfrm>
+          <a:prstGeom prst="rect">
+            <a:avLst/>
+          </a:prstGeom>
+          <a:solidFill>
+            <a:schemeClr val="tx2">
+              <a:lumMod val="40000"/>
+              <a:lumOff val="60000"/>
+            </a:schemeClr>
+          </a:solidFill>
+          <a:ln>
+            <a:solidFill>
+              <a:schemeClr val="tx1"/>
+            </a:solidFill>
+          </a:ln>
+          <a:effectLst/>
+        </p:spPr>
+        <p:style>
+          <a:lnRef idx="1">
+            <a:schemeClr val="accent1"/>
+          </a:lnRef>
+          <a:fillRef idx="3">
+            <a:schemeClr val="accent1"/>
+          </a:fillRef>
+          <a:effectRef idx="2">
+            <a:schemeClr val="accent1"/>
+          </a:effectRef>
+          <a:fontRef idx="minor">
+            <a:schemeClr val="lt1"/>
+          </a:fontRef>
+        </p:style>
+        <p:txBody>
+          <a:bodyPr rtlCol="0" anchor="ctr"/>
+          <a:lstStyle/>
+          <a:p>
+            <a:pPr algn="ctr"/>
+            <a:r>
+              <a:rPr lang="en-US" dirty="0" smtClean="0">
+                <a:solidFill>
+                  <a:srgbClr val="000000"/>
+                </a:solidFill>
+              </a:rPr>
+              <a:t>Agent</a:t>
+            </a:r>
+            <a:endParaRPr lang="en-US" dirty="0">
+              <a:solidFill>
+                <a:srgbClr val="000000"/>
+              </a:solidFill>
+            </a:endParaRPr>
+          </a:p>
+        </p:txBody>
+      </p:sp>
+      <p:sp>
+        <p:nvSpPr>
+          <p:cNvPr id="53" name="Rounded Rectangle 52"/>
+          <p:cNvSpPr/>
+          <p:nvPr/>
+        </p:nvSpPr>
+        <p:spPr>
+          <a:xfrm>
+            <a:off x="4191995" y="1905531"/>
+            <a:ext cx="2757788" cy="2000491"/>
+          </a:xfrm>
+          <a:prstGeom prst="roundRect">
+            <a:avLst>
+              <a:gd name="adj" fmla="val 7797"/>
+            </a:avLst>
+          </a:prstGeom>
+          <a:solidFill>
+            <a:schemeClr val="bg1">
+              <a:lumMod val="85000"/>
+            </a:schemeClr>
+          </a:solidFill>
+          <a:ln w="38100" cmpd="sng">
+            <a:solidFill>
+              <a:schemeClr val="tx1"/>
+            </a:solidFill>
+          </a:ln>
+        </p:spPr>
+        <p:style>
+          <a:lnRef idx="1">
+            <a:schemeClr val="accent1"/>
+          </a:lnRef>
+          <a:fillRef idx="3">
+            <a:schemeClr val="accent1"/>
+          </a:fillRef>
+          <a:effectRef idx="2">
+            <a:schemeClr val="accent1"/>
+          </a:effectRef>
+          <a:fontRef idx="minor">
+            <a:schemeClr val="lt1"/>
+          </a:fontRef>
+        </p:style>
+        <p:txBody>
+          <a:bodyPr anchor="ctr"/>
+          <a:lstStyle/>
+          <a:p>
+            <a:pPr algn="ctr">
+              <a:defRPr/>
+            </a:pPr>
+            <a:endParaRPr lang="en-US">
+              <a:solidFill>
+                <a:srgbClr val="FFFFFF"/>
+              </a:solidFill>
+              <a:latin typeface="Arial"/>
+              <a:ea typeface="ＭＳ Ｐゴシック"/>
+            </a:endParaRPr>
+          </a:p>
+        </p:txBody>
+      </p:sp>
+      <p:sp>
+        <p:nvSpPr>
+          <p:cNvPr id="54" name="Rounded Rectangle 53"/>
+          <p:cNvSpPr/>
+          <p:nvPr/>
+        </p:nvSpPr>
+        <p:spPr>
+          <a:xfrm>
+            <a:off x="4487664" y="2602287"/>
+            <a:ext cx="909460" cy="831737"/>
+          </a:xfrm>
+          <a:prstGeom prst="roundRect">
+            <a:avLst/>
+          </a:prstGeom>
+          <a:solidFill>
+            <a:srgbClr val="FF6600"/>
+          </a:solidFill>
+          <a:ln>
+            <a:solidFill>
+              <a:srgbClr val="000000"/>
+            </a:solidFill>
+          </a:ln>
+          <a:effectLst/>
+        </p:spPr>
+        <p:style>
+          <a:lnRef idx="1">
+            <a:schemeClr val="accent1"/>
+          </a:lnRef>
+          <a:fillRef idx="3">
+            <a:schemeClr val="accent1"/>
+          </a:fillRef>
+          <a:effectRef idx="2">
+            <a:schemeClr val="accent1"/>
+          </a:effectRef>
+          <a:fontRef idx="minor">
+            <a:schemeClr val="lt1"/>
+          </a:fontRef>
+        </p:style>
+        <p:txBody>
+          <a:bodyPr anchor="ctr"/>
+          <a:lstStyle>
+            <a:lvl1pPr>
+              <a:defRPr>
+                <a:solidFill>
+                  <a:schemeClr val="lt1"/>
+                </a:solidFill>
+                <a:latin typeface="+mn-lt"/>
+                <a:ea typeface="+mn-ea"/>
+                <a:cs typeface="+mn-cs"/>
+              </a:defRPr>
+            </a:lvl1pPr>
+            <a:lvl2pPr>
+              <a:defRPr>
+                <a:solidFill>
+                  <a:schemeClr val="lt1"/>
+                </a:solidFill>
+                <a:latin typeface="+mn-lt"/>
+                <a:ea typeface="+mn-ea"/>
+                <a:cs typeface="+mn-cs"/>
+              </a:defRPr>
+            </a:lvl2pPr>
+            <a:lvl3pPr>
+              <a:defRPr>
+                <a:solidFill>
+                  <a:schemeClr val="lt1"/>
+                </a:solidFill>
+                <a:latin typeface="+mn-lt"/>
+                <a:ea typeface="+mn-ea"/>
+                <a:cs typeface="+mn-cs"/>
+              </a:defRPr>
+            </a:lvl3pPr>
+            <a:lvl4pPr>
+              <a:defRPr>
+                <a:solidFill>
+                  <a:schemeClr val="lt1"/>
+                </a:solidFill>
+                <a:latin typeface="+mn-lt"/>
+                <a:ea typeface="+mn-ea"/>
+                <a:cs typeface="+mn-cs"/>
+              </a:defRPr>
+            </a:lvl4pPr>
+            <a:lvl5pPr>
+              <a:defRPr>
+                <a:solidFill>
+                  <a:schemeClr val="lt1"/>
+                </a:solidFill>
+                <a:latin typeface="+mn-lt"/>
+                <a:ea typeface="+mn-ea"/>
+                <a:cs typeface="+mn-cs"/>
+              </a:defRPr>
+            </a:lvl5pPr>
+            <a:lvl6pPr>
+              <a:defRPr>
+                <a:solidFill>
+                  <a:schemeClr val="lt1"/>
+                </a:solidFill>
+                <a:latin typeface="+mn-lt"/>
+                <a:ea typeface="+mn-ea"/>
+                <a:cs typeface="+mn-cs"/>
+              </a:defRPr>
+            </a:lvl6pPr>
+            <a:lvl7pPr>
+              <a:defRPr>
+                <a:solidFill>
+                  <a:schemeClr val="lt1"/>
+                </a:solidFill>
+                <a:latin typeface="+mn-lt"/>
+                <a:ea typeface="+mn-ea"/>
+                <a:cs typeface="+mn-cs"/>
+              </a:defRPr>
+            </a:lvl7pPr>
+            <a:lvl8pPr>
+              <a:defRPr>
+                <a:solidFill>
+                  <a:schemeClr val="lt1"/>
+                </a:solidFill>
+                <a:latin typeface="+mn-lt"/>
+                <a:ea typeface="+mn-ea"/>
+                <a:cs typeface="+mn-cs"/>
+              </a:defRPr>
+            </a:lvl8pPr>
+            <a:lvl9pPr>
+              <a:defRPr>
+                <a:solidFill>
+                  <a:schemeClr val="lt1"/>
+                </a:solidFill>
+                <a:latin typeface="+mn-lt"/>
+                <a:ea typeface="+mn-ea"/>
+                <a:cs typeface="+mn-cs"/>
+              </a:defRPr>
+            </a:lvl9pPr>
+          </a:lstStyle>
+          <a:p>
+            <a:pPr algn="ctr">
+              <a:defRPr/>
+            </a:pPr>
+            <a:r>
+              <a:rPr lang="en-US" b="1" kern="1200" dirty="0" smtClean="0">
+                <a:solidFill>
+                  <a:srgbClr val="000000"/>
+                </a:solidFill>
+                <a:latin typeface="Arial"/>
+                <a:ea typeface="ＭＳ Ｐゴシック"/>
+              </a:rPr>
+              <a:t>P1</a:t>
+            </a:r>
+            <a:endParaRPr lang="en-US" b="1" kern="1200" dirty="0">
+              <a:solidFill>
+                <a:srgbClr val="000000"/>
+              </a:solidFill>
+              <a:latin typeface="Arial"/>
+              <a:ea typeface="ＭＳ Ｐゴシック"/>
+            </a:endParaRPr>
+          </a:p>
+        </p:txBody>
+      </p:sp>
+      <p:sp>
+        <p:nvSpPr>
+          <p:cNvPr id="57" name="Rounded Rectangle 56"/>
+          <p:cNvSpPr/>
+          <p:nvPr/>
+        </p:nvSpPr>
+        <p:spPr>
+          <a:xfrm>
+            <a:off x="5822453" y="2608592"/>
+            <a:ext cx="909460" cy="820500"/>
+          </a:xfrm>
+          <a:prstGeom prst="roundRect">
+            <a:avLst/>
+          </a:prstGeom>
+          <a:solidFill>
+            <a:srgbClr val="FF6600"/>
+          </a:solidFill>
+          <a:ln>
+            <a:solidFill>
+              <a:srgbClr val="000000"/>
+            </a:solidFill>
+          </a:ln>
+          <a:effectLst/>
+        </p:spPr>
+        <p:style>
+          <a:lnRef idx="1">
+            <a:schemeClr val="accent1"/>
+          </a:lnRef>
+          <a:fillRef idx="3">
+            <a:schemeClr val="accent1"/>
+          </a:fillRef>
+          <a:effectRef idx="2">
+            <a:schemeClr val="accent1"/>
+          </a:effectRef>
+          <a:fontRef idx="minor">
+            <a:schemeClr val="lt1"/>
+          </a:fontRef>
+        </p:style>
+        <p:txBody>
+          <a:bodyPr anchor="ctr"/>
+          <a:lstStyle>
+            <a:lvl1pPr>
+              <a:defRPr>
+                <a:solidFill>
+                  <a:schemeClr val="lt1"/>
+                </a:solidFill>
+                <a:latin typeface="+mn-lt"/>
+                <a:ea typeface="+mn-ea"/>
+                <a:cs typeface="+mn-cs"/>
+              </a:defRPr>
+            </a:lvl1pPr>
+            <a:lvl2pPr>
+              <a:defRPr>
+                <a:solidFill>
+                  <a:schemeClr val="lt1"/>
+                </a:solidFill>
+                <a:latin typeface="+mn-lt"/>
+                <a:ea typeface="+mn-ea"/>
+                <a:cs typeface="+mn-cs"/>
+              </a:defRPr>
+            </a:lvl2pPr>
+            <a:lvl3pPr>
+              <a:defRPr>
+                <a:solidFill>
+                  <a:schemeClr val="lt1"/>
+                </a:solidFill>
+                <a:latin typeface="+mn-lt"/>
+                <a:ea typeface="+mn-ea"/>
+                <a:cs typeface="+mn-cs"/>
+              </a:defRPr>
+            </a:lvl3pPr>
+            <a:lvl4pPr>
+              <a:defRPr>
+                <a:solidFill>
+                  <a:schemeClr val="lt1"/>
+                </a:solidFill>
+                <a:latin typeface="+mn-lt"/>
+                <a:ea typeface="+mn-ea"/>
+                <a:cs typeface="+mn-cs"/>
+              </a:defRPr>
+            </a:lvl4pPr>
+            <a:lvl5pPr>
+              <a:defRPr>
+                <a:solidFill>
+                  <a:schemeClr val="lt1"/>
+                </a:solidFill>
+                <a:latin typeface="+mn-lt"/>
+                <a:ea typeface="+mn-ea"/>
+                <a:cs typeface="+mn-cs"/>
+              </a:defRPr>
+            </a:lvl5pPr>
+            <a:lvl6pPr>
+              <a:defRPr>
+                <a:solidFill>
+                  <a:schemeClr val="lt1"/>
+                </a:solidFill>
+                <a:latin typeface="+mn-lt"/>
+                <a:ea typeface="+mn-ea"/>
+                <a:cs typeface="+mn-cs"/>
+              </a:defRPr>
+            </a:lvl6pPr>
+            <a:lvl7pPr>
+              <a:defRPr>
+                <a:solidFill>
+                  <a:schemeClr val="lt1"/>
+                </a:solidFill>
+                <a:latin typeface="+mn-lt"/>
+                <a:ea typeface="+mn-ea"/>
+                <a:cs typeface="+mn-cs"/>
+              </a:defRPr>
+            </a:lvl7pPr>
+            <a:lvl8pPr>
+              <a:defRPr>
+                <a:solidFill>
+                  <a:schemeClr val="lt1"/>
+                </a:solidFill>
+                <a:latin typeface="+mn-lt"/>
+                <a:ea typeface="+mn-ea"/>
+                <a:cs typeface="+mn-cs"/>
+              </a:defRPr>
+            </a:lvl8pPr>
+            <a:lvl9pPr>
+              <a:defRPr>
+                <a:solidFill>
+                  <a:schemeClr val="lt1"/>
+                </a:solidFill>
+                <a:latin typeface="+mn-lt"/>
+                <a:ea typeface="+mn-ea"/>
+                <a:cs typeface="+mn-cs"/>
+              </a:defRPr>
+            </a:lvl9pPr>
+          </a:lstStyle>
+          <a:p>
+            <a:pPr algn="ctr">
+              <a:defRPr/>
+            </a:pPr>
+            <a:r>
+              <a:rPr lang="en-US" b="1" dirty="0" smtClean="0">
+                <a:solidFill>
+                  <a:srgbClr val="000000"/>
+                </a:solidFill>
+                <a:latin typeface="Arial"/>
+                <a:ea typeface="ＭＳ Ｐゴシック"/>
+              </a:rPr>
+              <a:t>T1</a:t>
+            </a:r>
+            <a:endParaRPr lang="en-US" b="1" kern="1200" dirty="0">
+              <a:solidFill>
+                <a:srgbClr val="000000"/>
+              </a:solidFill>
+              <a:latin typeface="Arial"/>
+              <a:ea typeface="ＭＳ Ｐゴシック"/>
+            </a:endParaRPr>
+          </a:p>
+        </p:txBody>
+      </p:sp>
+      <p:sp>
+        <p:nvSpPr>
+          <p:cNvPr id="59" name="Rectangle 58"/>
+          <p:cNvSpPr/>
+          <p:nvPr/>
+        </p:nvSpPr>
+        <p:spPr>
+          <a:xfrm>
+            <a:off x="4277827" y="961537"/>
+            <a:ext cx="2582044" cy="606853"/>
+          </a:xfrm>
+          <a:prstGeom prst="rect">
+            <a:avLst/>
+          </a:prstGeom>
+          <a:solidFill>
+            <a:schemeClr val="accent5"/>
+          </a:solidFill>
+          <a:ln>
+            <a:solidFill>
+              <a:schemeClr val="tx1"/>
+            </a:solidFill>
+          </a:ln>
+          <a:effectLst/>
+        </p:spPr>
+        <p:style>
+          <a:lnRef idx="1">
+            <a:schemeClr val="accent1"/>
+          </a:lnRef>
+          <a:fillRef idx="3">
+            <a:schemeClr val="accent1"/>
+          </a:fillRef>
+          <a:effectRef idx="2">
+            <a:schemeClr val="accent1"/>
+          </a:effectRef>
+          <a:fontRef idx="minor">
+            <a:schemeClr val="lt1"/>
+          </a:fontRef>
+        </p:style>
+        <p:txBody>
+          <a:bodyPr rtlCol="0" anchor="ctr"/>
+          <a:lstStyle/>
+          <a:p>
+            <a:pPr algn="ctr"/>
+            <a:r>
+              <a:rPr lang="en-US" dirty="0" smtClean="0">
+                <a:solidFill>
+                  <a:srgbClr val="000000"/>
+                </a:solidFill>
+              </a:rPr>
+              <a:t>Clone Manager</a:t>
+            </a:r>
+            <a:endParaRPr lang="en-US" dirty="0">
+              <a:solidFill>
+                <a:srgbClr val="000000"/>
+              </a:solidFill>
+            </a:endParaRPr>
+          </a:p>
+        </p:txBody>
+      </p:sp>
       <p:cxnSp>
         <p:nvCxnSpPr>
-          <p:cNvPr id="48" name="Straight Arrow Connector 47"/>
-          <p:cNvCxnSpPr/>
+          <p:cNvPr id="60" name="Straight Arrow Connector 59"/>
+          <p:cNvCxnSpPr>
+            <a:stCxn id="59" idx="2"/>
+            <a:endCxn id="53" idx="0"/>
+          </p:cNvCxnSpPr>
           <p:nvPr/>
         </p:nvCxnSpPr>
         <p:spPr>
           <a:xfrm>
-            <a:off x="6113149" y="1979107"/>
-            <a:ext cx="776350" cy="0"/>
+            <a:off x="5568849" y="1568390"/>
+            <a:ext cx="2040" cy="337141"/>
           </a:xfrm>
           <a:prstGeom prst="straightConnector1">
             <a:avLst/>
@@ -4767,6 +5780,279 @@
             <a:solidFill>
               <a:schemeClr val="tx1"/>
             </a:solidFill>
+            <a:prstDash val="dash"/>
+            <a:tailEnd type="arrow"/>
+          </a:ln>
+          <a:effectLst/>
+        </p:spPr>
+        <p:style>
+          <a:lnRef idx="2">
+            <a:schemeClr val="accent1"/>
+          </a:lnRef>
+          <a:fillRef idx="0">
+            <a:schemeClr val="accent1"/>
+          </a:fillRef>
+          <a:effectRef idx="1">
+            <a:schemeClr val="accent1"/>
+          </a:effectRef>
+          <a:fontRef idx="minor">
+            <a:schemeClr val="tx1"/>
+          </a:fontRef>
+        </p:style>
+      </p:cxnSp>
+      <p:sp>
+        <p:nvSpPr>
+          <p:cNvPr id="63" name="Rectangle 62"/>
+          <p:cNvSpPr/>
+          <p:nvPr/>
+        </p:nvSpPr>
+        <p:spPr>
+          <a:xfrm>
+            <a:off x="4498902" y="2017911"/>
+            <a:ext cx="2322923" cy="370855"/>
+          </a:xfrm>
+          <a:prstGeom prst="rect">
+            <a:avLst/>
+          </a:prstGeom>
+          <a:solidFill>
+            <a:schemeClr val="tx2">
+              <a:lumMod val="40000"/>
+              <a:lumOff val="60000"/>
+            </a:schemeClr>
+          </a:solidFill>
+          <a:ln>
+            <a:solidFill>
+              <a:schemeClr val="tx1"/>
+            </a:solidFill>
+          </a:ln>
+          <a:effectLst/>
+        </p:spPr>
+        <p:style>
+          <a:lnRef idx="1">
+            <a:schemeClr val="accent1"/>
+          </a:lnRef>
+          <a:fillRef idx="3">
+            <a:schemeClr val="accent1"/>
+          </a:fillRef>
+          <a:effectRef idx="2">
+            <a:schemeClr val="accent1"/>
+          </a:effectRef>
+          <a:fontRef idx="minor">
+            <a:schemeClr val="lt1"/>
+          </a:fontRef>
+        </p:style>
+        <p:txBody>
+          <a:bodyPr rtlCol="0" anchor="ctr"/>
+          <a:lstStyle/>
+          <a:p>
+            <a:pPr algn="ctr"/>
+            <a:r>
+              <a:rPr lang="en-US" dirty="0" smtClean="0">
+                <a:solidFill>
+                  <a:srgbClr val="000000"/>
+                </a:solidFill>
+              </a:rPr>
+              <a:t>Agent</a:t>
+            </a:r>
+            <a:endParaRPr lang="en-US" dirty="0">
+              <a:solidFill>
+                <a:srgbClr val="000000"/>
+              </a:solidFill>
+            </a:endParaRPr>
+          </a:p>
+        </p:txBody>
+      </p:sp>
+      <p:sp>
+        <p:nvSpPr>
+          <p:cNvPr id="26" name="Rectangle 25"/>
+          <p:cNvSpPr/>
+          <p:nvPr/>
+        </p:nvSpPr>
+        <p:spPr>
+          <a:xfrm>
+            <a:off x="4322783" y="2541164"/>
+            <a:ext cx="1223588" cy="1257410"/>
+          </a:xfrm>
+          <a:prstGeom prst="rect">
+            <a:avLst/>
+          </a:prstGeom>
+          <a:noFill/>
+          <a:ln w="15875">
+            <a:solidFill>
+              <a:schemeClr val="tx1"/>
+            </a:solidFill>
+            <a:prstDash val="dash"/>
+          </a:ln>
+          <a:effectLst/>
+        </p:spPr>
+        <p:style>
+          <a:lnRef idx="1">
+            <a:schemeClr val="accent1"/>
+          </a:lnRef>
+          <a:fillRef idx="3">
+            <a:schemeClr val="accent1"/>
+          </a:fillRef>
+          <a:effectRef idx="2">
+            <a:schemeClr val="accent1"/>
+          </a:effectRef>
+          <a:fontRef idx="minor">
+            <a:schemeClr val="lt1"/>
+          </a:fontRef>
+        </p:style>
+        <p:txBody>
+          <a:bodyPr rtlCol="0" anchor="ctr"/>
+          <a:lstStyle/>
+          <a:p>
+            <a:pPr algn="ctr"/>
+            <a:endParaRPr lang="en-US" dirty="0" smtClean="0"/>
+          </a:p>
+          <a:p>
+            <a:pPr algn="ctr"/>
+            <a:endParaRPr lang="en-US" sz="1200" dirty="0" smtClean="0">
+              <a:solidFill>
+                <a:srgbClr val="000000"/>
+              </a:solidFill>
+            </a:endParaRPr>
+          </a:p>
+          <a:p>
+            <a:pPr algn="ctr"/>
+            <a:endParaRPr lang="en-US" sz="1200" dirty="0">
+              <a:solidFill>
+                <a:srgbClr val="000000"/>
+              </a:solidFill>
+            </a:endParaRPr>
+          </a:p>
+          <a:p>
+            <a:pPr algn="ctr"/>
+            <a:endParaRPr lang="en-US" sz="1200" dirty="0" smtClean="0">
+              <a:solidFill>
+                <a:srgbClr val="000000"/>
+              </a:solidFill>
+            </a:endParaRPr>
+          </a:p>
+          <a:p>
+            <a:pPr algn="ctr"/>
+            <a:r>
+              <a:rPr lang="en-US" sz="1200" dirty="0" smtClean="0">
+                <a:solidFill>
+                  <a:srgbClr val="000000"/>
+                </a:solidFill>
+              </a:rPr>
+              <a:t>IP namespace 1</a:t>
+            </a:r>
+            <a:endParaRPr lang="en-US" sz="1200" dirty="0">
+              <a:solidFill>
+                <a:srgbClr val="000000"/>
+              </a:solidFill>
+            </a:endParaRPr>
+          </a:p>
+        </p:txBody>
+      </p:sp>
+      <p:sp>
+        <p:nvSpPr>
+          <p:cNvPr id="67" name="Rectangle 66"/>
+          <p:cNvSpPr/>
+          <p:nvPr/>
+        </p:nvSpPr>
+        <p:spPr>
+          <a:xfrm>
+            <a:off x="5658761" y="2537604"/>
+            <a:ext cx="1223588" cy="1257410"/>
+          </a:xfrm>
+          <a:prstGeom prst="rect">
+            <a:avLst/>
+          </a:prstGeom>
+          <a:noFill/>
+          <a:ln w="15875">
+            <a:solidFill>
+              <a:schemeClr val="tx1"/>
+            </a:solidFill>
+            <a:prstDash val="dash"/>
+          </a:ln>
+          <a:effectLst/>
+        </p:spPr>
+        <p:style>
+          <a:lnRef idx="1">
+            <a:schemeClr val="accent1"/>
+          </a:lnRef>
+          <a:fillRef idx="3">
+            <a:schemeClr val="accent1"/>
+          </a:fillRef>
+          <a:effectRef idx="2">
+            <a:schemeClr val="accent1"/>
+          </a:effectRef>
+          <a:fontRef idx="minor">
+            <a:schemeClr val="lt1"/>
+          </a:fontRef>
+        </p:style>
+        <p:txBody>
+          <a:bodyPr rtlCol="0" anchor="ctr"/>
+          <a:lstStyle/>
+          <a:p>
+            <a:pPr algn="ctr"/>
+            <a:endParaRPr lang="en-US" dirty="0" smtClean="0"/>
+          </a:p>
+          <a:p>
+            <a:pPr algn="ctr"/>
+            <a:endParaRPr lang="en-US" sz="1200" dirty="0" smtClean="0">
+              <a:solidFill>
+                <a:srgbClr val="000000"/>
+              </a:solidFill>
+            </a:endParaRPr>
+          </a:p>
+          <a:p>
+            <a:pPr algn="ctr"/>
+            <a:endParaRPr lang="en-US" sz="1200" dirty="0">
+              <a:solidFill>
+                <a:srgbClr val="000000"/>
+              </a:solidFill>
+            </a:endParaRPr>
+          </a:p>
+          <a:p>
+            <a:pPr algn="ctr"/>
+            <a:endParaRPr lang="en-US" sz="1200" dirty="0" smtClean="0">
+              <a:solidFill>
+                <a:srgbClr val="000000"/>
+              </a:solidFill>
+            </a:endParaRPr>
+          </a:p>
+          <a:p>
+            <a:pPr algn="ctr"/>
+            <a:r>
+              <a:rPr lang="en-US" sz="1200" dirty="0" smtClean="0">
+                <a:solidFill>
+                  <a:srgbClr val="000000"/>
+                </a:solidFill>
+              </a:rPr>
+              <a:t>IP namespace 2</a:t>
+            </a:r>
+            <a:endParaRPr lang="en-US" sz="1200" dirty="0">
+              <a:solidFill>
+                <a:srgbClr val="000000"/>
+              </a:solidFill>
+            </a:endParaRPr>
+          </a:p>
+        </p:txBody>
+      </p:sp>
+      <p:cxnSp>
+        <p:nvCxnSpPr>
+          <p:cNvPr id="69" name="Straight Arrow Connector 68"/>
+          <p:cNvCxnSpPr/>
+          <p:nvPr/>
+        </p:nvCxnSpPr>
+        <p:spPr>
+          <a:xfrm>
+            <a:off x="1311460" y="3906022"/>
+            <a:ext cx="2040" cy="337141"/>
+          </a:xfrm>
+          <a:prstGeom prst="straightConnector1">
+            <a:avLst/>
+          </a:prstGeom>
+          <a:ln>
+            <a:solidFill>
+              <a:schemeClr val="tx1"/>
+            </a:solidFill>
+            <a:prstDash val="solid"/>
             <a:tailEnd type="arrow"/>
           </a:ln>
           <a:effectLst/>
@@ -4788,14 +6074,14 @@
       </p:cxnSp>
       <p:cxnSp>
         <p:nvCxnSpPr>
-          <p:cNvPr id="50" name="Straight Arrow Connector 49"/>
+          <p:cNvPr id="70" name="Straight Arrow Connector 69"/>
           <p:cNvCxnSpPr/>
           <p:nvPr/>
         </p:nvCxnSpPr>
         <p:spPr>
           <a:xfrm>
-            <a:off x="4472269" y="1910773"/>
-            <a:ext cx="1027790" cy="0"/>
+            <a:off x="2596920" y="3922192"/>
+            <a:ext cx="2040" cy="337141"/>
           </a:xfrm>
           <a:prstGeom prst="straightConnector1">
             <a:avLst/>
@@ -4804,6 +6090,7 @@
             <a:solidFill>
               <a:schemeClr val="tx1"/>
             </a:solidFill>
+            <a:prstDash val="solid"/>
             <a:tailEnd type="arrow"/>
           </a:ln>
           <a:effectLst/>
@@ -4825,14 +6112,14 @@
       </p:cxnSp>
       <p:cxnSp>
         <p:nvCxnSpPr>
-          <p:cNvPr id="53" name="Straight Arrow Connector 52"/>
+          <p:cNvPr id="71" name="Straight Arrow Connector 70"/>
           <p:cNvCxnSpPr/>
           <p:nvPr/>
         </p:nvCxnSpPr>
         <p:spPr>
-          <a:xfrm flipH="1">
-            <a:off x="6108152" y="2131507"/>
-            <a:ext cx="781347" cy="0"/>
+          <a:xfrm>
+            <a:off x="4945786" y="3910954"/>
+            <a:ext cx="2040" cy="337141"/>
           </a:xfrm>
           <a:prstGeom prst="straightConnector1">
             <a:avLst/>
@@ -4841,95 +6128,7 @@
             <a:solidFill>
               <a:schemeClr val="tx1"/>
             </a:solidFill>
-            <a:tailEnd type="arrow"/>
-          </a:ln>
-          <a:effectLst/>
-        </p:spPr>
-        <p:style>
-          <a:lnRef idx="2">
-            <a:schemeClr val="accent1"/>
-          </a:lnRef>
-          <a:fillRef idx="0">
-            <a:schemeClr val="accent1"/>
-          </a:fillRef>
-          <a:effectRef idx="1">
-            <a:schemeClr val="accent1"/>
-          </a:effectRef>
-          <a:fontRef idx="minor">
-            <a:schemeClr val="tx1"/>
-          </a:fontRef>
-        </p:style>
-      </p:cxnSp>
-      <p:sp>
-        <p:nvSpPr>
-          <p:cNvPr id="37" name="Rectangle 36"/>
-          <p:cNvSpPr/>
-          <p:nvPr/>
-        </p:nvSpPr>
-        <p:spPr>
-          <a:xfrm>
-            <a:off x="6287259" y="1889066"/>
-            <a:ext cx="270946" cy="350445"/>
-          </a:xfrm>
-          <a:prstGeom prst="rect">
-            <a:avLst/>
-          </a:prstGeom>
-          <a:solidFill>
-            <a:schemeClr val="tx1">
-              <a:lumMod val="50000"/>
-              <a:lumOff val="50000"/>
-            </a:schemeClr>
-          </a:solidFill>
-          <a:ln w="25400">
-            <a:solidFill>
-              <a:schemeClr val="tx1"/>
-            </a:solidFill>
-          </a:ln>
-          <a:effectLst/>
-        </p:spPr>
-        <p:style>
-          <a:lnRef idx="1">
-            <a:schemeClr val="accent1"/>
-          </a:lnRef>
-          <a:fillRef idx="3">
-            <a:schemeClr val="accent1"/>
-          </a:fillRef>
-          <a:effectRef idx="2">
-            <a:schemeClr val="accent1"/>
-          </a:effectRef>
-          <a:fontRef idx="minor">
-            <a:schemeClr val="lt1"/>
-          </a:fontRef>
-        </p:style>
-        <p:txBody>
-          <a:bodyPr rtlCol="0" anchor="ctr"/>
-          <a:lstStyle/>
-          <a:p>
-            <a:pPr algn="ctr"/>
-            <a:endParaRPr lang="en-US"/>
-          </a:p>
-        </p:txBody>
-      </p:sp>
-      <p:cxnSp>
-        <p:nvCxnSpPr>
-          <p:cNvPr id="56" name="Straight Arrow Connector 55"/>
-          <p:cNvCxnSpPr>
-            <a:stCxn id="46" idx="0"/>
-          </p:cNvCxnSpPr>
-          <p:nvPr/>
-        </p:nvCxnSpPr>
-        <p:spPr>
-          <a:xfrm flipH="1" flipV="1">
-            <a:off x="4472269" y="2067150"/>
-            <a:ext cx="1027790" cy="8834"/>
-          </a:xfrm>
-          <a:prstGeom prst="straightConnector1">
-            <a:avLst/>
-          </a:prstGeom>
-          <a:ln>
-            <a:solidFill>
-              <a:schemeClr val="tx1"/>
-            </a:solidFill>
+            <a:prstDash val="solid"/>
             <a:tailEnd type="arrow"/>
           </a:ln>
           <a:effectLst/>
@@ -4951,24 +6150,23 @@
       </p:cxnSp>
       <p:cxnSp>
         <p:nvCxnSpPr>
-          <p:cNvPr id="60" name="Straight Arrow Connector 59"/>
-          <p:cNvCxnSpPr>
-            <a:endCxn id="36" idx="3"/>
-          </p:cNvCxnSpPr>
+          <p:cNvPr id="72" name="Straight Arrow Connector 71"/>
+          <p:cNvCxnSpPr/>
           <p:nvPr/>
         </p:nvCxnSpPr>
         <p:spPr>
-          <a:xfrm rot="5400000">
-            <a:off x="1864422" y="2911272"/>
-            <a:ext cx="1758864" cy="582096"/>
+          <a:xfrm>
+            <a:off x="6226985" y="3910954"/>
+            <a:ext cx="2040" cy="337141"/>
           </a:xfrm>
-          <a:prstGeom prst="bentConnector2">
+          <a:prstGeom prst="straightConnector1">
             <a:avLst/>
           </a:prstGeom>
           <a:ln>
             <a:solidFill>
               <a:schemeClr val="tx1"/>
             </a:solidFill>
+            <a:prstDash val="solid"/>
             <a:tailEnd type="arrow"/>
           </a:ln>
           <a:effectLst/>
@@ -4988,779 +6186,73 @@
           </a:fontRef>
         </p:style>
       </p:cxnSp>
-      <p:sp>
-        <p:nvSpPr>
-          <p:cNvPr id="66" name="Rectangle 65"/>
-          <p:cNvSpPr/>
-          <p:nvPr/>
-        </p:nvSpPr>
-        <p:spPr>
-          <a:xfrm rot="16200000">
-            <a:off x="5211036" y="3377138"/>
-            <a:ext cx="1166795" cy="598743"/>
-          </a:xfrm>
-          <a:prstGeom prst="rect">
-            <a:avLst/>
-          </a:prstGeom>
-          <a:noFill/>
-          <a:ln w="25400">
-            <a:solidFill>
-              <a:schemeClr val="tx1"/>
-            </a:solidFill>
-          </a:ln>
-          <a:effectLst/>
-        </p:spPr>
-        <p:style>
-          <a:lnRef idx="1">
-            <a:schemeClr val="accent1"/>
-          </a:lnRef>
-          <a:fillRef idx="3">
-            <a:schemeClr val="accent1"/>
-          </a:fillRef>
-          <a:effectRef idx="2">
-            <a:schemeClr val="accent1"/>
-          </a:effectRef>
-          <a:fontRef idx="minor">
-            <a:schemeClr val="lt1"/>
-          </a:fontRef>
-        </p:style>
-        <p:txBody>
-          <a:bodyPr rtlCol="0" anchor="ctr"/>
-          <a:lstStyle/>
-          <a:p>
-            <a:pPr algn="ctr"/>
-            <a:r>
-              <a:rPr lang="en-US" dirty="0" smtClean="0">
-                <a:solidFill>
-                  <a:schemeClr val="tx1"/>
-                </a:solidFill>
-              </a:rPr>
-              <a:t>6: TCP Connector</a:t>
-            </a:r>
-            <a:endParaRPr lang="en-US" dirty="0">
-              <a:solidFill>
-                <a:schemeClr val="tx1"/>
-              </a:solidFill>
-            </a:endParaRPr>
-          </a:p>
-        </p:txBody>
-      </p:sp>
-      <p:cxnSp>
-        <p:nvCxnSpPr>
-          <p:cNvPr id="67" name="Straight Arrow Connector 66"/>
-          <p:cNvCxnSpPr/>
-          <p:nvPr/>
-        </p:nvCxnSpPr>
-        <p:spPr>
-          <a:xfrm>
-            <a:off x="6081014" y="3612199"/>
-            <a:ext cx="776350" cy="0"/>
-          </a:xfrm>
-          <a:prstGeom prst="straightConnector1">
-            <a:avLst/>
-          </a:prstGeom>
-          <a:ln>
-            <a:solidFill>
-              <a:schemeClr val="tx1"/>
-            </a:solidFill>
-            <a:tailEnd type="arrow"/>
-          </a:ln>
-          <a:effectLst/>
-        </p:spPr>
-        <p:style>
-          <a:lnRef idx="2">
-            <a:schemeClr val="accent1"/>
-          </a:lnRef>
-          <a:fillRef idx="0">
-            <a:schemeClr val="accent1"/>
-          </a:fillRef>
-          <a:effectRef idx="1">
-            <a:schemeClr val="accent1"/>
-          </a:effectRef>
-          <a:fontRef idx="minor">
-            <a:schemeClr val="tx1"/>
-          </a:fontRef>
-        </p:style>
-      </p:cxnSp>
-      <p:cxnSp>
-        <p:nvCxnSpPr>
-          <p:cNvPr id="68" name="Straight Arrow Connector 67"/>
-          <p:cNvCxnSpPr/>
-          <p:nvPr/>
-        </p:nvCxnSpPr>
-        <p:spPr>
-          <a:xfrm flipH="1">
-            <a:off x="6076017" y="3732032"/>
-            <a:ext cx="781347" cy="0"/>
-          </a:xfrm>
-          <a:prstGeom prst="straightConnector1">
-            <a:avLst/>
-          </a:prstGeom>
-          <a:ln>
-            <a:solidFill>
-              <a:schemeClr val="tx1"/>
-            </a:solidFill>
-            <a:tailEnd type="arrow"/>
-          </a:ln>
-          <a:effectLst/>
-        </p:spPr>
-        <p:style>
-          <a:lnRef idx="2">
-            <a:schemeClr val="accent1"/>
-          </a:lnRef>
-          <a:fillRef idx="0">
-            <a:schemeClr val="accent1"/>
-          </a:fillRef>
-          <a:effectRef idx="1">
-            <a:schemeClr val="accent1"/>
-          </a:effectRef>
-          <a:fontRef idx="minor">
-            <a:schemeClr val="tx1"/>
-          </a:fontRef>
-        </p:style>
-      </p:cxnSp>
-      <p:sp>
-        <p:nvSpPr>
-          <p:cNvPr id="38" name="Rectangle 37"/>
-          <p:cNvSpPr/>
-          <p:nvPr/>
-        </p:nvSpPr>
-        <p:spPr>
-          <a:xfrm>
-            <a:off x="6282047" y="3500020"/>
-            <a:ext cx="270946" cy="350445"/>
-          </a:xfrm>
-          <a:prstGeom prst="rect">
-            <a:avLst/>
-          </a:prstGeom>
-          <a:solidFill>
-            <a:schemeClr val="tx1">
-              <a:lumMod val="50000"/>
-              <a:lumOff val="50000"/>
-            </a:schemeClr>
-          </a:solidFill>
-          <a:ln w="25400">
-            <a:solidFill>
-              <a:schemeClr val="tx1"/>
-            </a:solidFill>
-          </a:ln>
-          <a:effectLst/>
-        </p:spPr>
-        <p:style>
-          <a:lnRef idx="1">
-            <a:schemeClr val="accent1"/>
-          </a:lnRef>
-          <a:fillRef idx="3">
-            <a:schemeClr val="accent1"/>
-          </a:fillRef>
-          <a:effectRef idx="2">
-            <a:schemeClr val="accent1"/>
-          </a:effectRef>
-          <a:fontRef idx="minor">
-            <a:schemeClr val="lt1"/>
-          </a:fontRef>
-        </p:style>
-        <p:txBody>
-          <a:bodyPr rtlCol="0" anchor="ctr"/>
-          <a:lstStyle/>
-          <a:p>
-            <a:pPr algn="ctr"/>
-            <a:endParaRPr lang="en-US"/>
-          </a:p>
-        </p:txBody>
-      </p:sp>
-      <p:sp>
-        <p:nvSpPr>
-          <p:cNvPr id="69" name="Rectangle 68"/>
-          <p:cNvSpPr/>
-          <p:nvPr/>
-        </p:nvSpPr>
-        <p:spPr>
-          <a:xfrm>
-            <a:off x="3365057" y="2603859"/>
-            <a:ext cx="1791079" cy="2507637"/>
-          </a:xfrm>
-          <a:prstGeom prst="rect">
-            <a:avLst/>
-          </a:prstGeom>
-          <a:noFill/>
-          <a:ln w="25400">
-            <a:solidFill>
-              <a:schemeClr val="tx1"/>
-            </a:solidFill>
-          </a:ln>
-          <a:effectLst/>
-        </p:spPr>
-        <p:style>
-          <a:lnRef idx="1">
-            <a:schemeClr val="accent1"/>
-          </a:lnRef>
-          <a:fillRef idx="3">
-            <a:schemeClr val="accent1"/>
-          </a:fillRef>
-          <a:effectRef idx="2">
-            <a:schemeClr val="accent1"/>
-          </a:effectRef>
-          <a:fontRef idx="minor">
-            <a:schemeClr val="lt1"/>
-          </a:fontRef>
-        </p:style>
-        <p:txBody>
-          <a:bodyPr rtlCol="0" anchor="ctr"/>
-          <a:lstStyle/>
-          <a:p>
-            <a:pPr algn="ctr"/>
-            <a:endParaRPr lang="en-US"/>
-          </a:p>
-        </p:txBody>
-      </p:sp>
-      <p:sp>
-        <p:nvSpPr>
-          <p:cNvPr id="85" name="TextBox 84"/>
-          <p:cNvSpPr txBox="1"/>
-          <p:nvPr/>
-        </p:nvSpPr>
-        <p:spPr>
-          <a:xfrm>
-            <a:off x="3365057" y="4641838"/>
-            <a:ext cx="1773291" cy="338554"/>
-          </a:xfrm>
-          <a:prstGeom prst="rect">
-            <a:avLst/>
-          </a:prstGeom>
-          <a:noFill/>
-        </p:spPr>
-        <p:txBody>
-          <a:bodyPr wrap="square" rtlCol="0">
-            <a:spAutoFit/>
-          </a:bodyPr>
-          <a:lstStyle/>
-          <a:p>
-            <a:pPr algn="ctr"/>
-            <a:r>
-              <a:rPr lang="en-US" sz="1600" dirty="0" smtClean="0"/>
-              <a:t>5: Buffer Manager</a:t>
-            </a:r>
-            <a:endParaRPr lang="en-US" sz="1600" dirty="0"/>
-          </a:p>
-        </p:txBody>
-      </p:sp>
-      <p:cxnSp>
-        <p:nvCxnSpPr>
-          <p:cNvPr id="86" name="Straight Arrow Connector 85"/>
-          <p:cNvCxnSpPr/>
-          <p:nvPr/>
-        </p:nvCxnSpPr>
-        <p:spPr>
-          <a:xfrm flipH="1">
-            <a:off x="3512356" y="2322892"/>
-            <a:ext cx="15744" cy="2318946"/>
-          </a:xfrm>
-          <a:prstGeom prst="straightConnector1">
-            <a:avLst/>
-          </a:prstGeom>
-          <a:ln>
-            <a:solidFill>
-              <a:schemeClr val="tx1"/>
-            </a:solidFill>
-            <a:tailEnd type="arrow"/>
-          </a:ln>
-          <a:effectLst/>
-        </p:spPr>
-        <p:style>
-          <a:lnRef idx="2">
-            <a:schemeClr val="accent1"/>
-          </a:lnRef>
-          <a:fillRef idx="0">
-            <a:schemeClr val="accent1"/>
-          </a:fillRef>
-          <a:effectRef idx="1">
-            <a:schemeClr val="accent1"/>
-          </a:effectRef>
-          <a:fontRef idx="minor">
-            <a:schemeClr val="tx1"/>
-          </a:fontRef>
-        </p:style>
-      </p:cxnSp>
-      <p:cxnSp>
-        <p:nvCxnSpPr>
-          <p:cNvPr id="89" name="Straight Arrow Connector 88"/>
-          <p:cNvCxnSpPr/>
-          <p:nvPr/>
-        </p:nvCxnSpPr>
-        <p:spPr>
-          <a:xfrm>
-            <a:off x="3528100" y="3061885"/>
-            <a:ext cx="336288" cy="0"/>
-          </a:xfrm>
-          <a:prstGeom prst="straightConnector1">
-            <a:avLst/>
-          </a:prstGeom>
-          <a:ln>
-            <a:solidFill>
-              <a:schemeClr val="tx1"/>
-            </a:solidFill>
-            <a:tailEnd type="arrow"/>
-          </a:ln>
-          <a:effectLst/>
-        </p:spPr>
-        <p:style>
-          <a:lnRef idx="2">
-            <a:schemeClr val="accent1"/>
-          </a:lnRef>
-          <a:fillRef idx="0">
-            <a:schemeClr val="accent1"/>
-          </a:fillRef>
-          <a:effectRef idx="1">
-            <a:schemeClr val="accent1"/>
-          </a:effectRef>
-          <a:fontRef idx="minor">
-            <a:schemeClr val="tx1"/>
-          </a:fontRef>
-        </p:style>
-      </p:cxnSp>
-      <p:cxnSp>
-        <p:nvCxnSpPr>
-          <p:cNvPr id="92" name="Straight Arrow Connector 91"/>
-          <p:cNvCxnSpPr/>
-          <p:nvPr/>
-        </p:nvCxnSpPr>
-        <p:spPr>
-          <a:xfrm>
-            <a:off x="3528100" y="3477330"/>
-            <a:ext cx="336288" cy="0"/>
-          </a:xfrm>
-          <a:prstGeom prst="straightConnector1">
-            <a:avLst/>
-          </a:prstGeom>
-          <a:ln>
-            <a:solidFill>
-              <a:schemeClr val="tx1"/>
-            </a:solidFill>
-            <a:tailEnd type="arrow"/>
-          </a:ln>
-          <a:effectLst/>
-        </p:spPr>
-        <p:style>
-          <a:lnRef idx="2">
-            <a:schemeClr val="accent1"/>
-          </a:lnRef>
-          <a:fillRef idx="0">
-            <a:schemeClr val="accent1"/>
-          </a:fillRef>
-          <a:effectRef idx="1">
-            <a:schemeClr val="accent1"/>
-          </a:effectRef>
-          <a:fontRef idx="minor">
-            <a:schemeClr val="tx1"/>
-          </a:fontRef>
-        </p:style>
-      </p:cxnSp>
-      <p:cxnSp>
-        <p:nvCxnSpPr>
-          <p:cNvPr id="93" name="Straight Arrow Connector 92"/>
-          <p:cNvCxnSpPr/>
-          <p:nvPr/>
-        </p:nvCxnSpPr>
-        <p:spPr>
-          <a:xfrm>
-            <a:off x="3528100" y="3724918"/>
-            <a:ext cx="336288" cy="0"/>
-          </a:xfrm>
-          <a:prstGeom prst="straightConnector1">
-            <a:avLst/>
-          </a:prstGeom>
-          <a:ln>
-            <a:solidFill>
-              <a:schemeClr val="tx1"/>
-            </a:solidFill>
-            <a:tailEnd type="arrow"/>
-          </a:ln>
-          <a:effectLst/>
-        </p:spPr>
-        <p:style>
-          <a:lnRef idx="2">
-            <a:schemeClr val="accent1"/>
-          </a:lnRef>
-          <a:fillRef idx="0">
-            <a:schemeClr val="accent1"/>
-          </a:fillRef>
-          <a:effectRef idx="1">
-            <a:schemeClr val="accent1"/>
-          </a:effectRef>
-          <a:fontRef idx="minor">
-            <a:schemeClr val="tx1"/>
-          </a:fontRef>
-        </p:style>
-      </p:cxnSp>
-      <p:cxnSp>
-        <p:nvCxnSpPr>
-          <p:cNvPr id="94" name="Straight Arrow Connector 93"/>
-          <p:cNvCxnSpPr/>
-          <p:nvPr/>
-        </p:nvCxnSpPr>
-        <p:spPr>
-          <a:xfrm>
-            <a:off x="3528100" y="4022969"/>
-            <a:ext cx="336288" cy="0"/>
-          </a:xfrm>
-          <a:prstGeom prst="straightConnector1">
-            <a:avLst/>
-          </a:prstGeom>
-          <a:ln>
-            <a:solidFill>
-              <a:schemeClr val="tx1"/>
-            </a:solidFill>
-            <a:tailEnd type="arrow"/>
-          </a:ln>
-          <a:effectLst/>
-        </p:spPr>
-        <p:style>
-          <a:lnRef idx="2">
-            <a:schemeClr val="accent1"/>
-          </a:lnRef>
-          <a:fillRef idx="0">
-            <a:schemeClr val="accent1"/>
-          </a:fillRef>
-          <a:effectRef idx="1">
-            <a:schemeClr val="accent1"/>
-          </a:effectRef>
-          <a:fontRef idx="minor">
-            <a:schemeClr val="tx1"/>
-          </a:fontRef>
-        </p:style>
-      </p:cxnSp>
-      <p:cxnSp>
-        <p:nvCxnSpPr>
-          <p:cNvPr id="95" name="Straight Arrow Connector 94"/>
-          <p:cNvCxnSpPr/>
-          <p:nvPr/>
-        </p:nvCxnSpPr>
-        <p:spPr>
-          <a:xfrm>
-            <a:off x="3512356" y="4390097"/>
-            <a:ext cx="336288" cy="0"/>
-          </a:xfrm>
-          <a:prstGeom prst="straightConnector1">
-            <a:avLst/>
-          </a:prstGeom>
-          <a:ln>
-            <a:solidFill>
-              <a:schemeClr val="tx1"/>
-            </a:solidFill>
-            <a:tailEnd type="arrow"/>
-          </a:ln>
-          <a:effectLst/>
-        </p:spPr>
-        <p:style>
-          <a:lnRef idx="2">
-            <a:schemeClr val="accent1"/>
-          </a:lnRef>
-          <a:fillRef idx="0">
-            <a:schemeClr val="accent1"/>
-          </a:fillRef>
-          <a:effectRef idx="1">
-            <a:schemeClr val="accent1"/>
-          </a:effectRef>
-          <a:fontRef idx="minor">
-            <a:schemeClr val="tx1"/>
-          </a:fontRef>
-        </p:style>
-      </p:cxnSp>
-      <p:sp>
-        <p:nvSpPr>
-          <p:cNvPr id="96" name="Rectangle 95"/>
-          <p:cNvSpPr/>
-          <p:nvPr/>
-        </p:nvSpPr>
-        <p:spPr>
-          <a:xfrm>
-            <a:off x="3864389" y="2942897"/>
-            <a:ext cx="1161487" cy="260110"/>
-          </a:xfrm>
-          <a:prstGeom prst="rect">
-            <a:avLst/>
-          </a:prstGeom>
-          <a:noFill/>
-          <a:ln w="25400">
-            <a:solidFill>
-              <a:schemeClr val="tx1"/>
-            </a:solidFill>
-          </a:ln>
-          <a:effectLst/>
-        </p:spPr>
-        <p:style>
-          <a:lnRef idx="1">
-            <a:schemeClr val="accent1"/>
-          </a:lnRef>
-          <a:fillRef idx="3">
-            <a:schemeClr val="accent1"/>
-          </a:fillRef>
-          <a:effectRef idx="2">
-            <a:schemeClr val="accent1"/>
-          </a:effectRef>
-          <a:fontRef idx="minor">
-            <a:schemeClr val="lt1"/>
-          </a:fontRef>
-        </p:style>
-        <p:txBody>
-          <a:bodyPr rtlCol="0" anchor="ctr"/>
-          <a:lstStyle/>
-          <a:p>
-            <a:pPr algn="ctr"/>
-            <a:endParaRPr lang="en-US"/>
-          </a:p>
-        </p:txBody>
-      </p:sp>
-      <p:sp>
-        <p:nvSpPr>
-          <p:cNvPr id="99" name="Rectangle 98"/>
-          <p:cNvSpPr/>
-          <p:nvPr/>
-        </p:nvSpPr>
-        <p:spPr>
-          <a:xfrm>
-            <a:off x="3887388" y="3280473"/>
-            <a:ext cx="868402" cy="260110"/>
-          </a:xfrm>
-          <a:prstGeom prst="rect">
-            <a:avLst/>
-          </a:prstGeom>
-          <a:noFill/>
-          <a:ln w="25400">
-            <a:solidFill>
-              <a:schemeClr val="tx1"/>
-            </a:solidFill>
-          </a:ln>
-          <a:effectLst/>
-        </p:spPr>
-        <p:style>
-          <a:lnRef idx="1">
-            <a:schemeClr val="accent1"/>
-          </a:lnRef>
-          <a:fillRef idx="3">
-            <a:schemeClr val="accent1"/>
-          </a:fillRef>
-          <a:effectRef idx="2">
-            <a:schemeClr val="accent1"/>
-          </a:effectRef>
-          <a:fontRef idx="minor">
-            <a:schemeClr val="lt1"/>
-          </a:fontRef>
-        </p:style>
-        <p:txBody>
-          <a:bodyPr rtlCol="0" anchor="ctr"/>
-          <a:lstStyle/>
-          <a:p>
-            <a:pPr algn="ctr"/>
-            <a:endParaRPr lang="en-US"/>
-          </a:p>
-        </p:txBody>
-      </p:sp>
-      <p:sp>
-        <p:nvSpPr>
-          <p:cNvPr id="100" name="Rectangle 99"/>
-          <p:cNvSpPr/>
-          <p:nvPr/>
-        </p:nvSpPr>
-        <p:spPr>
-          <a:xfrm>
-            <a:off x="3887388" y="3914626"/>
-            <a:ext cx="541461" cy="217200"/>
-          </a:xfrm>
-          <a:prstGeom prst="rect">
-            <a:avLst/>
-          </a:prstGeom>
-          <a:noFill/>
-          <a:ln w="25400">
-            <a:solidFill>
-              <a:schemeClr val="tx1"/>
-            </a:solidFill>
-          </a:ln>
-          <a:effectLst/>
-        </p:spPr>
-        <p:style>
-          <a:lnRef idx="1">
-            <a:schemeClr val="accent1"/>
-          </a:lnRef>
-          <a:fillRef idx="3">
-            <a:schemeClr val="accent1"/>
-          </a:fillRef>
-          <a:effectRef idx="2">
-            <a:schemeClr val="accent1"/>
-          </a:effectRef>
-          <a:fontRef idx="minor">
-            <a:schemeClr val="lt1"/>
-          </a:fontRef>
-        </p:style>
-        <p:txBody>
-          <a:bodyPr rtlCol="0" anchor="ctr"/>
-          <a:lstStyle/>
-          <a:p>
-            <a:pPr algn="ctr"/>
-            <a:endParaRPr lang="en-US"/>
-          </a:p>
-        </p:txBody>
-      </p:sp>
-      <p:sp>
-        <p:nvSpPr>
-          <p:cNvPr id="101" name="Rectangle 100"/>
-          <p:cNvSpPr/>
-          <p:nvPr/>
-        </p:nvSpPr>
-        <p:spPr>
-          <a:xfrm>
-            <a:off x="3887388" y="3594863"/>
-            <a:ext cx="997372" cy="260110"/>
-          </a:xfrm>
-          <a:prstGeom prst="rect">
-            <a:avLst/>
-          </a:prstGeom>
-          <a:noFill/>
-          <a:ln w="25400">
-            <a:solidFill>
-              <a:schemeClr val="tx1"/>
-            </a:solidFill>
-          </a:ln>
-          <a:effectLst/>
-        </p:spPr>
-        <p:style>
-          <a:lnRef idx="1">
-            <a:schemeClr val="accent1"/>
-          </a:lnRef>
-          <a:fillRef idx="3">
-            <a:schemeClr val="accent1"/>
-          </a:fillRef>
-          <a:effectRef idx="2">
-            <a:schemeClr val="accent1"/>
-          </a:effectRef>
-          <a:fontRef idx="minor">
-            <a:schemeClr val="lt1"/>
-          </a:fontRef>
-        </p:style>
-        <p:txBody>
-          <a:bodyPr rtlCol="0" anchor="ctr"/>
-          <a:lstStyle/>
-          <a:p>
-            <a:pPr algn="ctr"/>
-            <a:endParaRPr lang="en-US"/>
-          </a:p>
-        </p:txBody>
-      </p:sp>
-      <p:sp>
-        <p:nvSpPr>
-          <p:cNvPr id="102" name="Rectangle 101"/>
-          <p:cNvSpPr/>
-          <p:nvPr/>
-        </p:nvSpPr>
-        <p:spPr>
-          <a:xfrm>
-            <a:off x="3887387" y="4246861"/>
-            <a:ext cx="1138489" cy="235410"/>
-          </a:xfrm>
-          <a:prstGeom prst="rect">
-            <a:avLst/>
-          </a:prstGeom>
-          <a:noFill/>
-          <a:ln w="25400">
-            <a:solidFill>
-              <a:schemeClr val="tx1"/>
-            </a:solidFill>
-          </a:ln>
-          <a:effectLst/>
-        </p:spPr>
-        <p:style>
-          <a:lnRef idx="1">
-            <a:schemeClr val="accent1"/>
-          </a:lnRef>
-          <a:fillRef idx="3">
-            <a:schemeClr val="accent1"/>
-          </a:fillRef>
-          <a:effectRef idx="2">
-            <a:schemeClr val="accent1"/>
-          </a:effectRef>
-          <a:fontRef idx="minor">
-            <a:schemeClr val="lt1"/>
-          </a:fontRef>
-        </p:style>
-        <p:txBody>
-          <a:bodyPr rtlCol="0" anchor="ctr"/>
-          <a:lstStyle/>
-          <a:p>
-            <a:pPr algn="ctr"/>
-            <a:endParaRPr lang="en-US"/>
-          </a:p>
-        </p:txBody>
-      </p:sp>
-      <p:cxnSp>
-        <p:nvCxnSpPr>
-          <p:cNvPr id="108" name="Straight Arrow Connector 107"/>
-          <p:cNvCxnSpPr>
-            <a:endCxn id="66" idx="0"/>
-          </p:cNvCxnSpPr>
-          <p:nvPr/>
-        </p:nvCxnSpPr>
-        <p:spPr>
-          <a:xfrm>
-            <a:off x="5138348" y="3676509"/>
-            <a:ext cx="356714" cy="0"/>
-          </a:xfrm>
-          <a:prstGeom prst="straightConnector1">
-            <a:avLst/>
-          </a:prstGeom>
-          <a:ln>
-            <a:solidFill>
-              <a:schemeClr val="tx1"/>
-            </a:solidFill>
-            <a:tailEnd type="arrow"/>
-          </a:ln>
-          <a:effectLst/>
-        </p:spPr>
-        <p:style>
-          <a:lnRef idx="2">
-            <a:schemeClr val="accent1"/>
-          </a:lnRef>
-          <a:fillRef idx="0">
-            <a:schemeClr val="accent1"/>
-          </a:fillRef>
-          <a:effectRef idx="1">
-            <a:schemeClr val="accent1"/>
-          </a:effectRef>
-          <a:fontRef idx="minor">
-            <a:schemeClr val="tx1"/>
-          </a:fontRef>
-        </p:style>
-      </p:cxnSp>
+    </p:spTree>
+    <p:extLst>
+      <p:ext uri="{BB962C8B-B14F-4D97-AF65-F5344CB8AC3E}">
+        <p14:creationId xmlns:p14="http://schemas.microsoft.com/office/powerpoint/2010/main" val="1060549766"/>
+      </p:ext>
+    </p:extLst>
+  </p:cSld>
+  <p:clrMapOvr>
+    <a:masterClrMapping/>
+  </p:clrMapOvr>
+  <p:timing>
+    <p:tnLst>
+      <p:par>
+        <p:cTn xmlns:p14="http://schemas.microsoft.com/office/powerpoint/2010/main" id="1" dur="indefinite" restart="never" nodeType="tmRoot"/>
+      </p:par>
+    </p:tnLst>
+  </p:timing>
+</p:sld>
+</file>
+
+<file path=ppt/slides/slide4.xml><?xml version="1.0" encoding="utf-8"?>
+<p:sld xmlns:a="http://schemas.openxmlformats.org/drawingml/2006/main" xmlns:r="http://schemas.openxmlformats.org/officeDocument/2006/relationships" xmlns:p="http://schemas.openxmlformats.org/presentationml/2006/main">
+  <p:cSld>
+    <p:spTree>
+      <p:nvGrpSpPr>
+        <p:cNvPr id="1" name=""/>
+        <p:cNvGrpSpPr/>
+        <p:nvPr/>
+      </p:nvGrpSpPr>
+      <p:grpSpPr>
+        <a:xfrm>
+          <a:off x="0" y="0"/>
+          <a:ext cx="0" cy="0"/>
+          <a:chOff x="0" y="0"/>
+          <a:chExt cx="0" cy="0"/>
+        </a:xfrm>
+      </p:grpSpPr>
       <p:grpSp>
         <p:nvGrpSpPr>
-          <p:cNvPr id="116" name="Group 115"/>
+          <p:cNvPr id="127" name="Group 126"/>
           <p:cNvGrpSpPr/>
           <p:nvPr/>
         </p:nvGrpSpPr>
         <p:grpSpPr>
           <a:xfrm>
-            <a:off x="1335168" y="3925570"/>
-            <a:ext cx="401636" cy="412511"/>
-            <a:chOff x="7489966" y="477645"/>
-            <a:chExt cx="401636" cy="412511"/>
+            <a:off x="1335168" y="1276912"/>
+            <a:ext cx="5955967" cy="3997417"/>
+            <a:chOff x="1335168" y="1276912"/>
+            <a:chExt cx="5955967" cy="3997417"/>
           </a:xfrm>
         </p:grpSpPr>
         <p:sp>
           <p:nvSpPr>
-            <p:cNvPr id="114" name="Oval 113"/>
+            <p:cNvPr id="33" name="Rectangle 32"/>
             <p:cNvSpPr/>
             <p:nvPr/>
           </p:nvSpPr>
           <p:spPr>
             <a:xfrm>
-              <a:off x="7489966" y="477645"/>
-              <a:ext cx="401636" cy="412511"/>
+              <a:off x="2279554" y="1276912"/>
+              <a:ext cx="4157475" cy="3997417"/>
             </a:xfrm>
-            <a:prstGeom prst="ellipse">
+            <a:prstGeom prst="rect">
               <a:avLst/>
             </a:prstGeom>
             <a:noFill/>
-            <a:ln w="22225">
+            <a:ln w="25400">
               <a:solidFill>
                 <a:schemeClr val="tx1"/>
               </a:solidFill>
@@ -5792,65 +6284,20 @@
         </p:sp>
         <p:sp>
           <p:nvSpPr>
-            <p:cNvPr id="115" name="TextBox 114"/>
-            <p:cNvSpPr txBox="1"/>
+            <p:cNvPr id="34" name="Rectangle 33"/>
+            <p:cNvSpPr/>
             <p:nvPr/>
           </p:nvSpPr>
           <p:spPr>
             <a:xfrm>
-              <a:off x="7524812" y="477645"/>
-              <a:ext cx="301660" cy="369332"/>
+              <a:off x="2452806" y="1681140"/>
+              <a:ext cx="2019463" cy="641748"/>
             </a:xfrm>
             <a:prstGeom prst="rect">
               <a:avLst/>
             </a:prstGeom>
             <a:noFill/>
-          </p:spPr>
-          <p:txBody>
-            <a:bodyPr wrap="none" rtlCol="0">
-              <a:spAutoFit/>
-            </a:bodyPr>
-            <a:lstStyle/>
-            <a:p>
-              <a:r>
-                <a:rPr lang="en-US" dirty="0" smtClean="0"/>
-                <a:t>1</a:t>
-              </a:r>
-              <a:endParaRPr lang="en-US" dirty="0"/>
-            </a:p>
-          </p:txBody>
-        </p:sp>
-      </p:grpSp>
-      <p:grpSp>
-        <p:nvGrpSpPr>
-          <p:cNvPr id="117" name="Group 116"/>
-          <p:cNvGrpSpPr/>
-          <p:nvPr/>
-        </p:nvGrpSpPr>
-        <p:grpSpPr>
-          <a:xfrm>
-            <a:off x="6889499" y="1812667"/>
-            <a:ext cx="401636" cy="412511"/>
-            <a:chOff x="7489966" y="477645"/>
-            <a:chExt cx="401636" cy="412511"/>
-          </a:xfrm>
-        </p:grpSpPr>
-        <p:sp>
-          <p:nvSpPr>
-            <p:cNvPr id="118" name="Oval 117"/>
-            <p:cNvSpPr/>
-            <p:nvPr/>
-          </p:nvSpPr>
-          <p:spPr>
-            <a:xfrm>
-              <a:off x="7489966" y="477645"/>
-              <a:ext cx="401636" cy="412511"/>
-            </a:xfrm>
-            <a:prstGeom prst="ellipse">
-              <a:avLst/>
-            </a:prstGeom>
-            <a:noFill/>
-            <a:ln w="22225">
+            <a:ln w="25400">
               <a:solidFill>
                 <a:schemeClr val="tx1"/>
               </a:solidFill>
@@ -5882,14 +6329,14 @@
         </p:sp>
         <p:sp>
           <p:nvSpPr>
-            <p:cNvPr id="119" name="TextBox 118"/>
+            <p:cNvPr id="35" name="TextBox 34"/>
             <p:cNvSpPr txBox="1"/>
             <p:nvPr/>
           </p:nvSpPr>
           <p:spPr>
             <a:xfrm>
-              <a:off x="7524812" y="477645"/>
-              <a:ext cx="301660" cy="369332"/>
+              <a:off x="2409388" y="1802217"/>
+              <a:ext cx="2182287" cy="338554"/>
             </a:xfrm>
             <a:prstGeom prst="rect">
               <a:avLst/>
@@ -5897,50 +6344,597 @@
             <a:noFill/>
           </p:spPr>
           <p:txBody>
-            <a:bodyPr wrap="none" rtlCol="0">
+            <a:bodyPr wrap="square" rtlCol="0">
               <a:spAutoFit/>
             </a:bodyPr>
             <a:lstStyle/>
             <a:p>
               <a:r>
-                <a:rPr lang="en-US" dirty="0"/>
-                <a:t>4</a:t>
+                <a:rPr lang="en-US" sz="1600" dirty="0"/>
+                <a:t>2</a:t>
               </a:r>
-              <a:endParaRPr lang="en-US" dirty="0"/>
+              <a:r>
+                <a:rPr lang="en-US" sz="1600" dirty="0" smtClean="0"/>
+                <a:t>: Connection Manager</a:t>
+              </a:r>
+              <a:endParaRPr lang="en-US" sz="1600" dirty="0"/>
             </a:p>
           </p:txBody>
         </p:sp>
-      </p:grpSp>
-      <p:grpSp>
-        <p:nvGrpSpPr>
-          <p:cNvPr id="120" name="Group 119"/>
-          <p:cNvGrpSpPr/>
-          <p:nvPr/>
-        </p:nvGrpSpPr>
-        <p:grpSpPr>
-          <a:xfrm>
-            <a:off x="6889499" y="3453861"/>
-            <a:ext cx="401636" cy="412511"/>
-            <a:chOff x="7489966" y="477645"/>
-            <a:chExt cx="401636" cy="412511"/>
-          </a:xfrm>
-        </p:grpSpPr>
         <p:sp>
           <p:nvSpPr>
-            <p:cNvPr id="121" name="Oval 120"/>
+            <p:cNvPr id="36" name="Rectangle 35"/>
             <p:cNvSpPr/>
             <p:nvPr/>
           </p:nvSpPr>
           <p:spPr>
             <a:xfrm>
-              <a:off x="7489966" y="477645"/>
-              <a:ext cx="401636" cy="412511"/>
+              <a:off x="2181860" y="3906529"/>
+              <a:ext cx="270946" cy="350445"/>
             </a:xfrm>
-            <a:prstGeom prst="ellipse">
+            <a:prstGeom prst="rect">
+              <a:avLst/>
+            </a:prstGeom>
+            <a:solidFill>
+              <a:schemeClr val="tx1">
+                <a:lumMod val="50000"/>
+                <a:lumOff val="50000"/>
+              </a:schemeClr>
+            </a:solidFill>
+            <a:ln w="25400">
+              <a:solidFill>
+                <a:schemeClr val="tx1"/>
+              </a:solidFill>
+            </a:ln>
+            <a:effectLst/>
+          </p:spPr>
+          <p:style>
+            <a:lnRef idx="1">
+              <a:schemeClr val="accent1"/>
+            </a:lnRef>
+            <a:fillRef idx="3">
+              <a:schemeClr val="accent1"/>
+            </a:fillRef>
+            <a:effectRef idx="2">
+              <a:schemeClr val="accent1"/>
+            </a:effectRef>
+            <a:fontRef idx="minor">
+              <a:schemeClr val="lt1"/>
+            </a:fontRef>
+          </p:style>
+          <p:txBody>
+            <a:bodyPr rtlCol="0" anchor="ctr"/>
+            <a:lstStyle/>
+            <a:p>
+              <a:pPr algn="ctr"/>
+              <a:endParaRPr lang="en-US"/>
+            </a:p>
+          </p:txBody>
+        </p:sp>
+        <p:cxnSp>
+          <p:nvCxnSpPr>
+            <p:cNvPr id="40" name="Straight Arrow Connector 39"/>
+            <p:cNvCxnSpPr/>
+            <p:nvPr/>
+          </p:nvCxnSpPr>
+          <p:spPr>
+            <a:xfrm>
+              <a:off x="1736804" y="4038328"/>
+              <a:ext cx="445056" cy="0"/>
+            </a:xfrm>
+            <a:prstGeom prst="straightConnector1">
+              <a:avLst/>
+            </a:prstGeom>
+            <a:ln>
+              <a:solidFill>
+                <a:schemeClr val="tx1"/>
+              </a:solidFill>
+              <a:tailEnd type="arrow"/>
+            </a:ln>
+            <a:effectLst/>
+          </p:spPr>
+          <p:style>
+            <a:lnRef idx="2">
+              <a:schemeClr val="accent1"/>
+            </a:lnRef>
+            <a:fillRef idx="0">
+              <a:schemeClr val="accent1"/>
+            </a:fillRef>
+            <a:effectRef idx="1">
+              <a:schemeClr val="accent1"/>
+            </a:effectRef>
+            <a:fontRef idx="minor">
+              <a:schemeClr val="tx1"/>
+            </a:fontRef>
+          </p:style>
+        </p:cxnSp>
+        <p:cxnSp>
+          <p:nvCxnSpPr>
+            <p:cNvPr id="43" name="Straight Arrow Connector 42"/>
+            <p:cNvCxnSpPr/>
+            <p:nvPr/>
+          </p:nvCxnSpPr>
+          <p:spPr>
+            <a:xfrm rot="5400000" flipH="1" flipV="1">
+              <a:off x="1850184" y="2925516"/>
+              <a:ext cx="1656653" cy="451405"/>
+            </a:xfrm>
+            <a:prstGeom prst="bentConnector3">
+              <a:avLst>
+                <a:gd name="adj1" fmla="val 199"/>
+              </a:avLst>
+            </a:prstGeom>
+            <a:ln>
+              <a:solidFill>
+                <a:schemeClr val="tx1"/>
+              </a:solidFill>
+              <a:tailEnd type="arrow"/>
+            </a:ln>
+            <a:effectLst/>
+          </p:spPr>
+          <p:style>
+            <a:lnRef idx="2">
+              <a:schemeClr val="accent1"/>
+            </a:lnRef>
+            <a:fillRef idx="0">
+              <a:schemeClr val="accent1"/>
+            </a:fillRef>
+            <a:effectRef idx="1">
+              <a:schemeClr val="accent1"/>
+            </a:effectRef>
+            <a:fontRef idx="minor">
+              <a:schemeClr val="tx1"/>
+            </a:fontRef>
+          </p:style>
+        </p:cxnSp>
+        <p:sp>
+          <p:nvSpPr>
+            <p:cNvPr id="46" name="Rectangle 45"/>
+            <p:cNvSpPr/>
+            <p:nvPr/>
+          </p:nvSpPr>
+          <p:spPr>
+            <a:xfrm rot="16200000">
+              <a:off x="5216033" y="1776613"/>
+              <a:ext cx="1166795" cy="598743"/>
+            </a:xfrm>
+            <a:prstGeom prst="rect">
               <a:avLst/>
             </a:prstGeom>
             <a:noFill/>
-            <a:ln w="22225">
+            <a:ln w="25400">
+              <a:solidFill>
+                <a:schemeClr val="tx1"/>
+              </a:solidFill>
+            </a:ln>
+            <a:effectLst/>
+          </p:spPr>
+          <p:style>
+            <a:lnRef idx="1">
+              <a:schemeClr val="accent1"/>
+            </a:lnRef>
+            <a:fillRef idx="3">
+              <a:schemeClr val="accent1"/>
+            </a:fillRef>
+            <a:effectRef idx="2">
+              <a:schemeClr val="accent1"/>
+            </a:effectRef>
+            <a:fontRef idx="minor">
+              <a:schemeClr val="lt1"/>
+            </a:fontRef>
+          </p:style>
+          <p:txBody>
+            <a:bodyPr rtlCol="0" anchor="ctr"/>
+            <a:lstStyle/>
+            <a:p>
+              <a:pPr algn="ctr"/>
+              <a:r>
+                <a:rPr lang="en-US" dirty="0" smtClean="0">
+                  <a:solidFill>
+                    <a:schemeClr val="tx1"/>
+                  </a:solidFill>
+                </a:rPr>
+                <a:t>3: TCP Connector</a:t>
+              </a:r>
+              <a:endParaRPr lang="en-US" dirty="0">
+                <a:solidFill>
+                  <a:schemeClr val="tx1"/>
+                </a:solidFill>
+              </a:endParaRPr>
+            </a:p>
+          </p:txBody>
+        </p:sp>
+        <p:cxnSp>
+          <p:nvCxnSpPr>
+            <p:cNvPr id="48" name="Straight Arrow Connector 47"/>
+            <p:cNvCxnSpPr/>
+            <p:nvPr/>
+          </p:nvCxnSpPr>
+          <p:spPr>
+            <a:xfrm>
+              <a:off x="6113149" y="1979107"/>
+              <a:ext cx="776350" cy="0"/>
+            </a:xfrm>
+            <a:prstGeom prst="straightConnector1">
+              <a:avLst/>
+            </a:prstGeom>
+            <a:ln>
+              <a:solidFill>
+                <a:schemeClr val="tx1"/>
+              </a:solidFill>
+              <a:tailEnd type="arrow"/>
+            </a:ln>
+            <a:effectLst/>
+          </p:spPr>
+          <p:style>
+            <a:lnRef idx="2">
+              <a:schemeClr val="accent1"/>
+            </a:lnRef>
+            <a:fillRef idx="0">
+              <a:schemeClr val="accent1"/>
+            </a:fillRef>
+            <a:effectRef idx="1">
+              <a:schemeClr val="accent1"/>
+            </a:effectRef>
+            <a:fontRef idx="minor">
+              <a:schemeClr val="tx1"/>
+            </a:fontRef>
+          </p:style>
+        </p:cxnSp>
+        <p:cxnSp>
+          <p:nvCxnSpPr>
+            <p:cNvPr id="50" name="Straight Arrow Connector 49"/>
+            <p:cNvCxnSpPr/>
+            <p:nvPr/>
+          </p:nvCxnSpPr>
+          <p:spPr>
+            <a:xfrm>
+              <a:off x="4472269" y="1910773"/>
+              <a:ext cx="1027790" cy="0"/>
+            </a:xfrm>
+            <a:prstGeom prst="straightConnector1">
+              <a:avLst/>
+            </a:prstGeom>
+            <a:ln>
+              <a:solidFill>
+                <a:schemeClr val="tx1"/>
+              </a:solidFill>
+              <a:tailEnd type="arrow"/>
+            </a:ln>
+            <a:effectLst/>
+          </p:spPr>
+          <p:style>
+            <a:lnRef idx="2">
+              <a:schemeClr val="accent1"/>
+            </a:lnRef>
+            <a:fillRef idx="0">
+              <a:schemeClr val="accent1"/>
+            </a:fillRef>
+            <a:effectRef idx="1">
+              <a:schemeClr val="accent1"/>
+            </a:effectRef>
+            <a:fontRef idx="minor">
+              <a:schemeClr val="tx1"/>
+            </a:fontRef>
+          </p:style>
+        </p:cxnSp>
+        <p:cxnSp>
+          <p:nvCxnSpPr>
+            <p:cNvPr id="53" name="Straight Arrow Connector 52"/>
+            <p:cNvCxnSpPr/>
+            <p:nvPr/>
+          </p:nvCxnSpPr>
+          <p:spPr>
+            <a:xfrm flipH="1">
+              <a:off x="6108152" y="2131507"/>
+              <a:ext cx="781347" cy="0"/>
+            </a:xfrm>
+            <a:prstGeom prst="straightConnector1">
+              <a:avLst/>
+            </a:prstGeom>
+            <a:ln>
+              <a:solidFill>
+                <a:schemeClr val="tx1"/>
+              </a:solidFill>
+              <a:tailEnd type="arrow"/>
+            </a:ln>
+            <a:effectLst/>
+          </p:spPr>
+          <p:style>
+            <a:lnRef idx="2">
+              <a:schemeClr val="accent1"/>
+            </a:lnRef>
+            <a:fillRef idx="0">
+              <a:schemeClr val="accent1"/>
+            </a:fillRef>
+            <a:effectRef idx="1">
+              <a:schemeClr val="accent1"/>
+            </a:effectRef>
+            <a:fontRef idx="minor">
+              <a:schemeClr val="tx1"/>
+            </a:fontRef>
+          </p:style>
+        </p:cxnSp>
+        <p:sp>
+          <p:nvSpPr>
+            <p:cNvPr id="37" name="Rectangle 36"/>
+            <p:cNvSpPr/>
+            <p:nvPr/>
+          </p:nvSpPr>
+          <p:spPr>
+            <a:xfrm>
+              <a:off x="6287259" y="1889066"/>
+              <a:ext cx="270946" cy="350445"/>
+            </a:xfrm>
+            <a:prstGeom prst="rect">
+              <a:avLst/>
+            </a:prstGeom>
+            <a:solidFill>
+              <a:schemeClr val="tx1">
+                <a:lumMod val="50000"/>
+                <a:lumOff val="50000"/>
+              </a:schemeClr>
+            </a:solidFill>
+            <a:ln w="25400">
+              <a:solidFill>
+                <a:schemeClr val="tx1"/>
+              </a:solidFill>
+            </a:ln>
+            <a:effectLst/>
+          </p:spPr>
+          <p:style>
+            <a:lnRef idx="1">
+              <a:schemeClr val="accent1"/>
+            </a:lnRef>
+            <a:fillRef idx="3">
+              <a:schemeClr val="accent1"/>
+            </a:fillRef>
+            <a:effectRef idx="2">
+              <a:schemeClr val="accent1"/>
+            </a:effectRef>
+            <a:fontRef idx="minor">
+              <a:schemeClr val="lt1"/>
+            </a:fontRef>
+          </p:style>
+          <p:txBody>
+            <a:bodyPr rtlCol="0" anchor="ctr"/>
+            <a:lstStyle/>
+            <a:p>
+              <a:pPr algn="ctr"/>
+              <a:endParaRPr lang="en-US"/>
+            </a:p>
+          </p:txBody>
+        </p:sp>
+        <p:cxnSp>
+          <p:nvCxnSpPr>
+            <p:cNvPr id="56" name="Straight Arrow Connector 55"/>
+            <p:cNvCxnSpPr>
+              <a:stCxn id="46" idx="0"/>
+            </p:cNvCxnSpPr>
+            <p:nvPr/>
+          </p:nvCxnSpPr>
+          <p:spPr>
+            <a:xfrm flipH="1" flipV="1">
+              <a:off x="4472269" y="2067150"/>
+              <a:ext cx="1027790" cy="8834"/>
+            </a:xfrm>
+            <a:prstGeom prst="straightConnector1">
+              <a:avLst/>
+            </a:prstGeom>
+            <a:ln>
+              <a:solidFill>
+                <a:schemeClr val="tx1"/>
+              </a:solidFill>
+              <a:tailEnd type="arrow"/>
+            </a:ln>
+            <a:effectLst/>
+          </p:spPr>
+          <p:style>
+            <a:lnRef idx="2">
+              <a:schemeClr val="accent1"/>
+            </a:lnRef>
+            <a:fillRef idx="0">
+              <a:schemeClr val="accent1"/>
+            </a:fillRef>
+            <a:effectRef idx="1">
+              <a:schemeClr val="accent1"/>
+            </a:effectRef>
+            <a:fontRef idx="minor">
+              <a:schemeClr val="tx1"/>
+            </a:fontRef>
+          </p:style>
+        </p:cxnSp>
+        <p:cxnSp>
+          <p:nvCxnSpPr>
+            <p:cNvPr id="60" name="Straight Arrow Connector 59"/>
+            <p:cNvCxnSpPr>
+              <a:endCxn id="36" idx="3"/>
+            </p:cNvCxnSpPr>
+            <p:nvPr/>
+          </p:nvCxnSpPr>
+          <p:spPr>
+            <a:xfrm rot="5400000">
+              <a:off x="1864422" y="2911272"/>
+              <a:ext cx="1758864" cy="582096"/>
+            </a:xfrm>
+            <a:prstGeom prst="bentConnector2">
+              <a:avLst/>
+            </a:prstGeom>
+            <a:ln>
+              <a:solidFill>
+                <a:schemeClr val="tx1"/>
+              </a:solidFill>
+              <a:tailEnd type="arrow"/>
+            </a:ln>
+            <a:effectLst/>
+          </p:spPr>
+          <p:style>
+            <a:lnRef idx="2">
+              <a:schemeClr val="accent1"/>
+            </a:lnRef>
+            <a:fillRef idx="0">
+              <a:schemeClr val="accent1"/>
+            </a:fillRef>
+            <a:effectRef idx="1">
+              <a:schemeClr val="accent1"/>
+            </a:effectRef>
+            <a:fontRef idx="minor">
+              <a:schemeClr val="tx1"/>
+            </a:fontRef>
+          </p:style>
+        </p:cxnSp>
+        <p:sp>
+          <p:nvSpPr>
+            <p:cNvPr id="66" name="Rectangle 65"/>
+            <p:cNvSpPr/>
+            <p:nvPr/>
+          </p:nvSpPr>
+          <p:spPr>
+            <a:xfrm rot="16200000">
+              <a:off x="5211036" y="3377138"/>
+              <a:ext cx="1166795" cy="598743"/>
+            </a:xfrm>
+            <a:prstGeom prst="rect">
+              <a:avLst/>
+            </a:prstGeom>
+            <a:noFill/>
+            <a:ln w="25400">
+              <a:solidFill>
+                <a:schemeClr val="tx1"/>
+              </a:solidFill>
+            </a:ln>
+            <a:effectLst/>
+          </p:spPr>
+          <p:style>
+            <a:lnRef idx="1">
+              <a:schemeClr val="accent1"/>
+            </a:lnRef>
+            <a:fillRef idx="3">
+              <a:schemeClr val="accent1"/>
+            </a:fillRef>
+            <a:effectRef idx="2">
+              <a:schemeClr val="accent1"/>
+            </a:effectRef>
+            <a:fontRef idx="minor">
+              <a:schemeClr val="lt1"/>
+            </a:fontRef>
+          </p:style>
+          <p:txBody>
+            <a:bodyPr rtlCol="0" anchor="ctr"/>
+            <a:lstStyle/>
+            <a:p>
+              <a:pPr algn="ctr"/>
+              <a:r>
+                <a:rPr lang="en-US" dirty="0" smtClean="0">
+                  <a:solidFill>
+                    <a:schemeClr val="tx1"/>
+                  </a:solidFill>
+                </a:rPr>
+                <a:t>6: TCP Connector</a:t>
+              </a:r>
+              <a:endParaRPr lang="en-US" dirty="0">
+                <a:solidFill>
+                  <a:schemeClr val="tx1"/>
+                </a:solidFill>
+              </a:endParaRPr>
+            </a:p>
+          </p:txBody>
+        </p:sp>
+        <p:cxnSp>
+          <p:nvCxnSpPr>
+            <p:cNvPr id="67" name="Straight Arrow Connector 66"/>
+            <p:cNvCxnSpPr/>
+            <p:nvPr/>
+          </p:nvCxnSpPr>
+          <p:spPr>
+            <a:xfrm>
+              <a:off x="6081014" y="3612199"/>
+              <a:ext cx="776350" cy="0"/>
+            </a:xfrm>
+            <a:prstGeom prst="straightConnector1">
+              <a:avLst/>
+            </a:prstGeom>
+            <a:ln>
+              <a:solidFill>
+                <a:schemeClr val="tx1"/>
+              </a:solidFill>
+              <a:tailEnd type="arrow"/>
+            </a:ln>
+            <a:effectLst/>
+          </p:spPr>
+          <p:style>
+            <a:lnRef idx="2">
+              <a:schemeClr val="accent1"/>
+            </a:lnRef>
+            <a:fillRef idx="0">
+              <a:schemeClr val="accent1"/>
+            </a:fillRef>
+            <a:effectRef idx="1">
+              <a:schemeClr val="accent1"/>
+            </a:effectRef>
+            <a:fontRef idx="minor">
+              <a:schemeClr val="tx1"/>
+            </a:fontRef>
+          </p:style>
+        </p:cxnSp>
+        <p:cxnSp>
+          <p:nvCxnSpPr>
+            <p:cNvPr id="68" name="Straight Arrow Connector 67"/>
+            <p:cNvCxnSpPr/>
+            <p:nvPr/>
+          </p:nvCxnSpPr>
+          <p:spPr>
+            <a:xfrm flipH="1">
+              <a:off x="6076017" y="3732032"/>
+              <a:ext cx="781347" cy="0"/>
+            </a:xfrm>
+            <a:prstGeom prst="straightConnector1">
+              <a:avLst/>
+            </a:prstGeom>
+            <a:ln>
+              <a:solidFill>
+                <a:schemeClr val="tx1"/>
+              </a:solidFill>
+              <a:tailEnd type="arrow"/>
+            </a:ln>
+            <a:effectLst/>
+          </p:spPr>
+          <p:style>
+            <a:lnRef idx="2">
+              <a:schemeClr val="accent1"/>
+            </a:lnRef>
+            <a:fillRef idx="0">
+              <a:schemeClr val="accent1"/>
+            </a:fillRef>
+            <a:effectRef idx="1">
+              <a:schemeClr val="accent1"/>
+            </a:effectRef>
+            <a:fontRef idx="minor">
+              <a:schemeClr val="tx1"/>
+            </a:fontRef>
+          </p:style>
+        </p:cxnSp>
+        <p:sp>
+          <p:nvSpPr>
+            <p:cNvPr id="38" name="Rectangle 37"/>
+            <p:cNvSpPr/>
+            <p:nvPr/>
+          </p:nvSpPr>
+          <p:spPr>
+            <a:xfrm>
+              <a:off x="6282047" y="3500020"/>
+              <a:ext cx="270946" cy="350445"/>
+            </a:xfrm>
+            <a:prstGeom prst="rect">
+              <a:avLst/>
+            </a:prstGeom>
+            <a:solidFill>
+              <a:schemeClr val="tx1">
+                <a:lumMod val="50000"/>
+                <a:lumOff val="50000"/>
+              </a:schemeClr>
+            </a:solidFill>
+            <a:ln w="25400">
               <a:solidFill>
                 <a:schemeClr val="tx1"/>
               </a:solidFill>
@@ -5972,14 +6966,59 @@
         </p:sp>
         <p:sp>
           <p:nvSpPr>
-            <p:cNvPr id="122" name="TextBox 121"/>
+            <p:cNvPr id="69" name="Rectangle 68"/>
+            <p:cNvSpPr/>
+            <p:nvPr/>
+          </p:nvSpPr>
+          <p:spPr>
+            <a:xfrm>
+              <a:off x="3365057" y="2603859"/>
+              <a:ext cx="1791079" cy="2507637"/>
+            </a:xfrm>
+            <a:prstGeom prst="rect">
+              <a:avLst/>
+            </a:prstGeom>
+            <a:noFill/>
+            <a:ln w="25400">
+              <a:solidFill>
+                <a:schemeClr val="tx1"/>
+              </a:solidFill>
+            </a:ln>
+            <a:effectLst/>
+          </p:spPr>
+          <p:style>
+            <a:lnRef idx="1">
+              <a:schemeClr val="accent1"/>
+            </a:lnRef>
+            <a:fillRef idx="3">
+              <a:schemeClr val="accent1"/>
+            </a:fillRef>
+            <a:effectRef idx="2">
+              <a:schemeClr val="accent1"/>
+            </a:effectRef>
+            <a:fontRef idx="minor">
+              <a:schemeClr val="lt1"/>
+            </a:fontRef>
+          </p:style>
+          <p:txBody>
+            <a:bodyPr rtlCol="0" anchor="ctr"/>
+            <a:lstStyle/>
+            <a:p>
+              <a:pPr algn="ctr"/>
+              <a:endParaRPr lang="en-US"/>
+            </a:p>
+          </p:txBody>
+        </p:sp>
+        <p:sp>
+          <p:nvSpPr>
+            <p:cNvPr id="85" name="TextBox 84"/>
             <p:cNvSpPr txBox="1"/>
             <p:nvPr/>
           </p:nvSpPr>
           <p:spPr>
             <a:xfrm>
-              <a:off x="7524812" y="477645"/>
-              <a:ext cx="301660" cy="369332"/>
+              <a:off x="3365057" y="4641838"/>
+              <a:ext cx="1773291" cy="338554"/>
             </a:xfrm>
             <a:prstGeom prst="rect">
               <a:avLst/>
@@ -5987,57 +7026,813 @@
             <a:noFill/>
           </p:spPr>
           <p:txBody>
-            <a:bodyPr wrap="none" rtlCol="0">
+            <a:bodyPr wrap="square" rtlCol="0">
               <a:spAutoFit/>
             </a:bodyPr>
             <a:lstStyle/>
             <a:p>
+              <a:pPr algn="ctr"/>
               <a:r>
-                <a:rPr lang="en-US" dirty="0" smtClean="0"/>
-                <a:t>7</a:t>
+                <a:rPr lang="en-US" sz="1600" dirty="0" smtClean="0"/>
+                <a:t>5: Buffer Manager</a:t>
               </a:r>
-              <a:endParaRPr lang="en-US" dirty="0"/>
+              <a:endParaRPr lang="en-US" sz="1600" dirty="0"/>
             </a:p>
           </p:txBody>
         </p:sp>
+        <p:cxnSp>
+          <p:nvCxnSpPr>
+            <p:cNvPr id="86" name="Straight Arrow Connector 85"/>
+            <p:cNvCxnSpPr/>
+            <p:nvPr/>
+          </p:nvCxnSpPr>
+          <p:spPr>
+            <a:xfrm flipH="1">
+              <a:off x="3512356" y="2322892"/>
+              <a:ext cx="15744" cy="2318946"/>
+            </a:xfrm>
+            <a:prstGeom prst="straightConnector1">
+              <a:avLst/>
+            </a:prstGeom>
+            <a:ln>
+              <a:solidFill>
+                <a:schemeClr val="tx1"/>
+              </a:solidFill>
+              <a:tailEnd type="arrow"/>
+            </a:ln>
+            <a:effectLst/>
+          </p:spPr>
+          <p:style>
+            <a:lnRef idx="2">
+              <a:schemeClr val="accent1"/>
+            </a:lnRef>
+            <a:fillRef idx="0">
+              <a:schemeClr val="accent1"/>
+            </a:fillRef>
+            <a:effectRef idx="1">
+              <a:schemeClr val="accent1"/>
+            </a:effectRef>
+            <a:fontRef idx="minor">
+              <a:schemeClr val="tx1"/>
+            </a:fontRef>
+          </p:style>
+        </p:cxnSp>
+        <p:cxnSp>
+          <p:nvCxnSpPr>
+            <p:cNvPr id="89" name="Straight Arrow Connector 88"/>
+            <p:cNvCxnSpPr/>
+            <p:nvPr/>
+          </p:nvCxnSpPr>
+          <p:spPr>
+            <a:xfrm>
+              <a:off x="3528100" y="3061885"/>
+              <a:ext cx="336288" cy="0"/>
+            </a:xfrm>
+            <a:prstGeom prst="straightConnector1">
+              <a:avLst/>
+            </a:prstGeom>
+            <a:ln>
+              <a:solidFill>
+                <a:schemeClr val="tx1"/>
+              </a:solidFill>
+              <a:tailEnd type="arrow"/>
+            </a:ln>
+            <a:effectLst/>
+          </p:spPr>
+          <p:style>
+            <a:lnRef idx="2">
+              <a:schemeClr val="accent1"/>
+            </a:lnRef>
+            <a:fillRef idx="0">
+              <a:schemeClr val="accent1"/>
+            </a:fillRef>
+            <a:effectRef idx="1">
+              <a:schemeClr val="accent1"/>
+            </a:effectRef>
+            <a:fontRef idx="minor">
+              <a:schemeClr val="tx1"/>
+            </a:fontRef>
+          </p:style>
+        </p:cxnSp>
+        <p:cxnSp>
+          <p:nvCxnSpPr>
+            <p:cNvPr id="92" name="Straight Arrow Connector 91"/>
+            <p:cNvCxnSpPr/>
+            <p:nvPr/>
+          </p:nvCxnSpPr>
+          <p:spPr>
+            <a:xfrm>
+              <a:off x="3528100" y="3477330"/>
+              <a:ext cx="336288" cy="0"/>
+            </a:xfrm>
+            <a:prstGeom prst="straightConnector1">
+              <a:avLst/>
+            </a:prstGeom>
+            <a:ln>
+              <a:solidFill>
+                <a:schemeClr val="tx1"/>
+              </a:solidFill>
+              <a:tailEnd type="arrow"/>
+            </a:ln>
+            <a:effectLst/>
+          </p:spPr>
+          <p:style>
+            <a:lnRef idx="2">
+              <a:schemeClr val="accent1"/>
+            </a:lnRef>
+            <a:fillRef idx="0">
+              <a:schemeClr val="accent1"/>
+            </a:fillRef>
+            <a:effectRef idx="1">
+              <a:schemeClr val="accent1"/>
+            </a:effectRef>
+            <a:fontRef idx="minor">
+              <a:schemeClr val="tx1"/>
+            </a:fontRef>
+          </p:style>
+        </p:cxnSp>
+        <p:cxnSp>
+          <p:nvCxnSpPr>
+            <p:cNvPr id="93" name="Straight Arrow Connector 92"/>
+            <p:cNvCxnSpPr/>
+            <p:nvPr/>
+          </p:nvCxnSpPr>
+          <p:spPr>
+            <a:xfrm>
+              <a:off x="3528100" y="3724918"/>
+              <a:ext cx="336288" cy="0"/>
+            </a:xfrm>
+            <a:prstGeom prst="straightConnector1">
+              <a:avLst/>
+            </a:prstGeom>
+            <a:ln>
+              <a:solidFill>
+                <a:schemeClr val="tx1"/>
+              </a:solidFill>
+              <a:tailEnd type="arrow"/>
+            </a:ln>
+            <a:effectLst/>
+          </p:spPr>
+          <p:style>
+            <a:lnRef idx="2">
+              <a:schemeClr val="accent1"/>
+            </a:lnRef>
+            <a:fillRef idx="0">
+              <a:schemeClr val="accent1"/>
+            </a:fillRef>
+            <a:effectRef idx="1">
+              <a:schemeClr val="accent1"/>
+            </a:effectRef>
+            <a:fontRef idx="minor">
+              <a:schemeClr val="tx1"/>
+            </a:fontRef>
+          </p:style>
+        </p:cxnSp>
+        <p:cxnSp>
+          <p:nvCxnSpPr>
+            <p:cNvPr id="94" name="Straight Arrow Connector 93"/>
+            <p:cNvCxnSpPr/>
+            <p:nvPr/>
+          </p:nvCxnSpPr>
+          <p:spPr>
+            <a:xfrm>
+              <a:off x="3528100" y="4022969"/>
+              <a:ext cx="336288" cy="0"/>
+            </a:xfrm>
+            <a:prstGeom prst="straightConnector1">
+              <a:avLst/>
+            </a:prstGeom>
+            <a:ln>
+              <a:solidFill>
+                <a:schemeClr val="tx1"/>
+              </a:solidFill>
+              <a:tailEnd type="arrow"/>
+            </a:ln>
+            <a:effectLst/>
+          </p:spPr>
+          <p:style>
+            <a:lnRef idx="2">
+              <a:schemeClr val="accent1"/>
+            </a:lnRef>
+            <a:fillRef idx="0">
+              <a:schemeClr val="accent1"/>
+            </a:fillRef>
+            <a:effectRef idx="1">
+              <a:schemeClr val="accent1"/>
+            </a:effectRef>
+            <a:fontRef idx="minor">
+              <a:schemeClr val="tx1"/>
+            </a:fontRef>
+          </p:style>
+        </p:cxnSp>
+        <p:cxnSp>
+          <p:nvCxnSpPr>
+            <p:cNvPr id="95" name="Straight Arrow Connector 94"/>
+            <p:cNvCxnSpPr/>
+            <p:nvPr/>
+          </p:nvCxnSpPr>
+          <p:spPr>
+            <a:xfrm>
+              <a:off x="3512356" y="4390097"/>
+              <a:ext cx="336288" cy="0"/>
+            </a:xfrm>
+            <a:prstGeom prst="straightConnector1">
+              <a:avLst/>
+            </a:prstGeom>
+            <a:ln>
+              <a:solidFill>
+                <a:schemeClr val="tx1"/>
+              </a:solidFill>
+              <a:tailEnd type="arrow"/>
+            </a:ln>
+            <a:effectLst/>
+          </p:spPr>
+          <p:style>
+            <a:lnRef idx="2">
+              <a:schemeClr val="accent1"/>
+            </a:lnRef>
+            <a:fillRef idx="0">
+              <a:schemeClr val="accent1"/>
+            </a:fillRef>
+            <a:effectRef idx="1">
+              <a:schemeClr val="accent1"/>
+            </a:effectRef>
+            <a:fontRef idx="minor">
+              <a:schemeClr val="tx1"/>
+            </a:fontRef>
+          </p:style>
+        </p:cxnSp>
+        <p:sp>
+          <p:nvSpPr>
+            <p:cNvPr id="96" name="Rectangle 95"/>
+            <p:cNvSpPr/>
+            <p:nvPr/>
+          </p:nvSpPr>
+          <p:spPr>
+            <a:xfrm>
+              <a:off x="3864389" y="2942897"/>
+              <a:ext cx="1161487" cy="260110"/>
+            </a:xfrm>
+            <a:prstGeom prst="rect">
+              <a:avLst/>
+            </a:prstGeom>
+            <a:noFill/>
+            <a:ln w="25400">
+              <a:solidFill>
+                <a:schemeClr val="tx1"/>
+              </a:solidFill>
+            </a:ln>
+            <a:effectLst/>
+          </p:spPr>
+          <p:style>
+            <a:lnRef idx="1">
+              <a:schemeClr val="accent1"/>
+            </a:lnRef>
+            <a:fillRef idx="3">
+              <a:schemeClr val="accent1"/>
+            </a:fillRef>
+            <a:effectRef idx="2">
+              <a:schemeClr val="accent1"/>
+            </a:effectRef>
+            <a:fontRef idx="minor">
+              <a:schemeClr val="lt1"/>
+            </a:fontRef>
+          </p:style>
+          <p:txBody>
+            <a:bodyPr rtlCol="0" anchor="ctr"/>
+            <a:lstStyle/>
+            <a:p>
+              <a:pPr algn="ctr"/>
+              <a:endParaRPr lang="en-US"/>
+            </a:p>
+          </p:txBody>
+        </p:sp>
+        <p:sp>
+          <p:nvSpPr>
+            <p:cNvPr id="99" name="Rectangle 98"/>
+            <p:cNvSpPr/>
+            <p:nvPr/>
+          </p:nvSpPr>
+          <p:spPr>
+            <a:xfrm>
+              <a:off x="3887388" y="3280473"/>
+              <a:ext cx="868402" cy="260110"/>
+            </a:xfrm>
+            <a:prstGeom prst="rect">
+              <a:avLst/>
+            </a:prstGeom>
+            <a:noFill/>
+            <a:ln w="25400">
+              <a:solidFill>
+                <a:schemeClr val="tx1"/>
+              </a:solidFill>
+            </a:ln>
+            <a:effectLst/>
+          </p:spPr>
+          <p:style>
+            <a:lnRef idx="1">
+              <a:schemeClr val="accent1"/>
+            </a:lnRef>
+            <a:fillRef idx="3">
+              <a:schemeClr val="accent1"/>
+            </a:fillRef>
+            <a:effectRef idx="2">
+              <a:schemeClr val="accent1"/>
+            </a:effectRef>
+            <a:fontRef idx="minor">
+              <a:schemeClr val="lt1"/>
+            </a:fontRef>
+          </p:style>
+          <p:txBody>
+            <a:bodyPr rtlCol="0" anchor="ctr"/>
+            <a:lstStyle/>
+            <a:p>
+              <a:pPr algn="ctr"/>
+              <a:endParaRPr lang="en-US"/>
+            </a:p>
+          </p:txBody>
+        </p:sp>
+        <p:sp>
+          <p:nvSpPr>
+            <p:cNvPr id="100" name="Rectangle 99"/>
+            <p:cNvSpPr/>
+            <p:nvPr/>
+          </p:nvSpPr>
+          <p:spPr>
+            <a:xfrm>
+              <a:off x="3887388" y="3914626"/>
+              <a:ext cx="541461" cy="217200"/>
+            </a:xfrm>
+            <a:prstGeom prst="rect">
+              <a:avLst/>
+            </a:prstGeom>
+            <a:noFill/>
+            <a:ln w="25400">
+              <a:solidFill>
+                <a:schemeClr val="tx1"/>
+              </a:solidFill>
+            </a:ln>
+            <a:effectLst/>
+          </p:spPr>
+          <p:style>
+            <a:lnRef idx="1">
+              <a:schemeClr val="accent1"/>
+            </a:lnRef>
+            <a:fillRef idx="3">
+              <a:schemeClr val="accent1"/>
+            </a:fillRef>
+            <a:effectRef idx="2">
+              <a:schemeClr val="accent1"/>
+            </a:effectRef>
+            <a:fontRef idx="minor">
+              <a:schemeClr val="lt1"/>
+            </a:fontRef>
+          </p:style>
+          <p:txBody>
+            <a:bodyPr rtlCol="0" anchor="ctr"/>
+            <a:lstStyle/>
+            <a:p>
+              <a:pPr algn="ctr"/>
+              <a:endParaRPr lang="en-US"/>
+            </a:p>
+          </p:txBody>
+        </p:sp>
+        <p:sp>
+          <p:nvSpPr>
+            <p:cNvPr id="101" name="Rectangle 100"/>
+            <p:cNvSpPr/>
+            <p:nvPr/>
+          </p:nvSpPr>
+          <p:spPr>
+            <a:xfrm>
+              <a:off x="3887388" y="3594863"/>
+              <a:ext cx="997372" cy="260110"/>
+            </a:xfrm>
+            <a:prstGeom prst="rect">
+              <a:avLst/>
+            </a:prstGeom>
+            <a:noFill/>
+            <a:ln w="25400">
+              <a:solidFill>
+                <a:schemeClr val="tx1"/>
+              </a:solidFill>
+            </a:ln>
+            <a:effectLst/>
+          </p:spPr>
+          <p:style>
+            <a:lnRef idx="1">
+              <a:schemeClr val="accent1"/>
+            </a:lnRef>
+            <a:fillRef idx="3">
+              <a:schemeClr val="accent1"/>
+            </a:fillRef>
+            <a:effectRef idx="2">
+              <a:schemeClr val="accent1"/>
+            </a:effectRef>
+            <a:fontRef idx="minor">
+              <a:schemeClr val="lt1"/>
+            </a:fontRef>
+          </p:style>
+          <p:txBody>
+            <a:bodyPr rtlCol="0" anchor="ctr"/>
+            <a:lstStyle/>
+            <a:p>
+              <a:pPr algn="ctr"/>
+              <a:endParaRPr lang="en-US"/>
+            </a:p>
+          </p:txBody>
+        </p:sp>
+        <p:sp>
+          <p:nvSpPr>
+            <p:cNvPr id="102" name="Rectangle 101"/>
+            <p:cNvSpPr/>
+            <p:nvPr/>
+          </p:nvSpPr>
+          <p:spPr>
+            <a:xfrm>
+              <a:off x="3887387" y="4246861"/>
+              <a:ext cx="1138489" cy="235410"/>
+            </a:xfrm>
+            <a:prstGeom prst="rect">
+              <a:avLst/>
+            </a:prstGeom>
+            <a:noFill/>
+            <a:ln w="25400">
+              <a:solidFill>
+                <a:schemeClr val="tx1"/>
+              </a:solidFill>
+            </a:ln>
+            <a:effectLst/>
+          </p:spPr>
+          <p:style>
+            <a:lnRef idx="1">
+              <a:schemeClr val="accent1"/>
+            </a:lnRef>
+            <a:fillRef idx="3">
+              <a:schemeClr val="accent1"/>
+            </a:fillRef>
+            <a:effectRef idx="2">
+              <a:schemeClr val="accent1"/>
+            </a:effectRef>
+            <a:fontRef idx="minor">
+              <a:schemeClr val="lt1"/>
+            </a:fontRef>
+          </p:style>
+          <p:txBody>
+            <a:bodyPr rtlCol="0" anchor="ctr"/>
+            <a:lstStyle/>
+            <a:p>
+              <a:pPr algn="ctr"/>
+              <a:endParaRPr lang="en-US"/>
+            </a:p>
+          </p:txBody>
+        </p:sp>
+        <p:cxnSp>
+          <p:nvCxnSpPr>
+            <p:cNvPr id="108" name="Straight Arrow Connector 107"/>
+            <p:cNvCxnSpPr>
+              <a:endCxn id="66" idx="0"/>
+            </p:cNvCxnSpPr>
+            <p:nvPr/>
+          </p:nvCxnSpPr>
+          <p:spPr>
+            <a:xfrm>
+              <a:off x="5138348" y="3676509"/>
+              <a:ext cx="356714" cy="0"/>
+            </a:xfrm>
+            <a:prstGeom prst="straightConnector1">
+              <a:avLst/>
+            </a:prstGeom>
+            <a:ln>
+              <a:solidFill>
+                <a:schemeClr val="tx1"/>
+              </a:solidFill>
+              <a:tailEnd type="arrow"/>
+            </a:ln>
+            <a:effectLst/>
+          </p:spPr>
+          <p:style>
+            <a:lnRef idx="2">
+              <a:schemeClr val="accent1"/>
+            </a:lnRef>
+            <a:fillRef idx="0">
+              <a:schemeClr val="accent1"/>
+            </a:fillRef>
+            <a:effectRef idx="1">
+              <a:schemeClr val="accent1"/>
+            </a:effectRef>
+            <a:fontRef idx="minor">
+              <a:schemeClr val="tx1"/>
+            </a:fontRef>
+          </p:style>
+        </p:cxnSp>
+        <p:grpSp>
+          <p:nvGrpSpPr>
+            <p:cNvPr id="116" name="Group 115"/>
+            <p:cNvGrpSpPr/>
+            <p:nvPr/>
+          </p:nvGrpSpPr>
+          <p:grpSpPr>
+            <a:xfrm>
+              <a:off x="1335168" y="3925570"/>
+              <a:ext cx="401636" cy="412511"/>
+              <a:chOff x="7489966" y="477645"/>
+              <a:chExt cx="401636" cy="412511"/>
+            </a:xfrm>
+          </p:grpSpPr>
+          <p:sp>
+            <p:nvSpPr>
+              <p:cNvPr id="114" name="Oval 113"/>
+              <p:cNvSpPr/>
+              <p:nvPr/>
+            </p:nvSpPr>
+            <p:spPr>
+              <a:xfrm>
+                <a:off x="7489966" y="477645"/>
+                <a:ext cx="401636" cy="412511"/>
+              </a:xfrm>
+              <a:prstGeom prst="ellipse">
+                <a:avLst/>
+              </a:prstGeom>
+              <a:noFill/>
+              <a:ln w="22225">
+                <a:solidFill>
+                  <a:schemeClr val="tx1"/>
+                </a:solidFill>
+              </a:ln>
+              <a:effectLst/>
+            </p:spPr>
+            <p:style>
+              <a:lnRef idx="1">
+                <a:schemeClr val="accent1"/>
+              </a:lnRef>
+              <a:fillRef idx="3">
+                <a:schemeClr val="accent1"/>
+              </a:fillRef>
+              <a:effectRef idx="2">
+                <a:schemeClr val="accent1"/>
+              </a:effectRef>
+              <a:fontRef idx="minor">
+                <a:schemeClr val="lt1"/>
+              </a:fontRef>
+            </p:style>
+            <p:txBody>
+              <a:bodyPr rtlCol="0" anchor="ctr"/>
+              <a:lstStyle/>
+              <a:p>
+                <a:pPr algn="ctr"/>
+                <a:endParaRPr lang="en-US"/>
+              </a:p>
+            </p:txBody>
+          </p:sp>
+          <p:sp>
+            <p:nvSpPr>
+              <p:cNvPr id="115" name="TextBox 114"/>
+              <p:cNvSpPr txBox="1"/>
+              <p:nvPr/>
+            </p:nvSpPr>
+            <p:spPr>
+              <a:xfrm>
+                <a:off x="7524812" y="477645"/>
+                <a:ext cx="301660" cy="369332"/>
+              </a:xfrm>
+              <a:prstGeom prst="rect">
+                <a:avLst/>
+              </a:prstGeom>
+              <a:noFill/>
+            </p:spPr>
+            <p:txBody>
+              <a:bodyPr wrap="none" rtlCol="0">
+                <a:spAutoFit/>
+              </a:bodyPr>
+              <a:lstStyle/>
+              <a:p>
+                <a:r>
+                  <a:rPr lang="en-US" dirty="0" smtClean="0"/>
+                  <a:t>1</a:t>
+                </a:r>
+                <a:endParaRPr lang="en-US" dirty="0"/>
+              </a:p>
+            </p:txBody>
+          </p:sp>
+        </p:grpSp>
+        <p:grpSp>
+          <p:nvGrpSpPr>
+            <p:cNvPr id="117" name="Group 116"/>
+            <p:cNvGrpSpPr/>
+            <p:nvPr/>
+          </p:nvGrpSpPr>
+          <p:grpSpPr>
+            <a:xfrm>
+              <a:off x="6889499" y="1812667"/>
+              <a:ext cx="401636" cy="412511"/>
+              <a:chOff x="7489966" y="477645"/>
+              <a:chExt cx="401636" cy="412511"/>
+            </a:xfrm>
+          </p:grpSpPr>
+          <p:sp>
+            <p:nvSpPr>
+              <p:cNvPr id="118" name="Oval 117"/>
+              <p:cNvSpPr/>
+              <p:nvPr/>
+            </p:nvSpPr>
+            <p:spPr>
+              <a:xfrm>
+                <a:off x="7489966" y="477645"/>
+                <a:ext cx="401636" cy="412511"/>
+              </a:xfrm>
+              <a:prstGeom prst="ellipse">
+                <a:avLst/>
+              </a:prstGeom>
+              <a:noFill/>
+              <a:ln w="22225">
+                <a:solidFill>
+                  <a:schemeClr val="tx1"/>
+                </a:solidFill>
+              </a:ln>
+              <a:effectLst/>
+            </p:spPr>
+            <p:style>
+              <a:lnRef idx="1">
+                <a:schemeClr val="accent1"/>
+              </a:lnRef>
+              <a:fillRef idx="3">
+                <a:schemeClr val="accent1"/>
+              </a:fillRef>
+              <a:effectRef idx="2">
+                <a:schemeClr val="accent1"/>
+              </a:effectRef>
+              <a:fontRef idx="minor">
+                <a:schemeClr val="lt1"/>
+              </a:fontRef>
+            </p:style>
+            <p:txBody>
+              <a:bodyPr rtlCol="0" anchor="ctr"/>
+              <a:lstStyle/>
+              <a:p>
+                <a:pPr algn="ctr"/>
+                <a:endParaRPr lang="en-US"/>
+              </a:p>
+            </p:txBody>
+          </p:sp>
+          <p:sp>
+            <p:nvSpPr>
+              <p:cNvPr id="119" name="TextBox 118"/>
+              <p:cNvSpPr txBox="1"/>
+              <p:nvPr/>
+            </p:nvSpPr>
+            <p:spPr>
+              <a:xfrm>
+                <a:off x="7524812" y="477645"/>
+                <a:ext cx="301660" cy="369332"/>
+              </a:xfrm>
+              <a:prstGeom prst="rect">
+                <a:avLst/>
+              </a:prstGeom>
+              <a:noFill/>
+            </p:spPr>
+            <p:txBody>
+              <a:bodyPr wrap="none" rtlCol="0">
+                <a:spAutoFit/>
+              </a:bodyPr>
+              <a:lstStyle/>
+              <a:p>
+                <a:r>
+                  <a:rPr lang="en-US" dirty="0"/>
+                  <a:t>4</a:t>
+                </a:r>
+              </a:p>
+            </p:txBody>
+          </p:sp>
+        </p:grpSp>
+        <p:grpSp>
+          <p:nvGrpSpPr>
+            <p:cNvPr id="120" name="Group 119"/>
+            <p:cNvGrpSpPr/>
+            <p:nvPr/>
+          </p:nvGrpSpPr>
+          <p:grpSpPr>
+            <a:xfrm>
+              <a:off x="6889499" y="3453861"/>
+              <a:ext cx="401636" cy="412511"/>
+              <a:chOff x="7489966" y="477645"/>
+              <a:chExt cx="401636" cy="412511"/>
+            </a:xfrm>
+          </p:grpSpPr>
+          <p:sp>
+            <p:nvSpPr>
+              <p:cNvPr id="121" name="Oval 120"/>
+              <p:cNvSpPr/>
+              <p:nvPr/>
+            </p:nvSpPr>
+            <p:spPr>
+              <a:xfrm>
+                <a:off x="7489966" y="477645"/>
+                <a:ext cx="401636" cy="412511"/>
+              </a:xfrm>
+              <a:prstGeom prst="ellipse">
+                <a:avLst/>
+              </a:prstGeom>
+              <a:noFill/>
+              <a:ln w="22225">
+                <a:solidFill>
+                  <a:schemeClr val="tx1"/>
+                </a:solidFill>
+              </a:ln>
+              <a:effectLst/>
+            </p:spPr>
+            <p:style>
+              <a:lnRef idx="1">
+                <a:schemeClr val="accent1"/>
+              </a:lnRef>
+              <a:fillRef idx="3">
+                <a:schemeClr val="accent1"/>
+              </a:fillRef>
+              <a:effectRef idx="2">
+                <a:schemeClr val="accent1"/>
+              </a:effectRef>
+              <a:fontRef idx="minor">
+                <a:schemeClr val="lt1"/>
+              </a:fontRef>
+            </p:style>
+            <p:txBody>
+              <a:bodyPr rtlCol="0" anchor="ctr"/>
+              <a:lstStyle/>
+              <a:p>
+                <a:pPr algn="ctr"/>
+                <a:endParaRPr lang="en-US"/>
+              </a:p>
+            </p:txBody>
+          </p:sp>
+          <p:sp>
+            <p:nvSpPr>
+              <p:cNvPr id="122" name="TextBox 121"/>
+              <p:cNvSpPr txBox="1"/>
+              <p:nvPr/>
+            </p:nvSpPr>
+            <p:spPr>
+              <a:xfrm>
+                <a:off x="7524812" y="477645"/>
+                <a:ext cx="301660" cy="369332"/>
+              </a:xfrm>
+              <a:prstGeom prst="rect">
+                <a:avLst/>
+              </a:prstGeom>
+              <a:noFill/>
+            </p:spPr>
+            <p:txBody>
+              <a:bodyPr wrap="none" rtlCol="0">
+                <a:spAutoFit/>
+              </a:bodyPr>
+              <a:lstStyle/>
+              <a:p>
+                <a:r>
+                  <a:rPr lang="en-US" dirty="0" smtClean="0"/>
+                  <a:t>7</a:t>
+                </a:r>
+                <a:endParaRPr lang="en-US" dirty="0"/>
+              </a:p>
+            </p:txBody>
+          </p:sp>
+        </p:grpSp>
+        <p:cxnSp>
+          <p:nvCxnSpPr>
+            <p:cNvPr id="123" name="Straight Arrow Connector 122"/>
+            <p:cNvCxnSpPr/>
+            <p:nvPr/>
+          </p:nvCxnSpPr>
+          <p:spPr>
+            <a:xfrm flipH="1">
+              <a:off x="1736804" y="4153538"/>
+              <a:ext cx="445056" cy="0"/>
+            </a:xfrm>
+            <a:prstGeom prst="straightConnector1">
+              <a:avLst/>
+            </a:prstGeom>
+            <a:ln>
+              <a:solidFill>
+                <a:schemeClr val="tx1"/>
+              </a:solidFill>
+              <a:tailEnd type="arrow"/>
+            </a:ln>
+            <a:effectLst/>
+          </p:spPr>
+          <p:style>
+            <a:lnRef idx="2">
+              <a:schemeClr val="accent1"/>
+            </a:lnRef>
+            <a:fillRef idx="0">
+              <a:schemeClr val="accent1"/>
+            </a:fillRef>
+            <a:effectRef idx="1">
+              <a:schemeClr val="accent1"/>
+            </a:effectRef>
+            <a:fontRef idx="minor">
+              <a:schemeClr val="tx1"/>
+            </a:fontRef>
+          </p:style>
+        </p:cxnSp>
       </p:grpSp>
-      <p:cxnSp>
-        <p:nvCxnSpPr>
-          <p:cNvPr id="123" name="Straight Arrow Connector 122"/>
-          <p:cNvCxnSpPr/>
-          <p:nvPr/>
-        </p:nvCxnSpPr>
-        <p:spPr>
-          <a:xfrm flipH="1">
-            <a:off x="1736804" y="4153538"/>
-            <a:ext cx="445056" cy="0"/>
-          </a:xfrm>
-          <a:prstGeom prst="straightConnector1">
-            <a:avLst/>
-          </a:prstGeom>
-          <a:ln>
-            <a:solidFill>
-              <a:schemeClr val="tx1"/>
-            </a:solidFill>
-            <a:tailEnd type="arrow"/>
-          </a:ln>
-          <a:effectLst/>
-        </p:spPr>
-        <p:style>
-          <a:lnRef idx="2">
-            <a:schemeClr val="accent1"/>
-          </a:lnRef>
-          <a:fillRef idx="0">
-            <a:schemeClr val="accent1"/>
-          </a:fillRef>
-          <a:effectRef idx="1">
-            <a:schemeClr val="accent1"/>
-          </a:effectRef>
-          <a:fontRef idx="minor">
-            <a:schemeClr val="tx1"/>
-          </a:fontRef>
-        </p:style>
-      </p:cxnSp>
     </p:spTree>
     <p:extLst>
       <p:ext uri="{BB962C8B-B14F-4D97-AF65-F5344CB8AC3E}">

--- a/paper/figs/images.pptx
+++ b/paper/figs/images.pptx
@@ -4519,675 +4519,1784 @@
           <a:chExt cx="0" cy="0"/>
         </a:xfrm>
       </p:grpSpPr>
-      <p:sp>
-        <p:nvSpPr>
-          <p:cNvPr id="7" name="Rounded Rectangle 6"/>
-          <p:cNvSpPr/>
+      <p:grpSp>
+        <p:nvGrpSpPr>
+          <p:cNvPr id="5" name="Group 4"/>
+          <p:cNvGrpSpPr/>
           <p:nvPr/>
-        </p:nvSpPr>
-        <p:spPr>
+        </p:nvGrpSpPr>
+        <p:grpSpPr>
           <a:xfrm>
-            <a:off x="720137" y="1921701"/>
-            <a:ext cx="1186725" cy="2000491"/>
+            <a:off x="720137" y="977707"/>
+            <a:ext cx="2582044" cy="3474170"/>
+            <a:chOff x="720137" y="977707"/>
+            <a:chExt cx="2582044" cy="3474170"/>
           </a:xfrm>
-          <a:prstGeom prst="roundRect">
-            <a:avLst>
-              <a:gd name="adj" fmla="val 7797"/>
-            </a:avLst>
-          </a:prstGeom>
-          <a:solidFill>
-            <a:schemeClr val="bg1">
-              <a:lumMod val="85000"/>
-            </a:schemeClr>
-          </a:solidFill>
-          <a:ln w="38100" cmpd="sng">
+        </p:grpSpPr>
+        <p:sp>
+          <p:nvSpPr>
+            <p:cNvPr id="7" name="Rounded Rectangle 6"/>
+            <p:cNvSpPr/>
+            <p:nvPr/>
+          </p:nvSpPr>
+          <p:spPr>
+            <a:xfrm>
+              <a:off x="720137" y="1921701"/>
+              <a:ext cx="1186725" cy="2000491"/>
+            </a:xfrm>
+            <a:prstGeom prst="roundRect">
+              <a:avLst>
+                <a:gd name="adj" fmla="val 7797"/>
+              </a:avLst>
+            </a:prstGeom>
             <a:solidFill>
-              <a:schemeClr val="tx1"/>
+              <a:schemeClr val="bg1">
+                <a:lumMod val="85000"/>
+              </a:schemeClr>
             </a:solidFill>
-          </a:ln>
-        </p:spPr>
-        <p:style>
-          <a:lnRef idx="1">
-            <a:schemeClr val="accent1"/>
-          </a:lnRef>
-          <a:fillRef idx="3">
-            <a:schemeClr val="accent1"/>
-          </a:fillRef>
-          <a:effectRef idx="2">
-            <a:schemeClr val="accent1"/>
-          </a:effectRef>
-          <a:fontRef idx="minor">
-            <a:schemeClr val="lt1"/>
-          </a:fontRef>
-        </p:style>
-        <p:txBody>
-          <a:bodyPr anchor="ctr"/>
-          <a:lstStyle/>
-          <a:p>
-            <a:pPr algn="ctr">
-              <a:defRPr/>
-            </a:pPr>
-            <a:endParaRPr lang="en-US">
+            <a:ln w="38100" cmpd="sng">
               <a:solidFill>
-                <a:srgbClr val="FFFFFF"/>
+                <a:schemeClr val="tx1"/>
               </a:solidFill>
-              <a:latin typeface="Arial"/>
-              <a:ea typeface="ＭＳ Ｐゴシック"/>
-            </a:endParaRPr>
-          </a:p>
-        </p:txBody>
-      </p:sp>
-      <p:sp>
-        <p:nvSpPr>
-          <p:cNvPr id="27" name="Rounded Rectangle 26"/>
-          <p:cNvSpPr/>
-          <p:nvPr/>
-        </p:nvSpPr>
-        <p:spPr>
-          <a:xfrm>
-            <a:off x="851301" y="2584743"/>
-            <a:ext cx="909460" cy="831737"/>
-          </a:xfrm>
-          <a:prstGeom prst="roundRect">
-            <a:avLst/>
-          </a:prstGeom>
-          <a:solidFill>
-            <a:srgbClr val="FF6600"/>
-          </a:solidFill>
-          <a:ln>
+            </a:ln>
+          </p:spPr>
+          <p:style>
+            <a:lnRef idx="1">
+              <a:schemeClr val="accent1"/>
+            </a:lnRef>
+            <a:fillRef idx="3">
+              <a:schemeClr val="accent1"/>
+            </a:fillRef>
+            <a:effectRef idx="2">
+              <a:schemeClr val="accent1"/>
+            </a:effectRef>
+            <a:fontRef idx="minor">
+              <a:schemeClr val="lt1"/>
+            </a:fontRef>
+          </p:style>
+          <p:txBody>
+            <a:bodyPr anchor="ctr"/>
+            <a:lstStyle/>
+            <a:p>
+              <a:pPr algn="ctr">
+                <a:defRPr/>
+              </a:pPr>
+              <a:endParaRPr lang="en-US">
+                <a:solidFill>
+                  <a:srgbClr val="FFFFFF"/>
+                </a:solidFill>
+                <a:latin typeface="Arial"/>
+                <a:ea typeface="ＭＳ Ｐゴシック"/>
+              </a:endParaRPr>
+            </a:p>
+          </p:txBody>
+        </p:sp>
+        <p:sp>
+          <p:nvSpPr>
+            <p:cNvPr id="27" name="Rounded Rectangle 26"/>
+            <p:cNvSpPr/>
+            <p:nvPr/>
+          </p:nvSpPr>
+          <p:spPr>
+            <a:xfrm>
+              <a:off x="851301" y="2584743"/>
+              <a:ext cx="909460" cy="831737"/>
+            </a:xfrm>
+            <a:prstGeom prst="roundRect">
+              <a:avLst/>
+            </a:prstGeom>
             <a:solidFill>
-              <a:srgbClr val="000000"/>
+              <a:srgbClr val="FF6600"/>
             </a:solidFill>
-          </a:ln>
-          <a:effectLst/>
-        </p:spPr>
-        <p:style>
-          <a:lnRef idx="1">
-            <a:schemeClr val="accent1"/>
-          </a:lnRef>
-          <a:fillRef idx="3">
-            <a:schemeClr val="accent1"/>
-          </a:fillRef>
-          <a:effectRef idx="2">
-            <a:schemeClr val="accent1"/>
-          </a:effectRef>
-          <a:fontRef idx="minor">
-            <a:schemeClr val="lt1"/>
-          </a:fontRef>
-        </p:style>
-        <p:txBody>
-          <a:bodyPr anchor="ctr"/>
-          <a:lstStyle>
-            <a:lvl1pPr>
-              <a:defRPr>
-                <a:solidFill>
-                  <a:schemeClr val="lt1"/>
-                </a:solidFill>
-                <a:latin typeface="+mn-lt"/>
-                <a:ea typeface="+mn-ea"/>
-                <a:cs typeface="+mn-cs"/>
-              </a:defRPr>
-            </a:lvl1pPr>
-            <a:lvl2pPr>
-              <a:defRPr>
-                <a:solidFill>
-                  <a:schemeClr val="lt1"/>
-                </a:solidFill>
-                <a:latin typeface="+mn-lt"/>
-                <a:ea typeface="+mn-ea"/>
-                <a:cs typeface="+mn-cs"/>
-              </a:defRPr>
-            </a:lvl2pPr>
-            <a:lvl3pPr>
-              <a:defRPr>
-                <a:solidFill>
-                  <a:schemeClr val="lt1"/>
-                </a:solidFill>
-                <a:latin typeface="+mn-lt"/>
-                <a:ea typeface="+mn-ea"/>
-                <a:cs typeface="+mn-cs"/>
-              </a:defRPr>
-            </a:lvl3pPr>
-            <a:lvl4pPr>
-              <a:defRPr>
-                <a:solidFill>
-                  <a:schemeClr val="lt1"/>
-                </a:solidFill>
-                <a:latin typeface="+mn-lt"/>
-                <a:ea typeface="+mn-ea"/>
-                <a:cs typeface="+mn-cs"/>
-              </a:defRPr>
-            </a:lvl4pPr>
-            <a:lvl5pPr>
-              <a:defRPr>
-                <a:solidFill>
-                  <a:schemeClr val="lt1"/>
-                </a:solidFill>
-                <a:latin typeface="+mn-lt"/>
-                <a:ea typeface="+mn-ea"/>
-                <a:cs typeface="+mn-cs"/>
-              </a:defRPr>
-            </a:lvl5pPr>
-            <a:lvl6pPr>
-              <a:defRPr>
-                <a:solidFill>
-                  <a:schemeClr val="lt1"/>
-                </a:solidFill>
-                <a:latin typeface="+mn-lt"/>
-                <a:ea typeface="+mn-ea"/>
-                <a:cs typeface="+mn-cs"/>
-              </a:defRPr>
-            </a:lvl6pPr>
-            <a:lvl7pPr>
-              <a:defRPr>
-                <a:solidFill>
-                  <a:schemeClr val="lt1"/>
-                </a:solidFill>
-                <a:latin typeface="+mn-lt"/>
-                <a:ea typeface="+mn-ea"/>
-                <a:cs typeface="+mn-cs"/>
-              </a:defRPr>
-            </a:lvl7pPr>
-            <a:lvl8pPr>
-              <a:defRPr>
-                <a:solidFill>
-                  <a:schemeClr val="lt1"/>
-                </a:solidFill>
-                <a:latin typeface="+mn-lt"/>
-                <a:ea typeface="+mn-ea"/>
-                <a:cs typeface="+mn-cs"/>
-              </a:defRPr>
-            </a:lvl8pPr>
-            <a:lvl9pPr>
-              <a:defRPr>
-                <a:solidFill>
-                  <a:schemeClr val="lt1"/>
-                </a:solidFill>
-                <a:latin typeface="+mn-lt"/>
-                <a:ea typeface="+mn-ea"/>
-                <a:cs typeface="+mn-cs"/>
-              </a:defRPr>
-            </a:lvl9pPr>
-          </a:lstStyle>
-          <a:p>
-            <a:pPr algn="ctr">
-              <a:defRPr/>
-            </a:pPr>
-            <a:r>
-              <a:rPr lang="en-US" b="1" kern="1200" dirty="0" smtClean="0">
+            <a:ln>
+              <a:solidFill>
+                <a:srgbClr val="000000"/>
+              </a:solidFill>
+            </a:ln>
+            <a:effectLst/>
+          </p:spPr>
+          <p:style>
+            <a:lnRef idx="1">
+              <a:schemeClr val="accent1"/>
+            </a:lnRef>
+            <a:fillRef idx="3">
+              <a:schemeClr val="accent1"/>
+            </a:fillRef>
+            <a:effectRef idx="2">
+              <a:schemeClr val="accent1"/>
+            </a:effectRef>
+            <a:fontRef idx="minor">
+              <a:schemeClr val="lt1"/>
+            </a:fontRef>
+          </p:style>
+          <p:txBody>
+            <a:bodyPr anchor="ctr"/>
+            <a:lstStyle>
+              <a:lvl1pPr>
+                <a:defRPr>
+                  <a:solidFill>
+                    <a:schemeClr val="lt1"/>
+                  </a:solidFill>
+                  <a:latin typeface="+mn-lt"/>
+                  <a:ea typeface="+mn-ea"/>
+                  <a:cs typeface="+mn-cs"/>
+                </a:defRPr>
+              </a:lvl1pPr>
+              <a:lvl2pPr>
+                <a:defRPr>
+                  <a:solidFill>
+                    <a:schemeClr val="lt1"/>
+                  </a:solidFill>
+                  <a:latin typeface="+mn-lt"/>
+                  <a:ea typeface="+mn-ea"/>
+                  <a:cs typeface="+mn-cs"/>
+                </a:defRPr>
+              </a:lvl2pPr>
+              <a:lvl3pPr>
+                <a:defRPr>
+                  <a:solidFill>
+                    <a:schemeClr val="lt1"/>
+                  </a:solidFill>
+                  <a:latin typeface="+mn-lt"/>
+                  <a:ea typeface="+mn-ea"/>
+                  <a:cs typeface="+mn-cs"/>
+                </a:defRPr>
+              </a:lvl3pPr>
+              <a:lvl4pPr>
+                <a:defRPr>
+                  <a:solidFill>
+                    <a:schemeClr val="lt1"/>
+                  </a:solidFill>
+                  <a:latin typeface="+mn-lt"/>
+                  <a:ea typeface="+mn-ea"/>
+                  <a:cs typeface="+mn-cs"/>
+                </a:defRPr>
+              </a:lvl4pPr>
+              <a:lvl5pPr>
+                <a:defRPr>
+                  <a:solidFill>
+                    <a:schemeClr val="lt1"/>
+                  </a:solidFill>
+                  <a:latin typeface="+mn-lt"/>
+                  <a:ea typeface="+mn-ea"/>
+                  <a:cs typeface="+mn-cs"/>
+                </a:defRPr>
+              </a:lvl5pPr>
+              <a:lvl6pPr>
+                <a:defRPr>
+                  <a:solidFill>
+                    <a:schemeClr val="lt1"/>
+                  </a:solidFill>
+                  <a:latin typeface="+mn-lt"/>
+                  <a:ea typeface="+mn-ea"/>
+                  <a:cs typeface="+mn-cs"/>
+                </a:defRPr>
+              </a:lvl6pPr>
+              <a:lvl7pPr>
+                <a:defRPr>
+                  <a:solidFill>
+                    <a:schemeClr val="lt1"/>
+                  </a:solidFill>
+                  <a:latin typeface="+mn-lt"/>
+                  <a:ea typeface="+mn-ea"/>
+                  <a:cs typeface="+mn-cs"/>
+                </a:defRPr>
+              </a:lvl7pPr>
+              <a:lvl8pPr>
+                <a:defRPr>
+                  <a:solidFill>
+                    <a:schemeClr val="lt1"/>
+                  </a:solidFill>
+                  <a:latin typeface="+mn-lt"/>
+                  <a:ea typeface="+mn-ea"/>
+                  <a:cs typeface="+mn-cs"/>
+                </a:defRPr>
+              </a:lvl8pPr>
+              <a:lvl9pPr>
+                <a:defRPr>
+                  <a:solidFill>
+                    <a:schemeClr val="lt1"/>
+                  </a:solidFill>
+                  <a:latin typeface="+mn-lt"/>
+                  <a:ea typeface="+mn-ea"/>
+                  <a:cs typeface="+mn-cs"/>
+                </a:defRPr>
+              </a:lvl9pPr>
+            </a:lstStyle>
+            <a:p>
+              <a:pPr algn="ctr">
+                <a:defRPr/>
+              </a:pPr>
+              <a:r>
+                <a:rPr lang="en-US" b="1" kern="1200" dirty="0" smtClean="0">
+                  <a:solidFill>
+                    <a:srgbClr val="000000"/>
+                  </a:solidFill>
+                  <a:latin typeface="Arial"/>
+                  <a:ea typeface="ＭＳ Ｐゴシック"/>
+                </a:rPr>
+                <a:t>P1</a:t>
+              </a:r>
+              <a:endParaRPr lang="en-US" b="1" kern="1200" dirty="0">
                 <a:solidFill>
                   <a:srgbClr val="000000"/>
                 </a:solidFill>
                 <a:latin typeface="Arial"/>
                 <a:ea typeface="ＭＳ Ｐゴシック"/>
-              </a:rPr>
-              <a:t>P1</a:t>
-            </a:r>
-            <a:endParaRPr lang="en-US" b="1" kern="1200" dirty="0">
+              </a:endParaRPr>
+            </a:p>
+          </p:txBody>
+        </p:sp>
+        <p:sp>
+          <p:nvSpPr>
+            <p:cNvPr id="3" name="Rectangle 2"/>
+            <p:cNvSpPr/>
+            <p:nvPr/>
+          </p:nvSpPr>
+          <p:spPr>
+            <a:xfrm>
+              <a:off x="851301" y="3528861"/>
+              <a:ext cx="909460" cy="280951"/>
+            </a:xfrm>
+            <a:prstGeom prst="rect">
+              <a:avLst/>
+            </a:prstGeom>
+            <a:solidFill>
+              <a:srgbClr val="CCFFCC"/>
+            </a:solidFill>
+            <a:ln>
+              <a:solidFill>
+                <a:schemeClr val="tx1"/>
+              </a:solidFill>
+            </a:ln>
+            <a:effectLst/>
+          </p:spPr>
+          <p:style>
+            <a:lnRef idx="1">
+              <a:schemeClr val="accent1"/>
+            </a:lnRef>
+            <a:fillRef idx="3">
+              <a:schemeClr val="accent1"/>
+            </a:fillRef>
+            <a:effectRef idx="2">
+              <a:schemeClr val="accent1"/>
+            </a:effectRef>
+            <a:fontRef idx="minor">
+              <a:schemeClr val="lt1"/>
+            </a:fontRef>
+          </p:style>
+          <p:txBody>
+            <a:bodyPr rtlCol="0" anchor="ctr"/>
+            <a:lstStyle/>
+            <a:p>
+              <a:pPr algn="ctr"/>
+              <a:r>
+                <a:rPr lang="en-US" b="1" dirty="0" smtClean="0">
+                  <a:solidFill>
+                    <a:schemeClr val="tx1"/>
+                  </a:solidFill>
+                </a:rPr>
+                <a:t>NAT</a:t>
+              </a:r>
+              <a:endParaRPr lang="en-US" b="1" dirty="0">
+                <a:solidFill>
+                  <a:schemeClr val="tx1"/>
+                </a:solidFill>
+              </a:endParaRPr>
+            </a:p>
+          </p:txBody>
+        </p:sp>
+        <p:sp>
+          <p:nvSpPr>
+            <p:cNvPr id="31" name="Rounded Rectangle 30"/>
+            <p:cNvSpPr/>
+            <p:nvPr/>
+          </p:nvSpPr>
+          <p:spPr>
+            <a:xfrm>
+              <a:off x="2115456" y="1921701"/>
+              <a:ext cx="1186725" cy="1989253"/>
+            </a:xfrm>
+            <a:prstGeom prst="roundRect">
+              <a:avLst>
+                <a:gd name="adj" fmla="val 7797"/>
+              </a:avLst>
+            </a:prstGeom>
+            <a:solidFill>
+              <a:schemeClr val="bg1">
+                <a:lumMod val="85000"/>
+              </a:schemeClr>
+            </a:solidFill>
+            <a:ln w="38100" cmpd="sng">
+              <a:solidFill>
+                <a:schemeClr val="tx1"/>
+              </a:solidFill>
+            </a:ln>
+          </p:spPr>
+          <p:style>
+            <a:lnRef idx="1">
+              <a:schemeClr val="accent1"/>
+            </a:lnRef>
+            <a:fillRef idx="3">
+              <a:schemeClr val="accent1"/>
+            </a:fillRef>
+            <a:effectRef idx="2">
+              <a:schemeClr val="accent1"/>
+            </a:effectRef>
+            <a:fontRef idx="minor">
+              <a:schemeClr val="lt1"/>
+            </a:fontRef>
+          </p:style>
+          <p:txBody>
+            <a:bodyPr anchor="ctr"/>
+            <a:lstStyle/>
+            <a:p>
+              <a:pPr algn="ctr">
+                <a:defRPr/>
+              </a:pPr>
+              <a:endParaRPr lang="en-US">
+                <a:solidFill>
+                  <a:srgbClr val="FFFFFF"/>
+                </a:solidFill>
+                <a:latin typeface="Arial"/>
+                <a:ea typeface="ＭＳ Ｐゴシック"/>
+              </a:endParaRPr>
+            </a:p>
+          </p:txBody>
+        </p:sp>
+        <p:sp>
+          <p:nvSpPr>
+            <p:cNvPr id="32" name="Rounded Rectangle 31"/>
+            <p:cNvSpPr/>
+            <p:nvPr/>
+          </p:nvSpPr>
+          <p:spPr>
+            <a:xfrm>
+              <a:off x="2246620" y="2584743"/>
+              <a:ext cx="909460" cy="820500"/>
+            </a:xfrm>
+            <a:prstGeom prst="roundRect">
+              <a:avLst/>
+            </a:prstGeom>
+            <a:solidFill>
+              <a:srgbClr val="FF6600"/>
+            </a:solidFill>
+            <a:ln>
               <a:solidFill>
                 <a:srgbClr val="000000"/>
               </a:solidFill>
-              <a:latin typeface="Arial"/>
-              <a:ea typeface="ＭＳ Ｐゴシック"/>
-            </a:endParaRPr>
-          </a:p>
-        </p:txBody>
-      </p:sp>
-      <p:sp>
-        <p:nvSpPr>
-          <p:cNvPr id="3" name="Rectangle 2"/>
-          <p:cNvSpPr/>
-          <p:nvPr/>
-        </p:nvSpPr>
-        <p:spPr>
-          <a:xfrm>
-            <a:off x="851301" y="3528861"/>
-            <a:ext cx="909460" cy="280951"/>
-          </a:xfrm>
-          <a:prstGeom prst="rect">
-            <a:avLst/>
-          </a:prstGeom>
-          <a:solidFill>
-            <a:srgbClr val="CCFFCC"/>
-          </a:solidFill>
-          <a:ln>
-            <a:solidFill>
-              <a:schemeClr val="tx1"/>
-            </a:solidFill>
-          </a:ln>
-          <a:effectLst/>
-        </p:spPr>
-        <p:style>
-          <a:lnRef idx="1">
-            <a:schemeClr val="accent1"/>
-          </a:lnRef>
-          <a:fillRef idx="3">
-            <a:schemeClr val="accent1"/>
-          </a:fillRef>
-          <a:effectRef idx="2">
-            <a:schemeClr val="accent1"/>
-          </a:effectRef>
-          <a:fontRef idx="minor">
-            <a:schemeClr val="lt1"/>
-          </a:fontRef>
-        </p:style>
-        <p:txBody>
-          <a:bodyPr rtlCol="0" anchor="ctr"/>
-          <a:lstStyle/>
-          <a:p>
-            <a:pPr algn="ctr"/>
-            <a:r>
-              <a:rPr lang="en-US" dirty="0" smtClean="0">
-                <a:solidFill>
-                  <a:schemeClr val="tx1"/>
-                </a:solidFill>
-              </a:rPr>
-              <a:t>NAT</a:t>
-            </a:r>
-            <a:endParaRPr lang="en-US" dirty="0">
-              <a:solidFill>
-                <a:schemeClr val="tx1"/>
-              </a:solidFill>
-            </a:endParaRPr>
-          </a:p>
-        </p:txBody>
-      </p:sp>
-      <p:sp>
-        <p:nvSpPr>
-          <p:cNvPr id="31" name="Rounded Rectangle 30"/>
-          <p:cNvSpPr/>
-          <p:nvPr/>
-        </p:nvSpPr>
-        <p:spPr>
-          <a:xfrm>
-            <a:off x="2115456" y="1921701"/>
-            <a:ext cx="1186725" cy="1989253"/>
-          </a:xfrm>
-          <a:prstGeom prst="roundRect">
-            <a:avLst>
-              <a:gd name="adj" fmla="val 7797"/>
-            </a:avLst>
-          </a:prstGeom>
-          <a:solidFill>
-            <a:schemeClr val="bg1">
-              <a:lumMod val="85000"/>
-            </a:schemeClr>
-          </a:solidFill>
-          <a:ln w="38100" cmpd="sng">
-            <a:solidFill>
-              <a:schemeClr val="tx1"/>
-            </a:solidFill>
-          </a:ln>
-        </p:spPr>
-        <p:style>
-          <a:lnRef idx="1">
-            <a:schemeClr val="accent1"/>
-          </a:lnRef>
-          <a:fillRef idx="3">
-            <a:schemeClr val="accent1"/>
-          </a:fillRef>
-          <a:effectRef idx="2">
-            <a:schemeClr val="accent1"/>
-          </a:effectRef>
-          <a:fontRef idx="minor">
-            <a:schemeClr val="lt1"/>
-          </a:fontRef>
-        </p:style>
-        <p:txBody>
-          <a:bodyPr anchor="ctr"/>
-          <a:lstStyle/>
-          <a:p>
-            <a:pPr algn="ctr">
-              <a:defRPr/>
-            </a:pPr>
-            <a:endParaRPr lang="en-US">
-              <a:solidFill>
-                <a:srgbClr val="FFFFFF"/>
-              </a:solidFill>
-              <a:latin typeface="Arial"/>
-              <a:ea typeface="ＭＳ Ｐゴシック"/>
-            </a:endParaRPr>
-          </a:p>
-        </p:txBody>
-      </p:sp>
-      <p:sp>
-        <p:nvSpPr>
-          <p:cNvPr id="32" name="Rounded Rectangle 31"/>
-          <p:cNvSpPr/>
-          <p:nvPr/>
-        </p:nvSpPr>
-        <p:spPr>
-          <a:xfrm>
-            <a:off x="2246620" y="2584743"/>
-            <a:ext cx="909460" cy="820500"/>
-          </a:xfrm>
-          <a:prstGeom prst="roundRect">
-            <a:avLst/>
-          </a:prstGeom>
-          <a:solidFill>
-            <a:srgbClr val="FF6600"/>
-          </a:solidFill>
-          <a:ln>
-            <a:solidFill>
-              <a:srgbClr val="000000"/>
-            </a:solidFill>
-          </a:ln>
-          <a:effectLst/>
-        </p:spPr>
-        <p:style>
-          <a:lnRef idx="1">
-            <a:schemeClr val="accent1"/>
-          </a:lnRef>
-          <a:fillRef idx="3">
-            <a:schemeClr val="accent1"/>
-          </a:fillRef>
-          <a:effectRef idx="2">
-            <a:schemeClr val="accent1"/>
-          </a:effectRef>
-          <a:fontRef idx="minor">
-            <a:schemeClr val="lt1"/>
-          </a:fontRef>
-        </p:style>
-        <p:txBody>
-          <a:bodyPr anchor="ctr"/>
-          <a:lstStyle>
-            <a:lvl1pPr>
-              <a:defRPr>
-                <a:solidFill>
-                  <a:schemeClr val="lt1"/>
-                </a:solidFill>
-                <a:latin typeface="+mn-lt"/>
-                <a:ea typeface="+mn-ea"/>
-                <a:cs typeface="+mn-cs"/>
-              </a:defRPr>
-            </a:lvl1pPr>
-            <a:lvl2pPr>
-              <a:defRPr>
-                <a:solidFill>
-                  <a:schemeClr val="lt1"/>
-                </a:solidFill>
-                <a:latin typeface="+mn-lt"/>
-                <a:ea typeface="+mn-ea"/>
-                <a:cs typeface="+mn-cs"/>
-              </a:defRPr>
-            </a:lvl2pPr>
-            <a:lvl3pPr>
-              <a:defRPr>
-                <a:solidFill>
-                  <a:schemeClr val="lt1"/>
-                </a:solidFill>
-                <a:latin typeface="+mn-lt"/>
-                <a:ea typeface="+mn-ea"/>
-                <a:cs typeface="+mn-cs"/>
-              </a:defRPr>
-            </a:lvl3pPr>
-            <a:lvl4pPr>
-              <a:defRPr>
-                <a:solidFill>
-                  <a:schemeClr val="lt1"/>
-                </a:solidFill>
-                <a:latin typeface="+mn-lt"/>
-                <a:ea typeface="+mn-ea"/>
-                <a:cs typeface="+mn-cs"/>
-              </a:defRPr>
-            </a:lvl4pPr>
-            <a:lvl5pPr>
-              <a:defRPr>
-                <a:solidFill>
-                  <a:schemeClr val="lt1"/>
-                </a:solidFill>
-                <a:latin typeface="+mn-lt"/>
-                <a:ea typeface="+mn-ea"/>
-                <a:cs typeface="+mn-cs"/>
-              </a:defRPr>
-            </a:lvl5pPr>
-            <a:lvl6pPr>
-              <a:defRPr>
-                <a:solidFill>
-                  <a:schemeClr val="lt1"/>
-                </a:solidFill>
-                <a:latin typeface="+mn-lt"/>
-                <a:ea typeface="+mn-ea"/>
-                <a:cs typeface="+mn-cs"/>
-              </a:defRPr>
-            </a:lvl6pPr>
-            <a:lvl7pPr>
-              <a:defRPr>
-                <a:solidFill>
-                  <a:schemeClr val="lt1"/>
-                </a:solidFill>
-                <a:latin typeface="+mn-lt"/>
-                <a:ea typeface="+mn-ea"/>
-                <a:cs typeface="+mn-cs"/>
-              </a:defRPr>
-            </a:lvl7pPr>
-            <a:lvl8pPr>
-              <a:defRPr>
-                <a:solidFill>
-                  <a:schemeClr val="lt1"/>
-                </a:solidFill>
-                <a:latin typeface="+mn-lt"/>
-                <a:ea typeface="+mn-ea"/>
-                <a:cs typeface="+mn-cs"/>
-              </a:defRPr>
-            </a:lvl8pPr>
-            <a:lvl9pPr>
-              <a:defRPr>
-                <a:solidFill>
-                  <a:schemeClr val="lt1"/>
-                </a:solidFill>
-                <a:latin typeface="+mn-lt"/>
-                <a:ea typeface="+mn-ea"/>
-                <a:cs typeface="+mn-cs"/>
-              </a:defRPr>
-            </a:lvl9pPr>
-          </a:lstStyle>
-          <a:p>
-            <a:pPr algn="ctr">
-              <a:defRPr/>
-            </a:pPr>
-            <a:r>
-              <a:rPr lang="en-US" b="1" dirty="0" smtClean="0">
+            </a:ln>
+            <a:effectLst/>
+          </p:spPr>
+          <p:style>
+            <a:lnRef idx="1">
+              <a:schemeClr val="accent1"/>
+            </a:lnRef>
+            <a:fillRef idx="3">
+              <a:schemeClr val="accent1"/>
+            </a:fillRef>
+            <a:effectRef idx="2">
+              <a:schemeClr val="accent1"/>
+            </a:effectRef>
+            <a:fontRef idx="minor">
+              <a:schemeClr val="lt1"/>
+            </a:fontRef>
+          </p:style>
+          <p:txBody>
+            <a:bodyPr anchor="ctr"/>
+            <a:lstStyle>
+              <a:lvl1pPr>
+                <a:defRPr>
+                  <a:solidFill>
+                    <a:schemeClr val="lt1"/>
+                  </a:solidFill>
+                  <a:latin typeface="+mn-lt"/>
+                  <a:ea typeface="+mn-ea"/>
+                  <a:cs typeface="+mn-cs"/>
+                </a:defRPr>
+              </a:lvl1pPr>
+              <a:lvl2pPr>
+                <a:defRPr>
+                  <a:solidFill>
+                    <a:schemeClr val="lt1"/>
+                  </a:solidFill>
+                  <a:latin typeface="+mn-lt"/>
+                  <a:ea typeface="+mn-ea"/>
+                  <a:cs typeface="+mn-cs"/>
+                </a:defRPr>
+              </a:lvl2pPr>
+              <a:lvl3pPr>
+                <a:defRPr>
+                  <a:solidFill>
+                    <a:schemeClr val="lt1"/>
+                  </a:solidFill>
+                  <a:latin typeface="+mn-lt"/>
+                  <a:ea typeface="+mn-ea"/>
+                  <a:cs typeface="+mn-cs"/>
+                </a:defRPr>
+              </a:lvl3pPr>
+              <a:lvl4pPr>
+                <a:defRPr>
+                  <a:solidFill>
+                    <a:schemeClr val="lt1"/>
+                  </a:solidFill>
+                  <a:latin typeface="+mn-lt"/>
+                  <a:ea typeface="+mn-ea"/>
+                  <a:cs typeface="+mn-cs"/>
+                </a:defRPr>
+              </a:lvl4pPr>
+              <a:lvl5pPr>
+                <a:defRPr>
+                  <a:solidFill>
+                    <a:schemeClr val="lt1"/>
+                  </a:solidFill>
+                  <a:latin typeface="+mn-lt"/>
+                  <a:ea typeface="+mn-ea"/>
+                  <a:cs typeface="+mn-cs"/>
+                </a:defRPr>
+              </a:lvl5pPr>
+              <a:lvl6pPr>
+                <a:defRPr>
+                  <a:solidFill>
+                    <a:schemeClr val="lt1"/>
+                  </a:solidFill>
+                  <a:latin typeface="+mn-lt"/>
+                  <a:ea typeface="+mn-ea"/>
+                  <a:cs typeface="+mn-cs"/>
+                </a:defRPr>
+              </a:lvl6pPr>
+              <a:lvl7pPr>
+                <a:defRPr>
+                  <a:solidFill>
+                    <a:schemeClr val="lt1"/>
+                  </a:solidFill>
+                  <a:latin typeface="+mn-lt"/>
+                  <a:ea typeface="+mn-ea"/>
+                  <a:cs typeface="+mn-cs"/>
+                </a:defRPr>
+              </a:lvl7pPr>
+              <a:lvl8pPr>
+                <a:defRPr>
+                  <a:solidFill>
+                    <a:schemeClr val="lt1"/>
+                  </a:solidFill>
+                  <a:latin typeface="+mn-lt"/>
+                  <a:ea typeface="+mn-ea"/>
+                  <a:cs typeface="+mn-cs"/>
+                </a:defRPr>
+              </a:lvl8pPr>
+              <a:lvl9pPr>
+                <a:defRPr>
+                  <a:solidFill>
+                    <a:schemeClr val="lt1"/>
+                  </a:solidFill>
+                  <a:latin typeface="+mn-lt"/>
+                  <a:ea typeface="+mn-ea"/>
+                  <a:cs typeface="+mn-cs"/>
+                </a:defRPr>
+              </a:lvl9pPr>
+            </a:lstStyle>
+            <a:p>
+              <a:pPr algn="ctr">
+                <a:defRPr/>
+              </a:pPr>
+              <a:r>
+                <a:rPr lang="en-US" b="1" dirty="0" smtClean="0">
+                  <a:solidFill>
+                    <a:srgbClr val="000000"/>
+                  </a:solidFill>
+                  <a:latin typeface="Arial"/>
+                  <a:ea typeface="ＭＳ Ｐゴシック"/>
+                </a:rPr>
+                <a:t>T1</a:t>
+              </a:r>
+              <a:endParaRPr lang="en-US" b="1" kern="1200" dirty="0">
                 <a:solidFill>
                   <a:srgbClr val="000000"/>
                 </a:solidFill>
                 <a:latin typeface="Arial"/>
                 <a:ea typeface="ＭＳ Ｐゴシック"/>
-              </a:rPr>
-              <a:t>T1</a:t>
-            </a:r>
-            <a:endParaRPr lang="en-US" b="1" kern="1200" dirty="0">
+              </a:endParaRPr>
+            </a:p>
+          </p:txBody>
+        </p:sp>
+        <p:sp>
+          <p:nvSpPr>
+            <p:cNvPr id="33" name="Rectangle 32"/>
+            <p:cNvSpPr/>
+            <p:nvPr/>
+          </p:nvSpPr>
+          <p:spPr>
+            <a:xfrm>
+              <a:off x="2246620" y="3517623"/>
+              <a:ext cx="909460" cy="280951"/>
+            </a:xfrm>
+            <a:prstGeom prst="rect">
+              <a:avLst/>
+            </a:prstGeom>
+            <a:solidFill>
+              <a:srgbClr val="CCFFCC"/>
+            </a:solidFill>
+            <a:ln>
+              <a:solidFill>
+                <a:schemeClr val="tx1"/>
+              </a:solidFill>
+            </a:ln>
+            <a:effectLst/>
+          </p:spPr>
+          <p:style>
+            <a:lnRef idx="1">
+              <a:schemeClr val="accent1"/>
+            </a:lnRef>
+            <a:fillRef idx="3">
+              <a:schemeClr val="accent1"/>
+            </a:fillRef>
+            <a:effectRef idx="2">
+              <a:schemeClr val="accent1"/>
+            </a:effectRef>
+            <a:fontRef idx="minor">
+              <a:schemeClr val="lt1"/>
+            </a:fontRef>
+          </p:style>
+          <p:txBody>
+            <a:bodyPr rtlCol="0" anchor="ctr"/>
+            <a:lstStyle/>
+            <a:p>
+              <a:pPr algn="ctr"/>
+              <a:r>
+                <a:rPr lang="en-US" b="1" dirty="0" smtClean="0">
+                  <a:solidFill>
+                    <a:schemeClr val="tx1"/>
+                  </a:solidFill>
+                </a:rPr>
+                <a:t>NAT</a:t>
+              </a:r>
+              <a:endParaRPr lang="en-US" b="1" dirty="0">
+                <a:solidFill>
+                  <a:schemeClr val="tx1"/>
+                </a:solidFill>
+              </a:endParaRPr>
+            </a:p>
+          </p:txBody>
+        </p:sp>
+        <p:sp>
+          <p:nvSpPr>
+            <p:cNvPr id="4" name="Rectangle 3"/>
+            <p:cNvSpPr/>
+            <p:nvPr/>
+          </p:nvSpPr>
+          <p:spPr>
+            <a:xfrm>
+              <a:off x="851301" y="977707"/>
+              <a:ext cx="2304779" cy="606853"/>
+            </a:xfrm>
+            <a:prstGeom prst="rect">
+              <a:avLst/>
+            </a:prstGeom>
+            <a:solidFill>
+              <a:schemeClr val="accent5"/>
+            </a:solidFill>
+            <a:ln>
+              <a:solidFill>
+                <a:schemeClr val="tx1"/>
+              </a:solidFill>
+            </a:ln>
+            <a:effectLst/>
+          </p:spPr>
+          <p:style>
+            <a:lnRef idx="1">
+              <a:schemeClr val="accent1"/>
+            </a:lnRef>
+            <a:fillRef idx="3">
+              <a:schemeClr val="accent1"/>
+            </a:fillRef>
+            <a:effectRef idx="2">
+              <a:schemeClr val="accent1"/>
+            </a:effectRef>
+            <a:fontRef idx="minor">
+              <a:schemeClr val="lt1"/>
+            </a:fontRef>
+          </p:style>
+          <p:txBody>
+            <a:bodyPr rtlCol="0" anchor="ctr"/>
+            <a:lstStyle/>
+            <a:p>
+              <a:pPr algn="ctr"/>
+              <a:r>
+                <a:rPr lang="en-US" b="1" dirty="0" smtClean="0">
+                  <a:solidFill>
+                    <a:srgbClr val="000000"/>
+                  </a:solidFill>
+                </a:rPr>
+                <a:t>Clone Manager</a:t>
+              </a:r>
+              <a:endParaRPr lang="en-US" b="1" dirty="0">
+                <a:solidFill>
+                  <a:srgbClr val="000000"/>
+                </a:solidFill>
+              </a:endParaRPr>
+            </a:p>
+          </p:txBody>
+        </p:sp>
+        <p:cxnSp>
+          <p:nvCxnSpPr>
+            <p:cNvPr id="12" name="Straight Arrow Connector 11"/>
+            <p:cNvCxnSpPr>
+              <a:stCxn id="4" idx="2"/>
+              <a:endCxn id="7" idx="0"/>
+            </p:cNvCxnSpPr>
+            <p:nvPr/>
+          </p:nvCxnSpPr>
+          <p:spPr>
+            <a:xfrm flipH="1">
+              <a:off x="1313500" y="1584560"/>
+              <a:ext cx="690191" cy="337141"/>
+            </a:xfrm>
+            <a:prstGeom prst="straightConnector1">
+              <a:avLst/>
+            </a:prstGeom>
+            <a:ln>
+              <a:solidFill>
+                <a:schemeClr val="tx1"/>
+              </a:solidFill>
+              <a:prstDash val="dash"/>
+              <a:tailEnd type="arrow"/>
+            </a:ln>
+            <a:effectLst/>
+          </p:spPr>
+          <p:style>
+            <a:lnRef idx="2">
+              <a:schemeClr val="accent1"/>
+            </a:lnRef>
+            <a:fillRef idx="0">
+              <a:schemeClr val="accent1"/>
+            </a:fillRef>
+            <a:effectRef idx="1">
+              <a:schemeClr val="accent1"/>
+            </a:effectRef>
+            <a:fontRef idx="minor">
+              <a:schemeClr val="tx1"/>
+            </a:fontRef>
+          </p:style>
+        </p:cxnSp>
+        <p:cxnSp>
+          <p:nvCxnSpPr>
+            <p:cNvPr id="40" name="Straight Arrow Connector 39"/>
+            <p:cNvCxnSpPr>
+              <a:stCxn id="4" idx="2"/>
+              <a:endCxn id="31" idx="0"/>
+            </p:cNvCxnSpPr>
+            <p:nvPr/>
+          </p:nvCxnSpPr>
+          <p:spPr>
+            <a:xfrm>
+              <a:off x="2003691" y="1584560"/>
+              <a:ext cx="705128" cy="337141"/>
+            </a:xfrm>
+            <a:prstGeom prst="straightConnector1">
+              <a:avLst/>
+            </a:prstGeom>
+            <a:ln>
+              <a:solidFill>
+                <a:schemeClr val="tx1"/>
+              </a:solidFill>
+              <a:prstDash val="dash"/>
+              <a:tailEnd type="arrow"/>
+            </a:ln>
+            <a:effectLst/>
+          </p:spPr>
+          <p:style>
+            <a:lnRef idx="2">
+              <a:schemeClr val="accent1"/>
+            </a:lnRef>
+            <a:fillRef idx="0">
+              <a:schemeClr val="accent1"/>
+            </a:fillRef>
+            <a:effectRef idx="1">
+              <a:schemeClr val="accent1"/>
+            </a:effectRef>
+            <a:fontRef idx="minor">
+              <a:schemeClr val="tx1"/>
+            </a:fontRef>
+          </p:style>
+        </p:cxnSp>
+        <p:sp>
+          <p:nvSpPr>
+            <p:cNvPr id="23" name="Rectangle 22"/>
+            <p:cNvSpPr/>
+            <p:nvPr/>
+          </p:nvSpPr>
+          <p:spPr>
+            <a:xfrm>
+              <a:off x="851301" y="2034081"/>
+              <a:ext cx="909460" cy="370855"/>
+            </a:xfrm>
+            <a:prstGeom prst="rect">
+              <a:avLst/>
+            </a:prstGeom>
+            <a:solidFill>
+              <a:schemeClr val="tx2">
+                <a:lumMod val="40000"/>
+                <a:lumOff val="60000"/>
+              </a:schemeClr>
+            </a:solidFill>
+            <a:ln>
+              <a:solidFill>
+                <a:schemeClr val="tx1"/>
+              </a:solidFill>
+            </a:ln>
+            <a:effectLst/>
+          </p:spPr>
+          <p:style>
+            <a:lnRef idx="1">
+              <a:schemeClr val="accent1"/>
+            </a:lnRef>
+            <a:fillRef idx="3">
+              <a:schemeClr val="accent1"/>
+            </a:fillRef>
+            <a:effectRef idx="2">
+              <a:schemeClr val="accent1"/>
+            </a:effectRef>
+            <a:fontRef idx="minor">
+              <a:schemeClr val="lt1"/>
+            </a:fontRef>
+          </p:style>
+          <p:txBody>
+            <a:bodyPr rtlCol="0" anchor="ctr"/>
+            <a:lstStyle/>
+            <a:p>
+              <a:pPr algn="ctr"/>
+              <a:r>
+                <a:rPr lang="en-US" b="1" dirty="0" smtClean="0">
+                  <a:solidFill>
+                    <a:srgbClr val="000000"/>
+                  </a:solidFill>
+                </a:rPr>
+                <a:t>Agent</a:t>
+              </a:r>
+              <a:endParaRPr lang="en-US" b="1" dirty="0">
+                <a:solidFill>
+                  <a:srgbClr val="000000"/>
+                </a:solidFill>
+              </a:endParaRPr>
+            </a:p>
+          </p:txBody>
+        </p:sp>
+        <p:sp>
+          <p:nvSpPr>
+            <p:cNvPr id="52" name="Rectangle 51"/>
+            <p:cNvSpPr/>
+            <p:nvPr/>
+          </p:nvSpPr>
+          <p:spPr>
+            <a:xfrm>
+              <a:off x="2254089" y="2034081"/>
+              <a:ext cx="909460" cy="370855"/>
+            </a:xfrm>
+            <a:prstGeom prst="rect">
+              <a:avLst/>
+            </a:prstGeom>
+            <a:solidFill>
+              <a:schemeClr val="tx2">
+                <a:lumMod val="40000"/>
+                <a:lumOff val="60000"/>
+              </a:schemeClr>
+            </a:solidFill>
+            <a:ln>
+              <a:solidFill>
+                <a:schemeClr val="tx1"/>
+              </a:solidFill>
+            </a:ln>
+            <a:effectLst/>
+          </p:spPr>
+          <p:style>
+            <a:lnRef idx="1">
+              <a:schemeClr val="accent1"/>
+            </a:lnRef>
+            <a:fillRef idx="3">
+              <a:schemeClr val="accent1"/>
+            </a:fillRef>
+            <a:effectRef idx="2">
+              <a:schemeClr val="accent1"/>
+            </a:effectRef>
+            <a:fontRef idx="minor">
+              <a:schemeClr val="lt1"/>
+            </a:fontRef>
+          </p:style>
+          <p:txBody>
+            <a:bodyPr rtlCol="0" anchor="ctr"/>
+            <a:lstStyle/>
+            <a:p>
+              <a:pPr algn="ctr"/>
+              <a:r>
+                <a:rPr lang="en-US" b="1" dirty="0" smtClean="0">
+                  <a:solidFill>
+                    <a:srgbClr val="000000"/>
+                  </a:solidFill>
+                </a:rPr>
+                <a:t>Agent</a:t>
+              </a:r>
+              <a:endParaRPr lang="en-US" b="1" dirty="0">
+                <a:solidFill>
+                  <a:srgbClr val="000000"/>
+                </a:solidFill>
+              </a:endParaRPr>
+            </a:p>
+          </p:txBody>
+        </p:sp>
+        <p:cxnSp>
+          <p:nvCxnSpPr>
+            <p:cNvPr id="69" name="Straight Arrow Connector 68"/>
+            <p:cNvCxnSpPr/>
+            <p:nvPr/>
+          </p:nvCxnSpPr>
+          <p:spPr>
+            <a:xfrm>
+              <a:off x="1311460" y="3906022"/>
+              <a:ext cx="2040" cy="337141"/>
+            </a:xfrm>
+            <a:prstGeom prst="straightConnector1">
+              <a:avLst/>
+            </a:prstGeom>
+            <a:ln>
+              <a:solidFill>
+                <a:schemeClr val="tx1"/>
+              </a:solidFill>
+              <a:prstDash val="solid"/>
+              <a:tailEnd type="arrow"/>
+            </a:ln>
+            <a:effectLst/>
+          </p:spPr>
+          <p:style>
+            <a:lnRef idx="2">
+              <a:schemeClr val="accent1"/>
+            </a:lnRef>
+            <a:fillRef idx="0">
+              <a:schemeClr val="accent1"/>
+            </a:fillRef>
+            <a:effectRef idx="1">
+              <a:schemeClr val="accent1"/>
+            </a:effectRef>
+            <a:fontRef idx="minor">
+              <a:schemeClr val="tx1"/>
+            </a:fontRef>
+          </p:style>
+        </p:cxnSp>
+        <p:cxnSp>
+          <p:nvCxnSpPr>
+            <p:cNvPr id="70" name="Straight Arrow Connector 69"/>
+            <p:cNvCxnSpPr/>
+            <p:nvPr/>
+          </p:nvCxnSpPr>
+          <p:spPr>
+            <a:xfrm>
+              <a:off x="2596920" y="3922192"/>
+              <a:ext cx="2040" cy="337141"/>
+            </a:xfrm>
+            <a:prstGeom prst="straightConnector1">
+              <a:avLst/>
+            </a:prstGeom>
+            <a:ln>
+              <a:solidFill>
+                <a:schemeClr val="tx1"/>
+              </a:solidFill>
+              <a:prstDash val="solid"/>
+              <a:tailEnd type="arrow"/>
+            </a:ln>
+            <a:effectLst/>
+          </p:spPr>
+          <p:style>
+            <a:lnRef idx="2">
+              <a:schemeClr val="accent1"/>
+            </a:lnRef>
+            <a:fillRef idx="0">
+              <a:schemeClr val="accent1"/>
+            </a:fillRef>
+            <a:effectRef idx="1">
+              <a:schemeClr val="accent1"/>
+            </a:effectRef>
+            <a:fontRef idx="minor">
+              <a:schemeClr val="tx1"/>
+            </a:fontRef>
+          </p:style>
+        </p:cxnSp>
+        <p:sp>
+          <p:nvSpPr>
+            <p:cNvPr id="2" name="TextBox 1"/>
+            <p:cNvSpPr txBox="1"/>
+            <p:nvPr/>
+          </p:nvSpPr>
+          <p:spPr>
+            <a:xfrm>
+              <a:off x="914392" y="4144100"/>
+              <a:ext cx="1984940" cy="307777"/>
+            </a:xfrm>
+            <a:prstGeom prst="rect">
+              <a:avLst/>
+            </a:prstGeom>
+            <a:noFill/>
+          </p:spPr>
+          <p:txBody>
+            <a:bodyPr wrap="square" rtlCol="0">
+              <a:spAutoFit/>
+            </a:bodyPr>
+            <a:lstStyle/>
+            <a:p>
+              <a:pPr algn="ctr"/>
+              <a:r>
+                <a:rPr lang="en-US" sz="1400" b="1" dirty="0" smtClean="0"/>
+                <a:t>To/From Duplicator</a:t>
+              </a:r>
+              <a:endParaRPr lang="en-US" sz="1400" b="1" dirty="0"/>
+            </a:p>
+          </p:txBody>
+        </p:sp>
+      </p:grpSp>
+      <p:grpSp>
+        <p:nvGrpSpPr>
+          <p:cNvPr id="6" name="Group 5"/>
+          <p:cNvGrpSpPr/>
+          <p:nvPr/>
+        </p:nvGrpSpPr>
+        <p:grpSpPr>
+          <a:xfrm>
+            <a:off x="3568932" y="977707"/>
+            <a:ext cx="2757788" cy="3501578"/>
+            <a:chOff x="4191995" y="961537"/>
+            <a:chExt cx="2757788" cy="3501578"/>
+          </a:xfrm>
+        </p:grpSpPr>
+        <p:sp>
+          <p:nvSpPr>
+            <p:cNvPr id="53" name="Rounded Rectangle 52"/>
+            <p:cNvSpPr/>
+            <p:nvPr/>
+          </p:nvSpPr>
+          <p:spPr>
+            <a:xfrm>
+              <a:off x="4191995" y="1905531"/>
+              <a:ext cx="2757788" cy="2000491"/>
+            </a:xfrm>
+            <a:prstGeom prst="roundRect">
+              <a:avLst>
+                <a:gd name="adj" fmla="val 7797"/>
+              </a:avLst>
+            </a:prstGeom>
+            <a:solidFill>
+              <a:schemeClr val="bg1">
+                <a:lumMod val="85000"/>
+              </a:schemeClr>
+            </a:solidFill>
+            <a:ln w="38100" cmpd="sng">
+              <a:solidFill>
+                <a:schemeClr val="tx1"/>
+              </a:solidFill>
+            </a:ln>
+          </p:spPr>
+          <p:style>
+            <a:lnRef idx="1">
+              <a:schemeClr val="accent1"/>
+            </a:lnRef>
+            <a:fillRef idx="3">
+              <a:schemeClr val="accent1"/>
+            </a:fillRef>
+            <a:effectRef idx="2">
+              <a:schemeClr val="accent1"/>
+            </a:effectRef>
+            <a:fontRef idx="minor">
+              <a:schemeClr val="lt1"/>
+            </a:fontRef>
+          </p:style>
+          <p:txBody>
+            <a:bodyPr anchor="ctr"/>
+            <a:lstStyle/>
+            <a:p>
+              <a:pPr algn="ctr">
+                <a:defRPr/>
+              </a:pPr>
+              <a:endParaRPr lang="en-US">
+                <a:solidFill>
+                  <a:srgbClr val="FFFFFF"/>
+                </a:solidFill>
+                <a:latin typeface="Arial"/>
+                <a:ea typeface="ＭＳ Ｐゴシック"/>
+              </a:endParaRPr>
+            </a:p>
+          </p:txBody>
+        </p:sp>
+        <p:sp>
+          <p:nvSpPr>
+            <p:cNvPr id="54" name="Rounded Rectangle 53"/>
+            <p:cNvSpPr/>
+            <p:nvPr/>
+          </p:nvSpPr>
+          <p:spPr>
+            <a:xfrm>
+              <a:off x="4487664" y="2602287"/>
+              <a:ext cx="909460" cy="831737"/>
+            </a:xfrm>
+            <a:prstGeom prst="roundRect">
+              <a:avLst/>
+            </a:prstGeom>
+            <a:solidFill>
+              <a:srgbClr val="FF6600"/>
+            </a:solidFill>
+            <a:ln>
               <a:solidFill>
                 <a:srgbClr val="000000"/>
               </a:solidFill>
-              <a:latin typeface="Arial"/>
-              <a:ea typeface="ＭＳ Ｐゴシック"/>
-            </a:endParaRPr>
-          </a:p>
-        </p:txBody>
-      </p:sp>
-      <p:sp>
-        <p:nvSpPr>
-          <p:cNvPr id="33" name="Rectangle 32"/>
-          <p:cNvSpPr/>
-          <p:nvPr/>
-        </p:nvSpPr>
-        <p:spPr>
-          <a:xfrm>
-            <a:off x="2246620" y="3517623"/>
-            <a:ext cx="909460" cy="280951"/>
-          </a:xfrm>
-          <a:prstGeom prst="rect">
-            <a:avLst/>
-          </a:prstGeom>
-          <a:solidFill>
-            <a:srgbClr val="CCFFCC"/>
-          </a:solidFill>
-          <a:ln>
+            </a:ln>
+            <a:effectLst/>
+          </p:spPr>
+          <p:style>
+            <a:lnRef idx="1">
+              <a:schemeClr val="accent1"/>
+            </a:lnRef>
+            <a:fillRef idx="3">
+              <a:schemeClr val="accent1"/>
+            </a:fillRef>
+            <a:effectRef idx="2">
+              <a:schemeClr val="accent1"/>
+            </a:effectRef>
+            <a:fontRef idx="minor">
+              <a:schemeClr val="lt1"/>
+            </a:fontRef>
+          </p:style>
+          <p:txBody>
+            <a:bodyPr anchor="ctr"/>
+            <a:lstStyle>
+              <a:lvl1pPr>
+                <a:defRPr>
+                  <a:solidFill>
+                    <a:schemeClr val="lt1"/>
+                  </a:solidFill>
+                  <a:latin typeface="+mn-lt"/>
+                  <a:ea typeface="+mn-ea"/>
+                  <a:cs typeface="+mn-cs"/>
+                </a:defRPr>
+              </a:lvl1pPr>
+              <a:lvl2pPr>
+                <a:defRPr>
+                  <a:solidFill>
+                    <a:schemeClr val="lt1"/>
+                  </a:solidFill>
+                  <a:latin typeface="+mn-lt"/>
+                  <a:ea typeface="+mn-ea"/>
+                  <a:cs typeface="+mn-cs"/>
+                </a:defRPr>
+              </a:lvl2pPr>
+              <a:lvl3pPr>
+                <a:defRPr>
+                  <a:solidFill>
+                    <a:schemeClr val="lt1"/>
+                  </a:solidFill>
+                  <a:latin typeface="+mn-lt"/>
+                  <a:ea typeface="+mn-ea"/>
+                  <a:cs typeface="+mn-cs"/>
+                </a:defRPr>
+              </a:lvl3pPr>
+              <a:lvl4pPr>
+                <a:defRPr>
+                  <a:solidFill>
+                    <a:schemeClr val="lt1"/>
+                  </a:solidFill>
+                  <a:latin typeface="+mn-lt"/>
+                  <a:ea typeface="+mn-ea"/>
+                  <a:cs typeface="+mn-cs"/>
+                </a:defRPr>
+              </a:lvl4pPr>
+              <a:lvl5pPr>
+                <a:defRPr>
+                  <a:solidFill>
+                    <a:schemeClr val="lt1"/>
+                  </a:solidFill>
+                  <a:latin typeface="+mn-lt"/>
+                  <a:ea typeface="+mn-ea"/>
+                  <a:cs typeface="+mn-cs"/>
+                </a:defRPr>
+              </a:lvl5pPr>
+              <a:lvl6pPr>
+                <a:defRPr>
+                  <a:solidFill>
+                    <a:schemeClr val="lt1"/>
+                  </a:solidFill>
+                  <a:latin typeface="+mn-lt"/>
+                  <a:ea typeface="+mn-ea"/>
+                  <a:cs typeface="+mn-cs"/>
+                </a:defRPr>
+              </a:lvl6pPr>
+              <a:lvl7pPr>
+                <a:defRPr>
+                  <a:solidFill>
+                    <a:schemeClr val="lt1"/>
+                  </a:solidFill>
+                  <a:latin typeface="+mn-lt"/>
+                  <a:ea typeface="+mn-ea"/>
+                  <a:cs typeface="+mn-cs"/>
+                </a:defRPr>
+              </a:lvl7pPr>
+              <a:lvl8pPr>
+                <a:defRPr>
+                  <a:solidFill>
+                    <a:schemeClr val="lt1"/>
+                  </a:solidFill>
+                  <a:latin typeface="+mn-lt"/>
+                  <a:ea typeface="+mn-ea"/>
+                  <a:cs typeface="+mn-cs"/>
+                </a:defRPr>
+              </a:lvl8pPr>
+              <a:lvl9pPr>
+                <a:defRPr>
+                  <a:solidFill>
+                    <a:schemeClr val="lt1"/>
+                  </a:solidFill>
+                  <a:latin typeface="+mn-lt"/>
+                  <a:ea typeface="+mn-ea"/>
+                  <a:cs typeface="+mn-cs"/>
+                </a:defRPr>
+              </a:lvl9pPr>
+            </a:lstStyle>
+            <a:p>
+              <a:pPr algn="ctr">
+                <a:defRPr/>
+              </a:pPr>
+              <a:r>
+                <a:rPr lang="en-US" b="1" kern="1200" dirty="0" smtClean="0">
+                  <a:solidFill>
+                    <a:srgbClr val="000000"/>
+                  </a:solidFill>
+                  <a:latin typeface="Arial"/>
+                  <a:ea typeface="ＭＳ Ｐゴシック"/>
+                </a:rPr>
+                <a:t>P1</a:t>
+              </a:r>
+              <a:endParaRPr lang="en-US" b="1" kern="1200" dirty="0">
+                <a:solidFill>
+                  <a:srgbClr val="000000"/>
+                </a:solidFill>
+                <a:latin typeface="Arial"/>
+                <a:ea typeface="ＭＳ Ｐゴシック"/>
+              </a:endParaRPr>
+            </a:p>
+          </p:txBody>
+        </p:sp>
+        <p:sp>
+          <p:nvSpPr>
+            <p:cNvPr id="57" name="Rounded Rectangle 56"/>
+            <p:cNvSpPr/>
+            <p:nvPr/>
+          </p:nvSpPr>
+          <p:spPr>
+            <a:xfrm>
+              <a:off x="5822453" y="2608592"/>
+              <a:ext cx="909460" cy="820500"/>
+            </a:xfrm>
+            <a:prstGeom prst="roundRect">
+              <a:avLst/>
+            </a:prstGeom>
             <a:solidFill>
-              <a:schemeClr val="tx1"/>
+              <a:srgbClr val="FF6600"/>
             </a:solidFill>
-          </a:ln>
-          <a:effectLst/>
-        </p:spPr>
-        <p:style>
-          <a:lnRef idx="1">
-            <a:schemeClr val="accent1"/>
-          </a:lnRef>
-          <a:fillRef idx="3">
-            <a:schemeClr val="accent1"/>
-          </a:fillRef>
-          <a:effectRef idx="2">
-            <a:schemeClr val="accent1"/>
-          </a:effectRef>
-          <a:fontRef idx="minor">
-            <a:schemeClr val="lt1"/>
-          </a:fontRef>
-        </p:style>
-        <p:txBody>
-          <a:bodyPr rtlCol="0" anchor="ctr"/>
-          <a:lstStyle/>
-          <a:p>
-            <a:pPr algn="ctr"/>
-            <a:r>
-              <a:rPr lang="en-US" dirty="0" smtClean="0">
+            <a:ln>
+              <a:solidFill>
+                <a:srgbClr val="000000"/>
+              </a:solidFill>
+            </a:ln>
+            <a:effectLst/>
+          </p:spPr>
+          <p:style>
+            <a:lnRef idx="1">
+              <a:schemeClr val="accent1"/>
+            </a:lnRef>
+            <a:fillRef idx="3">
+              <a:schemeClr val="accent1"/>
+            </a:fillRef>
+            <a:effectRef idx="2">
+              <a:schemeClr val="accent1"/>
+            </a:effectRef>
+            <a:fontRef idx="minor">
+              <a:schemeClr val="lt1"/>
+            </a:fontRef>
+          </p:style>
+          <p:txBody>
+            <a:bodyPr anchor="ctr"/>
+            <a:lstStyle>
+              <a:lvl1pPr>
+                <a:defRPr>
+                  <a:solidFill>
+                    <a:schemeClr val="lt1"/>
+                  </a:solidFill>
+                  <a:latin typeface="+mn-lt"/>
+                  <a:ea typeface="+mn-ea"/>
+                  <a:cs typeface="+mn-cs"/>
+                </a:defRPr>
+              </a:lvl1pPr>
+              <a:lvl2pPr>
+                <a:defRPr>
+                  <a:solidFill>
+                    <a:schemeClr val="lt1"/>
+                  </a:solidFill>
+                  <a:latin typeface="+mn-lt"/>
+                  <a:ea typeface="+mn-ea"/>
+                  <a:cs typeface="+mn-cs"/>
+                </a:defRPr>
+              </a:lvl2pPr>
+              <a:lvl3pPr>
+                <a:defRPr>
+                  <a:solidFill>
+                    <a:schemeClr val="lt1"/>
+                  </a:solidFill>
+                  <a:latin typeface="+mn-lt"/>
+                  <a:ea typeface="+mn-ea"/>
+                  <a:cs typeface="+mn-cs"/>
+                </a:defRPr>
+              </a:lvl3pPr>
+              <a:lvl4pPr>
+                <a:defRPr>
+                  <a:solidFill>
+                    <a:schemeClr val="lt1"/>
+                  </a:solidFill>
+                  <a:latin typeface="+mn-lt"/>
+                  <a:ea typeface="+mn-ea"/>
+                  <a:cs typeface="+mn-cs"/>
+                </a:defRPr>
+              </a:lvl4pPr>
+              <a:lvl5pPr>
+                <a:defRPr>
+                  <a:solidFill>
+                    <a:schemeClr val="lt1"/>
+                  </a:solidFill>
+                  <a:latin typeface="+mn-lt"/>
+                  <a:ea typeface="+mn-ea"/>
+                  <a:cs typeface="+mn-cs"/>
+                </a:defRPr>
+              </a:lvl5pPr>
+              <a:lvl6pPr>
+                <a:defRPr>
+                  <a:solidFill>
+                    <a:schemeClr val="lt1"/>
+                  </a:solidFill>
+                  <a:latin typeface="+mn-lt"/>
+                  <a:ea typeface="+mn-ea"/>
+                  <a:cs typeface="+mn-cs"/>
+                </a:defRPr>
+              </a:lvl6pPr>
+              <a:lvl7pPr>
+                <a:defRPr>
+                  <a:solidFill>
+                    <a:schemeClr val="lt1"/>
+                  </a:solidFill>
+                  <a:latin typeface="+mn-lt"/>
+                  <a:ea typeface="+mn-ea"/>
+                  <a:cs typeface="+mn-cs"/>
+                </a:defRPr>
+              </a:lvl7pPr>
+              <a:lvl8pPr>
+                <a:defRPr>
+                  <a:solidFill>
+                    <a:schemeClr val="lt1"/>
+                  </a:solidFill>
+                  <a:latin typeface="+mn-lt"/>
+                  <a:ea typeface="+mn-ea"/>
+                  <a:cs typeface="+mn-cs"/>
+                </a:defRPr>
+              </a:lvl8pPr>
+              <a:lvl9pPr>
+                <a:defRPr>
+                  <a:solidFill>
+                    <a:schemeClr val="lt1"/>
+                  </a:solidFill>
+                  <a:latin typeface="+mn-lt"/>
+                  <a:ea typeface="+mn-ea"/>
+                  <a:cs typeface="+mn-cs"/>
+                </a:defRPr>
+              </a:lvl9pPr>
+            </a:lstStyle>
+            <a:p>
+              <a:pPr algn="ctr">
+                <a:defRPr/>
+              </a:pPr>
+              <a:r>
+                <a:rPr lang="en-US" b="1" dirty="0" smtClean="0">
+                  <a:solidFill>
+                    <a:srgbClr val="000000"/>
+                  </a:solidFill>
+                  <a:latin typeface="Arial"/>
+                  <a:ea typeface="ＭＳ Ｐゴシック"/>
+                </a:rPr>
+                <a:t>T1</a:t>
+              </a:r>
+              <a:endParaRPr lang="en-US" b="1" kern="1200" dirty="0">
                 <a:solidFill>
-                  <a:schemeClr val="tx1"/>
+                  <a:srgbClr val="000000"/>
                 </a:solidFill>
-              </a:rPr>
-              <a:t>NAT</a:t>
-            </a:r>
-            <a:endParaRPr lang="en-US" dirty="0">
+                <a:latin typeface="Arial"/>
+                <a:ea typeface="ＭＳ Ｐゴシック"/>
+              </a:endParaRPr>
+            </a:p>
+          </p:txBody>
+        </p:sp>
+        <p:sp>
+          <p:nvSpPr>
+            <p:cNvPr id="59" name="Rectangle 58"/>
+            <p:cNvSpPr/>
+            <p:nvPr/>
+          </p:nvSpPr>
+          <p:spPr>
+            <a:xfrm>
+              <a:off x="4277827" y="961537"/>
+              <a:ext cx="2582044" cy="606853"/>
+            </a:xfrm>
+            <a:prstGeom prst="rect">
+              <a:avLst/>
+            </a:prstGeom>
+            <a:solidFill>
+              <a:schemeClr val="accent5"/>
+            </a:solidFill>
+            <a:ln>
               <a:solidFill>
                 <a:schemeClr val="tx1"/>
               </a:solidFill>
-            </a:endParaRPr>
-          </a:p>
-        </p:txBody>
-      </p:sp>
-      <p:sp>
-        <p:nvSpPr>
-          <p:cNvPr id="4" name="Rectangle 3"/>
-          <p:cNvSpPr/>
-          <p:nvPr/>
-        </p:nvSpPr>
-        <p:spPr>
-          <a:xfrm>
-            <a:off x="720137" y="977707"/>
-            <a:ext cx="2582044" cy="606853"/>
-          </a:xfrm>
-          <a:prstGeom prst="rect">
-            <a:avLst/>
-          </a:prstGeom>
-          <a:solidFill>
-            <a:schemeClr val="accent5"/>
-          </a:solidFill>
-          <a:ln>
-            <a:solidFill>
-              <a:schemeClr val="tx1"/>
-            </a:solidFill>
-          </a:ln>
-          <a:effectLst/>
-        </p:spPr>
-        <p:style>
-          <a:lnRef idx="1">
-            <a:schemeClr val="accent1"/>
-          </a:lnRef>
-          <a:fillRef idx="3">
-            <a:schemeClr val="accent1"/>
-          </a:fillRef>
-          <a:effectRef idx="2">
-            <a:schemeClr val="accent1"/>
-          </a:effectRef>
-          <a:fontRef idx="minor">
-            <a:schemeClr val="lt1"/>
-          </a:fontRef>
-        </p:style>
-        <p:txBody>
-          <a:bodyPr rtlCol="0" anchor="ctr"/>
-          <a:lstStyle/>
-          <a:p>
-            <a:pPr algn="ctr"/>
-            <a:r>
-              <a:rPr lang="en-US" dirty="0" smtClean="0">
+            </a:ln>
+            <a:effectLst/>
+          </p:spPr>
+          <p:style>
+            <a:lnRef idx="1">
+              <a:schemeClr val="accent1"/>
+            </a:lnRef>
+            <a:fillRef idx="3">
+              <a:schemeClr val="accent1"/>
+            </a:fillRef>
+            <a:effectRef idx="2">
+              <a:schemeClr val="accent1"/>
+            </a:effectRef>
+            <a:fontRef idx="minor">
+              <a:schemeClr val="lt1"/>
+            </a:fontRef>
+          </p:style>
+          <p:txBody>
+            <a:bodyPr rtlCol="0" anchor="ctr"/>
+            <a:lstStyle/>
+            <a:p>
+              <a:pPr algn="ctr"/>
+              <a:r>
+                <a:rPr lang="en-US" b="1" dirty="0" smtClean="0">
+                  <a:solidFill>
+                    <a:srgbClr val="000000"/>
+                  </a:solidFill>
+                </a:rPr>
+                <a:t>Clone Manager</a:t>
+              </a:r>
+              <a:endParaRPr lang="en-US" b="1" dirty="0">
                 <a:solidFill>
                   <a:srgbClr val="000000"/>
                 </a:solidFill>
-              </a:rPr>
-              <a:t>Clone Manager</a:t>
-            </a:r>
-            <a:endParaRPr lang="en-US" dirty="0">
+              </a:endParaRPr>
+            </a:p>
+          </p:txBody>
+        </p:sp>
+        <p:cxnSp>
+          <p:nvCxnSpPr>
+            <p:cNvPr id="60" name="Straight Arrow Connector 59"/>
+            <p:cNvCxnSpPr>
+              <a:stCxn id="59" idx="2"/>
+              <a:endCxn id="53" idx="0"/>
+            </p:cNvCxnSpPr>
+            <p:nvPr/>
+          </p:nvCxnSpPr>
+          <p:spPr>
+            <a:xfrm>
+              <a:off x="5568849" y="1568390"/>
+              <a:ext cx="2040" cy="337141"/>
+            </a:xfrm>
+            <a:prstGeom prst="straightConnector1">
+              <a:avLst/>
+            </a:prstGeom>
+            <a:ln>
               <a:solidFill>
-                <a:srgbClr val="000000"/>
+                <a:schemeClr val="tx1"/>
               </a:solidFill>
-            </a:endParaRPr>
-          </a:p>
-        </p:txBody>
-      </p:sp>
+              <a:prstDash val="dash"/>
+              <a:tailEnd type="arrow"/>
+            </a:ln>
+            <a:effectLst/>
+          </p:spPr>
+          <p:style>
+            <a:lnRef idx="2">
+              <a:schemeClr val="accent1"/>
+            </a:lnRef>
+            <a:fillRef idx="0">
+              <a:schemeClr val="accent1"/>
+            </a:fillRef>
+            <a:effectRef idx="1">
+              <a:schemeClr val="accent1"/>
+            </a:effectRef>
+            <a:fontRef idx="minor">
+              <a:schemeClr val="tx1"/>
+            </a:fontRef>
+          </p:style>
+        </p:cxnSp>
+        <p:sp>
+          <p:nvSpPr>
+            <p:cNvPr id="63" name="Rectangle 62"/>
+            <p:cNvSpPr/>
+            <p:nvPr/>
+          </p:nvSpPr>
+          <p:spPr>
+            <a:xfrm>
+              <a:off x="4498902" y="2017911"/>
+              <a:ext cx="2322923" cy="370855"/>
+            </a:xfrm>
+            <a:prstGeom prst="rect">
+              <a:avLst/>
+            </a:prstGeom>
+            <a:solidFill>
+              <a:schemeClr val="tx2">
+                <a:lumMod val="40000"/>
+                <a:lumOff val="60000"/>
+              </a:schemeClr>
+            </a:solidFill>
+            <a:ln>
+              <a:solidFill>
+                <a:schemeClr val="tx1"/>
+              </a:solidFill>
+            </a:ln>
+            <a:effectLst/>
+          </p:spPr>
+          <p:style>
+            <a:lnRef idx="1">
+              <a:schemeClr val="accent1"/>
+            </a:lnRef>
+            <a:fillRef idx="3">
+              <a:schemeClr val="accent1"/>
+            </a:fillRef>
+            <a:effectRef idx="2">
+              <a:schemeClr val="accent1"/>
+            </a:effectRef>
+            <a:fontRef idx="minor">
+              <a:schemeClr val="lt1"/>
+            </a:fontRef>
+          </p:style>
+          <p:txBody>
+            <a:bodyPr rtlCol="0" anchor="ctr"/>
+            <a:lstStyle/>
+            <a:p>
+              <a:pPr algn="ctr"/>
+              <a:r>
+                <a:rPr lang="en-US" b="1" dirty="0" smtClean="0">
+                  <a:solidFill>
+                    <a:srgbClr val="000000"/>
+                  </a:solidFill>
+                </a:rPr>
+                <a:t>Agent</a:t>
+              </a:r>
+              <a:endParaRPr lang="en-US" b="1" dirty="0">
+                <a:solidFill>
+                  <a:srgbClr val="000000"/>
+                </a:solidFill>
+              </a:endParaRPr>
+            </a:p>
+          </p:txBody>
+        </p:sp>
+        <p:sp>
+          <p:nvSpPr>
+            <p:cNvPr id="26" name="Rectangle 25"/>
+            <p:cNvSpPr/>
+            <p:nvPr/>
+          </p:nvSpPr>
+          <p:spPr>
+            <a:xfrm>
+              <a:off x="4322783" y="2541164"/>
+              <a:ext cx="1223588" cy="1257410"/>
+            </a:xfrm>
+            <a:prstGeom prst="rect">
+              <a:avLst/>
+            </a:prstGeom>
+            <a:noFill/>
+            <a:ln w="15875">
+              <a:solidFill>
+                <a:schemeClr val="tx1"/>
+              </a:solidFill>
+              <a:prstDash val="dash"/>
+            </a:ln>
+            <a:effectLst/>
+          </p:spPr>
+          <p:style>
+            <a:lnRef idx="1">
+              <a:schemeClr val="accent1"/>
+            </a:lnRef>
+            <a:fillRef idx="3">
+              <a:schemeClr val="accent1"/>
+            </a:fillRef>
+            <a:effectRef idx="2">
+              <a:schemeClr val="accent1"/>
+            </a:effectRef>
+            <a:fontRef idx="minor">
+              <a:schemeClr val="lt1"/>
+            </a:fontRef>
+          </p:style>
+          <p:txBody>
+            <a:bodyPr rtlCol="0" anchor="ctr"/>
+            <a:lstStyle/>
+            <a:p>
+              <a:pPr algn="ctr"/>
+              <a:endParaRPr lang="en-US" dirty="0" smtClean="0"/>
+            </a:p>
+            <a:p>
+              <a:pPr algn="ctr"/>
+              <a:endParaRPr lang="en-US" sz="1200" dirty="0" smtClean="0">
+                <a:solidFill>
+                  <a:srgbClr val="000000"/>
+                </a:solidFill>
+              </a:endParaRPr>
+            </a:p>
+            <a:p>
+              <a:pPr algn="ctr"/>
+              <a:endParaRPr lang="en-US" sz="1200" dirty="0">
+                <a:solidFill>
+                  <a:srgbClr val="000000"/>
+                </a:solidFill>
+              </a:endParaRPr>
+            </a:p>
+            <a:p>
+              <a:pPr algn="ctr"/>
+              <a:endParaRPr lang="en-US" sz="1200" dirty="0" smtClean="0">
+                <a:solidFill>
+                  <a:srgbClr val="000000"/>
+                </a:solidFill>
+              </a:endParaRPr>
+            </a:p>
+            <a:p>
+              <a:pPr algn="ctr"/>
+              <a:r>
+                <a:rPr lang="en-US" sz="1200" b="1" dirty="0" smtClean="0">
+                  <a:solidFill>
+                    <a:srgbClr val="000000"/>
+                  </a:solidFill>
+                </a:rPr>
+                <a:t>IP namespace 1</a:t>
+              </a:r>
+              <a:endParaRPr lang="en-US" sz="1200" b="1" dirty="0">
+                <a:solidFill>
+                  <a:srgbClr val="000000"/>
+                </a:solidFill>
+              </a:endParaRPr>
+            </a:p>
+          </p:txBody>
+        </p:sp>
+        <p:sp>
+          <p:nvSpPr>
+            <p:cNvPr id="67" name="Rectangle 66"/>
+            <p:cNvSpPr/>
+            <p:nvPr/>
+          </p:nvSpPr>
+          <p:spPr>
+            <a:xfrm>
+              <a:off x="5658761" y="2537604"/>
+              <a:ext cx="1223588" cy="1257410"/>
+            </a:xfrm>
+            <a:prstGeom prst="rect">
+              <a:avLst/>
+            </a:prstGeom>
+            <a:noFill/>
+            <a:ln w="15875">
+              <a:solidFill>
+                <a:schemeClr val="tx1"/>
+              </a:solidFill>
+              <a:prstDash val="dash"/>
+            </a:ln>
+            <a:effectLst/>
+          </p:spPr>
+          <p:style>
+            <a:lnRef idx="1">
+              <a:schemeClr val="accent1"/>
+            </a:lnRef>
+            <a:fillRef idx="3">
+              <a:schemeClr val="accent1"/>
+            </a:fillRef>
+            <a:effectRef idx="2">
+              <a:schemeClr val="accent1"/>
+            </a:effectRef>
+            <a:fontRef idx="minor">
+              <a:schemeClr val="lt1"/>
+            </a:fontRef>
+          </p:style>
+          <p:txBody>
+            <a:bodyPr rtlCol="0" anchor="ctr"/>
+            <a:lstStyle/>
+            <a:p>
+              <a:pPr algn="ctr"/>
+              <a:endParaRPr lang="en-US" dirty="0" smtClean="0"/>
+            </a:p>
+            <a:p>
+              <a:pPr algn="ctr"/>
+              <a:endParaRPr lang="en-US" sz="1200" dirty="0" smtClean="0">
+                <a:solidFill>
+                  <a:srgbClr val="000000"/>
+                </a:solidFill>
+              </a:endParaRPr>
+            </a:p>
+            <a:p>
+              <a:pPr algn="ctr"/>
+              <a:endParaRPr lang="en-US" sz="1200" dirty="0">
+                <a:solidFill>
+                  <a:srgbClr val="000000"/>
+                </a:solidFill>
+              </a:endParaRPr>
+            </a:p>
+            <a:p>
+              <a:pPr algn="ctr"/>
+              <a:endParaRPr lang="en-US" sz="1200" dirty="0" smtClean="0">
+                <a:solidFill>
+                  <a:srgbClr val="000000"/>
+                </a:solidFill>
+              </a:endParaRPr>
+            </a:p>
+            <a:p>
+              <a:pPr algn="ctr"/>
+              <a:r>
+                <a:rPr lang="en-US" sz="1200" b="1" dirty="0" smtClean="0">
+                  <a:solidFill>
+                    <a:srgbClr val="000000"/>
+                  </a:solidFill>
+                </a:rPr>
+                <a:t>IP namespace 2</a:t>
+              </a:r>
+              <a:endParaRPr lang="en-US" sz="1200" b="1" dirty="0">
+                <a:solidFill>
+                  <a:srgbClr val="000000"/>
+                </a:solidFill>
+              </a:endParaRPr>
+            </a:p>
+          </p:txBody>
+        </p:sp>
+        <p:cxnSp>
+          <p:nvCxnSpPr>
+            <p:cNvPr id="71" name="Straight Arrow Connector 70"/>
+            <p:cNvCxnSpPr/>
+            <p:nvPr/>
+          </p:nvCxnSpPr>
+          <p:spPr>
+            <a:xfrm>
+              <a:off x="4945786" y="3910954"/>
+              <a:ext cx="2040" cy="337141"/>
+            </a:xfrm>
+            <a:prstGeom prst="straightConnector1">
+              <a:avLst/>
+            </a:prstGeom>
+            <a:ln>
+              <a:solidFill>
+                <a:schemeClr val="tx1"/>
+              </a:solidFill>
+              <a:prstDash val="solid"/>
+              <a:tailEnd type="arrow"/>
+            </a:ln>
+            <a:effectLst/>
+          </p:spPr>
+          <p:style>
+            <a:lnRef idx="2">
+              <a:schemeClr val="accent1"/>
+            </a:lnRef>
+            <a:fillRef idx="0">
+              <a:schemeClr val="accent1"/>
+            </a:fillRef>
+            <a:effectRef idx="1">
+              <a:schemeClr val="accent1"/>
+            </a:effectRef>
+            <a:fontRef idx="minor">
+              <a:schemeClr val="tx1"/>
+            </a:fontRef>
+          </p:style>
+        </p:cxnSp>
+        <p:cxnSp>
+          <p:nvCxnSpPr>
+            <p:cNvPr id="72" name="Straight Arrow Connector 71"/>
+            <p:cNvCxnSpPr/>
+            <p:nvPr/>
+          </p:nvCxnSpPr>
+          <p:spPr>
+            <a:xfrm>
+              <a:off x="6226985" y="3910954"/>
+              <a:ext cx="2040" cy="337141"/>
+            </a:xfrm>
+            <a:prstGeom prst="straightConnector1">
+              <a:avLst/>
+            </a:prstGeom>
+            <a:ln>
+              <a:solidFill>
+                <a:schemeClr val="tx1"/>
+              </a:solidFill>
+              <a:prstDash val="solid"/>
+              <a:tailEnd type="arrow"/>
+            </a:ln>
+            <a:effectLst/>
+          </p:spPr>
+          <p:style>
+            <a:lnRef idx="2">
+              <a:schemeClr val="accent1"/>
+            </a:lnRef>
+            <a:fillRef idx="0">
+              <a:schemeClr val="accent1"/>
+            </a:fillRef>
+            <a:effectRef idx="1">
+              <a:schemeClr val="accent1"/>
+            </a:effectRef>
+            <a:fontRef idx="minor">
+              <a:schemeClr val="tx1"/>
+            </a:fontRef>
+          </p:style>
+        </p:cxnSp>
+        <p:sp>
+          <p:nvSpPr>
+            <p:cNvPr id="28" name="TextBox 27"/>
+            <p:cNvSpPr txBox="1"/>
+            <p:nvPr/>
+          </p:nvSpPr>
+          <p:spPr>
+            <a:xfrm>
+              <a:off x="4587618" y="4155338"/>
+              <a:ext cx="1984940" cy="307777"/>
+            </a:xfrm>
+            <a:prstGeom prst="rect">
+              <a:avLst/>
+            </a:prstGeom>
+            <a:noFill/>
+          </p:spPr>
+          <p:txBody>
+            <a:bodyPr wrap="square" rtlCol="0">
+              <a:spAutoFit/>
+            </a:bodyPr>
+            <a:lstStyle/>
+            <a:p>
+              <a:pPr algn="ctr"/>
+              <a:r>
+                <a:rPr lang="en-US" sz="1400" b="1" dirty="0" smtClean="0"/>
+                <a:t>To/From Duplicator</a:t>
+              </a:r>
+              <a:endParaRPr lang="en-US" sz="1400" b="1" dirty="0"/>
+            </a:p>
+          </p:txBody>
+        </p:sp>
+      </p:grpSp>
       <p:cxnSp>
         <p:nvCxnSpPr>
-          <p:cNvPr id="12" name="Straight Arrow Connector 11"/>
-          <p:cNvCxnSpPr>
-            <a:stCxn id="4" idx="2"/>
-            <a:endCxn id="7" idx="0"/>
-          </p:cNvCxnSpPr>
+          <p:cNvPr id="9" name="Straight Connector 8"/>
+          <p:cNvCxnSpPr/>
           <p:nvPr/>
         </p:nvCxnSpPr>
         <p:spPr>
-          <a:xfrm flipH="1">
-            <a:off x="1313500" y="1584560"/>
-            <a:ext cx="697659" cy="337141"/>
+          <a:xfrm>
+            <a:off x="3450248" y="438283"/>
+            <a:ext cx="0" cy="3825982"/>
           </a:xfrm>
-          <a:prstGeom prst="straightConnector1">
+          <a:prstGeom prst="line">
             <a:avLst/>
           </a:prstGeom>
           <a:ln>
             <a:solidFill>
               <a:schemeClr val="tx1"/>
             </a:solidFill>
-            <a:prstDash val="dash"/>
-            <a:tailEnd type="arrow"/>
-          </a:ln>
-          <a:effectLst/>
-        </p:spPr>
-        <p:style>
-          <a:lnRef idx="2">
-            <a:schemeClr val="accent1"/>
-          </a:lnRef>
-          <a:fillRef idx="0">
-            <a:schemeClr val="accent1"/>
-          </a:fillRef>
-          <a:effectRef idx="1">
-            <a:schemeClr val="accent1"/>
-          </a:effectRef>
-          <a:fontRef idx="minor">
-            <a:schemeClr val="tx1"/>
-          </a:fontRef>
-        </p:style>
-      </p:cxnSp>
-      <p:cxnSp>
-        <p:nvCxnSpPr>
-          <p:cNvPr id="40" name="Straight Arrow Connector 39"/>
-          <p:cNvCxnSpPr>
-            <a:stCxn id="4" idx="2"/>
-            <a:endCxn id="31" idx="0"/>
-          </p:cNvCxnSpPr>
-          <p:nvPr/>
-        </p:nvCxnSpPr>
-        <p:spPr>
-          <a:xfrm>
-            <a:off x="2011159" y="1584560"/>
-            <a:ext cx="697660" cy="337141"/>
-          </a:xfrm>
-          <a:prstGeom prst="straightConnector1">
-            <a:avLst/>
-          </a:prstGeom>
-          <a:ln>
-            <a:solidFill>
-              <a:schemeClr val="tx1"/>
-            </a:solidFill>
-            <a:prstDash val="dash"/>
-            <a:tailEnd type="arrow"/>
+            <a:prstDash val="lgDash"/>
           </a:ln>
           <a:effectLst/>
         </p:spPr>
@@ -5208,844 +6317,78 @@
       </p:cxnSp>
       <p:sp>
         <p:nvSpPr>
-          <p:cNvPr id="23" name="Rectangle 22"/>
-          <p:cNvSpPr/>
+          <p:cNvPr id="14" name="TextBox 13"/>
+          <p:cNvSpPr txBox="1"/>
           <p:nvPr/>
         </p:nvSpPr>
         <p:spPr>
           <a:xfrm>
-            <a:off x="851301" y="2034081"/>
-            <a:ext cx="909460" cy="370855"/>
-          </a:xfrm>
-          <a:prstGeom prst="rect">
-            <a:avLst/>
-          </a:prstGeom>
-          <a:solidFill>
-            <a:schemeClr val="tx2">
-              <a:lumMod val="40000"/>
-              <a:lumOff val="60000"/>
-            </a:schemeClr>
-          </a:solidFill>
-          <a:ln>
-            <a:solidFill>
-              <a:schemeClr val="tx1"/>
-            </a:solidFill>
-          </a:ln>
-          <a:effectLst/>
-        </p:spPr>
-        <p:style>
-          <a:lnRef idx="1">
-            <a:schemeClr val="accent1"/>
-          </a:lnRef>
-          <a:fillRef idx="3">
-            <a:schemeClr val="accent1"/>
-          </a:fillRef>
-          <a:effectRef idx="2">
-            <a:schemeClr val="accent1"/>
-          </a:effectRef>
-          <a:fontRef idx="minor">
-            <a:schemeClr val="lt1"/>
-          </a:fontRef>
-        </p:style>
-        <p:txBody>
-          <a:bodyPr rtlCol="0" anchor="ctr"/>
-          <a:lstStyle/>
-          <a:p>
-            <a:pPr algn="ctr"/>
-            <a:r>
-              <a:rPr lang="en-US" dirty="0" smtClean="0">
-                <a:solidFill>
-                  <a:srgbClr val="000000"/>
-                </a:solidFill>
-              </a:rPr>
-              <a:t>Agent</a:t>
-            </a:r>
-            <a:endParaRPr lang="en-US" dirty="0">
-              <a:solidFill>
-                <a:srgbClr val="000000"/>
-              </a:solidFill>
-            </a:endParaRPr>
-          </a:p>
-        </p:txBody>
-      </p:sp>
-      <p:sp>
-        <p:nvSpPr>
-          <p:cNvPr id="52" name="Rectangle 51"/>
-          <p:cNvSpPr/>
-          <p:nvPr/>
-        </p:nvSpPr>
-        <p:spPr>
-          <a:xfrm>
-            <a:off x="2254089" y="2034081"/>
-            <a:ext cx="909460" cy="370855"/>
-          </a:xfrm>
-          <a:prstGeom prst="rect">
-            <a:avLst/>
-          </a:prstGeom>
-          <a:solidFill>
-            <a:schemeClr val="tx2">
-              <a:lumMod val="40000"/>
-              <a:lumOff val="60000"/>
-            </a:schemeClr>
-          </a:solidFill>
-          <a:ln>
-            <a:solidFill>
-              <a:schemeClr val="tx1"/>
-            </a:solidFill>
-          </a:ln>
-          <a:effectLst/>
-        </p:spPr>
-        <p:style>
-          <a:lnRef idx="1">
-            <a:schemeClr val="accent1"/>
-          </a:lnRef>
-          <a:fillRef idx="3">
-            <a:schemeClr val="accent1"/>
-          </a:fillRef>
-          <a:effectRef idx="2">
-            <a:schemeClr val="accent1"/>
-          </a:effectRef>
-          <a:fontRef idx="minor">
-            <a:schemeClr val="lt1"/>
-          </a:fontRef>
-        </p:style>
-        <p:txBody>
-          <a:bodyPr rtlCol="0" anchor="ctr"/>
-          <a:lstStyle/>
-          <a:p>
-            <a:pPr algn="ctr"/>
-            <a:r>
-              <a:rPr lang="en-US" dirty="0" smtClean="0">
-                <a:solidFill>
-                  <a:srgbClr val="000000"/>
-                </a:solidFill>
-              </a:rPr>
-              <a:t>Agent</a:t>
-            </a:r>
-            <a:endParaRPr lang="en-US" dirty="0">
-              <a:solidFill>
-                <a:srgbClr val="000000"/>
-              </a:solidFill>
-            </a:endParaRPr>
-          </a:p>
-        </p:txBody>
-      </p:sp>
-      <p:sp>
-        <p:nvSpPr>
-          <p:cNvPr id="53" name="Rounded Rectangle 52"/>
-          <p:cNvSpPr/>
-          <p:nvPr/>
-        </p:nvSpPr>
-        <p:spPr>
-          <a:xfrm>
-            <a:off x="4191995" y="1905531"/>
-            <a:ext cx="2757788" cy="2000491"/>
-          </a:xfrm>
-          <a:prstGeom prst="roundRect">
-            <a:avLst>
-              <a:gd name="adj" fmla="val 7797"/>
-            </a:avLst>
-          </a:prstGeom>
-          <a:solidFill>
-            <a:schemeClr val="bg1">
-              <a:lumMod val="85000"/>
-            </a:schemeClr>
-          </a:solidFill>
-          <a:ln w="38100" cmpd="sng">
-            <a:solidFill>
-              <a:schemeClr val="tx1"/>
-            </a:solidFill>
-          </a:ln>
-        </p:spPr>
-        <p:style>
-          <a:lnRef idx="1">
-            <a:schemeClr val="accent1"/>
-          </a:lnRef>
-          <a:fillRef idx="3">
-            <a:schemeClr val="accent1"/>
-          </a:fillRef>
-          <a:effectRef idx="2">
-            <a:schemeClr val="accent1"/>
-          </a:effectRef>
-          <a:fontRef idx="minor">
-            <a:schemeClr val="lt1"/>
-          </a:fontRef>
-        </p:style>
-        <p:txBody>
-          <a:bodyPr anchor="ctr"/>
-          <a:lstStyle/>
-          <a:p>
-            <a:pPr algn="ctr">
-              <a:defRPr/>
-            </a:pPr>
-            <a:endParaRPr lang="en-US">
-              <a:solidFill>
-                <a:srgbClr val="FFFFFF"/>
-              </a:solidFill>
-              <a:latin typeface="Arial"/>
-              <a:ea typeface="ＭＳ Ｐゴシック"/>
-            </a:endParaRPr>
-          </a:p>
-        </p:txBody>
-      </p:sp>
-      <p:sp>
-        <p:nvSpPr>
-          <p:cNvPr id="54" name="Rounded Rectangle 53"/>
-          <p:cNvSpPr/>
-          <p:nvPr/>
-        </p:nvSpPr>
-        <p:spPr>
-          <a:xfrm>
-            <a:off x="4487664" y="2602287"/>
-            <a:ext cx="909460" cy="831737"/>
-          </a:xfrm>
-          <a:prstGeom prst="roundRect">
-            <a:avLst/>
-          </a:prstGeom>
-          <a:solidFill>
-            <a:srgbClr val="FF6600"/>
-          </a:solidFill>
-          <a:ln>
-            <a:solidFill>
-              <a:srgbClr val="000000"/>
-            </a:solidFill>
-          </a:ln>
-          <a:effectLst/>
-        </p:spPr>
-        <p:style>
-          <a:lnRef idx="1">
-            <a:schemeClr val="accent1"/>
-          </a:lnRef>
-          <a:fillRef idx="3">
-            <a:schemeClr val="accent1"/>
-          </a:fillRef>
-          <a:effectRef idx="2">
-            <a:schemeClr val="accent1"/>
-          </a:effectRef>
-          <a:fontRef idx="minor">
-            <a:schemeClr val="lt1"/>
-          </a:fontRef>
-        </p:style>
-        <p:txBody>
-          <a:bodyPr anchor="ctr"/>
-          <a:lstStyle>
-            <a:lvl1pPr>
-              <a:defRPr>
-                <a:solidFill>
-                  <a:schemeClr val="lt1"/>
-                </a:solidFill>
-                <a:latin typeface="+mn-lt"/>
-                <a:ea typeface="+mn-ea"/>
-                <a:cs typeface="+mn-cs"/>
-              </a:defRPr>
-            </a:lvl1pPr>
-            <a:lvl2pPr>
-              <a:defRPr>
-                <a:solidFill>
-                  <a:schemeClr val="lt1"/>
-                </a:solidFill>
-                <a:latin typeface="+mn-lt"/>
-                <a:ea typeface="+mn-ea"/>
-                <a:cs typeface="+mn-cs"/>
-              </a:defRPr>
-            </a:lvl2pPr>
-            <a:lvl3pPr>
-              <a:defRPr>
-                <a:solidFill>
-                  <a:schemeClr val="lt1"/>
-                </a:solidFill>
-                <a:latin typeface="+mn-lt"/>
-                <a:ea typeface="+mn-ea"/>
-                <a:cs typeface="+mn-cs"/>
-              </a:defRPr>
-            </a:lvl3pPr>
-            <a:lvl4pPr>
-              <a:defRPr>
-                <a:solidFill>
-                  <a:schemeClr val="lt1"/>
-                </a:solidFill>
-                <a:latin typeface="+mn-lt"/>
-                <a:ea typeface="+mn-ea"/>
-                <a:cs typeface="+mn-cs"/>
-              </a:defRPr>
-            </a:lvl4pPr>
-            <a:lvl5pPr>
-              <a:defRPr>
-                <a:solidFill>
-                  <a:schemeClr val="lt1"/>
-                </a:solidFill>
-                <a:latin typeface="+mn-lt"/>
-                <a:ea typeface="+mn-ea"/>
-                <a:cs typeface="+mn-cs"/>
-              </a:defRPr>
-            </a:lvl5pPr>
-            <a:lvl6pPr>
-              <a:defRPr>
-                <a:solidFill>
-                  <a:schemeClr val="lt1"/>
-                </a:solidFill>
-                <a:latin typeface="+mn-lt"/>
-                <a:ea typeface="+mn-ea"/>
-                <a:cs typeface="+mn-cs"/>
-              </a:defRPr>
-            </a:lvl6pPr>
-            <a:lvl7pPr>
-              <a:defRPr>
-                <a:solidFill>
-                  <a:schemeClr val="lt1"/>
-                </a:solidFill>
-                <a:latin typeface="+mn-lt"/>
-                <a:ea typeface="+mn-ea"/>
-                <a:cs typeface="+mn-cs"/>
-              </a:defRPr>
-            </a:lvl7pPr>
-            <a:lvl8pPr>
-              <a:defRPr>
-                <a:solidFill>
-                  <a:schemeClr val="lt1"/>
-                </a:solidFill>
-                <a:latin typeface="+mn-lt"/>
-                <a:ea typeface="+mn-ea"/>
-                <a:cs typeface="+mn-cs"/>
-              </a:defRPr>
-            </a:lvl8pPr>
-            <a:lvl9pPr>
-              <a:defRPr>
-                <a:solidFill>
-                  <a:schemeClr val="lt1"/>
-                </a:solidFill>
-                <a:latin typeface="+mn-lt"/>
-                <a:ea typeface="+mn-ea"/>
-                <a:cs typeface="+mn-cs"/>
-              </a:defRPr>
-            </a:lvl9pPr>
-          </a:lstStyle>
-          <a:p>
-            <a:pPr algn="ctr">
-              <a:defRPr/>
-            </a:pPr>
-            <a:r>
-              <a:rPr lang="en-US" b="1" kern="1200" dirty="0" smtClean="0">
-                <a:solidFill>
-                  <a:srgbClr val="000000"/>
-                </a:solidFill>
-                <a:latin typeface="Arial"/>
-                <a:ea typeface="ＭＳ Ｐゴシック"/>
-              </a:rPr>
-              <a:t>P1</a:t>
-            </a:r>
-            <a:endParaRPr lang="en-US" b="1" kern="1200" dirty="0">
-              <a:solidFill>
-                <a:srgbClr val="000000"/>
-              </a:solidFill>
-              <a:latin typeface="Arial"/>
-              <a:ea typeface="ＭＳ Ｐゴシック"/>
-            </a:endParaRPr>
-          </a:p>
-        </p:txBody>
-      </p:sp>
-      <p:sp>
-        <p:nvSpPr>
-          <p:cNvPr id="57" name="Rounded Rectangle 56"/>
-          <p:cNvSpPr/>
-          <p:nvPr/>
-        </p:nvSpPr>
-        <p:spPr>
-          <a:xfrm>
-            <a:off x="5822453" y="2608592"/>
-            <a:ext cx="909460" cy="820500"/>
-          </a:xfrm>
-          <a:prstGeom prst="roundRect">
-            <a:avLst/>
-          </a:prstGeom>
-          <a:solidFill>
-            <a:srgbClr val="FF6600"/>
-          </a:solidFill>
-          <a:ln>
-            <a:solidFill>
-              <a:srgbClr val="000000"/>
-            </a:solidFill>
-          </a:ln>
-          <a:effectLst/>
-        </p:spPr>
-        <p:style>
-          <a:lnRef idx="1">
-            <a:schemeClr val="accent1"/>
-          </a:lnRef>
-          <a:fillRef idx="3">
-            <a:schemeClr val="accent1"/>
-          </a:fillRef>
-          <a:effectRef idx="2">
-            <a:schemeClr val="accent1"/>
-          </a:effectRef>
-          <a:fontRef idx="minor">
-            <a:schemeClr val="lt1"/>
-          </a:fontRef>
-        </p:style>
-        <p:txBody>
-          <a:bodyPr anchor="ctr"/>
-          <a:lstStyle>
-            <a:lvl1pPr>
-              <a:defRPr>
-                <a:solidFill>
-                  <a:schemeClr val="lt1"/>
-                </a:solidFill>
-                <a:latin typeface="+mn-lt"/>
-                <a:ea typeface="+mn-ea"/>
-                <a:cs typeface="+mn-cs"/>
-              </a:defRPr>
-            </a:lvl1pPr>
-            <a:lvl2pPr>
-              <a:defRPr>
-                <a:solidFill>
-                  <a:schemeClr val="lt1"/>
-                </a:solidFill>
-                <a:latin typeface="+mn-lt"/>
-                <a:ea typeface="+mn-ea"/>
-                <a:cs typeface="+mn-cs"/>
-              </a:defRPr>
-            </a:lvl2pPr>
-            <a:lvl3pPr>
-              <a:defRPr>
-                <a:solidFill>
-                  <a:schemeClr val="lt1"/>
-                </a:solidFill>
-                <a:latin typeface="+mn-lt"/>
-                <a:ea typeface="+mn-ea"/>
-                <a:cs typeface="+mn-cs"/>
-              </a:defRPr>
-            </a:lvl3pPr>
-            <a:lvl4pPr>
-              <a:defRPr>
-                <a:solidFill>
-                  <a:schemeClr val="lt1"/>
-                </a:solidFill>
-                <a:latin typeface="+mn-lt"/>
-                <a:ea typeface="+mn-ea"/>
-                <a:cs typeface="+mn-cs"/>
-              </a:defRPr>
-            </a:lvl4pPr>
-            <a:lvl5pPr>
-              <a:defRPr>
-                <a:solidFill>
-                  <a:schemeClr val="lt1"/>
-                </a:solidFill>
-                <a:latin typeface="+mn-lt"/>
-                <a:ea typeface="+mn-ea"/>
-                <a:cs typeface="+mn-cs"/>
-              </a:defRPr>
-            </a:lvl5pPr>
-            <a:lvl6pPr>
-              <a:defRPr>
-                <a:solidFill>
-                  <a:schemeClr val="lt1"/>
-                </a:solidFill>
-                <a:latin typeface="+mn-lt"/>
-                <a:ea typeface="+mn-ea"/>
-                <a:cs typeface="+mn-cs"/>
-              </a:defRPr>
-            </a:lvl6pPr>
-            <a:lvl7pPr>
-              <a:defRPr>
-                <a:solidFill>
-                  <a:schemeClr val="lt1"/>
-                </a:solidFill>
-                <a:latin typeface="+mn-lt"/>
-                <a:ea typeface="+mn-ea"/>
-                <a:cs typeface="+mn-cs"/>
-              </a:defRPr>
-            </a:lvl7pPr>
-            <a:lvl8pPr>
-              <a:defRPr>
-                <a:solidFill>
-                  <a:schemeClr val="lt1"/>
-                </a:solidFill>
-                <a:latin typeface="+mn-lt"/>
-                <a:ea typeface="+mn-ea"/>
-                <a:cs typeface="+mn-cs"/>
-              </a:defRPr>
-            </a:lvl8pPr>
-            <a:lvl9pPr>
-              <a:defRPr>
-                <a:solidFill>
-                  <a:schemeClr val="lt1"/>
-                </a:solidFill>
-                <a:latin typeface="+mn-lt"/>
-                <a:ea typeface="+mn-ea"/>
-                <a:cs typeface="+mn-cs"/>
-              </a:defRPr>
-            </a:lvl9pPr>
-          </a:lstStyle>
-          <a:p>
-            <a:pPr algn="ctr">
-              <a:defRPr/>
-            </a:pPr>
-            <a:r>
-              <a:rPr lang="en-US" b="1" dirty="0" smtClean="0">
-                <a:solidFill>
-                  <a:srgbClr val="000000"/>
-                </a:solidFill>
-                <a:latin typeface="Arial"/>
-                <a:ea typeface="ＭＳ Ｐゴシック"/>
-              </a:rPr>
-              <a:t>T1</a:t>
-            </a:r>
-            <a:endParaRPr lang="en-US" b="1" kern="1200" dirty="0">
-              <a:solidFill>
-                <a:srgbClr val="000000"/>
-              </a:solidFill>
-              <a:latin typeface="Arial"/>
-              <a:ea typeface="ＭＳ Ｐゴシック"/>
-            </a:endParaRPr>
-          </a:p>
-        </p:txBody>
-      </p:sp>
-      <p:sp>
-        <p:nvSpPr>
-          <p:cNvPr id="59" name="Rectangle 58"/>
-          <p:cNvSpPr/>
-          <p:nvPr/>
-        </p:nvSpPr>
-        <p:spPr>
-          <a:xfrm>
-            <a:off x="4277827" y="961537"/>
-            <a:ext cx="2582044" cy="606853"/>
-          </a:xfrm>
-          <a:prstGeom prst="rect">
-            <a:avLst/>
-          </a:prstGeom>
-          <a:solidFill>
-            <a:schemeClr val="accent5"/>
-          </a:solidFill>
-          <a:ln>
-            <a:solidFill>
-              <a:schemeClr val="tx1"/>
-            </a:solidFill>
-          </a:ln>
-          <a:effectLst/>
-        </p:spPr>
-        <p:style>
-          <a:lnRef idx="1">
-            <a:schemeClr val="accent1"/>
-          </a:lnRef>
-          <a:fillRef idx="3">
-            <a:schemeClr val="accent1"/>
-          </a:fillRef>
-          <a:effectRef idx="2">
-            <a:schemeClr val="accent1"/>
-          </a:effectRef>
-          <a:fontRef idx="minor">
-            <a:schemeClr val="lt1"/>
-          </a:fontRef>
-        </p:style>
-        <p:txBody>
-          <a:bodyPr rtlCol="0" anchor="ctr"/>
-          <a:lstStyle/>
-          <a:p>
-            <a:pPr algn="ctr"/>
-            <a:r>
-              <a:rPr lang="en-US" dirty="0" smtClean="0">
-                <a:solidFill>
-                  <a:srgbClr val="000000"/>
-                </a:solidFill>
-              </a:rPr>
-              <a:t>Clone Manager</a:t>
-            </a:r>
-            <a:endParaRPr lang="en-US" dirty="0">
-              <a:solidFill>
-                <a:srgbClr val="000000"/>
-              </a:solidFill>
-            </a:endParaRPr>
-          </a:p>
-        </p:txBody>
-      </p:sp>
-      <p:cxnSp>
-        <p:nvCxnSpPr>
-          <p:cNvPr id="60" name="Straight Arrow Connector 59"/>
-          <p:cNvCxnSpPr>
-            <a:stCxn id="59" idx="2"/>
-            <a:endCxn id="53" idx="0"/>
-          </p:cNvCxnSpPr>
-          <p:nvPr/>
-        </p:nvCxnSpPr>
-        <p:spPr>
-          <a:xfrm>
-            <a:off x="5568849" y="1568390"/>
-            <a:ext cx="2040" cy="337141"/>
-          </a:xfrm>
-          <a:prstGeom prst="straightConnector1">
-            <a:avLst/>
-          </a:prstGeom>
-          <a:ln>
-            <a:solidFill>
-              <a:schemeClr val="tx1"/>
-            </a:solidFill>
-            <a:prstDash val="dash"/>
-            <a:tailEnd type="arrow"/>
-          </a:ln>
-          <a:effectLst/>
-        </p:spPr>
-        <p:style>
-          <a:lnRef idx="2">
-            <a:schemeClr val="accent1"/>
-          </a:lnRef>
-          <a:fillRef idx="0">
-            <a:schemeClr val="accent1"/>
-          </a:fillRef>
-          <a:effectRef idx="1">
-            <a:schemeClr val="accent1"/>
-          </a:effectRef>
-          <a:fontRef idx="minor">
-            <a:schemeClr val="tx1"/>
-          </a:fontRef>
-        </p:style>
-      </p:cxnSp>
-      <p:sp>
-        <p:nvSpPr>
-          <p:cNvPr id="63" name="Rectangle 62"/>
-          <p:cNvSpPr/>
-          <p:nvPr/>
-        </p:nvSpPr>
-        <p:spPr>
-          <a:xfrm>
-            <a:off x="4498902" y="2017911"/>
-            <a:ext cx="2322923" cy="370855"/>
-          </a:xfrm>
-          <a:prstGeom prst="rect">
-            <a:avLst/>
-          </a:prstGeom>
-          <a:solidFill>
-            <a:schemeClr val="tx2">
-              <a:lumMod val="40000"/>
-              <a:lumOff val="60000"/>
-            </a:schemeClr>
-          </a:solidFill>
-          <a:ln>
-            <a:solidFill>
-              <a:schemeClr val="tx1"/>
-            </a:solidFill>
-          </a:ln>
-          <a:effectLst/>
-        </p:spPr>
-        <p:style>
-          <a:lnRef idx="1">
-            <a:schemeClr val="accent1"/>
-          </a:lnRef>
-          <a:fillRef idx="3">
-            <a:schemeClr val="accent1"/>
-          </a:fillRef>
-          <a:effectRef idx="2">
-            <a:schemeClr val="accent1"/>
-          </a:effectRef>
-          <a:fontRef idx="minor">
-            <a:schemeClr val="lt1"/>
-          </a:fontRef>
-        </p:style>
-        <p:txBody>
-          <a:bodyPr rtlCol="0" anchor="ctr"/>
-          <a:lstStyle/>
-          <a:p>
-            <a:pPr algn="ctr"/>
-            <a:r>
-              <a:rPr lang="en-US" dirty="0" smtClean="0">
-                <a:solidFill>
-                  <a:srgbClr val="000000"/>
-                </a:solidFill>
-              </a:rPr>
-              <a:t>Agent</a:t>
-            </a:r>
-            <a:endParaRPr lang="en-US" dirty="0">
-              <a:solidFill>
-                <a:srgbClr val="000000"/>
-              </a:solidFill>
-            </a:endParaRPr>
-          </a:p>
-        </p:txBody>
-      </p:sp>
-      <p:sp>
-        <p:nvSpPr>
-          <p:cNvPr id="26" name="Rectangle 25"/>
-          <p:cNvSpPr/>
-          <p:nvPr/>
-        </p:nvSpPr>
-        <p:spPr>
-          <a:xfrm>
-            <a:off x="4322783" y="2541164"/>
-            <a:ext cx="1223588" cy="1257410"/>
+            <a:off x="851301" y="438283"/>
+            <a:ext cx="2171880" cy="369332"/>
           </a:xfrm>
           <a:prstGeom prst="rect">
             <a:avLst/>
           </a:prstGeom>
           <a:noFill/>
-          <a:ln w="15875">
-            <a:solidFill>
-              <a:schemeClr val="tx1"/>
-            </a:solidFill>
-            <a:prstDash val="dash"/>
-          </a:ln>
-          <a:effectLst/>
         </p:spPr>
-        <p:style>
-          <a:lnRef idx="1">
-            <a:schemeClr val="accent1"/>
-          </a:lnRef>
-          <a:fillRef idx="3">
-            <a:schemeClr val="accent1"/>
-          </a:fillRef>
-          <a:effectRef idx="2">
-            <a:schemeClr val="accent1"/>
-          </a:effectRef>
-          <a:fontRef idx="minor">
-            <a:schemeClr val="lt1"/>
-          </a:fontRef>
-        </p:style>
         <p:txBody>
-          <a:bodyPr rtlCol="0" anchor="ctr"/>
+          <a:bodyPr wrap="square" rtlCol="0">
+            <a:spAutoFit/>
+          </a:bodyPr>
           <a:lstStyle/>
-          <a:p>
-            <a:pPr algn="ctr"/>
-            <a:endParaRPr lang="en-US" dirty="0" smtClean="0"/>
-          </a:p>
-          <a:p>
-            <a:pPr algn="ctr"/>
-            <a:endParaRPr lang="en-US" sz="1200" dirty="0" smtClean="0">
-              <a:solidFill>
-                <a:srgbClr val="000000"/>
-              </a:solidFill>
-            </a:endParaRPr>
-          </a:p>
-          <a:p>
-            <a:pPr algn="ctr"/>
-            <a:endParaRPr lang="en-US" sz="1200" dirty="0">
-              <a:solidFill>
-                <a:srgbClr val="000000"/>
-              </a:solidFill>
-            </a:endParaRPr>
-          </a:p>
-          <a:p>
-            <a:pPr algn="ctr"/>
-            <a:endParaRPr lang="en-US" sz="1200" dirty="0" smtClean="0">
-              <a:solidFill>
-                <a:srgbClr val="000000"/>
-              </a:solidFill>
-            </a:endParaRPr>
-          </a:p>
           <a:p>
             <a:pPr algn="ctr"/>
             <a:r>
-              <a:rPr lang="en-US" sz="1200" dirty="0" smtClean="0">
-                <a:solidFill>
-                  <a:srgbClr val="000000"/>
-                </a:solidFill>
-              </a:rPr>
-              <a:t>IP namespace 1</a:t>
+              <a:rPr lang="en-US" b="1" dirty="0" smtClean="0"/>
+              <a:t>External Mode</a:t>
             </a:r>
-            <a:endParaRPr lang="en-US" sz="1200" dirty="0">
-              <a:solidFill>
-                <a:srgbClr val="000000"/>
-              </a:solidFill>
-            </a:endParaRPr>
+            <a:endParaRPr lang="en-US" b="1" dirty="0"/>
           </a:p>
         </p:txBody>
       </p:sp>
       <p:sp>
         <p:nvSpPr>
-          <p:cNvPr id="67" name="Rectangle 66"/>
-          <p:cNvSpPr/>
+          <p:cNvPr id="35" name="TextBox 34"/>
+          <p:cNvSpPr txBox="1"/>
           <p:nvPr/>
         </p:nvSpPr>
         <p:spPr>
           <a:xfrm>
-            <a:off x="5658761" y="2537604"/>
-            <a:ext cx="1223588" cy="1257410"/>
+            <a:off x="3837368" y="438283"/>
+            <a:ext cx="2171880" cy="369332"/>
           </a:xfrm>
           <a:prstGeom prst="rect">
             <a:avLst/>
           </a:prstGeom>
           <a:noFill/>
-          <a:ln w="15875">
-            <a:solidFill>
-              <a:schemeClr val="tx1"/>
-            </a:solidFill>
-            <a:prstDash val="dash"/>
-          </a:ln>
-          <a:effectLst/>
         </p:spPr>
-        <p:style>
-          <a:lnRef idx="1">
-            <a:schemeClr val="accent1"/>
-          </a:lnRef>
-          <a:fillRef idx="3">
-            <a:schemeClr val="accent1"/>
-          </a:fillRef>
-          <a:effectRef idx="2">
-            <a:schemeClr val="accent1"/>
-          </a:effectRef>
-          <a:fontRef idx="minor">
-            <a:schemeClr val="lt1"/>
-          </a:fontRef>
-        </p:style>
         <p:txBody>
-          <a:bodyPr rtlCol="0" anchor="ctr"/>
+          <a:bodyPr wrap="square" rtlCol="0">
+            <a:spAutoFit/>
+          </a:bodyPr>
           <a:lstStyle/>
-          <a:p>
-            <a:pPr algn="ctr"/>
-            <a:endParaRPr lang="en-US" dirty="0" smtClean="0"/>
-          </a:p>
-          <a:p>
-            <a:pPr algn="ctr"/>
-            <a:endParaRPr lang="en-US" sz="1200" dirty="0" smtClean="0">
-              <a:solidFill>
-                <a:srgbClr val="000000"/>
-              </a:solidFill>
-            </a:endParaRPr>
-          </a:p>
-          <a:p>
-            <a:pPr algn="ctr"/>
-            <a:endParaRPr lang="en-US" sz="1200" dirty="0">
-              <a:solidFill>
-                <a:srgbClr val="000000"/>
-              </a:solidFill>
-            </a:endParaRPr>
-          </a:p>
-          <a:p>
-            <a:pPr algn="ctr"/>
-            <a:endParaRPr lang="en-US" sz="1200" dirty="0" smtClean="0">
-              <a:solidFill>
-                <a:srgbClr val="000000"/>
-              </a:solidFill>
-            </a:endParaRPr>
-          </a:p>
           <a:p>
             <a:pPr algn="ctr"/>
             <a:r>
-              <a:rPr lang="en-US" sz="1200" dirty="0" smtClean="0">
-                <a:solidFill>
-                  <a:srgbClr val="000000"/>
-                </a:solidFill>
-              </a:rPr>
-              <a:t>IP namespace 2</a:t>
+              <a:rPr lang="en-US" b="1" dirty="0" smtClean="0"/>
+              <a:t>Internal Mode</a:t>
             </a:r>
-            <a:endParaRPr lang="en-US" sz="1200" dirty="0">
-              <a:solidFill>
-                <a:srgbClr val="000000"/>
-              </a:solidFill>
-            </a:endParaRPr>
+            <a:endParaRPr lang="en-US" b="1" dirty="0"/>
           </a:p>
         </p:txBody>
       </p:sp>
       <p:cxnSp>
         <p:nvCxnSpPr>
-          <p:cNvPr id="69" name="Straight Arrow Connector 68"/>
+          <p:cNvPr id="36" name="Straight Connector 35"/>
           <p:cNvCxnSpPr/>
           <p:nvPr/>
         </p:nvCxnSpPr>
         <p:spPr>
           <a:xfrm>
-            <a:off x="1311460" y="3906022"/>
-            <a:ext cx="2040" cy="337141"/>
+            <a:off x="720137" y="852567"/>
+            <a:ext cx="5606583" cy="0"/>
           </a:xfrm>
-          <a:prstGeom prst="straightConnector1">
+          <a:prstGeom prst="line">
             <a:avLst/>
           </a:prstGeom>
           <a:ln>
@@ -6053,121 +6396,6 @@
               <a:schemeClr val="tx1"/>
             </a:solidFill>
             <a:prstDash val="solid"/>
-            <a:tailEnd type="arrow"/>
-          </a:ln>
-          <a:effectLst/>
-        </p:spPr>
-        <p:style>
-          <a:lnRef idx="2">
-            <a:schemeClr val="accent1"/>
-          </a:lnRef>
-          <a:fillRef idx="0">
-            <a:schemeClr val="accent1"/>
-          </a:fillRef>
-          <a:effectRef idx="1">
-            <a:schemeClr val="accent1"/>
-          </a:effectRef>
-          <a:fontRef idx="minor">
-            <a:schemeClr val="tx1"/>
-          </a:fontRef>
-        </p:style>
-      </p:cxnSp>
-      <p:cxnSp>
-        <p:nvCxnSpPr>
-          <p:cNvPr id="70" name="Straight Arrow Connector 69"/>
-          <p:cNvCxnSpPr/>
-          <p:nvPr/>
-        </p:nvCxnSpPr>
-        <p:spPr>
-          <a:xfrm>
-            <a:off x="2596920" y="3922192"/>
-            <a:ext cx="2040" cy="337141"/>
-          </a:xfrm>
-          <a:prstGeom prst="straightConnector1">
-            <a:avLst/>
-          </a:prstGeom>
-          <a:ln>
-            <a:solidFill>
-              <a:schemeClr val="tx1"/>
-            </a:solidFill>
-            <a:prstDash val="solid"/>
-            <a:tailEnd type="arrow"/>
-          </a:ln>
-          <a:effectLst/>
-        </p:spPr>
-        <p:style>
-          <a:lnRef idx="2">
-            <a:schemeClr val="accent1"/>
-          </a:lnRef>
-          <a:fillRef idx="0">
-            <a:schemeClr val="accent1"/>
-          </a:fillRef>
-          <a:effectRef idx="1">
-            <a:schemeClr val="accent1"/>
-          </a:effectRef>
-          <a:fontRef idx="minor">
-            <a:schemeClr val="tx1"/>
-          </a:fontRef>
-        </p:style>
-      </p:cxnSp>
-      <p:cxnSp>
-        <p:nvCxnSpPr>
-          <p:cNvPr id="71" name="Straight Arrow Connector 70"/>
-          <p:cNvCxnSpPr/>
-          <p:nvPr/>
-        </p:nvCxnSpPr>
-        <p:spPr>
-          <a:xfrm>
-            <a:off x="4945786" y="3910954"/>
-            <a:ext cx="2040" cy="337141"/>
-          </a:xfrm>
-          <a:prstGeom prst="straightConnector1">
-            <a:avLst/>
-          </a:prstGeom>
-          <a:ln>
-            <a:solidFill>
-              <a:schemeClr val="tx1"/>
-            </a:solidFill>
-            <a:prstDash val="solid"/>
-            <a:tailEnd type="arrow"/>
-          </a:ln>
-          <a:effectLst/>
-        </p:spPr>
-        <p:style>
-          <a:lnRef idx="2">
-            <a:schemeClr val="accent1"/>
-          </a:lnRef>
-          <a:fillRef idx="0">
-            <a:schemeClr val="accent1"/>
-          </a:fillRef>
-          <a:effectRef idx="1">
-            <a:schemeClr val="accent1"/>
-          </a:effectRef>
-          <a:fontRef idx="minor">
-            <a:schemeClr val="tx1"/>
-          </a:fontRef>
-        </p:style>
-      </p:cxnSp>
-      <p:cxnSp>
-        <p:nvCxnSpPr>
-          <p:cNvPr id="72" name="Straight Arrow Connector 71"/>
-          <p:cNvCxnSpPr/>
-          <p:nvPr/>
-        </p:nvCxnSpPr>
-        <p:spPr>
-          <a:xfrm>
-            <a:off x="6226985" y="3910954"/>
-            <a:ext cx="2040" cy="337141"/>
-          </a:xfrm>
-          <a:prstGeom prst="straightConnector1">
-            <a:avLst/>
-          </a:prstGeom>
-          <a:ln>
-            <a:solidFill>
-              <a:schemeClr val="tx1"/>
-            </a:solidFill>
-            <a:prstDash val="solid"/>
-            <a:tailEnd type="arrow"/>
           </a:ln>
           <a:effectLst/>
         </p:spPr>

--- a/paper/figs/images.pptx
+++ b/paper/figs/images.pptx
@@ -9,6 +9,7 @@
     <p:sldId id="258" r:id="rId3"/>
     <p:sldId id="259" r:id="rId4"/>
     <p:sldId id="257" r:id="rId5"/>
+    <p:sldId id="260" r:id="rId6"/>
   </p:sldIdLst>
   <p:sldSz cx="9144000" cy="6858000" type="screen4x3"/>
   <p:notesSz cx="6858000" cy="9144000"/>
@@ -291,7 +292,7 @@
           <a:p>
             <a:fld id="{06D27FD6-7394-0F44-B86B-46BBC2D874F2}" type="datetimeFigureOut">
               <a:rPr lang="en-US" smtClean="0"/>
-              <a:t>7/22/14</a:t>
+              <a:t>9/25/14</a:t>
             </a:fld>
             <a:endParaRPr lang="en-US"/>
           </a:p>
@@ -461,7 +462,7 @@
           <a:p>
             <a:fld id="{06D27FD6-7394-0F44-B86B-46BBC2D874F2}" type="datetimeFigureOut">
               <a:rPr lang="en-US" smtClean="0"/>
-              <a:t>7/22/14</a:t>
+              <a:t>9/25/14</a:t>
             </a:fld>
             <a:endParaRPr lang="en-US"/>
           </a:p>
@@ -641,7 +642,7 @@
           <a:p>
             <a:fld id="{06D27FD6-7394-0F44-B86B-46BBC2D874F2}" type="datetimeFigureOut">
               <a:rPr lang="en-US" smtClean="0"/>
-              <a:t>7/22/14</a:t>
+              <a:t>9/25/14</a:t>
             </a:fld>
             <a:endParaRPr lang="en-US"/>
           </a:p>
@@ -811,7 +812,7 @@
           <a:p>
             <a:fld id="{06D27FD6-7394-0F44-B86B-46BBC2D874F2}" type="datetimeFigureOut">
               <a:rPr lang="en-US" smtClean="0"/>
-              <a:t>7/22/14</a:t>
+              <a:t>9/25/14</a:t>
             </a:fld>
             <a:endParaRPr lang="en-US"/>
           </a:p>
@@ -1057,7 +1058,7 @@
           <a:p>
             <a:fld id="{06D27FD6-7394-0F44-B86B-46BBC2D874F2}" type="datetimeFigureOut">
               <a:rPr lang="en-US" smtClean="0"/>
-              <a:t>7/22/14</a:t>
+              <a:t>9/25/14</a:t>
             </a:fld>
             <a:endParaRPr lang="en-US"/>
           </a:p>
@@ -1345,7 +1346,7 @@
           <a:p>
             <a:fld id="{06D27FD6-7394-0F44-B86B-46BBC2D874F2}" type="datetimeFigureOut">
               <a:rPr lang="en-US" smtClean="0"/>
-              <a:t>7/22/14</a:t>
+              <a:t>9/25/14</a:t>
             </a:fld>
             <a:endParaRPr lang="en-US"/>
           </a:p>
@@ -1767,7 +1768,7 @@
           <a:p>
             <a:fld id="{06D27FD6-7394-0F44-B86B-46BBC2D874F2}" type="datetimeFigureOut">
               <a:rPr lang="en-US" smtClean="0"/>
-              <a:t>7/22/14</a:t>
+              <a:t>9/25/14</a:t>
             </a:fld>
             <a:endParaRPr lang="en-US"/>
           </a:p>
@@ -1885,7 +1886,7 @@
           <a:p>
             <a:fld id="{06D27FD6-7394-0F44-B86B-46BBC2D874F2}" type="datetimeFigureOut">
               <a:rPr lang="en-US" smtClean="0"/>
-              <a:t>7/22/14</a:t>
+              <a:t>9/25/14</a:t>
             </a:fld>
             <a:endParaRPr lang="en-US"/>
           </a:p>
@@ -1980,7 +1981,7 @@
           <a:p>
             <a:fld id="{06D27FD6-7394-0F44-B86B-46BBC2D874F2}" type="datetimeFigureOut">
               <a:rPr lang="en-US" smtClean="0"/>
-              <a:t>7/22/14</a:t>
+              <a:t>9/25/14</a:t>
             </a:fld>
             <a:endParaRPr lang="en-US"/>
           </a:p>
@@ -2257,7 +2258,7 @@
           <a:p>
             <a:fld id="{06D27FD6-7394-0F44-B86B-46BBC2D874F2}" type="datetimeFigureOut">
               <a:rPr lang="en-US" smtClean="0"/>
-              <a:t>7/22/14</a:t>
+              <a:t>9/25/14</a:t>
             </a:fld>
             <a:endParaRPr lang="en-US"/>
           </a:p>
@@ -2510,7 +2511,7 @@
           <a:p>
             <a:fld id="{06D27FD6-7394-0F44-B86B-46BBC2D874F2}" type="datetimeFigureOut">
               <a:rPr lang="en-US" smtClean="0"/>
-              <a:t>7/22/14</a:t>
+              <a:t>9/25/14</a:t>
             </a:fld>
             <a:endParaRPr lang="en-US"/>
           </a:p>
@@ -2723,7 +2724,7 @@
           <a:p>
             <a:fld id="{06D27FD6-7394-0F44-B86B-46BBC2D874F2}" type="datetimeFigureOut">
               <a:rPr lang="en-US" smtClean="0"/>
-              <a:t>7/22/14</a:t>
+              <a:t>9/25/14</a:t>
             </a:fld>
             <a:endParaRPr lang="en-US"/>
           </a:p>
@@ -8074,6 +8075,833 @@
 </p:sld>
 </file>
 
+<file path=ppt/slides/slide5.xml><?xml version="1.0" encoding="utf-8"?>
+<p:sld xmlns:a="http://schemas.openxmlformats.org/drawingml/2006/main" xmlns:r="http://schemas.openxmlformats.org/officeDocument/2006/relationships" xmlns:p="http://schemas.openxmlformats.org/presentationml/2006/main">
+  <p:cSld>
+    <p:spTree>
+      <p:nvGrpSpPr>
+        <p:cNvPr id="1" name=""/>
+        <p:cNvGrpSpPr/>
+        <p:nvPr/>
+      </p:nvGrpSpPr>
+      <p:grpSpPr>
+        <a:xfrm>
+          <a:off x="0" y="0"/>
+          <a:ext cx="0" cy="0"/>
+          <a:chOff x="0" y="0"/>
+          <a:chExt cx="0" cy="0"/>
+        </a:xfrm>
+      </p:grpSpPr>
+      <p:grpSp>
+        <p:nvGrpSpPr>
+          <p:cNvPr id="5" name="Group 4"/>
+          <p:cNvGrpSpPr/>
+          <p:nvPr/>
+        </p:nvGrpSpPr>
+        <p:grpSpPr>
+          <a:xfrm>
+            <a:off x="1530558" y="1226678"/>
+            <a:ext cx="2962563" cy="3634993"/>
+            <a:chOff x="1530558" y="1226678"/>
+            <a:chExt cx="2962563" cy="3634993"/>
+          </a:xfrm>
+        </p:grpSpPr>
+        <p:sp>
+          <p:nvSpPr>
+            <p:cNvPr id="6" name="Rectangle 5"/>
+            <p:cNvSpPr/>
+            <p:nvPr/>
+          </p:nvSpPr>
+          <p:spPr>
+            <a:xfrm>
+              <a:off x="1530558" y="2812437"/>
+              <a:ext cx="987807" cy="553633"/>
+            </a:xfrm>
+            <a:prstGeom prst="rect">
+              <a:avLst/>
+            </a:prstGeom>
+            <a:noFill/>
+            <a:ln w="25400">
+              <a:solidFill>
+                <a:schemeClr val="tx1"/>
+              </a:solidFill>
+            </a:ln>
+            <a:effectLst/>
+          </p:spPr>
+          <p:style>
+            <a:lnRef idx="1">
+              <a:schemeClr val="accent1"/>
+            </a:lnRef>
+            <a:fillRef idx="3">
+              <a:schemeClr val="accent1"/>
+            </a:fillRef>
+            <a:effectRef idx="2">
+              <a:schemeClr val="accent1"/>
+            </a:effectRef>
+            <a:fontRef idx="minor">
+              <a:schemeClr val="lt1"/>
+            </a:fontRef>
+          </p:style>
+          <p:txBody>
+            <a:bodyPr rtlCol="0" anchor="ctr"/>
+            <a:lstStyle/>
+            <a:p>
+              <a:pPr algn="ctr"/>
+              <a:r>
+                <a:rPr lang="en-US" dirty="0" smtClean="0">
+                  <a:solidFill>
+                    <a:schemeClr val="tx1"/>
+                  </a:solidFill>
+                </a:rPr>
+                <a:t>Client</a:t>
+              </a:r>
+              <a:endParaRPr lang="en-US" dirty="0">
+                <a:solidFill>
+                  <a:schemeClr val="tx1"/>
+                </a:solidFill>
+              </a:endParaRPr>
+            </a:p>
+          </p:txBody>
+        </p:sp>
+        <p:sp>
+          <p:nvSpPr>
+            <p:cNvPr id="7" name="Rectangle 6"/>
+            <p:cNvSpPr/>
+            <p:nvPr/>
+          </p:nvSpPr>
+          <p:spPr>
+            <a:xfrm>
+              <a:off x="3430187" y="2812437"/>
+              <a:ext cx="987807" cy="553633"/>
+            </a:xfrm>
+            <a:prstGeom prst="rect">
+              <a:avLst/>
+            </a:prstGeom>
+            <a:noFill/>
+            <a:ln w="25400">
+              <a:solidFill>
+                <a:schemeClr val="tx1"/>
+              </a:solidFill>
+            </a:ln>
+            <a:effectLst/>
+          </p:spPr>
+          <p:style>
+            <a:lnRef idx="1">
+              <a:schemeClr val="accent1"/>
+            </a:lnRef>
+            <a:fillRef idx="3">
+              <a:schemeClr val="accent1"/>
+            </a:fillRef>
+            <a:effectRef idx="2">
+              <a:schemeClr val="accent1"/>
+            </a:effectRef>
+            <a:fontRef idx="minor">
+              <a:schemeClr val="lt1"/>
+            </a:fontRef>
+          </p:style>
+          <p:txBody>
+            <a:bodyPr rtlCol="0" anchor="ctr"/>
+            <a:lstStyle/>
+            <a:p>
+              <a:pPr algn="ctr"/>
+              <a:r>
+                <a:rPr lang="en-US" dirty="0" smtClean="0">
+                  <a:solidFill>
+                    <a:schemeClr val="tx1"/>
+                  </a:solidFill>
+                </a:rPr>
+                <a:t>Proxy</a:t>
+              </a:r>
+              <a:endParaRPr lang="en-US" dirty="0">
+                <a:solidFill>
+                  <a:schemeClr val="tx1"/>
+                </a:solidFill>
+              </a:endParaRPr>
+            </a:p>
+          </p:txBody>
+        </p:sp>
+        <p:sp>
+          <p:nvSpPr>
+            <p:cNvPr id="8" name="Rectangle 7"/>
+            <p:cNvSpPr/>
+            <p:nvPr/>
+          </p:nvSpPr>
+          <p:spPr>
+            <a:xfrm>
+              <a:off x="3218300" y="1226678"/>
+              <a:ext cx="1274821" cy="478493"/>
+            </a:xfrm>
+            <a:prstGeom prst="rect">
+              <a:avLst/>
+            </a:prstGeom>
+            <a:noFill/>
+            <a:ln w="25400">
+              <a:solidFill>
+                <a:schemeClr val="tx1"/>
+              </a:solidFill>
+            </a:ln>
+            <a:effectLst/>
+          </p:spPr>
+          <p:style>
+            <a:lnRef idx="1">
+              <a:schemeClr val="accent1"/>
+            </a:lnRef>
+            <a:fillRef idx="3">
+              <a:schemeClr val="accent1"/>
+            </a:fillRef>
+            <a:effectRef idx="2">
+              <a:schemeClr val="accent1"/>
+            </a:effectRef>
+            <a:fontRef idx="minor">
+              <a:schemeClr val="lt1"/>
+            </a:fontRef>
+          </p:style>
+          <p:txBody>
+            <a:bodyPr rtlCol="0" anchor="ctr"/>
+            <a:lstStyle/>
+            <a:p>
+              <a:pPr algn="ctr"/>
+              <a:r>
+                <a:rPr lang="en-US" dirty="0" smtClean="0">
+                  <a:solidFill>
+                    <a:schemeClr val="tx1"/>
+                  </a:solidFill>
+                </a:rPr>
+                <a:t>Production</a:t>
+              </a:r>
+              <a:endParaRPr lang="en-US" dirty="0">
+                <a:solidFill>
+                  <a:schemeClr val="tx1"/>
+                </a:solidFill>
+              </a:endParaRPr>
+            </a:p>
+          </p:txBody>
+        </p:sp>
+        <p:sp>
+          <p:nvSpPr>
+            <p:cNvPr id="9" name="Rectangle 8"/>
+            <p:cNvSpPr/>
+            <p:nvPr/>
+          </p:nvSpPr>
+          <p:spPr>
+            <a:xfrm>
+              <a:off x="3218300" y="4392342"/>
+              <a:ext cx="1274821" cy="469329"/>
+            </a:xfrm>
+            <a:prstGeom prst="rect">
+              <a:avLst/>
+            </a:prstGeom>
+            <a:noFill/>
+            <a:ln w="25400">
+              <a:solidFill>
+                <a:schemeClr val="tx1"/>
+              </a:solidFill>
+            </a:ln>
+            <a:effectLst/>
+          </p:spPr>
+          <p:style>
+            <a:lnRef idx="1">
+              <a:schemeClr val="accent1"/>
+            </a:lnRef>
+            <a:fillRef idx="3">
+              <a:schemeClr val="accent1"/>
+            </a:fillRef>
+            <a:effectRef idx="2">
+              <a:schemeClr val="accent1"/>
+            </a:effectRef>
+            <a:fontRef idx="minor">
+              <a:schemeClr val="lt1"/>
+            </a:fontRef>
+          </p:style>
+          <p:txBody>
+            <a:bodyPr rtlCol="0" anchor="ctr"/>
+            <a:lstStyle/>
+            <a:p>
+              <a:pPr algn="ctr"/>
+              <a:r>
+                <a:rPr lang="en-US" dirty="0" smtClean="0">
+                  <a:solidFill>
+                    <a:schemeClr val="tx1"/>
+                  </a:solidFill>
+                </a:rPr>
+                <a:t>Test</a:t>
+              </a:r>
+              <a:endParaRPr lang="en-US" dirty="0">
+                <a:solidFill>
+                  <a:schemeClr val="tx1"/>
+                </a:solidFill>
+              </a:endParaRPr>
+            </a:p>
+          </p:txBody>
+        </p:sp>
+        <p:cxnSp>
+          <p:nvCxnSpPr>
+            <p:cNvPr id="10" name="Straight Arrow Connector 9"/>
+            <p:cNvCxnSpPr/>
+            <p:nvPr/>
+          </p:nvCxnSpPr>
+          <p:spPr>
+            <a:xfrm>
+              <a:off x="2518365" y="2996982"/>
+              <a:ext cx="911822" cy="0"/>
+            </a:xfrm>
+            <a:prstGeom prst="straightConnector1">
+              <a:avLst/>
+            </a:prstGeom>
+            <a:ln>
+              <a:solidFill>
+                <a:schemeClr val="tx1"/>
+              </a:solidFill>
+              <a:tailEnd type="arrow"/>
+            </a:ln>
+            <a:effectLst/>
+          </p:spPr>
+          <p:style>
+            <a:lnRef idx="2">
+              <a:schemeClr val="accent1"/>
+            </a:lnRef>
+            <a:fillRef idx="0">
+              <a:schemeClr val="accent1"/>
+            </a:fillRef>
+            <a:effectRef idx="1">
+              <a:schemeClr val="accent1"/>
+            </a:effectRef>
+            <a:fontRef idx="minor">
+              <a:schemeClr val="tx1"/>
+            </a:fontRef>
+          </p:style>
+        </p:cxnSp>
+        <p:cxnSp>
+          <p:nvCxnSpPr>
+            <p:cNvPr id="11" name="Straight Arrow Connector 10"/>
+            <p:cNvCxnSpPr/>
+            <p:nvPr/>
+          </p:nvCxnSpPr>
+          <p:spPr>
+            <a:xfrm flipV="1">
+              <a:off x="3722844" y="1705171"/>
+              <a:ext cx="0" cy="1107266"/>
+            </a:xfrm>
+            <a:prstGeom prst="straightConnector1">
+              <a:avLst/>
+            </a:prstGeom>
+            <a:ln>
+              <a:solidFill>
+                <a:schemeClr val="tx1"/>
+              </a:solidFill>
+              <a:tailEnd type="arrow"/>
+            </a:ln>
+            <a:effectLst/>
+          </p:spPr>
+          <p:style>
+            <a:lnRef idx="2">
+              <a:schemeClr val="accent1"/>
+            </a:lnRef>
+            <a:fillRef idx="0">
+              <a:schemeClr val="accent1"/>
+            </a:fillRef>
+            <a:effectRef idx="1">
+              <a:schemeClr val="accent1"/>
+            </a:effectRef>
+            <a:fontRef idx="minor">
+              <a:schemeClr val="tx1"/>
+            </a:fontRef>
+          </p:style>
+        </p:cxnSp>
+        <p:cxnSp>
+          <p:nvCxnSpPr>
+            <p:cNvPr id="12" name="Straight Arrow Connector 11"/>
+            <p:cNvCxnSpPr/>
+            <p:nvPr/>
+          </p:nvCxnSpPr>
+          <p:spPr>
+            <a:xfrm>
+              <a:off x="3983794" y="3387782"/>
+              <a:ext cx="0" cy="1004560"/>
+            </a:xfrm>
+            <a:prstGeom prst="straightConnector1">
+              <a:avLst/>
+            </a:prstGeom>
+            <a:ln>
+              <a:solidFill>
+                <a:schemeClr val="tx1"/>
+              </a:solidFill>
+              <a:tailEnd type="arrow"/>
+            </a:ln>
+            <a:effectLst/>
+          </p:spPr>
+          <p:style>
+            <a:lnRef idx="2">
+              <a:schemeClr val="accent1"/>
+            </a:lnRef>
+            <a:fillRef idx="0">
+              <a:schemeClr val="accent1"/>
+            </a:fillRef>
+            <a:effectRef idx="1">
+              <a:schemeClr val="accent1"/>
+            </a:effectRef>
+            <a:fontRef idx="minor">
+              <a:schemeClr val="tx1"/>
+            </a:fontRef>
+          </p:style>
+        </p:cxnSp>
+        <p:cxnSp>
+          <p:nvCxnSpPr>
+            <p:cNvPr id="13" name="Straight Arrow Connector 12"/>
+            <p:cNvCxnSpPr/>
+            <p:nvPr/>
+          </p:nvCxnSpPr>
+          <p:spPr>
+            <a:xfrm>
+              <a:off x="3983794" y="1705171"/>
+              <a:ext cx="0" cy="1107266"/>
+            </a:xfrm>
+            <a:prstGeom prst="straightConnector1">
+              <a:avLst/>
+            </a:prstGeom>
+            <a:ln>
+              <a:solidFill>
+                <a:schemeClr val="tx1"/>
+              </a:solidFill>
+              <a:tailEnd type="arrow"/>
+            </a:ln>
+            <a:effectLst/>
+          </p:spPr>
+          <p:style>
+            <a:lnRef idx="2">
+              <a:schemeClr val="accent1"/>
+            </a:lnRef>
+            <a:fillRef idx="0">
+              <a:schemeClr val="accent1"/>
+            </a:fillRef>
+            <a:effectRef idx="1">
+              <a:schemeClr val="accent1"/>
+            </a:effectRef>
+            <a:fontRef idx="minor">
+              <a:schemeClr val="tx1"/>
+            </a:fontRef>
+          </p:style>
+        </p:cxnSp>
+        <p:cxnSp>
+          <p:nvCxnSpPr>
+            <p:cNvPr id="14" name="Straight Arrow Connector 13"/>
+            <p:cNvCxnSpPr/>
+            <p:nvPr/>
+          </p:nvCxnSpPr>
+          <p:spPr>
+            <a:xfrm flipV="1">
+              <a:off x="3722844" y="3366070"/>
+              <a:ext cx="0" cy="1026272"/>
+            </a:xfrm>
+            <a:prstGeom prst="straightConnector1">
+              <a:avLst/>
+            </a:prstGeom>
+            <a:ln>
+              <a:solidFill>
+                <a:schemeClr val="tx1"/>
+              </a:solidFill>
+              <a:tailEnd type="arrow"/>
+            </a:ln>
+            <a:effectLst/>
+          </p:spPr>
+          <p:style>
+            <a:lnRef idx="2">
+              <a:schemeClr val="accent1"/>
+            </a:lnRef>
+            <a:fillRef idx="0">
+              <a:schemeClr val="accent1"/>
+            </a:fillRef>
+            <a:effectRef idx="1">
+              <a:schemeClr val="accent1"/>
+            </a:effectRef>
+            <a:fontRef idx="minor">
+              <a:schemeClr val="tx1"/>
+            </a:fontRef>
+          </p:style>
+        </p:cxnSp>
+        <p:cxnSp>
+          <p:nvCxnSpPr>
+            <p:cNvPr id="15" name="Straight Arrow Connector 14"/>
+            <p:cNvCxnSpPr/>
+            <p:nvPr/>
+          </p:nvCxnSpPr>
+          <p:spPr>
+            <a:xfrm flipH="1">
+              <a:off x="2518365" y="3214092"/>
+              <a:ext cx="911823" cy="0"/>
+            </a:xfrm>
+            <a:prstGeom prst="straightConnector1">
+              <a:avLst/>
+            </a:prstGeom>
+            <a:ln>
+              <a:solidFill>
+                <a:schemeClr val="tx1"/>
+              </a:solidFill>
+              <a:tailEnd type="arrow"/>
+            </a:ln>
+            <a:effectLst/>
+          </p:spPr>
+          <p:style>
+            <a:lnRef idx="2">
+              <a:schemeClr val="accent1"/>
+            </a:lnRef>
+            <a:fillRef idx="0">
+              <a:schemeClr val="accent1"/>
+            </a:fillRef>
+            <a:effectRef idx="1">
+              <a:schemeClr val="accent1"/>
+            </a:effectRef>
+            <a:fontRef idx="minor">
+              <a:schemeClr val="tx1"/>
+            </a:fontRef>
+          </p:style>
+        </p:cxnSp>
+        <p:sp>
+          <p:nvSpPr>
+            <p:cNvPr id="16" name="Oval 15"/>
+            <p:cNvSpPr/>
+            <p:nvPr/>
+          </p:nvSpPr>
+          <p:spPr>
+            <a:xfrm>
+              <a:off x="2670335" y="2569459"/>
+              <a:ext cx="390780" cy="358232"/>
+            </a:xfrm>
+            <a:prstGeom prst="ellipse">
+              <a:avLst/>
+            </a:prstGeom>
+            <a:noFill/>
+            <a:ln w="12700">
+              <a:solidFill>
+                <a:schemeClr val="tx1"/>
+              </a:solidFill>
+            </a:ln>
+            <a:effectLst/>
+          </p:spPr>
+          <p:style>
+            <a:lnRef idx="1">
+              <a:schemeClr val="accent1"/>
+            </a:lnRef>
+            <a:fillRef idx="3">
+              <a:schemeClr val="accent1"/>
+            </a:fillRef>
+            <a:effectRef idx="2">
+              <a:schemeClr val="accent1"/>
+            </a:effectRef>
+            <a:fontRef idx="minor">
+              <a:schemeClr val="lt1"/>
+            </a:fontRef>
+          </p:style>
+          <p:txBody>
+            <a:bodyPr rtlCol="0" anchor="ctr"/>
+            <a:lstStyle/>
+            <a:p>
+              <a:pPr algn="ctr"/>
+              <a:r>
+                <a:rPr lang="en-US" dirty="0" smtClean="0">
+                  <a:solidFill>
+                    <a:srgbClr val="000000"/>
+                  </a:solidFill>
+                </a:rPr>
+                <a:t>1</a:t>
+              </a:r>
+              <a:endParaRPr lang="en-US" dirty="0">
+                <a:solidFill>
+                  <a:srgbClr val="000000"/>
+                </a:solidFill>
+              </a:endParaRPr>
+            </a:p>
+          </p:txBody>
+        </p:sp>
+        <p:sp>
+          <p:nvSpPr>
+            <p:cNvPr id="17" name="Oval 16"/>
+            <p:cNvSpPr/>
+            <p:nvPr/>
+          </p:nvSpPr>
+          <p:spPr>
+            <a:xfrm>
+              <a:off x="2670334" y="3273800"/>
+              <a:ext cx="390780" cy="358232"/>
+            </a:xfrm>
+            <a:prstGeom prst="ellipse">
+              <a:avLst/>
+            </a:prstGeom>
+            <a:noFill/>
+            <a:ln w="12700">
+              <a:solidFill>
+                <a:schemeClr val="tx1"/>
+              </a:solidFill>
+            </a:ln>
+            <a:effectLst/>
+          </p:spPr>
+          <p:style>
+            <a:lnRef idx="1">
+              <a:schemeClr val="accent1"/>
+            </a:lnRef>
+            <a:fillRef idx="3">
+              <a:schemeClr val="accent1"/>
+            </a:fillRef>
+            <a:effectRef idx="2">
+              <a:schemeClr val="accent1"/>
+            </a:effectRef>
+            <a:fontRef idx="minor">
+              <a:schemeClr val="lt1"/>
+            </a:fontRef>
+          </p:style>
+          <p:txBody>
+            <a:bodyPr rtlCol="0" anchor="ctr"/>
+            <a:lstStyle/>
+            <a:p>
+              <a:pPr algn="ctr"/>
+              <a:r>
+                <a:rPr lang="en-US" dirty="0">
+                  <a:solidFill>
+                    <a:srgbClr val="000000"/>
+                  </a:solidFill>
+                </a:rPr>
+                <a:t>2</a:t>
+              </a:r>
+              <a:endParaRPr lang="en-US" dirty="0">
+                <a:solidFill>
+                  <a:srgbClr val="000000"/>
+                </a:solidFill>
+              </a:endParaRPr>
+            </a:p>
+          </p:txBody>
+        </p:sp>
+        <p:sp>
+          <p:nvSpPr>
+            <p:cNvPr id="18" name="Oval 17"/>
+            <p:cNvSpPr/>
+            <p:nvPr/>
+          </p:nvSpPr>
+          <p:spPr>
+            <a:xfrm>
+              <a:off x="3262149" y="1872585"/>
+              <a:ext cx="390780" cy="358232"/>
+            </a:xfrm>
+            <a:prstGeom prst="ellipse">
+              <a:avLst/>
+            </a:prstGeom>
+            <a:noFill/>
+            <a:ln w="12700">
+              <a:solidFill>
+                <a:schemeClr val="tx1"/>
+              </a:solidFill>
+            </a:ln>
+            <a:effectLst/>
+          </p:spPr>
+          <p:style>
+            <a:lnRef idx="1">
+              <a:schemeClr val="accent1"/>
+            </a:lnRef>
+            <a:fillRef idx="3">
+              <a:schemeClr val="accent1"/>
+            </a:fillRef>
+            <a:effectRef idx="2">
+              <a:schemeClr val="accent1"/>
+            </a:effectRef>
+            <a:fontRef idx="minor">
+              <a:schemeClr val="lt1"/>
+            </a:fontRef>
+          </p:style>
+          <p:txBody>
+            <a:bodyPr rtlCol="0" anchor="ctr"/>
+            <a:lstStyle/>
+            <a:p>
+              <a:pPr algn="ctr"/>
+              <a:r>
+                <a:rPr lang="en-US" dirty="0" smtClean="0">
+                  <a:solidFill>
+                    <a:srgbClr val="000000"/>
+                  </a:solidFill>
+                </a:rPr>
+                <a:t>3</a:t>
+              </a:r>
+            </a:p>
+          </p:txBody>
+        </p:sp>
+        <p:sp>
+          <p:nvSpPr>
+            <p:cNvPr id="19" name="Oval 18"/>
+            <p:cNvSpPr/>
+            <p:nvPr/>
+          </p:nvSpPr>
+          <p:spPr>
+            <a:xfrm>
+              <a:off x="4058920" y="1872585"/>
+              <a:ext cx="390780" cy="358232"/>
+            </a:xfrm>
+            <a:prstGeom prst="ellipse">
+              <a:avLst/>
+            </a:prstGeom>
+            <a:noFill/>
+            <a:ln w="12700">
+              <a:solidFill>
+                <a:schemeClr val="tx1"/>
+              </a:solidFill>
+            </a:ln>
+            <a:effectLst/>
+          </p:spPr>
+          <p:style>
+            <a:lnRef idx="1">
+              <a:schemeClr val="accent1"/>
+            </a:lnRef>
+            <a:fillRef idx="3">
+              <a:schemeClr val="accent1"/>
+            </a:fillRef>
+            <a:effectRef idx="2">
+              <a:schemeClr val="accent1"/>
+            </a:effectRef>
+            <a:fontRef idx="minor">
+              <a:schemeClr val="lt1"/>
+            </a:fontRef>
+          </p:style>
+          <p:txBody>
+            <a:bodyPr rtlCol="0" anchor="ctr"/>
+            <a:lstStyle/>
+            <a:p>
+              <a:pPr algn="ctr"/>
+              <a:r>
+                <a:rPr lang="en-US" dirty="0">
+                  <a:solidFill>
+                    <a:srgbClr val="000000"/>
+                  </a:solidFill>
+                </a:rPr>
+                <a:t>4</a:t>
+              </a:r>
+              <a:endParaRPr lang="en-US" dirty="0">
+                <a:solidFill>
+                  <a:srgbClr val="000000"/>
+                </a:solidFill>
+              </a:endParaRPr>
+            </a:p>
+          </p:txBody>
+        </p:sp>
+        <p:sp>
+          <p:nvSpPr>
+            <p:cNvPr id="20" name="Oval 19"/>
+            <p:cNvSpPr/>
+            <p:nvPr/>
+          </p:nvSpPr>
+          <p:spPr>
+            <a:xfrm>
+              <a:off x="3262149" y="3945651"/>
+              <a:ext cx="390780" cy="358232"/>
+            </a:xfrm>
+            <a:prstGeom prst="ellipse">
+              <a:avLst/>
+            </a:prstGeom>
+            <a:noFill/>
+            <a:ln w="12700">
+              <a:solidFill>
+                <a:schemeClr val="tx1"/>
+              </a:solidFill>
+            </a:ln>
+            <a:effectLst/>
+          </p:spPr>
+          <p:style>
+            <a:lnRef idx="1">
+              <a:schemeClr val="accent1"/>
+            </a:lnRef>
+            <a:fillRef idx="3">
+              <a:schemeClr val="accent1"/>
+            </a:fillRef>
+            <a:effectRef idx="2">
+              <a:schemeClr val="accent1"/>
+            </a:effectRef>
+            <a:fontRef idx="minor">
+              <a:schemeClr val="lt1"/>
+            </a:fontRef>
+          </p:style>
+          <p:txBody>
+            <a:bodyPr rtlCol="0" anchor="ctr"/>
+            <a:lstStyle/>
+            <a:p>
+              <a:pPr algn="ctr"/>
+              <a:r>
+                <a:rPr lang="en-US" dirty="0">
+                  <a:solidFill>
+                    <a:srgbClr val="000000"/>
+                  </a:solidFill>
+                </a:rPr>
+                <a:t>5</a:t>
+              </a:r>
+              <a:endParaRPr lang="en-US" dirty="0" smtClean="0">
+                <a:solidFill>
+                  <a:srgbClr val="000000"/>
+                </a:solidFill>
+              </a:endParaRPr>
+            </a:p>
+          </p:txBody>
+        </p:sp>
+        <p:sp>
+          <p:nvSpPr>
+            <p:cNvPr id="21" name="Oval 20"/>
+            <p:cNvSpPr/>
+            <p:nvPr/>
+          </p:nvSpPr>
+          <p:spPr>
+            <a:xfrm>
+              <a:off x="4058920" y="3945651"/>
+              <a:ext cx="390780" cy="358232"/>
+            </a:xfrm>
+            <a:prstGeom prst="ellipse">
+              <a:avLst/>
+            </a:prstGeom>
+            <a:noFill/>
+            <a:ln w="12700">
+              <a:solidFill>
+                <a:schemeClr val="tx1"/>
+              </a:solidFill>
+            </a:ln>
+            <a:effectLst/>
+          </p:spPr>
+          <p:style>
+            <a:lnRef idx="1">
+              <a:schemeClr val="accent1"/>
+            </a:lnRef>
+            <a:fillRef idx="3">
+              <a:schemeClr val="accent1"/>
+            </a:fillRef>
+            <a:effectRef idx="2">
+              <a:schemeClr val="accent1"/>
+            </a:effectRef>
+            <a:fontRef idx="minor">
+              <a:schemeClr val="lt1"/>
+            </a:fontRef>
+          </p:style>
+          <p:txBody>
+            <a:bodyPr rtlCol="0" anchor="ctr"/>
+            <a:lstStyle/>
+            <a:p>
+              <a:pPr algn="ctr"/>
+              <a:r>
+                <a:rPr lang="en-US" dirty="0" smtClean="0">
+                  <a:solidFill>
+                    <a:srgbClr val="000000"/>
+                  </a:solidFill>
+                </a:rPr>
+                <a:t>6</a:t>
+              </a:r>
+            </a:p>
+          </p:txBody>
+        </p:sp>
+      </p:grpSp>
+    </p:spTree>
+    <p:extLst>
+      <p:ext uri="{BB962C8B-B14F-4D97-AF65-F5344CB8AC3E}">
+        <p14:creationId xmlns:p14="http://schemas.microsoft.com/office/powerpoint/2010/main" val="1856684969"/>
+      </p:ext>
+    </p:extLst>
+  </p:cSld>
+  <p:clrMapOvr>
+    <a:masterClrMapping/>
+  </p:clrMapOvr>
+</p:sld>
+</file>
+
 <file path=ppt/theme/theme1.xml><?xml version="1.0" encoding="utf-8"?>
 <a:theme xmlns:a="http://schemas.openxmlformats.org/drawingml/2006/main" name="Office Theme">
   <a:themeElements>

--- a/paper/figs/images.pptx
+++ b/paper/figs/images.pptx
@@ -7,9 +7,10 @@
   <p:sldIdLst>
     <p:sldId id="256" r:id="rId2"/>
     <p:sldId id="258" r:id="rId3"/>
-    <p:sldId id="259" r:id="rId4"/>
-    <p:sldId id="257" r:id="rId5"/>
-    <p:sldId id="260" r:id="rId6"/>
+    <p:sldId id="261" r:id="rId4"/>
+    <p:sldId id="259" r:id="rId5"/>
+    <p:sldId id="257" r:id="rId6"/>
+    <p:sldId id="260" r:id="rId7"/>
   </p:sldIdLst>
   <p:sldSz cx="9144000" cy="6858000" type="screen4x3"/>
   <p:notesSz cx="6858000" cy="9144000"/>
@@ -292,7 +293,7 @@
           <a:p>
             <a:fld id="{06D27FD6-7394-0F44-B86B-46BBC2D874F2}" type="datetimeFigureOut">
               <a:rPr lang="en-US" smtClean="0"/>
-              <a:t>9/25/14</a:t>
+              <a:t>9/26/14</a:t>
             </a:fld>
             <a:endParaRPr lang="en-US"/>
           </a:p>
@@ -462,7 +463,7 @@
           <a:p>
             <a:fld id="{06D27FD6-7394-0F44-B86B-46BBC2D874F2}" type="datetimeFigureOut">
               <a:rPr lang="en-US" smtClean="0"/>
-              <a:t>9/25/14</a:t>
+              <a:t>9/26/14</a:t>
             </a:fld>
             <a:endParaRPr lang="en-US"/>
           </a:p>
@@ -642,7 +643,7 @@
           <a:p>
             <a:fld id="{06D27FD6-7394-0F44-B86B-46BBC2D874F2}" type="datetimeFigureOut">
               <a:rPr lang="en-US" smtClean="0"/>
-              <a:t>9/25/14</a:t>
+              <a:t>9/26/14</a:t>
             </a:fld>
             <a:endParaRPr lang="en-US"/>
           </a:p>
@@ -812,7 +813,7 @@
           <a:p>
             <a:fld id="{06D27FD6-7394-0F44-B86B-46BBC2D874F2}" type="datetimeFigureOut">
               <a:rPr lang="en-US" smtClean="0"/>
-              <a:t>9/25/14</a:t>
+              <a:t>9/26/14</a:t>
             </a:fld>
             <a:endParaRPr lang="en-US"/>
           </a:p>
@@ -1058,7 +1059,7 @@
           <a:p>
             <a:fld id="{06D27FD6-7394-0F44-B86B-46BBC2D874F2}" type="datetimeFigureOut">
               <a:rPr lang="en-US" smtClean="0"/>
-              <a:t>9/25/14</a:t>
+              <a:t>9/26/14</a:t>
             </a:fld>
             <a:endParaRPr lang="en-US"/>
           </a:p>
@@ -1346,7 +1347,7 @@
           <a:p>
             <a:fld id="{06D27FD6-7394-0F44-B86B-46BBC2D874F2}" type="datetimeFigureOut">
               <a:rPr lang="en-US" smtClean="0"/>
-              <a:t>9/25/14</a:t>
+              <a:t>9/26/14</a:t>
             </a:fld>
             <a:endParaRPr lang="en-US"/>
           </a:p>
@@ -1768,7 +1769,7 @@
           <a:p>
             <a:fld id="{06D27FD6-7394-0F44-B86B-46BBC2D874F2}" type="datetimeFigureOut">
               <a:rPr lang="en-US" smtClean="0"/>
-              <a:t>9/25/14</a:t>
+              <a:t>9/26/14</a:t>
             </a:fld>
             <a:endParaRPr lang="en-US"/>
           </a:p>
@@ -1886,7 +1887,7 @@
           <a:p>
             <a:fld id="{06D27FD6-7394-0F44-B86B-46BBC2D874F2}" type="datetimeFigureOut">
               <a:rPr lang="en-US" smtClean="0"/>
-              <a:t>9/25/14</a:t>
+              <a:t>9/26/14</a:t>
             </a:fld>
             <a:endParaRPr lang="en-US"/>
           </a:p>
@@ -1981,7 +1982,7 @@
           <a:p>
             <a:fld id="{06D27FD6-7394-0F44-B86B-46BBC2D874F2}" type="datetimeFigureOut">
               <a:rPr lang="en-US" smtClean="0"/>
-              <a:t>9/25/14</a:t>
+              <a:t>9/26/14</a:t>
             </a:fld>
             <a:endParaRPr lang="en-US"/>
           </a:p>
@@ -2258,7 +2259,7 @@
           <a:p>
             <a:fld id="{06D27FD6-7394-0F44-B86B-46BBC2D874F2}" type="datetimeFigureOut">
               <a:rPr lang="en-US" smtClean="0"/>
-              <a:t>9/25/14</a:t>
+              <a:t>9/26/14</a:t>
             </a:fld>
             <a:endParaRPr lang="en-US"/>
           </a:p>
@@ -2511,7 +2512,7 @@
           <a:p>
             <a:fld id="{06D27FD6-7394-0F44-B86B-46BBC2D874F2}" type="datetimeFigureOut">
               <a:rPr lang="en-US" smtClean="0"/>
-              <a:t>9/25/14</a:t>
+              <a:t>9/26/14</a:t>
             </a:fld>
             <a:endParaRPr lang="en-US"/>
           </a:p>
@@ -2724,7 +2725,7 @@
           <a:p>
             <a:fld id="{06D27FD6-7394-0F44-B86B-46BBC2D874F2}" type="datetimeFigureOut">
               <a:rPr lang="en-US" smtClean="0"/>
-              <a:t>9/25/14</a:t>
+              <a:t>9/26/14</a:t>
             </a:fld>
             <a:endParaRPr lang="en-US"/>
           </a:p>
@@ -4445,51 +4446,30 @@
           <a:chExt cx="0" cy="0"/>
         </a:xfrm>
       </p:grpSpPr>
-      <p:sp>
-        <p:nvSpPr>
-          <p:cNvPr id="6" name="Rectangle 5"/>
-          <p:cNvSpPr/>
+      <p:pic>
+        <p:nvPicPr>
+          <p:cNvPr id="2" name="Picture 1"/>
+          <p:cNvPicPr>
+            <a:picLocks noChangeAspect="1"/>
+          </p:cNvPicPr>
           <p:nvPr/>
-        </p:nvSpPr>
+        </p:nvPicPr>
+        <p:blipFill>
+          <a:blip r:embed="rId2"/>
+          <a:stretch>
+            <a:fillRect/>
+          </a:stretch>
+        </p:blipFill>
         <p:spPr>
           <a:xfrm>
-            <a:off x="1308471" y="2287099"/>
-            <a:ext cx="1636040" cy="1398972"/>
+            <a:off x="139700" y="431800"/>
+            <a:ext cx="8851900" cy="5981700"/>
           </a:xfrm>
           <a:prstGeom prst="rect">
             <a:avLst/>
           </a:prstGeom>
-          <a:noFill/>
-          <a:ln w="25400">
-            <a:solidFill>
-              <a:schemeClr val="tx1"/>
-            </a:solidFill>
-          </a:ln>
-          <a:effectLst/>
         </p:spPr>
-        <p:style>
-          <a:lnRef idx="1">
-            <a:schemeClr val="accent1"/>
-          </a:lnRef>
-          <a:fillRef idx="3">
-            <a:schemeClr val="accent1"/>
-          </a:fillRef>
-          <a:effectRef idx="2">
-            <a:schemeClr val="accent1"/>
-          </a:effectRef>
-          <a:fontRef idx="minor">
-            <a:schemeClr val="lt1"/>
-          </a:fontRef>
-        </p:style>
-        <p:txBody>
-          <a:bodyPr rtlCol="0" anchor="ctr"/>
-          <a:lstStyle/>
-          <a:p>
-            <a:pPr algn="ctr"/>
-            <a:endParaRPr lang="en-US"/>
-          </a:p>
-        </p:txBody>
-      </p:sp>
+      </p:pic>
     </p:spTree>
     <p:extLst>
       <p:ext uri="{BB962C8B-B14F-4D97-AF65-F5344CB8AC3E}">
@@ -4504,6 +4484,2088 @@
 </file>
 
 <file path=ppt/slides/slide3.xml><?xml version="1.0" encoding="utf-8"?>
+<p:sld xmlns:a="http://schemas.openxmlformats.org/drawingml/2006/main" xmlns:r="http://schemas.openxmlformats.org/officeDocument/2006/relationships" xmlns:p="http://schemas.openxmlformats.org/presentationml/2006/main">
+  <p:cSld>
+    <p:spTree>
+      <p:nvGrpSpPr>
+        <p:cNvPr id="1" name=""/>
+        <p:cNvGrpSpPr/>
+        <p:nvPr/>
+      </p:nvGrpSpPr>
+      <p:grpSpPr>
+        <a:xfrm>
+          <a:off x="0" y="0"/>
+          <a:ext cx="0" cy="0"/>
+          <a:chOff x="0" y="0"/>
+          <a:chExt cx="0" cy="0"/>
+        </a:xfrm>
+      </p:grpSpPr>
+      <p:grpSp>
+        <p:nvGrpSpPr>
+          <p:cNvPr id="84" name="Group 83"/>
+          <p:cNvGrpSpPr/>
+          <p:nvPr/>
+        </p:nvGrpSpPr>
+        <p:grpSpPr>
+          <a:xfrm>
+            <a:off x="2105874" y="673058"/>
+            <a:ext cx="4765355" cy="5558033"/>
+            <a:chOff x="2105874" y="673058"/>
+            <a:chExt cx="4765355" cy="5558033"/>
+          </a:xfrm>
+        </p:grpSpPr>
+        <p:sp>
+          <p:nvSpPr>
+            <p:cNvPr id="15" name="Rectangle 14"/>
+            <p:cNvSpPr/>
+            <p:nvPr/>
+          </p:nvSpPr>
+          <p:spPr>
+            <a:xfrm>
+              <a:off x="2105874" y="4429491"/>
+              <a:ext cx="4765355" cy="759889"/>
+            </a:xfrm>
+            <a:prstGeom prst="rect">
+              <a:avLst/>
+            </a:prstGeom>
+            <a:solidFill>
+              <a:srgbClr val="FF6600"/>
+            </a:solidFill>
+            <a:ln>
+              <a:solidFill>
+                <a:schemeClr val="tx1"/>
+              </a:solidFill>
+            </a:ln>
+            <a:effectLst/>
+          </p:spPr>
+          <p:style>
+            <a:lnRef idx="1">
+              <a:schemeClr val="accent1"/>
+            </a:lnRef>
+            <a:fillRef idx="3">
+              <a:schemeClr val="accent1"/>
+            </a:fillRef>
+            <a:effectRef idx="2">
+              <a:schemeClr val="accent1"/>
+            </a:effectRef>
+            <a:fontRef idx="minor">
+              <a:schemeClr val="lt1"/>
+            </a:fontRef>
+          </p:style>
+          <p:txBody>
+            <a:bodyPr rtlCol="0" anchor="ctr"/>
+            <a:lstStyle/>
+            <a:p>
+              <a:pPr algn="ctr"/>
+              <a:r>
+                <a:rPr lang="en-US" dirty="0">
+                  <a:solidFill>
+                    <a:srgbClr val="000000"/>
+                  </a:solidFill>
+                </a:rPr>
+                <a:t>b</a:t>
+              </a:r>
+              <a:r>
+                <a:rPr lang="en-US" dirty="0" smtClean="0">
+                  <a:solidFill>
+                    <a:srgbClr val="000000"/>
+                  </a:solidFill>
+                </a:rPr>
+                <a:t>r-eth1</a:t>
+              </a:r>
+              <a:endParaRPr lang="en-US" dirty="0">
+                <a:solidFill>
+                  <a:srgbClr val="000000"/>
+                </a:solidFill>
+              </a:endParaRPr>
+            </a:p>
+          </p:txBody>
+        </p:sp>
+        <p:sp>
+          <p:nvSpPr>
+            <p:cNvPr id="7" name="Rectangle 6"/>
+            <p:cNvSpPr/>
+            <p:nvPr/>
+          </p:nvSpPr>
+          <p:spPr>
+            <a:xfrm>
+              <a:off x="2105874" y="3188653"/>
+              <a:ext cx="4765355" cy="759889"/>
+            </a:xfrm>
+            <a:prstGeom prst="rect">
+              <a:avLst/>
+            </a:prstGeom>
+            <a:solidFill>
+              <a:srgbClr val="FF6600"/>
+            </a:solidFill>
+            <a:ln>
+              <a:solidFill>
+                <a:schemeClr val="tx1"/>
+              </a:solidFill>
+            </a:ln>
+            <a:effectLst/>
+          </p:spPr>
+          <p:style>
+            <a:lnRef idx="1">
+              <a:schemeClr val="accent1"/>
+            </a:lnRef>
+            <a:fillRef idx="3">
+              <a:schemeClr val="accent1"/>
+            </a:fillRef>
+            <a:effectRef idx="2">
+              <a:schemeClr val="accent1"/>
+            </a:effectRef>
+            <a:fontRef idx="minor">
+              <a:schemeClr val="lt1"/>
+            </a:fontRef>
+          </p:style>
+          <p:txBody>
+            <a:bodyPr rtlCol="0" anchor="ctr"/>
+            <a:lstStyle/>
+            <a:p>
+              <a:pPr algn="ctr"/>
+              <a:r>
+                <a:rPr lang="en-US" dirty="0" err="1">
+                  <a:solidFill>
+                    <a:srgbClr val="000000"/>
+                  </a:solidFill>
+                </a:rPr>
+                <a:t>b</a:t>
+              </a:r>
+              <a:r>
+                <a:rPr lang="en-US" dirty="0" err="1" smtClean="0">
+                  <a:solidFill>
+                    <a:srgbClr val="000000"/>
+                  </a:solidFill>
+                </a:rPr>
+                <a:t>r-int</a:t>
+              </a:r>
+              <a:endParaRPr lang="en-US" dirty="0">
+                <a:solidFill>
+                  <a:srgbClr val="000000"/>
+                </a:solidFill>
+              </a:endParaRPr>
+            </a:p>
+          </p:txBody>
+        </p:sp>
+        <p:sp>
+          <p:nvSpPr>
+            <p:cNvPr id="8" name="Rectangle 7"/>
+            <p:cNvSpPr/>
+            <p:nvPr/>
+          </p:nvSpPr>
+          <p:spPr>
+            <a:xfrm>
+              <a:off x="2388536" y="3012496"/>
+              <a:ext cx="814126" cy="309736"/>
+            </a:xfrm>
+            <a:prstGeom prst="rect">
+              <a:avLst/>
+            </a:prstGeom>
+            <a:solidFill>
+              <a:schemeClr val="accent6">
+                <a:lumMod val="60000"/>
+                <a:lumOff val="40000"/>
+              </a:schemeClr>
+            </a:solidFill>
+            <a:ln>
+              <a:solidFill>
+                <a:schemeClr val="tx1"/>
+              </a:solidFill>
+            </a:ln>
+            <a:effectLst/>
+          </p:spPr>
+          <p:style>
+            <a:lnRef idx="1">
+              <a:schemeClr val="accent1"/>
+            </a:lnRef>
+            <a:fillRef idx="3">
+              <a:schemeClr val="accent1"/>
+            </a:fillRef>
+            <a:effectRef idx="2">
+              <a:schemeClr val="accent1"/>
+            </a:effectRef>
+            <a:fontRef idx="minor">
+              <a:schemeClr val="lt1"/>
+            </a:fontRef>
+          </p:style>
+          <p:txBody>
+            <a:bodyPr rtlCol="0" anchor="ctr"/>
+            <a:lstStyle/>
+            <a:p>
+              <a:pPr algn="ctr"/>
+              <a:r>
+                <a:rPr lang="en-US" sz="1400" dirty="0" err="1" smtClean="0">
+                  <a:solidFill>
+                    <a:schemeClr val="tx1"/>
+                  </a:solidFill>
+                </a:rPr>
+                <a:t>qvoXXX</a:t>
+              </a:r>
+              <a:endParaRPr lang="en-US" sz="1400" dirty="0">
+                <a:solidFill>
+                  <a:schemeClr val="tx1"/>
+                </a:solidFill>
+              </a:endParaRPr>
+            </a:p>
+          </p:txBody>
+        </p:sp>
+        <p:sp>
+          <p:nvSpPr>
+            <p:cNvPr id="9" name="Rectangle 8"/>
+            <p:cNvSpPr/>
+            <p:nvPr/>
+          </p:nvSpPr>
+          <p:spPr>
+            <a:xfrm>
+              <a:off x="3924955" y="3012496"/>
+              <a:ext cx="814126" cy="309736"/>
+            </a:xfrm>
+            <a:prstGeom prst="rect">
+              <a:avLst/>
+            </a:prstGeom>
+            <a:solidFill>
+              <a:schemeClr val="accent6">
+                <a:lumMod val="60000"/>
+                <a:lumOff val="40000"/>
+              </a:schemeClr>
+            </a:solidFill>
+            <a:ln>
+              <a:solidFill>
+                <a:schemeClr val="tx1"/>
+              </a:solidFill>
+            </a:ln>
+            <a:effectLst/>
+          </p:spPr>
+          <p:style>
+            <a:lnRef idx="1">
+              <a:schemeClr val="accent1"/>
+            </a:lnRef>
+            <a:fillRef idx="3">
+              <a:schemeClr val="accent1"/>
+            </a:fillRef>
+            <a:effectRef idx="2">
+              <a:schemeClr val="accent1"/>
+            </a:effectRef>
+            <a:fontRef idx="minor">
+              <a:schemeClr val="lt1"/>
+            </a:fontRef>
+          </p:style>
+          <p:txBody>
+            <a:bodyPr rtlCol="0" anchor="ctr"/>
+            <a:lstStyle/>
+            <a:p>
+              <a:pPr algn="ctr"/>
+              <a:r>
+                <a:rPr lang="en-US" sz="1400" dirty="0" err="1" smtClean="0">
+                  <a:solidFill>
+                    <a:srgbClr val="000000"/>
+                  </a:solidFill>
+                </a:rPr>
+                <a:t>qvoYYY</a:t>
+              </a:r>
+              <a:endParaRPr lang="en-US" sz="1600" dirty="0">
+                <a:solidFill>
+                  <a:srgbClr val="000000"/>
+                </a:solidFill>
+              </a:endParaRPr>
+            </a:p>
+          </p:txBody>
+        </p:sp>
+        <p:sp>
+          <p:nvSpPr>
+            <p:cNvPr id="10" name="Rectangle 9"/>
+            <p:cNvSpPr/>
+            <p:nvPr/>
+          </p:nvSpPr>
+          <p:spPr>
+            <a:xfrm>
+              <a:off x="5531216" y="2990000"/>
+              <a:ext cx="814126" cy="309736"/>
+            </a:xfrm>
+            <a:prstGeom prst="rect">
+              <a:avLst/>
+            </a:prstGeom>
+            <a:solidFill>
+              <a:schemeClr val="accent6">
+                <a:lumMod val="60000"/>
+                <a:lumOff val="40000"/>
+              </a:schemeClr>
+            </a:solidFill>
+            <a:ln>
+              <a:solidFill>
+                <a:schemeClr val="tx1"/>
+              </a:solidFill>
+            </a:ln>
+            <a:effectLst/>
+          </p:spPr>
+          <p:style>
+            <a:lnRef idx="1">
+              <a:schemeClr val="accent1"/>
+            </a:lnRef>
+            <a:fillRef idx="3">
+              <a:schemeClr val="accent1"/>
+            </a:fillRef>
+            <a:effectRef idx="2">
+              <a:schemeClr val="accent1"/>
+            </a:effectRef>
+            <a:fontRef idx="minor">
+              <a:schemeClr val="lt1"/>
+            </a:fontRef>
+          </p:style>
+          <p:txBody>
+            <a:bodyPr rtlCol="0" anchor="ctr"/>
+            <a:lstStyle/>
+            <a:p>
+              <a:pPr algn="ctr"/>
+              <a:r>
+                <a:rPr lang="en-US" sz="1400" dirty="0" err="1" smtClean="0">
+                  <a:solidFill>
+                    <a:srgbClr val="000000"/>
+                  </a:solidFill>
+                </a:rPr>
+                <a:t>qvoZZZ</a:t>
+              </a:r>
+              <a:endParaRPr lang="en-US" sz="1600" dirty="0">
+                <a:solidFill>
+                  <a:srgbClr val="000000"/>
+                </a:solidFill>
+              </a:endParaRPr>
+            </a:p>
+          </p:txBody>
+        </p:sp>
+        <p:sp>
+          <p:nvSpPr>
+            <p:cNvPr id="13" name="Rectangle 12"/>
+            <p:cNvSpPr/>
+            <p:nvPr/>
+          </p:nvSpPr>
+          <p:spPr>
+            <a:xfrm>
+              <a:off x="3202662" y="3774853"/>
+              <a:ext cx="2160149" cy="309736"/>
+            </a:xfrm>
+            <a:prstGeom prst="rect">
+              <a:avLst/>
+            </a:prstGeom>
+            <a:solidFill>
+              <a:schemeClr val="accent6">
+                <a:lumMod val="60000"/>
+                <a:lumOff val="40000"/>
+              </a:schemeClr>
+            </a:solidFill>
+            <a:ln>
+              <a:solidFill>
+                <a:schemeClr val="tx1"/>
+              </a:solidFill>
+            </a:ln>
+            <a:effectLst/>
+          </p:spPr>
+          <p:style>
+            <a:lnRef idx="1">
+              <a:schemeClr val="accent1"/>
+            </a:lnRef>
+            <a:fillRef idx="3">
+              <a:schemeClr val="accent1"/>
+            </a:fillRef>
+            <a:effectRef idx="2">
+              <a:schemeClr val="accent1"/>
+            </a:effectRef>
+            <a:fontRef idx="minor">
+              <a:schemeClr val="lt1"/>
+            </a:fontRef>
+          </p:style>
+          <p:txBody>
+            <a:bodyPr rtlCol="0" anchor="ctr"/>
+            <a:lstStyle/>
+            <a:p>
+              <a:pPr algn="ctr"/>
+              <a:r>
+                <a:rPr lang="en-US" sz="1600" dirty="0">
+                  <a:solidFill>
+                    <a:srgbClr val="000000"/>
+                  </a:solidFill>
+                </a:rPr>
+                <a:t>i</a:t>
+              </a:r>
+              <a:r>
+                <a:rPr lang="en-US" sz="1600" dirty="0" smtClean="0">
+                  <a:solidFill>
+                    <a:srgbClr val="000000"/>
+                  </a:solidFill>
+                </a:rPr>
+                <a:t>nt-br-eth1</a:t>
+              </a:r>
+              <a:endParaRPr lang="en-US" sz="1600" dirty="0">
+                <a:solidFill>
+                  <a:srgbClr val="000000"/>
+                </a:solidFill>
+              </a:endParaRPr>
+            </a:p>
+          </p:txBody>
+        </p:sp>
+        <p:sp>
+          <p:nvSpPr>
+            <p:cNvPr id="14" name="Rectangle 13"/>
+            <p:cNvSpPr/>
+            <p:nvPr/>
+          </p:nvSpPr>
+          <p:spPr>
+            <a:xfrm>
+              <a:off x="3202662" y="4296334"/>
+              <a:ext cx="2160149" cy="309736"/>
+            </a:xfrm>
+            <a:prstGeom prst="rect">
+              <a:avLst/>
+            </a:prstGeom>
+            <a:solidFill>
+              <a:schemeClr val="accent6">
+                <a:lumMod val="60000"/>
+                <a:lumOff val="40000"/>
+              </a:schemeClr>
+            </a:solidFill>
+            <a:ln>
+              <a:solidFill>
+                <a:schemeClr val="tx1"/>
+              </a:solidFill>
+            </a:ln>
+            <a:effectLst/>
+          </p:spPr>
+          <p:style>
+            <a:lnRef idx="1">
+              <a:schemeClr val="accent1"/>
+            </a:lnRef>
+            <a:fillRef idx="3">
+              <a:schemeClr val="accent1"/>
+            </a:fillRef>
+            <a:effectRef idx="2">
+              <a:schemeClr val="accent1"/>
+            </a:effectRef>
+            <a:fontRef idx="minor">
+              <a:schemeClr val="lt1"/>
+            </a:fontRef>
+          </p:style>
+          <p:txBody>
+            <a:bodyPr rtlCol="0" anchor="ctr"/>
+            <a:lstStyle/>
+            <a:p>
+              <a:pPr algn="ctr"/>
+              <a:r>
+                <a:rPr lang="en-US" sz="1400" dirty="0">
+                  <a:solidFill>
+                    <a:srgbClr val="000000"/>
+                  </a:solidFill>
+                </a:rPr>
+                <a:t>p</a:t>
+              </a:r>
+              <a:r>
+                <a:rPr lang="en-US" sz="1400" dirty="0" smtClean="0">
+                  <a:solidFill>
+                    <a:srgbClr val="000000"/>
+                  </a:solidFill>
+                </a:rPr>
+                <a:t>hy-br-eth1</a:t>
+              </a:r>
+              <a:endParaRPr lang="en-US" sz="1400" dirty="0">
+                <a:solidFill>
+                  <a:srgbClr val="000000"/>
+                </a:solidFill>
+              </a:endParaRPr>
+            </a:p>
+          </p:txBody>
+        </p:sp>
+        <p:sp>
+          <p:nvSpPr>
+            <p:cNvPr id="16" name="Rectangle 15"/>
+            <p:cNvSpPr/>
+            <p:nvPr/>
+          </p:nvSpPr>
+          <p:spPr>
+            <a:xfrm>
+              <a:off x="3599303" y="5034512"/>
+              <a:ext cx="1465430" cy="309736"/>
+            </a:xfrm>
+            <a:prstGeom prst="rect">
+              <a:avLst/>
+            </a:prstGeom>
+            <a:solidFill>
+              <a:schemeClr val="tx2">
+                <a:lumMod val="40000"/>
+                <a:lumOff val="60000"/>
+              </a:schemeClr>
+            </a:solidFill>
+            <a:ln>
+              <a:solidFill>
+                <a:schemeClr val="tx1"/>
+              </a:solidFill>
+            </a:ln>
+            <a:effectLst/>
+          </p:spPr>
+          <p:style>
+            <a:lnRef idx="1">
+              <a:schemeClr val="accent1"/>
+            </a:lnRef>
+            <a:fillRef idx="3">
+              <a:schemeClr val="accent1"/>
+            </a:fillRef>
+            <a:effectRef idx="2">
+              <a:schemeClr val="accent1"/>
+            </a:effectRef>
+            <a:fontRef idx="minor">
+              <a:schemeClr val="lt1"/>
+            </a:fontRef>
+          </p:style>
+          <p:txBody>
+            <a:bodyPr rtlCol="0" anchor="ctr"/>
+            <a:lstStyle/>
+            <a:p>
+              <a:pPr algn="ctr"/>
+              <a:r>
+                <a:rPr lang="en-US" dirty="0" smtClean="0">
+                  <a:solidFill>
+                    <a:srgbClr val="000000"/>
+                  </a:solidFill>
+                </a:rPr>
+                <a:t>eth1</a:t>
+              </a:r>
+              <a:endParaRPr lang="en-US" dirty="0">
+                <a:solidFill>
+                  <a:srgbClr val="000000"/>
+                </a:solidFill>
+              </a:endParaRPr>
+            </a:p>
+          </p:txBody>
+        </p:sp>
+        <p:cxnSp>
+          <p:nvCxnSpPr>
+            <p:cNvPr id="18" name="Straight Connector 17"/>
+            <p:cNvCxnSpPr>
+              <a:stCxn id="13" idx="2"/>
+              <a:endCxn id="14" idx="0"/>
+            </p:cNvCxnSpPr>
+            <p:nvPr/>
+          </p:nvCxnSpPr>
+          <p:spPr>
+            <a:xfrm>
+              <a:off x="4282737" y="4084589"/>
+              <a:ext cx="0" cy="211745"/>
+            </a:xfrm>
+            <a:prstGeom prst="line">
+              <a:avLst/>
+            </a:prstGeom>
+            <a:ln>
+              <a:solidFill>
+                <a:schemeClr val="tx1"/>
+              </a:solidFill>
+            </a:ln>
+            <a:effectLst/>
+          </p:spPr>
+          <p:style>
+            <a:lnRef idx="2">
+              <a:schemeClr val="accent1"/>
+            </a:lnRef>
+            <a:fillRef idx="0">
+              <a:schemeClr val="accent1"/>
+            </a:fillRef>
+            <a:effectRef idx="1">
+              <a:schemeClr val="accent1"/>
+            </a:effectRef>
+            <a:fontRef idx="minor">
+              <a:schemeClr val="tx1"/>
+            </a:fontRef>
+          </p:style>
+        </p:cxnSp>
+        <p:cxnSp>
+          <p:nvCxnSpPr>
+            <p:cNvPr id="19" name="Straight Connector 18"/>
+            <p:cNvCxnSpPr>
+              <a:stCxn id="16" idx="2"/>
+              <a:endCxn id="71" idx="0"/>
+            </p:cNvCxnSpPr>
+            <p:nvPr/>
+          </p:nvCxnSpPr>
+          <p:spPr>
+            <a:xfrm>
+              <a:off x="4332018" y="5344248"/>
+              <a:ext cx="4564" cy="200286"/>
+            </a:xfrm>
+            <a:prstGeom prst="line">
+              <a:avLst/>
+            </a:prstGeom>
+            <a:ln>
+              <a:solidFill>
+                <a:schemeClr val="tx1"/>
+              </a:solidFill>
+            </a:ln>
+            <a:effectLst/>
+          </p:spPr>
+          <p:style>
+            <a:lnRef idx="2">
+              <a:schemeClr val="accent1"/>
+            </a:lnRef>
+            <a:fillRef idx="0">
+              <a:schemeClr val="accent1"/>
+            </a:fillRef>
+            <a:effectRef idx="1">
+              <a:schemeClr val="accent1"/>
+            </a:effectRef>
+            <a:fontRef idx="minor">
+              <a:schemeClr val="tx1"/>
+            </a:fontRef>
+          </p:style>
+        </p:cxnSp>
+        <p:grpSp>
+          <p:nvGrpSpPr>
+            <p:cNvPr id="39" name="Group 38"/>
+            <p:cNvGrpSpPr/>
+            <p:nvPr/>
+          </p:nvGrpSpPr>
+          <p:grpSpPr>
+            <a:xfrm>
+              <a:off x="2221928" y="1779653"/>
+              <a:ext cx="1086446" cy="1012927"/>
+              <a:chOff x="1665388" y="1277438"/>
+              <a:chExt cx="1086446" cy="1012927"/>
+            </a:xfrm>
+          </p:grpSpPr>
+          <p:sp>
+            <p:nvSpPr>
+              <p:cNvPr id="26" name="Rectangle 25"/>
+              <p:cNvSpPr/>
+              <p:nvPr/>
+            </p:nvSpPr>
+            <p:spPr>
+              <a:xfrm>
+                <a:off x="1830081" y="1980629"/>
+                <a:ext cx="814126" cy="309736"/>
+              </a:xfrm>
+              <a:prstGeom prst="rect">
+                <a:avLst/>
+              </a:prstGeom>
+              <a:solidFill>
+                <a:schemeClr val="accent6">
+                  <a:lumMod val="60000"/>
+                  <a:lumOff val="40000"/>
+                </a:schemeClr>
+              </a:solidFill>
+              <a:ln>
+                <a:solidFill>
+                  <a:schemeClr val="tx1"/>
+                </a:solidFill>
+              </a:ln>
+              <a:effectLst/>
+            </p:spPr>
+            <p:style>
+              <a:lnRef idx="1">
+                <a:schemeClr val="accent1"/>
+              </a:lnRef>
+              <a:fillRef idx="3">
+                <a:schemeClr val="accent1"/>
+              </a:fillRef>
+              <a:effectRef idx="2">
+                <a:schemeClr val="accent1"/>
+              </a:effectRef>
+              <a:fontRef idx="minor">
+                <a:schemeClr val="lt1"/>
+              </a:fontRef>
+            </p:style>
+            <p:txBody>
+              <a:bodyPr rtlCol="0" anchor="ctr"/>
+              <a:lstStyle/>
+              <a:p>
+                <a:pPr algn="ctr"/>
+                <a:r>
+                  <a:rPr lang="en-US" sz="1400" dirty="0" err="1" smtClean="0">
+                    <a:solidFill>
+                      <a:schemeClr val="tx1"/>
+                    </a:solidFill>
+                  </a:rPr>
+                  <a:t>qvbXXX</a:t>
+                </a:r>
+                <a:endParaRPr lang="en-US" sz="1400" dirty="0">
+                  <a:solidFill>
+                    <a:schemeClr val="tx1"/>
+                  </a:solidFill>
+                </a:endParaRPr>
+              </a:p>
+            </p:txBody>
+          </p:sp>
+          <p:sp>
+            <p:nvSpPr>
+              <p:cNvPr id="29" name="Rectangle 28"/>
+              <p:cNvSpPr/>
+              <p:nvPr/>
+            </p:nvSpPr>
+            <p:spPr>
+              <a:xfrm>
+                <a:off x="1665388" y="1581866"/>
+                <a:ext cx="1086446" cy="398763"/>
+              </a:xfrm>
+              <a:prstGeom prst="rect">
+                <a:avLst/>
+              </a:prstGeom>
+              <a:solidFill>
+                <a:schemeClr val="accent4">
+                  <a:lumMod val="60000"/>
+                  <a:lumOff val="40000"/>
+                </a:schemeClr>
+              </a:solidFill>
+              <a:ln>
+                <a:solidFill>
+                  <a:schemeClr val="tx1"/>
+                </a:solidFill>
+              </a:ln>
+              <a:effectLst/>
+            </p:spPr>
+            <p:style>
+              <a:lnRef idx="1">
+                <a:schemeClr val="accent1"/>
+              </a:lnRef>
+              <a:fillRef idx="3">
+                <a:schemeClr val="accent1"/>
+              </a:fillRef>
+              <a:effectRef idx="2">
+                <a:schemeClr val="accent1"/>
+              </a:effectRef>
+              <a:fontRef idx="minor">
+                <a:schemeClr val="lt1"/>
+              </a:fontRef>
+            </p:style>
+            <p:txBody>
+              <a:bodyPr rtlCol="0" anchor="ctr"/>
+              <a:lstStyle/>
+              <a:p>
+                <a:pPr algn="ctr"/>
+                <a:r>
+                  <a:rPr lang="en-US" sz="1400" dirty="0" err="1" smtClean="0">
+                    <a:solidFill>
+                      <a:schemeClr val="tx1"/>
+                    </a:solidFill>
+                  </a:rPr>
+                  <a:t>qbrXXX</a:t>
+                </a:r>
+                <a:endParaRPr lang="en-US" sz="1400" dirty="0">
+                  <a:solidFill>
+                    <a:schemeClr val="tx1"/>
+                  </a:solidFill>
+                </a:endParaRPr>
+              </a:p>
+            </p:txBody>
+          </p:sp>
+          <p:sp>
+            <p:nvSpPr>
+              <p:cNvPr id="32" name="Rectangle 31"/>
+              <p:cNvSpPr/>
+              <p:nvPr/>
+            </p:nvSpPr>
+            <p:spPr>
+              <a:xfrm>
+                <a:off x="1830081" y="1277438"/>
+                <a:ext cx="814126" cy="309736"/>
+              </a:xfrm>
+              <a:prstGeom prst="rect">
+                <a:avLst/>
+              </a:prstGeom>
+              <a:solidFill>
+                <a:schemeClr val="accent5">
+                  <a:lumMod val="40000"/>
+                  <a:lumOff val="60000"/>
+                </a:schemeClr>
+              </a:solidFill>
+              <a:ln>
+                <a:solidFill>
+                  <a:schemeClr val="tx1"/>
+                </a:solidFill>
+              </a:ln>
+              <a:effectLst/>
+            </p:spPr>
+            <p:style>
+              <a:lnRef idx="1">
+                <a:schemeClr val="accent1"/>
+              </a:lnRef>
+              <a:fillRef idx="3">
+                <a:schemeClr val="accent1"/>
+              </a:fillRef>
+              <a:effectRef idx="2">
+                <a:schemeClr val="accent1"/>
+              </a:effectRef>
+              <a:fontRef idx="minor">
+                <a:schemeClr val="lt1"/>
+              </a:fontRef>
+            </p:style>
+            <p:txBody>
+              <a:bodyPr rtlCol="0" anchor="ctr"/>
+              <a:lstStyle/>
+              <a:p>
+                <a:pPr algn="ctr"/>
+                <a:r>
+                  <a:rPr lang="en-US" sz="1400" dirty="0" smtClean="0">
+                    <a:solidFill>
+                      <a:schemeClr val="tx1"/>
+                    </a:solidFill>
+                  </a:rPr>
+                  <a:t>vnet0</a:t>
+                </a:r>
+                <a:endParaRPr lang="en-US" sz="1400" dirty="0">
+                  <a:solidFill>
+                    <a:schemeClr val="tx1"/>
+                  </a:solidFill>
+                </a:endParaRPr>
+              </a:p>
+            </p:txBody>
+          </p:sp>
+        </p:grpSp>
+        <p:sp>
+          <p:nvSpPr>
+            <p:cNvPr id="40" name="Rectangle 39"/>
+            <p:cNvSpPr/>
+            <p:nvPr/>
+          </p:nvSpPr>
+          <p:spPr>
+            <a:xfrm>
+              <a:off x="3927417" y="2477536"/>
+              <a:ext cx="814126" cy="309736"/>
+            </a:xfrm>
+            <a:prstGeom prst="rect">
+              <a:avLst/>
+            </a:prstGeom>
+            <a:solidFill>
+              <a:schemeClr val="accent6">
+                <a:lumMod val="60000"/>
+                <a:lumOff val="40000"/>
+              </a:schemeClr>
+            </a:solidFill>
+            <a:ln>
+              <a:solidFill>
+                <a:schemeClr val="tx1"/>
+              </a:solidFill>
+            </a:ln>
+            <a:effectLst/>
+          </p:spPr>
+          <p:style>
+            <a:lnRef idx="1">
+              <a:schemeClr val="accent1"/>
+            </a:lnRef>
+            <a:fillRef idx="3">
+              <a:schemeClr val="accent1"/>
+            </a:fillRef>
+            <a:effectRef idx="2">
+              <a:schemeClr val="accent1"/>
+            </a:effectRef>
+            <a:fontRef idx="minor">
+              <a:schemeClr val="lt1"/>
+            </a:fontRef>
+          </p:style>
+          <p:txBody>
+            <a:bodyPr rtlCol="0" anchor="ctr"/>
+            <a:lstStyle/>
+            <a:p>
+              <a:pPr algn="ctr"/>
+              <a:r>
+                <a:rPr lang="en-US" sz="1400" dirty="0" err="1" smtClean="0">
+                  <a:solidFill>
+                    <a:schemeClr val="tx1"/>
+                  </a:solidFill>
+                </a:rPr>
+                <a:t>qvbYYY</a:t>
+              </a:r>
+              <a:endParaRPr lang="en-US" sz="1400" dirty="0">
+                <a:solidFill>
+                  <a:schemeClr val="tx1"/>
+                </a:solidFill>
+              </a:endParaRPr>
+            </a:p>
+          </p:txBody>
+        </p:sp>
+        <p:sp>
+          <p:nvSpPr>
+            <p:cNvPr id="41" name="Rectangle 40"/>
+            <p:cNvSpPr/>
+            <p:nvPr/>
+          </p:nvSpPr>
+          <p:spPr>
+            <a:xfrm>
+              <a:off x="3762724" y="2078773"/>
+              <a:ext cx="1086446" cy="398763"/>
+            </a:xfrm>
+            <a:prstGeom prst="rect">
+              <a:avLst/>
+            </a:prstGeom>
+            <a:solidFill>
+              <a:schemeClr val="accent4">
+                <a:lumMod val="60000"/>
+                <a:lumOff val="40000"/>
+              </a:schemeClr>
+            </a:solidFill>
+            <a:ln>
+              <a:solidFill>
+                <a:schemeClr val="tx1"/>
+              </a:solidFill>
+            </a:ln>
+            <a:effectLst/>
+          </p:spPr>
+          <p:style>
+            <a:lnRef idx="1">
+              <a:schemeClr val="accent1"/>
+            </a:lnRef>
+            <a:fillRef idx="3">
+              <a:schemeClr val="accent1"/>
+            </a:fillRef>
+            <a:effectRef idx="2">
+              <a:schemeClr val="accent1"/>
+            </a:effectRef>
+            <a:fontRef idx="minor">
+              <a:schemeClr val="lt1"/>
+            </a:fontRef>
+          </p:style>
+          <p:txBody>
+            <a:bodyPr rtlCol="0" anchor="ctr"/>
+            <a:lstStyle/>
+            <a:p>
+              <a:pPr algn="ctr"/>
+              <a:r>
+                <a:rPr lang="en-US" sz="1400" dirty="0" err="1" smtClean="0">
+                  <a:solidFill>
+                    <a:schemeClr val="tx1"/>
+                  </a:solidFill>
+                </a:rPr>
+                <a:t>qbrYYY</a:t>
+              </a:r>
+              <a:endParaRPr lang="en-US" sz="1400" dirty="0">
+                <a:solidFill>
+                  <a:schemeClr val="tx1"/>
+                </a:solidFill>
+              </a:endParaRPr>
+            </a:p>
+          </p:txBody>
+        </p:sp>
+        <p:sp>
+          <p:nvSpPr>
+            <p:cNvPr id="42" name="Rectangle 41"/>
+            <p:cNvSpPr/>
+            <p:nvPr/>
+          </p:nvSpPr>
+          <p:spPr>
+            <a:xfrm>
+              <a:off x="3927417" y="1774345"/>
+              <a:ext cx="814126" cy="309736"/>
+            </a:xfrm>
+            <a:prstGeom prst="rect">
+              <a:avLst/>
+            </a:prstGeom>
+            <a:solidFill>
+              <a:schemeClr val="accent5">
+                <a:lumMod val="40000"/>
+                <a:lumOff val="60000"/>
+              </a:schemeClr>
+            </a:solidFill>
+            <a:ln>
+              <a:solidFill>
+                <a:schemeClr val="tx1"/>
+              </a:solidFill>
+            </a:ln>
+            <a:effectLst/>
+          </p:spPr>
+          <p:style>
+            <a:lnRef idx="1">
+              <a:schemeClr val="accent1"/>
+            </a:lnRef>
+            <a:fillRef idx="3">
+              <a:schemeClr val="accent1"/>
+            </a:fillRef>
+            <a:effectRef idx="2">
+              <a:schemeClr val="accent1"/>
+            </a:effectRef>
+            <a:fontRef idx="minor">
+              <a:schemeClr val="lt1"/>
+            </a:fontRef>
+          </p:style>
+          <p:txBody>
+            <a:bodyPr rtlCol="0" anchor="ctr"/>
+            <a:lstStyle/>
+            <a:p>
+              <a:pPr algn="ctr"/>
+              <a:r>
+                <a:rPr lang="en-US" sz="1400" dirty="0" smtClean="0">
+                  <a:solidFill>
+                    <a:schemeClr val="tx1"/>
+                  </a:solidFill>
+                </a:rPr>
+                <a:t>vnet1</a:t>
+              </a:r>
+              <a:endParaRPr lang="en-US" sz="1400" dirty="0">
+                <a:solidFill>
+                  <a:schemeClr val="tx1"/>
+                </a:solidFill>
+              </a:endParaRPr>
+            </a:p>
+          </p:txBody>
+        </p:sp>
+        <p:sp>
+          <p:nvSpPr>
+            <p:cNvPr id="43" name="Rectangle 42"/>
+            <p:cNvSpPr/>
+            <p:nvPr/>
+          </p:nvSpPr>
+          <p:spPr>
+            <a:xfrm>
+              <a:off x="5531875" y="2472228"/>
+              <a:ext cx="814126" cy="309736"/>
+            </a:xfrm>
+            <a:prstGeom prst="rect">
+              <a:avLst/>
+            </a:prstGeom>
+            <a:solidFill>
+              <a:schemeClr val="accent6">
+                <a:lumMod val="60000"/>
+                <a:lumOff val="40000"/>
+              </a:schemeClr>
+            </a:solidFill>
+            <a:ln>
+              <a:solidFill>
+                <a:schemeClr val="tx1"/>
+              </a:solidFill>
+            </a:ln>
+            <a:effectLst/>
+          </p:spPr>
+          <p:style>
+            <a:lnRef idx="1">
+              <a:schemeClr val="accent1"/>
+            </a:lnRef>
+            <a:fillRef idx="3">
+              <a:schemeClr val="accent1"/>
+            </a:fillRef>
+            <a:effectRef idx="2">
+              <a:schemeClr val="accent1"/>
+            </a:effectRef>
+            <a:fontRef idx="minor">
+              <a:schemeClr val="lt1"/>
+            </a:fontRef>
+          </p:style>
+          <p:txBody>
+            <a:bodyPr rtlCol="0" anchor="ctr"/>
+            <a:lstStyle/>
+            <a:p>
+              <a:pPr algn="ctr"/>
+              <a:r>
+                <a:rPr lang="en-US" sz="1400" dirty="0" err="1" smtClean="0">
+                  <a:solidFill>
+                    <a:schemeClr val="tx1"/>
+                  </a:solidFill>
+                </a:rPr>
+                <a:t>qvbZZZ</a:t>
+              </a:r>
+              <a:endParaRPr lang="en-US" sz="1400" dirty="0">
+                <a:solidFill>
+                  <a:schemeClr val="tx1"/>
+                </a:solidFill>
+              </a:endParaRPr>
+            </a:p>
+          </p:txBody>
+        </p:sp>
+        <p:sp>
+          <p:nvSpPr>
+            <p:cNvPr id="44" name="Rectangle 43"/>
+            <p:cNvSpPr/>
+            <p:nvPr/>
+          </p:nvSpPr>
+          <p:spPr>
+            <a:xfrm>
+              <a:off x="5367182" y="2073465"/>
+              <a:ext cx="1086446" cy="398763"/>
+            </a:xfrm>
+            <a:prstGeom prst="rect">
+              <a:avLst/>
+            </a:prstGeom>
+            <a:solidFill>
+              <a:schemeClr val="accent4">
+                <a:lumMod val="60000"/>
+                <a:lumOff val="40000"/>
+              </a:schemeClr>
+            </a:solidFill>
+            <a:ln>
+              <a:solidFill>
+                <a:schemeClr val="tx1"/>
+              </a:solidFill>
+            </a:ln>
+            <a:effectLst/>
+          </p:spPr>
+          <p:style>
+            <a:lnRef idx="1">
+              <a:schemeClr val="accent1"/>
+            </a:lnRef>
+            <a:fillRef idx="3">
+              <a:schemeClr val="accent1"/>
+            </a:fillRef>
+            <a:effectRef idx="2">
+              <a:schemeClr val="accent1"/>
+            </a:effectRef>
+            <a:fontRef idx="minor">
+              <a:schemeClr val="lt1"/>
+            </a:fontRef>
+          </p:style>
+          <p:txBody>
+            <a:bodyPr rtlCol="0" anchor="ctr"/>
+            <a:lstStyle/>
+            <a:p>
+              <a:pPr algn="ctr"/>
+              <a:r>
+                <a:rPr lang="en-US" sz="1400" dirty="0" err="1" smtClean="0">
+                  <a:solidFill>
+                    <a:schemeClr val="tx1"/>
+                  </a:solidFill>
+                </a:rPr>
+                <a:t>qbrZZZ</a:t>
+              </a:r>
+              <a:endParaRPr lang="en-US" sz="1400" dirty="0">
+                <a:solidFill>
+                  <a:schemeClr val="tx1"/>
+                </a:solidFill>
+              </a:endParaRPr>
+            </a:p>
+          </p:txBody>
+        </p:sp>
+        <p:sp>
+          <p:nvSpPr>
+            <p:cNvPr id="45" name="Rectangle 44"/>
+            <p:cNvSpPr/>
+            <p:nvPr/>
+          </p:nvSpPr>
+          <p:spPr>
+            <a:xfrm>
+              <a:off x="5531875" y="1769037"/>
+              <a:ext cx="814126" cy="309736"/>
+            </a:xfrm>
+            <a:prstGeom prst="rect">
+              <a:avLst/>
+            </a:prstGeom>
+            <a:solidFill>
+              <a:schemeClr val="accent5">
+                <a:lumMod val="40000"/>
+                <a:lumOff val="60000"/>
+              </a:schemeClr>
+            </a:solidFill>
+            <a:ln>
+              <a:solidFill>
+                <a:schemeClr val="tx1"/>
+              </a:solidFill>
+            </a:ln>
+            <a:effectLst/>
+          </p:spPr>
+          <p:style>
+            <a:lnRef idx="1">
+              <a:schemeClr val="accent1"/>
+            </a:lnRef>
+            <a:fillRef idx="3">
+              <a:schemeClr val="accent1"/>
+            </a:fillRef>
+            <a:effectRef idx="2">
+              <a:schemeClr val="accent1"/>
+            </a:effectRef>
+            <a:fontRef idx="minor">
+              <a:schemeClr val="lt1"/>
+            </a:fontRef>
+          </p:style>
+          <p:txBody>
+            <a:bodyPr rtlCol="0" anchor="ctr"/>
+            <a:lstStyle/>
+            <a:p>
+              <a:pPr algn="ctr"/>
+              <a:r>
+                <a:rPr lang="en-US" sz="1400" dirty="0" smtClean="0">
+                  <a:solidFill>
+                    <a:schemeClr val="tx1"/>
+                  </a:solidFill>
+                </a:rPr>
+                <a:t>vnet2</a:t>
+              </a:r>
+              <a:endParaRPr lang="en-US" sz="1400" dirty="0">
+                <a:solidFill>
+                  <a:schemeClr val="tx1"/>
+                </a:solidFill>
+              </a:endParaRPr>
+            </a:p>
+          </p:txBody>
+        </p:sp>
+        <p:sp>
+          <p:nvSpPr>
+            <p:cNvPr id="46" name="Rectangle 45"/>
+            <p:cNvSpPr/>
+            <p:nvPr/>
+          </p:nvSpPr>
+          <p:spPr>
+            <a:xfrm>
+              <a:off x="2221928" y="673058"/>
+              <a:ext cx="1086446" cy="749033"/>
+            </a:xfrm>
+            <a:prstGeom prst="rect">
+              <a:avLst/>
+            </a:prstGeom>
+            <a:solidFill>
+              <a:schemeClr val="accent3">
+                <a:lumMod val="60000"/>
+                <a:lumOff val="40000"/>
+              </a:schemeClr>
+            </a:solidFill>
+            <a:ln>
+              <a:solidFill>
+                <a:schemeClr val="tx1"/>
+              </a:solidFill>
+            </a:ln>
+            <a:effectLst/>
+          </p:spPr>
+          <p:style>
+            <a:lnRef idx="1">
+              <a:schemeClr val="accent1"/>
+            </a:lnRef>
+            <a:fillRef idx="3">
+              <a:schemeClr val="accent1"/>
+            </a:fillRef>
+            <a:effectRef idx="2">
+              <a:schemeClr val="accent1"/>
+            </a:effectRef>
+            <a:fontRef idx="minor">
+              <a:schemeClr val="lt1"/>
+            </a:fontRef>
+          </p:style>
+          <p:txBody>
+            <a:bodyPr rtlCol="0" anchor="ctr"/>
+            <a:lstStyle/>
+            <a:p>
+              <a:pPr algn="ctr"/>
+              <a:r>
+                <a:rPr lang="en-US" sz="1400" dirty="0" smtClean="0">
+                  <a:solidFill>
+                    <a:schemeClr val="tx1"/>
+                  </a:solidFill>
+                </a:rPr>
+                <a:t>VM 01</a:t>
+              </a:r>
+              <a:endParaRPr lang="en-US" sz="1400" dirty="0">
+                <a:solidFill>
+                  <a:schemeClr val="tx1"/>
+                </a:solidFill>
+              </a:endParaRPr>
+            </a:p>
+          </p:txBody>
+        </p:sp>
+        <p:sp>
+          <p:nvSpPr>
+            <p:cNvPr id="47" name="Rectangle 46"/>
+            <p:cNvSpPr/>
+            <p:nvPr/>
+          </p:nvSpPr>
+          <p:spPr>
+            <a:xfrm>
+              <a:off x="2386622" y="1267223"/>
+              <a:ext cx="814126" cy="309736"/>
+            </a:xfrm>
+            <a:prstGeom prst="rect">
+              <a:avLst/>
+            </a:prstGeom>
+            <a:solidFill>
+              <a:schemeClr val="accent5">
+                <a:lumMod val="40000"/>
+                <a:lumOff val="60000"/>
+              </a:schemeClr>
+            </a:solidFill>
+            <a:ln>
+              <a:solidFill>
+                <a:schemeClr val="tx1"/>
+              </a:solidFill>
+            </a:ln>
+            <a:effectLst/>
+          </p:spPr>
+          <p:style>
+            <a:lnRef idx="1">
+              <a:schemeClr val="accent1"/>
+            </a:lnRef>
+            <a:fillRef idx="3">
+              <a:schemeClr val="accent1"/>
+            </a:fillRef>
+            <a:effectRef idx="2">
+              <a:schemeClr val="accent1"/>
+            </a:effectRef>
+            <a:fontRef idx="minor">
+              <a:schemeClr val="lt1"/>
+            </a:fontRef>
+          </p:style>
+          <p:txBody>
+            <a:bodyPr rtlCol="0" anchor="ctr"/>
+            <a:lstStyle/>
+            <a:p>
+              <a:pPr algn="ctr"/>
+              <a:r>
+                <a:rPr lang="en-US" sz="1400" dirty="0" smtClean="0">
+                  <a:solidFill>
+                    <a:schemeClr val="tx1"/>
+                  </a:solidFill>
+                </a:rPr>
+                <a:t>eth0</a:t>
+              </a:r>
+              <a:endParaRPr lang="en-US" sz="1400" dirty="0">
+                <a:solidFill>
+                  <a:schemeClr val="tx1"/>
+                </a:solidFill>
+              </a:endParaRPr>
+            </a:p>
+          </p:txBody>
+        </p:sp>
+        <p:sp>
+          <p:nvSpPr>
+            <p:cNvPr id="48" name="Rectangle 47"/>
+            <p:cNvSpPr/>
+            <p:nvPr/>
+          </p:nvSpPr>
+          <p:spPr>
+            <a:xfrm>
+              <a:off x="3762724" y="673058"/>
+              <a:ext cx="1086446" cy="749033"/>
+            </a:xfrm>
+            <a:prstGeom prst="rect">
+              <a:avLst/>
+            </a:prstGeom>
+            <a:solidFill>
+              <a:schemeClr val="accent3">
+                <a:lumMod val="60000"/>
+                <a:lumOff val="40000"/>
+              </a:schemeClr>
+            </a:solidFill>
+            <a:ln>
+              <a:solidFill>
+                <a:schemeClr val="tx1"/>
+              </a:solidFill>
+            </a:ln>
+            <a:effectLst/>
+          </p:spPr>
+          <p:style>
+            <a:lnRef idx="1">
+              <a:schemeClr val="accent1"/>
+            </a:lnRef>
+            <a:fillRef idx="3">
+              <a:schemeClr val="accent1"/>
+            </a:fillRef>
+            <a:effectRef idx="2">
+              <a:schemeClr val="accent1"/>
+            </a:effectRef>
+            <a:fontRef idx="minor">
+              <a:schemeClr val="lt1"/>
+            </a:fontRef>
+          </p:style>
+          <p:txBody>
+            <a:bodyPr rtlCol="0" anchor="ctr"/>
+            <a:lstStyle/>
+            <a:p>
+              <a:pPr algn="ctr"/>
+              <a:r>
+                <a:rPr lang="en-US" sz="1400" dirty="0" smtClean="0">
+                  <a:solidFill>
+                    <a:schemeClr val="tx1"/>
+                  </a:solidFill>
+                </a:rPr>
+                <a:t>VM 02</a:t>
+              </a:r>
+              <a:endParaRPr lang="en-US" sz="1400" dirty="0">
+                <a:solidFill>
+                  <a:schemeClr val="tx1"/>
+                </a:solidFill>
+              </a:endParaRPr>
+            </a:p>
+          </p:txBody>
+        </p:sp>
+        <p:sp>
+          <p:nvSpPr>
+            <p:cNvPr id="49" name="Rectangle 48"/>
+            <p:cNvSpPr/>
+            <p:nvPr/>
+          </p:nvSpPr>
+          <p:spPr>
+            <a:xfrm>
+              <a:off x="3927418" y="1267223"/>
+              <a:ext cx="814126" cy="309736"/>
+            </a:xfrm>
+            <a:prstGeom prst="rect">
+              <a:avLst/>
+            </a:prstGeom>
+            <a:solidFill>
+              <a:schemeClr val="accent5">
+                <a:lumMod val="40000"/>
+                <a:lumOff val="60000"/>
+              </a:schemeClr>
+            </a:solidFill>
+            <a:ln>
+              <a:solidFill>
+                <a:schemeClr val="tx1"/>
+              </a:solidFill>
+            </a:ln>
+            <a:effectLst/>
+          </p:spPr>
+          <p:style>
+            <a:lnRef idx="1">
+              <a:schemeClr val="accent1"/>
+            </a:lnRef>
+            <a:fillRef idx="3">
+              <a:schemeClr val="accent1"/>
+            </a:fillRef>
+            <a:effectRef idx="2">
+              <a:schemeClr val="accent1"/>
+            </a:effectRef>
+            <a:fontRef idx="minor">
+              <a:schemeClr val="lt1"/>
+            </a:fontRef>
+          </p:style>
+          <p:txBody>
+            <a:bodyPr rtlCol="0" anchor="ctr"/>
+            <a:lstStyle/>
+            <a:p>
+              <a:pPr algn="ctr"/>
+              <a:r>
+                <a:rPr lang="en-US" sz="1400" dirty="0" smtClean="0">
+                  <a:solidFill>
+                    <a:schemeClr val="tx1"/>
+                  </a:solidFill>
+                </a:rPr>
+                <a:t>eth1</a:t>
+              </a:r>
+              <a:endParaRPr lang="en-US" sz="1400" dirty="0">
+                <a:solidFill>
+                  <a:schemeClr val="tx1"/>
+                </a:solidFill>
+              </a:endParaRPr>
+            </a:p>
+          </p:txBody>
+        </p:sp>
+        <p:sp>
+          <p:nvSpPr>
+            <p:cNvPr id="50" name="Rectangle 49"/>
+            <p:cNvSpPr/>
+            <p:nvPr/>
+          </p:nvSpPr>
+          <p:spPr>
+            <a:xfrm>
+              <a:off x="5367182" y="673058"/>
+              <a:ext cx="1086446" cy="749033"/>
+            </a:xfrm>
+            <a:prstGeom prst="rect">
+              <a:avLst/>
+            </a:prstGeom>
+            <a:solidFill>
+              <a:schemeClr val="accent3">
+                <a:lumMod val="60000"/>
+                <a:lumOff val="40000"/>
+              </a:schemeClr>
+            </a:solidFill>
+            <a:ln>
+              <a:solidFill>
+                <a:schemeClr val="tx1"/>
+              </a:solidFill>
+            </a:ln>
+            <a:effectLst/>
+          </p:spPr>
+          <p:style>
+            <a:lnRef idx="1">
+              <a:schemeClr val="accent1"/>
+            </a:lnRef>
+            <a:fillRef idx="3">
+              <a:schemeClr val="accent1"/>
+            </a:fillRef>
+            <a:effectRef idx="2">
+              <a:schemeClr val="accent1"/>
+            </a:effectRef>
+            <a:fontRef idx="minor">
+              <a:schemeClr val="lt1"/>
+            </a:fontRef>
+          </p:style>
+          <p:txBody>
+            <a:bodyPr rtlCol="0" anchor="ctr"/>
+            <a:lstStyle/>
+            <a:p>
+              <a:pPr algn="ctr"/>
+              <a:r>
+                <a:rPr lang="en-US" sz="1400" dirty="0" smtClean="0">
+                  <a:solidFill>
+                    <a:schemeClr val="tx1"/>
+                  </a:solidFill>
+                </a:rPr>
+                <a:t>VM 03</a:t>
+              </a:r>
+              <a:endParaRPr lang="en-US" sz="1400" dirty="0">
+                <a:solidFill>
+                  <a:schemeClr val="tx1"/>
+                </a:solidFill>
+              </a:endParaRPr>
+            </a:p>
+          </p:txBody>
+        </p:sp>
+        <p:sp>
+          <p:nvSpPr>
+            <p:cNvPr id="51" name="Rectangle 50"/>
+            <p:cNvSpPr/>
+            <p:nvPr/>
+          </p:nvSpPr>
+          <p:spPr>
+            <a:xfrm>
+              <a:off x="5531876" y="1267223"/>
+              <a:ext cx="814126" cy="309736"/>
+            </a:xfrm>
+            <a:prstGeom prst="rect">
+              <a:avLst/>
+            </a:prstGeom>
+            <a:solidFill>
+              <a:schemeClr val="accent5">
+                <a:lumMod val="40000"/>
+                <a:lumOff val="60000"/>
+              </a:schemeClr>
+            </a:solidFill>
+            <a:ln>
+              <a:solidFill>
+                <a:schemeClr val="tx1"/>
+              </a:solidFill>
+            </a:ln>
+            <a:effectLst/>
+          </p:spPr>
+          <p:style>
+            <a:lnRef idx="1">
+              <a:schemeClr val="accent1"/>
+            </a:lnRef>
+            <a:fillRef idx="3">
+              <a:schemeClr val="accent1"/>
+            </a:fillRef>
+            <a:effectRef idx="2">
+              <a:schemeClr val="accent1"/>
+            </a:effectRef>
+            <a:fontRef idx="minor">
+              <a:schemeClr val="lt1"/>
+            </a:fontRef>
+          </p:style>
+          <p:txBody>
+            <a:bodyPr rtlCol="0" anchor="ctr"/>
+            <a:lstStyle/>
+            <a:p>
+              <a:pPr algn="ctr"/>
+              <a:r>
+                <a:rPr lang="en-US" sz="1400" dirty="0" smtClean="0">
+                  <a:solidFill>
+                    <a:schemeClr val="tx1"/>
+                  </a:solidFill>
+                </a:rPr>
+                <a:t>eth2</a:t>
+              </a:r>
+              <a:endParaRPr lang="en-US" sz="1400" dirty="0">
+                <a:solidFill>
+                  <a:schemeClr val="tx1"/>
+                </a:solidFill>
+              </a:endParaRPr>
+            </a:p>
+          </p:txBody>
+        </p:sp>
+        <p:cxnSp>
+          <p:nvCxnSpPr>
+            <p:cNvPr id="52" name="Straight Connector 51"/>
+            <p:cNvCxnSpPr>
+              <a:stCxn id="26" idx="2"/>
+              <a:endCxn id="8" idx="0"/>
+            </p:cNvCxnSpPr>
+            <p:nvPr/>
+          </p:nvCxnSpPr>
+          <p:spPr>
+            <a:xfrm>
+              <a:off x="2793684" y="2792580"/>
+              <a:ext cx="1915" cy="219916"/>
+            </a:xfrm>
+            <a:prstGeom prst="line">
+              <a:avLst/>
+            </a:prstGeom>
+            <a:ln>
+              <a:solidFill>
+                <a:schemeClr val="tx1"/>
+              </a:solidFill>
+            </a:ln>
+            <a:effectLst/>
+          </p:spPr>
+          <p:style>
+            <a:lnRef idx="2">
+              <a:schemeClr val="accent1"/>
+            </a:lnRef>
+            <a:fillRef idx="0">
+              <a:schemeClr val="accent1"/>
+            </a:fillRef>
+            <a:effectRef idx="1">
+              <a:schemeClr val="accent1"/>
+            </a:effectRef>
+            <a:fontRef idx="minor">
+              <a:schemeClr val="tx1"/>
+            </a:fontRef>
+          </p:style>
+        </p:cxnSp>
+        <p:cxnSp>
+          <p:nvCxnSpPr>
+            <p:cNvPr id="53" name="Straight Connector 52"/>
+            <p:cNvCxnSpPr>
+              <a:stCxn id="40" idx="2"/>
+              <a:endCxn id="9" idx="0"/>
+            </p:cNvCxnSpPr>
+            <p:nvPr/>
+          </p:nvCxnSpPr>
+          <p:spPr>
+            <a:xfrm flipH="1">
+              <a:off x="4332018" y="2787272"/>
+              <a:ext cx="2462" cy="225224"/>
+            </a:xfrm>
+            <a:prstGeom prst="line">
+              <a:avLst/>
+            </a:prstGeom>
+            <a:ln>
+              <a:solidFill>
+                <a:schemeClr val="tx1"/>
+              </a:solidFill>
+            </a:ln>
+            <a:effectLst/>
+          </p:spPr>
+          <p:style>
+            <a:lnRef idx="2">
+              <a:schemeClr val="accent1"/>
+            </a:lnRef>
+            <a:fillRef idx="0">
+              <a:schemeClr val="accent1"/>
+            </a:fillRef>
+            <a:effectRef idx="1">
+              <a:schemeClr val="accent1"/>
+            </a:effectRef>
+            <a:fontRef idx="minor">
+              <a:schemeClr val="tx1"/>
+            </a:fontRef>
+          </p:style>
+        </p:cxnSp>
+        <p:cxnSp>
+          <p:nvCxnSpPr>
+            <p:cNvPr id="58" name="Straight Connector 57"/>
+            <p:cNvCxnSpPr>
+              <a:stCxn id="43" idx="2"/>
+              <a:endCxn id="10" idx="0"/>
+            </p:cNvCxnSpPr>
+            <p:nvPr/>
+          </p:nvCxnSpPr>
+          <p:spPr>
+            <a:xfrm flipH="1">
+              <a:off x="5938279" y="2781964"/>
+              <a:ext cx="659" cy="208036"/>
+            </a:xfrm>
+            <a:prstGeom prst="line">
+              <a:avLst/>
+            </a:prstGeom>
+            <a:ln>
+              <a:solidFill>
+                <a:schemeClr val="tx1"/>
+              </a:solidFill>
+            </a:ln>
+            <a:effectLst/>
+          </p:spPr>
+          <p:style>
+            <a:lnRef idx="2">
+              <a:schemeClr val="accent1"/>
+            </a:lnRef>
+            <a:fillRef idx="0">
+              <a:schemeClr val="accent1"/>
+            </a:fillRef>
+            <a:effectRef idx="1">
+              <a:schemeClr val="accent1"/>
+            </a:effectRef>
+            <a:fontRef idx="minor">
+              <a:schemeClr val="tx1"/>
+            </a:fontRef>
+          </p:style>
+        </p:cxnSp>
+        <p:cxnSp>
+          <p:nvCxnSpPr>
+            <p:cNvPr id="61" name="Straight Connector 60"/>
+            <p:cNvCxnSpPr>
+              <a:stCxn id="51" idx="2"/>
+              <a:endCxn id="45" idx="0"/>
+            </p:cNvCxnSpPr>
+            <p:nvPr/>
+          </p:nvCxnSpPr>
+          <p:spPr>
+            <a:xfrm flipH="1">
+              <a:off x="5938938" y="1576959"/>
+              <a:ext cx="1" cy="192078"/>
+            </a:xfrm>
+            <a:prstGeom prst="line">
+              <a:avLst/>
+            </a:prstGeom>
+            <a:ln>
+              <a:solidFill>
+                <a:schemeClr val="tx1"/>
+              </a:solidFill>
+            </a:ln>
+            <a:effectLst/>
+          </p:spPr>
+          <p:style>
+            <a:lnRef idx="2">
+              <a:schemeClr val="accent1"/>
+            </a:lnRef>
+            <a:fillRef idx="0">
+              <a:schemeClr val="accent1"/>
+            </a:fillRef>
+            <a:effectRef idx="1">
+              <a:schemeClr val="accent1"/>
+            </a:effectRef>
+            <a:fontRef idx="minor">
+              <a:schemeClr val="tx1"/>
+            </a:fontRef>
+          </p:style>
+        </p:cxnSp>
+        <p:cxnSp>
+          <p:nvCxnSpPr>
+            <p:cNvPr id="64" name="Straight Connector 63"/>
+            <p:cNvCxnSpPr>
+              <a:stCxn id="49" idx="2"/>
+              <a:endCxn id="42" idx="0"/>
+            </p:cNvCxnSpPr>
+            <p:nvPr/>
+          </p:nvCxnSpPr>
+          <p:spPr>
+            <a:xfrm flipH="1">
+              <a:off x="4334480" y="1576959"/>
+              <a:ext cx="1" cy="197386"/>
+            </a:xfrm>
+            <a:prstGeom prst="line">
+              <a:avLst/>
+            </a:prstGeom>
+            <a:ln>
+              <a:solidFill>
+                <a:schemeClr val="tx1"/>
+              </a:solidFill>
+            </a:ln>
+            <a:effectLst/>
+          </p:spPr>
+          <p:style>
+            <a:lnRef idx="2">
+              <a:schemeClr val="accent1"/>
+            </a:lnRef>
+            <a:fillRef idx="0">
+              <a:schemeClr val="accent1"/>
+            </a:fillRef>
+            <a:effectRef idx="1">
+              <a:schemeClr val="accent1"/>
+            </a:effectRef>
+            <a:fontRef idx="minor">
+              <a:schemeClr val="tx1"/>
+            </a:fontRef>
+          </p:style>
+        </p:cxnSp>
+        <p:cxnSp>
+          <p:nvCxnSpPr>
+            <p:cNvPr id="67" name="Straight Connector 66"/>
+            <p:cNvCxnSpPr>
+              <a:stCxn id="47" idx="2"/>
+              <a:endCxn id="32" idx="0"/>
+            </p:cNvCxnSpPr>
+            <p:nvPr/>
+          </p:nvCxnSpPr>
+          <p:spPr>
+            <a:xfrm flipH="1">
+              <a:off x="2793684" y="1576959"/>
+              <a:ext cx="1" cy="202694"/>
+            </a:xfrm>
+            <a:prstGeom prst="line">
+              <a:avLst/>
+            </a:prstGeom>
+            <a:ln>
+              <a:solidFill>
+                <a:schemeClr val="tx1"/>
+              </a:solidFill>
+            </a:ln>
+            <a:effectLst/>
+          </p:spPr>
+          <p:style>
+            <a:lnRef idx="2">
+              <a:schemeClr val="accent1"/>
+            </a:lnRef>
+            <a:fillRef idx="0">
+              <a:schemeClr val="accent1"/>
+            </a:fillRef>
+            <a:effectRef idx="1">
+              <a:schemeClr val="accent1"/>
+            </a:effectRef>
+            <a:fontRef idx="minor">
+              <a:schemeClr val="tx1"/>
+            </a:fontRef>
+          </p:style>
+        </p:cxnSp>
+        <p:sp>
+          <p:nvSpPr>
+            <p:cNvPr id="71" name="Rectangle 70"/>
+            <p:cNvSpPr/>
+            <p:nvPr/>
+          </p:nvSpPr>
+          <p:spPr>
+            <a:xfrm>
+              <a:off x="2974277" y="5544534"/>
+              <a:ext cx="2724610" cy="686557"/>
+            </a:xfrm>
+            <a:prstGeom prst="rect">
+              <a:avLst/>
+            </a:prstGeom>
+            <a:solidFill>
+              <a:schemeClr val="accent5">
+                <a:lumMod val="40000"/>
+                <a:lumOff val="60000"/>
+              </a:schemeClr>
+            </a:solidFill>
+            <a:ln>
+              <a:solidFill>
+                <a:schemeClr val="tx1"/>
+              </a:solidFill>
+            </a:ln>
+            <a:effectLst/>
+          </p:spPr>
+          <p:style>
+            <a:lnRef idx="1">
+              <a:schemeClr val="accent1"/>
+            </a:lnRef>
+            <a:fillRef idx="3">
+              <a:schemeClr val="accent1"/>
+            </a:fillRef>
+            <a:effectRef idx="2">
+              <a:schemeClr val="accent1"/>
+            </a:effectRef>
+            <a:fontRef idx="minor">
+              <a:schemeClr val="lt1"/>
+            </a:fontRef>
+          </p:style>
+          <p:txBody>
+            <a:bodyPr rtlCol="0" anchor="ctr"/>
+            <a:lstStyle/>
+            <a:p>
+              <a:pPr algn="ctr"/>
+              <a:endParaRPr lang="en-US" sz="1400" dirty="0">
+                <a:solidFill>
+                  <a:schemeClr val="tx1"/>
+                </a:solidFill>
+              </a:endParaRPr>
+            </a:p>
+          </p:txBody>
+        </p:sp>
+        <p:cxnSp>
+          <p:nvCxnSpPr>
+            <p:cNvPr id="74" name="Straight Connector 73"/>
+            <p:cNvCxnSpPr/>
+            <p:nvPr/>
+          </p:nvCxnSpPr>
+          <p:spPr>
+            <a:xfrm>
+              <a:off x="4070634" y="5666602"/>
+              <a:ext cx="0" cy="282245"/>
+            </a:xfrm>
+            <a:prstGeom prst="line">
+              <a:avLst/>
+            </a:prstGeom>
+            <a:ln>
+              <a:solidFill>
+                <a:srgbClr val="000090"/>
+              </a:solidFill>
+            </a:ln>
+            <a:effectLst/>
+          </p:spPr>
+          <p:style>
+            <a:lnRef idx="2">
+              <a:schemeClr val="accent1"/>
+            </a:lnRef>
+            <a:fillRef idx="0">
+              <a:schemeClr val="accent1"/>
+            </a:fillRef>
+            <a:effectRef idx="1">
+              <a:schemeClr val="accent1"/>
+            </a:effectRef>
+            <a:fontRef idx="minor">
+              <a:schemeClr val="tx1"/>
+            </a:fontRef>
+          </p:style>
+        </p:cxnSp>
+        <p:cxnSp>
+          <p:nvCxnSpPr>
+            <p:cNvPr id="75" name="Straight Connector 74"/>
+            <p:cNvCxnSpPr/>
+            <p:nvPr/>
+          </p:nvCxnSpPr>
+          <p:spPr>
+            <a:xfrm flipH="1">
+              <a:off x="3093682" y="5948847"/>
+              <a:ext cx="976952" cy="0"/>
+            </a:xfrm>
+            <a:prstGeom prst="line">
+              <a:avLst/>
+            </a:prstGeom>
+            <a:ln>
+              <a:solidFill>
+                <a:srgbClr val="000090"/>
+              </a:solidFill>
+            </a:ln>
+            <a:effectLst/>
+          </p:spPr>
+          <p:style>
+            <a:lnRef idx="2">
+              <a:schemeClr val="accent1"/>
+            </a:lnRef>
+            <a:fillRef idx="0">
+              <a:schemeClr val="accent1"/>
+            </a:fillRef>
+            <a:effectRef idx="1">
+              <a:schemeClr val="accent1"/>
+            </a:effectRef>
+            <a:fontRef idx="minor">
+              <a:schemeClr val="tx1"/>
+            </a:fontRef>
+          </p:style>
+        </p:cxnSp>
+        <p:cxnSp>
+          <p:nvCxnSpPr>
+            <p:cNvPr id="78" name="Straight Connector 77"/>
+            <p:cNvCxnSpPr/>
+            <p:nvPr/>
+          </p:nvCxnSpPr>
+          <p:spPr>
+            <a:xfrm>
+              <a:off x="4570395" y="5677879"/>
+              <a:ext cx="0" cy="282245"/>
+            </a:xfrm>
+            <a:prstGeom prst="line">
+              <a:avLst/>
+            </a:prstGeom>
+            <a:ln>
+              <a:solidFill>
+                <a:srgbClr val="FF0000"/>
+              </a:solidFill>
+            </a:ln>
+            <a:effectLst/>
+          </p:spPr>
+          <p:style>
+            <a:lnRef idx="2">
+              <a:schemeClr val="accent1"/>
+            </a:lnRef>
+            <a:fillRef idx="0">
+              <a:schemeClr val="accent1"/>
+            </a:fillRef>
+            <a:effectRef idx="1">
+              <a:schemeClr val="accent1"/>
+            </a:effectRef>
+            <a:fontRef idx="minor">
+              <a:schemeClr val="tx1"/>
+            </a:fontRef>
+          </p:style>
+        </p:cxnSp>
+        <p:cxnSp>
+          <p:nvCxnSpPr>
+            <p:cNvPr id="79" name="Straight Connector 78"/>
+            <p:cNvCxnSpPr/>
+            <p:nvPr/>
+          </p:nvCxnSpPr>
+          <p:spPr>
+            <a:xfrm>
+              <a:off x="4570395" y="5948847"/>
+              <a:ext cx="961481" cy="11277"/>
+            </a:xfrm>
+            <a:prstGeom prst="line">
+              <a:avLst/>
+            </a:prstGeom>
+            <a:ln>
+              <a:solidFill>
+                <a:srgbClr val="FF0000"/>
+              </a:solidFill>
+            </a:ln>
+            <a:effectLst/>
+          </p:spPr>
+          <p:style>
+            <a:lnRef idx="2">
+              <a:schemeClr val="accent1"/>
+            </a:lnRef>
+            <a:fillRef idx="0">
+              <a:schemeClr val="accent1"/>
+            </a:fillRef>
+            <a:effectRef idx="1">
+              <a:schemeClr val="accent1"/>
+            </a:effectRef>
+            <a:fontRef idx="minor">
+              <a:schemeClr val="tx1"/>
+            </a:fontRef>
+          </p:style>
+        </p:cxnSp>
+        <p:sp>
+          <p:nvSpPr>
+            <p:cNvPr id="82" name="TextBox 81"/>
+            <p:cNvSpPr txBox="1"/>
+            <p:nvPr/>
+          </p:nvSpPr>
+          <p:spPr>
+            <a:xfrm>
+              <a:off x="3093682" y="5612322"/>
+              <a:ext cx="831273" cy="307777"/>
+            </a:xfrm>
+            <a:prstGeom prst="rect">
+              <a:avLst/>
+            </a:prstGeom>
+            <a:noFill/>
+          </p:spPr>
+          <p:txBody>
+            <a:bodyPr wrap="square" rtlCol="0">
+              <a:spAutoFit/>
+            </a:bodyPr>
+            <a:lstStyle/>
+            <a:p>
+              <a:r>
+                <a:rPr lang="en-US" sz="1400" dirty="0" smtClean="0"/>
+                <a:t>VLAN 1</a:t>
+              </a:r>
+              <a:endParaRPr lang="en-US" sz="1400" dirty="0"/>
+            </a:p>
+          </p:txBody>
+        </p:sp>
+        <p:sp>
+          <p:nvSpPr>
+            <p:cNvPr id="83" name="TextBox 82"/>
+            <p:cNvSpPr txBox="1"/>
+            <p:nvPr/>
+          </p:nvSpPr>
+          <p:spPr>
+            <a:xfrm>
+              <a:off x="4649096" y="5595445"/>
+              <a:ext cx="831273" cy="307777"/>
+            </a:xfrm>
+            <a:prstGeom prst="rect">
+              <a:avLst/>
+            </a:prstGeom>
+            <a:noFill/>
+          </p:spPr>
+          <p:txBody>
+            <a:bodyPr wrap="square" rtlCol="0">
+              <a:spAutoFit/>
+            </a:bodyPr>
+            <a:lstStyle/>
+            <a:p>
+              <a:r>
+                <a:rPr lang="en-US" sz="1400" dirty="0" smtClean="0"/>
+                <a:t>VLAN 2</a:t>
+              </a:r>
+              <a:endParaRPr lang="en-US" sz="1400" dirty="0"/>
+            </a:p>
+          </p:txBody>
+        </p:sp>
+      </p:grpSp>
+    </p:spTree>
+    <p:extLst>
+      <p:ext uri="{BB962C8B-B14F-4D97-AF65-F5344CB8AC3E}">
+        <p14:creationId xmlns:p14="http://schemas.microsoft.com/office/powerpoint/2010/main" val="2432397169"/>
+      </p:ext>
+    </p:extLst>
+  </p:cSld>
+  <p:clrMapOvr>
+    <a:masterClrMapping/>
+  </p:clrMapOvr>
+</p:sld>
+</file>
+
+<file path=ppt/slides/slide4.xml><?xml version="1.0" encoding="utf-8"?>
 <p:sld xmlns:a="http://schemas.openxmlformats.org/drawingml/2006/main" xmlns:r="http://schemas.openxmlformats.org/officeDocument/2006/relationships" xmlns:p="http://schemas.openxmlformats.org/presentationml/2006/main">
   <p:cSld>
     <p:spTree>
@@ -6435,7 +8497,7 @@
 </p:sld>
 </file>
 
-<file path=ppt/slides/slide4.xml><?xml version="1.0" encoding="utf-8"?>
+<file path=ppt/slides/slide5.xml><?xml version="1.0" encoding="utf-8"?>
 <p:sld xmlns:a="http://schemas.openxmlformats.org/drawingml/2006/main" xmlns:r="http://schemas.openxmlformats.org/officeDocument/2006/relationships" xmlns:p="http://schemas.openxmlformats.org/presentationml/2006/main">
   <p:cSld>
     <p:spTree>
@@ -8075,7 +10137,7 @@
 </p:sld>
 </file>
 
-<file path=ppt/slides/slide5.xml><?xml version="1.0" encoding="utf-8"?>
+<file path=ppt/slides/slide6.xml><?xml version="1.0" encoding="utf-8"?>
 <p:sld xmlns:a="http://schemas.openxmlformats.org/drawingml/2006/main" xmlns:r="http://schemas.openxmlformats.org/officeDocument/2006/relationships" xmlns:p="http://schemas.openxmlformats.org/presentationml/2006/main">
   <p:cSld>
     <p:spTree>
@@ -8094,16 +10156,16 @@
       </p:grpSpPr>
       <p:grpSp>
         <p:nvGrpSpPr>
-          <p:cNvPr id="5" name="Group 4"/>
+          <p:cNvPr id="40" name="Group 39"/>
           <p:cNvGrpSpPr/>
           <p:nvPr/>
         </p:nvGrpSpPr>
         <p:grpSpPr>
           <a:xfrm>
-            <a:off x="1530558" y="1226678"/>
-            <a:ext cx="2962563" cy="3634993"/>
-            <a:chOff x="1530558" y="1226678"/>
-            <a:chExt cx="2962563" cy="3634993"/>
+            <a:off x="1530559" y="1744437"/>
+            <a:ext cx="3785169" cy="2672156"/>
+            <a:chOff x="1530559" y="1744437"/>
+            <a:chExt cx="3785169" cy="2672156"/>
           </a:xfrm>
         </p:grpSpPr>
         <p:sp>
@@ -8114,8 +10176,8 @@
           </p:nvSpPr>
           <p:spPr>
             <a:xfrm>
-              <a:off x="1530558" y="2812437"/>
-              <a:ext cx="987807" cy="553633"/>
+              <a:off x="1530559" y="2812437"/>
+              <a:ext cx="962757" cy="553633"/>
             </a:xfrm>
             <a:prstGeom prst="rect">
               <a:avLst/>
@@ -8171,8 +10233,8 @@
           </p:nvSpPr>
           <p:spPr>
             <a:xfrm>
-              <a:off x="3430187" y="2812437"/>
-              <a:ext cx="987807" cy="553633"/>
+              <a:off x="3382016" y="2812437"/>
+              <a:ext cx="962757" cy="553633"/>
             </a:xfrm>
             <a:prstGeom prst="rect">
               <a:avLst/>
@@ -8228,8 +10290,8 @@
           </p:nvSpPr>
           <p:spPr>
             <a:xfrm>
-              <a:off x="3218300" y="1226678"/>
-              <a:ext cx="1274821" cy="478493"/>
+              <a:off x="4073235" y="1744437"/>
+              <a:ext cx="1242493" cy="478493"/>
             </a:xfrm>
             <a:prstGeom prst="rect">
               <a:avLst/>
@@ -8285,8 +10347,8 @@
           </p:nvSpPr>
           <p:spPr>
             <a:xfrm>
-              <a:off x="3218300" y="4392342"/>
-              <a:ext cx="1274821" cy="469329"/>
+              <a:off x="4058603" y="3947264"/>
+              <a:ext cx="1242493" cy="469329"/>
             </a:xfrm>
             <a:prstGeom prst="rect">
               <a:avLst/>
@@ -8342,8 +10404,8 @@
           </p:nvCxnSpPr>
           <p:spPr>
             <a:xfrm>
-              <a:off x="2518365" y="2996982"/>
-              <a:ext cx="911822" cy="0"/>
+              <a:off x="2493316" y="2996982"/>
+              <a:ext cx="888699" cy="0"/>
             </a:xfrm>
             <a:prstGeom prst="straightConnector1">
               <a:avLst/>
@@ -8379,8 +10441,8 @@
           </p:nvCxnSpPr>
           <p:spPr>
             <a:xfrm flipV="1">
-              <a:off x="3722844" y="1705171"/>
-              <a:ext cx="0" cy="1107266"/>
+              <a:off x="3667251" y="2233786"/>
+              <a:ext cx="859294" cy="578652"/>
             </a:xfrm>
             <a:prstGeom prst="straightConnector1">
               <a:avLst/>
@@ -8416,8 +10478,8 @@
           </p:nvCxnSpPr>
           <p:spPr>
             <a:xfrm>
-              <a:off x="3983794" y="3387782"/>
-              <a:ext cx="0" cy="1004560"/>
+              <a:off x="3935360" y="3392865"/>
+              <a:ext cx="678025" cy="525992"/>
             </a:xfrm>
             <a:prstGeom prst="straightConnector1">
               <a:avLst/>
@@ -8452,9 +10514,9 @@
             <p:nvPr/>
           </p:nvCxnSpPr>
           <p:spPr>
-            <a:xfrm>
-              <a:off x="3983794" y="1705171"/>
-              <a:ext cx="0" cy="1107266"/>
+            <a:xfrm flipH="1">
+              <a:off x="3921586" y="2233786"/>
+              <a:ext cx="898989" cy="578651"/>
             </a:xfrm>
             <a:prstGeom prst="straightConnector1">
               <a:avLst/>
@@ -8489,9 +10551,9 @@
             <p:nvPr/>
           </p:nvCxnSpPr>
           <p:spPr>
-            <a:xfrm flipV="1">
-              <a:off x="3722844" y="3366070"/>
-              <a:ext cx="0" cy="1026272"/>
+            <a:xfrm flipH="1" flipV="1">
+              <a:off x="3667251" y="3392866"/>
+              <a:ext cx="677522" cy="525991"/>
             </a:xfrm>
             <a:prstGeom prst="straightConnector1">
               <a:avLst/>
@@ -8527,8 +10589,8 @@
           </p:nvCxnSpPr>
           <p:spPr>
             <a:xfrm flipH="1">
-              <a:off x="2518365" y="3214092"/>
-              <a:ext cx="911823" cy="0"/>
+              <a:off x="2493316" y="3214092"/>
+              <a:ext cx="888700" cy="0"/>
             </a:xfrm>
             <a:prstGeom prst="straightConnector1">
               <a:avLst/>
@@ -8558,14 +10620,14 @@
         </p:cxnSp>
         <p:sp>
           <p:nvSpPr>
-            <p:cNvPr id="16" name="Oval 15"/>
+            <p:cNvPr id="18" name="Oval 17"/>
             <p:cNvSpPr/>
             <p:nvPr/>
           </p:nvSpPr>
           <p:spPr>
             <a:xfrm>
-              <a:off x="2670335" y="2569459"/>
-              <a:ext cx="390780" cy="358232"/>
+              <a:off x="3724413" y="2300626"/>
+              <a:ext cx="359963" cy="225848"/>
             </a:xfrm>
             <a:prstGeom prst="ellipse">
               <a:avLst/>
@@ -8598,121 +10660,7 @@
             <a:p>
               <a:pPr algn="ctr"/>
               <a:r>
-                <a:rPr lang="en-US" dirty="0" smtClean="0">
-                  <a:solidFill>
-                    <a:srgbClr val="000000"/>
-                  </a:solidFill>
-                </a:rPr>
-                <a:t>1</a:t>
-              </a:r>
-              <a:endParaRPr lang="en-US" dirty="0">
-                <a:solidFill>
-                  <a:srgbClr val="000000"/>
-                </a:solidFill>
-              </a:endParaRPr>
-            </a:p>
-          </p:txBody>
-        </p:sp>
-        <p:sp>
-          <p:nvSpPr>
-            <p:cNvPr id="17" name="Oval 16"/>
-            <p:cNvSpPr/>
-            <p:nvPr/>
-          </p:nvSpPr>
-          <p:spPr>
-            <a:xfrm>
-              <a:off x="2670334" y="3273800"/>
-              <a:ext cx="390780" cy="358232"/>
-            </a:xfrm>
-            <a:prstGeom prst="ellipse">
-              <a:avLst/>
-            </a:prstGeom>
-            <a:noFill/>
-            <a:ln w="12700">
-              <a:solidFill>
-                <a:schemeClr val="tx1"/>
-              </a:solidFill>
-            </a:ln>
-            <a:effectLst/>
-          </p:spPr>
-          <p:style>
-            <a:lnRef idx="1">
-              <a:schemeClr val="accent1"/>
-            </a:lnRef>
-            <a:fillRef idx="3">
-              <a:schemeClr val="accent1"/>
-            </a:fillRef>
-            <a:effectRef idx="2">
-              <a:schemeClr val="accent1"/>
-            </a:effectRef>
-            <a:fontRef idx="minor">
-              <a:schemeClr val="lt1"/>
-            </a:fontRef>
-          </p:style>
-          <p:txBody>
-            <a:bodyPr rtlCol="0" anchor="ctr"/>
-            <a:lstStyle/>
-            <a:p>
-              <a:pPr algn="ctr"/>
-              <a:r>
-                <a:rPr lang="en-US" dirty="0">
-                  <a:solidFill>
-                    <a:srgbClr val="000000"/>
-                  </a:solidFill>
-                </a:rPr>
-                <a:t>2</a:t>
-              </a:r>
-              <a:endParaRPr lang="en-US" dirty="0">
-                <a:solidFill>
-                  <a:srgbClr val="000000"/>
-                </a:solidFill>
-              </a:endParaRPr>
-            </a:p>
-          </p:txBody>
-        </p:sp>
-        <p:sp>
-          <p:nvSpPr>
-            <p:cNvPr id="18" name="Oval 17"/>
-            <p:cNvSpPr/>
-            <p:nvPr/>
-          </p:nvSpPr>
-          <p:spPr>
-            <a:xfrm>
-              <a:off x="3262149" y="1872585"/>
-              <a:ext cx="390780" cy="358232"/>
-            </a:xfrm>
-            <a:prstGeom prst="ellipse">
-              <a:avLst/>
-            </a:prstGeom>
-            <a:noFill/>
-            <a:ln w="12700">
-              <a:solidFill>
-                <a:schemeClr val="tx1"/>
-              </a:solidFill>
-            </a:ln>
-            <a:effectLst/>
-          </p:spPr>
-          <p:style>
-            <a:lnRef idx="1">
-              <a:schemeClr val="accent1"/>
-            </a:lnRef>
-            <a:fillRef idx="3">
-              <a:schemeClr val="accent1"/>
-            </a:fillRef>
-            <a:effectRef idx="2">
-              <a:schemeClr val="accent1"/>
-            </a:effectRef>
-            <a:fontRef idx="minor">
-              <a:schemeClr val="lt1"/>
-            </a:fontRef>
-          </p:style>
-          <p:txBody>
-            <a:bodyPr rtlCol="0" anchor="ctr"/>
-            <a:lstStyle/>
-            <a:p>
-              <a:pPr algn="ctr"/>
-              <a:r>
-                <a:rPr lang="en-US" dirty="0" smtClean="0">
+                <a:rPr lang="en-US" sz="1200" dirty="0" smtClean="0">
                   <a:solidFill>
                     <a:srgbClr val="000000"/>
                   </a:solidFill>
@@ -8724,14 +10672,14 @@
         </p:sp>
         <p:sp>
           <p:nvSpPr>
-            <p:cNvPr id="19" name="Oval 18"/>
+            <p:cNvPr id="33" name="Oval 32"/>
             <p:cNvSpPr/>
             <p:nvPr/>
           </p:nvSpPr>
           <p:spPr>
             <a:xfrm>
-              <a:off x="4058920" y="1872585"/>
-              <a:ext cx="390780" cy="358232"/>
+              <a:off x="4400525" y="2499110"/>
+              <a:ext cx="359963" cy="225848"/>
             </a:xfrm>
             <a:prstGeom prst="ellipse">
               <a:avLst/>
@@ -8764,14 +10712,14 @@
             <a:p>
               <a:pPr algn="ctr"/>
               <a:r>
-                <a:rPr lang="en-US" dirty="0">
+                <a:rPr lang="en-US" sz="1200" dirty="0">
                   <a:solidFill>
                     <a:srgbClr val="000000"/>
                   </a:solidFill>
                 </a:rPr>
                 <a:t>4</a:t>
               </a:r>
-              <a:endParaRPr lang="en-US" dirty="0">
+              <a:endParaRPr lang="en-US" sz="1200" dirty="0" smtClean="0">
                 <a:solidFill>
                   <a:srgbClr val="000000"/>
                 </a:solidFill>
@@ -8781,14 +10729,14 @@
         </p:sp>
         <p:sp>
           <p:nvSpPr>
-            <p:cNvPr id="20" name="Oval 19"/>
+            <p:cNvPr id="34" name="Oval 33"/>
             <p:cNvSpPr/>
             <p:nvPr/>
           </p:nvSpPr>
           <p:spPr>
             <a:xfrm>
-              <a:off x="3262149" y="3945651"/>
-              <a:ext cx="390780" cy="358232"/>
+              <a:off x="2708278" y="2727222"/>
+              <a:ext cx="359963" cy="225848"/>
             </a:xfrm>
             <a:prstGeom prst="ellipse">
               <a:avLst/>
@@ -8821,14 +10769,14 @@
             <a:p>
               <a:pPr algn="ctr"/>
               <a:r>
-                <a:rPr lang="en-US" dirty="0">
+                <a:rPr lang="en-US" sz="1200" dirty="0">
                   <a:solidFill>
                     <a:srgbClr val="000000"/>
                   </a:solidFill>
                 </a:rPr>
-                <a:t>5</a:t>
+                <a:t>1</a:t>
               </a:r>
-              <a:endParaRPr lang="en-US" dirty="0" smtClean="0">
+              <a:endParaRPr lang="en-US" sz="1200" dirty="0" smtClean="0">
                 <a:solidFill>
                   <a:srgbClr val="000000"/>
                 </a:solidFill>
@@ -8838,14 +10786,14 @@
         </p:sp>
         <p:sp>
           <p:nvSpPr>
-            <p:cNvPr id="21" name="Oval 20"/>
+            <p:cNvPr id="35" name="Oval 34"/>
             <p:cNvSpPr/>
             <p:nvPr/>
           </p:nvSpPr>
           <p:spPr>
             <a:xfrm>
-              <a:off x="4058920" y="3945651"/>
-              <a:ext cx="390780" cy="358232"/>
+              <a:off x="2730560" y="3264200"/>
+              <a:ext cx="359963" cy="225848"/>
             </a:xfrm>
             <a:prstGeom prst="ellipse">
               <a:avLst/>
@@ -8878,13 +10826,148 @@
             <a:p>
               <a:pPr algn="ctr"/>
               <a:r>
-                <a:rPr lang="en-US" dirty="0" smtClean="0">
+                <a:rPr lang="en-US" sz="1200" dirty="0" smtClean="0">
+                  <a:solidFill>
+                    <a:srgbClr val="000000"/>
+                  </a:solidFill>
+                </a:rPr>
+                <a:t>2</a:t>
+              </a:r>
+            </a:p>
+          </p:txBody>
+        </p:sp>
+        <p:sp>
+          <p:nvSpPr>
+            <p:cNvPr id="36" name="Oval 35"/>
+            <p:cNvSpPr/>
+            <p:nvPr/>
+          </p:nvSpPr>
+          <p:spPr>
+            <a:xfrm>
+              <a:off x="4283431" y="3443964"/>
+              <a:ext cx="359963" cy="225848"/>
+            </a:xfrm>
+            <a:prstGeom prst="ellipse">
+              <a:avLst/>
+            </a:prstGeom>
+            <a:noFill/>
+            <a:ln w="12700">
+              <a:solidFill>
+                <a:schemeClr val="tx1"/>
+              </a:solidFill>
+            </a:ln>
+            <a:effectLst/>
+          </p:spPr>
+          <p:style>
+            <a:lnRef idx="1">
+              <a:schemeClr val="accent1"/>
+            </a:lnRef>
+            <a:fillRef idx="3">
+              <a:schemeClr val="accent1"/>
+            </a:fillRef>
+            <a:effectRef idx="2">
+              <a:schemeClr val="accent1"/>
+            </a:effectRef>
+            <a:fontRef idx="minor">
+              <a:schemeClr val="lt1"/>
+            </a:fontRef>
+          </p:style>
+          <p:txBody>
+            <a:bodyPr rtlCol="0" anchor="ctr"/>
+            <a:lstStyle/>
+            <a:p>
+              <a:pPr algn="ctr"/>
+              <a:r>
+                <a:rPr lang="en-US" sz="1200" dirty="0" smtClean="0">
+                  <a:solidFill>
+                    <a:srgbClr val="000000"/>
+                  </a:solidFill>
+                </a:rPr>
+                <a:t>5</a:t>
+              </a:r>
+            </a:p>
+          </p:txBody>
+        </p:sp>
+        <p:sp>
+          <p:nvSpPr>
+            <p:cNvPr id="37" name="TextBox 36"/>
+            <p:cNvSpPr txBox="1"/>
+            <p:nvPr/>
+          </p:nvSpPr>
+          <p:spPr>
+            <a:xfrm>
+              <a:off x="4590104" y="3520208"/>
+              <a:ext cx="184666" cy="369332"/>
+            </a:xfrm>
+            <a:prstGeom prst="rect">
+              <a:avLst/>
+            </a:prstGeom>
+            <a:noFill/>
+          </p:spPr>
+          <p:txBody>
+            <a:bodyPr wrap="none" rtlCol="0">
+              <a:spAutoFit/>
+            </a:bodyPr>
+            <a:lstStyle/>
+            <a:p>
+              <a:endParaRPr lang="en-US" dirty="0"/>
+            </a:p>
+          </p:txBody>
+        </p:sp>
+        <p:sp>
+          <p:nvSpPr>
+            <p:cNvPr id="39" name="Oval 38"/>
+            <p:cNvSpPr/>
+            <p:nvPr/>
+          </p:nvSpPr>
+          <p:spPr>
+            <a:xfrm>
+              <a:off x="3609131" y="3596364"/>
+              <a:ext cx="359963" cy="225848"/>
+            </a:xfrm>
+            <a:prstGeom prst="ellipse">
+              <a:avLst/>
+            </a:prstGeom>
+            <a:noFill/>
+            <a:ln w="12700">
+              <a:solidFill>
+                <a:schemeClr val="tx1"/>
+              </a:solidFill>
+            </a:ln>
+            <a:effectLst/>
+          </p:spPr>
+          <p:style>
+            <a:lnRef idx="1">
+              <a:schemeClr val="accent1"/>
+            </a:lnRef>
+            <a:fillRef idx="3">
+              <a:schemeClr val="accent1"/>
+            </a:fillRef>
+            <a:effectRef idx="2">
+              <a:schemeClr val="accent1"/>
+            </a:effectRef>
+            <a:fontRef idx="minor">
+              <a:schemeClr val="lt1"/>
+            </a:fontRef>
+          </p:style>
+          <p:txBody>
+            <a:bodyPr rtlCol="0" anchor="ctr"/>
+            <a:lstStyle/>
+            <a:p>
+              <a:pPr algn="ctr"/>
+              <a:r>
+                <a:rPr lang="en-US" sz="1200" dirty="0">
                   <a:solidFill>
                     <a:srgbClr val="000000"/>
                   </a:solidFill>
                 </a:rPr>
                 <a:t>6</a:t>
               </a:r>
+              <a:endParaRPr lang="en-US" sz="1200" dirty="0" smtClean="0">
+                <a:solidFill>
+                  <a:srgbClr val="000000"/>
+                </a:solidFill>
+              </a:endParaRPr>
             </a:p>
           </p:txBody>
         </p:sp>

--- a/paper/figs/images.pptx
+++ b/paper/figs/images.pptx
@@ -11,6 +11,7 @@
     <p:sldId id="259" r:id="rId5"/>
     <p:sldId id="257" r:id="rId6"/>
     <p:sldId id="260" r:id="rId7"/>
+    <p:sldId id="262" r:id="rId8"/>
   </p:sldIdLst>
   <p:sldSz cx="9144000" cy="6858000" type="screen4x3"/>
   <p:notesSz cx="6858000" cy="9144000"/>
@@ -293,7 +294,7 @@
           <a:p>
             <a:fld id="{06D27FD6-7394-0F44-B86B-46BBC2D874F2}" type="datetimeFigureOut">
               <a:rPr lang="en-US" smtClean="0"/>
-              <a:t>9/26/14</a:t>
+              <a:t>10/11/14</a:t>
             </a:fld>
             <a:endParaRPr lang="en-US"/>
           </a:p>
@@ -463,7 +464,7 @@
           <a:p>
             <a:fld id="{06D27FD6-7394-0F44-B86B-46BBC2D874F2}" type="datetimeFigureOut">
               <a:rPr lang="en-US" smtClean="0"/>
-              <a:t>9/26/14</a:t>
+              <a:t>10/11/14</a:t>
             </a:fld>
             <a:endParaRPr lang="en-US"/>
           </a:p>
@@ -643,7 +644,7 @@
           <a:p>
             <a:fld id="{06D27FD6-7394-0F44-B86B-46BBC2D874F2}" type="datetimeFigureOut">
               <a:rPr lang="en-US" smtClean="0"/>
-              <a:t>9/26/14</a:t>
+              <a:t>10/11/14</a:t>
             </a:fld>
             <a:endParaRPr lang="en-US"/>
           </a:p>
@@ -813,7 +814,7 @@
           <a:p>
             <a:fld id="{06D27FD6-7394-0F44-B86B-46BBC2D874F2}" type="datetimeFigureOut">
               <a:rPr lang="en-US" smtClean="0"/>
-              <a:t>9/26/14</a:t>
+              <a:t>10/11/14</a:t>
             </a:fld>
             <a:endParaRPr lang="en-US"/>
           </a:p>
@@ -1059,7 +1060,7 @@
           <a:p>
             <a:fld id="{06D27FD6-7394-0F44-B86B-46BBC2D874F2}" type="datetimeFigureOut">
               <a:rPr lang="en-US" smtClean="0"/>
-              <a:t>9/26/14</a:t>
+              <a:t>10/11/14</a:t>
             </a:fld>
             <a:endParaRPr lang="en-US"/>
           </a:p>
@@ -1347,7 +1348,7 @@
           <a:p>
             <a:fld id="{06D27FD6-7394-0F44-B86B-46BBC2D874F2}" type="datetimeFigureOut">
               <a:rPr lang="en-US" smtClean="0"/>
-              <a:t>9/26/14</a:t>
+              <a:t>10/11/14</a:t>
             </a:fld>
             <a:endParaRPr lang="en-US"/>
           </a:p>
@@ -1769,7 +1770,7 @@
           <a:p>
             <a:fld id="{06D27FD6-7394-0F44-B86B-46BBC2D874F2}" type="datetimeFigureOut">
               <a:rPr lang="en-US" smtClean="0"/>
-              <a:t>9/26/14</a:t>
+              <a:t>10/11/14</a:t>
             </a:fld>
             <a:endParaRPr lang="en-US"/>
           </a:p>
@@ -1887,7 +1888,7 @@
           <a:p>
             <a:fld id="{06D27FD6-7394-0F44-B86B-46BBC2D874F2}" type="datetimeFigureOut">
               <a:rPr lang="en-US" smtClean="0"/>
-              <a:t>9/26/14</a:t>
+              <a:t>10/11/14</a:t>
             </a:fld>
             <a:endParaRPr lang="en-US"/>
           </a:p>
@@ -1982,7 +1983,7 @@
           <a:p>
             <a:fld id="{06D27FD6-7394-0F44-B86B-46BBC2D874F2}" type="datetimeFigureOut">
               <a:rPr lang="en-US" smtClean="0"/>
-              <a:t>9/26/14</a:t>
+              <a:t>10/11/14</a:t>
             </a:fld>
             <a:endParaRPr lang="en-US"/>
           </a:p>
@@ -2259,7 +2260,7 @@
           <a:p>
             <a:fld id="{06D27FD6-7394-0F44-B86B-46BBC2D874F2}" type="datetimeFigureOut">
               <a:rPr lang="en-US" smtClean="0"/>
-              <a:t>9/26/14</a:t>
+              <a:t>10/11/14</a:t>
             </a:fld>
             <a:endParaRPr lang="en-US"/>
           </a:p>
@@ -2512,7 +2513,7 @@
           <a:p>
             <a:fld id="{06D27FD6-7394-0F44-B86B-46BBC2D874F2}" type="datetimeFigureOut">
               <a:rPr lang="en-US" smtClean="0"/>
-              <a:t>9/26/14</a:t>
+              <a:t>10/11/14</a:t>
             </a:fld>
             <a:endParaRPr lang="en-US"/>
           </a:p>
@@ -2725,7 +2726,7 @@
           <a:p>
             <a:fld id="{06D27FD6-7394-0F44-B86B-46BBC2D874F2}" type="datetimeFigureOut">
               <a:rPr lang="en-US" smtClean="0"/>
-              <a:t>9/26/14</a:t>
+              <a:t>10/11/14</a:t>
             </a:fld>
             <a:endParaRPr lang="en-US"/>
           </a:p>
@@ -3108,8 +3109,8 @@
         </p:nvSpPr>
         <p:spPr>
           <a:xfrm>
-            <a:off x="2442380" y="3520803"/>
-            <a:ext cx="3006842" cy="1559599"/>
+            <a:off x="3679422" y="3444811"/>
+            <a:ext cx="1769799" cy="1635591"/>
           </a:xfrm>
           <a:prstGeom prst="rect">
             <a:avLst/>
@@ -4146,44 +4147,6 @@
             <a:p>
               <a:pPr algn="ctr"/>
               <a:endParaRPr lang="en-US"/>
-            </a:p>
-          </p:txBody>
-        </p:sp>
-        <p:sp>
-          <p:nvSpPr>
-            <p:cNvPr id="71" name="TextBox 70"/>
-            <p:cNvSpPr txBox="1"/>
-            <p:nvPr/>
-          </p:nvSpPr>
-          <p:spPr>
-            <a:xfrm>
-              <a:off x="2659479" y="4163791"/>
-              <a:ext cx="1367732" cy="523220"/>
-            </a:xfrm>
-            <a:prstGeom prst="rect">
-              <a:avLst/>
-            </a:prstGeom>
-            <a:noFill/>
-          </p:spPr>
-          <p:txBody>
-            <a:bodyPr wrap="square" rtlCol="0">
-              <a:spAutoFit/>
-            </a:bodyPr>
-            <a:lstStyle/>
-            <a:p>
-              <a:pPr algn="ctr"/>
-              <a:r>
-                <a:rPr lang="en-US" sz="1400" i="1" dirty="0" smtClean="0"/>
-                <a:t>Sandbox</a:t>
-              </a:r>
-            </a:p>
-            <a:p>
-              <a:pPr algn="ctr"/>
-              <a:r>
-                <a:rPr lang="en-US" sz="1400" i="1" dirty="0" smtClean="0"/>
-                <a:t>Backend Server</a:t>
-              </a:r>
-              <a:endParaRPr lang="en-US" sz="1200" i="1" dirty="0"/>
             </a:p>
           </p:txBody>
         </p:sp>
@@ -10976,6 +10939,1028 @@
     <p:extLst>
       <p:ext uri="{BB962C8B-B14F-4D97-AF65-F5344CB8AC3E}">
         <p14:creationId xmlns:p14="http://schemas.microsoft.com/office/powerpoint/2010/main" val="1856684969"/>
+      </p:ext>
+    </p:extLst>
+  </p:cSld>
+  <p:clrMapOvr>
+    <a:masterClrMapping/>
+  </p:clrMapOvr>
+</p:sld>
+</file>
+
+<file path=ppt/slides/slide7.xml><?xml version="1.0" encoding="utf-8"?>
+<p:sld xmlns:a="http://schemas.openxmlformats.org/drawingml/2006/main" xmlns:r="http://schemas.openxmlformats.org/officeDocument/2006/relationships" xmlns:p="http://schemas.openxmlformats.org/presentationml/2006/main">
+  <p:cSld>
+    <p:spTree>
+      <p:nvGrpSpPr>
+        <p:cNvPr id="1" name=""/>
+        <p:cNvGrpSpPr/>
+        <p:nvPr/>
+      </p:nvGrpSpPr>
+      <p:grpSpPr>
+        <a:xfrm>
+          <a:off x="0" y="0"/>
+          <a:ext cx="0" cy="0"/>
+          <a:chOff x="0" y="0"/>
+          <a:chExt cx="0" cy="0"/>
+        </a:xfrm>
+      </p:grpSpPr>
+      <p:grpSp>
+        <p:nvGrpSpPr>
+          <p:cNvPr id="33" name="Group 32"/>
+          <p:cNvGrpSpPr/>
+          <p:nvPr/>
+        </p:nvGrpSpPr>
+        <p:grpSpPr>
+          <a:xfrm>
+            <a:off x="3777229" y="3611715"/>
+            <a:ext cx="4984335" cy="1774985"/>
+            <a:chOff x="4575954" y="3046761"/>
+            <a:chExt cx="4984335" cy="1774985"/>
+          </a:xfrm>
+        </p:grpSpPr>
+        <p:sp>
+          <p:nvSpPr>
+            <p:cNvPr id="8" name="Rectangle 7"/>
+            <p:cNvSpPr/>
+            <p:nvPr/>
+          </p:nvSpPr>
+          <p:spPr>
+            <a:xfrm>
+              <a:off x="4575954" y="3396042"/>
+              <a:ext cx="1253346" cy="592584"/>
+            </a:xfrm>
+            <a:prstGeom prst="rect">
+              <a:avLst/>
+            </a:prstGeom>
+            <a:noFill/>
+            <a:ln w="25400">
+              <a:solidFill>
+                <a:schemeClr val="tx1"/>
+              </a:solidFill>
+            </a:ln>
+            <a:effectLst/>
+          </p:spPr>
+          <p:style>
+            <a:lnRef idx="1">
+              <a:schemeClr val="accent1"/>
+            </a:lnRef>
+            <a:fillRef idx="3">
+              <a:schemeClr val="accent1"/>
+            </a:fillRef>
+            <a:effectRef idx="2">
+              <a:schemeClr val="accent1"/>
+            </a:effectRef>
+            <a:fontRef idx="minor">
+              <a:schemeClr val="lt1"/>
+            </a:fontRef>
+          </p:style>
+          <p:txBody>
+            <a:bodyPr rtlCol="0" anchor="ctr"/>
+            <a:lstStyle/>
+            <a:p>
+              <a:pPr algn="ctr"/>
+              <a:r>
+                <a:rPr lang="en-US" dirty="0" smtClean="0">
+                  <a:solidFill>
+                    <a:schemeClr val="tx1"/>
+                  </a:solidFill>
+                </a:rPr>
+                <a:t>Webserver</a:t>
+              </a:r>
+              <a:endParaRPr lang="en-US" dirty="0">
+                <a:solidFill>
+                  <a:schemeClr val="tx1"/>
+                </a:solidFill>
+              </a:endParaRPr>
+            </a:p>
+          </p:txBody>
+        </p:sp>
+        <p:cxnSp>
+          <p:nvCxnSpPr>
+            <p:cNvPr id="10" name="Straight Arrow Connector 9"/>
+            <p:cNvCxnSpPr>
+              <a:stCxn id="8" idx="3"/>
+              <a:endCxn id="12" idx="1"/>
+            </p:cNvCxnSpPr>
+            <p:nvPr/>
+          </p:nvCxnSpPr>
+          <p:spPr>
+            <a:xfrm>
+              <a:off x="5829300" y="3692334"/>
+              <a:ext cx="397036" cy="0"/>
+            </a:xfrm>
+            <a:prstGeom prst="straightConnector1">
+              <a:avLst/>
+            </a:prstGeom>
+            <a:ln>
+              <a:solidFill>
+                <a:schemeClr val="tx1"/>
+              </a:solidFill>
+              <a:headEnd type="arrow"/>
+              <a:tailEnd type="arrow"/>
+            </a:ln>
+            <a:effectLst/>
+          </p:spPr>
+          <p:style>
+            <a:lnRef idx="2">
+              <a:schemeClr val="accent1"/>
+            </a:lnRef>
+            <a:fillRef idx="0">
+              <a:schemeClr val="accent1"/>
+            </a:fillRef>
+            <a:effectRef idx="1">
+              <a:schemeClr val="accent1"/>
+            </a:effectRef>
+            <a:fontRef idx="minor">
+              <a:schemeClr val="tx1"/>
+            </a:fontRef>
+          </p:style>
+        </p:cxnSp>
+        <p:sp>
+          <p:nvSpPr>
+            <p:cNvPr id="12" name="Rounded Rectangle 11"/>
+            <p:cNvSpPr/>
+            <p:nvPr/>
+          </p:nvSpPr>
+          <p:spPr>
+            <a:xfrm>
+              <a:off x="6226336" y="3396042"/>
+              <a:ext cx="1310640" cy="592584"/>
+            </a:xfrm>
+            <a:prstGeom prst="roundRect">
+              <a:avLst/>
+            </a:prstGeom>
+            <a:noFill/>
+            <a:ln>
+              <a:solidFill>
+                <a:schemeClr val="tx1"/>
+              </a:solidFill>
+            </a:ln>
+            <a:effectLst/>
+          </p:spPr>
+          <p:style>
+            <a:lnRef idx="1">
+              <a:schemeClr val="accent1"/>
+            </a:lnRef>
+            <a:fillRef idx="3">
+              <a:schemeClr val="accent1"/>
+            </a:fillRef>
+            <a:effectRef idx="2">
+              <a:schemeClr val="accent1"/>
+            </a:effectRef>
+            <a:fontRef idx="minor">
+              <a:schemeClr val="lt1"/>
+            </a:fontRef>
+          </p:style>
+          <p:txBody>
+            <a:bodyPr rtlCol="0" anchor="ctr"/>
+            <a:lstStyle/>
+            <a:p>
+              <a:pPr algn="ctr"/>
+              <a:r>
+                <a:rPr lang="en-US" dirty="0" smtClean="0">
+                  <a:solidFill>
+                    <a:srgbClr val="000000"/>
+                  </a:solidFill>
+                </a:rPr>
+                <a:t>Backend-Server</a:t>
+              </a:r>
+              <a:endParaRPr lang="en-US" dirty="0">
+                <a:solidFill>
+                  <a:srgbClr val="000000"/>
+                </a:solidFill>
+              </a:endParaRPr>
+            </a:p>
+          </p:txBody>
+        </p:sp>
+        <p:sp>
+          <p:nvSpPr>
+            <p:cNvPr id="14" name="Rounded Rectangle 13"/>
+            <p:cNvSpPr/>
+            <p:nvPr/>
+          </p:nvSpPr>
+          <p:spPr>
+            <a:xfrm>
+              <a:off x="6226336" y="4229162"/>
+              <a:ext cx="1310640" cy="592584"/>
+            </a:xfrm>
+            <a:prstGeom prst="roundRect">
+              <a:avLst/>
+            </a:prstGeom>
+            <a:noFill/>
+            <a:ln>
+              <a:solidFill>
+                <a:schemeClr val="tx1"/>
+              </a:solidFill>
+            </a:ln>
+            <a:effectLst/>
+          </p:spPr>
+          <p:style>
+            <a:lnRef idx="1">
+              <a:schemeClr val="accent1"/>
+            </a:lnRef>
+            <a:fillRef idx="3">
+              <a:schemeClr val="accent1"/>
+            </a:fillRef>
+            <a:effectRef idx="2">
+              <a:schemeClr val="accent1"/>
+            </a:effectRef>
+            <a:fontRef idx="minor">
+              <a:schemeClr val="lt1"/>
+            </a:fontRef>
+          </p:style>
+          <p:txBody>
+            <a:bodyPr rtlCol="0" anchor="ctr"/>
+            <a:lstStyle/>
+            <a:p>
+              <a:pPr algn="ctr"/>
+              <a:r>
+                <a:rPr lang="en-US" dirty="0" smtClean="0">
+                  <a:solidFill>
+                    <a:srgbClr val="000000"/>
+                  </a:solidFill>
+                </a:rPr>
+                <a:t>Test container</a:t>
+              </a:r>
+              <a:endParaRPr lang="en-US" dirty="0">
+                <a:solidFill>
+                  <a:srgbClr val="000000"/>
+                </a:solidFill>
+              </a:endParaRPr>
+            </a:p>
+          </p:txBody>
+        </p:sp>
+        <p:cxnSp>
+          <p:nvCxnSpPr>
+            <p:cNvPr id="15" name="Straight Arrow Connector 14"/>
+            <p:cNvCxnSpPr>
+              <a:stCxn id="8" idx="3"/>
+              <a:endCxn id="14" idx="1"/>
+            </p:cNvCxnSpPr>
+            <p:nvPr/>
+          </p:nvCxnSpPr>
+          <p:spPr>
+            <a:xfrm>
+              <a:off x="5829300" y="3692334"/>
+              <a:ext cx="397036" cy="833120"/>
+            </a:xfrm>
+            <a:prstGeom prst="straightConnector1">
+              <a:avLst/>
+            </a:prstGeom>
+            <a:ln>
+              <a:solidFill>
+                <a:schemeClr val="tx1"/>
+              </a:solidFill>
+              <a:headEnd type="arrow"/>
+              <a:tailEnd type="arrow"/>
+            </a:ln>
+            <a:effectLst/>
+          </p:spPr>
+          <p:style>
+            <a:lnRef idx="2">
+              <a:schemeClr val="accent1"/>
+            </a:lnRef>
+            <a:fillRef idx="0">
+              <a:schemeClr val="accent1"/>
+            </a:fillRef>
+            <a:effectRef idx="1">
+              <a:schemeClr val="accent1"/>
+            </a:effectRef>
+            <a:fontRef idx="minor">
+              <a:schemeClr val="tx1"/>
+            </a:fontRef>
+          </p:style>
+        </p:cxnSp>
+        <p:pic>
+          <p:nvPicPr>
+            <p:cNvPr id="18" name="Picture 17"/>
+            <p:cNvPicPr>
+              <a:picLocks noChangeAspect="1"/>
+            </p:cNvPicPr>
+            <p:nvPr/>
+          </p:nvPicPr>
+          <p:blipFill rotWithShape="1">
+            <a:blip r:embed="rId2"/>
+            <a:srcRect l="-1" r="63002"/>
+            <a:stretch/>
+          </p:blipFill>
+          <p:spPr>
+            <a:xfrm>
+              <a:off x="7940785" y="3046761"/>
+              <a:ext cx="969264" cy="1508760"/>
+            </a:xfrm>
+            <a:prstGeom prst="rect">
+              <a:avLst/>
+            </a:prstGeom>
+          </p:spPr>
+        </p:pic>
+        <p:cxnSp>
+          <p:nvCxnSpPr>
+            <p:cNvPr id="20" name="Straight Connector 19"/>
+            <p:cNvCxnSpPr/>
+            <p:nvPr/>
+          </p:nvCxnSpPr>
+          <p:spPr>
+            <a:xfrm flipV="1">
+              <a:off x="7444740" y="3108444"/>
+              <a:ext cx="496045" cy="1120718"/>
+            </a:xfrm>
+            <a:prstGeom prst="line">
+              <a:avLst/>
+            </a:prstGeom>
+            <a:ln>
+              <a:solidFill>
+                <a:schemeClr val="tx1"/>
+              </a:solidFill>
+              <a:prstDash val="sysDot"/>
+            </a:ln>
+            <a:effectLst/>
+          </p:spPr>
+          <p:style>
+            <a:lnRef idx="2">
+              <a:schemeClr val="accent1"/>
+            </a:lnRef>
+            <a:fillRef idx="0">
+              <a:schemeClr val="accent1"/>
+            </a:fillRef>
+            <a:effectRef idx="1">
+              <a:schemeClr val="accent1"/>
+            </a:effectRef>
+            <a:fontRef idx="minor">
+              <a:schemeClr val="tx1"/>
+            </a:fontRef>
+          </p:style>
+        </p:cxnSp>
+        <p:cxnSp>
+          <p:nvCxnSpPr>
+            <p:cNvPr id="23" name="Straight Connector 22"/>
+            <p:cNvCxnSpPr/>
+            <p:nvPr/>
+          </p:nvCxnSpPr>
+          <p:spPr>
+            <a:xfrm flipV="1">
+              <a:off x="7444740" y="4555521"/>
+              <a:ext cx="496045" cy="266225"/>
+            </a:xfrm>
+            <a:prstGeom prst="line">
+              <a:avLst/>
+            </a:prstGeom>
+            <a:ln>
+              <a:solidFill>
+                <a:schemeClr val="tx1"/>
+              </a:solidFill>
+              <a:prstDash val="sysDot"/>
+            </a:ln>
+            <a:effectLst/>
+          </p:spPr>
+          <p:style>
+            <a:lnRef idx="2">
+              <a:schemeClr val="accent1"/>
+            </a:lnRef>
+            <a:fillRef idx="0">
+              <a:schemeClr val="accent1"/>
+            </a:fillRef>
+            <a:effectRef idx="1">
+              <a:schemeClr val="accent1"/>
+            </a:effectRef>
+            <a:fontRef idx="minor">
+              <a:schemeClr val="tx1"/>
+            </a:fontRef>
+          </p:style>
+        </p:cxnSp>
+        <p:sp>
+          <p:nvSpPr>
+            <p:cNvPr id="28" name="Down Arrow 27"/>
+            <p:cNvSpPr/>
+            <p:nvPr/>
+          </p:nvSpPr>
+          <p:spPr>
+            <a:xfrm>
+              <a:off x="6824980" y="3988626"/>
+              <a:ext cx="162560" cy="240536"/>
+            </a:xfrm>
+            <a:prstGeom prst="downArrow">
+              <a:avLst/>
+            </a:prstGeom>
+            <a:noFill/>
+            <a:ln>
+              <a:solidFill>
+                <a:schemeClr val="tx1"/>
+              </a:solidFill>
+            </a:ln>
+            <a:effectLst/>
+          </p:spPr>
+          <p:style>
+            <a:lnRef idx="1">
+              <a:schemeClr val="accent1"/>
+            </a:lnRef>
+            <a:fillRef idx="3">
+              <a:schemeClr val="accent1"/>
+            </a:fillRef>
+            <a:effectRef idx="2">
+              <a:schemeClr val="accent1"/>
+            </a:effectRef>
+            <a:fontRef idx="minor">
+              <a:schemeClr val="lt1"/>
+            </a:fontRef>
+          </p:style>
+          <p:txBody>
+            <a:bodyPr rtlCol="0" anchor="ctr"/>
+            <a:lstStyle/>
+            <a:p>
+              <a:pPr algn="ctr"/>
+              <a:endParaRPr lang="en-US"/>
+            </a:p>
+          </p:txBody>
+        </p:sp>
+        <p:pic>
+          <p:nvPicPr>
+            <p:cNvPr id="3" name="Picture 2"/>
+            <p:cNvPicPr>
+              <a:picLocks noChangeAspect="1"/>
+            </p:cNvPicPr>
+            <p:nvPr/>
+          </p:nvPicPr>
+          <p:blipFill>
+            <a:blip r:embed="rId3"/>
+            <a:stretch>
+              <a:fillRect/>
+            </a:stretch>
+          </p:blipFill>
+          <p:spPr>
+            <a:xfrm>
+              <a:off x="9042129" y="3704550"/>
+              <a:ext cx="518160" cy="820904"/>
+            </a:xfrm>
+            <a:prstGeom prst="rect">
+              <a:avLst/>
+            </a:prstGeom>
+          </p:spPr>
+        </p:pic>
+      </p:grpSp>
+      <p:pic>
+        <p:nvPicPr>
+          <p:cNvPr id="36" name="Picture 35"/>
+          <p:cNvPicPr>
+            <a:picLocks noChangeAspect="1"/>
+          </p:cNvPicPr>
+          <p:nvPr/>
+        </p:nvPicPr>
+        <p:blipFill>
+          <a:blip r:embed="rId4"/>
+          <a:stretch>
+            <a:fillRect/>
+          </a:stretch>
+        </p:blipFill>
+        <p:spPr>
+          <a:xfrm>
+            <a:off x="3959532" y="3140948"/>
+            <a:ext cx="560474" cy="532450"/>
+          </a:xfrm>
+          <a:prstGeom prst="rect">
+            <a:avLst/>
+          </a:prstGeom>
+        </p:spPr>
+      </p:pic>
+      <p:grpSp>
+        <p:nvGrpSpPr>
+          <p:cNvPr id="42" name="Group 41"/>
+          <p:cNvGrpSpPr/>
+          <p:nvPr/>
+        </p:nvGrpSpPr>
+        <p:grpSpPr>
+          <a:xfrm>
+            <a:off x="314034" y="3373978"/>
+            <a:ext cx="2961022" cy="1841539"/>
+            <a:chOff x="359245" y="2411433"/>
+            <a:chExt cx="2961022" cy="1841539"/>
+          </a:xfrm>
+        </p:grpSpPr>
+        <p:grpSp>
+          <p:nvGrpSpPr>
+            <p:cNvPr id="34" name="Group 33"/>
+            <p:cNvGrpSpPr/>
+            <p:nvPr/>
+          </p:nvGrpSpPr>
+          <p:grpSpPr>
+            <a:xfrm>
+              <a:off x="359245" y="3660388"/>
+              <a:ext cx="2961022" cy="592584"/>
+              <a:chOff x="189374" y="3932870"/>
+              <a:chExt cx="2961022" cy="592584"/>
+            </a:xfrm>
+          </p:grpSpPr>
+          <p:sp>
+            <p:nvSpPr>
+              <p:cNvPr id="5" name="Rectangle 4"/>
+              <p:cNvSpPr/>
+              <p:nvPr/>
+            </p:nvSpPr>
+            <p:spPr>
+              <a:xfrm>
+                <a:off x="189374" y="3932870"/>
+                <a:ext cx="1253346" cy="592584"/>
+              </a:xfrm>
+              <a:prstGeom prst="rect">
+                <a:avLst/>
+              </a:prstGeom>
+              <a:noFill/>
+              <a:ln w="25400">
+                <a:solidFill>
+                  <a:schemeClr val="tx1"/>
+                </a:solidFill>
+              </a:ln>
+              <a:effectLst/>
+            </p:spPr>
+            <p:style>
+              <a:lnRef idx="1">
+                <a:schemeClr val="accent1"/>
+              </a:lnRef>
+              <a:fillRef idx="3">
+                <a:schemeClr val="accent1"/>
+              </a:fillRef>
+              <a:effectRef idx="2">
+                <a:schemeClr val="accent1"/>
+              </a:effectRef>
+              <a:fontRef idx="minor">
+                <a:schemeClr val="lt1"/>
+              </a:fontRef>
+            </p:style>
+            <p:txBody>
+              <a:bodyPr rtlCol="0" anchor="ctr"/>
+              <a:lstStyle/>
+              <a:p>
+                <a:pPr algn="ctr"/>
+                <a:r>
+                  <a:rPr lang="en-US" dirty="0" smtClean="0">
+                    <a:solidFill>
+                      <a:schemeClr val="tx1"/>
+                    </a:solidFill>
+                  </a:rPr>
+                  <a:t>Webserver</a:t>
+                </a:r>
+                <a:endParaRPr lang="en-US" dirty="0">
+                  <a:solidFill>
+                    <a:schemeClr val="tx1"/>
+                  </a:solidFill>
+                </a:endParaRPr>
+              </a:p>
+            </p:txBody>
+          </p:sp>
+          <p:cxnSp>
+            <p:nvCxnSpPr>
+              <p:cNvPr id="11" name="Straight Arrow Connector 10"/>
+              <p:cNvCxnSpPr>
+                <a:stCxn id="5" idx="3"/>
+                <a:endCxn id="22" idx="1"/>
+              </p:cNvCxnSpPr>
+              <p:nvPr/>
+            </p:nvCxnSpPr>
+            <p:spPr>
+              <a:xfrm>
+                <a:off x="1442720" y="4229162"/>
+                <a:ext cx="397036" cy="0"/>
+              </a:xfrm>
+              <a:prstGeom prst="straightConnector1">
+                <a:avLst/>
+              </a:prstGeom>
+              <a:ln>
+                <a:solidFill>
+                  <a:schemeClr val="tx1"/>
+                </a:solidFill>
+                <a:headEnd type="arrow"/>
+                <a:tailEnd type="arrow"/>
+              </a:ln>
+              <a:effectLst/>
+            </p:spPr>
+            <p:style>
+              <a:lnRef idx="2">
+                <a:schemeClr val="accent1"/>
+              </a:lnRef>
+              <a:fillRef idx="0">
+                <a:schemeClr val="accent1"/>
+              </a:fillRef>
+              <a:effectRef idx="1">
+                <a:schemeClr val="accent1"/>
+              </a:effectRef>
+              <a:fontRef idx="minor">
+                <a:schemeClr val="tx1"/>
+              </a:fontRef>
+            </p:style>
+          </p:cxnSp>
+          <p:sp>
+            <p:nvSpPr>
+              <p:cNvPr id="22" name="Rounded Rectangle 21"/>
+              <p:cNvSpPr/>
+              <p:nvPr/>
+            </p:nvSpPr>
+            <p:spPr>
+              <a:xfrm>
+                <a:off x="1839756" y="3932870"/>
+                <a:ext cx="1310640" cy="592584"/>
+              </a:xfrm>
+              <a:prstGeom prst="roundRect">
+                <a:avLst/>
+              </a:prstGeom>
+              <a:noFill/>
+              <a:ln>
+                <a:solidFill>
+                  <a:schemeClr val="tx1"/>
+                </a:solidFill>
+              </a:ln>
+              <a:effectLst/>
+            </p:spPr>
+            <p:style>
+              <a:lnRef idx="1">
+                <a:schemeClr val="accent1"/>
+              </a:lnRef>
+              <a:fillRef idx="3">
+                <a:schemeClr val="accent1"/>
+              </a:fillRef>
+              <a:effectRef idx="2">
+                <a:schemeClr val="accent1"/>
+              </a:effectRef>
+              <a:fontRef idx="minor">
+                <a:schemeClr val="lt1"/>
+              </a:fontRef>
+            </p:style>
+            <p:txBody>
+              <a:bodyPr rtlCol="0" anchor="ctr"/>
+              <a:lstStyle/>
+              <a:p>
+                <a:pPr algn="ctr"/>
+                <a:r>
+                  <a:rPr lang="en-US" dirty="0" smtClean="0">
+                    <a:solidFill>
+                      <a:srgbClr val="000000"/>
+                    </a:solidFill>
+                  </a:rPr>
+                  <a:t>Backend-Server</a:t>
+                </a:r>
+                <a:endParaRPr lang="en-US" dirty="0">
+                  <a:solidFill>
+                    <a:srgbClr val="000000"/>
+                  </a:solidFill>
+                </a:endParaRPr>
+              </a:p>
+            </p:txBody>
+          </p:sp>
+        </p:grpSp>
+        <p:pic>
+          <p:nvPicPr>
+            <p:cNvPr id="35" name="Picture 34"/>
+            <p:cNvPicPr>
+              <a:picLocks noChangeAspect="1"/>
+            </p:cNvPicPr>
+            <p:nvPr/>
+          </p:nvPicPr>
+          <p:blipFill>
+            <a:blip r:embed="rId4"/>
+            <a:stretch>
+              <a:fillRect/>
+            </a:stretch>
+          </p:blipFill>
+          <p:spPr>
+            <a:xfrm>
+              <a:off x="359245" y="2686630"/>
+              <a:ext cx="560474" cy="532450"/>
+            </a:xfrm>
+            <a:prstGeom prst="rect">
+              <a:avLst/>
+            </a:prstGeom>
+          </p:spPr>
+        </p:pic>
+        <p:sp>
+          <p:nvSpPr>
+            <p:cNvPr id="39" name="TextBox 38"/>
+            <p:cNvSpPr txBox="1"/>
+            <p:nvPr/>
+          </p:nvSpPr>
+          <p:spPr>
+            <a:xfrm>
+              <a:off x="1082277" y="2411433"/>
+              <a:ext cx="2237989" cy="1169551"/>
+            </a:xfrm>
+            <a:prstGeom prst="rect">
+              <a:avLst/>
+            </a:prstGeom>
+            <a:noFill/>
+          </p:spPr>
+          <p:txBody>
+            <a:bodyPr wrap="square" numCol="1" rtlCol="0">
+              <a:spAutoFit/>
+            </a:bodyPr>
+            <a:lstStyle/>
+            <a:p>
+              <a:pPr marL="342900" indent="-342900">
+                <a:buAutoNum type="arabicPeriod"/>
+              </a:pPr>
+              <a:r>
+                <a:rPr lang="en-US" sz="1400" dirty="0" smtClean="0"/>
+                <a:t>User Input </a:t>
+              </a:r>
+            </a:p>
+            <a:p>
+              <a:pPr marL="342900" indent="-342900">
+                <a:buAutoNum type="arabicPeriod"/>
+              </a:pPr>
+              <a:r>
+                <a:rPr lang="en-US" sz="1400" dirty="0" smtClean="0"/>
+                <a:t>Bug Symptoms?</a:t>
+              </a:r>
+              <a:endParaRPr lang="en-US" sz="1400" dirty="0"/>
+            </a:p>
+            <a:p>
+              <a:pPr marL="342900" indent="-342900">
+                <a:buAutoNum type="arabicPeriod"/>
+              </a:pPr>
+              <a:r>
+                <a:rPr lang="en-US" sz="1400" dirty="0" smtClean="0"/>
+                <a:t>Configuration?</a:t>
+              </a:r>
+            </a:p>
+            <a:p>
+              <a:pPr marL="342900" indent="-342900">
+                <a:buAutoNum type="arabicPeriod"/>
+              </a:pPr>
+              <a:r>
+                <a:rPr lang="en-US" sz="1400" dirty="0" smtClean="0"/>
+                <a:t>System State</a:t>
+              </a:r>
+            </a:p>
+            <a:p>
+              <a:pPr marL="342900" indent="-342900">
+                <a:buAutoNum type="arabicPeriod"/>
+              </a:pPr>
+              <a:r>
+                <a:rPr lang="en-US" sz="1400" dirty="0" smtClean="0"/>
+                <a:t>Scale?</a:t>
+              </a:r>
+              <a:endParaRPr lang="en-US" sz="1400" dirty="0"/>
+            </a:p>
+          </p:txBody>
+        </p:sp>
+      </p:grpSp>
+      <p:sp>
+        <p:nvSpPr>
+          <p:cNvPr id="43" name="TextBox 42"/>
+          <p:cNvSpPr txBox="1"/>
+          <p:nvPr/>
+        </p:nvSpPr>
+        <p:spPr>
+          <a:xfrm>
+            <a:off x="4765786" y="3087737"/>
+            <a:ext cx="2237989" cy="738664"/>
+          </a:xfrm>
+          <a:prstGeom prst="rect">
+            <a:avLst/>
+          </a:prstGeom>
+          <a:noFill/>
+        </p:spPr>
+        <p:txBody>
+          <a:bodyPr wrap="square" numCol="1" rtlCol="0">
+            <a:spAutoFit/>
+          </a:bodyPr>
+          <a:lstStyle/>
+          <a:p>
+            <a:pPr marL="342900" indent="-342900">
+              <a:buAutoNum type="arabicPeriod"/>
+            </a:pPr>
+            <a:r>
+              <a:rPr lang="en-US" sz="1400" dirty="0" smtClean="0"/>
+              <a:t>Live Debugging</a:t>
+            </a:r>
+          </a:p>
+          <a:p>
+            <a:pPr marL="342900" indent="-342900">
+              <a:buAutoNum type="arabicPeriod"/>
+            </a:pPr>
+            <a:r>
+              <a:rPr lang="en-US" sz="1400" dirty="0" smtClean="0"/>
+              <a:t>Same system state</a:t>
+            </a:r>
+          </a:p>
+          <a:p>
+            <a:pPr marL="342900" indent="-342900">
+              <a:buAutoNum type="arabicPeriod"/>
+            </a:pPr>
+            <a:r>
+              <a:rPr lang="en-US" sz="1400" dirty="0" smtClean="0"/>
+              <a:t>User input available</a:t>
+            </a:r>
+            <a:endParaRPr lang="en-US" sz="1400" dirty="0"/>
+          </a:p>
+        </p:txBody>
+      </p:sp>
+      <p:pic>
+        <p:nvPicPr>
+          <p:cNvPr id="44" name="Picture 43"/>
+          <p:cNvPicPr>
+            <a:picLocks noChangeAspect="1"/>
+          </p:cNvPicPr>
+          <p:nvPr/>
+        </p:nvPicPr>
+        <p:blipFill>
+          <a:blip r:embed="rId5"/>
+          <a:stretch>
+            <a:fillRect/>
+          </a:stretch>
+        </p:blipFill>
+        <p:spPr>
+          <a:xfrm>
+            <a:off x="6788631" y="3087737"/>
+            <a:ext cx="505460" cy="505460"/>
+          </a:xfrm>
+          <a:prstGeom prst="rect">
+            <a:avLst/>
+          </a:prstGeom>
+        </p:spPr>
+      </p:pic>
+      <p:pic>
+        <p:nvPicPr>
+          <p:cNvPr id="45" name="Picture 44"/>
+          <p:cNvPicPr>
+            <a:picLocks noChangeAspect="1"/>
+          </p:cNvPicPr>
+          <p:nvPr/>
+        </p:nvPicPr>
+        <p:blipFill>
+          <a:blip r:embed="rId6"/>
+          <a:stretch>
+            <a:fillRect/>
+          </a:stretch>
+        </p:blipFill>
+        <p:spPr>
+          <a:xfrm>
+            <a:off x="2710689" y="3714905"/>
+            <a:ext cx="360929" cy="429260"/>
+          </a:xfrm>
+          <a:prstGeom prst="rect">
+            <a:avLst/>
+          </a:prstGeom>
+        </p:spPr>
+      </p:pic>
+      <p:sp>
+        <p:nvSpPr>
+          <p:cNvPr id="46" name="TextBox 45"/>
+          <p:cNvSpPr txBox="1"/>
+          <p:nvPr/>
+        </p:nvSpPr>
+        <p:spPr>
+          <a:xfrm>
+            <a:off x="178309" y="5540588"/>
+            <a:ext cx="3210560" cy="307777"/>
+          </a:xfrm>
+          <a:prstGeom prst="rect">
+            <a:avLst/>
+          </a:prstGeom>
+          <a:noFill/>
+        </p:spPr>
+        <p:txBody>
+          <a:bodyPr wrap="square" rtlCol="0">
+            <a:spAutoFit/>
+          </a:bodyPr>
+          <a:lstStyle/>
+          <a:p>
+            <a:pPr algn="ctr"/>
+            <a:r>
+              <a:rPr lang="en-US" sz="1400" dirty="0" smtClean="0"/>
+              <a:t>(</a:t>
+            </a:r>
+            <a:r>
+              <a:rPr lang="en-US" sz="1400" dirty="0" err="1" smtClean="0"/>
+              <a:t>i</a:t>
+            </a:r>
+            <a:r>
+              <a:rPr lang="en-US" sz="1400" dirty="0" smtClean="0"/>
+              <a:t>). Without </a:t>
+            </a:r>
+            <a:r>
+              <a:rPr lang="en-US" sz="1400" dirty="0" err="1" smtClean="0"/>
+              <a:t>Parikshan</a:t>
+            </a:r>
+            <a:r>
+              <a:rPr lang="en-US" sz="1400" dirty="0"/>
+              <a:t> </a:t>
+            </a:r>
+            <a:r>
+              <a:rPr lang="en-US" sz="1400" dirty="0" smtClean="0"/>
+              <a:t>- Offline Testing</a:t>
+            </a:r>
+            <a:endParaRPr lang="en-US" sz="1400" dirty="0"/>
+          </a:p>
+        </p:txBody>
+      </p:sp>
+      <p:sp>
+        <p:nvSpPr>
+          <p:cNvPr id="47" name="TextBox 46"/>
+          <p:cNvSpPr txBox="1"/>
+          <p:nvPr/>
+        </p:nvSpPr>
+        <p:spPr>
+          <a:xfrm>
+            <a:off x="4416132" y="5540588"/>
+            <a:ext cx="3210560" cy="307777"/>
+          </a:xfrm>
+          <a:prstGeom prst="rect">
+            <a:avLst/>
+          </a:prstGeom>
+          <a:noFill/>
+        </p:spPr>
+        <p:txBody>
+          <a:bodyPr wrap="square" rtlCol="0">
+            <a:spAutoFit/>
+          </a:bodyPr>
+          <a:lstStyle/>
+          <a:p>
+            <a:pPr algn="ctr"/>
+            <a:r>
+              <a:rPr lang="en-US" sz="1400" dirty="0" smtClean="0"/>
+              <a:t>(ii). With </a:t>
+            </a:r>
+            <a:r>
+              <a:rPr lang="en-US" sz="1400" dirty="0" err="1" smtClean="0"/>
+              <a:t>Parikshan</a:t>
+            </a:r>
+            <a:r>
+              <a:rPr lang="en-US" sz="1400" dirty="0" smtClean="0"/>
+              <a:t> - Online Testing</a:t>
+            </a:r>
+            <a:endParaRPr lang="en-US" sz="1400" dirty="0"/>
+          </a:p>
+        </p:txBody>
+      </p:sp>
+      <p:cxnSp>
+        <p:nvCxnSpPr>
+          <p:cNvPr id="49" name="Straight Connector 48"/>
+          <p:cNvCxnSpPr/>
+          <p:nvPr/>
+        </p:nvCxnSpPr>
+        <p:spPr>
+          <a:xfrm>
+            <a:off x="3571749" y="2912125"/>
+            <a:ext cx="0" cy="2936240"/>
+          </a:xfrm>
+          <a:prstGeom prst="line">
+            <a:avLst/>
+          </a:prstGeom>
+          <a:ln>
+            <a:solidFill>
+              <a:schemeClr val="tx1"/>
+            </a:solidFill>
+          </a:ln>
+          <a:effectLst/>
+        </p:spPr>
+        <p:style>
+          <a:lnRef idx="2">
+            <a:schemeClr val="accent1"/>
+          </a:lnRef>
+          <a:fillRef idx="0">
+            <a:schemeClr val="accent1"/>
+          </a:fillRef>
+          <a:effectRef idx="1">
+            <a:schemeClr val="accent1"/>
+          </a:effectRef>
+          <a:fontRef idx="minor">
+            <a:schemeClr val="tx1"/>
+          </a:fontRef>
+        </p:style>
+      </p:cxnSp>
+      <p:sp>
+        <p:nvSpPr>
+          <p:cNvPr id="52" name="TextBox 51"/>
+          <p:cNvSpPr txBox="1"/>
+          <p:nvPr/>
+        </p:nvSpPr>
+        <p:spPr>
+          <a:xfrm>
+            <a:off x="7247615" y="5154557"/>
+            <a:ext cx="1757789" cy="276999"/>
+          </a:xfrm>
+          <a:prstGeom prst="rect">
+            <a:avLst/>
+          </a:prstGeom>
+          <a:noFill/>
+        </p:spPr>
+        <p:txBody>
+          <a:bodyPr wrap="square" rtlCol="0">
+            <a:spAutoFit/>
+          </a:bodyPr>
+          <a:lstStyle/>
+          <a:p>
+            <a:r>
+              <a:rPr lang="en-US" sz="1200" dirty="0" smtClean="0"/>
+              <a:t>View traces/test-cases</a:t>
+            </a:r>
+            <a:endParaRPr lang="en-US" sz="1200" dirty="0"/>
+          </a:p>
+        </p:txBody>
+      </p:sp>
+    </p:spTree>
+    <p:extLst>
+      <p:ext uri="{BB962C8B-B14F-4D97-AF65-F5344CB8AC3E}">
+        <p14:creationId xmlns:p14="http://schemas.microsoft.com/office/powerpoint/2010/main" val="3442495006"/>
       </p:ext>
     </p:extLst>
   </p:cSld>

--- a/paper/figs/images.pptx
+++ b/paper/figs/images.pptx
@@ -11,7 +11,9 @@
     <p:sldId id="259" r:id="rId5"/>
     <p:sldId id="257" r:id="rId6"/>
     <p:sldId id="260" r:id="rId7"/>
-    <p:sldId id="262" r:id="rId8"/>
+    <p:sldId id="264" r:id="rId8"/>
+    <p:sldId id="262" r:id="rId9"/>
+    <p:sldId id="263" r:id="rId10"/>
   </p:sldIdLst>
   <p:sldSz cx="9144000" cy="6858000" type="screen4x3"/>
   <p:notesSz cx="6858000" cy="9144000"/>
@@ -294,7 +296,7 @@
           <a:p>
             <a:fld id="{06D27FD6-7394-0F44-B86B-46BBC2D874F2}" type="datetimeFigureOut">
               <a:rPr lang="en-US" smtClean="0"/>
-              <a:t>10/11/14</a:t>
+              <a:t>11/17/14</a:t>
             </a:fld>
             <a:endParaRPr lang="en-US"/>
           </a:p>
@@ -464,7 +466,7 @@
           <a:p>
             <a:fld id="{06D27FD6-7394-0F44-B86B-46BBC2D874F2}" type="datetimeFigureOut">
               <a:rPr lang="en-US" smtClean="0"/>
-              <a:t>10/11/14</a:t>
+              <a:t>11/17/14</a:t>
             </a:fld>
             <a:endParaRPr lang="en-US"/>
           </a:p>
@@ -644,7 +646,7 @@
           <a:p>
             <a:fld id="{06D27FD6-7394-0F44-B86B-46BBC2D874F2}" type="datetimeFigureOut">
               <a:rPr lang="en-US" smtClean="0"/>
-              <a:t>10/11/14</a:t>
+              <a:t>11/17/14</a:t>
             </a:fld>
             <a:endParaRPr lang="en-US"/>
           </a:p>
@@ -814,7 +816,7 @@
           <a:p>
             <a:fld id="{06D27FD6-7394-0F44-B86B-46BBC2D874F2}" type="datetimeFigureOut">
               <a:rPr lang="en-US" smtClean="0"/>
-              <a:t>10/11/14</a:t>
+              <a:t>11/17/14</a:t>
             </a:fld>
             <a:endParaRPr lang="en-US"/>
           </a:p>
@@ -1060,7 +1062,7 @@
           <a:p>
             <a:fld id="{06D27FD6-7394-0F44-B86B-46BBC2D874F2}" type="datetimeFigureOut">
               <a:rPr lang="en-US" smtClean="0"/>
-              <a:t>10/11/14</a:t>
+              <a:t>11/17/14</a:t>
             </a:fld>
             <a:endParaRPr lang="en-US"/>
           </a:p>
@@ -1348,7 +1350,7 @@
           <a:p>
             <a:fld id="{06D27FD6-7394-0F44-B86B-46BBC2D874F2}" type="datetimeFigureOut">
               <a:rPr lang="en-US" smtClean="0"/>
-              <a:t>10/11/14</a:t>
+              <a:t>11/17/14</a:t>
             </a:fld>
             <a:endParaRPr lang="en-US"/>
           </a:p>
@@ -1770,7 +1772,7 @@
           <a:p>
             <a:fld id="{06D27FD6-7394-0F44-B86B-46BBC2D874F2}" type="datetimeFigureOut">
               <a:rPr lang="en-US" smtClean="0"/>
-              <a:t>10/11/14</a:t>
+              <a:t>11/17/14</a:t>
             </a:fld>
             <a:endParaRPr lang="en-US"/>
           </a:p>
@@ -1888,7 +1890,7 @@
           <a:p>
             <a:fld id="{06D27FD6-7394-0F44-B86B-46BBC2D874F2}" type="datetimeFigureOut">
               <a:rPr lang="en-US" smtClean="0"/>
-              <a:t>10/11/14</a:t>
+              <a:t>11/17/14</a:t>
             </a:fld>
             <a:endParaRPr lang="en-US"/>
           </a:p>
@@ -1983,7 +1985,7 @@
           <a:p>
             <a:fld id="{06D27FD6-7394-0F44-B86B-46BBC2D874F2}" type="datetimeFigureOut">
               <a:rPr lang="en-US" smtClean="0"/>
-              <a:t>10/11/14</a:t>
+              <a:t>11/17/14</a:t>
             </a:fld>
             <a:endParaRPr lang="en-US"/>
           </a:p>
@@ -2260,7 +2262,7 @@
           <a:p>
             <a:fld id="{06D27FD6-7394-0F44-B86B-46BBC2D874F2}" type="datetimeFigureOut">
               <a:rPr lang="en-US" smtClean="0"/>
-              <a:t>10/11/14</a:t>
+              <a:t>11/17/14</a:t>
             </a:fld>
             <a:endParaRPr lang="en-US"/>
           </a:p>
@@ -2513,7 +2515,7 @@
           <a:p>
             <a:fld id="{06D27FD6-7394-0F44-B86B-46BBC2D874F2}" type="datetimeFigureOut">
               <a:rPr lang="en-US" smtClean="0"/>
-              <a:t>10/11/14</a:t>
+              <a:t>11/17/14</a:t>
             </a:fld>
             <a:endParaRPr lang="en-US"/>
           </a:p>
@@ -2726,7 +2728,7 @@
           <a:p>
             <a:fld id="{06D27FD6-7394-0F44-B86B-46BBC2D874F2}" type="datetimeFigureOut">
               <a:rPr lang="en-US" smtClean="0"/>
-              <a:t>10/11/14</a:t>
+              <a:t>11/17/14</a:t>
             </a:fld>
             <a:endParaRPr lang="en-US"/>
           </a:p>
@@ -10125,8 +10127,8 @@
         </p:nvGrpSpPr>
         <p:grpSpPr>
           <a:xfrm>
-            <a:off x="1530559" y="1744437"/>
-            <a:ext cx="3785169" cy="2672156"/>
+            <a:off x="739250" y="1128974"/>
+            <a:ext cx="7838135" cy="4693488"/>
             <a:chOff x="1530559" y="1744437"/>
             <a:chExt cx="3785169" cy="2672156"/>
           </a:xfrm>
@@ -10949,6 +10951,747 @@
 </file>
 
 <file path=ppt/slides/slide7.xml><?xml version="1.0" encoding="utf-8"?>
+<p:sld xmlns:a="http://schemas.openxmlformats.org/drawingml/2006/main" xmlns:r="http://schemas.openxmlformats.org/officeDocument/2006/relationships" xmlns:p="http://schemas.openxmlformats.org/presentationml/2006/main">
+  <p:cSld>
+    <p:spTree>
+      <p:nvGrpSpPr>
+        <p:cNvPr id="1" name=""/>
+        <p:cNvGrpSpPr/>
+        <p:nvPr/>
+      </p:nvGrpSpPr>
+      <p:grpSpPr>
+        <a:xfrm>
+          <a:off x="0" y="0"/>
+          <a:ext cx="0" cy="0"/>
+          <a:chOff x="0" y="0"/>
+          <a:chExt cx="0" cy="0"/>
+        </a:xfrm>
+      </p:grpSpPr>
+      <p:grpSp>
+        <p:nvGrpSpPr>
+          <p:cNvPr id="4" name="Group 3"/>
+          <p:cNvGrpSpPr/>
+          <p:nvPr/>
+        </p:nvGrpSpPr>
+        <p:grpSpPr>
+          <a:xfrm>
+            <a:off x="612764" y="1124907"/>
+            <a:ext cx="4241243" cy="4693488"/>
+            <a:chOff x="2726601" y="1744437"/>
+            <a:chExt cx="2048169" cy="2672156"/>
+          </a:xfrm>
+        </p:grpSpPr>
+        <p:sp>
+          <p:nvSpPr>
+            <p:cNvPr id="6" name="Rectangle 5"/>
+            <p:cNvSpPr/>
+            <p:nvPr/>
+          </p:nvSpPr>
+          <p:spPr>
+            <a:xfrm>
+              <a:off x="3382016" y="2818931"/>
+              <a:ext cx="962757" cy="553633"/>
+            </a:xfrm>
+            <a:prstGeom prst="rect">
+              <a:avLst/>
+            </a:prstGeom>
+            <a:noFill/>
+            <a:ln w="25400">
+              <a:solidFill>
+                <a:schemeClr val="tx1"/>
+              </a:solidFill>
+            </a:ln>
+            <a:effectLst/>
+          </p:spPr>
+          <p:style>
+            <a:lnRef idx="1">
+              <a:schemeClr val="accent1"/>
+            </a:lnRef>
+            <a:fillRef idx="3">
+              <a:schemeClr val="accent1"/>
+            </a:fillRef>
+            <a:effectRef idx="2">
+              <a:schemeClr val="accent1"/>
+            </a:effectRef>
+            <a:fontRef idx="minor">
+              <a:schemeClr val="lt1"/>
+            </a:fontRef>
+          </p:style>
+          <p:txBody>
+            <a:bodyPr rtlCol="0" anchor="ctr"/>
+            <a:lstStyle/>
+            <a:p>
+              <a:pPr algn="ctr"/>
+              <a:r>
+                <a:rPr lang="en-US" dirty="0" smtClean="0">
+                  <a:solidFill>
+                    <a:schemeClr val="tx1"/>
+                  </a:solidFill>
+                </a:rPr>
+                <a:t>Proxy</a:t>
+              </a:r>
+              <a:endParaRPr lang="en-US" dirty="0">
+                <a:solidFill>
+                  <a:schemeClr val="tx1"/>
+                </a:solidFill>
+              </a:endParaRPr>
+            </a:p>
+          </p:txBody>
+        </p:sp>
+        <p:sp>
+          <p:nvSpPr>
+            <p:cNvPr id="7" name="Rectangle 6"/>
+            <p:cNvSpPr/>
+            <p:nvPr/>
+          </p:nvSpPr>
+          <p:spPr>
+            <a:xfrm>
+              <a:off x="2726601" y="1744437"/>
+              <a:ext cx="1242493" cy="478493"/>
+            </a:xfrm>
+            <a:prstGeom prst="rect">
+              <a:avLst/>
+            </a:prstGeom>
+            <a:noFill/>
+            <a:ln w="25400">
+              <a:solidFill>
+                <a:schemeClr val="tx1"/>
+              </a:solidFill>
+            </a:ln>
+            <a:effectLst/>
+          </p:spPr>
+          <p:style>
+            <a:lnRef idx="1">
+              <a:schemeClr val="accent1"/>
+            </a:lnRef>
+            <a:fillRef idx="3">
+              <a:schemeClr val="accent1"/>
+            </a:fillRef>
+            <a:effectRef idx="2">
+              <a:schemeClr val="accent1"/>
+            </a:effectRef>
+            <a:fontRef idx="minor">
+              <a:schemeClr val="lt1"/>
+            </a:fontRef>
+          </p:style>
+          <p:txBody>
+            <a:bodyPr rtlCol="0" anchor="ctr"/>
+            <a:lstStyle/>
+            <a:p>
+              <a:pPr algn="ctr"/>
+              <a:r>
+                <a:rPr lang="en-US" dirty="0" smtClean="0">
+                  <a:solidFill>
+                    <a:schemeClr val="tx1"/>
+                  </a:solidFill>
+                </a:rPr>
+                <a:t>Mid-Tier Production</a:t>
+              </a:r>
+              <a:endParaRPr lang="en-US" dirty="0">
+                <a:solidFill>
+                  <a:schemeClr val="tx1"/>
+                </a:solidFill>
+              </a:endParaRPr>
+            </a:p>
+          </p:txBody>
+        </p:sp>
+        <p:sp>
+          <p:nvSpPr>
+            <p:cNvPr id="8" name="Rectangle 7"/>
+            <p:cNvSpPr/>
+            <p:nvPr/>
+          </p:nvSpPr>
+          <p:spPr>
+            <a:xfrm>
+              <a:off x="2736336" y="3947264"/>
+              <a:ext cx="1242493" cy="469329"/>
+            </a:xfrm>
+            <a:prstGeom prst="rect">
+              <a:avLst/>
+            </a:prstGeom>
+            <a:noFill/>
+            <a:ln w="25400">
+              <a:solidFill>
+                <a:schemeClr val="tx1"/>
+              </a:solidFill>
+            </a:ln>
+            <a:effectLst/>
+          </p:spPr>
+          <p:style>
+            <a:lnRef idx="1">
+              <a:schemeClr val="accent1"/>
+            </a:lnRef>
+            <a:fillRef idx="3">
+              <a:schemeClr val="accent1"/>
+            </a:fillRef>
+            <a:effectRef idx="2">
+              <a:schemeClr val="accent1"/>
+            </a:effectRef>
+            <a:fontRef idx="minor">
+              <a:schemeClr val="lt1"/>
+            </a:fontRef>
+          </p:style>
+          <p:txBody>
+            <a:bodyPr rtlCol="0" anchor="ctr"/>
+            <a:lstStyle/>
+            <a:p>
+              <a:pPr algn="ctr"/>
+              <a:r>
+                <a:rPr lang="en-US" dirty="0" smtClean="0">
+                  <a:solidFill>
+                    <a:schemeClr val="tx1"/>
+                  </a:solidFill>
+                </a:rPr>
+                <a:t>Mid-Tier Clone</a:t>
+              </a:r>
+              <a:endParaRPr lang="en-US" dirty="0">
+                <a:solidFill>
+                  <a:schemeClr val="tx1"/>
+                </a:solidFill>
+              </a:endParaRPr>
+            </a:p>
+          </p:txBody>
+        </p:sp>
+        <p:cxnSp>
+          <p:nvCxnSpPr>
+            <p:cNvPr id="10" name="Straight Arrow Connector 9"/>
+            <p:cNvCxnSpPr/>
+            <p:nvPr/>
+          </p:nvCxnSpPr>
+          <p:spPr>
+            <a:xfrm flipH="1" flipV="1">
+              <a:off x="3147782" y="2222930"/>
+              <a:ext cx="519470" cy="589509"/>
+            </a:xfrm>
+            <a:prstGeom prst="straightConnector1">
+              <a:avLst/>
+            </a:prstGeom>
+            <a:ln>
+              <a:solidFill>
+                <a:schemeClr val="tx1"/>
+              </a:solidFill>
+              <a:tailEnd type="arrow"/>
+            </a:ln>
+            <a:effectLst/>
+          </p:spPr>
+          <p:style>
+            <a:lnRef idx="2">
+              <a:schemeClr val="accent1"/>
+            </a:lnRef>
+            <a:fillRef idx="0">
+              <a:schemeClr val="accent1"/>
+            </a:fillRef>
+            <a:effectRef idx="1">
+              <a:schemeClr val="accent1"/>
+            </a:effectRef>
+            <a:fontRef idx="minor">
+              <a:schemeClr val="tx1"/>
+            </a:fontRef>
+          </p:style>
+        </p:cxnSp>
+        <p:cxnSp>
+          <p:nvCxnSpPr>
+            <p:cNvPr id="11" name="Straight Arrow Connector 10"/>
+            <p:cNvCxnSpPr>
+              <a:endCxn id="8" idx="0"/>
+            </p:cNvCxnSpPr>
+            <p:nvPr/>
+          </p:nvCxnSpPr>
+          <p:spPr>
+            <a:xfrm flipH="1">
+              <a:off x="3357583" y="3392865"/>
+              <a:ext cx="577777" cy="554399"/>
+            </a:xfrm>
+            <a:prstGeom prst="straightConnector1">
+              <a:avLst/>
+            </a:prstGeom>
+            <a:ln>
+              <a:solidFill>
+                <a:schemeClr val="tx1"/>
+              </a:solidFill>
+              <a:tailEnd type="arrow"/>
+            </a:ln>
+            <a:effectLst/>
+          </p:spPr>
+          <p:style>
+            <a:lnRef idx="2">
+              <a:schemeClr val="accent1"/>
+            </a:lnRef>
+            <a:fillRef idx="0">
+              <a:schemeClr val="accent1"/>
+            </a:fillRef>
+            <a:effectRef idx="1">
+              <a:schemeClr val="accent1"/>
+            </a:effectRef>
+            <a:fontRef idx="minor">
+              <a:schemeClr val="tx1"/>
+            </a:fontRef>
+          </p:style>
+        </p:cxnSp>
+        <p:cxnSp>
+          <p:nvCxnSpPr>
+            <p:cNvPr id="12" name="Straight Arrow Connector 11"/>
+            <p:cNvCxnSpPr/>
+            <p:nvPr/>
+          </p:nvCxnSpPr>
+          <p:spPr>
+            <a:xfrm>
+              <a:off x="3382016" y="2233786"/>
+              <a:ext cx="539570" cy="578651"/>
+            </a:xfrm>
+            <a:prstGeom prst="straightConnector1">
+              <a:avLst/>
+            </a:prstGeom>
+            <a:ln>
+              <a:solidFill>
+                <a:schemeClr val="tx1"/>
+              </a:solidFill>
+              <a:tailEnd type="arrow"/>
+            </a:ln>
+            <a:effectLst/>
+          </p:spPr>
+          <p:style>
+            <a:lnRef idx="2">
+              <a:schemeClr val="accent1"/>
+            </a:lnRef>
+            <a:fillRef idx="0">
+              <a:schemeClr val="accent1"/>
+            </a:fillRef>
+            <a:effectRef idx="1">
+              <a:schemeClr val="accent1"/>
+            </a:effectRef>
+            <a:fontRef idx="minor">
+              <a:schemeClr val="tx1"/>
+            </a:fontRef>
+          </p:style>
+        </p:cxnSp>
+        <p:cxnSp>
+          <p:nvCxnSpPr>
+            <p:cNvPr id="13" name="Straight Arrow Connector 12"/>
+            <p:cNvCxnSpPr/>
+            <p:nvPr/>
+          </p:nvCxnSpPr>
+          <p:spPr>
+            <a:xfrm flipV="1">
+              <a:off x="3147782" y="3392867"/>
+              <a:ext cx="519469" cy="525991"/>
+            </a:xfrm>
+            <a:prstGeom prst="straightConnector1">
+              <a:avLst/>
+            </a:prstGeom>
+            <a:ln>
+              <a:solidFill>
+                <a:schemeClr val="tx1"/>
+              </a:solidFill>
+              <a:tailEnd type="arrow"/>
+            </a:ln>
+            <a:effectLst/>
+          </p:spPr>
+          <p:style>
+            <a:lnRef idx="2">
+              <a:schemeClr val="accent1"/>
+            </a:lnRef>
+            <a:fillRef idx="0">
+              <a:schemeClr val="accent1"/>
+            </a:fillRef>
+            <a:effectRef idx="1">
+              <a:schemeClr val="accent1"/>
+            </a:effectRef>
+            <a:fontRef idx="minor">
+              <a:schemeClr val="tx1"/>
+            </a:fontRef>
+          </p:style>
+        </p:cxnSp>
+        <p:sp>
+          <p:nvSpPr>
+            <p:cNvPr id="15" name="Oval 14"/>
+            <p:cNvSpPr/>
+            <p:nvPr/>
+          </p:nvSpPr>
+          <p:spPr>
+            <a:xfrm>
+              <a:off x="3724413" y="2300626"/>
+              <a:ext cx="359963" cy="225848"/>
+            </a:xfrm>
+            <a:prstGeom prst="ellipse">
+              <a:avLst/>
+            </a:prstGeom>
+            <a:noFill/>
+            <a:ln w="12700">
+              <a:solidFill>
+                <a:schemeClr val="tx1"/>
+              </a:solidFill>
+            </a:ln>
+            <a:effectLst/>
+          </p:spPr>
+          <p:style>
+            <a:lnRef idx="1">
+              <a:schemeClr val="accent1"/>
+            </a:lnRef>
+            <a:fillRef idx="3">
+              <a:schemeClr val="accent1"/>
+            </a:fillRef>
+            <a:effectRef idx="2">
+              <a:schemeClr val="accent1"/>
+            </a:effectRef>
+            <a:fontRef idx="minor">
+              <a:schemeClr val="lt1"/>
+            </a:fontRef>
+          </p:style>
+          <p:txBody>
+            <a:bodyPr rtlCol="0" anchor="ctr"/>
+            <a:lstStyle/>
+            <a:p>
+              <a:pPr algn="ctr"/>
+              <a:r>
+                <a:rPr lang="en-US" sz="1200" dirty="0" smtClean="0">
+                  <a:solidFill>
+                    <a:srgbClr val="000000"/>
+                  </a:solidFill>
+                </a:rPr>
+                <a:t>3</a:t>
+              </a:r>
+            </a:p>
+          </p:txBody>
+        </p:sp>
+        <p:sp>
+          <p:nvSpPr>
+            <p:cNvPr id="16" name="Oval 15"/>
+            <p:cNvSpPr/>
+            <p:nvPr/>
+          </p:nvSpPr>
+          <p:spPr>
+            <a:xfrm>
+              <a:off x="2967800" y="2413550"/>
+              <a:ext cx="359963" cy="225848"/>
+            </a:xfrm>
+            <a:prstGeom prst="ellipse">
+              <a:avLst/>
+            </a:prstGeom>
+            <a:noFill/>
+            <a:ln w="12700">
+              <a:solidFill>
+                <a:schemeClr val="tx1"/>
+              </a:solidFill>
+            </a:ln>
+            <a:effectLst/>
+          </p:spPr>
+          <p:style>
+            <a:lnRef idx="1">
+              <a:schemeClr val="accent1"/>
+            </a:lnRef>
+            <a:fillRef idx="3">
+              <a:schemeClr val="accent1"/>
+            </a:fillRef>
+            <a:effectRef idx="2">
+              <a:schemeClr val="accent1"/>
+            </a:effectRef>
+            <a:fontRef idx="minor">
+              <a:schemeClr val="lt1"/>
+            </a:fontRef>
+          </p:style>
+          <p:txBody>
+            <a:bodyPr rtlCol="0" anchor="ctr"/>
+            <a:lstStyle/>
+            <a:p>
+              <a:pPr algn="ctr"/>
+              <a:r>
+                <a:rPr lang="en-US" sz="1200" dirty="0">
+                  <a:solidFill>
+                    <a:srgbClr val="000000"/>
+                  </a:solidFill>
+                </a:rPr>
+                <a:t>4</a:t>
+              </a:r>
+              <a:endParaRPr lang="en-US" sz="1200" dirty="0" smtClean="0">
+                <a:solidFill>
+                  <a:srgbClr val="000000"/>
+                </a:solidFill>
+              </a:endParaRPr>
+            </a:p>
+          </p:txBody>
+        </p:sp>
+        <p:sp>
+          <p:nvSpPr>
+            <p:cNvPr id="19" name="Oval 18"/>
+            <p:cNvSpPr/>
+            <p:nvPr/>
+          </p:nvSpPr>
+          <p:spPr>
+            <a:xfrm>
+              <a:off x="2934493" y="3520208"/>
+              <a:ext cx="359963" cy="225848"/>
+            </a:xfrm>
+            <a:prstGeom prst="ellipse">
+              <a:avLst/>
+            </a:prstGeom>
+            <a:noFill/>
+            <a:ln w="12700">
+              <a:solidFill>
+                <a:schemeClr val="tx1"/>
+              </a:solidFill>
+            </a:ln>
+            <a:effectLst/>
+          </p:spPr>
+          <p:style>
+            <a:lnRef idx="1">
+              <a:schemeClr val="accent1"/>
+            </a:lnRef>
+            <a:fillRef idx="3">
+              <a:schemeClr val="accent1"/>
+            </a:fillRef>
+            <a:effectRef idx="2">
+              <a:schemeClr val="accent1"/>
+            </a:effectRef>
+            <a:fontRef idx="minor">
+              <a:schemeClr val="lt1"/>
+            </a:fontRef>
+          </p:style>
+          <p:txBody>
+            <a:bodyPr rtlCol="0" anchor="ctr"/>
+            <a:lstStyle/>
+            <a:p>
+              <a:pPr algn="ctr"/>
+              <a:r>
+                <a:rPr lang="en-US" sz="1200" dirty="0" smtClean="0">
+                  <a:solidFill>
+                    <a:srgbClr val="000000"/>
+                  </a:solidFill>
+                </a:rPr>
+                <a:t>5</a:t>
+              </a:r>
+            </a:p>
+          </p:txBody>
+        </p:sp>
+        <p:sp>
+          <p:nvSpPr>
+            <p:cNvPr id="20" name="TextBox 19"/>
+            <p:cNvSpPr txBox="1"/>
+            <p:nvPr/>
+          </p:nvSpPr>
+          <p:spPr>
+            <a:xfrm>
+              <a:off x="4590104" y="3520208"/>
+              <a:ext cx="184666" cy="369332"/>
+            </a:xfrm>
+            <a:prstGeom prst="rect">
+              <a:avLst/>
+            </a:prstGeom>
+            <a:noFill/>
+          </p:spPr>
+          <p:txBody>
+            <a:bodyPr wrap="none" rtlCol="0">
+              <a:spAutoFit/>
+            </a:bodyPr>
+            <a:lstStyle/>
+            <a:p>
+              <a:endParaRPr lang="en-US" dirty="0"/>
+            </a:p>
+          </p:txBody>
+        </p:sp>
+        <p:sp>
+          <p:nvSpPr>
+            <p:cNvPr id="21" name="Oval 20"/>
+            <p:cNvSpPr/>
+            <p:nvPr/>
+          </p:nvSpPr>
+          <p:spPr>
+            <a:xfrm>
+              <a:off x="3741604" y="3582012"/>
+              <a:ext cx="359963" cy="225848"/>
+            </a:xfrm>
+            <a:prstGeom prst="ellipse">
+              <a:avLst/>
+            </a:prstGeom>
+            <a:noFill/>
+            <a:ln w="12700">
+              <a:solidFill>
+                <a:schemeClr val="tx1"/>
+              </a:solidFill>
+            </a:ln>
+            <a:effectLst/>
+          </p:spPr>
+          <p:style>
+            <a:lnRef idx="1">
+              <a:schemeClr val="accent1"/>
+            </a:lnRef>
+            <a:fillRef idx="3">
+              <a:schemeClr val="accent1"/>
+            </a:fillRef>
+            <a:effectRef idx="2">
+              <a:schemeClr val="accent1"/>
+            </a:effectRef>
+            <a:fontRef idx="minor">
+              <a:schemeClr val="lt1"/>
+            </a:fontRef>
+          </p:style>
+          <p:txBody>
+            <a:bodyPr rtlCol="0" anchor="ctr"/>
+            <a:lstStyle/>
+            <a:p>
+              <a:pPr algn="ctr"/>
+              <a:r>
+                <a:rPr lang="en-US" sz="1200" dirty="0">
+                  <a:solidFill>
+                    <a:srgbClr val="000000"/>
+                  </a:solidFill>
+                </a:rPr>
+                <a:t>6</a:t>
+              </a:r>
+              <a:endParaRPr lang="en-US" sz="1200" dirty="0" smtClean="0">
+                <a:solidFill>
+                  <a:srgbClr val="000000"/>
+                </a:solidFill>
+              </a:endParaRPr>
+            </a:p>
+          </p:txBody>
+        </p:sp>
+      </p:grpSp>
+      <p:sp>
+        <p:nvSpPr>
+          <p:cNvPr id="27" name="Rectangle 26"/>
+          <p:cNvSpPr/>
+          <p:nvPr/>
+        </p:nvSpPr>
+        <p:spPr>
+          <a:xfrm>
+            <a:off x="4854007" y="3000787"/>
+            <a:ext cx="1993628" cy="972424"/>
+          </a:xfrm>
+          <a:prstGeom prst="rect">
+            <a:avLst/>
+          </a:prstGeom>
+          <a:noFill/>
+          <a:ln w="25400">
+            <a:solidFill>
+              <a:schemeClr val="tx1"/>
+            </a:solidFill>
+          </a:ln>
+          <a:effectLst/>
+        </p:spPr>
+        <p:style>
+          <a:lnRef idx="1">
+            <a:schemeClr val="accent1"/>
+          </a:lnRef>
+          <a:fillRef idx="3">
+            <a:schemeClr val="accent1"/>
+          </a:fillRef>
+          <a:effectRef idx="2">
+            <a:schemeClr val="accent1"/>
+          </a:effectRef>
+          <a:fontRef idx="minor">
+            <a:schemeClr val="lt1"/>
+          </a:fontRef>
+        </p:style>
+        <p:txBody>
+          <a:bodyPr rtlCol="0" anchor="ctr"/>
+          <a:lstStyle/>
+          <a:p>
+            <a:pPr algn="ctr"/>
+            <a:r>
+              <a:rPr lang="en-US" dirty="0" smtClean="0">
+                <a:solidFill>
+                  <a:schemeClr val="tx1"/>
+                </a:solidFill>
+              </a:rPr>
+              <a:t>Backend-Server</a:t>
+            </a:r>
+            <a:endParaRPr lang="en-US" dirty="0">
+              <a:solidFill>
+                <a:schemeClr val="tx1"/>
+              </a:solidFill>
+            </a:endParaRPr>
+          </a:p>
+        </p:txBody>
+      </p:sp>
+      <p:cxnSp>
+        <p:nvCxnSpPr>
+          <p:cNvPr id="28" name="Straight Arrow Connector 27"/>
+          <p:cNvCxnSpPr/>
+          <p:nvPr/>
+        </p:nvCxnSpPr>
+        <p:spPr>
+          <a:xfrm>
+            <a:off x="3963592" y="3328997"/>
+            <a:ext cx="890415" cy="0"/>
+          </a:xfrm>
+          <a:prstGeom prst="straightConnector1">
+            <a:avLst/>
+          </a:prstGeom>
+          <a:ln>
+            <a:solidFill>
+              <a:schemeClr val="tx1"/>
+            </a:solidFill>
+            <a:tailEnd type="arrow"/>
+          </a:ln>
+          <a:effectLst/>
+        </p:spPr>
+        <p:style>
+          <a:lnRef idx="2">
+            <a:schemeClr val="accent1"/>
+          </a:lnRef>
+          <a:fillRef idx="0">
+            <a:schemeClr val="accent1"/>
+          </a:fillRef>
+          <a:effectRef idx="1">
+            <a:schemeClr val="accent1"/>
+          </a:effectRef>
+          <a:fontRef idx="minor">
+            <a:schemeClr val="tx1"/>
+          </a:fontRef>
+        </p:style>
+      </p:cxnSp>
+      <p:cxnSp>
+        <p:nvCxnSpPr>
+          <p:cNvPr id="31" name="Straight Arrow Connector 30"/>
+          <p:cNvCxnSpPr/>
+          <p:nvPr/>
+        </p:nvCxnSpPr>
+        <p:spPr>
+          <a:xfrm flipH="1">
+            <a:off x="3963592" y="3710338"/>
+            <a:ext cx="890416" cy="0"/>
+          </a:xfrm>
+          <a:prstGeom prst="straightConnector1">
+            <a:avLst/>
+          </a:prstGeom>
+          <a:ln>
+            <a:solidFill>
+              <a:schemeClr val="tx1"/>
+            </a:solidFill>
+            <a:tailEnd type="arrow"/>
+          </a:ln>
+          <a:effectLst/>
+        </p:spPr>
+        <p:style>
+          <a:lnRef idx="2">
+            <a:schemeClr val="accent1"/>
+          </a:lnRef>
+          <a:fillRef idx="0">
+            <a:schemeClr val="accent1"/>
+          </a:fillRef>
+          <a:effectRef idx="1">
+            <a:schemeClr val="accent1"/>
+          </a:effectRef>
+          <a:fontRef idx="minor">
+            <a:schemeClr val="tx1"/>
+          </a:fontRef>
+        </p:style>
+      </p:cxnSp>
+    </p:spTree>
+    <p:extLst>
+      <p:ext uri="{BB962C8B-B14F-4D97-AF65-F5344CB8AC3E}">
+        <p14:creationId xmlns:p14="http://schemas.microsoft.com/office/powerpoint/2010/main" val="1331410347"/>
+      </p:ext>
+    </p:extLst>
+  </p:cSld>
+  <p:clrMapOvr>
+    <a:masterClrMapping/>
+  </p:clrMapOvr>
+</p:sld>
+</file>
+
+<file path=ppt/slides/slide8.xml><?xml version="1.0" encoding="utf-8"?>
 <p:sld xmlns:a="http://schemas.openxmlformats.org/drawingml/2006/main" xmlns:r="http://schemas.openxmlformats.org/officeDocument/2006/relationships" xmlns:p="http://schemas.openxmlformats.org/presentationml/2006/main">
   <p:cSld>
     <p:spTree>
@@ -11961,6 +12704,216 @@
     <p:extLst>
       <p:ext uri="{BB962C8B-B14F-4D97-AF65-F5344CB8AC3E}">
         <p14:creationId xmlns:p14="http://schemas.microsoft.com/office/powerpoint/2010/main" val="3442495006"/>
+      </p:ext>
+    </p:extLst>
+  </p:cSld>
+  <p:clrMapOvr>
+    <a:masterClrMapping/>
+  </p:clrMapOvr>
+</p:sld>
+</file>
+
+<file path=ppt/slides/slide9.xml><?xml version="1.0" encoding="utf-8"?>
+<p:sld xmlns:a="http://schemas.openxmlformats.org/drawingml/2006/main" xmlns:r="http://schemas.openxmlformats.org/officeDocument/2006/relationships" xmlns:p="http://schemas.openxmlformats.org/presentationml/2006/main">
+  <p:cSld>
+    <p:spTree>
+      <p:nvGrpSpPr>
+        <p:cNvPr id="1" name=""/>
+        <p:cNvGrpSpPr/>
+        <p:nvPr/>
+      </p:nvGrpSpPr>
+      <p:grpSpPr>
+        <a:xfrm>
+          <a:off x="0" y="0"/>
+          <a:ext cx="0" cy="0"/>
+          <a:chOff x="0" y="0"/>
+          <a:chExt cx="0" cy="0"/>
+        </a:xfrm>
+      </p:grpSpPr>
+      <p:pic>
+        <p:nvPicPr>
+          <p:cNvPr id="9" name="Picture 8" descr="fioResult.png"/>
+          <p:cNvPicPr>
+            <a:picLocks noChangeAspect="1"/>
+          </p:cNvPicPr>
+          <p:nvPr/>
+        </p:nvPicPr>
+        <p:blipFill>
+          <a:blip r:embed="rId2">
+            <a:extLst>
+              <a:ext uri="{28A0092B-C50C-407E-A947-70E740481C1C}">
+                <a14:useLocalDpi xmlns:a14="http://schemas.microsoft.com/office/drawing/2010/main" val="0"/>
+              </a:ext>
+            </a:extLst>
+          </a:blip>
+          <a:stretch>
+            <a:fillRect/>
+          </a:stretch>
+        </p:blipFill>
+        <p:spPr>
+          <a:xfrm>
+            <a:off x="0" y="1256167"/>
+            <a:ext cx="9144000" cy="4267512"/>
+          </a:xfrm>
+          <a:prstGeom prst="rect">
+            <a:avLst/>
+          </a:prstGeom>
+        </p:spPr>
+      </p:pic>
+      <p:sp>
+        <p:nvSpPr>
+          <p:cNvPr id="11" name="Left Brace 10"/>
+          <p:cNvSpPr/>
+          <p:nvPr/>
+        </p:nvSpPr>
+        <p:spPr>
+          <a:xfrm>
+            <a:off x="7390423" y="2100383"/>
+            <a:ext cx="283308" cy="1338385"/>
+          </a:xfrm>
+          <a:prstGeom prst="leftBrace">
+            <a:avLst/>
+          </a:prstGeom>
+          <a:ln>
+            <a:solidFill>
+              <a:schemeClr val="tx1"/>
+            </a:solidFill>
+          </a:ln>
+          <a:effectLst/>
+        </p:spPr>
+        <p:style>
+          <a:lnRef idx="2">
+            <a:schemeClr val="accent1"/>
+          </a:lnRef>
+          <a:fillRef idx="0">
+            <a:schemeClr val="accent1"/>
+          </a:fillRef>
+          <a:effectRef idx="1">
+            <a:schemeClr val="accent1"/>
+          </a:effectRef>
+          <a:fontRef idx="minor">
+            <a:schemeClr val="tx1"/>
+          </a:fontRef>
+        </p:style>
+        <p:txBody>
+          <a:bodyPr rtlCol="0" anchor="ctr"/>
+          <a:lstStyle/>
+          <a:p>
+            <a:pPr algn="ctr"/>
+            <a:endParaRPr lang="en-US"/>
+          </a:p>
+        </p:txBody>
+      </p:sp>
+      <p:sp>
+        <p:nvSpPr>
+          <p:cNvPr id="2" name="TextBox 1"/>
+          <p:cNvSpPr txBox="1"/>
+          <p:nvPr/>
+        </p:nvSpPr>
+        <p:spPr>
+          <a:xfrm>
+            <a:off x="6928758" y="2315308"/>
+            <a:ext cx="400110" cy="947615"/>
+          </a:xfrm>
+          <a:prstGeom prst="rect">
+            <a:avLst/>
+          </a:prstGeom>
+          <a:noFill/>
+        </p:spPr>
+        <p:txBody>
+          <a:bodyPr vert="vert270" wrap="square" rtlCol="0">
+            <a:spAutoFit/>
+          </a:bodyPr>
+          <a:lstStyle/>
+          <a:p>
+            <a:pPr algn="ctr"/>
+            <a:r>
+              <a:rPr lang="en-US" sz="1400" dirty="0" smtClean="0"/>
+              <a:t>External</a:t>
+            </a:r>
+            <a:endParaRPr lang="en-US" dirty="0"/>
+          </a:p>
+        </p:txBody>
+      </p:sp>
+      <p:sp>
+        <p:nvSpPr>
+          <p:cNvPr id="5" name="Left Brace 4"/>
+          <p:cNvSpPr/>
+          <p:nvPr/>
+        </p:nvSpPr>
+        <p:spPr>
+          <a:xfrm>
+            <a:off x="7385539" y="3591168"/>
+            <a:ext cx="283308" cy="1338385"/>
+          </a:xfrm>
+          <a:prstGeom prst="leftBrace">
+            <a:avLst/>
+          </a:prstGeom>
+          <a:ln>
+            <a:solidFill>
+              <a:schemeClr val="tx1"/>
+            </a:solidFill>
+          </a:ln>
+          <a:effectLst/>
+        </p:spPr>
+        <p:style>
+          <a:lnRef idx="2">
+            <a:schemeClr val="accent1"/>
+          </a:lnRef>
+          <a:fillRef idx="0">
+            <a:schemeClr val="accent1"/>
+          </a:fillRef>
+          <a:effectRef idx="1">
+            <a:schemeClr val="accent1"/>
+          </a:effectRef>
+          <a:fontRef idx="minor">
+            <a:schemeClr val="tx1"/>
+          </a:fontRef>
+        </p:style>
+        <p:txBody>
+          <a:bodyPr rtlCol="0" anchor="ctr"/>
+          <a:lstStyle/>
+          <a:p>
+            <a:pPr algn="ctr"/>
+            <a:endParaRPr lang="en-US"/>
+          </a:p>
+        </p:txBody>
+      </p:sp>
+      <p:sp>
+        <p:nvSpPr>
+          <p:cNvPr id="6" name="TextBox 5"/>
+          <p:cNvSpPr txBox="1"/>
+          <p:nvPr/>
+        </p:nvSpPr>
+        <p:spPr>
+          <a:xfrm>
+            <a:off x="6923874" y="3815862"/>
+            <a:ext cx="400110" cy="947615"/>
+          </a:xfrm>
+          <a:prstGeom prst="rect">
+            <a:avLst/>
+          </a:prstGeom>
+          <a:noFill/>
+        </p:spPr>
+        <p:txBody>
+          <a:bodyPr vert="vert270" wrap="square" rtlCol="0">
+            <a:spAutoFit/>
+          </a:bodyPr>
+          <a:lstStyle/>
+          <a:p>
+            <a:pPr algn="ctr"/>
+            <a:r>
+              <a:rPr lang="en-US" sz="1400" dirty="0" smtClean="0"/>
+              <a:t>Internal</a:t>
+            </a:r>
+            <a:endParaRPr lang="en-US" sz="1400" dirty="0"/>
+          </a:p>
+        </p:txBody>
+      </p:sp>
+    </p:spTree>
+    <p:extLst>
+      <p:ext uri="{BB962C8B-B14F-4D97-AF65-F5344CB8AC3E}">
+        <p14:creationId xmlns:p14="http://schemas.microsoft.com/office/powerpoint/2010/main" val="1391978111"/>
       </p:ext>
     </p:extLst>
   </p:cSld>

--- a/paper/figs/images.pptx
+++ b/paper/figs/images.pptx
@@ -296,7 +296,7 @@
           <a:p>
             <a:fld id="{06D27FD6-7394-0F44-B86B-46BBC2D874F2}" type="datetimeFigureOut">
               <a:rPr lang="en-US" smtClean="0"/>
-              <a:t>11/17/14</a:t>
+              <a:t>12/7/14</a:t>
             </a:fld>
             <a:endParaRPr lang="en-US"/>
           </a:p>
@@ -466,7 +466,7 @@
           <a:p>
             <a:fld id="{06D27FD6-7394-0F44-B86B-46BBC2D874F2}" type="datetimeFigureOut">
               <a:rPr lang="en-US" smtClean="0"/>
-              <a:t>11/17/14</a:t>
+              <a:t>12/7/14</a:t>
             </a:fld>
             <a:endParaRPr lang="en-US"/>
           </a:p>
@@ -646,7 +646,7 @@
           <a:p>
             <a:fld id="{06D27FD6-7394-0F44-B86B-46BBC2D874F2}" type="datetimeFigureOut">
               <a:rPr lang="en-US" smtClean="0"/>
-              <a:t>11/17/14</a:t>
+              <a:t>12/7/14</a:t>
             </a:fld>
             <a:endParaRPr lang="en-US"/>
           </a:p>
@@ -816,7 +816,7 @@
           <a:p>
             <a:fld id="{06D27FD6-7394-0F44-B86B-46BBC2D874F2}" type="datetimeFigureOut">
               <a:rPr lang="en-US" smtClean="0"/>
-              <a:t>11/17/14</a:t>
+              <a:t>12/7/14</a:t>
             </a:fld>
             <a:endParaRPr lang="en-US"/>
           </a:p>
@@ -1062,7 +1062,7 @@
           <a:p>
             <a:fld id="{06D27FD6-7394-0F44-B86B-46BBC2D874F2}" type="datetimeFigureOut">
               <a:rPr lang="en-US" smtClean="0"/>
-              <a:t>11/17/14</a:t>
+              <a:t>12/7/14</a:t>
             </a:fld>
             <a:endParaRPr lang="en-US"/>
           </a:p>
@@ -1350,7 +1350,7 @@
           <a:p>
             <a:fld id="{06D27FD6-7394-0F44-B86B-46BBC2D874F2}" type="datetimeFigureOut">
               <a:rPr lang="en-US" smtClean="0"/>
-              <a:t>11/17/14</a:t>
+              <a:t>12/7/14</a:t>
             </a:fld>
             <a:endParaRPr lang="en-US"/>
           </a:p>
@@ -1772,7 +1772,7 @@
           <a:p>
             <a:fld id="{06D27FD6-7394-0F44-B86B-46BBC2D874F2}" type="datetimeFigureOut">
               <a:rPr lang="en-US" smtClean="0"/>
-              <a:t>11/17/14</a:t>
+              <a:t>12/7/14</a:t>
             </a:fld>
             <a:endParaRPr lang="en-US"/>
           </a:p>
@@ -1890,7 +1890,7 @@
           <a:p>
             <a:fld id="{06D27FD6-7394-0F44-B86B-46BBC2D874F2}" type="datetimeFigureOut">
               <a:rPr lang="en-US" smtClean="0"/>
-              <a:t>11/17/14</a:t>
+              <a:t>12/7/14</a:t>
             </a:fld>
             <a:endParaRPr lang="en-US"/>
           </a:p>
@@ -1985,7 +1985,7 @@
           <a:p>
             <a:fld id="{06D27FD6-7394-0F44-B86B-46BBC2D874F2}" type="datetimeFigureOut">
               <a:rPr lang="en-US" smtClean="0"/>
-              <a:t>11/17/14</a:t>
+              <a:t>12/7/14</a:t>
             </a:fld>
             <a:endParaRPr lang="en-US"/>
           </a:p>
@@ -2262,7 +2262,7 @@
           <a:p>
             <a:fld id="{06D27FD6-7394-0F44-B86B-46BBC2D874F2}" type="datetimeFigureOut">
               <a:rPr lang="en-US" smtClean="0"/>
-              <a:t>11/17/14</a:t>
+              <a:t>12/7/14</a:t>
             </a:fld>
             <a:endParaRPr lang="en-US"/>
           </a:p>
@@ -2515,7 +2515,7 @@
           <a:p>
             <a:fld id="{06D27FD6-7394-0F44-B86B-46BBC2D874F2}" type="datetimeFigureOut">
               <a:rPr lang="en-US" smtClean="0"/>
-              <a:t>11/17/14</a:t>
+              <a:t>12/7/14</a:t>
             </a:fld>
             <a:endParaRPr lang="en-US"/>
           </a:p>
@@ -2728,7 +2728,7 @@
           <a:p>
             <a:fld id="{06D27FD6-7394-0F44-B86B-46BBC2D874F2}" type="datetimeFigureOut">
               <a:rPr lang="en-US" smtClean="0"/>
-              <a:t>11/17/14</a:t>
+              <a:t>12/7/14</a:t>
             </a:fld>
             <a:endParaRPr lang="en-US"/>
           </a:p>
@@ -11030,6 +11030,17 @@
                 </a:rPr>
                 <a:t>Proxy</a:t>
               </a:r>
+            </a:p>
+            <a:p>
+              <a:pPr algn="ctr"/>
+              <a:r>
+                <a:rPr lang="en-US" dirty="0" err="1" smtClean="0">
+                  <a:solidFill>
+                    <a:schemeClr val="tx1"/>
+                  </a:solidFill>
+                </a:rPr>
+                <a:t>Aggergator</a:t>
+              </a:r>
               <a:endParaRPr lang="en-US" dirty="0">
                 <a:solidFill>
                   <a:schemeClr val="tx1"/>
@@ -11344,13 +11355,18 @@
             <a:p>
               <a:pPr algn="ctr"/>
               <a:r>
-                <a:rPr lang="en-US" sz="1200" dirty="0" smtClean="0">
+                <a:rPr lang="en-US" sz="1200" dirty="0">
                   <a:solidFill>
                     <a:srgbClr val="000000"/>
                   </a:solidFill>
                 </a:rPr>
-                <a:t>3</a:t>
+                <a:t>1</a:t>
               </a:r>
+              <a:endParaRPr lang="en-US" sz="1200" dirty="0" smtClean="0">
+                <a:solidFill>
+                  <a:srgbClr val="000000"/>
+                </a:solidFill>
+              </a:endParaRPr>
             </a:p>
           </p:txBody>
         </p:sp>
@@ -11401,7 +11417,7 @@
                     <a:srgbClr val="000000"/>
                   </a:solidFill>
                 </a:rPr>
-                <a:t>4</a:t>
+                <a:t>2</a:t>
               </a:r>
               <a:endParaRPr lang="en-US" sz="1200" dirty="0" smtClean="0">
                 <a:solidFill>
@@ -11678,6 +11694,115 @@
           </a:fontRef>
         </p:style>
       </p:cxnSp>
+      <p:sp>
+        <p:nvSpPr>
+          <p:cNvPr id="18" name="Oval 17"/>
+          <p:cNvSpPr/>
+          <p:nvPr/>
+        </p:nvSpPr>
+        <p:spPr>
+          <a:xfrm>
+            <a:off x="4098913" y="2813849"/>
+            <a:ext cx="745393" cy="396689"/>
+          </a:xfrm>
+          <a:prstGeom prst="ellipse">
+            <a:avLst/>
+          </a:prstGeom>
+          <a:noFill/>
+          <a:ln w="12700">
+            <a:solidFill>
+              <a:schemeClr val="tx1"/>
+            </a:solidFill>
+          </a:ln>
+          <a:effectLst/>
+        </p:spPr>
+        <p:style>
+          <a:lnRef idx="1">
+            <a:schemeClr val="accent1"/>
+          </a:lnRef>
+          <a:fillRef idx="3">
+            <a:schemeClr val="accent1"/>
+          </a:fillRef>
+          <a:effectRef idx="2">
+            <a:schemeClr val="accent1"/>
+          </a:effectRef>
+          <a:fontRef idx="minor">
+            <a:schemeClr val="lt1"/>
+          </a:fontRef>
+        </p:style>
+        <p:txBody>
+          <a:bodyPr rtlCol="0" anchor="ctr"/>
+          <a:lstStyle/>
+          <a:p>
+            <a:pPr algn="ctr"/>
+            <a:r>
+              <a:rPr lang="en-US" sz="1200" dirty="0" smtClean="0">
+                <a:solidFill>
+                  <a:srgbClr val="000000"/>
+                </a:solidFill>
+              </a:rPr>
+              <a:t>3</a:t>
+            </a:r>
+          </a:p>
+        </p:txBody>
+      </p:sp>
+      <p:sp>
+        <p:nvSpPr>
+          <p:cNvPr id="22" name="Oval 21"/>
+          <p:cNvSpPr/>
+          <p:nvPr/>
+        </p:nvSpPr>
+        <p:spPr>
+          <a:xfrm>
+            <a:off x="4098913" y="3774866"/>
+            <a:ext cx="745393" cy="396689"/>
+          </a:xfrm>
+          <a:prstGeom prst="ellipse">
+            <a:avLst/>
+          </a:prstGeom>
+          <a:noFill/>
+          <a:ln w="12700">
+            <a:solidFill>
+              <a:schemeClr val="tx1"/>
+            </a:solidFill>
+          </a:ln>
+          <a:effectLst/>
+        </p:spPr>
+        <p:style>
+          <a:lnRef idx="1">
+            <a:schemeClr val="accent1"/>
+          </a:lnRef>
+          <a:fillRef idx="3">
+            <a:schemeClr val="accent1"/>
+          </a:fillRef>
+          <a:effectRef idx="2">
+            <a:schemeClr val="accent1"/>
+          </a:effectRef>
+          <a:fontRef idx="minor">
+            <a:schemeClr val="lt1"/>
+          </a:fontRef>
+        </p:style>
+        <p:txBody>
+          <a:bodyPr rtlCol="0" anchor="ctr"/>
+          <a:lstStyle/>
+          <a:p>
+            <a:pPr algn="ctr"/>
+            <a:r>
+              <a:rPr lang="en-US" sz="1200" dirty="0">
+                <a:solidFill>
+                  <a:srgbClr val="000000"/>
+                </a:solidFill>
+              </a:rPr>
+              <a:t>4</a:t>
+            </a:r>
+            <a:endParaRPr lang="en-US" sz="1200" dirty="0" smtClean="0">
+              <a:solidFill>
+                <a:srgbClr val="000000"/>
+              </a:solidFill>
+            </a:endParaRPr>
+          </a:p>
+        </p:txBody>
+      </p:sp>
     </p:spTree>
     <p:extLst>
       <p:ext uri="{BB962C8B-B14F-4D97-AF65-F5344CB8AC3E}">

--- a/paper/figs/images.pptx
+++ b/paper/figs/images.pptx
@@ -7346,44 +7346,1295 @@
           <a:chExt cx="0" cy="0"/>
         </a:xfrm>
       </p:grpSpPr>
-      <p:sp>
-        <p:nvSpPr>
-          <p:cNvPr id="4" name="Rectangle 3"/>
-          <p:cNvSpPr/>
+      <p:grpSp>
+        <p:nvGrpSpPr>
+          <p:cNvPr id="37" name="Group 36"/>
+          <p:cNvGrpSpPr/>
           <p:nvPr/>
-        </p:nvSpPr>
-        <p:spPr>
+        </p:nvGrpSpPr>
+        <p:grpSpPr>
           <a:xfrm>
-            <a:off x="1436076" y="1819032"/>
-            <a:ext cx="1354016" cy="889001"/>
+            <a:off x="185499" y="185046"/>
+            <a:ext cx="6254797" cy="4108947"/>
+            <a:chOff x="2306969" y="2825246"/>
+            <a:chExt cx="6254797" cy="4108947"/>
           </a:xfrm>
-          <a:prstGeom prst="rect">
-            <a:avLst/>
-          </a:prstGeom>
-        </p:spPr>
-        <p:style>
-          <a:lnRef idx="1">
-            <a:schemeClr val="accent1"/>
-          </a:lnRef>
-          <a:fillRef idx="3">
-            <a:schemeClr val="accent1"/>
-          </a:fillRef>
-          <a:effectRef idx="2">
-            <a:schemeClr val="accent1"/>
-          </a:effectRef>
-          <a:fontRef idx="minor">
-            <a:schemeClr val="lt1"/>
-          </a:fontRef>
-        </p:style>
-        <p:txBody>
-          <a:bodyPr lIns="137840" tIns="68918" rIns="137840" bIns="68918" rtlCol="0" anchor="ctr"/>
-          <a:lstStyle/>
-          <a:p>
-            <a:pPr algn="ctr"/>
-            <a:endParaRPr lang="en-US"/>
-          </a:p>
-        </p:txBody>
-      </p:sp>
+        </p:grpSpPr>
+        <p:sp>
+          <p:nvSpPr>
+            <p:cNvPr id="38" name="Rectangle 37"/>
+            <p:cNvSpPr/>
+            <p:nvPr/>
+          </p:nvSpPr>
+          <p:spPr>
+            <a:xfrm>
+              <a:off x="2306969" y="4466637"/>
+              <a:ext cx="1503010" cy="884211"/>
+            </a:xfrm>
+            <a:prstGeom prst="rect">
+              <a:avLst/>
+            </a:prstGeom>
+            <a:noFill/>
+            <a:ln w="12700">
+              <a:solidFill>
+                <a:schemeClr val="tx1"/>
+              </a:solidFill>
+            </a:ln>
+            <a:effectLst/>
+          </p:spPr>
+          <p:style>
+            <a:lnRef idx="1">
+              <a:schemeClr val="accent1"/>
+            </a:lnRef>
+            <a:fillRef idx="3">
+              <a:schemeClr val="accent1"/>
+            </a:fillRef>
+            <a:effectRef idx="2">
+              <a:schemeClr val="accent1"/>
+            </a:effectRef>
+            <a:fontRef idx="minor">
+              <a:schemeClr val="lt1"/>
+            </a:fontRef>
+          </p:style>
+          <p:txBody>
+            <a:bodyPr rtlCol="0" anchor="ctr"/>
+            <a:lstStyle/>
+            <a:p>
+              <a:pPr algn="ctr"/>
+              <a:r>
+                <a:rPr lang="en-US" sz="3600" dirty="0">
+                  <a:solidFill>
+                    <a:schemeClr val="tx1"/>
+                  </a:solidFill>
+                </a:rPr>
+                <a:t>Client</a:t>
+              </a:r>
+              <a:endParaRPr lang="en-US" sz="2100" dirty="0">
+                <a:solidFill>
+                  <a:schemeClr val="tx1"/>
+                </a:solidFill>
+              </a:endParaRPr>
+            </a:p>
+          </p:txBody>
+        </p:sp>
+        <p:sp>
+          <p:nvSpPr>
+            <p:cNvPr id="39" name="Rectangle 38"/>
+            <p:cNvSpPr/>
+            <p:nvPr/>
+          </p:nvSpPr>
+          <p:spPr>
+            <a:xfrm>
+              <a:off x="4989651" y="4494702"/>
+              <a:ext cx="1612464" cy="856146"/>
+            </a:xfrm>
+            <a:prstGeom prst="rect">
+              <a:avLst/>
+            </a:prstGeom>
+            <a:noFill/>
+            <a:ln w="12700">
+              <a:solidFill>
+                <a:schemeClr val="tx1"/>
+              </a:solidFill>
+            </a:ln>
+            <a:effectLst/>
+          </p:spPr>
+          <p:style>
+            <a:lnRef idx="1">
+              <a:schemeClr val="accent1"/>
+            </a:lnRef>
+            <a:fillRef idx="3">
+              <a:schemeClr val="accent1"/>
+            </a:fillRef>
+            <a:effectRef idx="2">
+              <a:schemeClr val="accent1"/>
+            </a:effectRef>
+            <a:fontRef idx="minor">
+              <a:schemeClr val="lt1"/>
+            </a:fontRef>
+          </p:style>
+          <p:txBody>
+            <a:bodyPr rtlCol="0" anchor="ctr"/>
+            <a:lstStyle/>
+            <a:p>
+              <a:pPr algn="ctr"/>
+              <a:r>
+                <a:rPr lang="en-US" sz="3600" dirty="0">
+                  <a:solidFill>
+                    <a:schemeClr val="tx1"/>
+                  </a:solidFill>
+                </a:rPr>
+                <a:t>Proxy</a:t>
+              </a:r>
+              <a:endParaRPr lang="en-US" sz="2100" dirty="0">
+                <a:solidFill>
+                  <a:schemeClr val="tx1"/>
+                </a:solidFill>
+              </a:endParaRPr>
+            </a:p>
+          </p:txBody>
+        </p:sp>
+        <p:sp>
+          <p:nvSpPr>
+            <p:cNvPr id="40" name="Rectangle 39"/>
+            <p:cNvSpPr/>
+            <p:nvPr/>
+          </p:nvSpPr>
+          <p:spPr>
+            <a:xfrm>
+              <a:off x="6307261" y="2825246"/>
+              <a:ext cx="2254505" cy="853736"/>
+            </a:xfrm>
+            <a:prstGeom prst="rect">
+              <a:avLst/>
+            </a:prstGeom>
+            <a:noFill/>
+            <a:ln w="12700">
+              <a:solidFill>
+                <a:schemeClr val="tx1"/>
+              </a:solidFill>
+            </a:ln>
+            <a:effectLst/>
+          </p:spPr>
+          <p:style>
+            <a:lnRef idx="1">
+              <a:schemeClr val="accent1"/>
+            </a:lnRef>
+            <a:fillRef idx="3">
+              <a:schemeClr val="accent1"/>
+            </a:fillRef>
+            <a:effectRef idx="2">
+              <a:schemeClr val="accent1"/>
+            </a:effectRef>
+            <a:fontRef idx="minor">
+              <a:schemeClr val="lt1"/>
+            </a:fontRef>
+          </p:style>
+          <p:txBody>
+            <a:bodyPr rtlCol="0" anchor="ctr"/>
+            <a:lstStyle/>
+            <a:p>
+              <a:pPr algn="ctr"/>
+              <a:r>
+                <a:rPr lang="en-US" sz="3600" dirty="0">
+                  <a:solidFill>
+                    <a:schemeClr val="tx1"/>
+                  </a:solidFill>
+                </a:rPr>
+                <a:t>Production</a:t>
+              </a:r>
+              <a:endParaRPr lang="en-US" sz="3600" dirty="0">
+                <a:solidFill>
+                  <a:schemeClr val="tx1"/>
+                </a:solidFill>
+              </a:endParaRPr>
+            </a:p>
+          </p:txBody>
+        </p:sp>
+        <p:sp>
+          <p:nvSpPr>
+            <p:cNvPr id="41" name="Rectangle 40"/>
+            <p:cNvSpPr/>
+            <p:nvPr/>
+          </p:nvSpPr>
+          <p:spPr>
+            <a:xfrm>
+              <a:off x="6307261" y="6080457"/>
+              <a:ext cx="2254505" cy="853736"/>
+            </a:xfrm>
+            <a:prstGeom prst="rect">
+              <a:avLst/>
+            </a:prstGeom>
+            <a:noFill/>
+            <a:ln w="12700">
+              <a:solidFill>
+                <a:schemeClr val="tx1"/>
+              </a:solidFill>
+            </a:ln>
+            <a:effectLst/>
+          </p:spPr>
+          <p:style>
+            <a:lnRef idx="1">
+              <a:schemeClr val="accent1"/>
+            </a:lnRef>
+            <a:fillRef idx="3">
+              <a:schemeClr val="accent1"/>
+            </a:fillRef>
+            <a:effectRef idx="2">
+              <a:schemeClr val="accent1"/>
+            </a:effectRef>
+            <a:fontRef idx="minor">
+              <a:schemeClr val="lt1"/>
+            </a:fontRef>
+          </p:style>
+          <p:txBody>
+            <a:bodyPr rtlCol="0" anchor="ctr"/>
+            <a:lstStyle/>
+            <a:p>
+              <a:pPr algn="ctr"/>
+              <a:r>
+                <a:rPr lang="en-US" sz="3600" dirty="0">
+                  <a:solidFill>
+                    <a:schemeClr val="tx1"/>
+                  </a:solidFill>
+                </a:rPr>
+                <a:t>Test</a:t>
+              </a:r>
+              <a:endParaRPr lang="en-US" dirty="0">
+                <a:solidFill>
+                  <a:schemeClr val="tx1"/>
+                </a:solidFill>
+              </a:endParaRPr>
+            </a:p>
+          </p:txBody>
+        </p:sp>
+        <p:cxnSp>
+          <p:nvCxnSpPr>
+            <p:cNvPr id="42" name="Straight Arrow Connector 41"/>
+            <p:cNvCxnSpPr/>
+            <p:nvPr/>
+          </p:nvCxnSpPr>
+          <p:spPr>
+            <a:xfrm>
+              <a:off x="3824249" y="4720664"/>
+              <a:ext cx="1144728" cy="0"/>
+            </a:xfrm>
+            <a:prstGeom prst="straightConnector1">
+              <a:avLst/>
+            </a:prstGeom>
+            <a:ln w="12700">
+              <a:solidFill>
+                <a:schemeClr val="tx1"/>
+              </a:solidFill>
+              <a:tailEnd type="arrow"/>
+            </a:ln>
+            <a:effectLst/>
+          </p:spPr>
+          <p:style>
+            <a:lnRef idx="2">
+              <a:schemeClr val="accent1"/>
+            </a:lnRef>
+            <a:fillRef idx="0">
+              <a:schemeClr val="accent1"/>
+            </a:fillRef>
+            <a:effectRef idx="1">
+              <a:schemeClr val="accent1"/>
+            </a:effectRef>
+            <a:fontRef idx="minor">
+              <a:schemeClr val="tx1"/>
+            </a:fontRef>
+          </p:style>
+        </p:cxnSp>
+        <p:cxnSp>
+          <p:nvCxnSpPr>
+            <p:cNvPr id="43" name="Straight Arrow Connector 42"/>
+            <p:cNvCxnSpPr/>
+            <p:nvPr/>
+          </p:nvCxnSpPr>
+          <p:spPr>
+            <a:xfrm flipV="1">
+              <a:off x="5439140" y="3695644"/>
+              <a:ext cx="1310365" cy="770993"/>
+            </a:xfrm>
+            <a:prstGeom prst="straightConnector1">
+              <a:avLst/>
+            </a:prstGeom>
+            <a:ln w="12700">
+              <a:solidFill>
+                <a:schemeClr val="tx1"/>
+              </a:solidFill>
+              <a:tailEnd type="arrow"/>
+            </a:ln>
+            <a:effectLst/>
+          </p:spPr>
+          <p:style>
+            <a:lnRef idx="2">
+              <a:schemeClr val="accent1"/>
+            </a:lnRef>
+            <a:fillRef idx="0">
+              <a:schemeClr val="accent1"/>
+            </a:fillRef>
+            <a:effectRef idx="1">
+              <a:schemeClr val="accent1"/>
+            </a:effectRef>
+            <a:fontRef idx="minor">
+              <a:schemeClr val="tx1"/>
+            </a:fontRef>
+          </p:style>
+        </p:cxnSp>
+        <p:cxnSp>
+          <p:nvCxnSpPr>
+            <p:cNvPr id="44" name="Straight Arrow Connector 43"/>
+            <p:cNvCxnSpPr/>
+            <p:nvPr/>
+          </p:nvCxnSpPr>
+          <p:spPr>
+            <a:xfrm>
+              <a:off x="6176470" y="5350848"/>
+              <a:ext cx="1127252" cy="681136"/>
+            </a:xfrm>
+            <a:prstGeom prst="straightConnector1">
+              <a:avLst/>
+            </a:prstGeom>
+            <a:ln w="12700">
+              <a:solidFill>
+                <a:schemeClr val="tx1"/>
+              </a:solidFill>
+              <a:tailEnd type="arrow"/>
+            </a:ln>
+            <a:effectLst/>
+          </p:spPr>
+          <p:style>
+            <a:lnRef idx="2">
+              <a:schemeClr val="accent1"/>
+            </a:lnRef>
+            <a:fillRef idx="0">
+              <a:schemeClr val="accent1"/>
+            </a:fillRef>
+            <a:effectRef idx="1">
+              <a:schemeClr val="accent1"/>
+            </a:effectRef>
+            <a:fontRef idx="minor">
+              <a:schemeClr val="tx1"/>
+            </a:fontRef>
+          </p:style>
+        </p:cxnSp>
+        <p:cxnSp>
+          <p:nvCxnSpPr>
+            <p:cNvPr id="45" name="Straight Arrow Connector 44"/>
+            <p:cNvCxnSpPr/>
+            <p:nvPr/>
+          </p:nvCxnSpPr>
+          <p:spPr>
+            <a:xfrm flipH="1">
+              <a:off x="6176470" y="3695644"/>
+              <a:ext cx="1215166" cy="770988"/>
+            </a:xfrm>
+            <a:prstGeom prst="straightConnector1">
+              <a:avLst/>
+            </a:prstGeom>
+            <a:ln w="12700">
+              <a:solidFill>
+                <a:schemeClr val="tx1"/>
+              </a:solidFill>
+              <a:tailEnd type="arrow"/>
+            </a:ln>
+            <a:effectLst/>
+          </p:spPr>
+          <p:style>
+            <a:lnRef idx="2">
+              <a:schemeClr val="accent1"/>
+            </a:lnRef>
+            <a:fillRef idx="0">
+              <a:schemeClr val="accent1"/>
+            </a:fillRef>
+            <a:effectRef idx="1">
+              <a:schemeClr val="accent1"/>
+            </a:effectRef>
+            <a:fontRef idx="minor">
+              <a:schemeClr val="tx1"/>
+            </a:fontRef>
+          </p:style>
+        </p:cxnSp>
+        <p:cxnSp>
+          <p:nvCxnSpPr>
+            <p:cNvPr id="46" name="Straight Arrow Connector 45"/>
+            <p:cNvCxnSpPr/>
+            <p:nvPr/>
+          </p:nvCxnSpPr>
+          <p:spPr>
+            <a:xfrm flipH="1" flipV="1">
+              <a:off x="5557793" y="5371413"/>
+              <a:ext cx="1191710" cy="681136"/>
+            </a:xfrm>
+            <a:prstGeom prst="straightConnector1">
+              <a:avLst/>
+            </a:prstGeom>
+            <a:ln w="12700">
+              <a:solidFill>
+                <a:schemeClr val="tx1"/>
+              </a:solidFill>
+              <a:tailEnd type="arrow"/>
+            </a:ln>
+            <a:effectLst/>
+          </p:spPr>
+          <p:style>
+            <a:lnRef idx="2">
+              <a:schemeClr val="accent1"/>
+            </a:lnRef>
+            <a:fillRef idx="0">
+              <a:schemeClr val="accent1"/>
+            </a:fillRef>
+            <a:effectRef idx="1">
+              <a:schemeClr val="accent1"/>
+            </a:effectRef>
+            <a:fontRef idx="minor">
+              <a:schemeClr val="tx1"/>
+            </a:fontRef>
+          </p:style>
+        </p:cxnSp>
+        <p:cxnSp>
+          <p:nvCxnSpPr>
+            <p:cNvPr id="47" name="Straight Arrow Connector 46"/>
+            <p:cNvCxnSpPr/>
+            <p:nvPr/>
+          </p:nvCxnSpPr>
+          <p:spPr>
+            <a:xfrm flipH="1">
+              <a:off x="3809979" y="5111850"/>
+              <a:ext cx="1144734" cy="0"/>
+            </a:xfrm>
+            <a:prstGeom prst="straightConnector1">
+              <a:avLst/>
+            </a:prstGeom>
+            <a:ln w="12700">
+              <a:solidFill>
+                <a:schemeClr val="tx1"/>
+              </a:solidFill>
+              <a:tailEnd type="arrow"/>
+            </a:ln>
+            <a:effectLst/>
+          </p:spPr>
+          <p:style>
+            <a:lnRef idx="2">
+              <a:schemeClr val="accent1"/>
+            </a:lnRef>
+            <a:fillRef idx="0">
+              <a:schemeClr val="accent1"/>
+            </a:fillRef>
+            <a:effectRef idx="1">
+              <a:schemeClr val="accent1"/>
+            </a:effectRef>
+            <a:fontRef idx="minor">
+              <a:schemeClr val="tx1"/>
+            </a:fontRef>
+          </p:style>
+        </p:cxnSp>
+        <p:sp>
+          <p:nvSpPr>
+            <p:cNvPr id="48" name="Oval 47"/>
+            <p:cNvSpPr/>
+            <p:nvPr/>
+          </p:nvSpPr>
+          <p:spPr>
+            <a:xfrm>
+              <a:off x="5472178" y="3468375"/>
+              <a:ext cx="658609" cy="555362"/>
+            </a:xfrm>
+            <a:prstGeom prst="ellipse">
+              <a:avLst/>
+            </a:prstGeom>
+            <a:noFill/>
+            <a:ln w="12700">
+              <a:solidFill>
+                <a:schemeClr val="tx1"/>
+              </a:solidFill>
+            </a:ln>
+            <a:effectLst/>
+          </p:spPr>
+          <p:style>
+            <a:lnRef idx="1">
+              <a:schemeClr val="accent1"/>
+            </a:lnRef>
+            <a:fillRef idx="3">
+              <a:schemeClr val="accent1"/>
+            </a:fillRef>
+            <a:effectRef idx="2">
+              <a:schemeClr val="accent1"/>
+            </a:effectRef>
+            <a:fontRef idx="minor">
+              <a:schemeClr val="lt1"/>
+            </a:fontRef>
+          </p:style>
+          <p:txBody>
+            <a:bodyPr rtlCol="0" anchor="ctr"/>
+            <a:lstStyle/>
+            <a:p>
+              <a:pPr algn="ctr"/>
+              <a:r>
+                <a:rPr lang="en-US" sz="3200" dirty="0">
+                  <a:solidFill>
+                    <a:srgbClr val="000000"/>
+                  </a:solidFill>
+                </a:rPr>
+                <a:t>3</a:t>
+              </a:r>
+            </a:p>
+          </p:txBody>
+        </p:sp>
+        <p:sp>
+          <p:nvSpPr>
+            <p:cNvPr id="49" name="Oval 48"/>
+            <p:cNvSpPr/>
+            <p:nvPr/>
+          </p:nvSpPr>
+          <p:spPr>
+            <a:xfrm>
+              <a:off x="7179823" y="4023738"/>
+              <a:ext cx="654174" cy="555362"/>
+            </a:xfrm>
+            <a:prstGeom prst="ellipse">
+              <a:avLst/>
+            </a:prstGeom>
+            <a:noFill/>
+            <a:ln w="12700">
+              <a:solidFill>
+                <a:schemeClr val="tx1"/>
+              </a:solidFill>
+            </a:ln>
+            <a:effectLst/>
+          </p:spPr>
+          <p:style>
+            <a:lnRef idx="1">
+              <a:schemeClr val="accent1"/>
+            </a:lnRef>
+            <a:fillRef idx="3">
+              <a:schemeClr val="accent1"/>
+            </a:fillRef>
+            <a:effectRef idx="2">
+              <a:schemeClr val="accent1"/>
+            </a:effectRef>
+            <a:fontRef idx="minor">
+              <a:schemeClr val="lt1"/>
+            </a:fontRef>
+          </p:style>
+          <p:txBody>
+            <a:bodyPr rtlCol="0" anchor="ctr"/>
+            <a:lstStyle/>
+            <a:p>
+              <a:pPr algn="ctr"/>
+              <a:r>
+                <a:rPr lang="en-US" sz="3200" dirty="0">
+                  <a:solidFill>
+                    <a:srgbClr val="000000"/>
+                  </a:solidFill>
+                </a:rPr>
+                <a:t>4</a:t>
+              </a:r>
+              <a:endParaRPr lang="en-US" sz="3200" dirty="0">
+                <a:solidFill>
+                  <a:srgbClr val="000000"/>
+                </a:solidFill>
+              </a:endParaRPr>
+            </a:p>
+          </p:txBody>
+        </p:sp>
+        <p:sp>
+          <p:nvSpPr>
+            <p:cNvPr id="50" name="Oval 49"/>
+            <p:cNvSpPr/>
+            <p:nvPr/>
+          </p:nvSpPr>
+          <p:spPr>
+            <a:xfrm>
+              <a:off x="4053935" y="4000246"/>
+              <a:ext cx="683553" cy="555362"/>
+            </a:xfrm>
+            <a:prstGeom prst="ellipse">
+              <a:avLst/>
+            </a:prstGeom>
+            <a:noFill/>
+            <a:ln w="12700">
+              <a:solidFill>
+                <a:schemeClr val="tx1"/>
+              </a:solidFill>
+            </a:ln>
+            <a:effectLst/>
+          </p:spPr>
+          <p:style>
+            <a:lnRef idx="1">
+              <a:schemeClr val="accent1"/>
+            </a:lnRef>
+            <a:fillRef idx="3">
+              <a:schemeClr val="accent1"/>
+            </a:fillRef>
+            <a:effectRef idx="2">
+              <a:schemeClr val="accent1"/>
+            </a:effectRef>
+            <a:fontRef idx="minor">
+              <a:schemeClr val="lt1"/>
+            </a:fontRef>
+          </p:style>
+          <p:txBody>
+            <a:bodyPr rtlCol="0" anchor="ctr"/>
+            <a:lstStyle/>
+            <a:p>
+              <a:pPr algn="ctr"/>
+              <a:r>
+                <a:rPr lang="en-US" sz="3200" dirty="0">
+                  <a:solidFill>
+                    <a:srgbClr val="000000"/>
+                  </a:solidFill>
+                </a:rPr>
+                <a:t>1</a:t>
+              </a:r>
+              <a:endParaRPr lang="en-US" sz="3200" dirty="0">
+                <a:solidFill>
+                  <a:srgbClr val="000000"/>
+                </a:solidFill>
+              </a:endParaRPr>
+            </a:p>
+          </p:txBody>
+        </p:sp>
+        <p:sp>
+          <p:nvSpPr>
+            <p:cNvPr id="51" name="Oval 50"/>
+            <p:cNvSpPr/>
+            <p:nvPr/>
+          </p:nvSpPr>
+          <p:spPr>
+            <a:xfrm>
+              <a:off x="4082468" y="5287800"/>
+              <a:ext cx="683553" cy="555362"/>
+            </a:xfrm>
+            <a:prstGeom prst="ellipse">
+              <a:avLst/>
+            </a:prstGeom>
+            <a:noFill/>
+            <a:ln w="12700">
+              <a:solidFill>
+                <a:schemeClr val="tx1"/>
+              </a:solidFill>
+            </a:ln>
+            <a:effectLst/>
+          </p:spPr>
+          <p:style>
+            <a:lnRef idx="1">
+              <a:schemeClr val="accent1"/>
+            </a:lnRef>
+            <a:fillRef idx="3">
+              <a:schemeClr val="accent1"/>
+            </a:fillRef>
+            <a:effectRef idx="2">
+              <a:schemeClr val="accent1"/>
+            </a:effectRef>
+            <a:fontRef idx="minor">
+              <a:schemeClr val="lt1"/>
+            </a:fontRef>
+          </p:style>
+          <p:txBody>
+            <a:bodyPr rtlCol="0" anchor="ctr"/>
+            <a:lstStyle/>
+            <a:p>
+              <a:pPr algn="ctr"/>
+              <a:r>
+                <a:rPr lang="en-US" sz="3200" dirty="0">
+                  <a:solidFill>
+                    <a:srgbClr val="000000"/>
+                  </a:solidFill>
+                </a:rPr>
+                <a:t>2</a:t>
+              </a:r>
+            </a:p>
+          </p:txBody>
+        </p:sp>
+        <p:sp>
+          <p:nvSpPr>
+            <p:cNvPr id="52" name="Oval 51"/>
+            <p:cNvSpPr/>
+            <p:nvPr/>
+          </p:nvSpPr>
+          <p:spPr>
+            <a:xfrm>
+              <a:off x="7022863" y="5203805"/>
+              <a:ext cx="654174" cy="555362"/>
+            </a:xfrm>
+            <a:prstGeom prst="ellipse">
+              <a:avLst/>
+            </a:prstGeom>
+            <a:noFill/>
+            <a:ln w="12700">
+              <a:solidFill>
+                <a:schemeClr val="tx1"/>
+              </a:solidFill>
+            </a:ln>
+            <a:effectLst/>
+          </p:spPr>
+          <p:style>
+            <a:lnRef idx="1">
+              <a:schemeClr val="accent1"/>
+            </a:lnRef>
+            <a:fillRef idx="3">
+              <a:schemeClr val="accent1"/>
+            </a:fillRef>
+            <a:effectRef idx="2">
+              <a:schemeClr val="accent1"/>
+            </a:effectRef>
+            <a:fontRef idx="minor">
+              <a:schemeClr val="lt1"/>
+            </a:fontRef>
+          </p:style>
+          <p:txBody>
+            <a:bodyPr rtlCol="0" anchor="ctr"/>
+            <a:lstStyle/>
+            <a:p>
+              <a:pPr algn="ctr"/>
+              <a:r>
+                <a:rPr lang="en-US" sz="3200" dirty="0">
+                  <a:solidFill>
+                    <a:srgbClr val="000000"/>
+                  </a:solidFill>
+                </a:rPr>
+                <a:t>5</a:t>
+              </a:r>
+            </a:p>
+          </p:txBody>
+        </p:sp>
+        <p:sp>
+          <p:nvSpPr>
+            <p:cNvPr id="53" name="Oval 52"/>
+            <p:cNvSpPr/>
+            <p:nvPr/>
+          </p:nvSpPr>
+          <p:spPr>
+            <a:xfrm>
+              <a:off x="5472178" y="5609507"/>
+              <a:ext cx="658609" cy="555362"/>
+            </a:xfrm>
+            <a:prstGeom prst="ellipse">
+              <a:avLst/>
+            </a:prstGeom>
+            <a:noFill/>
+            <a:ln w="12700">
+              <a:solidFill>
+                <a:schemeClr val="tx1"/>
+              </a:solidFill>
+            </a:ln>
+            <a:effectLst/>
+          </p:spPr>
+          <p:style>
+            <a:lnRef idx="1">
+              <a:schemeClr val="accent1"/>
+            </a:lnRef>
+            <a:fillRef idx="3">
+              <a:schemeClr val="accent1"/>
+            </a:fillRef>
+            <a:effectRef idx="2">
+              <a:schemeClr val="accent1"/>
+            </a:effectRef>
+            <a:fontRef idx="minor">
+              <a:schemeClr val="lt1"/>
+            </a:fontRef>
+          </p:style>
+          <p:txBody>
+            <a:bodyPr rtlCol="0" anchor="ctr"/>
+            <a:lstStyle/>
+            <a:p>
+              <a:pPr algn="ctr"/>
+              <a:r>
+                <a:rPr lang="en-US" sz="3200" dirty="0">
+                  <a:solidFill>
+                    <a:srgbClr val="000000"/>
+                  </a:solidFill>
+                </a:rPr>
+                <a:t>6</a:t>
+              </a:r>
+              <a:endParaRPr lang="en-US" sz="3200" dirty="0">
+                <a:solidFill>
+                  <a:srgbClr val="000000"/>
+                </a:solidFill>
+              </a:endParaRPr>
+            </a:p>
+          </p:txBody>
+        </p:sp>
+      </p:grpSp>
+      <p:grpSp>
+        <p:nvGrpSpPr>
+          <p:cNvPr id="111" name="Group 110"/>
+          <p:cNvGrpSpPr/>
+          <p:nvPr/>
+        </p:nvGrpSpPr>
+        <p:grpSpPr>
+          <a:xfrm>
+            <a:off x="5886203" y="4821759"/>
+            <a:ext cx="5982521" cy="4108947"/>
+            <a:chOff x="4248770" y="198629"/>
+            <a:chExt cx="5982521" cy="4108947"/>
+          </a:xfrm>
+        </p:grpSpPr>
+        <p:sp>
+          <p:nvSpPr>
+            <p:cNvPr id="73" name="Rectangle 72"/>
+            <p:cNvSpPr/>
+            <p:nvPr/>
+          </p:nvSpPr>
+          <p:spPr>
+            <a:xfrm>
+              <a:off x="5522896" y="1840020"/>
+              <a:ext cx="2305910" cy="884211"/>
+            </a:xfrm>
+            <a:prstGeom prst="rect">
+              <a:avLst/>
+            </a:prstGeom>
+            <a:noFill/>
+            <a:ln w="25400">
+              <a:solidFill>
+                <a:schemeClr val="tx1"/>
+              </a:solidFill>
+            </a:ln>
+            <a:effectLst/>
+          </p:spPr>
+          <p:style>
+            <a:lnRef idx="1">
+              <a:schemeClr val="accent1"/>
+            </a:lnRef>
+            <a:fillRef idx="3">
+              <a:schemeClr val="accent1"/>
+            </a:fillRef>
+            <a:effectRef idx="2">
+              <a:schemeClr val="accent1"/>
+            </a:effectRef>
+            <a:fontRef idx="minor">
+              <a:schemeClr val="lt1"/>
+            </a:fontRef>
+          </p:style>
+          <p:txBody>
+            <a:bodyPr rtlCol="0" anchor="ctr"/>
+            <a:lstStyle/>
+            <a:p>
+              <a:pPr algn="ctr"/>
+              <a:r>
+                <a:rPr lang="en-US" dirty="0" err="1" smtClean="0">
+                  <a:solidFill>
+                    <a:schemeClr val="tx1"/>
+                  </a:solidFill>
+                </a:rPr>
+                <a:t>Aggergator</a:t>
+              </a:r>
+              <a:endParaRPr lang="en-US" dirty="0">
+                <a:solidFill>
+                  <a:schemeClr val="tx1"/>
+                </a:solidFill>
+              </a:endParaRPr>
+            </a:p>
+          </p:txBody>
+        </p:sp>
+        <p:sp>
+          <p:nvSpPr>
+            <p:cNvPr id="74" name="Rectangle 73"/>
+            <p:cNvSpPr/>
+            <p:nvPr/>
+          </p:nvSpPr>
+          <p:spPr>
+            <a:xfrm>
+              <a:off x="4248770" y="198629"/>
+              <a:ext cx="2254505" cy="853736"/>
+            </a:xfrm>
+            <a:prstGeom prst="rect">
+              <a:avLst/>
+            </a:prstGeom>
+            <a:noFill/>
+            <a:ln w="25400">
+              <a:solidFill>
+                <a:schemeClr val="tx1"/>
+              </a:solidFill>
+            </a:ln>
+            <a:effectLst/>
+          </p:spPr>
+          <p:style>
+            <a:lnRef idx="1">
+              <a:schemeClr val="accent1"/>
+            </a:lnRef>
+            <a:fillRef idx="3">
+              <a:schemeClr val="accent1"/>
+            </a:fillRef>
+            <a:effectRef idx="2">
+              <a:schemeClr val="accent1"/>
+            </a:effectRef>
+            <a:fontRef idx="minor">
+              <a:schemeClr val="lt1"/>
+            </a:fontRef>
+          </p:style>
+          <p:txBody>
+            <a:bodyPr rtlCol="0" anchor="ctr"/>
+            <a:lstStyle/>
+            <a:p>
+              <a:pPr algn="ctr"/>
+              <a:r>
+                <a:rPr lang="en-US" dirty="0" smtClean="0">
+                  <a:solidFill>
+                    <a:schemeClr val="tx1"/>
+                  </a:solidFill>
+                </a:rPr>
+                <a:t>Mid-Tier </a:t>
+              </a:r>
+              <a:endParaRPr lang="en-US" dirty="0" smtClean="0">
+                <a:solidFill>
+                  <a:schemeClr val="tx1"/>
+                </a:solidFill>
+              </a:endParaRPr>
+            </a:p>
+            <a:p>
+              <a:pPr algn="ctr"/>
+              <a:r>
+                <a:rPr lang="en-US" dirty="0" smtClean="0">
+                  <a:solidFill>
+                    <a:schemeClr val="tx1"/>
+                  </a:solidFill>
+                </a:rPr>
+                <a:t>Production</a:t>
+              </a:r>
+              <a:endParaRPr lang="en-US" dirty="0">
+                <a:solidFill>
+                  <a:schemeClr val="tx1"/>
+                </a:solidFill>
+              </a:endParaRPr>
+            </a:p>
+          </p:txBody>
+        </p:sp>
+        <p:sp>
+          <p:nvSpPr>
+            <p:cNvPr id="75" name="Rectangle 74"/>
+            <p:cNvSpPr/>
+            <p:nvPr/>
+          </p:nvSpPr>
+          <p:spPr>
+            <a:xfrm>
+              <a:off x="4248770" y="3453840"/>
+              <a:ext cx="2254505" cy="853736"/>
+            </a:xfrm>
+            <a:prstGeom prst="rect">
+              <a:avLst/>
+            </a:prstGeom>
+            <a:noFill/>
+            <a:ln w="25400">
+              <a:solidFill>
+                <a:schemeClr val="tx1"/>
+              </a:solidFill>
+            </a:ln>
+            <a:effectLst/>
+          </p:spPr>
+          <p:style>
+            <a:lnRef idx="1">
+              <a:schemeClr val="accent1"/>
+            </a:lnRef>
+            <a:fillRef idx="3">
+              <a:schemeClr val="accent1"/>
+            </a:fillRef>
+            <a:effectRef idx="2">
+              <a:schemeClr val="accent1"/>
+            </a:effectRef>
+            <a:fontRef idx="minor">
+              <a:schemeClr val="lt1"/>
+            </a:fontRef>
+          </p:style>
+          <p:txBody>
+            <a:bodyPr rtlCol="0" anchor="ctr"/>
+            <a:lstStyle/>
+            <a:p>
+              <a:pPr algn="ctr"/>
+              <a:r>
+                <a:rPr lang="en-US" dirty="0" smtClean="0">
+                  <a:solidFill>
+                    <a:schemeClr val="tx1"/>
+                  </a:solidFill>
+                </a:rPr>
+                <a:t>Mid-Tier </a:t>
+              </a:r>
+              <a:endParaRPr lang="en-US" dirty="0" smtClean="0">
+                <a:solidFill>
+                  <a:schemeClr val="tx1"/>
+                </a:solidFill>
+              </a:endParaRPr>
+            </a:p>
+            <a:p>
+              <a:pPr algn="ctr"/>
+              <a:r>
+                <a:rPr lang="en-US" dirty="0" smtClean="0">
+                  <a:solidFill>
+                    <a:schemeClr val="tx1"/>
+                  </a:solidFill>
+                </a:rPr>
+                <a:t>Clone</a:t>
+              </a:r>
+              <a:endParaRPr lang="en-US" dirty="0">
+                <a:solidFill>
+                  <a:schemeClr val="tx1"/>
+                </a:solidFill>
+              </a:endParaRPr>
+            </a:p>
+          </p:txBody>
+        </p:sp>
+        <p:cxnSp>
+          <p:nvCxnSpPr>
+            <p:cNvPr id="76" name="Straight Arrow Connector 75"/>
+            <p:cNvCxnSpPr/>
+            <p:nvPr/>
+          </p:nvCxnSpPr>
+          <p:spPr>
+            <a:xfrm flipH="1" flipV="1">
+              <a:off x="5522897" y="1052366"/>
+              <a:ext cx="812798" cy="787649"/>
+            </a:xfrm>
+            <a:prstGeom prst="straightConnector1">
+              <a:avLst/>
+            </a:prstGeom>
+            <a:ln>
+              <a:solidFill>
+                <a:schemeClr val="tx1"/>
+              </a:solidFill>
+              <a:tailEnd type="arrow"/>
+            </a:ln>
+            <a:effectLst/>
+          </p:spPr>
+          <p:style>
+            <a:lnRef idx="2">
+              <a:schemeClr val="accent1"/>
+            </a:lnRef>
+            <a:fillRef idx="0">
+              <a:schemeClr val="accent1"/>
+            </a:fillRef>
+            <a:effectRef idx="1">
+              <a:schemeClr val="accent1"/>
+            </a:effectRef>
+            <a:fontRef idx="minor">
+              <a:schemeClr val="tx1"/>
+            </a:fontRef>
+          </p:style>
+        </p:cxnSp>
+        <p:cxnSp>
+          <p:nvCxnSpPr>
+            <p:cNvPr id="86" name="Straight Arrow Connector 85"/>
+            <p:cNvCxnSpPr/>
+            <p:nvPr/>
+          </p:nvCxnSpPr>
+          <p:spPr>
+            <a:xfrm>
+              <a:off x="7828806" y="2094047"/>
+              <a:ext cx="747214" cy="0"/>
+            </a:xfrm>
+            <a:prstGeom prst="straightConnector1">
+              <a:avLst/>
+            </a:prstGeom>
+            <a:ln>
+              <a:solidFill>
+                <a:schemeClr val="tx1"/>
+              </a:solidFill>
+              <a:tailEnd type="arrow"/>
+            </a:ln>
+            <a:effectLst/>
+          </p:spPr>
+          <p:style>
+            <a:lnRef idx="2">
+              <a:schemeClr val="accent1"/>
+            </a:lnRef>
+            <a:fillRef idx="0">
+              <a:schemeClr val="accent1"/>
+            </a:fillRef>
+            <a:effectRef idx="1">
+              <a:schemeClr val="accent1"/>
+            </a:effectRef>
+            <a:fontRef idx="minor">
+              <a:schemeClr val="tx1"/>
+            </a:fontRef>
+          </p:style>
+        </p:cxnSp>
+        <p:cxnSp>
+          <p:nvCxnSpPr>
+            <p:cNvPr id="87" name="Straight Arrow Connector 86"/>
+            <p:cNvCxnSpPr/>
+            <p:nvPr/>
+          </p:nvCxnSpPr>
+          <p:spPr>
+            <a:xfrm flipH="1">
+              <a:off x="7828806" y="2485233"/>
+              <a:ext cx="747214" cy="0"/>
+            </a:xfrm>
+            <a:prstGeom prst="straightConnector1">
+              <a:avLst/>
+            </a:prstGeom>
+            <a:ln>
+              <a:solidFill>
+                <a:schemeClr val="tx1"/>
+              </a:solidFill>
+              <a:tailEnd type="arrow"/>
+            </a:ln>
+            <a:effectLst/>
+          </p:spPr>
+          <p:style>
+            <a:lnRef idx="2">
+              <a:schemeClr val="accent1"/>
+            </a:lnRef>
+            <a:fillRef idx="0">
+              <a:schemeClr val="accent1"/>
+            </a:fillRef>
+            <a:effectRef idx="1">
+              <a:schemeClr val="accent1"/>
+            </a:effectRef>
+            <a:fontRef idx="minor">
+              <a:schemeClr val="tx1"/>
+            </a:fontRef>
+          </p:style>
+        </p:cxnSp>
+        <p:cxnSp>
+          <p:nvCxnSpPr>
+            <p:cNvPr id="95" name="Straight Arrow Connector 94"/>
+            <p:cNvCxnSpPr/>
+            <p:nvPr/>
+          </p:nvCxnSpPr>
+          <p:spPr>
+            <a:xfrm>
+              <a:off x="6078843" y="1052366"/>
+              <a:ext cx="813366" cy="787654"/>
+            </a:xfrm>
+            <a:prstGeom prst="straightConnector1">
+              <a:avLst/>
+            </a:prstGeom>
+            <a:ln>
+              <a:solidFill>
+                <a:schemeClr val="tx1"/>
+              </a:solidFill>
+              <a:tailEnd type="arrow"/>
+            </a:ln>
+            <a:effectLst/>
+          </p:spPr>
+          <p:style>
+            <a:lnRef idx="2">
+              <a:schemeClr val="accent1"/>
+            </a:lnRef>
+            <a:fillRef idx="0">
+              <a:schemeClr val="accent1"/>
+            </a:fillRef>
+            <a:effectRef idx="1">
+              <a:schemeClr val="accent1"/>
+            </a:effectRef>
+            <a:fontRef idx="minor">
+              <a:schemeClr val="tx1"/>
+            </a:fontRef>
+          </p:style>
+        </p:cxnSp>
+        <p:cxnSp>
+          <p:nvCxnSpPr>
+            <p:cNvPr id="101" name="Straight Arrow Connector 100"/>
+            <p:cNvCxnSpPr/>
+            <p:nvPr/>
+          </p:nvCxnSpPr>
+          <p:spPr>
+            <a:xfrm flipH="1">
+              <a:off x="5522897" y="2724231"/>
+              <a:ext cx="812798" cy="681136"/>
+            </a:xfrm>
+            <a:prstGeom prst="straightConnector1">
+              <a:avLst/>
+            </a:prstGeom>
+            <a:ln>
+              <a:solidFill>
+                <a:schemeClr val="tx1"/>
+              </a:solidFill>
+              <a:tailEnd type="arrow"/>
+            </a:ln>
+            <a:effectLst/>
+          </p:spPr>
+          <p:style>
+            <a:lnRef idx="2">
+              <a:schemeClr val="accent1"/>
+            </a:lnRef>
+            <a:fillRef idx="0">
+              <a:schemeClr val="accent1"/>
+            </a:fillRef>
+            <a:effectRef idx="1">
+              <a:schemeClr val="accent1"/>
+            </a:effectRef>
+            <a:fontRef idx="minor">
+              <a:schemeClr val="tx1"/>
+            </a:fontRef>
+          </p:style>
+        </p:cxnSp>
+        <p:cxnSp>
+          <p:nvCxnSpPr>
+            <p:cNvPr id="104" name="Straight Arrow Connector 103"/>
+            <p:cNvCxnSpPr/>
+            <p:nvPr/>
+          </p:nvCxnSpPr>
+          <p:spPr>
+            <a:xfrm flipV="1">
+              <a:off x="6078843" y="2724232"/>
+              <a:ext cx="813366" cy="701700"/>
+            </a:xfrm>
+            <a:prstGeom prst="straightConnector1">
+              <a:avLst/>
+            </a:prstGeom>
+            <a:ln>
+              <a:solidFill>
+                <a:schemeClr val="tx1"/>
+              </a:solidFill>
+              <a:tailEnd type="arrow"/>
+            </a:ln>
+            <a:effectLst/>
+          </p:spPr>
+          <p:style>
+            <a:lnRef idx="2">
+              <a:schemeClr val="accent1"/>
+            </a:lnRef>
+            <a:fillRef idx="0">
+              <a:schemeClr val="accent1"/>
+            </a:fillRef>
+            <a:effectRef idx="1">
+              <a:schemeClr val="accent1"/>
+            </a:effectRef>
+            <a:fontRef idx="minor">
+              <a:schemeClr val="tx1"/>
+            </a:fontRef>
+          </p:style>
+        </p:cxnSp>
+        <p:sp>
+          <p:nvSpPr>
+            <p:cNvPr id="110" name="Rectangle 109"/>
+            <p:cNvSpPr/>
+            <p:nvPr/>
+          </p:nvSpPr>
+          <p:spPr>
+            <a:xfrm>
+              <a:off x="8576020" y="1868085"/>
+              <a:ext cx="1655271" cy="884211"/>
+            </a:xfrm>
+            <a:prstGeom prst="rect">
+              <a:avLst/>
+            </a:prstGeom>
+            <a:noFill/>
+            <a:ln w="25400">
+              <a:solidFill>
+                <a:schemeClr val="tx1"/>
+              </a:solidFill>
+            </a:ln>
+            <a:effectLst/>
+          </p:spPr>
+          <p:style>
+            <a:lnRef idx="1">
+              <a:schemeClr val="accent1"/>
+            </a:lnRef>
+            <a:fillRef idx="3">
+              <a:schemeClr val="accent1"/>
+            </a:fillRef>
+            <a:effectRef idx="2">
+              <a:schemeClr val="accent1"/>
+            </a:effectRef>
+            <a:fontRef idx="minor">
+              <a:schemeClr val="lt1"/>
+            </a:fontRef>
+          </p:style>
+          <p:txBody>
+            <a:bodyPr rtlCol="0" anchor="ctr"/>
+            <a:lstStyle/>
+            <a:p>
+              <a:pPr algn="ctr"/>
+              <a:r>
+                <a:rPr lang="en-US" dirty="0" smtClean="0">
+                  <a:solidFill>
+                    <a:schemeClr val="tx1"/>
+                  </a:solidFill>
+                </a:rPr>
+                <a:t>Backend</a:t>
+              </a:r>
+              <a:endParaRPr lang="en-US" dirty="0">
+                <a:solidFill>
+                  <a:schemeClr val="tx1"/>
+                </a:solidFill>
+              </a:endParaRPr>
+            </a:p>
+          </p:txBody>
+        </p:sp>
+      </p:grpSp>
     </p:spTree>
     <p:extLst>
       <p:ext uri="{BB962C8B-B14F-4D97-AF65-F5344CB8AC3E}">
@@ -7624,774 +8875,758 @@
           <a:chExt cx="0" cy="0"/>
         </a:xfrm>
       </p:grpSpPr>
-      <p:sp>
-        <p:nvSpPr>
-          <p:cNvPr id="120" name="Rounded Rectangle 119"/>
-          <p:cNvSpPr/>
+      <p:grpSp>
+        <p:nvGrpSpPr>
+          <p:cNvPr id="129" name="Group 128"/>
+          <p:cNvGrpSpPr/>
           <p:nvPr/>
-        </p:nvSpPr>
-        <p:spPr>
+        </p:nvGrpSpPr>
+        <p:grpSpPr>
           <a:xfrm>
-            <a:off x="5773619" y="3141564"/>
-            <a:ext cx="1921754" cy="3484131"/>
+            <a:off x="3226227" y="2757225"/>
+            <a:ext cx="6957771" cy="3868470"/>
+            <a:chOff x="3226227" y="2757225"/>
+            <a:chExt cx="6957771" cy="3868470"/>
           </a:xfrm>
-          <a:prstGeom prst="roundRect">
-            <a:avLst/>
-          </a:prstGeom>
-          <a:noFill/>
-          <a:ln>
+        </p:grpSpPr>
+        <p:sp>
+          <p:nvSpPr>
+            <p:cNvPr id="120" name="Rounded Rectangle 119"/>
+            <p:cNvSpPr/>
+            <p:nvPr/>
+          </p:nvSpPr>
+          <p:spPr>
+            <a:xfrm>
+              <a:off x="5773619" y="3141564"/>
+              <a:ext cx="1921754" cy="3484131"/>
+            </a:xfrm>
+            <a:prstGeom prst="roundRect">
+              <a:avLst/>
+            </a:prstGeom>
+            <a:noFill/>
+            <a:ln>
+              <a:solidFill>
+                <a:schemeClr val="tx1"/>
+              </a:solidFill>
+              <a:prstDash val="dash"/>
+            </a:ln>
+            <a:effectLst/>
+          </p:spPr>
+          <p:style>
+            <a:lnRef idx="1">
+              <a:schemeClr val="accent1"/>
+            </a:lnRef>
+            <a:fillRef idx="3">
+              <a:schemeClr val="accent1"/>
+            </a:fillRef>
+            <a:effectRef idx="2">
+              <a:schemeClr val="accent1"/>
+            </a:effectRef>
+            <a:fontRef idx="minor">
+              <a:schemeClr val="lt1"/>
+            </a:fontRef>
+          </p:style>
+          <p:txBody>
+            <a:bodyPr rtlCol="0" anchor="ctr"/>
+            <a:lstStyle/>
+            <a:p>
+              <a:pPr algn="ctr"/>
+              <a:endParaRPr lang="en-US"/>
+            </a:p>
+          </p:txBody>
+        </p:sp>
+        <p:cxnSp>
+          <p:nvCxnSpPr>
+            <p:cNvPr id="6" name="Straight Arrow Connector 5"/>
+            <p:cNvCxnSpPr>
+              <a:endCxn id="13" idx="1"/>
+            </p:cNvCxnSpPr>
+            <p:nvPr/>
+          </p:nvCxnSpPr>
+          <p:spPr>
+            <a:xfrm flipV="1">
+              <a:off x="4237295" y="4805101"/>
+              <a:ext cx="395713" cy="10698"/>
+            </a:xfrm>
+            <a:prstGeom prst="straightConnector1">
+              <a:avLst/>
+            </a:prstGeom>
+            <a:ln>
+              <a:solidFill>
+                <a:schemeClr val="tx1"/>
+              </a:solidFill>
+              <a:headEnd type="arrow"/>
+              <a:tailEnd type="arrow"/>
+            </a:ln>
+            <a:effectLst/>
+          </p:spPr>
+          <p:style>
+            <a:lnRef idx="2">
+              <a:schemeClr val="accent1"/>
+            </a:lnRef>
+            <a:fillRef idx="0">
+              <a:schemeClr val="accent1"/>
+            </a:fillRef>
+            <a:effectRef idx="1">
+              <a:schemeClr val="accent1"/>
+            </a:effectRef>
+            <a:fontRef idx="minor">
+              <a:schemeClr val="tx1"/>
+            </a:fontRef>
+          </p:style>
+        </p:cxnSp>
+        <p:pic>
+          <p:nvPicPr>
+            <p:cNvPr id="8" name="Picture 7"/>
+            <p:cNvPicPr>
+              <a:picLocks noChangeAspect="1"/>
+            </p:cNvPicPr>
+            <p:nvPr/>
+          </p:nvPicPr>
+          <p:blipFill>
+            <a:blip r:embed="rId2"/>
+            <a:stretch>
+              <a:fillRect/>
+            </a:stretch>
+          </p:blipFill>
+          <p:spPr>
+            <a:xfrm>
+              <a:off x="3705642" y="4377534"/>
+              <a:ext cx="430588" cy="472842"/>
+            </a:xfrm>
+            <a:prstGeom prst="rect">
+              <a:avLst/>
+            </a:prstGeom>
+          </p:spPr>
+        </p:pic>
+        <p:sp>
+          <p:nvSpPr>
+            <p:cNvPr id="9" name="TextBox 8"/>
+            <p:cNvSpPr txBox="1"/>
+            <p:nvPr/>
+          </p:nvSpPr>
+          <p:spPr>
+            <a:xfrm>
+              <a:off x="3226227" y="4943351"/>
+              <a:ext cx="1406781" cy="369332"/>
+            </a:xfrm>
+            <a:prstGeom prst="rect">
+              <a:avLst/>
+            </a:prstGeom>
+            <a:noFill/>
+            <a:ln>
+              <a:noFill/>
+            </a:ln>
+          </p:spPr>
+          <p:txBody>
+            <a:bodyPr wrap="square" rtlCol="0">
+              <a:spAutoFit/>
+            </a:bodyPr>
+            <a:lstStyle/>
+            <a:p>
+              <a:pPr algn="ctr"/>
+              <a:r>
+                <a:rPr lang="en-US" sz="1800" i="1" dirty="0" smtClean="0"/>
+                <a:t>webserver</a:t>
+              </a:r>
+              <a:endParaRPr lang="en-US" sz="1800" i="1" dirty="0"/>
+            </a:p>
+          </p:txBody>
+        </p:sp>
+        <p:sp>
+          <p:nvSpPr>
+            <p:cNvPr id="13" name="TextBox 12"/>
+            <p:cNvSpPr txBox="1"/>
+            <p:nvPr/>
+          </p:nvSpPr>
+          <p:spPr>
+            <a:xfrm>
+              <a:off x="4633008" y="4481935"/>
+              <a:ext cx="1406780" cy="646331"/>
+            </a:xfrm>
+            <a:prstGeom prst="rect">
+              <a:avLst/>
+            </a:prstGeom>
+            <a:solidFill>
+              <a:schemeClr val="bg1"/>
+            </a:solidFill>
+            <a:ln>
+              <a:solidFill>
+                <a:schemeClr val="tx1"/>
+              </a:solidFill>
+            </a:ln>
+          </p:spPr>
+          <p:txBody>
+            <a:bodyPr wrap="square" rtlCol="0">
+              <a:spAutoFit/>
+            </a:bodyPr>
+            <a:lstStyle/>
+            <a:p>
+              <a:pPr algn="ctr"/>
+              <a:r>
+                <a:rPr lang="en-US" sz="1800" dirty="0"/>
+                <a:t>Proxy</a:t>
+              </a:r>
+            </a:p>
+            <a:p>
+              <a:pPr algn="ctr"/>
+              <a:r>
+                <a:rPr lang="en-US" sz="1800" dirty="0"/>
+                <a:t>Duplicator</a:t>
+              </a:r>
+              <a:endParaRPr lang="en-US" sz="1800" dirty="0"/>
+            </a:p>
+          </p:txBody>
+        </p:sp>
+        <p:cxnSp>
+          <p:nvCxnSpPr>
+            <p:cNvPr id="14" name="Straight Arrow Connector 13"/>
+            <p:cNvCxnSpPr>
+              <a:stCxn id="13" idx="0"/>
+              <a:endCxn id="21" idx="1"/>
+            </p:cNvCxnSpPr>
+            <p:nvPr/>
+          </p:nvCxnSpPr>
+          <p:spPr>
+            <a:xfrm flipV="1">
+              <a:off x="5336398" y="3749324"/>
+              <a:ext cx="703390" cy="732611"/>
+            </a:xfrm>
+            <a:prstGeom prst="straightConnector1">
+              <a:avLst/>
+            </a:prstGeom>
+            <a:ln>
+              <a:solidFill>
+                <a:schemeClr val="tx1"/>
+              </a:solidFill>
+              <a:headEnd type="arrow"/>
+              <a:tailEnd type="arrow"/>
+            </a:ln>
+            <a:effectLst/>
+          </p:spPr>
+          <p:style>
+            <a:lnRef idx="2">
+              <a:schemeClr val="accent1"/>
+            </a:lnRef>
+            <a:fillRef idx="0">
+              <a:schemeClr val="accent1"/>
+            </a:fillRef>
+            <a:effectRef idx="1">
+              <a:schemeClr val="accent1"/>
+            </a:effectRef>
+            <a:fontRef idx="minor">
+              <a:schemeClr val="tx1"/>
+            </a:fontRef>
+          </p:style>
+        </p:cxnSp>
+        <p:cxnSp>
+          <p:nvCxnSpPr>
+            <p:cNvPr id="15" name="Straight Arrow Connector 14"/>
+            <p:cNvCxnSpPr>
+              <a:stCxn id="13" idx="2"/>
+              <a:endCxn id="22" idx="1"/>
+            </p:cNvCxnSpPr>
+            <p:nvPr/>
+          </p:nvCxnSpPr>
+          <p:spPr>
+            <a:xfrm>
+              <a:off x="5336398" y="5128266"/>
+              <a:ext cx="685966" cy="515938"/>
+            </a:xfrm>
+            <a:prstGeom prst="straightConnector1">
+              <a:avLst/>
+            </a:prstGeom>
+            <a:ln>
+              <a:solidFill>
+                <a:srgbClr val="FF0000"/>
+              </a:solidFill>
+              <a:tailEnd type="arrow"/>
+            </a:ln>
+            <a:effectLst/>
+          </p:spPr>
+          <p:style>
+            <a:lnRef idx="2">
+              <a:schemeClr val="accent1"/>
+            </a:lnRef>
+            <a:fillRef idx="0">
+              <a:schemeClr val="accent1"/>
+            </a:fillRef>
+            <a:effectRef idx="1">
+              <a:schemeClr val="accent1"/>
+            </a:effectRef>
+            <a:fontRef idx="minor">
+              <a:schemeClr val="tx1"/>
+            </a:fontRef>
+          </p:style>
+        </p:cxnSp>
+        <p:sp>
+          <p:nvSpPr>
+            <p:cNvPr id="21" name="TextBox 20"/>
+            <p:cNvSpPr txBox="1"/>
+            <p:nvPr/>
+          </p:nvSpPr>
+          <p:spPr>
+            <a:xfrm>
+              <a:off x="6039788" y="3333825"/>
+              <a:ext cx="1406780" cy="830997"/>
+            </a:xfrm>
+            <a:prstGeom prst="rect">
+              <a:avLst/>
+            </a:prstGeom>
+            <a:noFill/>
+            <a:ln>
+              <a:solidFill>
+                <a:schemeClr val="tx1"/>
+              </a:solidFill>
+            </a:ln>
+          </p:spPr>
+          <p:txBody>
+            <a:bodyPr wrap="square" rtlCol="0">
+              <a:spAutoFit/>
+            </a:bodyPr>
+            <a:lstStyle/>
+            <a:p>
+              <a:pPr algn="ctr"/>
+              <a:endParaRPr lang="en-US" sz="600" i="1" dirty="0" smtClean="0"/>
+            </a:p>
+            <a:p>
+              <a:pPr algn="ctr"/>
+              <a:r>
+                <a:rPr lang="en-US" sz="1700" i="1" dirty="0" smtClean="0"/>
+                <a:t>Production</a:t>
+              </a:r>
+              <a:endParaRPr lang="en-US" sz="1700" i="1" dirty="0"/>
+            </a:p>
+            <a:p>
+              <a:pPr algn="ctr"/>
+              <a:r>
+                <a:rPr lang="en-US" sz="1700" i="1" dirty="0" smtClean="0"/>
+                <a:t>Container</a:t>
+              </a:r>
+            </a:p>
+            <a:p>
+              <a:pPr algn="ctr"/>
+              <a:endParaRPr lang="en-US" sz="700" i="1" dirty="0"/>
+            </a:p>
+          </p:txBody>
+        </p:sp>
+        <p:sp>
+          <p:nvSpPr>
+            <p:cNvPr id="22" name="TextBox 21"/>
+            <p:cNvSpPr txBox="1"/>
+            <p:nvPr/>
+          </p:nvSpPr>
+          <p:spPr>
+            <a:xfrm>
+              <a:off x="6022364" y="5221011"/>
+              <a:ext cx="1406780" cy="846385"/>
+            </a:xfrm>
+            <a:prstGeom prst="rect">
+              <a:avLst/>
+            </a:prstGeom>
+            <a:noFill/>
+            <a:ln>
+              <a:solidFill>
+                <a:schemeClr val="tx1"/>
+              </a:solidFill>
+            </a:ln>
+          </p:spPr>
+          <p:txBody>
+            <a:bodyPr wrap="square" rtlCol="0">
+              <a:spAutoFit/>
+            </a:bodyPr>
+            <a:lstStyle/>
+            <a:p>
+              <a:pPr algn="ctr"/>
+              <a:endParaRPr lang="en-US" sz="700" i="1" dirty="0" smtClean="0"/>
+            </a:p>
+            <a:p>
+              <a:pPr algn="ctr"/>
+              <a:r>
+                <a:rPr lang="en-US" sz="1700" i="1" dirty="0" smtClean="0"/>
+                <a:t>Test</a:t>
+              </a:r>
+              <a:endParaRPr lang="en-US" sz="1700" i="1" dirty="0"/>
+            </a:p>
+            <a:p>
+              <a:pPr algn="ctr"/>
+              <a:r>
+                <a:rPr lang="en-US" sz="1700" i="1" dirty="0" smtClean="0"/>
+                <a:t>Container</a:t>
+              </a:r>
+            </a:p>
+            <a:p>
+              <a:pPr algn="ctr"/>
+              <a:endParaRPr lang="en-US" sz="700" i="1" dirty="0"/>
+            </a:p>
+          </p:txBody>
+        </p:sp>
+        <p:sp>
+          <p:nvSpPr>
+            <p:cNvPr id="32" name="TextBox 31"/>
+            <p:cNvSpPr txBox="1"/>
+            <p:nvPr/>
+          </p:nvSpPr>
+          <p:spPr>
+            <a:xfrm>
+              <a:off x="7370438" y="4527124"/>
+              <a:ext cx="1406780" cy="646331"/>
+            </a:xfrm>
+            <a:prstGeom prst="rect">
+              <a:avLst/>
+            </a:prstGeom>
+            <a:solidFill>
+              <a:schemeClr val="bg1"/>
+            </a:solidFill>
+            <a:ln>
+              <a:solidFill>
+                <a:schemeClr val="tx1"/>
+              </a:solidFill>
+            </a:ln>
+          </p:spPr>
+          <p:txBody>
+            <a:bodyPr wrap="square" rtlCol="0">
+              <a:spAutoFit/>
+            </a:bodyPr>
+            <a:lstStyle/>
+            <a:p>
+              <a:pPr algn="ctr"/>
+              <a:r>
+                <a:rPr lang="en-US" sz="1800" dirty="0"/>
+                <a:t>Proxy</a:t>
+              </a:r>
+            </a:p>
+            <a:p>
+              <a:pPr algn="ctr"/>
+              <a:r>
+                <a:rPr lang="en-US" sz="1800" dirty="0" smtClean="0"/>
+                <a:t>Aggregator</a:t>
+              </a:r>
+              <a:endParaRPr lang="en-US" sz="1800" dirty="0"/>
+            </a:p>
+          </p:txBody>
+        </p:sp>
+        <p:cxnSp>
+          <p:nvCxnSpPr>
+            <p:cNvPr id="33" name="Straight Arrow Connector 32"/>
+            <p:cNvCxnSpPr>
+              <a:stCxn id="21" idx="3"/>
+              <a:endCxn id="32" idx="0"/>
+            </p:cNvCxnSpPr>
+            <p:nvPr/>
+          </p:nvCxnSpPr>
+          <p:spPr>
+            <a:xfrm>
+              <a:off x="7446568" y="3749324"/>
+              <a:ext cx="627260" cy="777800"/>
+            </a:xfrm>
+            <a:prstGeom prst="straightConnector1">
+              <a:avLst/>
+            </a:prstGeom>
+            <a:ln>
+              <a:solidFill>
+                <a:schemeClr val="tx1"/>
+              </a:solidFill>
+              <a:headEnd type="arrow"/>
+              <a:tailEnd type="arrow"/>
+            </a:ln>
+            <a:effectLst/>
+          </p:spPr>
+          <p:style>
+            <a:lnRef idx="2">
+              <a:schemeClr val="accent1"/>
+            </a:lnRef>
+            <a:fillRef idx="0">
+              <a:schemeClr val="accent1"/>
+            </a:fillRef>
+            <a:effectRef idx="1">
+              <a:schemeClr val="accent1"/>
+            </a:effectRef>
+            <a:fontRef idx="minor">
+              <a:schemeClr val="tx1"/>
+            </a:fontRef>
+          </p:style>
+        </p:cxnSp>
+        <p:cxnSp>
+          <p:nvCxnSpPr>
+            <p:cNvPr id="36" name="Straight Arrow Connector 35"/>
+            <p:cNvCxnSpPr>
+              <a:stCxn id="22" idx="3"/>
+              <a:endCxn id="32" idx="2"/>
+            </p:cNvCxnSpPr>
+            <p:nvPr/>
+          </p:nvCxnSpPr>
+          <p:spPr>
+            <a:xfrm flipV="1">
+              <a:off x="7429144" y="5173455"/>
+              <a:ext cx="644684" cy="470749"/>
+            </a:xfrm>
+            <a:prstGeom prst="straightConnector1">
+              <a:avLst/>
+            </a:prstGeom>
+            <a:ln>
+              <a:solidFill>
+                <a:srgbClr val="FF0000"/>
+              </a:solidFill>
+              <a:tailEnd type="arrow"/>
+            </a:ln>
+            <a:effectLst/>
+          </p:spPr>
+          <p:style>
+            <a:lnRef idx="2">
+              <a:schemeClr val="accent1"/>
+            </a:lnRef>
+            <a:fillRef idx="0">
+              <a:schemeClr val="accent1"/>
+            </a:fillRef>
+            <a:effectRef idx="1">
+              <a:schemeClr val="accent1"/>
+            </a:effectRef>
+            <a:fontRef idx="minor">
+              <a:schemeClr val="tx1"/>
+            </a:fontRef>
+          </p:style>
+        </p:cxnSp>
+        <p:cxnSp>
+          <p:nvCxnSpPr>
+            <p:cNvPr id="38" name="Straight Arrow Connector 37"/>
+            <p:cNvCxnSpPr>
+              <a:stCxn id="32" idx="3"/>
+            </p:cNvCxnSpPr>
+            <p:nvPr/>
+          </p:nvCxnSpPr>
+          <p:spPr>
+            <a:xfrm>
+              <a:off x="8777218" y="4850290"/>
+              <a:ext cx="348638" cy="0"/>
+            </a:xfrm>
+            <a:prstGeom prst="straightConnector1">
+              <a:avLst/>
+            </a:prstGeom>
+            <a:ln>
+              <a:solidFill>
+                <a:schemeClr val="tx1"/>
+              </a:solidFill>
+              <a:headEnd type="arrow"/>
+              <a:tailEnd type="arrow"/>
+            </a:ln>
+            <a:effectLst/>
+          </p:spPr>
+          <p:style>
+            <a:lnRef idx="2">
+              <a:schemeClr val="accent1"/>
+            </a:lnRef>
+            <a:fillRef idx="0">
+              <a:schemeClr val="accent1"/>
+            </a:fillRef>
+            <a:effectRef idx="1">
+              <a:schemeClr val="accent1"/>
+            </a:effectRef>
+            <a:fontRef idx="minor">
+              <a:schemeClr val="tx1"/>
+            </a:fontRef>
+          </p:style>
+        </p:cxnSp>
+        <p:sp>
+          <p:nvSpPr>
+            <p:cNvPr id="40" name="TextBox 39"/>
+            <p:cNvSpPr txBox="1"/>
+            <p:nvPr/>
+          </p:nvSpPr>
+          <p:spPr>
+            <a:xfrm>
+              <a:off x="8777218" y="5128266"/>
+              <a:ext cx="1406780" cy="369332"/>
+            </a:xfrm>
+            <a:prstGeom prst="rect">
+              <a:avLst/>
+            </a:prstGeom>
+            <a:noFill/>
+          </p:spPr>
+          <p:txBody>
+            <a:bodyPr wrap="square" rtlCol="0">
+              <a:spAutoFit/>
+            </a:bodyPr>
+            <a:lstStyle/>
+            <a:p>
+              <a:pPr algn="ctr"/>
+              <a:r>
+                <a:rPr lang="en-US" sz="1800" dirty="0" smtClean="0"/>
+                <a:t>Backend</a:t>
+              </a:r>
+              <a:endParaRPr lang="en-US" sz="1800" dirty="0"/>
+            </a:p>
+          </p:txBody>
+        </p:sp>
+        <p:sp>
+          <p:nvSpPr>
+            <p:cNvPr id="75" name="Down Arrow 74"/>
+            <p:cNvSpPr/>
+            <p:nvPr/>
+          </p:nvSpPr>
+          <p:spPr>
+            <a:xfrm>
+              <a:off x="6474676" y="4236155"/>
+              <a:ext cx="412789" cy="920400"/>
+            </a:xfrm>
+            <a:prstGeom prst="downArrow">
+              <a:avLst/>
+            </a:prstGeom>
             <a:solidFill>
               <a:schemeClr val="tx1"/>
             </a:solidFill>
-            <a:prstDash val="dash"/>
-          </a:ln>
-          <a:effectLst/>
-        </p:spPr>
-        <p:style>
-          <a:lnRef idx="1">
-            <a:schemeClr val="accent1"/>
-          </a:lnRef>
-          <a:fillRef idx="3">
-            <a:schemeClr val="accent1"/>
-          </a:fillRef>
-          <a:effectRef idx="2">
-            <a:schemeClr val="accent1"/>
-          </a:effectRef>
-          <a:fontRef idx="minor">
-            <a:schemeClr val="lt1"/>
-          </a:fontRef>
-        </p:style>
-        <p:txBody>
-          <a:bodyPr rtlCol="0" anchor="ctr"/>
-          <a:lstStyle/>
-          <a:p>
-            <a:pPr algn="ctr"/>
-            <a:endParaRPr lang="en-US"/>
-          </a:p>
-        </p:txBody>
-      </p:sp>
-      <p:cxnSp>
-        <p:nvCxnSpPr>
-          <p:cNvPr id="6" name="Straight Arrow Connector 5"/>
-          <p:cNvCxnSpPr>
-            <a:endCxn id="13" idx="1"/>
-          </p:cNvCxnSpPr>
-          <p:nvPr/>
-        </p:nvCxnSpPr>
-        <p:spPr>
-          <a:xfrm flipV="1">
-            <a:off x="4237295" y="4805101"/>
-            <a:ext cx="395713" cy="10698"/>
-          </a:xfrm>
-          <a:prstGeom prst="straightConnector1">
-            <a:avLst/>
-          </a:prstGeom>
-          <a:ln>
+            <a:ln>
+              <a:solidFill>
+                <a:schemeClr val="tx1"/>
+              </a:solidFill>
+            </a:ln>
+            <a:effectLst/>
+          </p:spPr>
+          <p:style>
+            <a:lnRef idx="1">
+              <a:schemeClr val="accent1"/>
+            </a:lnRef>
+            <a:fillRef idx="3">
+              <a:schemeClr val="accent1"/>
+            </a:fillRef>
+            <a:effectRef idx="2">
+              <a:schemeClr val="accent1"/>
+            </a:effectRef>
+            <a:fontRef idx="minor">
+              <a:schemeClr val="lt1"/>
+            </a:fontRef>
+          </p:style>
+          <p:txBody>
+            <a:bodyPr rtlCol="0" anchor="ctr"/>
+            <a:lstStyle/>
+            <a:p>
+              <a:pPr algn="ctr"/>
+              <a:endParaRPr lang="en-US"/>
+            </a:p>
+          </p:txBody>
+        </p:sp>
+        <p:pic>
+          <p:nvPicPr>
+            <p:cNvPr id="113" name="Picture 112"/>
+            <p:cNvPicPr>
+              <a:picLocks noChangeAspect="1"/>
+            </p:cNvPicPr>
+            <p:nvPr/>
+          </p:nvPicPr>
+          <p:blipFill>
+            <a:blip r:embed="rId3"/>
+            <a:stretch>
+              <a:fillRect/>
+            </a:stretch>
+          </p:blipFill>
+          <p:spPr>
+            <a:xfrm>
+              <a:off x="9125856" y="4478488"/>
+              <a:ext cx="730843" cy="730843"/>
+            </a:xfrm>
+            <a:prstGeom prst="rect">
+              <a:avLst/>
+            </a:prstGeom>
+          </p:spPr>
+        </p:pic>
+        <p:sp>
+          <p:nvSpPr>
+            <p:cNvPr id="121" name="TextBox 120"/>
+            <p:cNvSpPr txBox="1"/>
+            <p:nvPr/>
+          </p:nvSpPr>
+          <p:spPr>
+            <a:xfrm>
+              <a:off x="6099481" y="4450694"/>
+              <a:ext cx="1194830" cy="307777"/>
+            </a:xfrm>
+            <a:prstGeom prst="rect">
+              <a:avLst/>
+            </a:prstGeom>
             <a:solidFill>
-              <a:schemeClr val="tx1"/>
+              <a:schemeClr val="bg1"/>
             </a:solidFill>
-            <a:headEnd type="arrow"/>
-            <a:tailEnd type="arrow"/>
-          </a:ln>
-          <a:effectLst/>
-        </p:spPr>
-        <p:style>
-          <a:lnRef idx="2">
-            <a:schemeClr val="accent1"/>
-          </a:lnRef>
-          <a:fillRef idx="0">
-            <a:schemeClr val="accent1"/>
-          </a:fillRef>
-          <a:effectRef idx="1">
-            <a:schemeClr val="accent1"/>
-          </a:effectRef>
-          <a:fontRef idx="minor">
-            <a:schemeClr val="tx1"/>
-          </a:fontRef>
-        </p:style>
-      </p:cxnSp>
-      <p:pic>
-        <p:nvPicPr>
-          <p:cNvPr id="7" name="Picture 6"/>
-          <p:cNvPicPr>
-            <a:picLocks noChangeAspect="1"/>
-          </p:cNvPicPr>
-          <p:nvPr/>
-        </p:nvPicPr>
-        <p:blipFill>
-          <a:blip r:embed="rId2"/>
-          <a:stretch>
-            <a:fillRect/>
-          </a:stretch>
-        </p:blipFill>
-        <p:spPr>
-          <a:xfrm>
-            <a:off x="2795462" y="1974845"/>
-            <a:ext cx="622458" cy="683540"/>
-          </a:xfrm>
-          <a:prstGeom prst="rect">
-            <a:avLst/>
-          </a:prstGeom>
-        </p:spPr>
-      </p:pic>
-      <p:pic>
-        <p:nvPicPr>
-          <p:cNvPr id="8" name="Picture 7"/>
-          <p:cNvPicPr>
-            <a:picLocks noChangeAspect="1"/>
-          </p:cNvPicPr>
-          <p:nvPr/>
-        </p:nvPicPr>
-        <p:blipFill>
-          <a:blip r:embed="rId2"/>
-          <a:stretch>
-            <a:fillRect/>
-          </a:stretch>
-        </p:blipFill>
-        <p:spPr>
-          <a:xfrm>
-            <a:off x="3605752" y="4377534"/>
-            <a:ext cx="430588" cy="472842"/>
-          </a:xfrm>
-          <a:prstGeom prst="rect">
-            <a:avLst/>
-          </a:prstGeom>
-        </p:spPr>
-      </p:pic>
-      <p:sp>
-        <p:nvSpPr>
-          <p:cNvPr id="9" name="TextBox 8"/>
-          <p:cNvSpPr txBox="1"/>
-          <p:nvPr/>
-        </p:nvSpPr>
-        <p:spPr>
-          <a:xfrm>
-            <a:off x="3117655" y="4885008"/>
-            <a:ext cx="1406781" cy="369332"/>
-          </a:xfrm>
-          <a:prstGeom prst="rect">
-            <a:avLst/>
-          </a:prstGeom>
-          <a:noFill/>
-          <a:ln>
+          </p:spPr>
+          <p:txBody>
+            <a:bodyPr wrap="square" rtlCol="0">
+              <a:spAutoFit/>
+            </a:bodyPr>
+            <a:lstStyle/>
+            <a:p>
+              <a:pPr algn="ctr"/>
+              <a:r>
+                <a:rPr lang="en-US" sz="1400" dirty="0" smtClean="0"/>
+                <a:t>Live Cloning</a:t>
+              </a:r>
+              <a:endParaRPr lang="en-US" sz="1400" dirty="0"/>
+            </a:p>
+          </p:txBody>
+        </p:sp>
+        <p:sp>
+          <p:nvSpPr>
+            <p:cNvPr id="123" name="TextBox 122"/>
+            <p:cNvSpPr txBox="1"/>
+            <p:nvPr/>
+          </p:nvSpPr>
+          <p:spPr>
+            <a:xfrm>
+              <a:off x="5882240" y="6176351"/>
+              <a:ext cx="1729579" cy="338554"/>
+            </a:xfrm>
+            <a:prstGeom prst="rect">
+              <a:avLst/>
+            </a:prstGeom>
+            <a:solidFill>
+              <a:schemeClr val="bg1"/>
+            </a:solidFill>
+          </p:spPr>
+          <p:txBody>
+            <a:bodyPr wrap="square" rtlCol="0">
+              <a:spAutoFit/>
+            </a:bodyPr>
+            <a:lstStyle/>
+            <a:p>
+              <a:pPr algn="ctr"/>
+              <a:r>
+                <a:rPr lang="en-US" sz="1600" dirty="0" smtClean="0"/>
+                <a:t>Clone Manager</a:t>
+              </a:r>
+              <a:endParaRPr lang="en-US" sz="1600" dirty="0"/>
+            </a:p>
+          </p:txBody>
+        </p:sp>
+        <p:sp>
+          <p:nvSpPr>
+            <p:cNvPr id="128" name="TextBox 127"/>
+            <p:cNvSpPr txBox="1"/>
+            <p:nvPr/>
+          </p:nvSpPr>
+          <p:spPr>
+            <a:xfrm>
+              <a:off x="5790330" y="2757225"/>
+              <a:ext cx="1821489" cy="307777"/>
+            </a:xfrm>
+            <a:prstGeom prst="rect">
+              <a:avLst/>
+            </a:prstGeom>
             <a:noFill/>
-          </a:ln>
-        </p:spPr>
-        <p:txBody>
-          <a:bodyPr wrap="square" rtlCol="0">
-            <a:spAutoFit/>
-          </a:bodyPr>
-          <a:lstStyle/>
-          <a:p>
-            <a:pPr algn="ctr"/>
-            <a:r>
-              <a:rPr lang="en-US" sz="1800" i="1" dirty="0"/>
-              <a:t>Webserver</a:t>
-            </a:r>
-            <a:endParaRPr lang="en-US" sz="1800" i="1" dirty="0"/>
-          </a:p>
-        </p:txBody>
-      </p:sp>
-      <p:cxnSp>
-        <p:nvCxnSpPr>
-          <p:cNvPr id="10" name="Straight Arrow Connector 9"/>
-          <p:cNvCxnSpPr/>
-          <p:nvPr/>
-        </p:nvCxnSpPr>
-        <p:spPr>
-          <a:xfrm>
-            <a:off x="3417920" y="2349022"/>
-            <a:ext cx="403126" cy="0"/>
-          </a:xfrm>
-          <a:prstGeom prst="straightConnector1">
-            <a:avLst/>
-          </a:prstGeom>
-          <a:ln>
-            <a:solidFill>
-              <a:schemeClr val="tx1"/>
-            </a:solidFill>
-            <a:headEnd type="arrow"/>
-            <a:tailEnd type="arrow"/>
-          </a:ln>
-          <a:effectLst/>
-        </p:spPr>
-        <p:style>
-          <a:lnRef idx="2">
-            <a:schemeClr val="accent1"/>
-          </a:lnRef>
-          <a:fillRef idx="0">
-            <a:schemeClr val="accent1"/>
-          </a:fillRef>
-          <a:effectRef idx="1">
-            <a:schemeClr val="accent1"/>
-          </a:effectRef>
-          <a:fontRef idx="minor">
-            <a:schemeClr val="tx1"/>
-          </a:fontRef>
-        </p:style>
-      </p:cxnSp>
-      <p:sp>
-        <p:nvSpPr>
-          <p:cNvPr id="13" name="TextBox 12"/>
-          <p:cNvSpPr txBox="1"/>
-          <p:nvPr/>
-        </p:nvSpPr>
-        <p:spPr>
-          <a:xfrm>
-            <a:off x="4633008" y="4481935"/>
-            <a:ext cx="1406780" cy="646331"/>
-          </a:xfrm>
-          <a:prstGeom prst="rect">
-            <a:avLst/>
-          </a:prstGeom>
-          <a:solidFill>
-            <a:schemeClr val="bg1"/>
-          </a:solidFill>
-          <a:ln>
-            <a:solidFill>
-              <a:schemeClr val="tx1"/>
-            </a:solidFill>
-          </a:ln>
-        </p:spPr>
-        <p:txBody>
-          <a:bodyPr wrap="square" rtlCol="0">
-            <a:spAutoFit/>
-          </a:bodyPr>
-          <a:lstStyle/>
-          <a:p>
-            <a:pPr algn="ctr"/>
-            <a:r>
-              <a:rPr lang="en-US" sz="1800" dirty="0"/>
-              <a:t>Proxy</a:t>
-            </a:r>
-          </a:p>
-          <a:p>
-            <a:pPr algn="ctr"/>
-            <a:r>
-              <a:rPr lang="en-US" sz="1800" dirty="0"/>
-              <a:t>Duplicator</a:t>
-            </a:r>
-            <a:endParaRPr lang="en-US" sz="1800" dirty="0"/>
-          </a:p>
-        </p:txBody>
-      </p:sp>
-      <p:cxnSp>
-        <p:nvCxnSpPr>
-          <p:cNvPr id="14" name="Straight Arrow Connector 13"/>
-          <p:cNvCxnSpPr>
-            <a:stCxn id="13" idx="0"/>
-            <a:endCxn id="21" idx="1"/>
-          </p:cNvCxnSpPr>
-          <p:nvPr/>
-        </p:nvCxnSpPr>
-        <p:spPr>
-          <a:xfrm flipV="1">
-            <a:off x="5336398" y="3749324"/>
-            <a:ext cx="703390" cy="732611"/>
-          </a:xfrm>
-          <a:prstGeom prst="straightConnector1">
-            <a:avLst/>
-          </a:prstGeom>
-          <a:ln>
-            <a:solidFill>
-              <a:schemeClr val="tx1"/>
-            </a:solidFill>
-            <a:headEnd type="arrow"/>
-            <a:tailEnd type="arrow"/>
-          </a:ln>
-          <a:effectLst/>
-        </p:spPr>
-        <p:style>
-          <a:lnRef idx="2">
-            <a:schemeClr val="accent1"/>
-          </a:lnRef>
-          <a:fillRef idx="0">
-            <a:schemeClr val="accent1"/>
-          </a:fillRef>
-          <a:effectRef idx="1">
-            <a:schemeClr val="accent1"/>
-          </a:effectRef>
-          <a:fontRef idx="minor">
-            <a:schemeClr val="tx1"/>
-          </a:fontRef>
-        </p:style>
-      </p:cxnSp>
-      <p:cxnSp>
-        <p:nvCxnSpPr>
-          <p:cNvPr id="15" name="Straight Arrow Connector 14"/>
-          <p:cNvCxnSpPr>
-            <a:stCxn id="13" idx="2"/>
-            <a:endCxn id="22" idx="1"/>
-          </p:cNvCxnSpPr>
-          <p:nvPr/>
-        </p:nvCxnSpPr>
-        <p:spPr>
-          <a:xfrm>
-            <a:off x="5336398" y="5128266"/>
-            <a:ext cx="685966" cy="515938"/>
-          </a:xfrm>
-          <a:prstGeom prst="straightConnector1">
-            <a:avLst/>
-          </a:prstGeom>
-          <a:ln>
-            <a:solidFill>
-              <a:srgbClr val="FF0000"/>
-            </a:solidFill>
-            <a:tailEnd type="arrow"/>
-          </a:ln>
-          <a:effectLst/>
-        </p:spPr>
-        <p:style>
-          <a:lnRef idx="2">
-            <a:schemeClr val="accent1"/>
-          </a:lnRef>
-          <a:fillRef idx="0">
-            <a:schemeClr val="accent1"/>
-          </a:fillRef>
-          <a:effectRef idx="1">
-            <a:schemeClr val="accent1"/>
-          </a:effectRef>
-          <a:fontRef idx="minor">
-            <a:schemeClr val="tx1"/>
-          </a:fontRef>
-        </p:style>
-      </p:cxnSp>
-      <p:sp>
-        <p:nvSpPr>
-          <p:cNvPr id="21" name="TextBox 20"/>
-          <p:cNvSpPr txBox="1"/>
-          <p:nvPr/>
-        </p:nvSpPr>
-        <p:spPr>
-          <a:xfrm>
-            <a:off x="6039788" y="3333825"/>
-            <a:ext cx="1406780" cy="830997"/>
-          </a:xfrm>
-          <a:prstGeom prst="rect">
-            <a:avLst/>
-          </a:prstGeom>
-          <a:noFill/>
-          <a:ln>
-            <a:solidFill>
-              <a:schemeClr val="tx1"/>
-            </a:solidFill>
-          </a:ln>
-        </p:spPr>
-        <p:txBody>
-          <a:bodyPr wrap="square" rtlCol="0">
-            <a:spAutoFit/>
-          </a:bodyPr>
-          <a:lstStyle/>
-          <a:p>
-            <a:pPr algn="ctr"/>
-            <a:endParaRPr lang="en-US" sz="600" i="1" dirty="0" smtClean="0"/>
-          </a:p>
-          <a:p>
-            <a:pPr algn="ctr"/>
-            <a:r>
-              <a:rPr lang="en-US" sz="1700" i="1" dirty="0" smtClean="0"/>
-              <a:t>Production</a:t>
-            </a:r>
-            <a:endParaRPr lang="en-US" sz="1700" i="1" dirty="0"/>
-          </a:p>
-          <a:p>
-            <a:pPr algn="ctr"/>
-            <a:r>
-              <a:rPr lang="en-US" sz="1700" i="1" dirty="0" smtClean="0"/>
-              <a:t>Container</a:t>
-            </a:r>
-          </a:p>
-          <a:p>
-            <a:pPr algn="ctr"/>
-            <a:endParaRPr lang="en-US" sz="700" i="1" dirty="0"/>
-          </a:p>
-        </p:txBody>
-      </p:sp>
-      <p:sp>
-        <p:nvSpPr>
-          <p:cNvPr id="22" name="TextBox 21"/>
-          <p:cNvSpPr txBox="1"/>
-          <p:nvPr/>
-        </p:nvSpPr>
-        <p:spPr>
-          <a:xfrm>
-            <a:off x="6022364" y="5221011"/>
-            <a:ext cx="1406780" cy="846385"/>
-          </a:xfrm>
-          <a:prstGeom prst="rect">
-            <a:avLst/>
-          </a:prstGeom>
-          <a:noFill/>
-          <a:ln>
-            <a:solidFill>
-              <a:schemeClr val="tx1"/>
-            </a:solidFill>
-          </a:ln>
-        </p:spPr>
-        <p:txBody>
-          <a:bodyPr wrap="square" rtlCol="0">
-            <a:spAutoFit/>
-          </a:bodyPr>
-          <a:lstStyle/>
-          <a:p>
-            <a:pPr algn="ctr"/>
-            <a:endParaRPr lang="en-US" sz="700" i="1" dirty="0" smtClean="0"/>
-          </a:p>
-          <a:p>
-            <a:pPr algn="ctr"/>
-            <a:r>
-              <a:rPr lang="en-US" sz="1700" i="1" dirty="0" smtClean="0"/>
-              <a:t>Test</a:t>
-            </a:r>
-            <a:endParaRPr lang="en-US" sz="1700" i="1" dirty="0"/>
-          </a:p>
-          <a:p>
-            <a:pPr algn="ctr"/>
-            <a:r>
-              <a:rPr lang="en-US" sz="1700" i="1" dirty="0" smtClean="0"/>
-              <a:t>Container</a:t>
-            </a:r>
-          </a:p>
-          <a:p>
-            <a:pPr algn="ctr"/>
-            <a:endParaRPr lang="en-US" sz="700" i="1" dirty="0"/>
-          </a:p>
-        </p:txBody>
-      </p:sp>
-      <p:sp>
-        <p:nvSpPr>
-          <p:cNvPr id="32" name="TextBox 31"/>
-          <p:cNvSpPr txBox="1"/>
-          <p:nvPr/>
-        </p:nvSpPr>
-        <p:spPr>
-          <a:xfrm>
-            <a:off x="7370438" y="4527124"/>
-            <a:ext cx="1406780" cy="646331"/>
-          </a:xfrm>
-          <a:prstGeom prst="rect">
-            <a:avLst/>
-          </a:prstGeom>
-          <a:solidFill>
-            <a:schemeClr val="bg1"/>
-          </a:solidFill>
-          <a:ln>
-            <a:solidFill>
-              <a:schemeClr val="tx1"/>
-            </a:solidFill>
-          </a:ln>
-        </p:spPr>
-        <p:txBody>
-          <a:bodyPr wrap="square" rtlCol="0">
-            <a:spAutoFit/>
-          </a:bodyPr>
-          <a:lstStyle/>
-          <a:p>
-            <a:pPr algn="ctr"/>
-            <a:r>
-              <a:rPr lang="en-US" sz="1800" dirty="0"/>
-              <a:t>Proxy</a:t>
-            </a:r>
-          </a:p>
-          <a:p>
-            <a:pPr algn="ctr"/>
-            <a:r>
-              <a:rPr lang="en-US" sz="1800" dirty="0" smtClean="0"/>
-              <a:t>Aggregator</a:t>
-            </a:r>
-            <a:endParaRPr lang="en-US" sz="1800" dirty="0"/>
-          </a:p>
-        </p:txBody>
-      </p:sp>
-      <p:cxnSp>
-        <p:nvCxnSpPr>
-          <p:cNvPr id="33" name="Straight Arrow Connector 32"/>
-          <p:cNvCxnSpPr>
-            <a:stCxn id="21" idx="3"/>
-            <a:endCxn id="32" idx="0"/>
-          </p:cNvCxnSpPr>
-          <p:nvPr/>
-        </p:nvCxnSpPr>
-        <p:spPr>
-          <a:xfrm>
-            <a:off x="7446568" y="3749324"/>
-            <a:ext cx="627260" cy="777800"/>
-          </a:xfrm>
-          <a:prstGeom prst="straightConnector1">
-            <a:avLst/>
-          </a:prstGeom>
-          <a:ln>
-            <a:solidFill>
-              <a:schemeClr val="tx1"/>
-            </a:solidFill>
-            <a:headEnd type="arrow"/>
-            <a:tailEnd type="arrow"/>
-          </a:ln>
-          <a:effectLst/>
-        </p:spPr>
-        <p:style>
-          <a:lnRef idx="2">
-            <a:schemeClr val="accent1"/>
-          </a:lnRef>
-          <a:fillRef idx="0">
-            <a:schemeClr val="accent1"/>
-          </a:fillRef>
-          <a:effectRef idx="1">
-            <a:schemeClr val="accent1"/>
-          </a:effectRef>
-          <a:fontRef idx="minor">
-            <a:schemeClr val="tx1"/>
-          </a:fontRef>
-        </p:style>
-      </p:cxnSp>
-      <p:cxnSp>
-        <p:nvCxnSpPr>
-          <p:cNvPr id="36" name="Straight Arrow Connector 35"/>
-          <p:cNvCxnSpPr>
-            <a:stCxn id="22" idx="3"/>
-            <a:endCxn id="32" idx="2"/>
-          </p:cNvCxnSpPr>
-          <p:nvPr/>
-        </p:nvCxnSpPr>
-        <p:spPr>
-          <a:xfrm flipV="1">
-            <a:off x="7429144" y="5173455"/>
-            <a:ext cx="644684" cy="470749"/>
-          </a:xfrm>
-          <a:prstGeom prst="straightConnector1">
-            <a:avLst/>
-          </a:prstGeom>
-          <a:ln>
-            <a:solidFill>
-              <a:srgbClr val="FF0000"/>
-            </a:solidFill>
-            <a:tailEnd type="arrow"/>
-          </a:ln>
-          <a:effectLst/>
-        </p:spPr>
-        <p:style>
-          <a:lnRef idx="2">
-            <a:schemeClr val="accent1"/>
-          </a:lnRef>
-          <a:fillRef idx="0">
-            <a:schemeClr val="accent1"/>
-          </a:fillRef>
-          <a:effectRef idx="1">
-            <a:schemeClr val="accent1"/>
-          </a:effectRef>
-          <a:fontRef idx="minor">
-            <a:schemeClr val="tx1"/>
-          </a:fontRef>
-        </p:style>
-      </p:cxnSp>
-      <p:cxnSp>
-        <p:nvCxnSpPr>
-          <p:cNvPr id="38" name="Straight Arrow Connector 37"/>
-          <p:cNvCxnSpPr>
-            <a:stCxn id="32" idx="3"/>
-          </p:cNvCxnSpPr>
-          <p:nvPr/>
-        </p:nvCxnSpPr>
-        <p:spPr>
-          <a:xfrm>
-            <a:off x="8777218" y="4850290"/>
-            <a:ext cx="348638" cy="0"/>
-          </a:xfrm>
-          <a:prstGeom prst="straightConnector1">
-            <a:avLst/>
-          </a:prstGeom>
-          <a:ln>
-            <a:solidFill>
-              <a:schemeClr val="tx1"/>
-            </a:solidFill>
-            <a:headEnd type="arrow"/>
-            <a:tailEnd type="arrow"/>
-          </a:ln>
-          <a:effectLst/>
-        </p:spPr>
-        <p:style>
-          <a:lnRef idx="2">
-            <a:schemeClr val="accent1"/>
-          </a:lnRef>
-          <a:fillRef idx="0">
-            <a:schemeClr val="accent1"/>
-          </a:fillRef>
-          <a:effectRef idx="1">
-            <a:schemeClr val="accent1"/>
-          </a:effectRef>
-          <a:fontRef idx="minor">
-            <a:schemeClr val="tx1"/>
-          </a:fontRef>
-        </p:style>
-      </p:cxnSp>
-      <p:sp>
-        <p:nvSpPr>
-          <p:cNvPr id="40" name="TextBox 39"/>
-          <p:cNvSpPr txBox="1"/>
-          <p:nvPr/>
-        </p:nvSpPr>
-        <p:spPr>
-          <a:xfrm>
-            <a:off x="8777218" y="5128266"/>
-            <a:ext cx="1406780" cy="369332"/>
-          </a:xfrm>
-          <a:prstGeom prst="rect">
-            <a:avLst/>
-          </a:prstGeom>
-          <a:noFill/>
-        </p:spPr>
-        <p:txBody>
-          <a:bodyPr wrap="square" rtlCol="0">
-            <a:spAutoFit/>
-          </a:bodyPr>
-          <a:lstStyle/>
-          <a:p>
-            <a:pPr algn="ctr"/>
-            <a:r>
-              <a:rPr lang="en-US" sz="1800" dirty="0" smtClean="0"/>
-              <a:t>Backend</a:t>
-            </a:r>
-            <a:endParaRPr lang="en-US" sz="1800" dirty="0"/>
-          </a:p>
-        </p:txBody>
-      </p:sp>
-      <p:sp>
-        <p:nvSpPr>
-          <p:cNvPr id="75" name="Down Arrow 74"/>
-          <p:cNvSpPr/>
-          <p:nvPr/>
-        </p:nvSpPr>
-        <p:spPr>
-          <a:xfrm>
-            <a:off x="6474676" y="4236155"/>
-            <a:ext cx="412789" cy="920400"/>
-          </a:xfrm>
-          <a:prstGeom prst="downArrow">
-            <a:avLst/>
-          </a:prstGeom>
-          <a:solidFill>
-            <a:schemeClr val="tx1"/>
-          </a:solidFill>
-          <a:ln>
-            <a:solidFill>
-              <a:schemeClr val="tx1"/>
-            </a:solidFill>
-          </a:ln>
-          <a:effectLst/>
-        </p:spPr>
-        <p:style>
-          <a:lnRef idx="1">
-            <a:schemeClr val="accent1"/>
-          </a:lnRef>
-          <a:fillRef idx="3">
-            <a:schemeClr val="accent1"/>
-          </a:fillRef>
-          <a:effectRef idx="2">
-            <a:schemeClr val="accent1"/>
-          </a:effectRef>
-          <a:fontRef idx="minor">
-            <a:schemeClr val="lt1"/>
-          </a:fontRef>
-        </p:style>
-        <p:txBody>
-          <a:bodyPr rtlCol="0" anchor="ctr"/>
-          <a:lstStyle/>
-          <a:p>
-            <a:pPr algn="ctr"/>
-            <a:endParaRPr lang="en-US"/>
-          </a:p>
-        </p:txBody>
-      </p:sp>
-      <p:pic>
-        <p:nvPicPr>
-          <p:cNvPr id="113" name="Picture 112"/>
-          <p:cNvPicPr>
-            <a:picLocks noChangeAspect="1"/>
-          </p:cNvPicPr>
-          <p:nvPr/>
-        </p:nvPicPr>
-        <p:blipFill>
-          <a:blip r:embed="rId3"/>
-          <a:stretch>
-            <a:fillRect/>
-          </a:stretch>
-        </p:blipFill>
-        <p:spPr>
-          <a:xfrm>
-            <a:off x="9125856" y="4478488"/>
-            <a:ext cx="730843" cy="730843"/>
-          </a:xfrm>
-          <a:prstGeom prst="rect">
-            <a:avLst/>
-          </a:prstGeom>
-        </p:spPr>
-      </p:pic>
-      <p:sp>
-        <p:nvSpPr>
-          <p:cNvPr id="121" name="TextBox 120"/>
-          <p:cNvSpPr txBox="1"/>
-          <p:nvPr/>
-        </p:nvSpPr>
-        <p:spPr>
-          <a:xfrm>
-            <a:off x="6099481" y="4450694"/>
-            <a:ext cx="1194830" cy="307777"/>
-          </a:xfrm>
-          <a:prstGeom prst="rect">
-            <a:avLst/>
-          </a:prstGeom>
-          <a:solidFill>
-            <a:schemeClr val="bg1"/>
-          </a:solidFill>
-        </p:spPr>
-        <p:txBody>
-          <a:bodyPr wrap="square" rtlCol="0">
-            <a:spAutoFit/>
-          </a:bodyPr>
-          <a:lstStyle/>
-          <a:p>
-            <a:pPr algn="ctr"/>
-            <a:r>
-              <a:rPr lang="en-US" sz="1400" dirty="0" smtClean="0"/>
-              <a:t>Live Cloning</a:t>
-            </a:r>
-            <a:endParaRPr lang="en-US" sz="1400" dirty="0"/>
-          </a:p>
-        </p:txBody>
-      </p:sp>
-      <p:sp>
-        <p:nvSpPr>
-          <p:cNvPr id="123" name="TextBox 122"/>
-          <p:cNvSpPr txBox="1"/>
-          <p:nvPr/>
-        </p:nvSpPr>
-        <p:spPr>
-          <a:xfrm>
-            <a:off x="5882240" y="6176351"/>
-            <a:ext cx="1729579" cy="338554"/>
-          </a:xfrm>
-          <a:prstGeom prst="rect">
-            <a:avLst/>
-          </a:prstGeom>
-          <a:solidFill>
-            <a:schemeClr val="bg1"/>
-          </a:solidFill>
-        </p:spPr>
-        <p:txBody>
-          <a:bodyPr wrap="square" rtlCol="0">
-            <a:spAutoFit/>
-          </a:bodyPr>
-          <a:lstStyle/>
-          <a:p>
-            <a:pPr algn="ctr"/>
-            <a:r>
-              <a:rPr lang="en-US" sz="1600" dirty="0" smtClean="0"/>
-              <a:t>Clone Manager</a:t>
-            </a:r>
-            <a:endParaRPr lang="en-US" sz="1600" dirty="0"/>
-          </a:p>
-        </p:txBody>
-      </p:sp>
+          </p:spPr>
+          <p:txBody>
+            <a:bodyPr wrap="square" rtlCol="0">
+              <a:spAutoFit/>
+            </a:bodyPr>
+            <a:lstStyle/>
+            <a:p>
+              <a:pPr algn="ctr"/>
+              <a:r>
+                <a:rPr lang="en-US" sz="1400" dirty="0" smtClean="0"/>
+                <a:t>Mid-Tier Application</a:t>
+              </a:r>
+              <a:endParaRPr lang="en-US" sz="1400" dirty="0"/>
+            </a:p>
+          </p:txBody>
+        </p:sp>
+      </p:grpSp>
     </p:spTree>
     <p:extLst>
       <p:ext uri="{BB962C8B-B14F-4D97-AF65-F5344CB8AC3E}">
@@ -14144,16 +15379,16 @@
       </p:grpSpPr>
       <p:grpSp>
         <p:nvGrpSpPr>
-          <p:cNvPr id="40" name="Group 39"/>
+          <p:cNvPr id="45" name="Group 44"/>
           <p:cNvGrpSpPr/>
           <p:nvPr/>
         </p:nvGrpSpPr>
         <p:grpSpPr>
           <a:xfrm>
-            <a:off x="1000461" y="2031486"/>
-            <a:ext cx="8816517" cy="6074159"/>
-            <a:chOff x="2018035" y="1822133"/>
-            <a:chExt cx="3041176" cy="2470155"/>
+            <a:off x="1840766" y="2825246"/>
+            <a:ext cx="6721000" cy="4108947"/>
+            <a:chOff x="1840766" y="2825246"/>
+            <a:chExt cx="6721000" cy="4108947"/>
           </a:xfrm>
         </p:grpSpPr>
         <p:sp>
@@ -14164,8 +15399,8 @@
           </p:nvSpPr>
           <p:spPr>
             <a:xfrm>
-              <a:off x="2018035" y="2810121"/>
-              <a:ext cx="693506" cy="553632"/>
+              <a:off x="1840766" y="4466637"/>
+              <a:ext cx="1626733" cy="884211"/>
             </a:xfrm>
             <a:prstGeom prst="rect">
               <a:avLst/>
@@ -14221,8 +15456,8 @@
           </p:nvSpPr>
           <p:spPr>
             <a:xfrm>
-              <a:off x="3382016" y="2812437"/>
-              <a:ext cx="806175" cy="553633"/>
+              <a:off x="4612230" y="4494702"/>
+              <a:ext cx="2337142" cy="856146"/>
             </a:xfrm>
             <a:prstGeom prst="rect">
               <a:avLst/>
@@ -14278,8 +15513,8 @@
           </p:nvSpPr>
           <p:spPr>
             <a:xfrm>
-              <a:off x="4167560" y="1822133"/>
-              <a:ext cx="891651" cy="478493"/>
+              <a:off x="6307261" y="2825246"/>
+              <a:ext cx="2254505" cy="853736"/>
             </a:xfrm>
             <a:prstGeom prst="rect">
               <a:avLst/>
@@ -14335,8 +15570,8 @@
           </p:nvSpPr>
           <p:spPr>
             <a:xfrm>
-              <a:off x="4167560" y="3822959"/>
-              <a:ext cx="891651" cy="469329"/>
+              <a:off x="6307261" y="6080457"/>
+              <a:ext cx="2254505" cy="853736"/>
             </a:xfrm>
             <a:prstGeom prst="rect">
               <a:avLst/>
@@ -14392,8 +15627,8 @@
           </p:nvCxnSpPr>
           <p:spPr>
             <a:xfrm>
-              <a:off x="2711541" y="2996982"/>
-              <a:ext cx="670474" cy="0"/>
+              <a:off x="3467499" y="4720664"/>
+              <a:ext cx="1144728" cy="0"/>
             </a:xfrm>
             <a:prstGeom prst="straightConnector1">
               <a:avLst/>
@@ -14429,8 +15664,8 @@
           </p:nvCxnSpPr>
           <p:spPr>
             <a:xfrm flipV="1">
-              <a:off x="3667251" y="2300626"/>
-              <a:ext cx="780414" cy="511812"/>
+              <a:off x="5439140" y="3695644"/>
+              <a:ext cx="1310365" cy="770993"/>
             </a:xfrm>
             <a:prstGeom prst="straightConnector1">
               <a:avLst/>
@@ -14466,8 +15701,8 @@
           </p:nvCxnSpPr>
           <p:spPr>
             <a:xfrm>
-              <a:off x="3935360" y="3392865"/>
-              <a:ext cx="767062" cy="429347"/>
+              <a:off x="6176470" y="5350848"/>
+              <a:ext cx="1127252" cy="681136"/>
             </a:xfrm>
             <a:prstGeom prst="straightConnector1">
               <a:avLst/>
@@ -14503,8 +15738,8 @@
           </p:nvCxnSpPr>
           <p:spPr>
             <a:xfrm flipH="1">
-              <a:off x="3921586" y="2300626"/>
-              <a:ext cx="780836" cy="511811"/>
+              <a:off x="6176470" y="3695644"/>
+              <a:ext cx="1215166" cy="770988"/>
             </a:xfrm>
             <a:prstGeom prst="straightConnector1">
               <a:avLst/>
@@ -14540,8 +15775,8 @@
           </p:nvCxnSpPr>
           <p:spPr>
             <a:xfrm flipH="1" flipV="1">
-              <a:off x="3667251" y="3392867"/>
-              <a:ext cx="780414" cy="429345"/>
+              <a:off x="5557793" y="5371413"/>
+              <a:ext cx="1191710" cy="681136"/>
             </a:xfrm>
             <a:prstGeom prst="straightConnector1">
               <a:avLst/>
@@ -14577,8 +15812,8 @@
           </p:nvCxnSpPr>
           <p:spPr>
             <a:xfrm flipH="1">
-              <a:off x="2711541" y="3214092"/>
-              <a:ext cx="670475" cy="0"/>
+              <a:off x="3467499" y="5111850"/>
+              <a:ext cx="1144734" cy="0"/>
             </a:xfrm>
             <a:prstGeom prst="straightConnector1">
               <a:avLst/>
@@ -14614,8 +15849,8 @@
           </p:nvSpPr>
           <p:spPr>
             <a:xfrm>
-              <a:off x="3708179" y="2354251"/>
-              <a:ext cx="359963" cy="225848"/>
+              <a:off x="5472178" y="3468375"/>
+              <a:ext cx="658609" cy="555362"/>
             </a:xfrm>
             <a:prstGeom prst="ellipse">
               <a:avLst/>
@@ -14648,7 +15883,7 @@
             <a:p>
               <a:pPr algn="ctr"/>
               <a:r>
-                <a:rPr lang="en-US" sz="2400" dirty="0">
+                <a:rPr lang="en-US" sz="3200" dirty="0">
                   <a:solidFill>
                     <a:srgbClr val="000000"/>
                   </a:solidFill>
@@ -14666,8 +15901,8 @@
           </p:nvSpPr>
           <p:spPr>
             <a:xfrm>
-              <a:off x="4267683" y="2580099"/>
-              <a:ext cx="359963" cy="225848"/>
+              <a:off x="7179823" y="4023738"/>
+              <a:ext cx="654174" cy="555362"/>
             </a:xfrm>
             <a:prstGeom prst="ellipse">
               <a:avLst/>
@@ -14700,14 +15935,14 @@
             <a:p>
               <a:pPr algn="ctr"/>
               <a:r>
-                <a:rPr lang="en-US" sz="2400" dirty="0">
+                <a:rPr lang="en-US" sz="3200" dirty="0">
                   <a:solidFill>
                     <a:srgbClr val="000000"/>
                   </a:solidFill>
                 </a:rPr>
                 <a:t>4</a:t>
               </a:r>
-              <a:endParaRPr lang="en-US" sz="2400" dirty="0">
+              <a:endParaRPr lang="en-US" sz="3200" dirty="0">
                 <a:solidFill>
                   <a:srgbClr val="000000"/>
                 </a:solidFill>
@@ -14723,8 +15958,8 @@
           </p:nvSpPr>
           <p:spPr>
             <a:xfrm>
-              <a:off x="2849810" y="2727222"/>
-              <a:ext cx="359963" cy="225848"/>
+              <a:off x="3597295" y="4000246"/>
+              <a:ext cx="683553" cy="555362"/>
             </a:xfrm>
             <a:prstGeom prst="ellipse">
               <a:avLst/>
@@ -14757,14 +15992,14 @@
             <a:p>
               <a:pPr algn="ctr"/>
               <a:r>
-                <a:rPr lang="en-US" sz="2400" dirty="0">
+                <a:rPr lang="en-US" sz="3200" dirty="0">
                   <a:solidFill>
                     <a:srgbClr val="000000"/>
                   </a:solidFill>
                 </a:rPr>
                 <a:t>1</a:t>
               </a:r>
-              <a:endParaRPr lang="en-US" sz="2400" dirty="0">
+              <a:endParaRPr lang="en-US" sz="3200" dirty="0">
                 <a:solidFill>
                   <a:srgbClr val="000000"/>
                 </a:solidFill>
@@ -14780,8 +16015,8 @@
           </p:nvSpPr>
           <p:spPr>
             <a:xfrm>
-              <a:off x="2849810" y="3250829"/>
-              <a:ext cx="359963" cy="225848"/>
+              <a:off x="3711448" y="5287800"/>
+              <a:ext cx="683553" cy="555362"/>
             </a:xfrm>
             <a:prstGeom prst="ellipse">
               <a:avLst/>
@@ -14814,7 +16049,7 @@
             <a:p>
               <a:pPr algn="ctr"/>
               <a:r>
-                <a:rPr lang="en-US" sz="2400" dirty="0">
+                <a:rPr lang="en-US" sz="3200" dirty="0">
                   <a:solidFill>
                     <a:srgbClr val="000000"/>
                   </a:solidFill>
@@ -14832,8 +16067,8 @@
           </p:nvSpPr>
           <p:spPr>
             <a:xfrm>
-              <a:off x="4267683" y="3376179"/>
-              <a:ext cx="359963" cy="225848"/>
+              <a:off x="7022863" y="5203805"/>
+              <a:ext cx="654174" cy="555362"/>
             </a:xfrm>
             <a:prstGeom prst="ellipse">
               <a:avLst/>
@@ -14866,7 +16101,7 @@
             <a:p>
               <a:pPr algn="ctr"/>
               <a:r>
-                <a:rPr lang="en-US" sz="2400" dirty="0">
+                <a:rPr lang="en-US" sz="3200" dirty="0">
                   <a:solidFill>
                     <a:srgbClr val="000000"/>
                   </a:solidFill>
@@ -14884,8 +16119,8 @@
           </p:nvSpPr>
           <p:spPr>
             <a:xfrm>
-              <a:off x="3708179" y="3596364"/>
-              <a:ext cx="359963" cy="225848"/>
+              <a:off x="5472178" y="5609507"/>
+              <a:ext cx="658609" cy="555362"/>
             </a:xfrm>
             <a:prstGeom prst="ellipse">
               <a:avLst/>
@@ -14918,14 +16153,14 @@
             <a:p>
               <a:pPr algn="ctr"/>
               <a:r>
-                <a:rPr lang="en-US" sz="2400" dirty="0">
+                <a:rPr lang="en-US" sz="3200" dirty="0">
                   <a:solidFill>
                     <a:srgbClr val="000000"/>
                   </a:solidFill>
                 </a:rPr>
                 <a:t>6</a:t>
               </a:r>
-              <a:endParaRPr lang="en-US" sz="2400" dirty="0">
+              <a:endParaRPr lang="en-US" sz="3200" dirty="0">
                 <a:solidFill>
                   <a:srgbClr val="000000"/>
                 </a:solidFill>

--- a/paper/figs/images.pptx
+++ b/paper/figs/images.pptx
@@ -301,7 +301,7 @@
           <a:p>
             <a:fld id="{06D27FD6-7394-0F44-B86B-46BBC2D874F2}" type="datetimeFigureOut">
               <a:rPr lang="en-US" smtClean="0"/>
-              <a:t>12/30/14</a:t>
+              <a:t>1/26/15</a:t>
             </a:fld>
             <a:endParaRPr lang="en-US"/>
           </a:p>
@@ -471,7 +471,7 @@
           <a:p>
             <a:fld id="{06D27FD6-7394-0F44-B86B-46BBC2D874F2}" type="datetimeFigureOut">
               <a:rPr lang="en-US" smtClean="0"/>
-              <a:t>12/30/14</a:t>
+              <a:t>1/26/15</a:t>
             </a:fld>
             <a:endParaRPr lang="en-US"/>
           </a:p>
@@ -651,7 +651,7 @@
           <a:p>
             <a:fld id="{06D27FD6-7394-0F44-B86B-46BBC2D874F2}" type="datetimeFigureOut">
               <a:rPr lang="en-US" smtClean="0"/>
-              <a:t>12/30/14</a:t>
+              <a:t>1/26/15</a:t>
             </a:fld>
             <a:endParaRPr lang="en-US"/>
           </a:p>
@@ -821,7 +821,7 @@
           <a:p>
             <a:fld id="{06D27FD6-7394-0F44-B86B-46BBC2D874F2}" type="datetimeFigureOut">
               <a:rPr lang="en-US" smtClean="0"/>
-              <a:t>12/30/14</a:t>
+              <a:t>1/26/15</a:t>
             </a:fld>
             <a:endParaRPr lang="en-US"/>
           </a:p>
@@ -1067,7 +1067,7 @@
           <a:p>
             <a:fld id="{06D27FD6-7394-0F44-B86B-46BBC2D874F2}" type="datetimeFigureOut">
               <a:rPr lang="en-US" smtClean="0"/>
-              <a:t>12/30/14</a:t>
+              <a:t>1/26/15</a:t>
             </a:fld>
             <a:endParaRPr lang="en-US"/>
           </a:p>
@@ -1355,7 +1355,7 @@
           <a:p>
             <a:fld id="{06D27FD6-7394-0F44-B86B-46BBC2D874F2}" type="datetimeFigureOut">
               <a:rPr lang="en-US" smtClean="0"/>
-              <a:t>12/30/14</a:t>
+              <a:t>1/26/15</a:t>
             </a:fld>
             <a:endParaRPr lang="en-US"/>
           </a:p>
@@ -1777,7 +1777,7 @@
           <a:p>
             <a:fld id="{06D27FD6-7394-0F44-B86B-46BBC2D874F2}" type="datetimeFigureOut">
               <a:rPr lang="en-US" smtClean="0"/>
-              <a:t>12/30/14</a:t>
+              <a:t>1/26/15</a:t>
             </a:fld>
             <a:endParaRPr lang="en-US"/>
           </a:p>
@@ -1895,7 +1895,7 @@
           <a:p>
             <a:fld id="{06D27FD6-7394-0F44-B86B-46BBC2D874F2}" type="datetimeFigureOut">
               <a:rPr lang="en-US" smtClean="0"/>
-              <a:t>12/30/14</a:t>
+              <a:t>1/26/15</a:t>
             </a:fld>
             <a:endParaRPr lang="en-US"/>
           </a:p>
@@ -1990,7 +1990,7 @@
           <a:p>
             <a:fld id="{06D27FD6-7394-0F44-B86B-46BBC2D874F2}" type="datetimeFigureOut">
               <a:rPr lang="en-US" smtClean="0"/>
-              <a:t>12/30/14</a:t>
+              <a:t>1/26/15</a:t>
             </a:fld>
             <a:endParaRPr lang="en-US"/>
           </a:p>
@@ -2267,7 +2267,7 @@
           <a:p>
             <a:fld id="{06D27FD6-7394-0F44-B86B-46BBC2D874F2}" type="datetimeFigureOut">
               <a:rPr lang="en-US" smtClean="0"/>
-              <a:t>12/30/14</a:t>
+              <a:t>1/26/15</a:t>
             </a:fld>
             <a:endParaRPr lang="en-US"/>
           </a:p>
@@ -2520,7 +2520,7 @@
           <a:p>
             <a:fld id="{06D27FD6-7394-0F44-B86B-46BBC2D874F2}" type="datetimeFigureOut">
               <a:rPr lang="en-US" smtClean="0"/>
-              <a:t>12/30/14</a:t>
+              <a:t>1/26/15</a:t>
             </a:fld>
             <a:endParaRPr lang="en-US"/>
           </a:p>
@@ -2733,7 +2733,7 @@
           <a:p>
             <a:fld id="{06D27FD6-7394-0F44-B86B-46BBC2D874F2}" type="datetimeFigureOut">
               <a:rPr lang="en-US" smtClean="0"/>
-              <a:t>12/30/14</a:t>
+              <a:t>1/26/15</a:t>
             </a:fld>
             <a:endParaRPr lang="en-US"/>
           </a:p>
@@ -3372,7 +3372,6 @@
                 <a:rPr lang="en-US" sz="1800" i="1" dirty="0"/>
                 <a:t>Webserver</a:t>
               </a:r>
-              <a:endParaRPr lang="en-US" sz="1800" i="1" dirty="0"/>
             </a:p>
           </p:txBody>
         </p:sp>
@@ -3531,7 +3530,6 @@
                 <a:rPr lang="en-US" sz="1800" i="1" dirty="0"/>
                 <a:t>Server</a:t>
               </a:r>
-              <a:endParaRPr lang="en-US" sz="1800" i="1" dirty="0"/>
             </a:p>
           </p:txBody>
         </p:sp>
@@ -3708,7 +3706,6 @@
                 <a:rPr lang="en-US" sz="1800" i="1" dirty="0"/>
                 <a:t>Webserver</a:t>
               </a:r>
-              <a:endParaRPr lang="en-US" sz="1800" i="1" dirty="0"/>
             </a:p>
           </p:txBody>
         </p:sp>
@@ -3867,7 +3864,6 @@
                 <a:rPr lang="en-US" sz="1800" dirty="0"/>
                 <a:t>Duplicator</a:t>
               </a:r>
-              <a:endParaRPr lang="en-US" sz="1800" dirty="0"/>
             </a:p>
           </p:txBody>
         </p:sp>
@@ -4074,7 +4070,6 @@
                 <a:rPr lang="en-US" sz="1800" dirty="0"/>
                 <a:t>Process</a:t>
               </a:r>
-              <a:endParaRPr lang="en-US" sz="1800" dirty="0"/>
             </a:p>
           </p:txBody>
         </p:sp>
@@ -4195,7 +4190,6 @@
                 <a:rPr lang="en-US" sz="1700" i="1" dirty="0"/>
                 <a:t>Container</a:t>
               </a:r>
-              <a:endParaRPr lang="en-US" sz="1700" i="1" dirty="0"/>
             </a:p>
           </p:txBody>
         </p:sp>
@@ -4233,7 +4227,6 @@
                 <a:rPr lang="en-US" sz="1700" i="1" dirty="0"/>
                 <a:t>Container</a:t>
               </a:r>
-              <a:endParaRPr lang="en-US" sz="1700" i="1" dirty="0"/>
             </a:p>
           </p:txBody>
         </p:sp>
@@ -4315,7 +4308,6 @@
                 <a:rPr lang="en-US" sz="1800" i="1" dirty="0"/>
                 <a:t>Clone Manager</a:t>
               </a:r>
-              <a:endParaRPr lang="en-US" sz="1800" i="1" dirty="0"/>
             </a:p>
           </p:txBody>
         </p:sp>
@@ -4351,11 +4343,6 @@
               </a:rPr>
               <a:t>Request</a:t>
             </a:r>
-            <a:endParaRPr lang="en-US" sz="1800" i="1" dirty="0">
-              <a:solidFill>
-                <a:srgbClr val="FF0000"/>
-              </a:solidFill>
-            </a:endParaRPr>
           </a:p>
         </p:txBody>
       </p:sp>
@@ -4386,7 +4373,6 @@
               <a:rPr lang="en-US" sz="1800" i="1" dirty="0"/>
               <a:t>Request+ Response</a:t>
             </a:r>
-            <a:endParaRPr lang="en-US" sz="1800" i="1" dirty="0"/>
           </a:p>
         </p:txBody>
       </p:sp>
@@ -7028,7 +7014,6 @@
                 <a:rPr lang="en-US" sz="2100" dirty="0"/>
                 <a:t>Bug Symptoms?</a:t>
               </a:r>
-              <a:endParaRPr lang="en-US" sz="2100" dirty="0"/>
             </a:p>
             <a:p>
               <a:pPr marL="516899" indent="-516899">
@@ -7056,7 +7041,6 @@
                 <a:rPr lang="en-US" sz="2100" dirty="0"/>
                 <a:t>Scale?</a:t>
               </a:r>
-              <a:endParaRPr lang="en-US" sz="2100" dirty="0"/>
             </a:p>
           </p:txBody>
         </p:sp>
@@ -7108,7 +7092,6 @@
               <a:rPr lang="en-US" sz="2100" dirty="0"/>
               <a:t>User input available</a:t>
             </a:r>
-            <a:endParaRPr lang="en-US" sz="2100" dirty="0"/>
           </a:p>
         </p:txBody>
       </p:sp>
@@ -7201,13 +7184,8 @@
             </a:r>
             <a:r>
               <a:rPr lang="en-US" sz="2100" dirty="0"/>
-              <a:t> </a:t>
+              <a:t> - Offline Testing</a:t>
             </a:r>
-            <a:r>
-              <a:rPr lang="en-US" sz="2100" dirty="0"/>
-              <a:t>- Offline Testing</a:t>
-            </a:r>
-            <a:endParaRPr lang="en-US" sz="2100" dirty="0"/>
           </a:p>
         </p:txBody>
       </p:sp>
@@ -7246,7 +7224,6 @@
               <a:rPr lang="en-US" sz="2100" dirty="0"/>
               <a:t> - Online Testing</a:t>
             </a:r>
-            <a:endParaRPr lang="en-US" sz="2100" dirty="0"/>
           </a:p>
         </p:txBody>
       </p:sp>
@@ -7312,7 +7289,6 @@
               <a:rPr lang="en-US" sz="1800" dirty="0"/>
               <a:t>View traces/test-cases</a:t>
             </a:r>
-            <a:endParaRPr lang="en-US" sz="1800" dirty="0"/>
           </a:p>
         </p:txBody>
       </p:sp>
@@ -7355,9 +7331,9 @@
         <p:grpSpPr>
           <a:xfrm>
             <a:off x="185499" y="185046"/>
-            <a:ext cx="6254797" cy="4108947"/>
+            <a:ext cx="6764838" cy="4108947"/>
             <a:chOff x="2306969" y="2825246"/>
-            <a:chExt cx="6254797" cy="4108947"/>
+            <a:chExt cx="6764838" cy="4108947"/>
           </a:xfrm>
         </p:grpSpPr>
         <p:sp>
@@ -7375,7 +7351,7 @@
               <a:avLst/>
             </a:prstGeom>
             <a:noFill/>
-            <a:ln w="12700">
+            <a:ln w="25400">
               <a:solidFill>
                 <a:schemeClr val="tx1"/>
               </a:solidFill>
@@ -7402,14 +7378,14 @@
             <a:p>
               <a:pPr algn="ctr"/>
               <a:r>
-                <a:rPr lang="en-US" sz="3600" dirty="0">
+                <a:rPr lang="en-US" sz="4400" dirty="0">
                   <a:solidFill>
                     <a:schemeClr val="tx1"/>
                   </a:solidFill>
                 </a:rPr>
                 <a:t>Client</a:t>
               </a:r>
-              <a:endParaRPr lang="en-US" sz="2100" dirty="0">
+              <a:endParaRPr lang="en-US" sz="2800" dirty="0">
                 <a:solidFill>
                   <a:schemeClr val="tx1"/>
                 </a:solidFill>
@@ -7432,7 +7408,7 @@
               <a:avLst/>
             </a:prstGeom>
             <a:noFill/>
-            <a:ln w="12700">
+            <a:ln w="25400">
               <a:solidFill>
                 <a:schemeClr val="tx1"/>
               </a:solidFill>
@@ -7459,7 +7435,7 @@
             <a:p>
               <a:pPr algn="ctr"/>
               <a:r>
-                <a:rPr lang="en-US" sz="3600" dirty="0">
+                <a:rPr lang="en-US" sz="4400" dirty="0">
                   <a:solidFill>
                     <a:schemeClr val="tx1"/>
                   </a:solidFill>
@@ -7482,14 +7458,14 @@
           </p:nvSpPr>
           <p:spPr>
             <a:xfrm>
-              <a:off x="6307261" y="2825246"/>
-              <a:ext cx="2254505" cy="853736"/>
+              <a:off x="6130787" y="2825246"/>
+              <a:ext cx="2941020" cy="853736"/>
             </a:xfrm>
             <a:prstGeom prst="rect">
               <a:avLst/>
             </a:prstGeom>
             <a:noFill/>
-            <a:ln w="12700">
+            <a:ln w="25400">
               <a:solidFill>
                 <a:schemeClr val="tx1"/>
               </a:solidFill>
@@ -7516,7 +7492,7 @@
             <a:p>
               <a:pPr algn="ctr"/>
               <a:r>
-                <a:rPr lang="en-US" sz="3600" dirty="0">
+                <a:rPr lang="en-US" sz="4400" dirty="0">
                   <a:solidFill>
                     <a:schemeClr val="tx1"/>
                   </a:solidFill>
@@ -7546,7 +7522,7 @@
               <a:avLst/>
             </a:prstGeom>
             <a:noFill/>
-            <a:ln w="12700">
+            <a:ln w="25400">
               <a:solidFill>
                 <a:schemeClr val="tx1"/>
               </a:solidFill>
@@ -7573,7 +7549,7 @@
             <a:p>
               <a:pPr algn="ctr"/>
               <a:r>
-                <a:rPr lang="en-US" sz="3600" dirty="0">
+                <a:rPr lang="en-US" sz="4400" dirty="0">
                   <a:solidFill>
                     <a:schemeClr val="tx1"/>
                   </a:solidFill>
@@ -7602,7 +7578,7 @@
             <a:prstGeom prst="straightConnector1">
               <a:avLst/>
             </a:prstGeom>
-            <a:ln w="12700">
+            <a:ln w="25400">
               <a:solidFill>
                 <a:schemeClr val="tx1"/>
               </a:solidFill>
@@ -7639,7 +7615,7 @@
             <a:prstGeom prst="straightConnector1">
               <a:avLst/>
             </a:prstGeom>
-            <a:ln w="12700">
+            <a:ln w="25400">
               <a:solidFill>
                 <a:schemeClr val="tx1"/>
               </a:solidFill>
@@ -7676,7 +7652,7 @@
             <a:prstGeom prst="straightConnector1">
               <a:avLst/>
             </a:prstGeom>
-            <a:ln w="12700">
+            <a:ln w="25400">
               <a:solidFill>
                 <a:schemeClr val="tx1"/>
               </a:solidFill>
@@ -7713,7 +7689,7 @@
             <a:prstGeom prst="straightConnector1">
               <a:avLst/>
             </a:prstGeom>
-            <a:ln w="12700">
+            <a:ln w="25400">
               <a:solidFill>
                 <a:schemeClr val="tx1"/>
               </a:solidFill>
@@ -7750,7 +7726,7 @@
             <a:prstGeom prst="straightConnector1">
               <a:avLst/>
             </a:prstGeom>
-            <a:ln w="12700">
+            <a:ln w="25400">
               <a:solidFill>
                 <a:schemeClr val="tx1"/>
               </a:solidFill>
@@ -7787,7 +7763,7 @@
             <a:prstGeom prst="straightConnector1">
               <a:avLst/>
             </a:prstGeom>
-            <a:ln w="12700">
+            <a:ln w="25400">
               <a:solidFill>
                 <a:schemeClr val="tx1"/>
               </a:solidFill>
@@ -7818,14 +7794,14 @@
           </p:nvSpPr>
           <p:spPr>
             <a:xfrm>
-              <a:off x="5472178" y="3468375"/>
+              <a:off x="5332608" y="3524195"/>
               <a:ext cx="658609" cy="555362"/>
             </a:xfrm>
             <a:prstGeom prst="ellipse">
               <a:avLst/>
             </a:prstGeom>
             <a:noFill/>
-            <a:ln w="12700">
+            <a:ln w="25400">
               <a:solidFill>
                 <a:schemeClr val="tx1"/>
               </a:solidFill>
@@ -7877,7 +7853,7 @@
               <a:avLst/>
             </a:prstGeom>
             <a:noFill/>
-            <a:ln w="12700">
+            <a:ln w="25400">
               <a:solidFill>
                 <a:schemeClr val="tx1"/>
               </a:solidFill>
@@ -7911,11 +7887,6 @@
                 </a:rPr>
                 <a:t>4</a:t>
               </a:r>
-              <a:endParaRPr lang="en-US" sz="3200" dirty="0">
-                <a:solidFill>
-                  <a:srgbClr val="000000"/>
-                </a:solidFill>
-              </a:endParaRPr>
             </a:p>
           </p:txBody>
         </p:sp>
@@ -7934,7 +7905,7 @@
               <a:avLst/>
             </a:prstGeom>
             <a:noFill/>
-            <a:ln w="12700">
+            <a:ln w="25400">
               <a:solidFill>
                 <a:schemeClr val="tx1"/>
               </a:solidFill>
@@ -7968,11 +7939,6 @@
                 </a:rPr>
                 <a:t>1</a:t>
               </a:r>
-              <a:endParaRPr lang="en-US" sz="3200" dirty="0">
-                <a:solidFill>
-                  <a:srgbClr val="000000"/>
-                </a:solidFill>
-              </a:endParaRPr>
             </a:p>
           </p:txBody>
         </p:sp>
@@ -7991,7 +7957,7 @@
               <a:avLst/>
             </a:prstGeom>
             <a:noFill/>
-            <a:ln w="12700">
+            <a:ln w="25400">
               <a:solidFill>
                 <a:schemeClr val="tx1"/>
               </a:solidFill>
@@ -8043,7 +8009,7 @@
               <a:avLst/>
             </a:prstGeom>
             <a:noFill/>
-            <a:ln w="12700">
+            <a:ln w="25400">
               <a:solidFill>
                 <a:schemeClr val="tx1"/>
               </a:solidFill>
@@ -8095,7 +8061,7 @@
               <a:avLst/>
             </a:prstGeom>
             <a:noFill/>
-            <a:ln w="12700">
+            <a:ln w="25400">
               <a:solidFill>
                 <a:schemeClr val="tx1"/>
               </a:solidFill>
@@ -8129,11 +8095,6 @@
                 </a:rPr>
                 <a:t>6</a:t>
               </a:r>
-              <a:endParaRPr lang="en-US" sz="3200" dirty="0">
-                <a:solidFill>
-                  <a:srgbClr val="000000"/>
-                </a:solidFill>
-              </a:endParaRPr>
             </a:p>
           </p:txBody>
         </p:sp>
@@ -8258,11 +8219,6 @@
                 </a:rPr>
                 <a:t>Mid-Tier </a:t>
               </a:r>
-              <a:endParaRPr lang="en-US" dirty="0" smtClean="0">
-                <a:solidFill>
-                  <a:schemeClr val="tx1"/>
-                </a:solidFill>
-              </a:endParaRPr>
             </a:p>
             <a:p>
               <a:pPr algn="ctr"/>
@@ -8331,11 +8287,6 @@
                 </a:rPr>
                 <a:t>Mid-Tier </a:t>
               </a:r>
-              <a:endParaRPr lang="en-US" dirty="0" smtClean="0">
-                <a:solidFill>
-                  <a:schemeClr val="tx1"/>
-                </a:solidFill>
-              </a:endParaRPr>
             </a:p>
             <a:p>
               <a:pPr algn="ctr"/>
@@ -8841,7 +8792,6 @@
               <a:rPr lang="en-US" sz="2100" dirty="0"/>
               <a:t>Internal</a:t>
             </a:r>
-            <a:endParaRPr lang="en-US" sz="2100" dirty="0"/>
           </a:p>
         </p:txBody>
       </p:sp>
@@ -9074,7 +9024,6 @@
                 <a:rPr lang="en-US" sz="1800" dirty="0"/>
                 <a:t>Duplicator</a:t>
               </a:r>
-              <a:endParaRPr lang="en-US" sz="1800" dirty="0"/>
             </a:p>
           </p:txBody>
         </p:sp>
@@ -10097,21 +10046,8 @@
                     <a:srgbClr val="000000"/>
                   </a:solidFill>
                 </a:rPr>
-                <a:t>i</a:t>
+                <a:t>int-br-eth1</a:t>
               </a:r>
-              <a:r>
-                <a:rPr lang="en-US" sz="2400" dirty="0">
-                  <a:solidFill>
-                    <a:srgbClr val="000000"/>
-                  </a:solidFill>
-                </a:rPr>
-                <a:t>nt-br-eth1</a:t>
-              </a:r>
-              <a:endParaRPr lang="en-US" sz="2400" dirty="0">
-                <a:solidFill>
-                  <a:srgbClr val="000000"/>
-                </a:solidFill>
-              </a:endParaRPr>
             </a:p>
           </p:txBody>
         </p:sp>
@@ -10167,21 +10103,8 @@
                     <a:srgbClr val="000000"/>
                   </a:solidFill>
                 </a:rPr>
-                <a:t>p</a:t>
+                <a:t>phy-br-eth1</a:t>
               </a:r>
-              <a:r>
-                <a:rPr lang="en-US" sz="2100" dirty="0">
-                  <a:solidFill>
-                    <a:srgbClr val="000000"/>
-                  </a:solidFill>
-                </a:rPr>
-                <a:t>hy-br-eth1</a:t>
-              </a:r>
-              <a:endParaRPr lang="en-US" sz="2100" dirty="0">
-                <a:solidFill>
-                  <a:srgbClr val="000000"/>
-                </a:solidFill>
-              </a:endParaRPr>
             </a:p>
           </p:txBody>
         </p:sp>
@@ -10517,11 +10440,6 @@
                   </a:rPr>
                   <a:t>vnet0</a:t>
                 </a:r>
-                <a:endParaRPr lang="en-US" sz="2100" dirty="0">
-                  <a:solidFill>
-                    <a:schemeClr val="tx1"/>
-                  </a:solidFill>
-                </a:endParaRPr>
               </a:p>
             </p:txBody>
           </p:sp>
@@ -10704,11 +10622,6 @@
                 </a:rPr>
                 <a:t>vnet1</a:t>
               </a:r>
-              <a:endParaRPr lang="en-US" sz="2100" dirty="0">
-                <a:solidFill>
-                  <a:schemeClr val="tx1"/>
-                </a:solidFill>
-              </a:endParaRPr>
             </a:p>
           </p:txBody>
         </p:sp>
@@ -10890,11 +10803,6 @@
                 </a:rPr>
                 <a:t>vnet2</a:t>
               </a:r>
-              <a:endParaRPr lang="en-US" sz="2100" dirty="0">
-                <a:solidFill>
-                  <a:schemeClr val="tx1"/>
-                </a:solidFill>
-              </a:endParaRPr>
             </a:p>
           </p:txBody>
         </p:sp>
@@ -10952,11 +10860,6 @@
                 </a:rPr>
                 <a:t>VM 01</a:t>
               </a:r>
-              <a:endParaRPr lang="en-US" sz="2100" dirty="0">
-                <a:solidFill>
-                  <a:schemeClr val="tx1"/>
-                </a:solidFill>
-              </a:endParaRPr>
             </a:p>
           </p:txBody>
         </p:sp>
@@ -11014,11 +10917,6 @@
                 </a:rPr>
                 <a:t>eth0</a:t>
               </a:r>
-              <a:endParaRPr lang="en-US" sz="2100" dirty="0">
-                <a:solidFill>
-                  <a:schemeClr val="tx1"/>
-                </a:solidFill>
-              </a:endParaRPr>
             </a:p>
           </p:txBody>
         </p:sp>
@@ -11076,11 +10974,6 @@
                 </a:rPr>
                 <a:t>VM 02</a:t>
               </a:r>
-              <a:endParaRPr lang="en-US" sz="2100" dirty="0">
-                <a:solidFill>
-                  <a:schemeClr val="tx1"/>
-                </a:solidFill>
-              </a:endParaRPr>
             </a:p>
           </p:txBody>
         </p:sp>
@@ -11138,11 +11031,6 @@
                 </a:rPr>
                 <a:t>eth1</a:t>
               </a:r>
-              <a:endParaRPr lang="en-US" sz="2100" dirty="0">
-                <a:solidFill>
-                  <a:schemeClr val="tx1"/>
-                </a:solidFill>
-              </a:endParaRPr>
             </a:p>
           </p:txBody>
         </p:sp>
@@ -11200,11 +11088,6 @@
                 </a:rPr>
                 <a:t>VM 03</a:t>
               </a:r>
-              <a:endParaRPr lang="en-US" sz="2100" dirty="0">
-                <a:solidFill>
-                  <a:schemeClr val="tx1"/>
-                </a:solidFill>
-              </a:endParaRPr>
             </a:p>
           </p:txBody>
         </p:sp>
@@ -11262,11 +11145,6 @@
                 </a:rPr>
                 <a:t>eth2</a:t>
               </a:r>
-              <a:endParaRPr lang="en-US" sz="2100" dirty="0">
-                <a:solidFill>
-                  <a:schemeClr val="tx1"/>
-                </a:solidFill>
-              </a:endParaRPr>
             </a:p>
           </p:txBody>
         </p:sp>
@@ -11728,7 +11606,6 @@
                 <a:rPr lang="en-US" sz="2100" dirty="0"/>
                 <a:t>VLAN 1</a:t>
               </a:r>
-              <a:endParaRPr lang="en-US" sz="2100" dirty="0"/>
             </a:p>
           </p:txBody>
         </p:sp>
@@ -11758,7 +11635,6 @@
                 <a:rPr lang="en-US" sz="2100" dirty="0"/>
                 <a:t>VLAN 2</a:t>
               </a:r>
-              <a:endParaRPr lang="en-US" sz="2100" dirty="0"/>
             </a:p>
           </p:txBody>
         </p:sp>
@@ -12724,7 +12600,6 @@
                 <a:rPr lang="en-US" sz="2100" b="1" dirty="0"/>
                 <a:t>To/From Duplicator</a:t>
               </a:r>
-              <a:endParaRPr lang="en-US" sz="2100" b="1" dirty="0"/>
             </a:p>
           </p:txBody>
         </p:sp>
@@ -13353,11 +13228,6 @@
                 </a:rPr>
                 <a:t>IP namespace 1</a:t>
               </a:r>
-              <a:endParaRPr lang="en-US" sz="1800" b="1" dirty="0">
-                <a:solidFill>
-                  <a:srgbClr val="000000"/>
-                </a:solidFill>
-              </a:endParaRPr>
             </a:p>
           </p:txBody>
         </p:sp>
@@ -13439,11 +13309,6 @@
                 </a:rPr>
                 <a:t>IP namespace 2</a:t>
               </a:r>
-              <a:endParaRPr lang="en-US" sz="1800" b="1" dirty="0">
-                <a:solidFill>
-                  <a:srgbClr val="000000"/>
-                </a:solidFill>
-              </a:endParaRPr>
             </a:p>
           </p:txBody>
         </p:sp>
@@ -13553,7 +13418,6 @@
                 <a:rPr lang="en-US" sz="2100" b="1" dirty="0"/>
                 <a:t>To/From Duplicator</a:t>
               </a:r>
-              <a:endParaRPr lang="en-US" sz="2100" b="1" dirty="0"/>
             </a:p>
           </p:txBody>
         </p:sp>
@@ -13865,13 +13729,8 @@
             <a:p>
               <a:r>
                 <a:rPr lang="en-US" sz="2400" dirty="0"/>
-                <a:t>2</a:t>
+                <a:t>2: Connection Manager</a:t>
               </a:r>
-              <a:r>
-                <a:rPr lang="en-US" sz="2400" dirty="0"/>
-                <a:t>: Connection Manager</a:t>
-              </a:r>
-              <a:endParaRPr lang="en-US" sz="2400" dirty="0"/>
             </a:p>
           </p:txBody>
         </p:sp>
@@ -14550,7 +14409,6 @@
                 <a:rPr lang="en-US" sz="2400" dirty="0"/>
                 <a:t>5: Buffer Manager</a:t>
               </a:r>
-              <a:endParaRPr lang="en-US" sz="2400" dirty="0"/>
             </a:p>
           </p:txBody>
         </p:sp>
@@ -15554,11 +15412,6 @@
                 </a:rPr>
                 <a:t>Production</a:t>
               </a:r>
-              <a:endParaRPr lang="en-US" sz="3600" dirty="0">
-                <a:solidFill>
-                  <a:schemeClr val="tx1"/>
-                </a:solidFill>
-              </a:endParaRPr>
             </a:p>
           </p:txBody>
         </p:sp>
@@ -15942,11 +15795,6 @@
                 </a:rPr>
                 <a:t>4</a:t>
               </a:r>
-              <a:endParaRPr lang="en-US" sz="3200" dirty="0">
-                <a:solidFill>
-                  <a:srgbClr val="000000"/>
-                </a:solidFill>
-              </a:endParaRPr>
             </a:p>
           </p:txBody>
         </p:sp>
@@ -15999,11 +15847,6 @@
                 </a:rPr>
                 <a:t>1</a:t>
               </a:r>
-              <a:endParaRPr lang="en-US" sz="3200" dirty="0">
-                <a:solidFill>
-                  <a:srgbClr val="000000"/>
-                </a:solidFill>
-              </a:endParaRPr>
             </a:p>
           </p:txBody>
         </p:sp>
@@ -16160,11 +16003,6 @@
                 </a:rPr>
                 <a:t>6</a:t>
               </a:r>
-              <a:endParaRPr lang="en-US" sz="3200" dirty="0">
-                <a:solidFill>
-                  <a:srgbClr val="000000"/>
-                </a:solidFill>
-              </a:endParaRPr>
             </a:p>
           </p:txBody>
         </p:sp>
@@ -16201,28 +16039,639 @@
       </p:grpSpPr>
       <p:grpSp>
         <p:nvGrpSpPr>
-          <p:cNvPr id="4" name="Group 3"/>
+          <p:cNvPr id="2" name="Group 1"/>
           <p:cNvGrpSpPr/>
           <p:nvPr/>
         </p:nvGrpSpPr>
         <p:grpSpPr>
           <a:xfrm>
-            <a:off x="857871" y="1574871"/>
-            <a:ext cx="5587052" cy="6570883"/>
-            <a:chOff x="2726601" y="1744437"/>
-            <a:chExt cx="1927202" cy="2672156"/>
+            <a:off x="1144441" y="1908230"/>
+            <a:ext cx="7634197" cy="5504731"/>
+            <a:chOff x="1270050" y="2116811"/>
+            <a:chExt cx="7634197" cy="5504731"/>
           </a:xfrm>
         </p:grpSpPr>
+        <p:grpSp>
+          <p:nvGrpSpPr>
+            <p:cNvPr id="4" name="Group 3"/>
+            <p:cNvGrpSpPr/>
+            <p:nvPr/>
+          </p:nvGrpSpPr>
+          <p:grpSpPr>
+            <a:xfrm>
+              <a:off x="1270050" y="2116811"/>
+              <a:ext cx="5174874" cy="5504731"/>
+              <a:chOff x="2868778" y="1964825"/>
+              <a:chExt cx="1785025" cy="2238589"/>
+            </a:xfrm>
+          </p:grpSpPr>
+          <p:sp>
+            <p:nvSpPr>
+              <p:cNvPr id="6" name="Rectangle 5"/>
+              <p:cNvSpPr/>
+              <p:nvPr/>
+            </p:nvSpPr>
+            <p:spPr>
+              <a:xfrm>
+                <a:off x="3382016" y="2818931"/>
+                <a:ext cx="962757" cy="553633"/>
+              </a:xfrm>
+              <a:prstGeom prst="rect">
+                <a:avLst/>
+              </a:prstGeom>
+              <a:noFill/>
+              <a:ln w="25400">
+                <a:solidFill>
+                  <a:schemeClr val="tx1"/>
+                </a:solidFill>
+              </a:ln>
+              <a:effectLst/>
+            </p:spPr>
+            <p:style>
+              <a:lnRef idx="1">
+                <a:schemeClr val="accent1"/>
+              </a:lnRef>
+              <a:fillRef idx="3">
+                <a:schemeClr val="accent1"/>
+              </a:fillRef>
+              <a:effectRef idx="2">
+                <a:schemeClr val="accent1"/>
+              </a:effectRef>
+              <a:fontRef idx="minor">
+                <a:schemeClr val="lt1"/>
+              </a:fontRef>
+            </p:style>
+            <p:txBody>
+              <a:bodyPr rtlCol="0" anchor="ctr"/>
+              <a:lstStyle/>
+              <a:p>
+                <a:pPr algn="ctr"/>
+                <a:r>
+                  <a:rPr lang="en-US" sz="3200" dirty="0" smtClean="0">
+                    <a:solidFill>
+                      <a:schemeClr val="tx1"/>
+                    </a:solidFill>
+                  </a:rPr>
+                  <a:t>Proxy</a:t>
+                </a:r>
+              </a:p>
+              <a:p>
+                <a:pPr algn="ctr"/>
+                <a:r>
+                  <a:rPr lang="en-US" sz="3200" dirty="0" err="1" smtClean="0">
+                    <a:solidFill>
+                      <a:schemeClr val="tx1"/>
+                    </a:solidFill>
+                  </a:rPr>
+                  <a:t>Aggergator</a:t>
+                </a:r>
+                <a:endParaRPr lang="en-US" sz="3200" dirty="0">
+                  <a:solidFill>
+                    <a:schemeClr val="tx1"/>
+                  </a:solidFill>
+                </a:endParaRPr>
+              </a:p>
+            </p:txBody>
+          </p:sp>
+          <p:sp>
+            <p:nvSpPr>
+              <p:cNvPr id="7" name="Rectangle 6"/>
+              <p:cNvSpPr/>
+              <p:nvPr/>
+            </p:nvSpPr>
+            <p:spPr>
+              <a:xfrm>
+                <a:off x="2868778" y="1964825"/>
+                <a:ext cx="876178" cy="478493"/>
+              </a:xfrm>
+              <a:prstGeom prst="rect">
+                <a:avLst/>
+              </a:prstGeom>
+              <a:noFill/>
+              <a:ln w="25400">
+                <a:solidFill>
+                  <a:schemeClr val="tx1"/>
+                </a:solidFill>
+              </a:ln>
+              <a:effectLst/>
+            </p:spPr>
+            <p:style>
+              <a:lnRef idx="1">
+                <a:schemeClr val="accent1"/>
+              </a:lnRef>
+              <a:fillRef idx="3">
+                <a:schemeClr val="accent1"/>
+              </a:fillRef>
+              <a:effectRef idx="2">
+                <a:schemeClr val="accent1"/>
+              </a:effectRef>
+              <a:fontRef idx="minor">
+                <a:schemeClr val="lt1"/>
+              </a:fontRef>
+            </p:style>
+            <p:txBody>
+              <a:bodyPr rtlCol="0" anchor="ctr"/>
+              <a:lstStyle/>
+              <a:p>
+                <a:pPr algn="ctr"/>
+                <a:r>
+                  <a:rPr lang="en-US" sz="3200" dirty="0" smtClean="0">
+                    <a:solidFill>
+                      <a:schemeClr val="tx1"/>
+                    </a:solidFill>
+                  </a:rPr>
+                  <a:t>Mid-Tier </a:t>
+                </a:r>
+                <a:endParaRPr lang="en-US" sz="3200" dirty="0" smtClean="0">
+                  <a:solidFill>
+                    <a:schemeClr val="tx1"/>
+                  </a:solidFill>
+                </a:endParaRPr>
+              </a:p>
+              <a:p>
+                <a:pPr algn="ctr"/>
+                <a:r>
+                  <a:rPr lang="en-US" sz="3200" dirty="0" smtClean="0">
+                    <a:solidFill>
+                      <a:schemeClr val="tx1"/>
+                    </a:solidFill>
+                  </a:rPr>
+                  <a:t>Production</a:t>
+                </a:r>
+                <a:endParaRPr lang="en-US" sz="3200" dirty="0">
+                  <a:solidFill>
+                    <a:schemeClr val="tx1"/>
+                  </a:solidFill>
+                </a:endParaRPr>
+              </a:p>
+            </p:txBody>
+          </p:sp>
+          <p:sp>
+            <p:nvSpPr>
+              <p:cNvPr id="8" name="Rectangle 7"/>
+              <p:cNvSpPr/>
+              <p:nvPr/>
+            </p:nvSpPr>
+            <p:spPr>
+              <a:xfrm>
+                <a:off x="2868778" y="3734085"/>
+                <a:ext cx="876178" cy="469329"/>
+              </a:xfrm>
+              <a:prstGeom prst="rect">
+                <a:avLst/>
+              </a:prstGeom>
+              <a:noFill/>
+              <a:ln w="25400">
+                <a:solidFill>
+                  <a:schemeClr val="tx1"/>
+                </a:solidFill>
+              </a:ln>
+              <a:effectLst/>
+            </p:spPr>
+            <p:style>
+              <a:lnRef idx="1">
+                <a:schemeClr val="accent1"/>
+              </a:lnRef>
+              <a:fillRef idx="3">
+                <a:schemeClr val="accent1"/>
+              </a:fillRef>
+              <a:effectRef idx="2">
+                <a:schemeClr val="accent1"/>
+              </a:effectRef>
+              <a:fontRef idx="minor">
+                <a:schemeClr val="lt1"/>
+              </a:fontRef>
+            </p:style>
+            <p:txBody>
+              <a:bodyPr rtlCol="0" anchor="ctr"/>
+              <a:lstStyle/>
+              <a:p>
+                <a:pPr algn="ctr"/>
+                <a:r>
+                  <a:rPr lang="en-US" sz="3200" dirty="0" smtClean="0">
+                    <a:solidFill>
+                      <a:schemeClr val="tx1"/>
+                    </a:solidFill>
+                  </a:rPr>
+                  <a:t>Mid-Tier </a:t>
+                </a:r>
+                <a:endParaRPr lang="en-US" sz="3200" dirty="0" smtClean="0">
+                  <a:solidFill>
+                    <a:schemeClr val="tx1"/>
+                  </a:solidFill>
+                </a:endParaRPr>
+              </a:p>
+              <a:p>
+                <a:pPr algn="ctr"/>
+                <a:r>
+                  <a:rPr lang="en-US" sz="3200" dirty="0" smtClean="0">
+                    <a:solidFill>
+                      <a:schemeClr val="tx1"/>
+                    </a:solidFill>
+                  </a:rPr>
+                  <a:t>Clone</a:t>
+                </a:r>
+                <a:endParaRPr lang="en-US" dirty="0">
+                  <a:solidFill>
+                    <a:schemeClr val="tx1"/>
+                  </a:solidFill>
+                </a:endParaRPr>
+              </a:p>
+            </p:txBody>
+          </p:sp>
+          <p:cxnSp>
+            <p:nvCxnSpPr>
+              <p:cNvPr id="10" name="Straight Arrow Connector 9"/>
+              <p:cNvCxnSpPr/>
+              <p:nvPr/>
+            </p:nvCxnSpPr>
+            <p:spPr>
+              <a:xfrm flipH="1" flipV="1">
+                <a:off x="3162440" y="2443318"/>
+                <a:ext cx="557767" cy="369121"/>
+              </a:xfrm>
+              <a:prstGeom prst="straightConnector1">
+                <a:avLst/>
+              </a:prstGeom>
+              <a:ln>
+                <a:solidFill>
+                  <a:schemeClr val="tx1"/>
+                </a:solidFill>
+                <a:tailEnd type="arrow"/>
+              </a:ln>
+              <a:effectLst/>
+            </p:spPr>
+            <p:style>
+              <a:lnRef idx="2">
+                <a:schemeClr val="accent1"/>
+              </a:lnRef>
+              <a:fillRef idx="0">
+                <a:schemeClr val="accent1"/>
+              </a:fillRef>
+              <a:effectRef idx="1">
+                <a:schemeClr val="accent1"/>
+              </a:effectRef>
+              <a:fontRef idx="minor">
+                <a:schemeClr val="tx1"/>
+              </a:fontRef>
+            </p:style>
+          </p:cxnSp>
+          <p:cxnSp>
+            <p:nvCxnSpPr>
+              <p:cNvPr id="11" name="Straight Arrow Connector 10"/>
+              <p:cNvCxnSpPr/>
+              <p:nvPr/>
+            </p:nvCxnSpPr>
+            <p:spPr>
+              <a:xfrm flipH="1">
+                <a:off x="3382016" y="3372564"/>
+                <a:ext cx="578083" cy="354162"/>
+              </a:xfrm>
+              <a:prstGeom prst="straightConnector1">
+                <a:avLst/>
+              </a:prstGeom>
+              <a:ln>
+                <a:solidFill>
+                  <a:schemeClr val="tx1"/>
+                </a:solidFill>
+                <a:tailEnd type="arrow"/>
+              </a:ln>
+              <a:effectLst/>
+            </p:spPr>
+            <p:style>
+              <a:lnRef idx="2">
+                <a:schemeClr val="accent1"/>
+              </a:lnRef>
+              <a:fillRef idx="0">
+                <a:schemeClr val="accent1"/>
+              </a:fillRef>
+              <a:effectRef idx="1">
+                <a:schemeClr val="accent1"/>
+              </a:effectRef>
+              <a:fontRef idx="minor">
+                <a:schemeClr val="tx1"/>
+              </a:fontRef>
+            </p:style>
+          </p:cxnSp>
+          <p:cxnSp>
+            <p:nvCxnSpPr>
+              <p:cNvPr id="12" name="Straight Arrow Connector 11"/>
+              <p:cNvCxnSpPr/>
+              <p:nvPr/>
+            </p:nvCxnSpPr>
+            <p:spPr>
+              <a:xfrm>
+                <a:off x="3382016" y="2443318"/>
+                <a:ext cx="578083" cy="369119"/>
+              </a:xfrm>
+              <a:prstGeom prst="straightConnector1">
+                <a:avLst/>
+              </a:prstGeom>
+              <a:ln>
+                <a:solidFill>
+                  <a:schemeClr val="tx1"/>
+                </a:solidFill>
+                <a:tailEnd type="arrow"/>
+              </a:ln>
+              <a:effectLst/>
+            </p:spPr>
+            <p:style>
+              <a:lnRef idx="2">
+                <a:schemeClr val="accent1"/>
+              </a:lnRef>
+              <a:fillRef idx="0">
+                <a:schemeClr val="accent1"/>
+              </a:fillRef>
+              <a:effectRef idx="1">
+                <a:schemeClr val="accent1"/>
+              </a:effectRef>
+              <a:fontRef idx="minor">
+                <a:schemeClr val="tx1"/>
+              </a:fontRef>
+            </p:style>
+          </p:cxnSp>
+          <p:cxnSp>
+            <p:nvCxnSpPr>
+              <p:cNvPr id="13" name="Straight Arrow Connector 12"/>
+              <p:cNvCxnSpPr/>
+              <p:nvPr/>
+            </p:nvCxnSpPr>
+            <p:spPr>
+              <a:xfrm flipV="1">
+                <a:off x="3162440" y="3392867"/>
+                <a:ext cx="548137" cy="333859"/>
+              </a:xfrm>
+              <a:prstGeom prst="straightConnector1">
+                <a:avLst/>
+              </a:prstGeom>
+              <a:ln>
+                <a:solidFill>
+                  <a:schemeClr val="tx1"/>
+                </a:solidFill>
+                <a:tailEnd type="arrow"/>
+              </a:ln>
+              <a:effectLst/>
+            </p:spPr>
+            <p:style>
+              <a:lnRef idx="2">
+                <a:schemeClr val="accent1"/>
+              </a:lnRef>
+              <a:fillRef idx="0">
+                <a:schemeClr val="accent1"/>
+              </a:fillRef>
+              <a:effectRef idx="1">
+                <a:schemeClr val="accent1"/>
+              </a:effectRef>
+              <a:fontRef idx="minor">
+                <a:schemeClr val="tx1"/>
+              </a:fontRef>
+            </p:style>
+          </p:cxnSp>
+          <p:sp>
+            <p:nvSpPr>
+              <p:cNvPr id="15" name="Oval 14"/>
+              <p:cNvSpPr/>
+              <p:nvPr/>
+            </p:nvSpPr>
+            <p:spPr>
+              <a:xfrm>
+                <a:off x="3763294" y="2473665"/>
+                <a:ext cx="210947" cy="225848"/>
+              </a:xfrm>
+              <a:prstGeom prst="ellipse">
+                <a:avLst/>
+              </a:prstGeom>
+              <a:noFill/>
+              <a:ln w="12700">
+                <a:solidFill>
+                  <a:schemeClr val="tx1"/>
+                </a:solidFill>
+              </a:ln>
+              <a:effectLst/>
+            </p:spPr>
+            <p:style>
+              <a:lnRef idx="1">
+                <a:schemeClr val="accent1"/>
+              </a:lnRef>
+              <a:fillRef idx="3">
+                <a:schemeClr val="accent1"/>
+              </a:fillRef>
+              <a:effectRef idx="2">
+                <a:schemeClr val="accent1"/>
+              </a:effectRef>
+              <a:fontRef idx="minor">
+                <a:schemeClr val="lt1"/>
+              </a:fontRef>
+            </p:style>
+            <p:txBody>
+              <a:bodyPr rtlCol="0" anchor="ctr"/>
+              <a:lstStyle/>
+              <a:p>
+                <a:pPr algn="ctr"/>
+                <a:r>
+                  <a:rPr lang="en-US" sz="2800" dirty="0">
+                    <a:solidFill>
+                      <a:srgbClr val="000000"/>
+                    </a:solidFill>
+                  </a:rPr>
+                  <a:t>1</a:t>
+                </a:r>
+              </a:p>
+            </p:txBody>
+          </p:sp>
+          <p:sp>
+            <p:nvSpPr>
+              <p:cNvPr id="16" name="Oval 15"/>
+              <p:cNvSpPr/>
+              <p:nvPr/>
+            </p:nvSpPr>
+            <p:spPr>
+              <a:xfrm>
+                <a:off x="3087372" y="2586589"/>
+                <a:ext cx="223094" cy="225848"/>
+              </a:xfrm>
+              <a:prstGeom prst="ellipse">
+                <a:avLst/>
+              </a:prstGeom>
+              <a:noFill/>
+              <a:ln w="12700">
+                <a:solidFill>
+                  <a:schemeClr val="tx1"/>
+                </a:solidFill>
+              </a:ln>
+              <a:effectLst/>
+            </p:spPr>
+            <p:style>
+              <a:lnRef idx="1">
+                <a:schemeClr val="accent1"/>
+              </a:lnRef>
+              <a:fillRef idx="3">
+                <a:schemeClr val="accent1"/>
+              </a:fillRef>
+              <a:effectRef idx="2">
+                <a:schemeClr val="accent1"/>
+              </a:effectRef>
+              <a:fontRef idx="minor">
+                <a:schemeClr val="lt1"/>
+              </a:fontRef>
+            </p:style>
+            <p:txBody>
+              <a:bodyPr rtlCol="0" anchor="ctr"/>
+              <a:lstStyle/>
+              <a:p>
+                <a:pPr algn="ctr"/>
+                <a:r>
+                  <a:rPr lang="en-US" sz="2800" dirty="0">
+                    <a:solidFill>
+                      <a:srgbClr val="000000"/>
+                    </a:solidFill>
+                  </a:rPr>
+                  <a:t>2</a:t>
+                </a:r>
+              </a:p>
+            </p:txBody>
+          </p:sp>
+          <p:sp>
+            <p:nvSpPr>
+              <p:cNvPr id="19" name="Oval 18"/>
+              <p:cNvSpPr/>
+              <p:nvPr/>
+            </p:nvSpPr>
+            <p:spPr>
+              <a:xfrm>
+                <a:off x="3087372" y="3359589"/>
+                <a:ext cx="189787" cy="225848"/>
+              </a:xfrm>
+              <a:prstGeom prst="ellipse">
+                <a:avLst/>
+              </a:prstGeom>
+              <a:noFill/>
+              <a:ln w="12700">
+                <a:solidFill>
+                  <a:schemeClr val="tx1"/>
+                </a:solidFill>
+              </a:ln>
+              <a:effectLst/>
+            </p:spPr>
+            <p:style>
+              <a:lnRef idx="1">
+                <a:schemeClr val="accent1"/>
+              </a:lnRef>
+              <a:fillRef idx="3">
+                <a:schemeClr val="accent1"/>
+              </a:fillRef>
+              <a:effectRef idx="2">
+                <a:schemeClr val="accent1"/>
+              </a:effectRef>
+              <a:fontRef idx="minor">
+                <a:schemeClr val="lt1"/>
+              </a:fontRef>
+            </p:style>
+            <p:txBody>
+              <a:bodyPr rtlCol="0" anchor="ctr"/>
+              <a:lstStyle/>
+              <a:p>
+                <a:pPr algn="ctr"/>
+                <a:r>
+                  <a:rPr lang="en-US" sz="2800" dirty="0">
+                    <a:solidFill>
+                      <a:srgbClr val="000000"/>
+                    </a:solidFill>
+                  </a:rPr>
+                  <a:t>5</a:t>
+                </a:r>
+              </a:p>
+            </p:txBody>
+          </p:sp>
+          <p:sp>
+            <p:nvSpPr>
+              <p:cNvPr id="20" name="TextBox 19"/>
+              <p:cNvSpPr txBox="1"/>
+              <p:nvPr/>
+            </p:nvSpPr>
+            <p:spPr>
+              <a:xfrm>
+                <a:off x="4590104" y="3520208"/>
+                <a:ext cx="63699" cy="206518"/>
+              </a:xfrm>
+              <a:prstGeom prst="rect">
+                <a:avLst/>
+              </a:prstGeom>
+              <a:noFill/>
+            </p:spPr>
+            <p:txBody>
+              <a:bodyPr wrap="none" rtlCol="0">
+                <a:spAutoFit/>
+              </a:bodyPr>
+              <a:lstStyle/>
+              <a:p>
+                <a:endParaRPr lang="en-US" dirty="0"/>
+              </a:p>
+            </p:txBody>
+          </p:sp>
+          <p:sp>
+            <p:nvSpPr>
+              <p:cNvPr id="21" name="Oval 20"/>
+              <p:cNvSpPr/>
+              <p:nvPr/>
+            </p:nvSpPr>
+            <p:spPr>
+              <a:xfrm>
+                <a:off x="3782550" y="3469088"/>
+                <a:ext cx="217003" cy="225848"/>
+              </a:xfrm>
+              <a:prstGeom prst="ellipse">
+                <a:avLst/>
+              </a:prstGeom>
+              <a:noFill/>
+              <a:ln w="12700">
+                <a:solidFill>
+                  <a:schemeClr val="tx1"/>
+                </a:solidFill>
+              </a:ln>
+              <a:effectLst/>
+            </p:spPr>
+            <p:style>
+              <a:lnRef idx="1">
+                <a:schemeClr val="accent1"/>
+              </a:lnRef>
+              <a:fillRef idx="3">
+                <a:schemeClr val="accent1"/>
+              </a:fillRef>
+              <a:effectRef idx="2">
+                <a:schemeClr val="accent1"/>
+              </a:effectRef>
+              <a:fontRef idx="minor">
+                <a:schemeClr val="lt1"/>
+              </a:fontRef>
+            </p:style>
+            <p:txBody>
+              <a:bodyPr rtlCol="0" anchor="ctr"/>
+              <a:lstStyle/>
+              <a:p>
+                <a:pPr algn="ctr"/>
+                <a:r>
+                  <a:rPr lang="en-US" sz="2800" dirty="0">
+                    <a:solidFill>
+                      <a:srgbClr val="000000"/>
+                    </a:solidFill>
+                  </a:rPr>
+                  <a:t>6</a:t>
+                </a:r>
+              </a:p>
+            </p:txBody>
+          </p:sp>
+        </p:grpSp>
         <p:sp>
           <p:nvSpPr>
-            <p:cNvPr id="6" name="Rectangle 5"/>
+            <p:cNvPr id="27" name="Rectangle 26"/>
             <p:cNvSpPr/>
             <p:nvPr/>
           </p:nvSpPr>
           <p:spPr>
             <a:xfrm>
-              <a:off x="3382016" y="2818931"/>
-              <a:ext cx="962757" cy="553633"/>
+              <a:off x="6795610" y="4201105"/>
+              <a:ext cx="2108637" cy="1361393"/>
             </a:xfrm>
             <a:prstGeom prst="rect">
               <a:avLst/>
@@ -16250,144 +16699,38 @@
             </a:fontRef>
           </p:style>
           <p:txBody>
-            <a:bodyPr rtlCol="0" anchor="ctr"/>
+            <a:bodyPr lIns="137840" tIns="68918" rIns="137840" bIns="68918" rtlCol="0" anchor="ctr"/>
             <a:lstStyle/>
             <a:p>
               <a:pPr algn="ctr"/>
               <a:r>
-                <a:rPr lang="en-US" dirty="0" smtClean="0">
+                <a:rPr lang="en-US" sz="3200" dirty="0" smtClean="0">
                   <a:solidFill>
                     <a:schemeClr val="tx1"/>
                   </a:solidFill>
                 </a:rPr>
-                <a:t>Proxy</a:t>
+                <a:t>Backend</a:t>
+              </a:r>
+              <a:r>
+                <a:rPr lang="en-US" sz="3200" dirty="0" smtClean="0">
+                  <a:solidFill>
+                    <a:schemeClr val="tx1"/>
+                  </a:solidFill>
+                </a:rPr>
+                <a:t>-</a:t>
               </a:r>
             </a:p>
             <a:p>
               <a:pPr algn="ctr"/>
               <a:r>
-                <a:rPr lang="en-US" dirty="0" err="1" smtClean="0">
+                <a:rPr lang="en-US" sz="3200" dirty="0" smtClean="0">
                   <a:solidFill>
                     <a:schemeClr val="tx1"/>
                   </a:solidFill>
                 </a:rPr>
-                <a:t>Aggergator</a:t>
+                <a:t>Server</a:t>
               </a:r>
-              <a:endParaRPr lang="en-US" dirty="0">
-                <a:solidFill>
-                  <a:schemeClr val="tx1"/>
-                </a:solidFill>
-              </a:endParaRPr>
-            </a:p>
-          </p:txBody>
-        </p:sp>
-        <p:sp>
-          <p:nvSpPr>
-            <p:cNvPr id="7" name="Rectangle 6"/>
-            <p:cNvSpPr/>
-            <p:nvPr/>
-          </p:nvSpPr>
-          <p:spPr>
-            <a:xfrm>
-              <a:off x="2726601" y="1744437"/>
-              <a:ext cx="1242493" cy="478493"/>
-            </a:xfrm>
-            <a:prstGeom prst="rect">
-              <a:avLst/>
-            </a:prstGeom>
-            <a:noFill/>
-            <a:ln w="25400">
-              <a:solidFill>
-                <a:schemeClr val="tx1"/>
-              </a:solidFill>
-            </a:ln>
-            <a:effectLst/>
-          </p:spPr>
-          <p:style>
-            <a:lnRef idx="1">
-              <a:schemeClr val="accent1"/>
-            </a:lnRef>
-            <a:fillRef idx="3">
-              <a:schemeClr val="accent1"/>
-            </a:fillRef>
-            <a:effectRef idx="2">
-              <a:schemeClr val="accent1"/>
-            </a:effectRef>
-            <a:fontRef idx="minor">
-              <a:schemeClr val="lt1"/>
-            </a:fontRef>
-          </p:style>
-          <p:txBody>
-            <a:bodyPr rtlCol="0" anchor="ctr"/>
-            <a:lstStyle/>
-            <a:p>
-              <a:pPr algn="ctr"/>
-              <a:r>
-                <a:rPr lang="en-US" dirty="0" smtClean="0">
-                  <a:solidFill>
-                    <a:schemeClr val="tx1"/>
-                  </a:solidFill>
-                </a:rPr>
-                <a:t>Mid-Tier Production</a:t>
-              </a:r>
-              <a:endParaRPr lang="en-US" dirty="0">
-                <a:solidFill>
-                  <a:schemeClr val="tx1"/>
-                </a:solidFill>
-              </a:endParaRPr>
-            </a:p>
-          </p:txBody>
-        </p:sp>
-        <p:sp>
-          <p:nvSpPr>
-            <p:cNvPr id="8" name="Rectangle 7"/>
-            <p:cNvSpPr/>
-            <p:nvPr/>
-          </p:nvSpPr>
-          <p:spPr>
-            <a:xfrm>
-              <a:off x="2736336" y="3947264"/>
-              <a:ext cx="1242493" cy="469329"/>
-            </a:xfrm>
-            <a:prstGeom prst="rect">
-              <a:avLst/>
-            </a:prstGeom>
-            <a:noFill/>
-            <a:ln w="25400">
-              <a:solidFill>
-                <a:schemeClr val="tx1"/>
-              </a:solidFill>
-            </a:ln>
-            <a:effectLst/>
-          </p:spPr>
-          <p:style>
-            <a:lnRef idx="1">
-              <a:schemeClr val="accent1"/>
-            </a:lnRef>
-            <a:fillRef idx="3">
-              <a:schemeClr val="accent1"/>
-            </a:fillRef>
-            <a:effectRef idx="2">
-              <a:schemeClr val="accent1"/>
-            </a:effectRef>
-            <a:fontRef idx="minor">
-              <a:schemeClr val="lt1"/>
-            </a:fontRef>
-          </p:style>
-          <p:txBody>
-            <a:bodyPr rtlCol="0" anchor="ctr"/>
-            <a:lstStyle/>
-            <a:p>
-              <a:pPr algn="ctr"/>
-              <a:r>
-                <a:rPr lang="en-US" dirty="0" smtClean="0">
-                  <a:solidFill>
-                    <a:schemeClr val="tx1"/>
-                  </a:solidFill>
-                </a:rPr>
-                <a:t>Mid-Tier Clone</a:t>
-              </a:r>
-              <a:endParaRPr lang="en-US" dirty="0">
+              <a:endParaRPr lang="en-US" sz="3200" dirty="0">
                 <a:solidFill>
                   <a:schemeClr val="tx1"/>
                 </a:solidFill>
@@ -16397,14 +16740,14 @@
         </p:sp>
         <p:cxnSp>
           <p:nvCxnSpPr>
-            <p:cNvPr id="10" name="Straight Arrow Connector 9"/>
+            <p:cNvPr id="28" name="Straight Arrow Connector 27"/>
             <p:cNvCxnSpPr/>
             <p:nvPr/>
           </p:nvCxnSpPr>
           <p:spPr>
-            <a:xfrm flipH="1" flipV="1">
-              <a:off x="3147782" y="2222930"/>
-              <a:ext cx="519470" cy="589509"/>
+            <a:xfrm>
+              <a:off x="5549035" y="4660596"/>
+              <a:ext cx="1246581" cy="0"/>
             </a:xfrm>
             <a:prstGeom prst="straightConnector1">
               <a:avLst/>
@@ -16434,90 +16777,14 @@
         </p:cxnSp>
         <p:cxnSp>
           <p:nvCxnSpPr>
-            <p:cNvPr id="11" name="Straight Arrow Connector 10"/>
-            <p:cNvCxnSpPr>
-              <a:endCxn id="8" idx="0"/>
-            </p:cNvCxnSpPr>
+            <p:cNvPr id="31" name="Straight Arrow Connector 30"/>
+            <p:cNvCxnSpPr/>
             <p:nvPr/>
           </p:nvCxnSpPr>
           <p:spPr>
             <a:xfrm flipH="1">
-              <a:off x="3357583" y="3392865"/>
-              <a:ext cx="577777" cy="554399"/>
-            </a:xfrm>
-            <a:prstGeom prst="straightConnector1">
-              <a:avLst/>
-            </a:prstGeom>
-            <a:ln>
-              <a:solidFill>
-                <a:schemeClr val="tx1"/>
-              </a:solidFill>
-              <a:tailEnd type="arrow"/>
-            </a:ln>
-            <a:effectLst/>
-          </p:spPr>
-          <p:style>
-            <a:lnRef idx="2">
-              <a:schemeClr val="accent1"/>
-            </a:lnRef>
-            <a:fillRef idx="0">
-              <a:schemeClr val="accent1"/>
-            </a:fillRef>
-            <a:effectRef idx="1">
-              <a:schemeClr val="accent1"/>
-            </a:effectRef>
-            <a:fontRef idx="minor">
-              <a:schemeClr val="tx1"/>
-            </a:fontRef>
-          </p:style>
-        </p:cxnSp>
-        <p:cxnSp>
-          <p:nvCxnSpPr>
-            <p:cNvPr id="12" name="Straight Arrow Connector 11"/>
-            <p:cNvCxnSpPr/>
-            <p:nvPr/>
-          </p:nvCxnSpPr>
-          <p:spPr>
-            <a:xfrm>
-              <a:off x="3382016" y="2233786"/>
-              <a:ext cx="539570" cy="578651"/>
-            </a:xfrm>
-            <a:prstGeom prst="straightConnector1">
-              <a:avLst/>
-            </a:prstGeom>
-            <a:ln>
-              <a:solidFill>
-                <a:schemeClr val="tx1"/>
-              </a:solidFill>
-              <a:tailEnd type="arrow"/>
-            </a:ln>
-            <a:effectLst/>
-          </p:spPr>
-          <p:style>
-            <a:lnRef idx="2">
-              <a:schemeClr val="accent1"/>
-            </a:lnRef>
-            <a:fillRef idx="0">
-              <a:schemeClr val="accent1"/>
-            </a:fillRef>
-            <a:effectRef idx="1">
-              <a:schemeClr val="accent1"/>
-            </a:effectRef>
-            <a:fontRef idx="minor">
-              <a:schemeClr val="tx1"/>
-            </a:fontRef>
-          </p:style>
-        </p:cxnSp>
-        <p:cxnSp>
-          <p:nvCxnSpPr>
-            <p:cNvPr id="13" name="Straight Arrow Connector 12"/>
-            <p:cNvCxnSpPr/>
-            <p:nvPr/>
-          </p:nvCxnSpPr>
-          <p:spPr>
-            <a:xfrm flipV="1">
-              <a:off x="3147782" y="3392867"/>
-              <a:ext cx="519469" cy="525991"/>
+              <a:off x="5549029" y="5194473"/>
+              <a:ext cx="1246582" cy="0"/>
             </a:xfrm>
             <a:prstGeom prst="straightConnector1">
               <a:avLst/>
@@ -16547,14 +16814,14 @@
         </p:cxnSp>
         <p:sp>
           <p:nvSpPr>
-            <p:cNvPr id="15" name="Oval 14"/>
+            <p:cNvPr id="18" name="Oval 17"/>
             <p:cNvSpPr/>
             <p:nvPr/>
           </p:nvSpPr>
           <p:spPr>
             <a:xfrm>
-              <a:off x="3724413" y="2300626"/>
-              <a:ext cx="359963" cy="225848"/>
+              <a:off x="5847773" y="4009167"/>
+              <a:ext cx="597149" cy="555364"/>
             </a:xfrm>
             <a:prstGeom prst="ellipse">
               <a:avLst/>
@@ -16582,36 +16849,31 @@
             </a:fontRef>
           </p:style>
           <p:txBody>
-            <a:bodyPr rtlCol="0" anchor="ctr"/>
+            <a:bodyPr lIns="137840" tIns="68918" rIns="137840" bIns="68918" rtlCol="0" anchor="ctr"/>
             <a:lstStyle/>
             <a:p>
               <a:pPr algn="ctr"/>
               <a:r>
-                <a:rPr lang="en-US" sz="1800" dirty="0">
+                <a:rPr lang="en-US" sz="2800" dirty="0">
                   <a:solidFill>
                     <a:srgbClr val="000000"/>
                   </a:solidFill>
                 </a:rPr>
-                <a:t>1</a:t>
+                <a:t>3</a:t>
               </a:r>
-              <a:endParaRPr lang="en-US" sz="1800" dirty="0">
-                <a:solidFill>
-                  <a:srgbClr val="000000"/>
-                </a:solidFill>
-              </a:endParaRPr>
             </a:p>
           </p:txBody>
         </p:sp>
         <p:sp>
           <p:nvSpPr>
-            <p:cNvPr id="16" name="Oval 15"/>
+            <p:cNvPr id="22" name="Oval 21"/>
             <p:cNvSpPr/>
             <p:nvPr/>
           </p:nvSpPr>
           <p:spPr>
             <a:xfrm>
-              <a:off x="2967800" y="2413550"/>
-              <a:ext cx="359963" cy="225848"/>
+              <a:off x="5847763" y="5368545"/>
+              <a:ext cx="655129" cy="555364"/>
             </a:xfrm>
             <a:prstGeom prst="ellipse">
               <a:avLst/>
@@ -16639,402 +16901,22 @@
             </a:fontRef>
           </p:style>
           <p:txBody>
-            <a:bodyPr rtlCol="0" anchor="ctr"/>
+            <a:bodyPr lIns="137840" tIns="68918" rIns="137840" bIns="68918" rtlCol="0" anchor="ctr"/>
             <a:lstStyle/>
             <a:p>
               <a:pPr algn="ctr"/>
               <a:r>
-                <a:rPr lang="en-US" sz="1800" dirty="0">
+                <a:rPr lang="en-US" sz="2800" dirty="0">
                   <a:solidFill>
                     <a:srgbClr val="000000"/>
                   </a:solidFill>
                 </a:rPr>
-                <a:t>2</a:t>
-              </a:r>
-              <a:endParaRPr lang="en-US" sz="1800" dirty="0">
-                <a:solidFill>
-                  <a:srgbClr val="000000"/>
-                </a:solidFill>
-              </a:endParaRPr>
-            </a:p>
-          </p:txBody>
-        </p:sp>
-        <p:sp>
-          <p:nvSpPr>
-            <p:cNvPr id="19" name="Oval 18"/>
-            <p:cNvSpPr/>
-            <p:nvPr/>
-          </p:nvSpPr>
-          <p:spPr>
-            <a:xfrm>
-              <a:off x="2934493" y="3520208"/>
-              <a:ext cx="359963" cy="225848"/>
-            </a:xfrm>
-            <a:prstGeom prst="ellipse">
-              <a:avLst/>
-            </a:prstGeom>
-            <a:noFill/>
-            <a:ln w="12700">
-              <a:solidFill>
-                <a:schemeClr val="tx1"/>
-              </a:solidFill>
-            </a:ln>
-            <a:effectLst/>
-          </p:spPr>
-          <p:style>
-            <a:lnRef idx="1">
-              <a:schemeClr val="accent1"/>
-            </a:lnRef>
-            <a:fillRef idx="3">
-              <a:schemeClr val="accent1"/>
-            </a:fillRef>
-            <a:effectRef idx="2">
-              <a:schemeClr val="accent1"/>
-            </a:effectRef>
-            <a:fontRef idx="minor">
-              <a:schemeClr val="lt1"/>
-            </a:fontRef>
-          </p:style>
-          <p:txBody>
-            <a:bodyPr rtlCol="0" anchor="ctr"/>
-            <a:lstStyle/>
-            <a:p>
-              <a:pPr algn="ctr"/>
-              <a:r>
-                <a:rPr lang="en-US" sz="1800" dirty="0">
-                  <a:solidFill>
-                    <a:srgbClr val="000000"/>
-                  </a:solidFill>
-                </a:rPr>
-                <a:t>5</a:t>
+                <a:t>4</a:t>
               </a:r>
             </a:p>
           </p:txBody>
         </p:sp>
-        <p:sp>
-          <p:nvSpPr>
-            <p:cNvPr id="20" name="TextBox 19"/>
-            <p:cNvSpPr txBox="1"/>
-            <p:nvPr/>
-          </p:nvSpPr>
-          <p:spPr>
-            <a:xfrm>
-              <a:off x="4590104" y="3520208"/>
-              <a:ext cx="63699" cy="206518"/>
-            </a:xfrm>
-            <a:prstGeom prst="rect">
-              <a:avLst/>
-            </a:prstGeom>
-            <a:noFill/>
-          </p:spPr>
-          <p:txBody>
-            <a:bodyPr wrap="none" rtlCol="0">
-              <a:spAutoFit/>
-            </a:bodyPr>
-            <a:lstStyle/>
-            <a:p>
-              <a:endParaRPr lang="en-US" dirty="0"/>
-            </a:p>
-          </p:txBody>
-        </p:sp>
-        <p:sp>
-          <p:nvSpPr>
-            <p:cNvPr id="21" name="Oval 20"/>
-            <p:cNvSpPr/>
-            <p:nvPr/>
-          </p:nvSpPr>
-          <p:spPr>
-            <a:xfrm>
-              <a:off x="3741604" y="3582012"/>
-              <a:ext cx="359963" cy="225848"/>
-            </a:xfrm>
-            <a:prstGeom prst="ellipse">
-              <a:avLst/>
-            </a:prstGeom>
-            <a:noFill/>
-            <a:ln w="12700">
-              <a:solidFill>
-                <a:schemeClr val="tx1"/>
-              </a:solidFill>
-            </a:ln>
-            <a:effectLst/>
-          </p:spPr>
-          <p:style>
-            <a:lnRef idx="1">
-              <a:schemeClr val="accent1"/>
-            </a:lnRef>
-            <a:fillRef idx="3">
-              <a:schemeClr val="accent1"/>
-            </a:fillRef>
-            <a:effectRef idx="2">
-              <a:schemeClr val="accent1"/>
-            </a:effectRef>
-            <a:fontRef idx="minor">
-              <a:schemeClr val="lt1"/>
-            </a:fontRef>
-          </p:style>
-          <p:txBody>
-            <a:bodyPr rtlCol="0" anchor="ctr"/>
-            <a:lstStyle/>
-            <a:p>
-              <a:pPr algn="ctr"/>
-              <a:r>
-                <a:rPr lang="en-US" sz="1800" dirty="0">
-                  <a:solidFill>
-                    <a:srgbClr val="000000"/>
-                  </a:solidFill>
-                </a:rPr>
-                <a:t>6</a:t>
-              </a:r>
-              <a:endParaRPr lang="en-US" sz="1800" dirty="0">
-                <a:solidFill>
-                  <a:srgbClr val="000000"/>
-                </a:solidFill>
-              </a:endParaRPr>
-            </a:p>
-          </p:txBody>
-        </p:sp>
       </p:grpSp>
-      <p:sp>
-        <p:nvSpPr>
-          <p:cNvPr id="27" name="Rectangle 26"/>
-          <p:cNvSpPr/>
-          <p:nvPr/>
-        </p:nvSpPr>
-        <p:spPr>
-          <a:xfrm>
-            <a:off x="6795610" y="4201105"/>
-            <a:ext cx="2791079" cy="1361393"/>
-          </a:xfrm>
-          <a:prstGeom prst="rect">
-            <a:avLst/>
-          </a:prstGeom>
-          <a:noFill/>
-          <a:ln w="25400">
-            <a:solidFill>
-              <a:schemeClr val="tx1"/>
-            </a:solidFill>
-          </a:ln>
-          <a:effectLst/>
-        </p:spPr>
-        <p:style>
-          <a:lnRef idx="1">
-            <a:schemeClr val="accent1"/>
-          </a:lnRef>
-          <a:fillRef idx="3">
-            <a:schemeClr val="accent1"/>
-          </a:fillRef>
-          <a:effectRef idx="2">
-            <a:schemeClr val="accent1"/>
-          </a:effectRef>
-          <a:fontRef idx="minor">
-            <a:schemeClr val="lt1"/>
-          </a:fontRef>
-        </p:style>
-        <p:txBody>
-          <a:bodyPr lIns="137840" tIns="68918" rIns="137840" bIns="68918" rtlCol="0" anchor="ctr"/>
-          <a:lstStyle/>
-          <a:p>
-            <a:pPr algn="ctr"/>
-            <a:r>
-              <a:rPr lang="en-US" dirty="0" smtClean="0">
-                <a:solidFill>
-                  <a:schemeClr val="tx1"/>
-                </a:solidFill>
-              </a:rPr>
-              <a:t>Backend-Server</a:t>
-            </a:r>
-            <a:endParaRPr lang="en-US" dirty="0">
-              <a:solidFill>
-                <a:schemeClr val="tx1"/>
-              </a:solidFill>
-            </a:endParaRPr>
-          </a:p>
-        </p:txBody>
-      </p:sp>
-      <p:cxnSp>
-        <p:nvCxnSpPr>
-          <p:cNvPr id="28" name="Straight Arrow Connector 27"/>
-          <p:cNvCxnSpPr/>
-          <p:nvPr/>
-        </p:nvCxnSpPr>
-        <p:spPr>
-          <a:xfrm>
-            <a:off x="5549035" y="4660596"/>
-            <a:ext cx="1246581" cy="0"/>
-          </a:xfrm>
-          <a:prstGeom prst="straightConnector1">
-            <a:avLst/>
-          </a:prstGeom>
-          <a:ln>
-            <a:solidFill>
-              <a:schemeClr val="tx1"/>
-            </a:solidFill>
-            <a:tailEnd type="arrow"/>
-          </a:ln>
-          <a:effectLst/>
-        </p:spPr>
-        <p:style>
-          <a:lnRef idx="2">
-            <a:schemeClr val="accent1"/>
-          </a:lnRef>
-          <a:fillRef idx="0">
-            <a:schemeClr val="accent1"/>
-          </a:fillRef>
-          <a:effectRef idx="1">
-            <a:schemeClr val="accent1"/>
-          </a:effectRef>
-          <a:fontRef idx="minor">
-            <a:schemeClr val="tx1"/>
-          </a:fontRef>
-        </p:style>
-      </p:cxnSp>
-      <p:cxnSp>
-        <p:nvCxnSpPr>
-          <p:cNvPr id="31" name="Straight Arrow Connector 30"/>
-          <p:cNvCxnSpPr/>
-          <p:nvPr/>
-        </p:nvCxnSpPr>
-        <p:spPr>
-          <a:xfrm flipH="1">
-            <a:off x="5549029" y="5194473"/>
-            <a:ext cx="1246582" cy="0"/>
-          </a:xfrm>
-          <a:prstGeom prst="straightConnector1">
-            <a:avLst/>
-          </a:prstGeom>
-          <a:ln>
-            <a:solidFill>
-              <a:schemeClr val="tx1"/>
-            </a:solidFill>
-            <a:tailEnd type="arrow"/>
-          </a:ln>
-          <a:effectLst/>
-        </p:spPr>
-        <p:style>
-          <a:lnRef idx="2">
-            <a:schemeClr val="accent1"/>
-          </a:lnRef>
-          <a:fillRef idx="0">
-            <a:schemeClr val="accent1"/>
-          </a:fillRef>
-          <a:effectRef idx="1">
-            <a:schemeClr val="accent1"/>
-          </a:effectRef>
-          <a:fontRef idx="minor">
-            <a:schemeClr val="tx1"/>
-          </a:fontRef>
-        </p:style>
-      </p:cxnSp>
-      <p:sp>
-        <p:nvSpPr>
-          <p:cNvPr id="18" name="Oval 17"/>
-          <p:cNvSpPr/>
-          <p:nvPr/>
-        </p:nvSpPr>
-        <p:spPr>
-          <a:xfrm>
-            <a:off x="5738483" y="3939392"/>
-            <a:ext cx="1043550" cy="555364"/>
-          </a:xfrm>
-          <a:prstGeom prst="ellipse">
-            <a:avLst/>
-          </a:prstGeom>
-          <a:noFill/>
-          <a:ln w="12700">
-            <a:solidFill>
-              <a:schemeClr val="tx1"/>
-            </a:solidFill>
-          </a:ln>
-          <a:effectLst/>
-        </p:spPr>
-        <p:style>
-          <a:lnRef idx="1">
-            <a:schemeClr val="accent1"/>
-          </a:lnRef>
-          <a:fillRef idx="3">
-            <a:schemeClr val="accent1"/>
-          </a:fillRef>
-          <a:effectRef idx="2">
-            <a:schemeClr val="accent1"/>
-          </a:effectRef>
-          <a:fontRef idx="minor">
-            <a:schemeClr val="lt1"/>
-          </a:fontRef>
-        </p:style>
-        <p:txBody>
-          <a:bodyPr lIns="137840" tIns="68918" rIns="137840" bIns="68918" rtlCol="0" anchor="ctr"/>
-          <a:lstStyle/>
-          <a:p>
-            <a:pPr algn="ctr"/>
-            <a:r>
-              <a:rPr lang="en-US" sz="1800" dirty="0">
-                <a:solidFill>
-                  <a:srgbClr val="000000"/>
-                </a:solidFill>
-              </a:rPr>
-              <a:t>3</a:t>
-            </a:r>
-          </a:p>
-        </p:txBody>
-      </p:sp>
-      <p:sp>
-        <p:nvSpPr>
-          <p:cNvPr id="22" name="Oval 21"/>
-          <p:cNvSpPr/>
-          <p:nvPr/>
-        </p:nvSpPr>
-        <p:spPr>
-          <a:xfrm>
-            <a:off x="5738483" y="5284815"/>
-            <a:ext cx="1043550" cy="555364"/>
-          </a:xfrm>
-          <a:prstGeom prst="ellipse">
-            <a:avLst/>
-          </a:prstGeom>
-          <a:noFill/>
-          <a:ln w="12700">
-            <a:solidFill>
-              <a:schemeClr val="tx1"/>
-            </a:solidFill>
-          </a:ln>
-          <a:effectLst/>
-        </p:spPr>
-        <p:style>
-          <a:lnRef idx="1">
-            <a:schemeClr val="accent1"/>
-          </a:lnRef>
-          <a:fillRef idx="3">
-            <a:schemeClr val="accent1"/>
-          </a:fillRef>
-          <a:effectRef idx="2">
-            <a:schemeClr val="accent1"/>
-          </a:effectRef>
-          <a:fontRef idx="minor">
-            <a:schemeClr val="lt1"/>
-          </a:fontRef>
-        </p:style>
-        <p:txBody>
-          <a:bodyPr lIns="137840" tIns="68918" rIns="137840" bIns="68918" rtlCol="0" anchor="ctr"/>
-          <a:lstStyle/>
-          <a:p>
-            <a:pPr algn="ctr"/>
-            <a:r>
-              <a:rPr lang="en-US" sz="1800" dirty="0">
-                <a:solidFill>
-                  <a:srgbClr val="000000"/>
-                </a:solidFill>
-              </a:rPr>
-              <a:t>4</a:t>
-            </a:r>
-            <a:endParaRPr lang="en-US" sz="1800" dirty="0">
-              <a:solidFill>
-                <a:srgbClr val="000000"/>
-              </a:solidFill>
-            </a:endParaRPr>
-          </a:p>
-        </p:txBody>
-      </p:sp>
     </p:spTree>
     <p:extLst>
       <p:ext uri="{BB962C8B-B14F-4D97-AF65-F5344CB8AC3E}">
@@ -17386,11 +17268,6 @@
               </a:rPr>
               <a:t>Proxy Aggregator</a:t>
             </a:r>
-            <a:endParaRPr lang="en-US" sz="3000" dirty="0">
-              <a:solidFill>
-                <a:schemeClr val="tx1"/>
-              </a:solidFill>
-            </a:endParaRPr>
           </a:p>
         </p:txBody>
       </p:sp>
@@ -17993,11 +17870,6 @@
               </a:rPr>
               <a:t>Proxy Aggregator</a:t>
             </a:r>
-            <a:endParaRPr lang="en-US" sz="3000" dirty="0">
-              <a:solidFill>
-                <a:schemeClr val="tx1"/>
-              </a:solidFill>
-            </a:endParaRPr>
           </a:p>
         </p:txBody>
       </p:sp>

--- a/paper/figs/images.pptx
+++ b/paper/figs/images.pptx
@@ -7,18 +7,16 @@
   <p:sldIdLst>
     <p:sldId id="256" r:id="rId2"/>
     <p:sldId id="269" r:id="rId3"/>
-    <p:sldId id="258" r:id="rId4"/>
-    <p:sldId id="261" r:id="rId5"/>
-    <p:sldId id="259" r:id="rId6"/>
-    <p:sldId id="257" r:id="rId7"/>
-    <p:sldId id="260" r:id="rId8"/>
-    <p:sldId id="264" r:id="rId9"/>
-    <p:sldId id="265" r:id="rId10"/>
-    <p:sldId id="268" r:id="rId11"/>
-    <p:sldId id="266" r:id="rId12"/>
-    <p:sldId id="262" r:id="rId13"/>
-    <p:sldId id="267" r:id="rId14"/>
-    <p:sldId id="263" r:id="rId15"/>
+    <p:sldId id="259" r:id="rId4"/>
+    <p:sldId id="257" r:id="rId5"/>
+    <p:sldId id="260" r:id="rId6"/>
+    <p:sldId id="264" r:id="rId7"/>
+    <p:sldId id="265" r:id="rId8"/>
+    <p:sldId id="268" r:id="rId9"/>
+    <p:sldId id="266" r:id="rId10"/>
+    <p:sldId id="262" r:id="rId11"/>
+    <p:sldId id="267" r:id="rId12"/>
+    <p:sldId id="263" r:id="rId13"/>
   </p:sldIdLst>
   <p:sldSz cx="12801600" cy="9601200" type="A3"/>
   <p:notesSz cx="6858000" cy="9144000"/>
@@ -301,7 +299,7 @@
           <a:p>
             <a:fld id="{06D27FD6-7394-0F44-B86B-46BBC2D874F2}" type="datetimeFigureOut">
               <a:rPr lang="en-US" smtClean="0"/>
-              <a:t>1/26/15</a:t>
+              <a:t>3/21/15</a:t>
             </a:fld>
             <a:endParaRPr lang="en-US"/>
           </a:p>
@@ -471,7 +469,7 @@
           <a:p>
             <a:fld id="{06D27FD6-7394-0F44-B86B-46BBC2D874F2}" type="datetimeFigureOut">
               <a:rPr lang="en-US" smtClean="0"/>
-              <a:t>1/26/15</a:t>
+              <a:t>3/21/15</a:t>
             </a:fld>
             <a:endParaRPr lang="en-US"/>
           </a:p>
@@ -651,7 +649,7 @@
           <a:p>
             <a:fld id="{06D27FD6-7394-0F44-B86B-46BBC2D874F2}" type="datetimeFigureOut">
               <a:rPr lang="en-US" smtClean="0"/>
-              <a:t>1/26/15</a:t>
+              <a:t>3/21/15</a:t>
             </a:fld>
             <a:endParaRPr lang="en-US"/>
           </a:p>
@@ -821,7 +819,7 @@
           <a:p>
             <a:fld id="{06D27FD6-7394-0F44-B86B-46BBC2D874F2}" type="datetimeFigureOut">
               <a:rPr lang="en-US" smtClean="0"/>
-              <a:t>1/26/15</a:t>
+              <a:t>3/21/15</a:t>
             </a:fld>
             <a:endParaRPr lang="en-US"/>
           </a:p>
@@ -1067,7 +1065,7 @@
           <a:p>
             <a:fld id="{06D27FD6-7394-0F44-B86B-46BBC2D874F2}" type="datetimeFigureOut">
               <a:rPr lang="en-US" smtClean="0"/>
-              <a:t>1/26/15</a:t>
+              <a:t>3/21/15</a:t>
             </a:fld>
             <a:endParaRPr lang="en-US"/>
           </a:p>
@@ -1355,7 +1353,7 @@
           <a:p>
             <a:fld id="{06D27FD6-7394-0F44-B86B-46BBC2D874F2}" type="datetimeFigureOut">
               <a:rPr lang="en-US" smtClean="0"/>
-              <a:t>1/26/15</a:t>
+              <a:t>3/21/15</a:t>
             </a:fld>
             <a:endParaRPr lang="en-US"/>
           </a:p>
@@ -1777,7 +1775,7 @@
           <a:p>
             <a:fld id="{06D27FD6-7394-0F44-B86B-46BBC2D874F2}" type="datetimeFigureOut">
               <a:rPr lang="en-US" smtClean="0"/>
-              <a:t>1/26/15</a:t>
+              <a:t>3/21/15</a:t>
             </a:fld>
             <a:endParaRPr lang="en-US"/>
           </a:p>
@@ -1895,7 +1893,7 @@
           <a:p>
             <a:fld id="{06D27FD6-7394-0F44-B86B-46BBC2D874F2}" type="datetimeFigureOut">
               <a:rPr lang="en-US" smtClean="0"/>
-              <a:t>1/26/15</a:t>
+              <a:t>3/21/15</a:t>
             </a:fld>
             <a:endParaRPr lang="en-US"/>
           </a:p>
@@ -1990,7 +1988,7 @@
           <a:p>
             <a:fld id="{06D27FD6-7394-0F44-B86B-46BBC2D874F2}" type="datetimeFigureOut">
               <a:rPr lang="en-US" smtClean="0"/>
-              <a:t>1/26/15</a:t>
+              <a:t>3/21/15</a:t>
             </a:fld>
             <a:endParaRPr lang="en-US"/>
           </a:p>
@@ -2267,7 +2265,7 @@
           <a:p>
             <a:fld id="{06D27FD6-7394-0F44-B86B-46BBC2D874F2}" type="datetimeFigureOut">
               <a:rPr lang="en-US" smtClean="0"/>
-              <a:t>1/26/15</a:t>
+              <a:t>3/21/15</a:t>
             </a:fld>
             <a:endParaRPr lang="en-US"/>
           </a:p>
@@ -2520,7 +2518,7 @@
           <a:p>
             <a:fld id="{06D27FD6-7394-0F44-B86B-46BBC2D874F2}" type="datetimeFigureOut">
               <a:rPr lang="en-US" smtClean="0"/>
-              <a:t>1/26/15</a:t>
+              <a:t>3/21/15</a:t>
             </a:fld>
             <a:endParaRPr lang="en-US"/>
           </a:p>
@@ -2733,7 +2731,7 @@
           <a:p>
             <a:fld id="{06D27FD6-7394-0F44-B86B-46BBC2D874F2}" type="datetimeFigureOut">
               <a:rPr lang="en-US" smtClean="0"/>
-              <a:t>1/26/15</a:t>
+              <a:t>3/21/15</a:t>
             </a:fld>
             <a:endParaRPr lang="en-US"/>
           </a:p>
@@ -4406,1910 +4404,6 @@
           <a:chExt cx="0" cy="0"/>
         </a:xfrm>
       </p:grpSpPr>
-      <p:pic>
-        <p:nvPicPr>
-          <p:cNvPr id="72" name="Picture 71"/>
-          <p:cNvPicPr>
-            <a:picLocks noChangeAspect="1"/>
-          </p:cNvPicPr>
-          <p:nvPr/>
-        </p:nvPicPr>
-        <p:blipFill>
-          <a:blip r:embed="rId2"/>
-          <a:stretch>
-            <a:fillRect/>
-          </a:stretch>
-        </p:blipFill>
-        <p:spPr>
-          <a:xfrm>
-            <a:off x="7386546" y="4716932"/>
-            <a:ext cx="744577" cy="744577"/>
-          </a:xfrm>
-          <a:prstGeom prst="rect">
-            <a:avLst/>
-          </a:prstGeom>
-        </p:spPr>
-      </p:pic>
-      <p:pic>
-        <p:nvPicPr>
-          <p:cNvPr id="73" name="Picture 72"/>
-          <p:cNvPicPr>
-            <a:picLocks noChangeAspect="1"/>
-          </p:cNvPicPr>
-          <p:nvPr/>
-        </p:nvPicPr>
-        <p:blipFill>
-          <a:blip r:embed="rId3"/>
-          <a:stretch>
-            <a:fillRect/>
-          </a:stretch>
-        </p:blipFill>
-        <p:spPr>
-          <a:xfrm>
-            <a:off x="9378089" y="3592824"/>
-            <a:ext cx="827906" cy="425856"/>
-          </a:xfrm>
-          <a:prstGeom prst="rect">
-            <a:avLst/>
-          </a:prstGeom>
-        </p:spPr>
-      </p:pic>
-      <p:pic>
-        <p:nvPicPr>
-          <p:cNvPr id="74" name="Picture 73"/>
-          <p:cNvPicPr>
-            <a:picLocks noChangeAspect="1"/>
-          </p:cNvPicPr>
-          <p:nvPr/>
-        </p:nvPicPr>
-        <p:blipFill>
-          <a:blip r:embed="rId4"/>
-          <a:stretch>
-            <a:fillRect/>
-          </a:stretch>
-        </p:blipFill>
-        <p:spPr>
-          <a:xfrm>
-            <a:off x="9453657" y="2863635"/>
-            <a:ext cx="674131" cy="674131"/>
-          </a:xfrm>
-          <a:prstGeom prst="rect">
-            <a:avLst/>
-          </a:prstGeom>
-        </p:spPr>
-      </p:pic>
-      <p:pic>
-        <p:nvPicPr>
-          <p:cNvPr id="75" name="Picture 74"/>
-          <p:cNvPicPr>
-            <a:picLocks noChangeAspect="1"/>
-          </p:cNvPicPr>
-          <p:nvPr/>
-        </p:nvPicPr>
-        <p:blipFill>
-          <a:blip r:embed="rId5"/>
-          <a:stretch>
-            <a:fillRect/>
-          </a:stretch>
-        </p:blipFill>
-        <p:spPr>
-          <a:xfrm>
-            <a:off x="4047446" y="2798970"/>
-            <a:ext cx="590035" cy="590035"/>
-          </a:xfrm>
-          <a:prstGeom prst="rect">
-            <a:avLst/>
-          </a:prstGeom>
-        </p:spPr>
-      </p:pic>
-      <p:grpSp>
-        <p:nvGrpSpPr>
-          <p:cNvPr id="76" name="Group 75"/>
-          <p:cNvGrpSpPr/>
-          <p:nvPr/>
-        </p:nvGrpSpPr>
-        <p:grpSpPr>
-          <a:xfrm>
-            <a:off x="5096634" y="2702094"/>
-            <a:ext cx="1212367" cy="1380365"/>
-            <a:chOff x="2224233" y="1058080"/>
-            <a:chExt cx="1616051" cy="1540117"/>
-          </a:xfrm>
-        </p:grpSpPr>
-        <p:pic>
-          <p:nvPicPr>
-            <p:cNvPr id="77" name="Picture 76"/>
-            <p:cNvPicPr>
-              <a:picLocks noChangeAspect="1"/>
-            </p:cNvPicPr>
-            <p:nvPr/>
-          </p:nvPicPr>
-          <p:blipFill>
-            <a:blip r:embed="rId6"/>
-            <a:stretch>
-              <a:fillRect/>
-            </a:stretch>
-          </p:blipFill>
-          <p:spPr>
-            <a:xfrm>
-              <a:off x="2340600" y="1058080"/>
-              <a:ext cx="1289539" cy="967154"/>
-            </a:xfrm>
-            <a:prstGeom prst="rect">
-              <a:avLst/>
-            </a:prstGeom>
-          </p:spPr>
-        </p:pic>
-        <p:pic>
-          <p:nvPicPr>
-            <p:cNvPr id="78" name="Picture 77"/>
-            <p:cNvPicPr>
-              <a:picLocks noChangeAspect="1"/>
-            </p:cNvPicPr>
-            <p:nvPr/>
-          </p:nvPicPr>
-          <p:blipFill>
-            <a:blip r:embed="rId7"/>
-            <a:stretch>
-              <a:fillRect/>
-            </a:stretch>
-          </p:blipFill>
-          <p:spPr>
-            <a:xfrm>
-              <a:off x="2340600" y="2024278"/>
-              <a:ext cx="1289539" cy="265188"/>
-            </a:xfrm>
-            <a:prstGeom prst="rect">
-              <a:avLst/>
-            </a:prstGeom>
-          </p:spPr>
-        </p:pic>
-        <p:sp>
-          <p:nvSpPr>
-            <p:cNvPr id="79" name="Rounded Rectangle 78"/>
-            <p:cNvSpPr/>
-            <p:nvPr/>
-          </p:nvSpPr>
-          <p:spPr>
-            <a:xfrm>
-              <a:off x="2224233" y="1105118"/>
-              <a:ext cx="1616051" cy="1493079"/>
-            </a:xfrm>
-            <a:prstGeom prst="roundRect">
-              <a:avLst/>
-            </a:prstGeom>
-            <a:noFill/>
-            <a:ln>
-              <a:solidFill>
-                <a:schemeClr val="tx1"/>
-              </a:solidFill>
-            </a:ln>
-            <a:effectLst/>
-          </p:spPr>
-          <p:style>
-            <a:lnRef idx="1">
-              <a:schemeClr val="accent1"/>
-            </a:lnRef>
-            <a:fillRef idx="3">
-              <a:schemeClr val="accent1"/>
-            </a:fillRef>
-            <a:effectRef idx="2">
-              <a:schemeClr val="accent1"/>
-            </a:effectRef>
-            <a:fontRef idx="minor">
-              <a:schemeClr val="lt1"/>
-            </a:fontRef>
-          </p:style>
-          <p:txBody>
-            <a:bodyPr rtlCol="0" anchor="ctr"/>
-            <a:lstStyle/>
-            <a:p>
-              <a:pPr algn="ctr"/>
-              <a:endParaRPr lang="en-US"/>
-            </a:p>
-          </p:txBody>
-        </p:sp>
-      </p:grpSp>
-      <p:grpSp>
-        <p:nvGrpSpPr>
-          <p:cNvPr id="80" name="Group 79"/>
-          <p:cNvGrpSpPr/>
-          <p:nvPr/>
-        </p:nvGrpSpPr>
-        <p:grpSpPr>
-          <a:xfrm>
-            <a:off x="6486636" y="2778808"/>
-            <a:ext cx="1247691" cy="1303651"/>
-            <a:chOff x="3558770" y="2396359"/>
-            <a:chExt cx="1247691" cy="1303651"/>
-          </a:xfrm>
-        </p:grpSpPr>
-        <p:pic>
-          <p:nvPicPr>
-            <p:cNvPr id="81" name="Picture 80"/>
-            <p:cNvPicPr>
-              <a:picLocks noChangeAspect="1"/>
-            </p:cNvPicPr>
-            <p:nvPr/>
-          </p:nvPicPr>
-          <p:blipFill>
-            <a:blip r:embed="rId2"/>
-            <a:stretch>
-              <a:fillRect/>
-            </a:stretch>
-          </p:blipFill>
-          <p:spPr>
-            <a:xfrm>
-              <a:off x="3739499" y="2955433"/>
-              <a:ext cx="744577" cy="744577"/>
-            </a:xfrm>
-            <a:prstGeom prst="rect">
-              <a:avLst/>
-            </a:prstGeom>
-          </p:spPr>
-        </p:pic>
-        <p:sp>
-          <p:nvSpPr>
-            <p:cNvPr id="82" name="Rounded Rectangle 81"/>
-            <p:cNvSpPr/>
-            <p:nvPr/>
-          </p:nvSpPr>
-          <p:spPr>
-            <a:xfrm>
-              <a:off x="3558770" y="2396359"/>
-              <a:ext cx="1247691" cy="1303651"/>
-            </a:xfrm>
-            <a:prstGeom prst="roundRect">
-              <a:avLst/>
-            </a:prstGeom>
-            <a:noFill/>
-            <a:ln>
-              <a:solidFill>
-                <a:schemeClr val="tx1"/>
-              </a:solidFill>
-            </a:ln>
-            <a:effectLst/>
-          </p:spPr>
-          <p:style>
-            <a:lnRef idx="1">
-              <a:schemeClr val="accent1"/>
-            </a:lnRef>
-            <a:fillRef idx="3">
-              <a:schemeClr val="accent1"/>
-            </a:fillRef>
-            <a:effectRef idx="2">
-              <a:schemeClr val="accent1"/>
-            </a:effectRef>
-            <a:fontRef idx="minor">
-              <a:schemeClr val="lt1"/>
-            </a:fontRef>
-          </p:style>
-          <p:txBody>
-            <a:bodyPr rtlCol="0" anchor="ctr"/>
-            <a:lstStyle/>
-            <a:p>
-              <a:pPr algn="ctr"/>
-              <a:endParaRPr lang="en-US"/>
-            </a:p>
-          </p:txBody>
-        </p:sp>
-        <p:pic>
-          <p:nvPicPr>
-            <p:cNvPr id="83" name="Picture 82"/>
-            <p:cNvPicPr>
-              <a:picLocks noChangeAspect="1"/>
-            </p:cNvPicPr>
-            <p:nvPr/>
-          </p:nvPicPr>
-          <p:blipFill>
-            <a:blip r:embed="rId8"/>
-            <a:stretch>
-              <a:fillRect/>
-            </a:stretch>
-          </p:blipFill>
-          <p:spPr>
-            <a:xfrm>
-              <a:off x="3739499" y="2416523"/>
-              <a:ext cx="939962" cy="583766"/>
-            </a:xfrm>
-            <a:prstGeom prst="rect">
-              <a:avLst/>
-            </a:prstGeom>
-          </p:spPr>
-        </p:pic>
-      </p:grpSp>
-      <p:sp>
-        <p:nvSpPr>
-          <p:cNvPr id="84" name="Rounded Rectangle 83"/>
-          <p:cNvSpPr/>
-          <p:nvPr/>
-        </p:nvSpPr>
-        <p:spPr>
-          <a:xfrm>
-            <a:off x="5035035" y="3382738"/>
-            <a:ext cx="2794000" cy="810184"/>
-          </a:xfrm>
-          <a:prstGeom prst="roundRect">
-            <a:avLst/>
-          </a:prstGeom>
-          <a:noFill/>
-          <a:ln w="19050">
-            <a:solidFill>
-              <a:srgbClr val="FF0000"/>
-            </a:solidFill>
-            <a:prstDash val="dash"/>
-          </a:ln>
-          <a:effectLst/>
-        </p:spPr>
-        <p:style>
-          <a:lnRef idx="1">
-            <a:schemeClr val="accent1"/>
-          </a:lnRef>
-          <a:fillRef idx="3">
-            <a:schemeClr val="accent1"/>
-          </a:fillRef>
-          <a:effectRef idx="2">
-            <a:schemeClr val="accent1"/>
-          </a:effectRef>
-          <a:fontRef idx="minor">
-            <a:schemeClr val="lt1"/>
-          </a:fontRef>
-        </p:style>
-        <p:txBody>
-          <a:bodyPr lIns="91430" tIns="45714" rIns="91430" bIns="45714" spcCol="0" rtlCol="0" anchor="ctr"/>
-          <a:lstStyle/>
-          <a:p>
-            <a:pPr algn="ctr"/>
-            <a:endParaRPr lang="en-US"/>
-          </a:p>
-        </p:txBody>
-      </p:sp>
-      <p:grpSp>
-        <p:nvGrpSpPr>
-          <p:cNvPr id="85" name="Group 84"/>
-          <p:cNvGrpSpPr/>
-          <p:nvPr/>
-        </p:nvGrpSpPr>
-        <p:grpSpPr>
-          <a:xfrm>
-            <a:off x="7877882" y="2778806"/>
-            <a:ext cx="1263214" cy="1303652"/>
-            <a:chOff x="5106324" y="2416524"/>
-            <a:chExt cx="1419522" cy="1303652"/>
-          </a:xfrm>
-        </p:grpSpPr>
-        <p:pic>
-          <p:nvPicPr>
-            <p:cNvPr id="86" name="Picture 85"/>
-            <p:cNvPicPr>
-              <a:picLocks noChangeAspect="1"/>
-            </p:cNvPicPr>
-            <p:nvPr/>
-          </p:nvPicPr>
-          <p:blipFill>
-            <a:blip r:embed="rId9"/>
-            <a:stretch>
-              <a:fillRect/>
-            </a:stretch>
-          </p:blipFill>
-          <p:spPr>
-            <a:xfrm>
-              <a:off x="5217692" y="2501351"/>
-              <a:ext cx="1151846" cy="441065"/>
-            </a:xfrm>
-            <a:prstGeom prst="rect">
-              <a:avLst/>
-            </a:prstGeom>
-          </p:spPr>
-        </p:pic>
-        <p:pic>
-          <p:nvPicPr>
-            <p:cNvPr id="87" name="Picture 86"/>
-            <p:cNvPicPr>
-              <a:picLocks noChangeAspect="1"/>
-            </p:cNvPicPr>
-            <p:nvPr/>
-          </p:nvPicPr>
-          <p:blipFill>
-            <a:blip r:embed="rId10"/>
-            <a:stretch>
-              <a:fillRect/>
-            </a:stretch>
-          </p:blipFill>
-          <p:spPr>
-            <a:xfrm>
-              <a:off x="5217692" y="2942416"/>
-              <a:ext cx="1015077" cy="718675"/>
-            </a:xfrm>
-            <a:prstGeom prst="rect">
-              <a:avLst/>
-            </a:prstGeom>
-          </p:spPr>
-        </p:pic>
-        <p:sp>
-          <p:nvSpPr>
-            <p:cNvPr id="88" name="Rounded Rectangle 87"/>
-            <p:cNvSpPr/>
-            <p:nvPr/>
-          </p:nvSpPr>
-          <p:spPr>
-            <a:xfrm>
-              <a:off x="5106324" y="2416524"/>
-              <a:ext cx="1419522" cy="1303652"/>
-            </a:xfrm>
-            <a:prstGeom prst="roundRect">
-              <a:avLst/>
-            </a:prstGeom>
-            <a:noFill/>
-            <a:ln>
-              <a:solidFill>
-                <a:schemeClr val="tx1"/>
-              </a:solidFill>
-            </a:ln>
-            <a:effectLst/>
-          </p:spPr>
-          <p:style>
-            <a:lnRef idx="1">
-              <a:schemeClr val="accent1"/>
-            </a:lnRef>
-            <a:fillRef idx="3">
-              <a:schemeClr val="accent1"/>
-            </a:fillRef>
-            <a:effectRef idx="2">
-              <a:schemeClr val="accent1"/>
-            </a:effectRef>
-            <a:fontRef idx="minor">
-              <a:schemeClr val="lt1"/>
-            </a:fontRef>
-          </p:style>
-          <p:txBody>
-            <a:bodyPr rtlCol="0" anchor="ctr"/>
-            <a:lstStyle/>
-            <a:p>
-              <a:pPr algn="ctr"/>
-              <a:endParaRPr lang="en-US"/>
-            </a:p>
-          </p:txBody>
-        </p:sp>
-      </p:grpSp>
-      <p:sp>
-        <p:nvSpPr>
-          <p:cNvPr id="89" name="Rounded Rectangle 88"/>
-          <p:cNvSpPr/>
-          <p:nvPr/>
-        </p:nvSpPr>
-        <p:spPr>
-          <a:xfrm>
-            <a:off x="5601817" y="4716933"/>
-            <a:ext cx="2794000" cy="810184"/>
-          </a:xfrm>
-          <a:prstGeom prst="roundRect">
-            <a:avLst/>
-          </a:prstGeom>
-          <a:noFill/>
-          <a:ln w="19050">
-            <a:solidFill>
-              <a:schemeClr val="tx1"/>
-            </a:solidFill>
-            <a:prstDash val="dash"/>
-          </a:ln>
-          <a:effectLst/>
-        </p:spPr>
-        <p:style>
-          <a:lnRef idx="1">
-            <a:schemeClr val="accent1"/>
-          </a:lnRef>
-          <a:fillRef idx="3">
-            <a:schemeClr val="accent1"/>
-          </a:fillRef>
-          <a:effectRef idx="2">
-            <a:schemeClr val="accent1"/>
-          </a:effectRef>
-          <a:fontRef idx="minor">
-            <a:schemeClr val="lt1"/>
-          </a:fontRef>
-        </p:style>
-        <p:txBody>
-          <a:bodyPr lIns="91430" tIns="45714" rIns="91430" bIns="45714" spcCol="0" rtlCol="0" anchor="ctr"/>
-          <a:lstStyle/>
-          <a:p>
-            <a:pPr algn="ctr"/>
-            <a:endParaRPr lang="en-US"/>
-          </a:p>
-        </p:txBody>
-      </p:sp>
-      <p:pic>
-        <p:nvPicPr>
-          <p:cNvPr id="90" name="Picture 89"/>
-          <p:cNvPicPr>
-            <a:picLocks noChangeAspect="1"/>
-          </p:cNvPicPr>
-          <p:nvPr/>
-        </p:nvPicPr>
-        <p:blipFill>
-          <a:blip r:embed="rId7"/>
-          <a:stretch>
-            <a:fillRect/>
-          </a:stretch>
-        </p:blipFill>
-        <p:spPr>
-          <a:xfrm>
-            <a:off x="5750715" y="4992037"/>
-            <a:ext cx="967417" cy="237682"/>
-          </a:xfrm>
-          <a:prstGeom prst="rect">
-            <a:avLst/>
-          </a:prstGeom>
-        </p:spPr>
-      </p:pic>
-      <p:sp>
-        <p:nvSpPr>
-          <p:cNvPr id="91" name="Rectangle 90"/>
-          <p:cNvSpPr/>
-          <p:nvPr/>
-        </p:nvSpPr>
-        <p:spPr>
-          <a:xfrm>
-            <a:off x="5663415" y="4799707"/>
-            <a:ext cx="1212367" cy="622726"/>
-          </a:xfrm>
-          <a:prstGeom prst="rect">
-            <a:avLst/>
-          </a:prstGeom>
-          <a:noFill/>
-          <a:ln>
-            <a:solidFill>
-              <a:schemeClr val="tx1"/>
-            </a:solidFill>
-          </a:ln>
-          <a:effectLst/>
-        </p:spPr>
-        <p:style>
-          <a:lnRef idx="1">
-            <a:schemeClr val="accent1"/>
-          </a:lnRef>
-          <a:fillRef idx="3">
-            <a:schemeClr val="accent1"/>
-          </a:fillRef>
-          <a:effectRef idx="2">
-            <a:schemeClr val="accent1"/>
-          </a:effectRef>
-          <a:fontRef idx="minor">
-            <a:schemeClr val="lt1"/>
-          </a:fontRef>
-        </p:style>
-        <p:txBody>
-          <a:bodyPr lIns="91430" tIns="45714" rIns="91430" bIns="45714" spcCol="0" rtlCol="0" anchor="ctr"/>
-          <a:lstStyle/>
-          <a:p>
-            <a:pPr algn="ctr"/>
-            <a:endParaRPr lang="en-US"/>
-          </a:p>
-        </p:txBody>
-      </p:sp>
-      <p:sp>
-        <p:nvSpPr>
-          <p:cNvPr id="92" name="Rectangle 91"/>
-          <p:cNvSpPr/>
-          <p:nvPr/>
-        </p:nvSpPr>
-        <p:spPr>
-          <a:xfrm>
-            <a:off x="7127457" y="4799707"/>
-            <a:ext cx="1212367" cy="622726"/>
-          </a:xfrm>
-          <a:prstGeom prst="rect">
-            <a:avLst/>
-          </a:prstGeom>
-          <a:noFill/>
-          <a:ln>
-            <a:solidFill>
-              <a:schemeClr val="tx1"/>
-            </a:solidFill>
-          </a:ln>
-          <a:effectLst/>
-        </p:spPr>
-        <p:style>
-          <a:lnRef idx="1">
-            <a:schemeClr val="accent1"/>
-          </a:lnRef>
-          <a:fillRef idx="3">
-            <a:schemeClr val="accent1"/>
-          </a:fillRef>
-          <a:effectRef idx="2">
-            <a:schemeClr val="accent1"/>
-          </a:effectRef>
-          <a:fontRef idx="minor">
-            <a:schemeClr val="lt1"/>
-          </a:fontRef>
-        </p:style>
-        <p:txBody>
-          <a:bodyPr lIns="91430" tIns="45714" rIns="91430" bIns="45714" spcCol="0" rtlCol="0" anchor="ctr"/>
-          <a:lstStyle/>
-          <a:p>
-            <a:pPr algn="ctr"/>
-            <a:endParaRPr lang="en-US"/>
-          </a:p>
-        </p:txBody>
-      </p:sp>
-      <p:sp>
-        <p:nvSpPr>
-          <p:cNvPr id="93" name="Rounded Rectangle 92"/>
-          <p:cNvSpPr/>
-          <p:nvPr/>
-        </p:nvSpPr>
-        <p:spPr>
-          <a:xfrm>
-            <a:off x="3738711" y="2744252"/>
-            <a:ext cx="1227019" cy="1338206"/>
-          </a:xfrm>
-          <a:prstGeom prst="roundRect">
-            <a:avLst/>
-          </a:prstGeom>
-          <a:noFill/>
-          <a:ln>
-            <a:solidFill>
-              <a:schemeClr val="tx1"/>
-            </a:solidFill>
-          </a:ln>
-          <a:effectLst/>
-        </p:spPr>
-        <p:style>
-          <a:lnRef idx="1">
-            <a:schemeClr val="accent1"/>
-          </a:lnRef>
-          <a:fillRef idx="3">
-            <a:schemeClr val="accent1"/>
-          </a:fillRef>
-          <a:effectRef idx="2">
-            <a:schemeClr val="accent1"/>
-          </a:effectRef>
-          <a:fontRef idx="minor">
-            <a:schemeClr val="lt1"/>
-          </a:fontRef>
-        </p:style>
-        <p:txBody>
-          <a:bodyPr lIns="91430" tIns="45714" rIns="91430" bIns="45714" spcCol="0" rtlCol="0" anchor="ctr"/>
-          <a:lstStyle/>
-          <a:p>
-            <a:pPr algn="ctr"/>
-            <a:endParaRPr lang="en-US"/>
-          </a:p>
-        </p:txBody>
-      </p:sp>
-      <p:cxnSp>
-        <p:nvCxnSpPr>
-          <p:cNvPr id="94" name="Straight Arrow Connector 93"/>
-          <p:cNvCxnSpPr/>
-          <p:nvPr/>
-        </p:nvCxnSpPr>
-        <p:spPr>
-          <a:xfrm>
-            <a:off x="4841798" y="4082458"/>
-            <a:ext cx="760019" cy="620049"/>
-          </a:xfrm>
-          <a:prstGeom prst="straightConnector1">
-            <a:avLst/>
-          </a:prstGeom>
-          <a:ln>
-            <a:solidFill>
-              <a:schemeClr val="tx1"/>
-            </a:solidFill>
-            <a:tailEnd type="arrow"/>
-          </a:ln>
-          <a:effectLst/>
-        </p:spPr>
-        <p:style>
-          <a:lnRef idx="2">
-            <a:schemeClr val="accent1"/>
-          </a:lnRef>
-          <a:fillRef idx="0">
-            <a:schemeClr val="accent1"/>
-          </a:fillRef>
-          <a:effectRef idx="1">
-            <a:schemeClr val="accent1"/>
-          </a:effectRef>
-          <a:fontRef idx="minor">
-            <a:schemeClr val="tx1"/>
-          </a:fontRef>
-        </p:style>
-      </p:cxnSp>
-      <p:cxnSp>
-        <p:nvCxnSpPr>
-          <p:cNvPr id="95" name="Straight Arrow Connector 94"/>
-          <p:cNvCxnSpPr/>
-          <p:nvPr/>
-        </p:nvCxnSpPr>
-        <p:spPr>
-          <a:xfrm flipV="1">
-            <a:off x="7887649" y="4091216"/>
-            <a:ext cx="374214" cy="625717"/>
-          </a:xfrm>
-          <a:prstGeom prst="straightConnector1">
-            <a:avLst/>
-          </a:prstGeom>
-          <a:ln>
-            <a:solidFill>
-              <a:schemeClr val="tx1"/>
-            </a:solidFill>
-            <a:tailEnd type="arrow"/>
-          </a:ln>
-          <a:effectLst/>
-        </p:spPr>
-        <p:style>
-          <a:lnRef idx="2">
-            <a:schemeClr val="accent1"/>
-          </a:lnRef>
-          <a:fillRef idx="0">
-            <a:schemeClr val="accent1"/>
-          </a:fillRef>
-          <a:effectRef idx="1">
-            <a:schemeClr val="accent1"/>
-          </a:effectRef>
-          <a:fontRef idx="minor">
-            <a:schemeClr val="tx1"/>
-          </a:fontRef>
-        </p:style>
-      </p:cxnSp>
-      <p:sp>
-        <p:nvSpPr>
-          <p:cNvPr id="96" name="Rounded Rectangle 95"/>
-          <p:cNvSpPr/>
-          <p:nvPr/>
-        </p:nvSpPr>
-        <p:spPr>
-          <a:xfrm>
-            <a:off x="9293496" y="2778806"/>
-            <a:ext cx="1049268" cy="1303652"/>
-          </a:xfrm>
-          <a:prstGeom prst="roundRect">
-            <a:avLst/>
-          </a:prstGeom>
-          <a:noFill/>
-          <a:ln>
-            <a:solidFill>
-              <a:schemeClr val="tx1"/>
-            </a:solidFill>
-          </a:ln>
-          <a:effectLst/>
-        </p:spPr>
-        <p:style>
-          <a:lnRef idx="1">
-            <a:schemeClr val="accent1"/>
-          </a:lnRef>
-          <a:fillRef idx="3">
-            <a:schemeClr val="accent1"/>
-          </a:fillRef>
-          <a:effectRef idx="2">
-            <a:schemeClr val="accent1"/>
-          </a:effectRef>
-          <a:fontRef idx="minor">
-            <a:schemeClr val="lt1"/>
-          </a:fontRef>
-        </p:style>
-        <p:txBody>
-          <a:bodyPr lIns="91430" tIns="45714" rIns="91430" bIns="45714" spcCol="0" rtlCol="0" anchor="ctr"/>
-          <a:lstStyle/>
-          <a:p>
-            <a:pPr algn="ctr"/>
-            <a:endParaRPr lang="en-US"/>
-          </a:p>
-        </p:txBody>
-      </p:sp>
-      <p:pic>
-        <p:nvPicPr>
-          <p:cNvPr id="98" name="Picture 97"/>
-          <p:cNvPicPr>
-            <a:picLocks noChangeAspect="1"/>
-          </p:cNvPicPr>
-          <p:nvPr/>
-        </p:nvPicPr>
-        <p:blipFill rotWithShape="1">
-          <a:blip r:embed="rId11"/>
-          <a:srcRect l="-1" r="63002"/>
-          <a:stretch/>
-        </p:blipFill>
-        <p:spPr>
-          <a:xfrm>
-            <a:off x="8911704" y="4841491"/>
-            <a:ext cx="657505" cy="617506"/>
-          </a:xfrm>
-          <a:prstGeom prst="rect">
-            <a:avLst/>
-          </a:prstGeom>
-        </p:spPr>
-      </p:pic>
-      <p:sp>
-        <p:nvSpPr>
-          <p:cNvPr id="99" name="Right Arrow 98"/>
-          <p:cNvSpPr/>
-          <p:nvPr/>
-        </p:nvSpPr>
-        <p:spPr>
-          <a:xfrm>
-            <a:off x="8473330" y="5007447"/>
-            <a:ext cx="390769" cy="257054"/>
-          </a:xfrm>
-          <a:prstGeom prst="rightArrow">
-            <a:avLst/>
-          </a:prstGeom>
-          <a:noFill/>
-          <a:ln>
-            <a:solidFill>
-              <a:schemeClr val="tx1"/>
-            </a:solidFill>
-          </a:ln>
-          <a:effectLst/>
-        </p:spPr>
-        <p:style>
-          <a:lnRef idx="1">
-            <a:schemeClr val="accent1"/>
-          </a:lnRef>
-          <a:fillRef idx="3">
-            <a:schemeClr val="accent1"/>
-          </a:fillRef>
-          <a:effectRef idx="2">
-            <a:schemeClr val="accent1"/>
-          </a:effectRef>
-          <a:fontRef idx="minor">
-            <a:schemeClr val="lt1"/>
-          </a:fontRef>
-        </p:style>
-        <p:txBody>
-          <a:bodyPr lIns="91430" tIns="45714" rIns="91430" bIns="45714" spcCol="0" rtlCol="0" anchor="ctr"/>
-          <a:lstStyle/>
-          <a:p>
-            <a:pPr algn="ctr"/>
-            <a:endParaRPr lang="en-US"/>
-          </a:p>
-        </p:txBody>
-      </p:sp>
-      <p:sp>
-        <p:nvSpPr>
-          <p:cNvPr id="100" name="TextBox 99"/>
-          <p:cNvSpPr txBox="1"/>
-          <p:nvPr/>
-        </p:nvSpPr>
-        <p:spPr>
-          <a:xfrm>
-            <a:off x="5611587" y="5517462"/>
-            <a:ext cx="2880356" cy="584763"/>
-          </a:xfrm>
-          <a:prstGeom prst="rect">
-            <a:avLst/>
-          </a:prstGeom>
-          <a:noFill/>
-        </p:spPr>
-        <p:txBody>
-          <a:bodyPr wrap="square" lIns="91430" tIns="45714" rIns="91430" bIns="45714" rtlCol="0">
-            <a:spAutoFit/>
-          </a:bodyPr>
-          <a:lstStyle/>
-          <a:p>
-            <a:pPr algn="ctr"/>
-            <a:r>
-              <a:rPr lang="en-US" sz="1600" dirty="0"/>
-              <a:t>Cloned </a:t>
-            </a:r>
-            <a:r>
-              <a:rPr lang="en-US" sz="1600" dirty="0" smtClean="0"/>
-              <a:t>test containers &amp;</a:t>
-            </a:r>
-          </a:p>
-          <a:p>
-            <a:pPr algn="ctr"/>
-            <a:r>
-              <a:rPr lang="en-US" sz="1600" dirty="0" smtClean="0"/>
-              <a:t>network </a:t>
-            </a:r>
-            <a:r>
-              <a:rPr lang="en-US" sz="1600" dirty="0"/>
-              <a:t>d</a:t>
-            </a:r>
-            <a:r>
-              <a:rPr lang="en-US" sz="1600" dirty="0" smtClean="0"/>
-              <a:t>uplication</a:t>
-            </a:r>
-            <a:endParaRPr lang="en-US" sz="1600" dirty="0"/>
-          </a:p>
-        </p:txBody>
-      </p:sp>
-      <p:sp>
-        <p:nvSpPr>
-          <p:cNvPr id="102" name="TextBox 101"/>
-          <p:cNvSpPr txBox="1"/>
-          <p:nvPr/>
-        </p:nvSpPr>
-        <p:spPr>
-          <a:xfrm>
-            <a:off x="8561269" y="5422433"/>
-            <a:ext cx="1207593" cy="584763"/>
-          </a:xfrm>
-          <a:prstGeom prst="rect">
-            <a:avLst/>
-          </a:prstGeom>
-          <a:noFill/>
-        </p:spPr>
-        <p:txBody>
-          <a:bodyPr wrap="square" lIns="91430" tIns="45714" rIns="91430" bIns="45714" rtlCol="0">
-            <a:spAutoFit/>
-          </a:bodyPr>
-          <a:lstStyle/>
-          <a:p>
-            <a:pPr algn="ctr"/>
-            <a:r>
-              <a:rPr lang="en-US" sz="1600" dirty="0"/>
-              <a:t>Debug </a:t>
-            </a:r>
-            <a:endParaRPr lang="en-US" sz="1600" dirty="0" smtClean="0"/>
-          </a:p>
-          <a:p>
-            <a:pPr algn="ctr"/>
-            <a:r>
-              <a:rPr lang="en-US" sz="1600" dirty="0"/>
-              <a:t>o</a:t>
-            </a:r>
-            <a:r>
-              <a:rPr lang="en-US" sz="1600" dirty="0" smtClean="0"/>
-              <a:t>utput</a:t>
-            </a:r>
-            <a:endParaRPr lang="en-US" sz="1600" dirty="0"/>
-          </a:p>
-        </p:txBody>
-      </p:sp>
-      <p:sp>
-        <p:nvSpPr>
-          <p:cNvPr id="103" name="TextBox 102"/>
-          <p:cNvSpPr txBox="1"/>
-          <p:nvPr/>
-        </p:nvSpPr>
-        <p:spPr>
-          <a:xfrm>
-            <a:off x="9768862" y="4644949"/>
-            <a:ext cx="2463189" cy="1169539"/>
-          </a:xfrm>
-          <a:prstGeom prst="rect">
-            <a:avLst/>
-          </a:prstGeom>
-          <a:noFill/>
-        </p:spPr>
-        <p:txBody>
-          <a:bodyPr wrap="square" lIns="91430" tIns="45714" rIns="91430" bIns="45714" numCol="1" rtlCol="0">
-            <a:spAutoFit/>
-          </a:bodyPr>
-          <a:lstStyle/>
-          <a:p>
-            <a:pPr marL="342862" indent="-342862">
-              <a:buAutoNum type="arabicPeriod"/>
-            </a:pPr>
-            <a:r>
-              <a:rPr lang="en-US" sz="1400" dirty="0"/>
-              <a:t>Live </a:t>
-            </a:r>
-            <a:r>
-              <a:rPr lang="en-US" sz="1400" dirty="0" smtClean="0"/>
-              <a:t>debugging</a:t>
-            </a:r>
-            <a:endParaRPr lang="en-US" sz="1400" dirty="0"/>
-          </a:p>
-          <a:p>
-            <a:pPr marL="342862" indent="-342862">
-              <a:buAutoNum type="arabicPeriod"/>
-            </a:pPr>
-            <a:r>
-              <a:rPr lang="en-US" sz="1400" dirty="0"/>
-              <a:t>Same system state</a:t>
-            </a:r>
-          </a:p>
-          <a:p>
-            <a:pPr marL="342862" indent="-342862">
-              <a:buAutoNum type="arabicPeriod"/>
-            </a:pPr>
-            <a:r>
-              <a:rPr lang="en-US" sz="1400" dirty="0"/>
-              <a:t>User input available</a:t>
-            </a:r>
-          </a:p>
-          <a:p>
-            <a:pPr marL="342862" indent="-342862">
-              <a:buAutoNum type="arabicPeriod"/>
-            </a:pPr>
-            <a:r>
-              <a:rPr lang="en-US" sz="1400" dirty="0"/>
-              <a:t>Less </a:t>
-            </a:r>
-            <a:r>
-              <a:rPr lang="en-US" sz="1400" dirty="0" smtClean="0"/>
-              <a:t>resources used</a:t>
-            </a:r>
-            <a:endParaRPr lang="en-US" sz="1400" dirty="0"/>
-          </a:p>
-          <a:p>
-            <a:pPr marL="342862" indent="-342862">
-              <a:buAutoNum type="arabicPeriod"/>
-            </a:pPr>
-            <a:r>
-              <a:rPr lang="en-US" sz="1400" dirty="0"/>
-              <a:t>Fast </a:t>
-            </a:r>
-            <a:r>
-              <a:rPr lang="en-US" sz="1400" dirty="0" smtClean="0"/>
-              <a:t>time </a:t>
-            </a:r>
-            <a:r>
-              <a:rPr lang="en-US" sz="1400" dirty="0"/>
-              <a:t>to </a:t>
-            </a:r>
-            <a:r>
-              <a:rPr lang="en-US" sz="1400" dirty="0" smtClean="0"/>
-              <a:t>debug</a:t>
-            </a:r>
-            <a:endParaRPr lang="en-US" sz="1400" dirty="0"/>
-          </a:p>
-        </p:txBody>
-      </p:sp>
-      <p:sp>
-        <p:nvSpPr>
-          <p:cNvPr id="104" name="TextBox 103"/>
-          <p:cNvSpPr txBox="1"/>
-          <p:nvPr/>
-        </p:nvSpPr>
-        <p:spPr>
-          <a:xfrm>
-            <a:off x="3791746" y="2375371"/>
-            <a:ext cx="1050053" cy="338542"/>
-          </a:xfrm>
-          <a:prstGeom prst="rect">
-            <a:avLst/>
-          </a:prstGeom>
-          <a:noFill/>
-        </p:spPr>
-        <p:txBody>
-          <a:bodyPr wrap="square" lIns="91430" tIns="45714" rIns="91430" bIns="45714" rtlCol="0">
-            <a:spAutoFit/>
-          </a:bodyPr>
-          <a:lstStyle/>
-          <a:p>
-            <a:pPr algn="ctr"/>
-            <a:r>
-              <a:rPr lang="en-US" sz="1600" dirty="0" smtClean="0"/>
-              <a:t>Tier 1</a:t>
-            </a:r>
-            <a:endParaRPr lang="en-US" sz="1600" dirty="0"/>
-          </a:p>
-        </p:txBody>
-      </p:sp>
-      <p:sp>
-        <p:nvSpPr>
-          <p:cNvPr id="105" name="TextBox 104"/>
-          <p:cNvSpPr txBox="1"/>
-          <p:nvPr/>
-        </p:nvSpPr>
-        <p:spPr>
-          <a:xfrm>
-            <a:off x="5161202" y="2374921"/>
-            <a:ext cx="1050053" cy="338542"/>
-          </a:xfrm>
-          <a:prstGeom prst="rect">
-            <a:avLst/>
-          </a:prstGeom>
-          <a:noFill/>
-        </p:spPr>
-        <p:txBody>
-          <a:bodyPr wrap="square" lIns="91430" tIns="45714" rIns="91430" bIns="45714" rtlCol="0">
-            <a:spAutoFit/>
-          </a:bodyPr>
-          <a:lstStyle/>
-          <a:p>
-            <a:pPr algn="ctr"/>
-            <a:r>
-              <a:rPr lang="en-US" sz="1600" dirty="0" smtClean="0"/>
-              <a:t>Tier 2</a:t>
-            </a:r>
-            <a:endParaRPr lang="en-US" sz="1600" dirty="0"/>
-          </a:p>
-        </p:txBody>
-      </p:sp>
-      <p:sp>
-        <p:nvSpPr>
-          <p:cNvPr id="106" name="TextBox 105"/>
-          <p:cNvSpPr txBox="1"/>
-          <p:nvPr/>
-        </p:nvSpPr>
-        <p:spPr>
-          <a:xfrm>
-            <a:off x="6514289" y="2375371"/>
-            <a:ext cx="1050053" cy="338542"/>
-          </a:xfrm>
-          <a:prstGeom prst="rect">
-            <a:avLst/>
-          </a:prstGeom>
-          <a:noFill/>
-        </p:spPr>
-        <p:txBody>
-          <a:bodyPr wrap="square" lIns="91430" tIns="45714" rIns="91430" bIns="45714" rtlCol="0">
-            <a:spAutoFit/>
-          </a:bodyPr>
-          <a:lstStyle/>
-          <a:p>
-            <a:pPr algn="ctr"/>
-            <a:r>
-              <a:rPr lang="en-US" sz="1600" dirty="0" smtClean="0"/>
-              <a:t>Tier 3</a:t>
-            </a:r>
-            <a:endParaRPr lang="en-US" sz="1600" dirty="0"/>
-          </a:p>
-        </p:txBody>
-      </p:sp>
-      <p:sp>
-        <p:nvSpPr>
-          <p:cNvPr id="107" name="TextBox 106"/>
-          <p:cNvSpPr txBox="1"/>
-          <p:nvPr/>
-        </p:nvSpPr>
-        <p:spPr>
-          <a:xfrm>
-            <a:off x="8006086" y="2374921"/>
-            <a:ext cx="1050053" cy="338542"/>
-          </a:xfrm>
-          <a:prstGeom prst="rect">
-            <a:avLst/>
-          </a:prstGeom>
-          <a:noFill/>
-        </p:spPr>
-        <p:txBody>
-          <a:bodyPr wrap="square" lIns="91430" tIns="45714" rIns="91430" bIns="45714" rtlCol="0">
-            <a:spAutoFit/>
-          </a:bodyPr>
-          <a:lstStyle/>
-          <a:p>
-            <a:pPr algn="ctr"/>
-            <a:r>
-              <a:rPr lang="en-US" sz="1600" dirty="0" smtClean="0"/>
-              <a:t>Tier 4</a:t>
-            </a:r>
-            <a:endParaRPr lang="en-US" sz="1600" dirty="0"/>
-          </a:p>
-        </p:txBody>
-      </p:sp>
-      <p:sp>
-        <p:nvSpPr>
-          <p:cNvPr id="108" name="TextBox 107"/>
-          <p:cNvSpPr txBox="1"/>
-          <p:nvPr/>
-        </p:nvSpPr>
-        <p:spPr>
-          <a:xfrm>
-            <a:off x="9293497" y="2374921"/>
-            <a:ext cx="1050053" cy="338542"/>
-          </a:xfrm>
-          <a:prstGeom prst="rect">
-            <a:avLst/>
-          </a:prstGeom>
-          <a:noFill/>
-        </p:spPr>
-        <p:txBody>
-          <a:bodyPr wrap="square" lIns="91430" tIns="45714" rIns="91430" bIns="45714" rtlCol="0">
-            <a:spAutoFit/>
-          </a:bodyPr>
-          <a:lstStyle/>
-          <a:p>
-            <a:pPr algn="ctr"/>
-            <a:r>
-              <a:rPr lang="en-US" sz="1600" dirty="0" smtClean="0"/>
-              <a:t>Tier 5</a:t>
-            </a:r>
-            <a:endParaRPr lang="en-US" sz="1600" dirty="0"/>
-          </a:p>
-        </p:txBody>
-      </p:sp>
-      <p:sp>
-        <p:nvSpPr>
-          <p:cNvPr id="109" name="Rounded Rectangle 108"/>
-          <p:cNvSpPr/>
-          <p:nvPr/>
-        </p:nvSpPr>
-        <p:spPr>
-          <a:xfrm>
-            <a:off x="10509681" y="2787564"/>
-            <a:ext cx="1049268" cy="1303652"/>
-          </a:xfrm>
-          <a:prstGeom prst="roundRect">
-            <a:avLst/>
-          </a:prstGeom>
-          <a:noFill/>
-          <a:ln>
-            <a:solidFill>
-              <a:schemeClr val="tx1"/>
-            </a:solidFill>
-          </a:ln>
-          <a:effectLst/>
-        </p:spPr>
-        <p:style>
-          <a:lnRef idx="1">
-            <a:schemeClr val="accent1"/>
-          </a:lnRef>
-          <a:fillRef idx="3">
-            <a:schemeClr val="accent1"/>
-          </a:fillRef>
-          <a:effectRef idx="2">
-            <a:schemeClr val="accent1"/>
-          </a:effectRef>
-          <a:fontRef idx="minor">
-            <a:schemeClr val="lt1"/>
-          </a:fontRef>
-        </p:style>
-        <p:txBody>
-          <a:bodyPr lIns="91430" tIns="45714" rIns="91430" bIns="45714" spcCol="0" rtlCol="0" anchor="ctr"/>
-          <a:lstStyle/>
-          <a:p>
-            <a:pPr algn="ctr"/>
-            <a:endParaRPr lang="en-US"/>
-          </a:p>
-        </p:txBody>
-      </p:sp>
-      <p:sp>
-        <p:nvSpPr>
-          <p:cNvPr id="110" name="Rounded Rectangle 109"/>
-          <p:cNvSpPr/>
-          <p:nvPr/>
-        </p:nvSpPr>
-        <p:spPr>
-          <a:xfrm>
-            <a:off x="10682736" y="2917101"/>
-            <a:ext cx="1049268" cy="1303652"/>
-          </a:xfrm>
-          <a:prstGeom prst="roundRect">
-            <a:avLst/>
-          </a:prstGeom>
-          <a:noFill/>
-          <a:ln>
-            <a:solidFill>
-              <a:schemeClr val="tx1"/>
-            </a:solidFill>
-          </a:ln>
-          <a:effectLst/>
-        </p:spPr>
-        <p:style>
-          <a:lnRef idx="1">
-            <a:schemeClr val="accent1"/>
-          </a:lnRef>
-          <a:fillRef idx="3">
-            <a:schemeClr val="accent1"/>
-          </a:fillRef>
-          <a:effectRef idx="2">
-            <a:schemeClr val="accent1"/>
-          </a:effectRef>
-          <a:fontRef idx="minor">
-            <a:schemeClr val="lt1"/>
-          </a:fontRef>
-        </p:style>
-        <p:txBody>
-          <a:bodyPr lIns="91430" tIns="45714" rIns="91430" bIns="45714" spcCol="0" rtlCol="0" anchor="ctr"/>
-          <a:lstStyle/>
-          <a:p>
-            <a:pPr algn="ctr"/>
-            <a:endParaRPr lang="en-US"/>
-          </a:p>
-        </p:txBody>
-      </p:sp>
-      <p:sp>
-        <p:nvSpPr>
-          <p:cNvPr id="111" name="Rounded Rectangle 110"/>
-          <p:cNvSpPr/>
-          <p:nvPr/>
-        </p:nvSpPr>
-        <p:spPr>
-          <a:xfrm>
-            <a:off x="10901511" y="3052829"/>
-            <a:ext cx="1049268" cy="1303652"/>
-          </a:xfrm>
-          <a:prstGeom prst="roundRect">
-            <a:avLst/>
-          </a:prstGeom>
-          <a:noFill/>
-          <a:ln>
-            <a:solidFill>
-              <a:schemeClr val="tx1"/>
-            </a:solidFill>
-          </a:ln>
-          <a:effectLst/>
-        </p:spPr>
-        <p:style>
-          <a:lnRef idx="1">
-            <a:schemeClr val="accent1"/>
-          </a:lnRef>
-          <a:fillRef idx="3">
-            <a:schemeClr val="accent1"/>
-          </a:fillRef>
-          <a:effectRef idx="2">
-            <a:schemeClr val="accent1"/>
-          </a:effectRef>
-          <a:fontRef idx="minor">
-            <a:schemeClr val="lt1"/>
-          </a:fontRef>
-        </p:style>
-        <p:txBody>
-          <a:bodyPr lIns="91430" tIns="45714" rIns="91430" bIns="45714" spcCol="0" rtlCol="0" anchor="ctr"/>
-          <a:lstStyle/>
-          <a:p>
-            <a:pPr algn="ctr"/>
-            <a:endParaRPr lang="en-US"/>
-          </a:p>
-        </p:txBody>
-      </p:sp>
-      <p:sp>
-        <p:nvSpPr>
-          <p:cNvPr id="112" name="TextBox 111"/>
-          <p:cNvSpPr txBox="1"/>
-          <p:nvPr/>
-        </p:nvSpPr>
-        <p:spPr>
-          <a:xfrm>
-            <a:off x="10568354" y="2375371"/>
-            <a:ext cx="1050053" cy="338542"/>
-          </a:xfrm>
-          <a:prstGeom prst="rect">
-            <a:avLst/>
-          </a:prstGeom>
-          <a:noFill/>
-        </p:spPr>
-        <p:txBody>
-          <a:bodyPr wrap="square" lIns="91430" tIns="45714" rIns="91430" bIns="45714" rtlCol="0">
-            <a:spAutoFit/>
-          </a:bodyPr>
-          <a:lstStyle/>
-          <a:p>
-            <a:pPr algn="ctr"/>
-            <a:r>
-              <a:rPr lang="en-US" sz="1600" dirty="0" smtClean="0"/>
-              <a:t>Tiers n</a:t>
-            </a:r>
-            <a:endParaRPr lang="en-US" sz="1600" dirty="0"/>
-          </a:p>
-        </p:txBody>
-      </p:sp>
-      <p:pic>
-        <p:nvPicPr>
-          <p:cNvPr id="113" name="Picture 112"/>
-          <p:cNvPicPr>
-            <a:picLocks noChangeAspect="1"/>
-          </p:cNvPicPr>
-          <p:nvPr/>
-        </p:nvPicPr>
-        <p:blipFill>
-          <a:blip r:embed="rId12"/>
-          <a:stretch>
-            <a:fillRect/>
-          </a:stretch>
-        </p:blipFill>
-        <p:spPr>
-          <a:xfrm>
-            <a:off x="6209962" y="3823461"/>
-            <a:ext cx="399824" cy="399824"/>
-          </a:xfrm>
-          <a:prstGeom prst="rect">
-            <a:avLst/>
-          </a:prstGeom>
-        </p:spPr>
-      </p:pic>
-      <p:pic>
-        <p:nvPicPr>
-          <p:cNvPr id="114" name="Picture 113"/>
-          <p:cNvPicPr>
-            <a:picLocks noChangeAspect="1"/>
-          </p:cNvPicPr>
-          <p:nvPr/>
-        </p:nvPicPr>
-        <p:blipFill>
-          <a:blip r:embed="rId5"/>
-          <a:stretch>
-            <a:fillRect/>
-          </a:stretch>
-        </p:blipFill>
-        <p:spPr>
-          <a:xfrm>
-            <a:off x="4061574" y="3442775"/>
-            <a:ext cx="575904" cy="575904"/>
-          </a:xfrm>
-          <a:prstGeom prst="rect">
-            <a:avLst/>
-          </a:prstGeom>
-        </p:spPr>
-      </p:pic>
-      <p:sp>
-        <p:nvSpPr>
-          <p:cNvPr id="116" name="TextBox 115"/>
-          <p:cNvSpPr txBox="1"/>
-          <p:nvPr/>
-        </p:nvSpPr>
-        <p:spPr>
-          <a:xfrm>
-            <a:off x="3411730" y="5204978"/>
-            <a:ext cx="1706754" cy="830985"/>
-          </a:xfrm>
-          <a:prstGeom prst="rect">
-            <a:avLst/>
-          </a:prstGeom>
-          <a:noFill/>
-        </p:spPr>
-        <p:txBody>
-          <a:bodyPr wrap="square" lIns="91430" tIns="45714" rIns="91430" bIns="45714" rtlCol="0">
-            <a:spAutoFit/>
-          </a:bodyPr>
-          <a:lstStyle/>
-          <a:p>
-            <a:pPr algn="ctr"/>
-            <a:r>
-              <a:rPr lang="en-US" sz="1600" dirty="0" smtClean="0"/>
-              <a:t>User observes error &amp; creates sandbox clones</a:t>
-            </a:r>
-            <a:endParaRPr lang="en-US" sz="1600" dirty="0"/>
-          </a:p>
-        </p:txBody>
-      </p:sp>
-      <p:pic>
-        <p:nvPicPr>
-          <p:cNvPr id="117" name="Picture 116"/>
-          <p:cNvPicPr>
-            <a:picLocks noChangeAspect="1"/>
-          </p:cNvPicPr>
-          <p:nvPr/>
-        </p:nvPicPr>
-        <p:blipFill>
-          <a:blip r:embed="rId12"/>
-          <a:stretch>
-            <a:fillRect/>
-          </a:stretch>
-        </p:blipFill>
-        <p:spPr>
-          <a:xfrm>
-            <a:off x="4265107" y="4716933"/>
-            <a:ext cx="399824" cy="399824"/>
-          </a:xfrm>
-          <a:prstGeom prst="rect">
-            <a:avLst/>
-          </a:prstGeom>
-        </p:spPr>
-      </p:pic>
-      <p:cxnSp>
-        <p:nvCxnSpPr>
-          <p:cNvPr id="119" name="Straight Connector 118"/>
-          <p:cNvCxnSpPr/>
-          <p:nvPr/>
-        </p:nvCxnSpPr>
-        <p:spPr>
-          <a:xfrm>
-            <a:off x="2064388" y="4509348"/>
-            <a:ext cx="10089584" cy="0"/>
-          </a:xfrm>
-          <a:prstGeom prst="line">
-            <a:avLst/>
-          </a:prstGeom>
-          <a:ln>
-            <a:solidFill>
-              <a:schemeClr val="tx1"/>
-            </a:solidFill>
-            <a:prstDash val="sysDot"/>
-          </a:ln>
-          <a:effectLst/>
-        </p:spPr>
-        <p:style>
-          <a:lnRef idx="2">
-            <a:schemeClr val="accent1"/>
-          </a:lnRef>
-          <a:fillRef idx="0">
-            <a:schemeClr val="accent1"/>
-          </a:fillRef>
-          <a:effectRef idx="1">
-            <a:schemeClr val="accent1"/>
-          </a:effectRef>
-          <a:fontRef idx="minor">
-            <a:schemeClr val="tx1"/>
-          </a:fontRef>
-        </p:style>
-      </p:cxnSp>
-      <p:sp>
-        <p:nvSpPr>
-          <p:cNvPr id="121" name="TextBox 120"/>
-          <p:cNvSpPr txBox="1"/>
-          <p:nvPr/>
-        </p:nvSpPr>
-        <p:spPr>
-          <a:xfrm>
-            <a:off x="2064388" y="3014798"/>
-            <a:ext cx="1204342" cy="830997"/>
-          </a:xfrm>
-          <a:prstGeom prst="rect">
-            <a:avLst/>
-          </a:prstGeom>
-          <a:noFill/>
-        </p:spPr>
-        <p:txBody>
-          <a:bodyPr wrap="square" rtlCol="0">
-            <a:spAutoFit/>
-          </a:bodyPr>
-          <a:lstStyle/>
-          <a:p>
-            <a:pPr algn="ctr"/>
-            <a:r>
-              <a:rPr lang="en-US" sz="1600" dirty="0" smtClean="0"/>
-              <a:t>Live </a:t>
-            </a:r>
-          </a:p>
-          <a:p>
-            <a:pPr algn="ctr"/>
-            <a:r>
-              <a:rPr lang="en-US" sz="1600" dirty="0"/>
-              <a:t>p</a:t>
-            </a:r>
-            <a:r>
-              <a:rPr lang="en-US" sz="1600" dirty="0" smtClean="0"/>
-              <a:t>roduction </a:t>
-            </a:r>
-            <a:r>
-              <a:rPr lang="en-US" sz="1600" dirty="0"/>
-              <a:t>s</a:t>
-            </a:r>
-            <a:r>
-              <a:rPr lang="en-US" sz="1600" dirty="0" smtClean="0"/>
-              <a:t>ystem</a:t>
-            </a:r>
-            <a:endParaRPr lang="en-US" sz="1600" dirty="0"/>
-          </a:p>
-        </p:txBody>
-      </p:sp>
-      <p:sp>
-        <p:nvSpPr>
-          <p:cNvPr id="122" name="Left Brace 121"/>
-          <p:cNvSpPr/>
-          <p:nvPr/>
-        </p:nvSpPr>
-        <p:spPr>
-          <a:xfrm>
-            <a:off x="3268730" y="2550832"/>
-            <a:ext cx="328457" cy="1805649"/>
-          </a:xfrm>
-          <a:prstGeom prst="leftBrace">
-            <a:avLst/>
-          </a:prstGeom>
-          <a:ln>
-            <a:solidFill>
-              <a:schemeClr val="tx1"/>
-            </a:solidFill>
-          </a:ln>
-          <a:effectLst/>
-        </p:spPr>
-        <p:style>
-          <a:lnRef idx="2">
-            <a:schemeClr val="accent1"/>
-          </a:lnRef>
-          <a:fillRef idx="0">
-            <a:schemeClr val="accent1"/>
-          </a:fillRef>
-          <a:effectRef idx="1">
-            <a:schemeClr val="accent1"/>
-          </a:effectRef>
-          <a:fontRef idx="minor">
-            <a:schemeClr val="tx1"/>
-          </a:fontRef>
-        </p:style>
-        <p:txBody>
-          <a:bodyPr rtlCol="0" anchor="ctr"/>
-          <a:lstStyle/>
-          <a:p>
-            <a:pPr algn="ctr"/>
-            <a:endParaRPr lang="en-US"/>
-          </a:p>
-        </p:txBody>
-      </p:sp>
-      <p:sp>
-        <p:nvSpPr>
-          <p:cNvPr id="123" name="Left Brace 122"/>
-          <p:cNvSpPr/>
-          <p:nvPr/>
-        </p:nvSpPr>
-        <p:spPr>
-          <a:xfrm>
-            <a:off x="3268730" y="4601949"/>
-            <a:ext cx="328457" cy="1430470"/>
-          </a:xfrm>
-          <a:prstGeom prst="leftBrace">
-            <a:avLst/>
-          </a:prstGeom>
-          <a:ln>
-            <a:solidFill>
-              <a:schemeClr val="tx1"/>
-            </a:solidFill>
-          </a:ln>
-          <a:effectLst/>
-        </p:spPr>
-        <p:style>
-          <a:lnRef idx="2">
-            <a:schemeClr val="accent1"/>
-          </a:lnRef>
-          <a:fillRef idx="0">
-            <a:schemeClr val="accent1"/>
-          </a:fillRef>
-          <a:effectRef idx="1">
-            <a:schemeClr val="accent1"/>
-          </a:effectRef>
-          <a:fontRef idx="minor">
-            <a:schemeClr val="tx1"/>
-          </a:fontRef>
-        </p:style>
-        <p:txBody>
-          <a:bodyPr rtlCol="0" anchor="ctr"/>
-          <a:lstStyle/>
-          <a:p>
-            <a:pPr algn="ctr"/>
-            <a:endParaRPr lang="en-US"/>
-          </a:p>
-        </p:txBody>
-      </p:sp>
-      <p:sp>
-        <p:nvSpPr>
-          <p:cNvPr id="124" name="TextBox 123"/>
-          <p:cNvSpPr txBox="1"/>
-          <p:nvPr/>
-        </p:nvSpPr>
-        <p:spPr>
-          <a:xfrm>
-            <a:off x="1839358" y="4644949"/>
-            <a:ext cx="1429372" cy="1323439"/>
-          </a:xfrm>
-          <a:prstGeom prst="rect">
-            <a:avLst/>
-          </a:prstGeom>
-          <a:noFill/>
-        </p:spPr>
-        <p:txBody>
-          <a:bodyPr wrap="square" rtlCol="0">
-            <a:spAutoFit/>
-          </a:bodyPr>
-          <a:lstStyle/>
-          <a:p>
-            <a:pPr algn="ctr"/>
-            <a:r>
-              <a:rPr lang="en-US" sz="1600" i="1" dirty="0" smtClean="0"/>
-              <a:t>PARIKSHAN</a:t>
-            </a:r>
-          </a:p>
-          <a:p>
-            <a:pPr algn="ctr"/>
-            <a:endParaRPr lang="en-US" sz="1600" i="1" dirty="0" smtClean="0"/>
-          </a:p>
-          <a:p>
-            <a:pPr algn="ctr"/>
-            <a:r>
-              <a:rPr lang="en-US" sz="1600" dirty="0" smtClean="0"/>
-              <a:t>“sandbox </a:t>
-            </a:r>
-          </a:p>
-          <a:p>
-            <a:pPr algn="ctr"/>
-            <a:r>
-              <a:rPr lang="en-US" sz="1600" dirty="0"/>
-              <a:t>c</a:t>
-            </a:r>
-            <a:r>
-              <a:rPr lang="en-US" sz="1600" dirty="0" smtClean="0"/>
-              <a:t>loned </a:t>
-            </a:r>
-            <a:r>
-              <a:rPr lang="en-US" sz="1600" dirty="0"/>
-              <a:t>d</a:t>
-            </a:r>
-            <a:r>
-              <a:rPr lang="en-US" sz="1600" dirty="0" smtClean="0"/>
-              <a:t>ebug system”</a:t>
-            </a:r>
-            <a:endParaRPr lang="en-US" sz="1600" dirty="0"/>
-          </a:p>
-        </p:txBody>
-      </p:sp>
-      <p:pic>
-        <p:nvPicPr>
-          <p:cNvPr id="125" name="Picture 124"/>
-          <p:cNvPicPr>
-            <a:picLocks noChangeAspect="1"/>
-          </p:cNvPicPr>
-          <p:nvPr/>
-        </p:nvPicPr>
-        <p:blipFill>
-          <a:blip r:embed="rId13"/>
-          <a:stretch>
-            <a:fillRect/>
-          </a:stretch>
-        </p:blipFill>
-        <p:spPr>
-          <a:xfrm>
-            <a:off x="3597187" y="4702507"/>
-            <a:ext cx="428345" cy="406927"/>
-          </a:xfrm>
-          <a:prstGeom prst="rect">
-            <a:avLst/>
-          </a:prstGeom>
-        </p:spPr>
-      </p:pic>
-      <p:sp>
-        <p:nvSpPr>
-          <p:cNvPr id="115" name="Right Arrow 114"/>
-          <p:cNvSpPr/>
-          <p:nvPr/>
-        </p:nvSpPr>
-        <p:spPr>
-          <a:xfrm rot="5400000">
-            <a:off x="6923167" y="4340598"/>
-            <a:ext cx="390769" cy="257054"/>
-          </a:xfrm>
-          <a:prstGeom prst="rightArrow">
-            <a:avLst/>
-          </a:prstGeom>
-          <a:solidFill>
-            <a:schemeClr val="bg1"/>
-          </a:solidFill>
-          <a:ln>
-            <a:solidFill>
-              <a:schemeClr val="tx1"/>
-            </a:solidFill>
-          </a:ln>
-          <a:effectLst/>
-        </p:spPr>
-        <p:style>
-          <a:lnRef idx="1">
-            <a:schemeClr val="accent1"/>
-          </a:lnRef>
-          <a:fillRef idx="3">
-            <a:schemeClr val="accent1"/>
-          </a:fillRef>
-          <a:effectRef idx="2">
-            <a:schemeClr val="accent1"/>
-          </a:effectRef>
-          <a:fontRef idx="minor">
-            <a:schemeClr val="lt1"/>
-          </a:fontRef>
-        </p:style>
-        <p:txBody>
-          <a:bodyPr lIns="91430" tIns="45714" rIns="91430" bIns="45714" spcCol="0" rtlCol="0" anchor="ctr"/>
-          <a:lstStyle/>
-          <a:p>
-            <a:pPr algn="ctr"/>
-            <a:endParaRPr lang="en-US"/>
-          </a:p>
-        </p:txBody>
-      </p:sp>
-      <p:sp>
-        <p:nvSpPr>
-          <p:cNvPr id="127" name="Right Arrow 126"/>
-          <p:cNvSpPr/>
-          <p:nvPr/>
-        </p:nvSpPr>
-        <p:spPr>
-          <a:xfrm>
-            <a:off x="5040551" y="5036561"/>
-            <a:ext cx="390769" cy="257054"/>
-          </a:xfrm>
-          <a:prstGeom prst="rightArrow">
-            <a:avLst/>
-          </a:prstGeom>
-          <a:solidFill>
-            <a:schemeClr val="bg1"/>
-          </a:solidFill>
-          <a:ln>
-            <a:solidFill>
-              <a:schemeClr val="tx1"/>
-            </a:solidFill>
-          </a:ln>
-          <a:effectLst/>
-        </p:spPr>
-        <p:style>
-          <a:lnRef idx="1">
-            <a:schemeClr val="accent1"/>
-          </a:lnRef>
-          <a:fillRef idx="3">
-            <a:schemeClr val="accent1"/>
-          </a:fillRef>
-          <a:effectRef idx="2">
-            <a:schemeClr val="accent1"/>
-          </a:effectRef>
-          <a:fontRef idx="minor">
-            <a:schemeClr val="lt1"/>
-          </a:fontRef>
-        </p:style>
-        <p:txBody>
-          <a:bodyPr lIns="91430" tIns="45714" rIns="91430" bIns="45714" spcCol="0" rtlCol="0" anchor="ctr"/>
-          <a:lstStyle/>
-          <a:p>
-            <a:pPr algn="ctr"/>
-            <a:endParaRPr lang="en-US"/>
-          </a:p>
-        </p:txBody>
-      </p:sp>
-    </p:spTree>
-    <p:extLst>
-      <p:ext uri="{BB962C8B-B14F-4D97-AF65-F5344CB8AC3E}">
-        <p14:creationId xmlns:p14="http://schemas.microsoft.com/office/powerpoint/2010/main" val="2721693634"/>
-      </p:ext>
-    </p:extLst>
-  </p:cSld>
-  <p:clrMapOvr>
-    <a:masterClrMapping/>
-  </p:clrMapOvr>
-</p:sld>
-</file>
-
-<file path=ppt/slides/slide11.xml><?xml version="1.0" encoding="utf-8"?>
-<p:sld xmlns:a="http://schemas.openxmlformats.org/drawingml/2006/main" xmlns:r="http://schemas.openxmlformats.org/officeDocument/2006/relationships" xmlns:p="http://schemas.openxmlformats.org/presentationml/2006/main">
-  <p:cSld>
-    <p:spTree>
-      <p:nvGrpSpPr>
-        <p:cNvPr id="1" name=""/>
-        <p:cNvGrpSpPr/>
-        <p:nvPr/>
-      </p:nvGrpSpPr>
-      <p:grpSpPr>
-        <a:xfrm>
-          <a:off x="0" y="0"/>
-          <a:ext cx="0" cy="0"/>
-          <a:chOff x="0" y="0"/>
-          <a:chExt cx="0" cy="0"/>
-        </a:xfrm>
-      </p:grpSpPr>
-      <p:pic>
-        <p:nvPicPr>
-          <p:cNvPr id="4" name="Picture 3"/>
-          <p:cNvPicPr>
-            <a:picLocks noChangeAspect="1"/>
-          </p:cNvPicPr>
-          <p:nvPr/>
-        </p:nvPicPr>
-        <p:blipFill>
-          <a:blip r:embed="rId2"/>
-          <a:stretch>
-            <a:fillRect/>
-          </a:stretch>
-        </p:blipFill>
-        <p:spPr>
-          <a:xfrm>
-            <a:off x="0" y="1351279"/>
-            <a:ext cx="12801600" cy="6887231"/>
-          </a:xfrm>
-          <a:prstGeom prst="rect">
-            <a:avLst/>
-          </a:prstGeom>
-        </p:spPr>
-      </p:pic>
-    </p:spTree>
-    <p:extLst>
-      <p:ext uri="{BB962C8B-B14F-4D97-AF65-F5344CB8AC3E}">
-        <p14:creationId xmlns:p14="http://schemas.microsoft.com/office/powerpoint/2010/main" val="4144957084"/>
-      </p:ext>
-    </p:extLst>
-  </p:cSld>
-  <p:clrMapOvr>
-    <a:masterClrMapping/>
-  </p:clrMapOvr>
-</p:sld>
-</file>
-
-<file path=ppt/slides/slide12.xml><?xml version="1.0" encoding="utf-8"?>
-<p:sld xmlns:a="http://schemas.openxmlformats.org/drawingml/2006/main" xmlns:r="http://schemas.openxmlformats.org/officeDocument/2006/relationships" xmlns:p="http://schemas.openxmlformats.org/presentationml/2006/main">
-  <p:cSld>
-    <p:spTree>
-      <p:nvGrpSpPr>
-        <p:cNvPr id="1" name=""/>
-        <p:cNvGrpSpPr/>
-        <p:nvPr/>
-      </p:nvGrpSpPr>
-      <p:grpSpPr>
-        <a:xfrm>
-          <a:off x="0" y="0"/>
-          <a:ext cx="0" cy="0"/>
-          <a:chOff x="0" y="0"/>
-          <a:chExt cx="0" cy="0"/>
-        </a:xfrm>
-      </p:grpSpPr>
       <p:grpSp>
         <p:nvGrpSpPr>
           <p:cNvPr id="33" name="Group 32"/>
@@ -7305,7 +5399,7 @@
 </p:sld>
 </file>
 
-<file path=ppt/slides/slide13.xml><?xml version="1.0" encoding="utf-8"?>
+<file path=ppt/slides/slide11.xml><?xml version="1.0" encoding="utf-8"?>
 <p:sld xmlns:a="http://schemas.openxmlformats.org/drawingml/2006/main" xmlns:r="http://schemas.openxmlformats.org/officeDocument/2006/relationships" xmlns:p="http://schemas.openxmlformats.org/presentationml/2006/main">
   <p:cSld>
     <p:spTree>
@@ -7330,10 +5424,10 @@
         </p:nvGrpSpPr>
         <p:grpSpPr>
           <a:xfrm>
-            <a:off x="185499" y="185046"/>
-            <a:ext cx="6764838" cy="4108947"/>
-            <a:chOff x="2306969" y="2825246"/>
-            <a:chExt cx="6764838" cy="4108947"/>
+            <a:off x="399148" y="185046"/>
+            <a:ext cx="6830283" cy="4108947"/>
+            <a:chOff x="2241524" y="2825246"/>
+            <a:chExt cx="6830283" cy="4108947"/>
           </a:xfrm>
         </p:grpSpPr>
         <p:sp>
@@ -7344,8 +5438,8 @@
           </p:nvSpPr>
           <p:spPr>
             <a:xfrm>
-              <a:off x="2306969" y="4466637"/>
-              <a:ext cx="1503010" cy="884211"/>
+              <a:off x="2241524" y="4466637"/>
+              <a:ext cx="1568455" cy="884211"/>
             </a:xfrm>
             <a:prstGeom prst="rect">
               <a:avLst/>
@@ -7378,7 +5472,7 @@
             <a:p>
               <a:pPr algn="ctr"/>
               <a:r>
-                <a:rPr lang="en-US" sz="4400" dirty="0">
+                <a:rPr lang="en-US" sz="2800" dirty="0" smtClean="0">
                   <a:solidFill>
                     <a:schemeClr val="tx1"/>
                   </a:solidFill>
@@ -7435,18 +5529,13 @@
             <a:p>
               <a:pPr algn="ctr"/>
               <a:r>
-                <a:rPr lang="en-US" sz="4400" dirty="0">
+                <a:rPr lang="en-US" sz="2800" dirty="0">
                   <a:solidFill>
                     <a:schemeClr val="tx1"/>
                   </a:solidFill>
                 </a:rPr>
                 <a:t>Proxy</a:t>
               </a:r>
-              <a:endParaRPr lang="en-US" sz="2100" dirty="0">
-                <a:solidFill>
-                  <a:schemeClr val="tx1"/>
-                </a:solidFill>
-              </a:endParaRPr>
             </a:p>
           </p:txBody>
         </p:sp>
@@ -7492,18 +5581,13 @@
             <a:p>
               <a:pPr algn="ctr"/>
               <a:r>
-                <a:rPr lang="en-US" sz="4400" dirty="0">
+                <a:rPr lang="en-US" sz="2800" dirty="0">
                   <a:solidFill>
                     <a:schemeClr val="tx1"/>
                   </a:solidFill>
                 </a:rPr>
                 <a:t>Production</a:t>
               </a:r>
-              <a:endParaRPr lang="en-US" sz="3600" dirty="0">
-                <a:solidFill>
-                  <a:schemeClr val="tx1"/>
-                </a:solidFill>
-              </a:endParaRPr>
             </a:p>
           </p:txBody>
         </p:sp>
@@ -7516,7 +5600,7 @@
           <p:spPr>
             <a:xfrm>
               <a:off x="6307261" y="6080457"/>
-              <a:ext cx="2254505" cy="853736"/>
+              <a:ext cx="2764546" cy="853736"/>
             </a:xfrm>
             <a:prstGeom prst="rect">
               <a:avLst/>
@@ -7549,14 +5633,14 @@
             <a:p>
               <a:pPr algn="ctr"/>
               <a:r>
-                <a:rPr lang="en-US" sz="4400" dirty="0">
+                <a:rPr lang="en-US" sz="2800" dirty="0" smtClean="0">
                   <a:solidFill>
                     <a:schemeClr val="tx1"/>
                   </a:solidFill>
                 </a:rPr>
-                <a:t>Test</a:t>
+                <a:t>Debug Clone</a:t>
               </a:r>
-              <a:endParaRPr lang="en-US" dirty="0">
+              <a:endParaRPr lang="en-US" sz="2800" dirty="0">
                 <a:solidFill>
                   <a:schemeClr val="tx1"/>
                 </a:solidFill>
@@ -7794,8 +5878,8 @@
           </p:nvSpPr>
           <p:spPr>
             <a:xfrm>
-              <a:off x="5332608" y="3524195"/>
-              <a:ext cx="658609" cy="555362"/>
+              <a:off x="5439140" y="3524195"/>
+              <a:ext cx="552077" cy="555362"/>
             </a:xfrm>
             <a:prstGeom prst="ellipse">
               <a:avLst/>
@@ -7828,7 +5912,7 @@
             <a:p>
               <a:pPr algn="ctr"/>
               <a:r>
-                <a:rPr lang="en-US" sz="3200" dirty="0">
+                <a:rPr lang="en-US" sz="2800" dirty="0">
                   <a:solidFill>
                     <a:srgbClr val="000000"/>
                   </a:solidFill>
@@ -7846,8 +5930,8 @@
           </p:nvSpPr>
           <p:spPr>
             <a:xfrm>
-              <a:off x="7179823" y="4023738"/>
-              <a:ext cx="654174" cy="555362"/>
+              <a:off x="6861557" y="4125404"/>
+              <a:ext cx="542122" cy="555362"/>
             </a:xfrm>
             <a:prstGeom prst="ellipse">
               <a:avLst/>
@@ -7880,7 +5964,7 @@
             <a:p>
               <a:pPr algn="ctr"/>
               <a:r>
-                <a:rPr lang="en-US" sz="3200" dirty="0">
+                <a:rPr lang="en-US" sz="2800" dirty="0">
                   <a:solidFill>
                     <a:srgbClr val="000000"/>
                   </a:solidFill>
@@ -7899,7 +5983,7 @@
           <p:spPr>
             <a:xfrm>
               <a:off x="4053935" y="4000246"/>
-              <a:ext cx="683553" cy="555362"/>
+              <a:ext cx="567297" cy="555362"/>
             </a:xfrm>
             <a:prstGeom prst="ellipse">
               <a:avLst/>
@@ -7932,7 +6016,7 @@
             <a:p>
               <a:pPr algn="ctr"/>
               <a:r>
-                <a:rPr lang="en-US" sz="3200" dirty="0">
+                <a:rPr lang="en-US" sz="2800" dirty="0">
                   <a:solidFill>
                     <a:srgbClr val="000000"/>
                   </a:solidFill>
@@ -7950,8 +6034,8 @@
           </p:nvSpPr>
           <p:spPr>
             <a:xfrm>
-              <a:off x="4082468" y="5287800"/>
-              <a:ext cx="683553" cy="555362"/>
+              <a:off x="4082469" y="5287800"/>
+              <a:ext cx="538764" cy="555362"/>
             </a:xfrm>
             <a:prstGeom prst="ellipse">
               <a:avLst/>
@@ -7984,7 +6068,7 @@
             <a:p>
               <a:pPr algn="ctr"/>
               <a:r>
-                <a:rPr lang="en-US" sz="3200" dirty="0">
+                <a:rPr lang="en-US" sz="2800" dirty="0">
                   <a:solidFill>
                     <a:srgbClr val="000000"/>
                   </a:solidFill>
@@ -8002,8 +6086,8 @@
           </p:nvSpPr>
           <p:spPr>
             <a:xfrm>
-              <a:off x="7022863" y="5203805"/>
-              <a:ext cx="654174" cy="555362"/>
+              <a:off x="6861557" y="5147985"/>
+              <a:ext cx="542122" cy="555362"/>
             </a:xfrm>
             <a:prstGeom prst="ellipse">
               <a:avLst/>
@@ -8036,7 +6120,7 @@
             <a:p>
               <a:pPr algn="ctr"/>
               <a:r>
-                <a:rPr lang="en-US" sz="3200" dirty="0">
+                <a:rPr lang="en-US" sz="2800" dirty="0">
                   <a:solidFill>
                     <a:srgbClr val="000000"/>
                   </a:solidFill>
@@ -8054,8 +6138,8 @@
           </p:nvSpPr>
           <p:spPr>
             <a:xfrm>
-              <a:off x="5472178" y="5609507"/>
-              <a:ext cx="658609" cy="555362"/>
+              <a:off x="5439140" y="5651372"/>
+              <a:ext cx="552077" cy="555362"/>
             </a:xfrm>
             <a:prstGeom prst="ellipse">
               <a:avLst/>
@@ -8088,7 +6172,7 @@
             <a:p>
               <a:pPr algn="ctr"/>
               <a:r>
-                <a:rPr lang="en-US" sz="3200" dirty="0">
+                <a:rPr lang="en-US" sz="2800" dirty="0">
                   <a:solidFill>
                     <a:srgbClr val="000000"/>
                   </a:solidFill>
@@ -8101,30 +6185,495 @@
       </p:grpSp>
       <p:grpSp>
         <p:nvGrpSpPr>
-          <p:cNvPr id="111" name="Group 110"/>
+          <p:cNvPr id="4" name="Group 3"/>
           <p:cNvGrpSpPr/>
           <p:nvPr/>
         </p:nvGrpSpPr>
         <p:grpSpPr>
           <a:xfrm>
-            <a:off x="5886203" y="4821759"/>
-            <a:ext cx="5982521" cy="4108947"/>
-            <a:chOff x="4248770" y="198629"/>
-            <a:chExt cx="5982521" cy="4108947"/>
+            <a:off x="399148" y="4894833"/>
+            <a:ext cx="6830283" cy="4108947"/>
+            <a:chOff x="1246910" y="5053889"/>
+            <a:chExt cx="6830283" cy="4108947"/>
           </a:xfrm>
         </p:grpSpPr>
+        <p:grpSp>
+          <p:nvGrpSpPr>
+            <p:cNvPr id="111" name="Group 110"/>
+            <p:cNvGrpSpPr/>
+            <p:nvPr/>
+          </p:nvGrpSpPr>
+          <p:grpSpPr>
+            <a:xfrm>
+              <a:off x="1246910" y="5053889"/>
+              <a:ext cx="6830283" cy="4108947"/>
+              <a:chOff x="4248770" y="198629"/>
+              <a:chExt cx="6830283" cy="4108947"/>
+            </a:xfrm>
+          </p:grpSpPr>
+          <p:sp>
+            <p:nvSpPr>
+              <p:cNvPr id="73" name="Rectangle 72"/>
+              <p:cNvSpPr/>
+              <p:nvPr/>
+            </p:nvSpPr>
+            <p:spPr>
+              <a:xfrm>
+                <a:off x="5751216" y="1840020"/>
+                <a:ext cx="2059503" cy="884211"/>
+              </a:xfrm>
+              <a:prstGeom prst="rect">
+                <a:avLst/>
+              </a:prstGeom>
+              <a:noFill/>
+              <a:ln w="25400">
+                <a:solidFill>
+                  <a:schemeClr val="tx1"/>
+                </a:solidFill>
+              </a:ln>
+              <a:effectLst/>
+            </p:spPr>
+            <p:style>
+              <a:lnRef idx="1">
+                <a:schemeClr val="accent1"/>
+              </a:lnRef>
+              <a:fillRef idx="3">
+                <a:schemeClr val="accent1"/>
+              </a:fillRef>
+              <a:effectRef idx="2">
+                <a:schemeClr val="accent1"/>
+              </a:effectRef>
+              <a:fontRef idx="minor">
+                <a:schemeClr val="lt1"/>
+              </a:fontRef>
+            </p:style>
+            <p:txBody>
+              <a:bodyPr rtlCol="0" anchor="ctr"/>
+              <a:lstStyle/>
+              <a:p>
+                <a:pPr algn="ctr"/>
+                <a:r>
+                  <a:rPr lang="en-US" sz="2800" dirty="0" smtClean="0">
+                    <a:solidFill>
+                      <a:schemeClr val="tx1"/>
+                    </a:solidFill>
+                  </a:rPr>
+                  <a:t>Aggregator</a:t>
+                </a:r>
+                <a:endParaRPr lang="en-US" sz="2800" dirty="0">
+                  <a:solidFill>
+                    <a:schemeClr val="tx1"/>
+                  </a:solidFill>
+                </a:endParaRPr>
+              </a:p>
+            </p:txBody>
+          </p:sp>
+          <p:sp>
+            <p:nvSpPr>
+              <p:cNvPr id="74" name="Rectangle 73"/>
+              <p:cNvSpPr/>
+              <p:nvPr/>
+            </p:nvSpPr>
+            <p:spPr>
+              <a:xfrm>
+                <a:off x="4248770" y="198629"/>
+                <a:ext cx="2254505" cy="853736"/>
+              </a:xfrm>
+              <a:prstGeom prst="rect">
+                <a:avLst/>
+              </a:prstGeom>
+              <a:noFill/>
+              <a:ln w="25400">
+                <a:solidFill>
+                  <a:schemeClr val="tx1"/>
+                </a:solidFill>
+              </a:ln>
+              <a:effectLst/>
+            </p:spPr>
+            <p:style>
+              <a:lnRef idx="1">
+                <a:schemeClr val="accent1"/>
+              </a:lnRef>
+              <a:fillRef idx="3">
+                <a:schemeClr val="accent1"/>
+              </a:fillRef>
+              <a:effectRef idx="2">
+                <a:schemeClr val="accent1"/>
+              </a:effectRef>
+              <a:fontRef idx="minor">
+                <a:schemeClr val="lt1"/>
+              </a:fontRef>
+            </p:style>
+            <p:txBody>
+              <a:bodyPr rtlCol="0" anchor="ctr"/>
+              <a:lstStyle/>
+              <a:p>
+                <a:pPr algn="ctr"/>
+                <a:r>
+                  <a:rPr lang="en-US" sz="2800" dirty="0" smtClean="0">
+                    <a:solidFill>
+                      <a:schemeClr val="tx1"/>
+                    </a:solidFill>
+                  </a:rPr>
+                  <a:t>Production</a:t>
+                </a:r>
+                <a:endParaRPr lang="en-US" sz="2800" dirty="0">
+                  <a:solidFill>
+                    <a:schemeClr val="tx1"/>
+                  </a:solidFill>
+                </a:endParaRPr>
+              </a:p>
+            </p:txBody>
+          </p:sp>
+          <p:sp>
+            <p:nvSpPr>
+              <p:cNvPr id="75" name="Rectangle 74"/>
+              <p:cNvSpPr/>
+              <p:nvPr/>
+            </p:nvSpPr>
+            <p:spPr>
+              <a:xfrm>
+                <a:off x="4248770" y="3453840"/>
+                <a:ext cx="2254505" cy="853736"/>
+              </a:xfrm>
+              <a:prstGeom prst="rect">
+                <a:avLst/>
+              </a:prstGeom>
+              <a:noFill/>
+              <a:ln w="25400">
+                <a:solidFill>
+                  <a:schemeClr val="tx1"/>
+                </a:solidFill>
+              </a:ln>
+              <a:effectLst/>
+            </p:spPr>
+            <p:style>
+              <a:lnRef idx="1">
+                <a:schemeClr val="accent1"/>
+              </a:lnRef>
+              <a:fillRef idx="3">
+                <a:schemeClr val="accent1"/>
+              </a:fillRef>
+              <a:effectRef idx="2">
+                <a:schemeClr val="accent1"/>
+              </a:effectRef>
+              <a:fontRef idx="minor">
+                <a:schemeClr val="lt1"/>
+              </a:fontRef>
+            </p:style>
+            <p:txBody>
+              <a:bodyPr rtlCol="0" anchor="ctr"/>
+              <a:lstStyle/>
+              <a:p>
+                <a:pPr algn="ctr"/>
+                <a:r>
+                  <a:rPr lang="en-US" sz="2800" dirty="0" smtClean="0">
+                    <a:solidFill>
+                      <a:schemeClr val="tx1"/>
+                    </a:solidFill>
+                  </a:rPr>
+                  <a:t>Debug Clone</a:t>
+                </a:r>
+                <a:endParaRPr lang="en-US" sz="2800" dirty="0">
+                  <a:solidFill>
+                    <a:schemeClr val="tx1"/>
+                  </a:solidFill>
+                </a:endParaRPr>
+              </a:p>
+            </p:txBody>
+          </p:sp>
+          <p:cxnSp>
+            <p:nvCxnSpPr>
+              <p:cNvPr id="76" name="Straight Arrow Connector 75"/>
+              <p:cNvCxnSpPr/>
+              <p:nvPr/>
+            </p:nvCxnSpPr>
+            <p:spPr>
+              <a:xfrm flipH="1" flipV="1">
+                <a:off x="5522897" y="1052366"/>
+                <a:ext cx="812798" cy="787649"/>
+              </a:xfrm>
+              <a:prstGeom prst="straightConnector1">
+                <a:avLst/>
+              </a:prstGeom>
+              <a:ln>
+                <a:solidFill>
+                  <a:schemeClr val="tx1"/>
+                </a:solidFill>
+                <a:tailEnd type="arrow"/>
+              </a:ln>
+              <a:effectLst/>
+            </p:spPr>
+            <p:style>
+              <a:lnRef idx="2">
+                <a:schemeClr val="accent1"/>
+              </a:lnRef>
+              <a:fillRef idx="0">
+                <a:schemeClr val="accent1"/>
+              </a:fillRef>
+              <a:effectRef idx="1">
+                <a:schemeClr val="accent1"/>
+              </a:effectRef>
+              <a:fontRef idx="minor">
+                <a:schemeClr val="tx1"/>
+              </a:fontRef>
+            </p:style>
+          </p:cxnSp>
+          <p:cxnSp>
+            <p:nvCxnSpPr>
+              <p:cNvPr id="86" name="Straight Arrow Connector 85"/>
+              <p:cNvCxnSpPr/>
+              <p:nvPr/>
+            </p:nvCxnSpPr>
+            <p:spPr>
+              <a:xfrm>
+                <a:off x="7816566" y="2094047"/>
+                <a:ext cx="1364033" cy="0"/>
+              </a:xfrm>
+              <a:prstGeom prst="straightConnector1">
+                <a:avLst/>
+              </a:prstGeom>
+              <a:ln>
+                <a:solidFill>
+                  <a:schemeClr val="tx1"/>
+                </a:solidFill>
+                <a:tailEnd type="arrow"/>
+              </a:ln>
+              <a:effectLst/>
+            </p:spPr>
+            <p:style>
+              <a:lnRef idx="2">
+                <a:schemeClr val="accent1"/>
+              </a:lnRef>
+              <a:fillRef idx="0">
+                <a:schemeClr val="accent1"/>
+              </a:fillRef>
+              <a:effectRef idx="1">
+                <a:schemeClr val="accent1"/>
+              </a:effectRef>
+              <a:fontRef idx="minor">
+                <a:schemeClr val="tx1"/>
+              </a:fontRef>
+            </p:style>
+          </p:cxnSp>
+          <p:cxnSp>
+            <p:nvCxnSpPr>
+              <p:cNvPr id="87" name="Straight Arrow Connector 86"/>
+              <p:cNvCxnSpPr/>
+              <p:nvPr/>
+            </p:nvCxnSpPr>
+            <p:spPr>
+              <a:xfrm flipH="1">
+                <a:off x="7816566" y="2485233"/>
+                <a:ext cx="1335495" cy="0"/>
+              </a:xfrm>
+              <a:prstGeom prst="straightConnector1">
+                <a:avLst/>
+              </a:prstGeom>
+              <a:ln>
+                <a:solidFill>
+                  <a:schemeClr val="tx1"/>
+                </a:solidFill>
+                <a:tailEnd type="arrow"/>
+              </a:ln>
+              <a:effectLst/>
+            </p:spPr>
+            <p:style>
+              <a:lnRef idx="2">
+                <a:schemeClr val="accent1"/>
+              </a:lnRef>
+              <a:fillRef idx="0">
+                <a:schemeClr val="accent1"/>
+              </a:fillRef>
+              <a:effectRef idx="1">
+                <a:schemeClr val="accent1"/>
+              </a:effectRef>
+              <a:fontRef idx="minor">
+                <a:schemeClr val="tx1"/>
+              </a:fontRef>
+            </p:style>
+          </p:cxnSp>
+          <p:cxnSp>
+            <p:nvCxnSpPr>
+              <p:cNvPr id="95" name="Straight Arrow Connector 94"/>
+              <p:cNvCxnSpPr/>
+              <p:nvPr/>
+            </p:nvCxnSpPr>
+            <p:spPr>
+              <a:xfrm>
+                <a:off x="6078843" y="1052366"/>
+                <a:ext cx="813366" cy="787654"/>
+              </a:xfrm>
+              <a:prstGeom prst="straightConnector1">
+                <a:avLst/>
+              </a:prstGeom>
+              <a:ln>
+                <a:solidFill>
+                  <a:schemeClr val="tx1"/>
+                </a:solidFill>
+                <a:tailEnd type="arrow"/>
+              </a:ln>
+              <a:effectLst/>
+            </p:spPr>
+            <p:style>
+              <a:lnRef idx="2">
+                <a:schemeClr val="accent1"/>
+              </a:lnRef>
+              <a:fillRef idx="0">
+                <a:schemeClr val="accent1"/>
+              </a:fillRef>
+              <a:effectRef idx="1">
+                <a:schemeClr val="accent1"/>
+              </a:effectRef>
+              <a:fontRef idx="minor">
+                <a:schemeClr val="tx1"/>
+              </a:fontRef>
+            </p:style>
+          </p:cxnSp>
+          <p:cxnSp>
+            <p:nvCxnSpPr>
+              <p:cNvPr id="101" name="Straight Arrow Connector 100"/>
+              <p:cNvCxnSpPr/>
+              <p:nvPr/>
+            </p:nvCxnSpPr>
+            <p:spPr>
+              <a:xfrm flipH="1">
+                <a:off x="5522897" y="2724231"/>
+                <a:ext cx="812798" cy="681136"/>
+              </a:xfrm>
+              <a:prstGeom prst="straightConnector1">
+                <a:avLst/>
+              </a:prstGeom>
+              <a:ln>
+                <a:solidFill>
+                  <a:schemeClr val="tx1"/>
+                </a:solidFill>
+                <a:tailEnd type="arrow"/>
+              </a:ln>
+              <a:effectLst/>
+            </p:spPr>
+            <p:style>
+              <a:lnRef idx="2">
+                <a:schemeClr val="accent1"/>
+              </a:lnRef>
+              <a:fillRef idx="0">
+                <a:schemeClr val="accent1"/>
+              </a:fillRef>
+              <a:effectRef idx="1">
+                <a:schemeClr val="accent1"/>
+              </a:effectRef>
+              <a:fontRef idx="minor">
+                <a:schemeClr val="tx1"/>
+              </a:fontRef>
+            </p:style>
+          </p:cxnSp>
+          <p:cxnSp>
+            <p:nvCxnSpPr>
+              <p:cNvPr id="104" name="Straight Arrow Connector 103"/>
+              <p:cNvCxnSpPr/>
+              <p:nvPr/>
+            </p:nvCxnSpPr>
+            <p:spPr>
+              <a:xfrm flipV="1">
+                <a:off x="6078843" y="2724232"/>
+                <a:ext cx="813366" cy="701700"/>
+              </a:xfrm>
+              <a:prstGeom prst="straightConnector1">
+                <a:avLst/>
+              </a:prstGeom>
+              <a:ln>
+                <a:solidFill>
+                  <a:schemeClr val="tx1"/>
+                </a:solidFill>
+                <a:tailEnd type="arrow"/>
+              </a:ln>
+              <a:effectLst/>
+            </p:spPr>
+            <p:style>
+              <a:lnRef idx="2">
+                <a:schemeClr val="accent1"/>
+              </a:lnRef>
+              <a:fillRef idx="0">
+                <a:schemeClr val="accent1"/>
+              </a:fillRef>
+              <a:effectRef idx="1">
+                <a:schemeClr val="accent1"/>
+              </a:effectRef>
+              <a:fontRef idx="minor">
+                <a:schemeClr val="tx1"/>
+              </a:fontRef>
+            </p:style>
+          </p:cxnSp>
+          <p:sp>
+            <p:nvSpPr>
+              <p:cNvPr id="110" name="Rectangle 109"/>
+              <p:cNvSpPr/>
+              <p:nvPr/>
+            </p:nvSpPr>
+            <p:spPr>
+              <a:xfrm>
+                <a:off x="9180600" y="1840020"/>
+                <a:ext cx="1898453" cy="884212"/>
+              </a:xfrm>
+              <a:prstGeom prst="rect">
+                <a:avLst/>
+              </a:prstGeom>
+              <a:noFill/>
+              <a:ln w="25400">
+                <a:solidFill>
+                  <a:schemeClr val="tx1"/>
+                </a:solidFill>
+              </a:ln>
+              <a:effectLst/>
+            </p:spPr>
+            <p:style>
+              <a:lnRef idx="1">
+                <a:schemeClr val="accent1"/>
+              </a:lnRef>
+              <a:fillRef idx="3">
+                <a:schemeClr val="accent1"/>
+              </a:fillRef>
+              <a:effectRef idx="2">
+                <a:schemeClr val="accent1"/>
+              </a:effectRef>
+              <a:fontRef idx="minor">
+                <a:schemeClr val="lt1"/>
+              </a:fontRef>
+            </p:style>
+            <p:txBody>
+              <a:bodyPr rtlCol="0" anchor="ctr"/>
+              <a:lstStyle/>
+              <a:p>
+                <a:pPr algn="ctr"/>
+                <a:r>
+                  <a:rPr lang="en-US" sz="2800" dirty="0" smtClean="0">
+                    <a:solidFill>
+                      <a:schemeClr val="tx1"/>
+                    </a:solidFill>
+                  </a:rPr>
+                  <a:t>Backend</a:t>
+                </a:r>
+                <a:endParaRPr lang="en-US" sz="2800" dirty="0">
+                  <a:solidFill>
+                    <a:schemeClr val="tx1"/>
+                  </a:solidFill>
+                </a:endParaRPr>
+              </a:p>
+            </p:txBody>
+          </p:sp>
+        </p:grpSp>
         <p:sp>
           <p:nvSpPr>
-            <p:cNvPr id="73" name="Rectangle 72"/>
+            <p:cNvPr id="66" name="Oval 65"/>
             <p:cNvSpPr/>
             <p:nvPr/>
           </p:nvSpPr>
           <p:spPr>
             <a:xfrm>
-              <a:off x="5522896" y="1840020"/>
-              <a:ext cx="2305910" cy="884211"/>
-            </a:xfrm>
-            <a:prstGeom prst="rect">
+              <a:off x="3606700" y="5831195"/>
+              <a:ext cx="567297" cy="555362"/>
+            </a:xfrm>
+            <a:prstGeom prst="ellipse">
               <a:avLst/>
             </a:prstGeom>
             <a:noFill/>
@@ -8155,33 +6704,28 @@
             <a:p>
               <a:pPr algn="ctr"/>
               <a:r>
-                <a:rPr lang="en-US" dirty="0" err="1" smtClean="0">
+                <a:rPr lang="en-US" sz="2800" dirty="0">
                   <a:solidFill>
-                    <a:schemeClr val="tx1"/>
+                    <a:srgbClr val="000000"/>
                   </a:solidFill>
                 </a:rPr>
-                <a:t>Aggergator</a:t>
+                <a:t>1</a:t>
               </a:r>
-              <a:endParaRPr lang="en-US" dirty="0">
-                <a:solidFill>
-                  <a:schemeClr val="tx1"/>
-                </a:solidFill>
-              </a:endParaRPr>
             </a:p>
           </p:txBody>
         </p:sp>
         <p:sp>
           <p:nvSpPr>
-            <p:cNvPr id="74" name="Rectangle 73"/>
+            <p:cNvPr id="67" name="Oval 66"/>
             <p:cNvSpPr/>
             <p:nvPr/>
           </p:nvSpPr>
           <p:spPr>
             <a:xfrm>
-              <a:off x="4248770" y="198629"/>
-              <a:ext cx="2254505" cy="853736"/>
-            </a:xfrm>
-            <a:prstGeom prst="rect">
+              <a:off x="2085472" y="6108876"/>
+              <a:ext cx="538764" cy="555362"/>
+            </a:xfrm>
+            <a:prstGeom prst="ellipse">
               <a:avLst/>
             </a:prstGeom>
             <a:noFill/>
@@ -8212,44 +6756,28 @@
             <a:p>
               <a:pPr algn="ctr"/>
               <a:r>
-                <a:rPr lang="en-US" dirty="0" smtClean="0">
+                <a:rPr lang="en-US" sz="2800" dirty="0">
                   <a:solidFill>
-                    <a:schemeClr val="tx1"/>
+                    <a:srgbClr val="000000"/>
                   </a:solidFill>
                 </a:rPr>
-                <a:t>Mid-Tier </a:t>
+                <a:t>2</a:t>
               </a:r>
-            </a:p>
-            <a:p>
-              <a:pPr algn="ctr"/>
-              <a:r>
-                <a:rPr lang="en-US" dirty="0" smtClean="0">
-                  <a:solidFill>
-                    <a:schemeClr val="tx1"/>
-                  </a:solidFill>
-                </a:rPr>
-                <a:t>Production</a:t>
-              </a:r>
-              <a:endParaRPr lang="en-US" dirty="0">
-                <a:solidFill>
-                  <a:schemeClr val="tx1"/>
-                </a:solidFill>
-              </a:endParaRPr>
             </a:p>
           </p:txBody>
         </p:sp>
         <p:sp>
           <p:nvSpPr>
-            <p:cNvPr id="75" name="Rectangle 74"/>
+            <p:cNvPr id="68" name="Oval 67"/>
             <p:cNvSpPr/>
             <p:nvPr/>
           </p:nvSpPr>
           <p:spPr>
             <a:xfrm>
-              <a:off x="4248770" y="3453840"/>
-              <a:ext cx="2254505" cy="853736"/>
-            </a:xfrm>
-            <a:prstGeom prst="rect">
+              <a:off x="2056933" y="7615880"/>
+              <a:ext cx="542122" cy="555362"/>
+            </a:xfrm>
+            <a:prstGeom prst="ellipse">
               <a:avLst/>
             </a:prstGeom>
             <a:noFill/>
@@ -8280,266 +6808,28 @@
             <a:p>
               <a:pPr algn="ctr"/>
               <a:r>
-                <a:rPr lang="en-US" dirty="0" smtClean="0">
+                <a:rPr lang="en-US" sz="2800" dirty="0">
                   <a:solidFill>
-                    <a:schemeClr val="tx1"/>
+                    <a:srgbClr val="000000"/>
                   </a:solidFill>
                 </a:rPr>
-                <a:t>Mid-Tier </a:t>
+                <a:t>5</a:t>
               </a:r>
-            </a:p>
-            <a:p>
-              <a:pPr algn="ctr"/>
-              <a:r>
-                <a:rPr lang="en-US" dirty="0" smtClean="0">
-                  <a:solidFill>
-                    <a:schemeClr val="tx1"/>
-                  </a:solidFill>
-                </a:rPr>
-                <a:t>Clone</a:t>
-              </a:r>
-              <a:endParaRPr lang="en-US" dirty="0">
-                <a:solidFill>
-                  <a:schemeClr val="tx1"/>
-                </a:solidFill>
-              </a:endParaRPr>
             </a:p>
           </p:txBody>
         </p:sp>
-        <p:cxnSp>
-          <p:nvCxnSpPr>
-            <p:cNvPr id="76" name="Straight Arrow Connector 75"/>
-            <p:cNvCxnSpPr/>
-            <p:nvPr/>
-          </p:nvCxnSpPr>
-          <p:spPr>
-            <a:xfrm flipH="1" flipV="1">
-              <a:off x="5522897" y="1052366"/>
-              <a:ext cx="812798" cy="787649"/>
-            </a:xfrm>
-            <a:prstGeom prst="straightConnector1">
-              <a:avLst/>
-            </a:prstGeom>
-            <a:ln>
-              <a:solidFill>
-                <a:schemeClr val="tx1"/>
-              </a:solidFill>
-              <a:tailEnd type="arrow"/>
-            </a:ln>
-            <a:effectLst/>
-          </p:spPr>
-          <p:style>
-            <a:lnRef idx="2">
-              <a:schemeClr val="accent1"/>
-            </a:lnRef>
-            <a:fillRef idx="0">
-              <a:schemeClr val="accent1"/>
-            </a:fillRef>
-            <a:effectRef idx="1">
-              <a:schemeClr val="accent1"/>
-            </a:effectRef>
-            <a:fontRef idx="minor">
-              <a:schemeClr val="tx1"/>
-            </a:fontRef>
-          </p:style>
-        </p:cxnSp>
-        <p:cxnSp>
-          <p:nvCxnSpPr>
-            <p:cNvPr id="86" name="Straight Arrow Connector 85"/>
-            <p:cNvCxnSpPr/>
-            <p:nvPr/>
-          </p:nvCxnSpPr>
-          <p:spPr>
-            <a:xfrm>
-              <a:off x="7828806" y="2094047"/>
-              <a:ext cx="747214" cy="0"/>
-            </a:xfrm>
-            <a:prstGeom prst="straightConnector1">
-              <a:avLst/>
-            </a:prstGeom>
-            <a:ln>
-              <a:solidFill>
-                <a:schemeClr val="tx1"/>
-              </a:solidFill>
-              <a:tailEnd type="arrow"/>
-            </a:ln>
-            <a:effectLst/>
-          </p:spPr>
-          <p:style>
-            <a:lnRef idx="2">
-              <a:schemeClr val="accent1"/>
-            </a:lnRef>
-            <a:fillRef idx="0">
-              <a:schemeClr val="accent1"/>
-            </a:fillRef>
-            <a:effectRef idx="1">
-              <a:schemeClr val="accent1"/>
-            </a:effectRef>
-            <a:fontRef idx="minor">
-              <a:schemeClr val="tx1"/>
-            </a:fontRef>
-          </p:style>
-        </p:cxnSp>
-        <p:cxnSp>
-          <p:nvCxnSpPr>
-            <p:cNvPr id="87" name="Straight Arrow Connector 86"/>
-            <p:cNvCxnSpPr/>
-            <p:nvPr/>
-          </p:nvCxnSpPr>
-          <p:spPr>
-            <a:xfrm flipH="1">
-              <a:off x="7828806" y="2485233"/>
-              <a:ext cx="747214" cy="0"/>
-            </a:xfrm>
-            <a:prstGeom prst="straightConnector1">
-              <a:avLst/>
-            </a:prstGeom>
-            <a:ln>
-              <a:solidFill>
-                <a:schemeClr val="tx1"/>
-              </a:solidFill>
-              <a:tailEnd type="arrow"/>
-            </a:ln>
-            <a:effectLst/>
-          </p:spPr>
-          <p:style>
-            <a:lnRef idx="2">
-              <a:schemeClr val="accent1"/>
-            </a:lnRef>
-            <a:fillRef idx="0">
-              <a:schemeClr val="accent1"/>
-            </a:fillRef>
-            <a:effectRef idx="1">
-              <a:schemeClr val="accent1"/>
-            </a:effectRef>
-            <a:fontRef idx="minor">
-              <a:schemeClr val="tx1"/>
-            </a:fontRef>
-          </p:style>
-        </p:cxnSp>
-        <p:cxnSp>
-          <p:nvCxnSpPr>
-            <p:cNvPr id="95" name="Straight Arrow Connector 94"/>
-            <p:cNvCxnSpPr/>
-            <p:nvPr/>
-          </p:nvCxnSpPr>
-          <p:spPr>
-            <a:xfrm>
-              <a:off x="6078843" y="1052366"/>
-              <a:ext cx="813366" cy="787654"/>
-            </a:xfrm>
-            <a:prstGeom prst="straightConnector1">
-              <a:avLst/>
-            </a:prstGeom>
-            <a:ln>
-              <a:solidFill>
-                <a:schemeClr val="tx1"/>
-              </a:solidFill>
-              <a:tailEnd type="arrow"/>
-            </a:ln>
-            <a:effectLst/>
-          </p:spPr>
-          <p:style>
-            <a:lnRef idx="2">
-              <a:schemeClr val="accent1"/>
-            </a:lnRef>
-            <a:fillRef idx="0">
-              <a:schemeClr val="accent1"/>
-            </a:fillRef>
-            <a:effectRef idx="1">
-              <a:schemeClr val="accent1"/>
-            </a:effectRef>
-            <a:fontRef idx="minor">
-              <a:schemeClr val="tx1"/>
-            </a:fontRef>
-          </p:style>
-        </p:cxnSp>
-        <p:cxnSp>
-          <p:nvCxnSpPr>
-            <p:cNvPr id="101" name="Straight Arrow Connector 100"/>
-            <p:cNvCxnSpPr/>
-            <p:nvPr/>
-          </p:nvCxnSpPr>
-          <p:spPr>
-            <a:xfrm flipH="1">
-              <a:off x="5522897" y="2724231"/>
-              <a:ext cx="812798" cy="681136"/>
-            </a:xfrm>
-            <a:prstGeom prst="straightConnector1">
-              <a:avLst/>
-            </a:prstGeom>
-            <a:ln>
-              <a:solidFill>
-                <a:schemeClr val="tx1"/>
-              </a:solidFill>
-              <a:tailEnd type="arrow"/>
-            </a:ln>
-            <a:effectLst/>
-          </p:spPr>
-          <p:style>
-            <a:lnRef idx="2">
-              <a:schemeClr val="accent1"/>
-            </a:lnRef>
-            <a:fillRef idx="0">
-              <a:schemeClr val="accent1"/>
-            </a:fillRef>
-            <a:effectRef idx="1">
-              <a:schemeClr val="accent1"/>
-            </a:effectRef>
-            <a:fontRef idx="minor">
-              <a:schemeClr val="tx1"/>
-            </a:fontRef>
-          </p:style>
-        </p:cxnSp>
-        <p:cxnSp>
-          <p:nvCxnSpPr>
-            <p:cNvPr id="104" name="Straight Arrow Connector 103"/>
-            <p:cNvCxnSpPr/>
-            <p:nvPr/>
-          </p:nvCxnSpPr>
-          <p:spPr>
-            <a:xfrm flipV="1">
-              <a:off x="6078843" y="2724232"/>
-              <a:ext cx="813366" cy="701700"/>
-            </a:xfrm>
-            <a:prstGeom prst="straightConnector1">
-              <a:avLst/>
-            </a:prstGeom>
-            <a:ln>
-              <a:solidFill>
-                <a:schemeClr val="tx1"/>
-              </a:solidFill>
-              <a:tailEnd type="arrow"/>
-            </a:ln>
-            <a:effectLst/>
-          </p:spPr>
-          <p:style>
-            <a:lnRef idx="2">
-              <a:schemeClr val="accent1"/>
-            </a:lnRef>
-            <a:fillRef idx="0">
-              <a:schemeClr val="accent1"/>
-            </a:fillRef>
-            <a:effectRef idx="1">
-              <a:schemeClr val="accent1"/>
-            </a:effectRef>
-            <a:fontRef idx="minor">
-              <a:schemeClr val="tx1"/>
-            </a:fontRef>
-          </p:style>
-        </p:cxnSp>
         <p:sp>
           <p:nvSpPr>
-            <p:cNvPr id="110" name="Rectangle 109"/>
+            <p:cNvPr id="69" name="Oval 68"/>
             <p:cNvSpPr/>
             <p:nvPr/>
           </p:nvSpPr>
           <p:spPr>
             <a:xfrm>
-              <a:off x="8576020" y="1868085"/>
-              <a:ext cx="1655271" cy="884211"/>
-            </a:xfrm>
-            <a:prstGeom prst="rect">
+              <a:off x="3606700" y="7796545"/>
+              <a:ext cx="552077" cy="555362"/>
+            </a:xfrm>
+            <a:prstGeom prst="ellipse">
               <a:avLst/>
             </a:prstGeom>
             <a:noFill/>
@@ -8570,18 +6860,117 @@
             <a:p>
               <a:pPr algn="ctr"/>
               <a:r>
-                <a:rPr lang="en-US" dirty="0" smtClean="0">
+                <a:rPr lang="en-US" sz="2800" dirty="0">
                   <a:solidFill>
-                    <a:schemeClr val="tx1"/>
+                    <a:srgbClr val="000000"/>
                   </a:solidFill>
                 </a:rPr>
-                <a:t>Backend</a:t>
+                <a:t>6</a:t>
               </a:r>
-              <a:endParaRPr lang="en-US" dirty="0">
-                <a:solidFill>
-                  <a:schemeClr val="tx1"/>
-                </a:solidFill>
-              </a:endParaRPr>
+            </a:p>
+          </p:txBody>
+        </p:sp>
+        <p:sp>
+          <p:nvSpPr>
+            <p:cNvPr id="70" name="Oval 69"/>
+            <p:cNvSpPr/>
+            <p:nvPr/>
+          </p:nvSpPr>
+          <p:spPr>
+            <a:xfrm>
+              <a:off x="5206538" y="6228446"/>
+              <a:ext cx="552077" cy="555362"/>
+            </a:xfrm>
+            <a:prstGeom prst="ellipse">
+              <a:avLst/>
+            </a:prstGeom>
+            <a:noFill/>
+            <a:ln w="25400">
+              <a:solidFill>
+                <a:schemeClr val="tx1"/>
+              </a:solidFill>
+            </a:ln>
+            <a:effectLst/>
+          </p:spPr>
+          <p:style>
+            <a:lnRef idx="1">
+              <a:schemeClr val="accent1"/>
+            </a:lnRef>
+            <a:fillRef idx="3">
+              <a:schemeClr val="accent1"/>
+            </a:fillRef>
+            <a:effectRef idx="2">
+              <a:schemeClr val="accent1"/>
+            </a:effectRef>
+            <a:fontRef idx="minor">
+              <a:schemeClr val="lt1"/>
+            </a:fontRef>
+          </p:style>
+          <p:txBody>
+            <a:bodyPr rtlCol="0" anchor="ctr"/>
+            <a:lstStyle/>
+            <a:p>
+              <a:pPr algn="ctr"/>
+              <a:r>
+                <a:rPr lang="en-US" sz="2800" dirty="0">
+                  <a:solidFill>
+                    <a:srgbClr val="000000"/>
+                  </a:solidFill>
+                </a:rPr>
+                <a:t>3</a:t>
+              </a:r>
+            </a:p>
+          </p:txBody>
+        </p:sp>
+        <p:sp>
+          <p:nvSpPr>
+            <p:cNvPr id="71" name="Oval 70"/>
+            <p:cNvSpPr/>
+            <p:nvPr/>
+          </p:nvSpPr>
+          <p:spPr>
+            <a:xfrm>
+              <a:off x="5214579" y="7427256"/>
+              <a:ext cx="542122" cy="555362"/>
+            </a:xfrm>
+            <a:prstGeom prst="ellipse">
+              <a:avLst/>
+            </a:prstGeom>
+            <a:noFill/>
+            <a:ln w="25400">
+              <a:solidFill>
+                <a:schemeClr val="tx1"/>
+              </a:solidFill>
+            </a:ln>
+            <a:effectLst/>
+          </p:spPr>
+          <p:style>
+            <a:lnRef idx="1">
+              <a:schemeClr val="accent1"/>
+            </a:lnRef>
+            <a:fillRef idx="3">
+              <a:schemeClr val="accent1"/>
+            </a:fillRef>
+            <a:effectRef idx="2">
+              <a:schemeClr val="accent1"/>
+            </a:effectRef>
+            <a:fontRef idx="minor">
+              <a:schemeClr val="lt1"/>
+            </a:fontRef>
+          </p:style>
+          <p:txBody>
+            <a:bodyPr rtlCol="0" anchor="ctr"/>
+            <a:lstStyle/>
+            <a:p>
+              <a:pPr algn="ctr"/>
+              <a:r>
+                <a:rPr lang="en-US" sz="2800" dirty="0">
+                  <a:solidFill>
+                    <a:srgbClr val="000000"/>
+                  </a:solidFill>
+                </a:rPr>
+                <a:t>4</a:t>
+              </a:r>
             </a:p>
           </p:txBody>
         </p:sp>
@@ -8599,7 +6988,7 @@
 </p:sld>
 </file>
 
-<file path=ppt/slides/slide14.xml><?xml version="1.0" encoding="utf-8"?>
+<file path=ppt/slides/slide12.xml><?xml version="1.0" encoding="utf-8"?>
 <p:sld xmlns:a="http://schemas.openxmlformats.org/drawingml/2006/main" xmlns:r="http://schemas.openxmlformats.org/officeDocument/2006/relationships" xmlns:p="http://schemas.openxmlformats.org/presentationml/2006/main">
   <p:cSld>
     <p:spTree>
@@ -8833,10 +7222,10 @@
         </p:nvGrpSpPr>
         <p:grpSpPr>
           <a:xfrm>
-            <a:off x="3226227" y="2757225"/>
-            <a:ext cx="6957771" cy="3868470"/>
-            <a:chOff x="3226227" y="2757225"/>
-            <a:chExt cx="6957771" cy="3868470"/>
+            <a:off x="879262" y="1200151"/>
+            <a:ext cx="9304732" cy="5749556"/>
+            <a:chOff x="3537545" y="2605266"/>
+            <a:chExt cx="6646453" cy="4344440"/>
           </a:xfrm>
         </p:grpSpPr>
         <p:sp>
@@ -8848,7 +7237,7 @@
           <p:spPr>
             <a:xfrm>
               <a:off x="5773619" y="3141564"/>
-              <a:ext cx="1921754" cy="3484131"/>
+              <a:ext cx="1921754" cy="3808142"/>
             </a:xfrm>
             <a:prstGeom prst="roundRect">
               <a:avLst/>
@@ -8881,7 +7270,7 @@
             <a:lstStyle/>
             <a:p>
               <a:pPr algn="ctr"/>
-              <a:endParaRPr lang="en-US"/>
+              <a:endParaRPr lang="en-US" sz="3200"/>
             </a:p>
           </p:txBody>
         </p:sp>
@@ -8895,8 +7284,8 @@
           </p:nvCxnSpPr>
           <p:spPr>
             <a:xfrm flipV="1">
-              <a:off x="4237295" y="4805101"/>
-              <a:ext cx="395713" cy="10698"/>
+              <a:off x="4237295" y="4795891"/>
+              <a:ext cx="395713" cy="19907"/>
             </a:xfrm>
             <a:prstGeom prst="straightConnector1">
               <a:avLst/>
@@ -8941,8 +7330,8 @@
           </p:blipFill>
           <p:spPr>
             <a:xfrm>
-              <a:off x="3705642" y="4377534"/>
-              <a:ext cx="430588" cy="472842"/>
+              <a:off x="3866529" y="4304871"/>
+              <a:ext cx="530278" cy="773734"/>
             </a:xfrm>
             <a:prstGeom prst="rect">
               <a:avLst/>
@@ -8957,8 +7346,8 @@
           </p:nvSpPr>
           <p:spPr>
             <a:xfrm>
-              <a:off x="3226227" y="4943351"/>
-              <a:ext cx="1406781" cy="369332"/>
+              <a:off x="3537545" y="5140289"/>
+              <a:ext cx="1295998" cy="348840"/>
             </a:xfrm>
             <a:prstGeom prst="rect">
               <a:avLst/>
@@ -8976,54 +7365,10 @@
             <a:p>
               <a:pPr algn="ctr"/>
               <a:r>
-                <a:rPr lang="en-US" sz="1800" i="1" dirty="0" smtClean="0"/>
-                <a:t>webserver</a:t>
+                <a:rPr lang="en-US" sz="2400" i="1" dirty="0" smtClean="0"/>
+                <a:t>Webserver</a:t>
               </a:r>
-              <a:endParaRPr lang="en-US" sz="1800" i="1" dirty="0"/>
-            </a:p>
-          </p:txBody>
-        </p:sp>
-        <p:sp>
-          <p:nvSpPr>
-            <p:cNvPr id="13" name="TextBox 12"/>
-            <p:cNvSpPr txBox="1"/>
-            <p:nvPr/>
-          </p:nvSpPr>
-          <p:spPr>
-            <a:xfrm>
-              <a:off x="4633008" y="4481935"/>
-              <a:ext cx="1406780" cy="646331"/>
-            </a:xfrm>
-            <a:prstGeom prst="rect">
-              <a:avLst/>
-            </a:prstGeom>
-            <a:solidFill>
-              <a:schemeClr val="bg1"/>
-            </a:solidFill>
-            <a:ln>
-              <a:solidFill>
-                <a:schemeClr val="tx1"/>
-              </a:solidFill>
-            </a:ln>
-          </p:spPr>
-          <p:txBody>
-            <a:bodyPr wrap="square" rtlCol="0">
-              <a:spAutoFit/>
-            </a:bodyPr>
-            <a:lstStyle/>
-            <a:p>
-              <a:pPr algn="ctr"/>
-              <a:r>
-                <a:rPr lang="en-US" sz="1800" dirty="0"/>
-                <a:t>Proxy</a:t>
-              </a:r>
-            </a:p>
-            <a:p>
-              <a:pPr algn="ctr"/>
-              <a:r>
-                <a:rPr lang="en-US" sz="1800" dirty="0"/>
-                <a:t>Duplicator</a:t>
-              </a:r>
+              <a:endParaRPr lang="en-US" sz="2400" i="1" dirty="0"/>
             </a:p>
           </p:txBody>
         </p:sp>
@@ -9038,8 +7383,8 @@
           </p:nvCxnSpPr>
           <p:spPr>
             <a:xfrm flipV="1">
-              <a:off x="5336398" y="3749324"/>
-              <a:ext cx="703390" cy="732611"/>
+              <a:off x="5336399" y="3734992"/>
+              <a:ext cx="703390" cy="746943"/>
             </a:xfrm>
             <a:prstGeom prst="straightConnector1">
               <a:avLst/>
@@ -9079,8 +7424,8 @@
           </p:nvCxnSpPr>
           <p:spPr>
             <a:xfrm>
-              <a:off x="5336398" y="5128266"/>
-              <a:ext cx="685966" cy="515938"/>
+              <a:off x="5336399" y="5109847"/>
+              <a:ext cx="685965" cy="808873"/>
             </a:xfrm>
             <a:prstGeom prst="straightConnector1">
               <a:avLst/>
@@ -9117,58 +7462,7 @@
           <p:spPr>
             <a:xfrm>
               <a:off x="6039788" y="3333825"/>
-              <a:ext cx="1406780" cy="830997"/>
-            </a:xfrm>
-            <a:prstGeom prst="rect">
-              <a:avLst/>
-            </a:prstGeom>
-            <a:noFill/>
-            <a:ln>
-              <a:solidFill>
-                <a:schemeClr val="tx1"/>
-              </a:solidFill>
-            </a:ln>
-          </p:spPr>
-          <p:txBody>
-            <a:bodyPr wrap="square" rtlCol="0">
-              <a:spAutoFit/>
-            </a:bodyPr>
-            <a:lstStyle/>
-            <a:p>
-              <a:pPr algn="ctr"/>
-              <a:endParaRPr lang="en-US" sz="600" i="1" dirty="0" smtClean="0"/>
-            </a:p>
-            <a:p>
-              <a:pPr algn="ctr"/>
-              <a:r>
-                <a:rPr lang="en-US" sz="1700" i="1" dirty="0" smtClean="0"/>
-                <a:t>Production</a:t>
-              </a:r>
-              <a:endParaRPr lang="en-US" sz="1700" i="1" dirty="0"/>
-            </a:p>
-            <a:p>
-              <a:pPr algn="ctr"/>
-              <a:r>
-                <a:rPr lang="en-US" sz="1700" i="1" dirty="0" smtClean="0"/>
-                <a:t>Container</a:t>
-              </a:r>
-            </a:p>
-            <a:p>
-              <a:pPr algn="ctr"/>
-              <a:endParaRPr lang="en-US" sz="700" i="1" dirty="0"/>
-            </a:p>
-          </p:txBody>
-        </p:sp>
-        <p:sp>
-          <p:nvSpPr>
-            <p:cNvPr id="22" name="TextBox 21"/>
-            <p:cNvSpPr txBox="1"/>
-            <p:nvPr/>
-          </p:nvSpPr>
-          <p:spPr>
-            <a:xfrm>
-              <a:off x="6022364" y="5221011"/>
-              <a:ext cx="1406780" cy="846385"/>
+              <a:ext cx="1406780" cy="802332"/>
             </a:xfrm>
             <a:prstGeom prst="rect">
               <a:avLst/>
@@ -9192,41 +7486,39 @@
             <a:p>
               <a:pPr algn="ctr"/>
               <a:r>
-                <a:rPr lang="en-US" sz="1700" i="1" dirty="0" smtClean="0"/>
-                <a:t>Test</a:t>
+                <a:rPr lang="en-US" sz="2400" i="1" dirty="0" smtClean="0"/>
+                <a:t>Production</a:t>
               </a:r>
-              <a:endParaRPr lang="en-US" sz="1700" i="1" dirty="0"/>
+              <a:endParaRPr lang="en-US" sz="2400" i="1" dirty="0"/>
             </a:p>
             <a:p>
               <a:pPr algn="ctr"/>
               <a:r>
-                <a:rPr lang="en-US" sz="1700" i="1" dirty="0" smtClean="0"/>
+                <a:rPr lang="en-US" sz="2400" i="1" dirty="0" smtClean="0"/>
                 <a:t>Container</a:t>
               </a:r>
             </a:p>
             <a:p>
               <a:pPr algn="ctr"/>
-              <a:endParaRPr lang="en-US" sz="700" i="1" dirty="0"/>
+              <a:endParaRPr lang="en-US" sz="800" i="1" dirty="0"/>
             </a:p>
           </p:txBody>
         </p:sp>
         <p:sp>
           <p:nvSpPr>
-            <p:cNvPr id="32" name="TextBox 31"/>
+            <p:cNvPr id="22" name="TextBox 21"/>
             <p:cNvSpPr txBox="1"/>
             <p:nvPr/>
           </p:nvSpPr>
           <p:spPr>
             <a:xfrm>
-              <a:off x="7370438" y="4527124"/>
-              <a:ext cx="1406780" cy="646331"/>
+              <a:off x="6022364" y="5500111"/>
+              <a:ext cx="1406780" cy="837216"/>
             </a:xfrm>
             <a:prstGeom prst="rect">
               <a:avLst/>
             </a:prstGeom>
-            <a:solidFill>
-              <a:schemeClr val="bg1"/>
-            </a:solidFill>
+            <a:noFill/>
             <a:ln>
               <a:solidFill>
                 <a:schemeClr val="tx1"/>
@@ -9240,18 +7532,26 @@
             <a:lstStyle/>
             <a:p>
               <a:pPr algn="ctr"/>
+              <a:endParaRPr lang="en-US" sz="900" i="1" dirty="0" smtClean="0"/>
+            </a:p>
+            <a:p>
+              <a:pPr algn="ctr"/>
               <a:r>
-                <a:rPr lang="en-US" sz="1800" dirty="0"/>
-                <a:t>Proxy</a:t>
+                <a:rPr lang="en-US" sz="2400" i="1" dirty="0" smtClean="0"/>
+                <a:t>Debug</a:t>
+              </a:r>
+              <a:endParaRPr lang="en-US" sz="2400" i="1" dirty="0"/>
+            </a:p>
+            <a:p>
+              <a:pPr algn="ctr"/>
+              <a:r>
+                <a:rPr lang="en-US" sz="2400" i="1" dirty="0" smtClean="0"/>
+                <a:t>Container</a:t>
               </a:r>
             </a:p>
             <a:p>
               <a:pPr algn="ctr"/>
-              <a:r>
-                <a:rPr lang="en-US" sz="1800" dirty="0" smtClean="0"/>
-                <a:t>Aggregator</a:t>
-              </a:r>
-              <a:endParaRPr lang="en-US" sz="1800" dirty="0"/>
+              <a:endParaRPr lang="en-US" sz="900" i="1" dirty="0"/>
             </a:p>
           </p:txBody>
         </p:sp>
@@ -9266,8 +7566,8 @@
           </p:nvCxnSpPr>
           <p:spPr>
             <a:xfrm>
-              <a:off x="7446568" y="3749324"/>
-              <a:ext cx="627260" cy="777800"/>
+              <a:off x="7446568" y="3734992"/>
+              <a:ext cx="627260" cy="792133"/>
             </a:xfrm>
             <a:prstGeom prst="straightConnector1">
               <a:avLst/>
@@ -9307,8 +7607,8 @@
           </p:nvCxnSpPr>
           <p:spPr>
             <a:xfrm flipV="1">
-              <a:off x="7429144" y="5173455"/>
-              <a:ext cx="644684" cy="470749"/>
+              <a:off x="7429144" y="5155036"/>
+              <a:ext cx="644684" cy="763683"/>
             </a:xfrm>
             <a:prstGeom prst="straightConnector1">
               <a:avLst/>
@@ -9346,8 +7646,8 @@
           </p:nvCxnSpPr>
           <p:spPr>
             <a:xfrm>
-              <a:off x="8777218" y="4850290"/>
-              <a:ext cx="348638" cy="0"/>
+              <a:off x="8777217" y="4841081"/>
+              <a:ext cx="348638" cy="9209"/>
             </a:xfrm>
             <a:prstGeom prst="straightConnector1">
               <a:avLst/>
@@ -9385,7 +7685,7 @@
           <p:spPr>
             <a:xfrm>
               <a:off x="8777218" y="5128266"/>
-              <a:ext cx="1406780" cy="369332"/>
+              <a:ext cx="1406780" cy="348840"/>
             </a:xfrm>
             <a:prstGeom prst="rect">
               <a:avLst/>
@@ -9400,10 +7700,10 @@
             <a:p>
               <a:pPr algn="ctr"/>
               <a:r>
-                <a:rPr lang="en-US" sz="1800" dirty="0" smtClean="0"/>
+                <a:rPr lang="en-US" sz="2400" dirty="0" smtClean="0"/>
                 <a:t>Backend</a:t>
               </a:r>
-              <a:endParaRPr lang="en-US" sz="1800" dirty="0"/>
+              <a:endParaRPr lang="en-US" sz="2400" dirty="0"/>
             </a:p>
           </p:txBody>
         </p:sp>
@@ -9415,8 +7715,8 @@
           </p:nvSpPr>
           <p:spPr>
             <a:xfrm>
-              <a:off x="6474676" y="4236155"/>
-              <a:ext cx="412789" cy="920400"/>
+              <a:off x="6474676" y="4236154"/>
+              <a:ext cx="412789" cy="1261443"/>
             </a:xfrm>
             <a:prstGeom prst="downArrow">
               <a:avLst/>
@@ -9450,7 +7750,7 @@
             <a:lstStyle/>
             <a:p>
               <a:pPr algn="ctr"/>
-              <a:endParaRPr lang="en-US"/>
+              <a:endParaRPr lang="en-US" sz="3200"/>
             </a:p>
           </p:txBody>
         </p:sp>
@@ -9470,8 +7770,8 @@
           </p:blipFill>
           <p:spPr>
             <a:xfrm>
-              <a:off x="9125856" y="4478488"/>
-              <a:ext cx="730843" cy="730843"/>
+              <a:off x="9125856" y="4236154"/>
+              <a:ext cx="730843" cy="973178"/>
             </a:xfrm>
             <a:prstGeom prst="rect">
               <a:avLst/>
@@ -9486,8 +7786,8 @@
           </p:nvSpPr>
           <p:spPr>
             <a:xfrm>
-              <a:off x="6099481" y="4450694"/>
-              <a:ext cx="1194830" cy="307777"/>
+              <a:off x="6022364" y="4450693"/>
+              <a:ext cx="1348073" cy="627912"/>
             </a:xfrm>
             <a:prstGeom prst="rect">
               <a:avLst/>
@@ -9504,10 +7804,17 @@
             <a:p>
               <a:pPr algn="ctr"/>
               <a:r>
-                <a:rPr lang="en-US" sz="1400" dirty="0" smtClean="0"/>
-                <a:t>Live Cloning</a:t>
+                <a:rPr lang="en-US" sz="2400" dirty="0" smtClean="0"/>
+                <a:t>Live </a:t>
               </a:r>
-              <a:endParaRPr lang="en-US" sz="1400" dirty="0"/>
+            </a:p>
+            <a:p>
+              <a:pPr algn="ctr"/>
+              <a:r>
+                <a:rPr lang="en-US" sz="2400" dirty="0" smtClean="0"/>
+                <a:t>Cloning</a:t>
+              </a:r>
+              <a:endParaRPr lang="en-US" sz="2400" dirty="0"/>
             </a:p>
           </p:txBody>
         </p:sp>
@@ -9519,8 +7826,8 @@
           </p:nvSpPr>
           <p:spPr>
             <a:xfrm>
-              <a:off x="5882240" y="6176351"/>
-              <a:ext cx="1729579" cy="338554"/>
+              <a:off x="5882240" y="6361017"/>
+              <a:ext cx="1729579" cy="348840"/>
             </a:xfrm>
             <a:prstGeom prst="rect">
               <a:avLst/>
@@ -9537,10 +7844,10 @@
             <a:p>
               <a:pPr algn="ctr"/>
               <a:r>
-                <a:rPr lang="en-US" sz="1600" dirty="0" smtClean="0"/>
+                <a:rPr lang="en-US" sz="2400" dirty="0" smtClean="0"/>
                 <a:t>Clone Manager</a:t>
               </a:r>
-              <a:endParaRPr lang="en-US" sz="1600" dirty="0"/>
+              <a:endParaRPr lang="en-US" sz="2400" dirty="0"/>
             </a:p>
           </p:txBody>
         </p:sp>
@@ -9552,8 +7859,8 @@
           </p:nvSpPr>
           <p:spPr>
             <a:xfrm>
-              <a:off x="5790330" y="2757225"/>
-              <a:ext cx="1821489" cy="307777"/>
+              <a:off x="5564275" y="2605266"/>
+              <a:ext cx="2283498" cy="348840"/>
             </a:xfrm>
             <a:prstGeom prst="rect">
               <a:avLst/>
@@ -9568,10 +7875,101 @@
             <a:p>
               <a:pPr algn="ctr"/>
               <a:r>
-                <a:rPr lang="en-US" sz="1400" dirty="0" smtClean="0"/>
+                <a:rPr lang="en-US" sz="2400" dirty="0" smtClean="0"/>
                 <a:t>Mid-Tier Application</a:t>
               </a:r>
-              <a:endParaRPr lang="en-US" sz="1400" dirty="0"/>
+              <a:endParaRPr lang="en-US" sz="2400" dirty="0"/>
+            </a:p>
+          </p:txBody>
+        </p:sp>
+        <p:sp>
+          <p:nvSpPr>
+            <p:cNvPr id="13" name="TextBox 12"/>
+            <p:cNvSpPr txBox="1"/>
+            <p:nvPr/>
+          </p:nvSpPr>
+          <p:spPr>
+            <a:xfrm>
+              <a:off x="4633008" y="4481935"/>
+              <a:ext cx="1406780" cy="627912"/>
+            </a:xfrm>
+            <a:prstGeom prst="rect">
+              <a:avLst/>
+            </a:prstGeom>
+            <a:solidFill>
+              <a:schemeClr val="bg1"/>
+            </a:solidFill>
+            <a:ln>
+              <a:solidFill>
+                <a:schemeClr val="tx1"/>
+              </a:solidFill>
+            </a:ln>
+          </p:spPr>
+          <p:txBody>
+            <a:bodyPr wrap="square" rtlCol="0">
+              <a:spAutoFit/>
+            </a:bodyPr>
+            <a:lstStyle/>
+            <a:p>
+              <a:pPr algn="ctr"/>
+              <a:r>
+                <a:rPr lang="en-US" sz="2400" dirty="0" smtClean="0"/>
+                <a:t>Network</a:t>
+              </a:r>
+              <a:endParaRPr lang="en-US" sz="2400" dirty="0"/>
+            </a:p>
+            <a:p>
+              <a:pPr algn="ctr"/>
+              <a:r>
+                <a:rPr lang="en-US" sz="2400" dirty="0"/>
+                <a:t>Duplicator</a:t>
+              </a:r>
+            </a:p>
+          </p:txBody>
+        </p:sp>
+        <p:sp>
+          <p:nvSpPr>
+            <p:cNvPr id="32" name="TextBox 31"/>
+            <p:cNvSpPr txBox="1"/>
+            <p:nvPr/>
+          </p:nvSpPr>
+          <p:spPr>
+            <a:xfrm>
+              <a:off x="7370438" y="4527124"/>
+              <a:ext cx="1406780" cy="627912"/>
+            </a:xfrm>
+            <a:prstGeom prst="rect">
+              <a:avLst/>
+            </a:prstGeom>
+            <a:solidFill>
+              <a:schemeClr val="bg1"/>
+            </a:solidFill>
+            <a:ln>
+              <a:solidFill>
+                <a:schemeClr val="tx1"/>
+              </a:solidFill>
+            </a:ln>
+          </p:spPr>
+          <p:txBody>
+            <a:bodyPr wrap="square" rtlCol="0">
+              <a:spAutoFit/>
+            </a:bodyPr>
+            <a:lstStyle/>
+            <a:p>
+              <a:pPr algn="ctr"/>
+              <a:r>
+                <a:rPr lang="en-US" sz="2400" dirty="0" smtClean="0"/>
+                <a:t>Network</a:t>
+              </a:r>
+              <a:endParaRPr lang="en-US" sz="2400" dirty="0"/>
+            </a:p>
+            <a:p>
+              <a:pPr algn="ctr"/>
+              <a:r>
+                <a:rPr lang="en-US" sz="2400" dirty="0" smtClean="0"/>
+                <a:t>Aggregator</a:t>
+              </a:r>
+              <a:endParaRPr lang="en-US" sz="2400" dirty="0"/>
             </a:p>
           </p:txBody>
         </p:sp>
@@ -9606,2069 +8004,6 @@
           <a:chExt cx="0" cy="0"/>
         </a:xfrm>
       </p:grpSpPr>
-      <p:pic>
-        <p:nvPicPr>
-          <p:cNvPr id="2" name="Picture 1"/>
-          <p:cNvPicPr>
-            <a:picLocks noChangeAspect="1"/>
-          </p:cNvPicPr>
-          <p:nvPr/>
-        </p:nvPicPr>
-        <p:blipFill>
-          <a:blip r:embed="rId2"/>
-          <a:stretch>
-            <a:fillRect/>
-          </a:stretch>
-        </p:blipFill>
-        <p:spPr>
-          <a:xfrm>
-            <a:off x="195580" y="604519"/>
-            <a:ext cx="12392660" cy="8374380"/>
-          </a:xfrm>
-          <a:prstGeom prst="rect">
-            <a:avLst/>
-          </a:prstGeom>
-        </p:spPr>
-      </p:pic>
-    </p:spTree>
-    <p:extLst>
-      <p:ext uri="{BB962C8B-B14F-4D97-AF65-F5344CB8AC3E}">
-        <p14:creationId xmlns:p14="http://schemas.microsoft.com/office/powerpoint/2010/main" val="2335478642"/>
-      </p:ext>
-    </p:extLst>
-  </p:cSld>
-  <p:clrMapOvr>
-    <a:masterClrMapping/>
-  </p:clrMapOvr>
-</p:sld>
-</file>
-
-<file path=ppt/slides/slide4.xml><?xml version="1.0" encoding="utf-8"?>
-<p:sld xmlns:a="http://schemas.openxmlformats.org/drawingml/2006/main" xmlns:r="http://schemas.openxmlformats.org/officeDocument/2006/relationships" xmlns:p="http://schemas.openxmlformats.org/presentationml/2006/main">
-  <p:cSld>
-    <p:spTree>
-      <p:nvGrpSpPr>
-        <p:cNvPr id="1" name=""/>
-        <p:cNvGrpSpPr/>
-        <p:nvPr/>
-      </p:nvGrpSpPr>
-      <p:grpSpPr>
-        <a:xfrm>
-          <a:off x="0" y="0"/>
-          <a:ext cx="0" cy="0"/>
-          <a:chOff x="0" y="0"/>
-          <a:chExt cx="0" cy="0"/>
-        </a:xfrm>
-      </p:grpSpPr>
-      <p:grpSp>
-        <p:nvGrpSpPr>
-          <p:cNvPr id="84" name="Group 83"/>
-          <p:cNvGrpSpPr/>
-          <p:nvPr/>
-        </p:nvGrpSpPr>
-        <p:grpSpPr>
-          <a:xfrm>
-            <a:off x="2948230" y="942285"/>
-            <a:ext cx="6671497" cy="7781246"/>
-            <a:chOff x="2105874" y="673058"/>
-            <a:chExt cx="4765355" cy="5558033"/>
-          </a:xfrm>
-        </p:grpSpPr>
-        <p:sp>
-          <p:nvSpPr>
-            <p:cNvPr id="15" name="Rectangle 14"/>
-            <p:cNvSpPr/>
-            <p:nvPr/>
-          </p:nvSpPr>
-          <p:spPr>
-            <a:xfrm>
-              <a:off x="2105874" y="4429491"/>
-              <a:ext cx="4765355" cy="759889"/>
-            </a:xfrm>
-            <a:prstGeom prst="rect">
-              <a:avLst/>
-            </a:prstGeom>
-            <a:solidFill>
-              <a:srgbClr val="FF6600"/>
-            </a:solidFill>
-            <a:ln>
-              <a:solidFill>
-                <a:schemeClr val="tx1"/>
-              </a:solidFill>
-            </a:ln>
-            <a:effectLst/>
-          </p:spPr>
-          <p:style>
-            <a:lnRef idx="1">
-              <a:schemeClr val="accent1"/>
-            </a:lnRef>
-            <a:fillRef idx="3">
-              <a:schemeClr val="accent1"/>
-            </a:fillRef>
-            <a:effectRef idx="2">
-              <a:schemeClr val="accent1"/>
-            </a:effectRef>
-            <a:fontRef idx="minor">
-              <a:schemeClr val="lt1"/>
-            </a:fontRef>
-          </p:style>
-          <p:txBody>
-            <a:bodyPr rtlCol="0" anchor="ctr"/>
-            <a:lstStyle/>
-            <a:p>
-              <a:pPr algn="ctr"/>
-              <a:r>
-                <a:rPr lang="en-US" dirty="0">
-                  <a:solidFill>
-                    <a:srgbClr val="000000"/>
-                  </a:solidFill>
-                </a:rPr>
-                <a:t>b</a:t>
-              </a:r>
-              <a:r>
-                <a:rPr lang="en-US" dirty="0" smtClean="0">
-                  <a:solidFill>
-                    <a:srgbClr val="000000"/>
-                  </a:solidFill>
-                </a:rPr>
-                <a:t>r-eth1</a:t>
-              </a:r>
-              <a:endParaRPr lang="en-US" dirty="0">
-                <a:solidFill>
-                  <a:srgbClr val="000000"/>
-                </a:solidFill>
-              </a:endParaRPr>
-            </a:p>
-          </p:txBody>
-        </p:sp>
-        <p:sp>
-          <p:nvSpPr>
-            <p:cNvPr id="7" name="Rectangle 6"/>
-            <p:cNvSpPr/>
-            <p:nvPr/>
-          </p:nvSpPr>
-          <p:spPr>
-            <a:xfrm>
-              <a:off x="2105874" y="3188653"/>
-              <a:ext cx="4765355" cy="759889"/>
-            </a:xfrm>
-            <a:prstGeom prst="rect">
-              <a:avLst/>
-            </a:prstGeom>
-            <a:solidFill>
-              <a:srgbClr val="FF6600"/>
-            </a:solidFill>
-            <a:ln>
-              <a:solidFill>
-                <a:schemeClr val="tx1"/>
-              </a:solidFill>
-            </a:ln>
-            <a:effectLst/>
-          </p:spPr>
-          <p:style>
-            <a:lnRef idx="1">
-              <a:schemeClr val="accent1"/>
-            </a:lnRef>
-            <a:fillRef idx="3">
-              <a:schemeClr val="accent1"/>
-            </a:fillRef>
-            <a:effectRef idx="2">
-              <a:schemeClr val="accent1"/>
-            </a:effectRef>
-            <a:fontRef idx="minor">
-              <a:schemeClr val="lt1"/>
-            </a:fontRef>
-          </p:style>
-          <p:txBody>
-            <a:bodyPr rtlCol="0" anchor="ctr"/>
-            <a:lstStyle/>
-            <a:p>
-              <a:pPr algn="ctr"/>
-              <a:r>
-                <a:rPr lang="en-US" dirty="0" err="1">
-                  <a:solidFill>
-                    <a:srgbClr val="000000"/>
-                  </a:solidFill>
-                </a:rPr>
-                <a:t>b</a:t>
-              </a:r>
-              <a:r>
-                <a:rPr lang="en-US" dirty="0" err="1" smtClean="0">
-                  <a:solidFill>
-                    <a:srgbClr val="000000"/>
-                  </a:solidFill>
-                </a:rPr>
-                <a:t>r-int</a:t>
-              </a:r>
-              <a:endParaRPr lang="en-US" dirty="0">
-                <a:solidFill>
-                  <a:srgbClr val="000000"/>
-                </a:solidFill>
-              </a:endParaRPr>
-            </a:p>
-          </p:txBody>
-        </p:sp>
-        <p:sp>
-          <p:nvSpPr>
-            <p:cNvPr id="8" name="Rectangle 7"/>
-            <p:cNvSpPr/>
-            <p:nvPr/>
-          </p:nvSpPr>
-          <p:spPr>
-            <a:xfrm>
-              <a:off x="2388536" y="3012496"/>
-              <a:ext cx="814126" cy="309736"/>
-            </a:xfrm>
-            <a:prstGeom prst="rect">
-              <a:avLst/>
-            </a:prstGeom>
-            <a:solidFill>
-              <a:schemeClr val="accent6">
-                <a:lumMod val="60000"/>
-                <a:lumOff val="40000"/>
-              </a:schemeClr>
-            </a:solidFill>
-            <a:ln>
-              <a:solidFill>
-                <a:schemeClr val="tx1"/>
-              </a:solidFill>
-            </a:ln>
-            <a:effectLst/>
-          </p:spPr>
-          <p:style>
-            <a:lnRef idx="1">
-              <a:schemeClr val="accent1"/>
-            </a:lnRef>
-            <a:fillRef idx="3">
-              <a:schemeClr val="accent1"/>
-            </a:fillRef>
-            <a:effectRef idx="2">
-              <a:schemeClr val="accent1"/>
-            </a:effectRef>
-            <a:fontRef idx="minor">
-              <a:schemeClr val="lt1"/>
-            </a:fontRef>
-          </p:style>
-          <p:txBody>
-            <a:bodyPr rtlCol="0" anchor="ctr"/>
-            <a:lstStyle/>
-            <a:p>
-              <a:pPr algn="ctr"/>
-              <a:r>
-                <a:rPr lang="en-US" sz="2100" dirty="0" err="1">
-                  <a:solidFill>
-                    <a:schemeClr val="tx1"/>
-                  </a:solidFill>
-                </a:rPr>
-                <a:t>qvoXXX</a:t>
-              </a:r>
-              <a:endParaRPr lang="en-US" sz="2100" dirty="0">
-                <a:solidFill>
-                  <a:schemeClr val="tx1"/>
-                </a:solidFill>
-              </a:endParaRPr>
-            </a:p>
-          </p:txBody>
-        </p:sp>
-        <p:sp>
-          <p:nvSpPr>
-            <p:cNvPr id="9" name="Rectangle 8"/>
-            <p:cNvSpPr/>
-            <p:nvPr/>
-          </p:nvSpPr>
-          <p:spPr>
-            <a:xfrm>
-              <a:off x="3924955" y="3012496"/>
-              <a:ext cx="814126" cy="309736"/>
-            </a:xfrm>
-            <a:prstGeom prst="rect">
-              <a:avLst/>
-            </a:prstGeom>
-            <a:solidFill>
-              <a:schemeClr val="accent6">
-                <a:lumMod val="60000"/>
-                <a:lumOff val="40000"/>
-              </a:schemeClr>
-            </a:solidFill>
-            <a:ln>
-              <a:solidFill>
-                <a:schemeClr val="tx1"/>
-              </a:solidFill>
-            </a:ln>
-            <a:effectLst/>
-          </p:spPr>
-          <p:style>
-            <a:lnRef idx="1">
-              <a:schemeClr val="accent1"/>
-            </a:lnRef>
-            <a:fillRef idx="3">
-              <a:schemeClr val="accent1"/>
-            </a:fillRef>
-            <a:effectRef idx="2">
-              <a:schemeClr val="accent1"/>
-            </a:effectRef>
-            <a:fontRef idx="minor">
-              <a:schemeClr val="lt1"/>
-            </a:fontRef>
-          </p:style>
-          <p:txBody>
-            <a:bodyPr rtlCol="0" anchor="ctr"/>
-            <a:lstStyle/>
-            <a:p>
-              <a:pPr algn="ctr"/>
-              <a:r>
-                <a:rPr lang="en-US" sz="2100" dirty="0" err="1">
-                  <a:solidFill>
-                    <a:srgbClr val="000000"/>
-                  </a:solidFill>
-                </a:rPr>
-                <a:t>qvoYYY</a:t>
-              </a:r>
-              <a:endParaRPr lang="en-US" sz="2400" dirty="0">
-                <a:solidFill>
-                  <a:srgbClr val="000000"/>
-                </a:solidFill>
-              </a:endParaRPr>
-            </a:p>
-          </p:txBody>
-        </p:sp>
-        <p:sp>
-          <p:nvSpPr>
-            <p:cNvPr id="10" name="Rectangle 9"/>
-            <p:cNvSpPr/>
-            <p:nvPr/>
-          </p:nvSpPr>
-          <p:spPr>
-            <a:xfrm>
-              <a:off x="5531216" y="2990000"/>
-              <a:ext cx="814126" cy="309736"/>
-            </a:xfrm>
-            <a:prstGeom prst="rect">
-              <a:avLst/>
-            </a:prstGeom>
-            <a:solidFill>
-              <a:schemeClr val="accent6">
-                <a:lumMod val="60000"/>
-                <a:lumOff val="40000"/>
-              </a:schemeClr>
-            </a:solidFill>
-            <a:ln>
-              <a:solidFill>
-                <a:schemeClr val="tx1"/>
-              </a:solidFill>
-            </a:ln>
-            <a:effectLst/>
-          </p:spPr>
-          <p:style>
-            <a:lnRef idx="1">
-              <a:schemeClr val="accent1"/>
-            </a:lnRef>
-            <a:fillRef idx="3">
-              <a:schemeClr val="accent1"/>
-            </a:fillRef>
-            <a:effectRef idx="2">
-              <a:schemeClr val="accent1"/>
-            </a:effectRef>
-            <a:fontRef idx="minor">
-              <a:schemeClr val="lt1"/>
-            </a:fontRef>
-          </p:style>
-          <p:txBody>
-            <a:bodyPr rtlCol="0" anchor="ctr"/>
-            <a:lstStyle/>
-            <a:p>
-              <a:pPr algn="ctr"/>
-              <a:r>
-                <a:rPr lang="en-US" sz="2100" dirty="0" err="1">
-                  <a:solidFill>
-                    <a:srgbClr val="000000"/>
-                  </a:solidFill>
-                </a:rPr>
-                <a:t>qvoZZZ</a:t>
-              </a:r>
-              <a:endParaRPr lang="en-US" sz="2400" dirty="0">
-                <a:solidFill>
-                  <a:srgbClr val="000000"/>
-                </a:solidFill>
-              </a:endParaRPr>
-            </a:p>
-          </p:txBody>
-        </p:sp>
-        <p:sp>
-          <p:nvSpPr>
-            <p:cNvPr id="13" name="Rectangle 12"/>
-            <p:cNvSpPr/>
-            <p:nvPr/>
-          </p:nvSpPr>
-          <p:spPr>
-            <a:xfrm>
-              <a:off x="3202662" y="3774853"/>
-              <a:ext cx="2160149" cy="309736"/>
-            </a:xfrm>
-            <a:prstGeom prst="rect">
-              <a:avLst/>
-            </a:prstGeom>
-            <a:solidFill>
-              <a:schemeClr val="accent6">
-                <a:lumMod val="60000"/>
-                <a:lumOff val="40000"/>
-              </a:schemeClr>
-            </a:solidFill>
-            <a:ln>
-              <a:solidFill>
-                <a:schemeClr val="tx1"/>
-              </a:solidFill>
-            </a:ln>
-            <a:effectLst/>
-          </p:spPr>
-          <p:style>
-            <a:lnRef idx="1">
-              <a:schemeClr val="accent1"/>
-            </a:lnRef>
-            <a:fillRef idx="3">
-              <a:schemeClr val="accent1"/>
-            </a:fillRef>
-            <a:effectRef idx="2">
-              <a:schemeClr val="accent1"/>
-            </a:effectRef>
-            <a:fontRef idx="minor">
-              <a:schemeClr val="lt1"/>
-            </a:fontRef>
-          </p:style>
-          <p:txBody>
-            <a:bodyPr rtlCol="0" anchor="ctr"/>
-            <a:lstStyle/>
-            <a:p>
-              <a:pPr algn="ctr"/>
-              <a:r>
-                <a:rPr lang="en-US" sz="2400" dirty="0">
-                  <a:solidFill>
-                    <a:srgbClr val="000000"/>
-                  </a:solidFill>
-                </a:rPr>
-                <a:t>int-br-eth1</a:t>
-              </a:r>
-            </a:p>
-          </p:txBody>
-        </p:sp>
-        <p:sp>
-          <p:nvSpPr>
-            <p:cNvPr id="14" name="Rectangle 13"/>
-            <p:cNvSpPr/>
-            <p:nvPr/>
-          </p:nvSpPr>
-          <p:spPr>
-            <a:xfrm>
-              <a:off x="3202662" y="4296334"/>
-              <a:ext cx="2160149" cy="309736"/>
-            </a:xfrm>
-            <a:prstGeom prst="rect">
-              <a:avLst/>
-            </a:prstGeom>
-            <a:solidFill>
-              <a:schemeClr val="accent6">
-                <a:lumMod val="60000"/>
-                <a:lumOff val="40000"/>
-              </a:schemeClr>
-            </a:solidFill>
-            <a:ln>
-              <a:solidFill>
-                <a:schemeClr val="tx1"/>
-              </a:solidFill>
-            </a:ln>
-            <a:effectLst/>
-          </p:spPr>
-          <p:style>
-            <a:lnRef idx="1">
-              <a:schemeClr val="accent1"/>
-            </a:lnRef>
-            <a:fillRef idx="3">
-              <a:schemeClr val="accent1"/>
-            </a:fillRef>
-            <a:effectRef idx="2">
-              <a:schemeClr val="accent1"/>
-            </a:effectRef>
-            <a:fontRef idx="minor">
-              <a:schemeClr val="lt1"/>
-            </a:fontRef>
-          </p:style>
-          <p:txBody>
-            <a:bodyPr rtlCol="0" anchor="ctr"/>
-            <a:lstStyle/>
-            <a:p>
-              <a:pPr algn="ctr"/>
-              <a:r>
-                <a:rPr lang="en-US" sz="2100" dirty="0">
-                  <a:solidFill>
-                    <a:srgbClr val="000000"/>
-                  </a:solidFill>
-                </a:rPr>
-                <a:t>phy-br-eth1</a:t>
-              </a:r>
-            </a:p>
-          </p:txBody>
-        </p:sp>
-        <p:sp>
-          <p:nvSpPr>
-            <p:cNvPr id="16" name="Rectangle 15"/>
-            <p:cNvSpPr/>
-            <p:nvPr/>
-          </p:nvSpPr>
-          <p:spPr>
-            <a:xfrm>
-              <a:off x="3599303" y="5034512"/>
-              <a:ext cx="1465430" cy="309736"/>
-            </a:xfrm>
-            <a:prstGeom prst="rect">
-              <a:avLst/>
-            </a:prstGeom>
-            <a:solidFill>
-              <a:schemeClr val="tx2">
-                <a:lumMod val="40000"/>
-                <a:lumOff val="60000"/>
-              </a:schemeClr>
-            </a:solidFill>
-            <a:ln>
-              <a:solidFill>
-                <a:schemeClr val="tx1"/>
-              </a:solidFill>
-            </a:ln>
-            <a:effectLst/>
-          </p:spPr>
-          <p:style>
-            <a:lnRef idx="1">
-              <a:schemeClr val="accent1"/>
-            </a:lnRef>
-            <a:fillRef idx="3">
-              <a:schemeClr val="accent1"/>
-            </a:fillRef>
-            <a:effectRef idx="2">
-              <a:schemeClr val="accent1"/>
-            </a:effectRef>
-            <a:fontRef idx="minor">
-              <a:schemeClr val="lt1"/>
-            </a:fontRef>
-          </p:style>
-          <p:txBody>
-            <a:bodyPr rtlCol="0" anchor="ctr"/>
-            <a:lstStyle/>
-            <a:p>
-              <a:pPr algn="ctr"/>
-              <a:r>
-                <a:rPr lang="en-US" dirty="0" smtClean="0">
-                  <a:solidFill>
-                    <a:srgbClr val="000000"/>
-                  </a:solidFill>
-                </a:rPr>
-                <a:t>eth1</a:t>
-              </a:r>
-              <a:endParaRPr lang="en-US" dirty="0">
-                <a:solidFill>
-                  <a:srgbClr val="000000"/>
-                </a:solidFill>
-              </a:endParaRPr>
-            </a:p>
-          </p:txBody>
-        </p:sp>
-        <p:cxnSp>
-          <p:nvCxnSpPr>
-            <p:cNvPr id="18" name="Straight Connector 17"/>
-            <p:cNvCxnSpPr>
-              <a:stCxn id="13" idx="2"/>
-              <a:endCxn id="14" idx="0"/>
-            </p:cNvCxnSpPr>
-            <p:nvPr/>
-          </p:nvCxnSpPr>
-          <p:spPr>
-            <a:xfrm>
-              <a:off x="4282737" y="4084589"/>
-              <a:ext cx="0" cy="211745"/>
-            </a:xfrm>
-            <a:prstGeom prst="line">
-              <a:avLst/>
-            </a:prstGeom>
-            <a:ln>
-              <a:solidFill>
-                <a:schemeClr val="tx1"/>
-              </a:solidFill>
-            </a:ln>
-            <a:effectLst/>
-          </p:spPr>
-          <p:style>
-            <a:lnRef idx="2">
-              <a:schemeClr val="accent1"/>
-            </a:lnRef>
-            <a:fillRef idx="0">
-              <a:schemeClr val="accent1"/>
-            </a:fillRef>
-            <a:effectRef idx="1">
-              <a:schemeClr val="accent1"/>
-            </a:effectRef>
-            <a:fontRef idx="minor">
-              <a:schemeClr val="tx1"/>
-            </a:fontRef>
-          </p:style>
-        </p:cxnSp>
-        <p:cxnSp>
-          <p:nvCxnSpPr>
-            <p:cNvPr id="19" name="Straight Connector 18"/>
-            <p:cNvCxnSpPr>
-              <a:stCxn id="16" idx="2"/>
-              <a:endCxn id="71" idx="0"/>
-            </p:cNvCxnSpPr>
-            <p:nvPr/>
-          </p:nvCxnSpPr>
-          <p:spPr>
-            <a:xfrm>
-              <a:off x="4332018" y="5344248"/>
-              <a:ext cx="4564" cy="200286"/>
-            </a:xfrm>
-            <a:prstGeom prst="line">
-              <a:avLst/>
-            </a:prstGeom>
-            <a:ln>
-              <a:solidFill>
-                <a:schemeClr val="tx1"/>
-              </a:solidFill>
-            </a:ln>
-            <a:effectLst/>
-          </p:spPr>
-          <p:style>
-            <a:lnRef idx="2">
-              <a:schemeClr val="accent1"/>
-            </a:lnRef>
-            <a:fillRef idx="0">
-              <a:schemeClr val="accent1"/>
-            </a:fillRef>
-            <a:effectRef idx="1">
-              <a:schemeClr val="accent1"/>
-            </a:effectRef>
-            <a:fontRef idx="minor">
-              <a:schemeClr val="tx1"/>
-            </a:fontRef>
-          </p:style>
-        </p:cxnSp>
-        <p:grpSp>
-          <p:nvGrpSpPr>
-            <p:cNvPr id="39" name="Group 38"/>
-            <p:cNvGrpSpPr/>
-            <p:nvPr/>
-          </p:nvGrpSpPr>
-          <p:grpSpPr>
-            <a:xfrm>
-              <a:off x="2221928" y="1779653"/>
-              <a:ext cx="1086446" cy="1012927"/>
-              <a:chOff x="1665388" y="1277438"/>
-              <a:chExt cx="1086446" cy="1012927"/>
-            </a:xfrm>
-          </p:grpSpPr>
-          <p:sp>
-            <p:nvSpPr>
-              <p:cNvPr id="26" name="Rectangle 25"/>
-              <p:cNvSpPr/>
-              <p:nvPr/>
-            </p:nvSpPr>
-            <p:spPr>
-              <a:xfrm>
-                <a:off x="1830081" y="1980629"/>
-                <a:ext cx="814126" cy="309736"/>
-              </a:xfrm>
-              <a:prstGeom prst="rect">
-                <a:avLst/>
-              </a:prstGeom>
-              <a:solidFill>
-                <a:schemeClr val="accent6">
-                  <a:lumMod val="60000"/>
-                  <a:lumOff val="40000"/>
-                </a:schemeClr>
-              </a:solidFill>
-              <a:ln>
-                <a:solidFill>
-                  <a:schemeClr val="tx1"/>
-                </a:solidFill>
-              </a:ln>
-              <a:effectLst/>
-            </p:spPr>
-            <p:style>
-              <a:lnRef idx="1">
-                <a:schemeClr val="accent1"/>
-              </a:lnRef>
-              <a:fillRef idx="3">
-                <a:schemeClr val="accent1"/>
-              </a:fillRef>
-              <a:effectRef idx="2">
-                <a:schemeClr val="accent1"/>
-              </a:effectRef>
-              <a:fontRef idx="minor">
-                <a:schemeClr val="lt1"/>
-              </a:fontRef>
-            </p:style>
-            <p:txBody>
-              <a:bodyPr rtlCol="0" anchor="ctr"/>
-              <a:lstStyle/>
-              <a:p>
-                <a:pPr algn="ctr"/>
-                <a:r>
-                  <a:rPr lang="en-US" sz="2100" dirty="0" err="1">
-                    <a:solidFill>
-                      <a:schemeClr val="tx1"/>
-                    </a:solidFill>
-                  </a:rPr>
-                  <a:t>qvbXXX</a:t>
-                </a:r>
-                <a:endParaRPr lang="en-US" sz="2100" dirty="0">
-                  <a:solidFill>
-                    <a:schemeClr val="tx1"/>
-                  </a:solidFill>
-                </a:endParaRPr>
-              </a:p>
-            </p:txBody>
-          </p:sp>
-          <p:sp>
-            <p:nvSpPr>
-              <p:cNvPr id="29" name="Rectangle 28"/>
-              <p:cNvSpPr/>
-              <p:nvPr/>
-            </p:nvSpPr>
-            <p:spPr>
-              <a:xfrm>
-                <a:off x="1665388" y="1581866"/>
-                <a:ext cx="1086446" cy="398763"/>
-              </a:xfrm>
-              <a:prstGeom prst="rect">
-                <a:avLst/>
-              </a:prstGeom>
-              <a:solidFill>
-                <a:schemeClr val="accent4">
-                  <a:lumMod val="60000"/>
-                  <a:lumOff val="40000"/>
-                </a:schemeClr>
-              </a:solidFill>
-              <a:ln>
-                <a:solidFill>
-                  <a:schemeClr val="tx1"/>
-                </a:solidFill>
-              </a:ln>
-              <a:effectLst/>
-            </p:spPr>
-            <p:style>
-              <a:lnRef idx="1">
-                <a:schemeClr val="accent1"/>
-              </a:lnRef>
-              <a:fillRef idx="3">
-                <a:schemeClr val="accent1"/>
-              </a:fillRef>
-              <a:effectRef idx="2">
-                <a:schemeClr val="accent1"/>
-              </a:effectRef>
-              <a:fontRef idx="minor">
-                <a:schemeClr val="lt1"/>
-              </a:fontRef>
-            </p:style>
-            <p:txBody>
-              <a:bodyPr rtlCol="0" anchor="ctr"/>
-              <a:lstStyle/>
-              <a:p>
-                <a:pPr algn="ctr"/>
-                <a:r>
-                  <a:rPr lang="en-US" sz="2100" dirty="0" err="1">
-                    <a:solidFill>
-                      <a:schemeClr val="tx1"/>
-                    </a:solidFill>
-                  </a:rPr>
-                  <a:t>qbrXXX</a:t>
-                </a:r>
-                <a:endParaRPr lang="en-US" sz="2100" dirty="0">
-                  <a:solidFill>
-                    <a:schemeClr val="tx1"/>
-                  </a:solidFill>
-                </a:endParaRPr>
-              </a:p>
-            </p:txBody>
-          </p:sp>
-          <p:sp>
-            <p:nvSpPr>
-              <p:cNvPr id="32" name="Rectangle 31"/>
-              <p:cNvSpPr/>
-              <p:nvPr/>
-            </p:nvSpPr>
-            <p:spPr>
-              <a:xfrm>
-                <a:off x="1830081" y="1277438"/>
-                <a:ext cx="814126" cy="309736"/>
-              </a:xfrm>
-              <a:prstGeom prst="rect">
-                <a:avLst/>
-              </a:prstGeom>
-              <a:solidFill>
-                <a:schemeClr val="accent5">
-                  <a:lumMod val="40000"/>
-                  <a:lumOff val="60000"/>
-                </a:schemeClr>
-              </a:solidFill>
-              <a:ln>
-                <a:solidFill>
-                  <a:schemeClr val="tx1"/>
-                </a:solidFill>
-              </a:ln>
-              <a:effectLst/>
-            </p:spPr>
-            <p:style>
-              <a:lnRef idx="1">
-                <a:schemeClr val="accent1"/>
-              </a:lnRef>
-              <a:fillRef idx="3">
-                <a:schemeClr val="accent1"/>
-              </a:fillRef>
-              <a:effectRef idx="2">
-                <a:schemeClr val="accent1"/>
-              </a:effectRef>
-              <a:fontRef idx="minor">
-                <a:schemeClr val="lt1"/>
-              </a:fontRef>
-            </p:style>
-            <p:txBody>
-              <a:bodyPr rtlCol="0" anchor="ctr"/>
-              <a:lstStyle/>
-              <a:p>
-                <a:pPr algn="ctr"/>
-                <a:r>
-                  <a:rPr lang="en-US" sz="2100" dirty="0">
-                    <a:solidFill>
-                      <a:schemeClr val="tx1"/>
-                    </a:solidFill>
-                  </a:rPr>
-                  <a:t>vnet0</a:t>
-                </a:r>
-              </a:p>
-            </p:txBody>
-          </p:sp>
-        </p:grpSp>
-        <p:sp>
-          <p:nvSpPr>
-            <p:cNvPr id="40" name="Rectangle 39"/>
-            <p:cNvSpPr/>
-            <p:nvPr/>
-          </p:nvSpPr>
-          <p:spPr>
-            <a:xfrm>
-              <a:off x="3927417" y="2477536"/>
-              <a:ext cx="814126" cy="309736"/>
-            </a:xfrm>
-            <a:prstGeom prst="rect">
-              <a:avLst/>
-            </a:prstGeom>
-            <a:solidFill>
-              <a:schemeClr val="accent6">
-                <a:lumMod val="60000"/>
-                <a:lumOff val="40000"/>
-              </a:schemeClr>
-            </a:solidFill>
-            <a:ln>
-              <a:solidFill>
-                <a:schemeClr val="tx1"/>
-              </a:solidFill>
-            </a:ln>
-            <a:effectLst/>
-          </p:spPr>
-          <p:style>
-            <a:lnRef idx="1">
-              <a:schemeClr val="accent1"/>
-            </a:lnRef>
-            <a:fillRef idx="3">
-              <a:schemeClr val="accent1"/>
-            </a:fillRef>
-            <a:effectRef idx="2">
-              <a:schemeClr val="accent1"/>
-            </a:effectRef>
-            <a:fontRef idx="minor">
-              <a:schemeClr val="lt1"/>
-            </a:fontRef>
-          </p:style>
-          <p:txBody>
-            <a:bodyPr rtlCol="0" anchor="ctr"/>
-            <a:lstStyle/>
-            <a:p>
-              <a:pPr algn="ctr"/>
-              <a:r>
-                <a:rPr lang="en-US" sz="2100" dirty="0" err="1">
-                  <a:solidFill>
-                    <a:schemeClr val="tx1"/>
-                  </a:solidFill>
-                </a:rPr>
-                <a:t>qvbYYY</a:t>
-              </a:r>
-              <a:endParaRPr lang="en-US" sz="2100" dirty="0">
-                <a:solidFill>
-                  <a:schemeClr val="tx1"/>
-                </a:solidFill>
-              </a:endParaRPr>
-            </a:p>
-          </p:txBody>
-        </p:sp>
-        <p:sp>
-          <p:nvSpPr>
-            <p:cNvPr id="41" name="Rectangle 40"/>
-            <p:cNvSpPr/>
-            <p:nvPr/>
-          </p:nvSpPr>
-          <p:spPr>
-            <a:xfrm>
-              <a:off x="3762724" y="2078773"/>
-              <a:ext cx="1086446" cy="398763"/>
-            </a:xfrm>
-            <a:prstGeom prst="rect">
-              <a:avLst/>
-            </a:prstGeom>
-            <a:solidFill>
-              <a:schemeClr val="accent4">
-                <a:lumMod val="60000"/>
-                <a:lumOff val="40000"/>
-              </a:schemeClr>
-            </a:solidFill>
-            <a:ln>
-              <a:solidFill>
-                <a:schemeClr val="tx1"/>
-              </a:solidFill>
-            </a:ln>
-            <a:effectLst/>
-          </p:spPr>
-          <p:style>
-            <a:lnRef idx="1">
-              <a:schemeClr val="accent1"/>
-            </a:lnRef>
-            <a:fillRef idx="3">
-              <a:schemeClr val="accent1"/>
-            </a:fillRef>
-            <a:effectRef idx="2">
-              <a:schemeClr val="accent1"/>
-            </a:effectRef>
-            <a:fontRef idx="minor">
-              <a:schemeClr val="lt1"/>
-            </a:fontRef>
-          </p:style>
-          <p:txBody>
-            <a:bodyPr rtlCol="0" anchor="ctr"/>
-            <a:lstStyle/>
-            <a:p>
-              <a:pPr algn="ctr"/>
-              <a:r>
-                <a:rPr lang="en-US" sz="2100" dirty="0" err="1">
-                  <a:solidFill>
-                    <a:schemeClr val="tx1"/>
-                  </a:solidFill>
-                </a:rPr>
-                <a:t>qbrYYY</a:t>
-              </a:r>
-              <a:endParaRPr lang="en-US" sz="2100" dirty="0">
-                <a:solidFill>
-                  <a:schemeClr val="tx1"/>
-                </a:solidFill>
-              </a:endParaRPr>
-            </a:p>
-          </p:txBody>
-        </p:sp>
-        <p:sp>
-          <p:nvSpPr>
-            <p:cNvPr id="42" name="Rectangle 41"/>
-            <p:cNvSpPr/>
-            <p:nvPr/>
-          </p:nvSpPr>
-          <p:spPr>
-            <a:xfrm>
-              <a:off x="3927417" y="1774345"/>
-              <a:ext cx="814126" cy="309736"/>
-            </a:xfrm>
-            <a:prstGeom prst="rect">
-              <a:avLst/>
-            </a:prstGeom>
-            <a:solidFill>
-              <a:schemeClr val="accent5">
-                <a:lumMod val="40000"/>
-                <a:lumOff val="60000"/>
-              </a:schemeClr>
-            </a:solidFill>
-            <a:ln>
-              <a:solidFill>
-                <a:schemeClr val="tx1"/>
-              </a:solidFill>
-            </a:ln>
-            <a:effectLst/>
-          </p:spPr>
-          <p:style>
-            <a:lnRef idx="1">
-              <a:schemeClr val="accent1"/>
-            </a:lnRef>
-            <a:fillRef idx="3">
-              <a:schemeClr val="accent1"/>
-            </a:fillRef>
-            <a:effectRef idx="2">
-              <a:schemeClr val="accent1"/>
-            </a:effectRef>
-            <a:fontRef idx="minor">
-              <a:schemeClr val="lt1"/>
-            </a:fontRef>
-          </p:style>
-          <p:txBody>
-            <a:bodyPr rtlCol="0" anchor="ctr"/>
-            <a:lstStyle/>
-            <a:p>
-              <a:pPr algn="ctr"/>
-              <a:r>
-                <a:rPr lang="en-US" sz="2100" dirty="0">
-                  <a:solidFill>
-                    <a:schemeClr val="tx1"/>
-                  </a:solidFill>
-                </a:rPr>
-                <a:t>vnet1</a:t>
-              </a:r>
-            </a:p>
-          </p:txBody>
-        </p:sp>
-        <p:sp>
-          <p:nvSpPr>
-            <p:cNvPr id="43" name="Rectangle 42"/>
-            <p:cNvSpPr/>
-            <p:nvPr/>
-          </p:nvSpPr>
-          <p:spPr>
-            <a:xfrm>
-              <a:off x="5531875" y="2472228"/>
-              <a:ext cx="814126" cy="309736"/>
-            </a:xfrm>
-            <a:prstGeom prst="rect">
-              <a:avLst/>
-            </a:prstGeom>
-            <a:solidFill>
-              <a:schemeClr val="accent6">
-                <a:lumMod val="60000"/>
-                <a:lumOff val="40000"/>
-              </a:schemeClr>
-            </a:solidFill>
-            <a:ln>
-              <a:solidFill>
-                <a:schemeClr val="tx1"/>
-              </a:solidFill>
-            </a:ln>
-            <a:effectLst/>
-          </p:spPr>
-          <p:style>
-            <a:lnRef idx="1">
-              <a:schemeClr val="accent1"/>
-            </a:lnRef>
-            <a:fillRef idx="3">
-              <a:schemeClr val="accent1"/>
-            </a:fillRef>
-            <a:effectRef idx="2">
-              <a:schemeClr val="accent1"/>
-            </a:effectRef>
-            <a:fontRef idx="minor">
-              <a:schemeClr val="lt1"/>
-            </a:fontRef>
-          </p:style>
-          <p:txBody>
-            <a:bodyPr rtlCol="0" anchor="ctr"/>
-            <a:lstStyle/>
-            <a:p>
-              <a:pPr algn="ctr"/>
-              <a:r>
-                <a:rPr lang="en-US" sz="2100" dirty="0" err="1">
-                  <a:solidFill>
-                    <a:schemeClr val="tx1"/>
-                  </a:solidFill>
-                </a:rPr>
-                <a:t>qvbZZZ</a:t>
-              </a:r>
-              <a:endParaRPr lang="en-US" sz="2100" dirty="0">
-                <a:solidFill>
-                  <a:schemeClr val="tx1"/>
-                </a:solidFill>
-              </a:endParaRPr>
-            </a:p>
-          </p:txBody>
-        </p:sp>
-        <p:sp>
-          <p:nvSpPr>
-            <p:cNvPr id="44" name="Rectangle 43"/>
-            <p:cNvSpPr/>
-            <p:nvPr/>
-          </p:nvSpPr>
-          <p:spPr>
-            <a:xfrm>
-              <a:off x="5367182" y="2073465"/>
-              <a:ext cx="1086446" cy="398763"/>
-            </a:xfrm>
-            <a:prstGeom prst="rect">
-              <a:avLst/>
-            </a:prstGeom>
-            <a:solidFill>
-              <a:schemeClr val="accent4">
-                <a:lumMod val="60000"/>
-                <a:lumOff val="40000"/>
-              </a:schemeClr>
-            </a:solidFill>
-            <a:ln>
-              <a:solidFill>
-                <a:schemeClr val="tx1"/>
-              </a:solidFill>
-            </a:ln>
-            <a:effectLst/>
-          </p:spPr>
-          <p:style>
-            <a:lnRef idx="1">
-              <a:schemeClr val="accent1"/>
-            </a:lnRef>
-            <a:fillRef idx="3">
-              <a:schemeClr val="accent1"/>
-            </a:fillRef>
-            <a:effectRef idx="2">
-              <a:schemeClr val="accent1"/>
-            </a:effectRef>
-            <a:fontRef idx="minor">
-              <a:schemeClr val="lt1"/>
-            </a:fontRef>
-          </p:style>
-          <p:txBody>
-            <a:bodyPr rtlCol="0" anchor="ctr"/>
-            <a:lstStyle/>
-            <a:p>
-              <a:pPr algn="ctr"/>
-              <a:r>
-                <a:rPr lang="en-US" sz="2100" dirty="0" err="1">
-                  <a:solidFill>
-                    <a:schemeClr val="tx1"/>
-                  </a:solidFill>
-                </a:rPr>
-                <a:t>qbrZZZ</a:t>
-              </a:r>
-              <a:endParaRPr lang="en-US" sz="2100" dirty="0">
-                <a:solidFill>
-                  <a:schemeClr val="tx1"/>
-                </a:solidFill>
-              </a:endParaRPr>
-            </a:p>
-          </p:txBody>
-        </p:sp>
-        <p:sp>
-          <p:nvSpPr>
-            <p:cNvPr id="45" name="Rectangle 44"/>
-            <p:cNvSpPr/>
-            <p:nvPr/>
-          </p:nvSpPr>
-          <p:spPr>
-            <a:xfrm>
-              <a:off x="5531875" y="1769037"/>
-              <a:ext cx="814126" cy="309736"/>
-            </a:xfrm>
-            <a:prstGeom prst="rect">
-              <a:avLst/>
-            </a:prstGeom>
-            <a:solidFill>
-              <a:schemeClr val="accent5">
-                <a:lumMod val="40000"/>
-                <a:lumOff val="60000"/>
-              </a:schemeClr>
-            </a:solidFill>
-            <a:ln>
-              <a:solidFill>
-                <a:schemeClr val="tx1"/>
-              </a:solidFill>
-            </a:ln>
-            <a:effectLst/>
-          </p:spPr>
-          <p:style>
-            <a:lnRef idx="1">
-              <a:schemeClr val="accent1"/>
-            </a:lnRef>
-            <a:fillRef idx="3">
-              <a:schemeClr val="accent1"/>
-            </a:fillRef>
-            <a:effectRef idx="2">
-              <a:schemeClr val="accent1"/>
-            </a:effectRef>
-            <a:fontRef idx="minor">
-              <a:schemeClr val="lt1"/>
-            </a:fontRef>
-          </p:style>
-          <p:txBody>
-            <a:bodyPr rtlCol="0" anchor="ctr"/>
-            <a:lstStyle/>
-            <a:p>
-              <a:pPr algn="ctr"/>
-              <a:r>
-                <a:rPr lang="en-US" sz="2100" dirty="0">
-                  <a:solidFill>
-                    <a:schemeClr val="tx1"/>
-                  </a:solidFill>
-                </a:rPr>
-                <a:t>vnet2</a:t>
-              </a:r>
-            </a:p>
-          </p:txBody>
-        </p:sp>
-        <p:sp>
-          <p:nvSpPr>
-            <p:cNvPr id="46" name="Rectangle 45"/>
-            <p:cNvSpPr/>
-            <p:nvPr/>
-          </p:nvSpPr>
-          <p:spPr>
-            <a:xfrm>
-              <a:off x="2221928" y="673058"/>
-              <a:ext cx="1086446" cy="749033"/>
-            </a:xfrm>
-            <a:prstGeom prst="rect">
-              <a:avLst/>
-            </a:prstGeom>
-            <a:solidFill>
-              <a:schemeClr val="accent3">
-                <a:lumMod val="60000"/>
-                <a:lumOff val="40000"/>
-              </a:schemeClr>
-            </a:solidFill>
-            <a:ln>
-              <a:solidFill>
-                <a:schemeClr val="tx1"/>
-              </a:solidFill>
-            </a:ln>
-            <a:effectLst/>
-          </p:spPr>
-          <p:style>
-            <a:lnRef idx="1">
-              <a:schemeClr val="accent1"/>
-            </a:lnRef>
-            <a:fillRef idx="3">
-              <a:schemeClr val="accent1"/>
-            </a:fillRef>
-            <a:effectRef idx="2">
-              <a:schemeClr val="accent1"/>
-            </a:effectRef>
-            <a:fontRef idx="minor">
-              <a:schemeClr val="lt1"/>
-            </a:fontRef>
-          </p:style>
-          <p:txBody>
-            <a:bodyPr rtlCol="0" anchor="ctr"/>
-            <a:lstStyle/>
-            <a:p>
-              <a:pPr algn="ctr"/>
-              <a:r>
-                <a:rPr lang="en-US" sz="2100" dirty="0">
-                  <a:solidFill>
-                    <a:schemeClr val="tx1"/>
-                  </a:solidFill>
-                </a:rPr>
-                <a:t>VM 01</a:t>
-              </a:r>
-            </a:p>
-          </p:txBody>
-        </p:sp>
-        <p:sp>
-          <p:nvSpPr>
-            <p:cNvPr id="47" name="Rectangle 46"/>
-            <p:cNvSpPr/>
-            <p:nvPr/>
-          </p:nvSpPr>
-          <p:spPr>
-            <a:xfrm>
-              <a:off x="2386622" y="1267223"/>
-              <a:ext cx="814126" cy="309736"/>
-            </a:xfrm>
-            <a:prstGeom prst="rect">
-              <a:avLst/>
-            </a:prstGeom>
-            <a:solidFill>
-              <a:schemeClr val="accent5">
-                <a:lumMod val="40000"/>
-                <a:lumOff val="60000"/>
-              </a:schemeClr>
-            </a:solidFill>
-            <a:ln>
-              <a:solidFill>
-                <a:schemeClr val="tx1"/>
-              </a:solidFill>
-            </a:ln>
-            <a:effectLst/>
-          </p:spPr>
-          <p:style>
-            <a:lnRef idx="1">
-              <a:schemeClr val="accent1"/>
-            </a:lnRef>
-            <a:fillRef idx="3">
-              <a:schemeClr val="accent1"/>
-            </a:fillRef>
-            <a:effectRef idx="2">
-              <a:schemeClr val="accent1"/>
-            </a:effectRef>
-            <a:fontRef idx="minor">
-              <a:schemeClr val="lt1"/>
-            </a:fontRef>
-          </p:style>
-          <p:txBody>
-            <a:bodyPr rtlCol="0" anchor="ctr"/>
-            <a:lstStyle/>
-            <a:p>
-              <a:pPr algn="ctr"/>
-              <a:r>
-                <a:rPr lang="en-US" sz="2100" dirty="0">
-                  <a:solidFill>
-                    <a:schemeClr val="tx1"/>
-                  </a:solidFill>
-                </a:rPr>
-                <a:t>eth0</a:t>
-              </a:r>
-            </a:p>
-          </p:txBody>
-        </p:sp>
-        <p:sp>
-          <p:nvSpPr>
-            <p:cNvPr id="48" name="Rectangle 47"/>
-            <p:cNvSpPr/>
-            <p:nvPr/>
-          </p:nvSpPr>
-          <p:spPr>
-            <a:xfrm>
-              <a:off x="3762724" y="673058"/>
-              <a:ext cx="1086446" cy="749033"/>
-            </a:xfrm>
-            <a:prstGeom prst="rect">
-              <a:avLst/>
-            </a:prstGeom>
-            <a:solidFill>
-              <a:schemeClr val="accent3">
-                <a:lumMod val="60000"/>
-                <a:lumOff val="40000"/>
-              </a:schemeClr>
-            </a:solidFill>
-            <a:ln>
-              <a:solidFill>
-                <a:schemeClr val="tx1"/>
-              </a:solidFill>
-            </a:ln>
-            <a:effectLst/>
-          </p:spPr>
-          <p:style>
-            <a:lnRef idx="1">
-              <a:schemeClr val="accent1"/>
-            </a:lnRef>
-            <a:fillRef idx="3">
-              <a:schemeClr val="accent1"/>
-            </a:fillRef>
-            <a:effectRef idx="2">
-              <a:schemeClr val="accent1"/>
-            </a:effectRef>
-            <a:fontRef idx="minor">
-              <a:schemeClr val="lt1"/>
-            </a:fontRef>
-          </p:style>
-          <p:txBody>
-            <a:bodyPr rtlCol="0" anchor="ctr"/>
-            <a:lstStyle/>
-            <a:p>
-              <a:pPr algn="ctr"/>
-              <a:r>
-                <a:rPr lang="en-US" sz="2100" dirty="0">
-                  <a:solidFill>
-                    <a:schemeClr val="tx1"/>
-                  </a:solidFill>
-                </a:rPr>
-                <a:t>VM 02</a:t>
-              </a:r>
-            </a:p>
-          </p:txBody>
-        </p:sp>
-        <p:sp>
-          <p:nvSpPr>
-            <p:cNvPr id="49" name="Rectangle 48"/>
-            <p:cNvSpPr/>
-            <p:nvPr/>
-          </p:nvSpPr>
-          <p:spPr>
-            <a:xfrm>
-              <a:off x="3927418" y="1267223"/>
-              <a:ext cx="814126" cy="309736"/>
-            </a:xfrm>
-            <a:prstGeom prst="rect">
-              <a:avLst/>
-            </a:prstGeom>
-            <a:solidFill>
-              <a:schemeClr val="accent5">
-                <a:lumMod val="40000"/>
-                <a:lumOff val="60000"/>
-              </a:schemeClr>
-            </a:solidFill>
-            <a:ln>
-              <a:solidFill>
-                <a:schemeClr val="tx1"/>
-              </a:solidFill>
-            </a:ln>
-            <a:effectLst/>
-          </p:spPr>
-          <p:style>
-            <a:lnRef idx="1">
-              <a:schemeClr val="accent1"/>
-            </a:lnRef>
-            <a:fillRef idx="3">
-              <a:schemeClr val="accent1"/>
-            </a:fillRef>
-            <a:effectRef idx="2">
-              <a:schemeClr val="accent1"/>
-            </a:effectRef>
-            <a:fontRef idx="minor">
-              <a:schemeClr val="lt1"/>
-            </a:fontRef>
-          </p:style>
-          <p:txBody>
-            <a:bodyPr rtlCol="0" anchor="ctr"/>
-            <a:lstStyle/>
-            <a:p>
-              <a:pPr algn="ctr"/>
-              <a:r>
-                <a:rPr lang="en-US" sz="2100" dirty="0">
-                  <a:solidFill>
-                    <a:schemeClr val="tx1"/>
-                  </a:solidFill>
-                </a:rPr>
-                <a:t>eth1</a:t>
-              </a:r>
-            </a:p>
-          </p:txBody>
-        </p:sp>
-        <p:sp>
-          <p:nvSpPr>
-            <p:cNvPr id="50" name="Rectangle 49"/>
-            <p:cNvSpPr/>
-            <p:nvPr/>
-          </p:nvSpPr>
-          <p:spPr>
-            <a:xfrm>
-              <a:off x="5367182" y="673058"/>
-              <a:ext cx="1086446" cy="749033"/>
-            </a:xfrm>
-            <a:prstGeom prst="rect">
-              <a:avLst/>
-            </a:prstGeom>
-            <a:solidFill>
-              <a:schemeClr val="accent3">
-                <a:lumMod val="60000"/>
-                <a:lumOff val="40000"/>
-              </a:schemeClr>
-            </a:solidFill>
-            <a:ln>
-              <a:solidFill>
-                <a:schemeClr val="tx1"/>
-              </a:solidFill>
-            </a:ln>
-            <a:effectLst/>
-          </p:spPr>
-          <p:style>
-            <a:lnRef idx="1">
-              <a:schemeClr val="accent1"/>
-            </a:lnRef>
-            <a:fillRef idx="3">
-              <a:schemeClr val="accent1"/>
-            </a:fillRef>
-            <a:effectRef idx="2">
-              <a:schemeClr val="accent1"/>
-            </a:effectRef>
-            <a:fontRef idx="minor">
-              <a:schemeClr val="lt1"/>
-            </a:fontRef>
-          </p:style>
-          <p:txBody>
-            <a:bodyPr rtlCol="0" anchor="ctr"/>
-            <a:lstStyle/>
-            <a:p>
-              <a:pPr algn="ctr"/>
-              <a:r>
-                <a:rPr lang="en-US" sz="2100" dirty="0">
-                  <a:solidFill>
-                    <a:schemeClr val="tx1"/>
-                  </a:solidFill>
-                </a:rPr>
-                <a:t>VM 03</a:t>
-              </a:r>
-            </a:p>
-          </p:txBody>
-        </p:sp>
-        <p:sp>
-          <p:nvSpPr>
-            <p:cNvPr id="51" name="Rectangle 50"/>
-            <p:cNvSpPr/>
-            <p:nvPr/>
-          </p:nvSpPr>
-          <p:spPr>
-            <a:xfrm>
-              <a:off x="5531876" y="1267223"/>
-              <a:ext cx="814126" cy="309736"/>
-            </a:xfrm>
-            <a:prstGeom prst="rect">
-              <a:avLst/>
-            </a:prstGeom>
-            <a:solidFill>
-              <a:schemeClr val="accent5">
-                <a:lumMod val="40000"/>
-                <a:lumOff val="60000"/>
-              </a:schemeClr>
-            </a:solidFill>
-            <a:ln>
-              <a:solidFill>
-                <a:schemeClr val="tx1"/>
-              </a:solidFill>
-            </a:ln>
-            <a:effectLst/>
-          </p:spPr>
-          <p:style>
-            <a:lnRef idx="1">
-              <a:schemeClr val="accent1"/>
-            </a:lnRef>
-            <a:fillRef idx="3">
-              <a:schemeClr val="accent1"/>
-            </a:fillRef>
-            <a:effectRef idx="2">
-              <a:schemeClr val="accent1"/>
-            </a:effectRef>
-            <a:fontRef idx="minor">
-              <a:schemeClr val="lt1"/>
-            </a:fontRef>
-          </p:style>
-          <p:txBody>
-            <a:bodyPr rtlCol="0" anchor="ctr"/>
-            <a:lstStyle/>
-            <a:p>
-              <a:pPr algn="ctr"/>
-              <a:r>
-                <a:rPr lang="en-US" sz="2100" dirty="0">
-                  <a:solidFill>
-                    <a:schemeClr val="tx1"/>
-                  </a:solidFill>
-                </a:rPr>
-                <a:t>eth2</a:t>
-              </a:r>
-            </a:p>
-          </p:txBody>
-        </p:sp>
-        <p:cxnSp>
-          <p:nvCxnSpPr>
-            <p:cNvPr id="52" name="Straight Connector 51"/>
-            <p:cNvCxnSpPr>
-              <a:stCxn id="26" idx="2"/>
-              <a:endCxn id="8" idx="0"/>
-            </p:cNvCxnSpPr>
-            <p:nvPr/>
-          </p:nvCxnSpPr>
-          <p:spPr>
-            <a:xfrm>
-              <a:off x="2793684" y="2792580"/>
-              <a:ext cx="1915" cy="219916"/>
-            </a:xfrm>
-            <a:prstGeom prst="line">
-              <a:avLst/>
-            </a:prstGeom>
-            <a:ln>
-              <a:solidFill>
-                <a:schemeClr val="tx1"/>
-              </a:solidFill>
-            </a:ln>
-            <a:effectLst/>
-          </p:spPr>
-          <p:style>
-            <a:lnRef idx="2">
-              <a:schemeClr val="accent1"/>
-            </a:lnRef>
-            <a:fillRef idx="0">
-              <a:schemeClr val="accent1"/>
-            </a:fillRef>
-            <a:effectRef idx="1">
-              <a:schemeClr val="accent1"/>
-            </a:effectRef>
-            <a:fontRef idx="minor">
-              <a:schemeClr val="tx1"/>
-            </a:fontRef>
-          </p:style>
-        </p:cxnSp>
-        <p:cxnSp>
-          <p:nvCxnSpPr>
-            <p:cNvPr id="53" name="Straight Connector 52"/>
-            <p:cNvCxnSpPr>
-              <a:stCxn id="40" idx="2"/>
-              <a:endCxn id="9" idx="0"/>
-            </p:cNvCxnSpPr>
-            <p:nvPr/>
-          </p:nvCxnSpPr>
-          <p:spPr>
-            <a:xfrm flipH="1">
-              <a:off x="4332018" y="2787272"/>
-              <a:ext cx="2462" cy="225224"/>
-            </a:xfrm>
-            <a:prstGeom prst="line">
-              <a:avLst/>
-            </a:prstGeom>
-            <a:ln>
-              <a:solidFill>
-                <a:schemeClr val="tx1"/>
-              </a:solidFill>
-            </a:ln>
-            <a:effectLst/>
-          </p:spPr>
-          <p:style>
-            <a:lnRef idx="2">
-              <a:schemeClr val="accent1"/>
-            </a:lnRef>
-            <a:fillRef idx="0">
-              <a:schemeClr val="accent1"/>
-            </a:fillRef>
-            <a:effectRef idx="1">
-              <a:schemeClr val="accent1"/>
-            </a:effectRef>
-            <a:fontRef idx="minor">
-              <a:schemeClr val="tx1"/>
-            </a:fontRef>
-          </p:style>
-        </p:cxnSp>
-        <p:cxnSp>
-          <p:nvCxnSpPr>
-            <p:cNvPr id="58" name="Straight Connector 57"/>
-            <p:cNvCxnSpPr>
-              <a:stCxn id="43" idx="2"/>
-              <a:endCxn id="10" idx="0"/>
-            </p:cNvCxnSpPr>
-            <p:nvPr/>
-          </p:nvCxnSpPr>
-          <p:spPr>
-            <a:xfrm flipH="1">
-              <a:off x="5938279" y="2781964"/>
-              <a:ext cx="659" cy="208036"/>
-            </a:xfrm>
-            <a:prstGeom prst="line">
-              <a:avLst/>
-            </a:prstGeom>
-            <a:ln>
-              <a:solidFill>
-                <a:schemeClr val="tx1"/>
-              </a:solidFill>
-            </a:ln>
-            <a:effectLst/>
-          </p:spPr>
-          <p:style>
-            <a:lnRef idx="2">
-              <a:schemeClr val="accent1"/>
-            </a:lnRef>
-            <a:fillRef idx="0">
-              <a:schemeClr val="accent1"/>
-            </a:fillRef>
-            <a:effectRef idx="1">
-              <a:schemeClr val="accent1"/>
-            </a:effectRef>
-            <a:fontRef idx="minor">
-              <a:schemeClr val="tx1"/>
-            </a:fontRef>
-          </p:style>
-        </p:cxnSp>
-        <p:cxnSp>
-          <p:nvCxnSpPr>
-            <p:cNvPr id="61" name="Straight Connector 60"/>
-            <p:cNvCxnSpPr>
-              <a:stCxn id="51" idx="2"/>
-              <a:endCxn id="45" idx="0"/>
-            </p:cNvCxnSpPr>
-            <p:nvPr/>
-          </p:nvCxnSpPr>
-          <p:spPr>
-            <a:xfrm flipH="1">
-              <a:off x="5938938" y="1576959"/>
-              <a:ext cx="1" cy="192078"/>
-            </a:xfrm>
-            <a:prstGeom prst="line">
-              <a:avLst/>
-            </a:prstGeom>
-            <a:ln>
-              <a:solidFill>
-                <a:schemeClr val="tx1"/>
-              </a:solidFill>
-            </a:ln>
-            <a:effectLst/>
-          </p:spPr>
-          <p:style>
-            <a:lnRef idx="2">
-              <a:schemeClr val="accent1"/>
-            </a:lnRef>
-            <a:fillRef idx="0">
-              <a:schemeClr val="accent1"/>
-            </a:fillRef>
-            <a:effectRef idx="1">
-              <a:schemeClr val="accent1"/>
-            </a:effectRef>
-            <a:fontRef idx="minor">
-              <a:schemeClr val="tx1"/>
-            </a:fontRef>
-          </p:style>
-        </p:cxnSp>
-        <p:cxnSp>
-          <p:nvCxnSpPr>
-            <p:cNvPr id="64" name="Straight Connector 63"/>
-            <p:cNvCxnSpPr>
-              <a:stCxn id="49" idx="2"/>
-              <a:endCxn id="42" idx="0"/>
-            </p:cNvCxnSpPr>
-            <p:nvPr/>
-          </p:nvCxnSpPr>
-          <p:spPr>
-            <a:xfrm flipH="1">
-              <a:off x="4334480" y="1576959"/>
-              <a:ext cx="1" cy="197386"/>
-            </a:xfrm>
-            <a:prstGeom prst="line">
-              <a:avLst/>
-            </a:prstGeom>
-            <a:ln>
-              <a:solidFill>
-                <a:schemeClr val="tx1"/>
-              </a:solidFill>
-            </a:ln>
-            <a:effectLst/>
-          </p:spPr>
-          <p:style>
-            <a:lnRef idx="2">
-              <a:schemeClr val="accent1"/>
-            </a:lnRef>
-            <a:fillRef idx="0">
-              <a:schemeClr val="accent1"/>
-            </a:fillRef>
-            <a:effectRef idx="1">
-              <a:schemeClr val="accent1"/>
-            </a:effectRef>
-            <a:fontRef idx="minor">
-              <a:schemeClr val="tx1"/>
-            </a:fontRef>
-          </p:style>
-        </p:cxnSp>
-        <p:cxnSp>
-          <p:nvCxnSpPr>
-            <p:cNvPr id="67" name="Straight Connector 66"/>
-            <p:cNvCxnSpPr>
-              <a:stCxn id="47" idx="2"/>
-              <a:endCxn id="32" idx="0"/>
-            </p:cNvCxnSpPr>
-            <p:nvPr/>
-          </p:nvCxnSpPr>
-          <p:spPr>
-            <a:xfrm flipH="1">
-              <a:off x="2793684" y="1576959"/>
-              <a:ext cx="1" cy="202694"/>
-            </a:xfrm>
-            <a:prstGeom prst="line">
-              <a:avLst/>
-            </a:prstGeom>
-            <a:ln>
-              <a:solidFill>
-                <a:schemeClr val="tx1"/>
-              </a:solidFill>
-            </a:ln>
-            <a:effectLst/>
-          </p:spPr>
-          <p:style>
-            <a:lnRef idx="2">
-              <a:schemeClr val="accent1"/>
-            </a:lnRef>
-            <a:fillRef idx="0">
-              <a:schemeClr val="accent1"/>
-            </a:fillRef>
-            <a:effectRef idx="1">
-              <a:schemeClr val="accent1"/>
-            </a:effectRef>
-            <a:fontRef idx="minor">
-              <a:schemeClr val="tx1"/>
-            </a:fontRef>
-          </p:style>
-        </p:cxnSp>
-        <p:sp>
-          <p:nvSpPr>
-            <p:cNvPr id="71" name="Rectangle 70"/>
-            <p:cNvSpPr/>
-            <p:nvPr/>
-          </p:nvSpPr>
-          <p:spPr>
-            <a:xfrm>
-              <a:off x="2974277" y="5544534"/>
-              <a:ext cx="2724610" cy="686557"/>
-            </a:xfrm>
-            <a:prstGeom prst="rect">
-              <a:avLst/>
-            </a:prstGeom>
-            <a:solidFill>
-              <a:schemeClr val="accent5">
-                <a:lumMod val="40000"/>
-                <a:lumOff val="60000"/>
-              </a:schemeClr>
-            </a:solidFill>
-            <a:ln>
-              <a:solidFill>
-                <a:schemeClr val="tx1"/>
-              </a:solidFill>
-            </a:ln>
-            <a:effectLst/>
-          </p:spPr>
-          <p:style>
-            <a:lnRef idx="1">
-              <a:schemeClr val="accent1"/>
-            </a:lnRef>
-            <a:fillRef idx="3">
-              <a:schemeClr val="accent1"/>
-            </a:fillRef>
-            <a:effectRef idx="2">
-              <a:schemeClr val="accent1"/>
-            </a:effectRef>
-            <a:fontRef idx="minor">
-              <a:schemeClr val="lt1"/>
-            </a:fontRef>
-          </p:style>
-          <p:txBody>
-            <a:bodyPr rtlCol="0" anchor="ctr"/>
-            <a:lstStyle/>
-            <a:p>
-              <a:pPr algn="ctr"/>
-              <a:endParaRPr lang="en-US" sz="2100" dirty="0">
-                <a:solidFill>
-                  <a:schemeClr val="tx1"/>
-                </a:solidFill>
-              </a:endParaRPr>
-            </a:p>
-          </p:txBody>
-        </p:sp>
-        <p:cxnSp>
-          <p:nvCxnSpPr>
-            <p:cNvPr id="74" name="Straight Connector 73"/>
-            <p:cNvCxnSpPr/>
-            <p:nvPr/>
-          </p:nvCxnSpPr>
-          <p:spPr>
-            <a:xfrm>
-              <a:off x="4070634" y="5666602"/>
-              <a:ext cx="0" cy="282245"/>
-            </a:xfrm>
-            <a:prstGeom prst="line">
-              <a:avLst/>
-            </a:prstGeom>
-            <a:ln>
-              <a:solidFill>
-                <a:srgbClr val="000090"/>
-              </a:solidFill>
-            </a:ln>
-            <a:effectLst/>
-          </p:spPr>
-          <p:style>
-            <a:lnRef idx="2">
-              <a:schemeClr val="accent1"/>
-            </a:lnRef>
-            <a:fillRef idx="0">
-              <a:schemeClr val="accent1"/>
-            </a:fillRef>
-            <a:effectRef idx="1">
-              <a:schemeClr val="accent1"/>
-            </a:effectRef>
-            <a:fontRef idx="minor">
-              <a:schemeClr val="tx1"/>
-            </a:fontRef>
-          </p:style>
-        </p:cxnSp>
-        <p:cxnSp>
-          <p:nvCxnSpPr>
-            <p:cNvPr id="75" name="Straight Connector 74"/>
-            <p:cNvCxnSpPr/>
-            <p:nvPr/>
-          </p:nvCxnSpPr>
-          <p:spPr>
-            <a:xfrm flipH="1">
-              <a:off x="3093682" y="5948847"/>
-              <a:ext cx="976952" cy="0"/>
-            </a:xfrm>
-            <a:prstGeom prst="line">
-              <a:avLst/>
-            </a:prstGeom>
-            <a:ln>
-              <a:solidFill>
-                <a:srgbClr val="000090"/>
-              </a:solidFill>
-            </a:ln>
-            <a:effectLst/>
-          </p:spPr>
-          <p:style>
-            <a:lnRef idx="2">
-              <a:schemeClr val="accent1"/>
-            </a:lnRef>
-            <a:fillRef idx="0">
-              <a:schemeClr val="accent1"/>
-            </a:fillRef>
-            <a:effectRef idx="1">
-              <a:schemeClr val="accent1"/>
-            </a:effectRef>
-            <a:fontRef idx="minor">
-              <a:schemeClr val="tx1"/>
-            </a:fontRef>
-          </p:style>
-        </p:cxnSp>
-        <p:cxnSp>
-          <p:nvCxnSpPr>
-            <p:cNvPr id="78" name="Straight Connector 77"/>
-            <p:cNvCxnSpPr/>
-            <p:nvPr/>
-          </p:nvCxnSpPr>
-          <p:spPr>
-            <a:xfrm>
-              <a:off x="4570395" y="5677879"/>
-              <a:ext cx="0" cy="282245"/>
-            </a:xfrm>
-            <a:prstGeom prst="line">
-              <a:avLst/>
-            </a:prstGeom>
-            <a:ln>
-              <a:solidFill>
-                <a:srgbClr val="FF0000"/>
-              </a:solidFill>
-            </a:ln>
-            <a:effectLst/>
-          </p:spPr>
-          <p:style>
-            <a:lnRef idx="2">
-              <a:schemeClr val="accent1"/>
-            </a:lnRef>
-            <a:fillRef idx="0">
-              <a:schemeClr val="accent1"/>
-            </a:fillRef>
-            <a:effectRef idx="1">
-              <a:schemeClr val="accent1"/>
-            </a:effectRef>
-            <a:fontRef idx="minor">
-              <a:schemeClr val="tx1"/>
-            </a:fontRef>
-          </p:style>
-        </p:cxnSp>
-        <p:cxnSp>
-          <p:nvCxnSpPr>
-            <p:cNvPr id="79" name="Straight Connector 78"/>
-            <p:cNvCxnSpPr/>
-            <p:nvPr/>
-          </p:nvCxnSpPr>
-          <p:spPr>
-            <a:xfrm>
-              <a:off x="4570395" y="5948847"/>
-              <a:ext cx="961481" cy="11277"/>
-            </a:xfrm>
-            <a:prstGeom prst="line">
-              <a:avLst/>
-            </a:prstGeom>
-            <a:ln>
-              <a:solidFill>
-                <a:srgbClr val="FF0000"/>
-              </a:solidFill>
-            </a:ln>
-            <a:effectLst/>
-          </p:spPr>
-          <p:style>
-            <a:lnRef idx="2">
-              <a:schemeClr val="accent1"/>
-            </a:lnRef>
-            <a:fillRef idx="0">
-              <a:schemeClr val="accent1"/>
-            </a:fillRef>
-            <a:effectRef idx="1">
-              <a:schemeClr val="accent1"/>
-            </a:effectRef>
-            <a:fontRef idx="minor">
-              <a:schemeClr val="tx1"/>
-            </a:fontRef>
-          </p:style>
-        </p:cxnSp>
-        <p:sp>
-          <p:nvSpPr>
-            <p:cNvPr id="82" name="TextBox 81"/>
-            <p:cNvSpPr txBox="1"/>
-            <p:nvPr/>
-          </p:nvSpPr>
-          <p:spPr>
-            <a:xfrm>
-              <a:off x="3093682" y="5612322"/>
-              <a:ext cx="831273" cy="296784"/>
-            </a:xfrm>
-            <a:prstGeom prst="rect">
-              <a:avLst/>
-            </a:prstGeom>
-            <a:noFill/>
-          </p:spPr>
-          <p:txBody>
-            <a:bodyPr wrap="square" rtlCol="0">
-              <a:spAutoFit/>
-            </a:bodyPr>
-            <a:lstStyle/>
-            <a:p>
-              <a:r>
-                <a:rPr lang="en-US" sz="2100" dirty="0"/>
-                <a:t>VLAN 1</a:t>
-              </a:r>
-            </a:p>
-          </p:txBody>
-        </p:sp>
-        <p:sp>
-          <p:nvSpPr>
-            <p:cNvPr id="83" name="TextBox 82"/>
-            <p:cNvSpPr txBox="1"/>
-            <p:nvPr/>
-          </p:nvSpPr>
-          <p:spPr>
-            <a:xfrm>
-              <a:off x="4649096" y="5595445"/>
-              <a:ext cx="831273" cy="296784"/>
-            </a:xfrm>
-            <a:prstGeom prst="rect">
-              <a:avLst/>
-            </a:prstGeom>
-            <a:noFill/>
-          </p:spPr>
-          <p:txBody>
-            <a:bodyPr wrap="square" rtlCol="0">
-              <a:spAutoFit/>
-            </a:bodyPr>
-            <a:lstStyle/>
-            <a:p>
-              <a:r>
-                <a:rPr lang="en-US" sz="2100" dirty="0"/>
-                <a:t>VLAN 2</a:t>
-              </a:r>
-            </a:p>
-          </p:txBody>
-        </p:sp>
-      </p:grpSp>
-    </p:spTree>
-    <p:extLst>
-      <p:ext uri="{BB962C8B-B14F-4D97-AF65-F5344CB8AC3E}">
-        <p14:creationId xmlns:p14="http://schemas.microsoft.com/office/powerpoint/2010/main" val="2432397169"/>
-      </p:ext>
-    </p:extLst>
-  </p:cSld>
-  <p:clrMapOvr>
-    <a:masterClrMapping/>
-  </p:clrMapOvr>
-</p:sld>
-</file>
-
-<file path=ppt/slides/slide5.xml><?xml version="1.0" encoding="utf-8"?>
-<p:sld xmlns:a="http://schemas.openxmlformats.org/drawingml/2006/main" xmlns:r="http://schemas.openxmlformats.org/officeDocument/2006/relationships" xmlns:p="http://schemas.openxmlformats.org/presentationml/2006/main">
-  <p:cSld>
-    <p:spTree>
-      <p:nvGrpSpPr>
-        <p:cNvPr id="1" name=""/>
-        <p:cNvGrpSpPr/>
-        <p:nvPr/>
-      </p:nvGrpSpPr>
-      <p:grpSpPr>
-        <a:xfrm>
-          <a:off x="0" y="0"/>
-          <a:ext cx="0" cy="0"/>
-          <a:chOff x="0" y="0"/>
-          <a:chExt cx="0" cy="0"/>
-        </a:xfrm>
-      </p:grpSpPr>
       <p:grpSp>
         <p:nvGrpSpPr>
           <p:cNvPr id="5" name="Group 4"/>
@@ -11678,9 +8013,9 @@
         <p:grpSpPr>
           <a:xfrm>
             <a:off x="1008192" y="1368791"/>
-            <a:ext cx="3614862" cy="4848451"/>
+            <a:ext cx="3614862" cy="5048122"/>
             <a:chOff x="720137" y="977707"/>
-            <a:chExt cx="2582044" cy="3463177"/>
+            <a:chExt cx="2582044" cy="3605801"/>
           </a:xfrm>
         </p:grpSpPr>
         <p:sp>
@@ -11709,6 +8044,7 @@
                 <a:schemeClr val="tx1"/>
               </a:solidFill>
             </a:ln>
+            <a:effectLst/>
           </p:spPr>
           <p:style>
             <a:lnRef idx="1">
@@ -11878,7 +8214,7 @@
                 <a:defRPr/>
               </a:pPr>
               <a:r>
-                <a:rPr lang="en-US" b="1" kern="1200" dirty="0" smtClean="0">
+                <a:rPr lang="en-US" sz="3200" b="1" kern="1200" dirty="0" smtClean="0">
                   <a:solidFill>
                     <a:srgbClr val="000000"/>
                   </a:solidFill>
@@ -11941,14 +8277,14 @@
             <a:p>
               <a:pPr algn="ctr"/>
               <a:r>
-                <a:rPr lang="en-US" b="1" dirty="0" smtClean="0">
+                <a:rPr lang="en-US" sz="3200" b="1" dirty="0" smtClean="0">
                   <a:solidFill>
                     <a:schemeClr val="tx1"/>
                   </a:solidFill>
                 </a:rPr>
                 <a:t>NAT</a:t>
               </a:r>
-              <a:endParaRPr lang="en-US" b="1" dirty="0">
+              <a:endParaRPr lang="en-US" sz="3200" b="1" dirty="0">
                 <a:solidFill>
                   <a:schemeClr val="tx1"/>
                 </a:solidFill>
@@ -11982,6 +8318,7 @@
                 <a:schemeClr val="tx1"/>
               </a:solidFill>
             </a:ln>
+            <a:effectLst/>
           </p:spPr>
           <p:style>
             <a:lnRef idx="1">
@@ -12151,7 +8488,7 @@
                 <a:defRPr/>
               </a:pPr>
               <a:r>
-                <a:rPr lang="en-US" b="1" dirty="0" smtClean="0">
+                <a:rPr lang="en-US" sz="3200" b="1" dirty="0" smtClean="0">
                   <a:solidFill>
                     <a:srgbClr val="000000"/>
                   </a:solidFill>
@@ -12214,7 +8551,7 @@
             <a:p>
               <a:pPr algn="ctr"/>
               <a:r>
-                <a:rPr lang="en-US" b="1" dirty="0" smtClean="0">
+                <a:rPr lang="en-US" sz="3200" b="1" dirty="0" smtClean="0">
                   <a:solidFill>
                     <a:schemeClr val="tx1"/>
                   </a:solidFill>
@@ -12273,14 +8610,14 @@
             <a:p>
               <a:pPr algn="ctr"/>
               <a:r>
-                <a:rPr lang="en-US" b="1" dirty="0" smtClean="0">
+                <a:rPr lang="en-US" sz="3600" b="1" dirty="0" smtClean="0">
                   <a:solidFill>
                     <a:srgbClr val="000000"/>
                   </a:solidFill>
                 </a:rPr>
                 <a:t>Clone Manager</a:t>
               </a:r>
-              <a:endParaRPr lang="en-US" b="1" dirty="0">
+              <a:endParaRPr lang="en-US" sz="3600" b="1" dirty="0">
                 <a:solidFill>
                   <a:srgbClr val="000000"/>
                 </a:solidFill>
@@ -12378,8 +8715,8 @@
           </p:nvSpPr>
           <p:spPr>
             <a:xfrm>
-              <a:off x="851301" y="2034081"/>
-              <a:ext cx="909460" cy="370855"/>
+              <a:off x="811423" y="2034081"/>
+              <a:ext cx="982982" cy="370855"/>
             </a:xfrm>
             <a:prstGeom prst="rect">
               <a:avLst/>
@@ -12417,14 +8754,14 @@
             <a:p>
               <a:pPr algn="ctr"/>
               <a:r>
-                <a:rPr lang="en-US" b="1" dirty="0" smtClean="0">
+                <a:rPr lang="en-US" sz="3200" b="1" dirty="0" smtClean="0">
                   <a:solidFill>
                     <a:srgbClr val="000000"/>
                   </a:solidFill>
                 </a:rPr>
                 <a:t>Agent</a:t>
               </a:r>
-              <a:endParaRPr lang="en-US" b="1" dirty="0">
+              <a:endParaRPr lang="en-US" sz="3200" b="1" dirty="0">
                 <a:solidFill>
                   <a:srgbClr val="000000"/>
                 </a:solidFill>
@@ -12479,14 +8816,14 @@
             <a:p>
               <a:pPr algn="ctr"/>
               <a:r>
-                <a:rPr lang="en-US" b="1" dirty="0" smtClean="0">
+                <a:rPr lang="en-US" sz="3200" b="1" dirty="0" smtClean="0">
                   <a:solidFill>
                     <a:srgbClr val="000000"/>
                   </a:solidFill>
                 </a:rPr>
                 <a:t>Agent</a:t>
               </a:r>
-              <a:endParaRPr lang="en-US" b="1" dirty="0">
+              <a:endParaRPr lang="en-US" sz="3200" b="1" dirty="0">
                 <a:solidFill>
                   <a:srgbClr val="000000"/>
                 </a:solidFill>
@@ -12540,7 +8877,7 @@
           </p:nvCxnSpPr>
           <p:spPr>
             <a:xfrm>
-              <a:off x="2596920" y="3922192"/>
+              <a:off x="2716555" y="3922192"/>
               <a:ext cx="2040" cy="337141"/>
             </a:xfrm>
             <a:prstGeom prst="straightConnector1">
@@ -12578,8 +8915,8 @@
           </p:nvSpPr>
           <p:spPr>
             <a:xfrm>
-              <a:off x="914392" y="4144100"/>
-              <a:ext cx="1984940" cy="296784"/>
+              <a:off x="720137" y="4253748"/>
+              <a:ext cx="2582044" cy="329760"/>
             </a:xfrm>
             <a:prstGeom prst="rect">
               <a:avLst/>
@@ -12597,7 +8934,7 @@
             <a:p>
               <a:pPr algn="ctr"/>
               <a:r>
-                <a:rPr lang="en-US" sz="2100" b="1" dirty="0"/>
+                <a:rPr lang="en-US" sz="2400" b="1" dirty="0"/>
                 <a:t>To/From Duplicator</a:t>
               </a:r>
             </a:p>
@@ -12612,10 +8949,10 @@
         </p:nvGrpSpPr>
         <p:grpSpPr>
           <a:xfrm>
-            <a:off x="4996505" y="1368791"/>
-            <a:ext cx="3860903" cy="4886822"/>
-            <a:chOff x="4191995" y="961537"/>
-            <a:chExt cx="2757788" cy="3490585"/>
+            <a:off x="4865459" y="1368791"/>
+            <a:ext cx="3740746" cy="5048121"/>
+            <a:chOff x="4277825" y="961537"/>
+            <a:chExt cx="2671956" cy="3605800"/>
           </a:xfrm>
         </p:grpSpPr>
         <p:sp>
@@ -12626,8 +8963,8 @@
           </p:nvSpPr>
           <p:spPr>
             <a:xfrm>
-              <a:off x="4191995" y="1905531"/>
-              <a:ext cx="2757788" cy="2000491"/>
+              <a:off x="4277825" y="1905531"/>
+              <a:ext cx="2671956" cy="2000491"/>
             </a:xfrm>
             <a:prstGeom prst="roundRect">
               <a:avLst>
@@ -12644,6 +8981,7 @@
                 <a:schemeClr val="tx1"/>
               </a:solidFill>
             </a:ln>
+            <a:effectLst/>
           </p:spPr>
           <p:style>
             <a:lnRef idx="1">
@@ -12813,7 +9151,7 @@
                 <a:defRPr/>
               </a:pPr>
               <a:r>
-                <a:rPr lang="en-US" b="1" kern="1200" dirty="0" smtClean="0">
+                <a:rPr lang="en-US" sz="3200" b="1" kern="1200" dirty="0" smtClean="0">
                   <a:solidFill>
                     <a:srgbClr val="000000"/>
                   </a:solidFill>
@@ -12969,7 +9307,7 @@
                 <a:defRPr/>
               </a:pPr>
               <a:r>
-                <a:rPr lang="en-US" b="1" dirty="0" smtClean="0">
+                <a:rPr lang="en-US" sz="3200" b="1" dirty="0" smtClean="0">
                   <a:solidFill>
                     <a:srgbClr val="000000"/>
                   </a:solidFill>
@@ -12996,8 +9334,8 @@
           </p:nvSpPr>
           <p:spPr>
             <a:xfrm>
-              <a:off x="4277827" y="961537"/>
-              <a:ext cx="2582044" cy="606853"/>
+              <a:off x="4317693" y="961537"/>
+              <a:ext cx="2582039" cy="606853"/>
             </a:xfrm>
             <a:prstGeom prst="rect">
               <a:avLst/>
@@ -13032,14 +9370,14 @@
             <a:p>
               <a:pPr algn="ctr"/>
               <a:r>
-                <a:rPr lang="en-US" b="1" dirty="0" smtClean="0">
+                <a:rPr lang="en-US" sz="3600" b="1" dirty="0" smtClean="0">
                   <a:solidFill>
                     <a:srgbClr val="000000"/>
                   </a:solidFill>
                 </a:rPr>
                 <a:t>Clone Manager</a:t>
               </a:r>
-              <a:endParaRPr lang="en-US" b="1" dirty="0">
+              <a:endParaRPr lang="en-US" sz="3600" b="1" dirty="0">
                 <a:solidFill>
                   <a:srgbClr val="000000"/>
                 </a:solidFill>
@@ -13058,8 +9396,8 @@
           </p:nvCxnSpPr>
           <p:spPr>
             <a:xfrm>
-              <a:off x="5568849" y="1568390"/>
-              <a:ext cx="2040" cy="337141"/>
+              <a:off x="5608712" y="1568390"/>
+              <a:ext cx="5091" cy="337141"/>
             </a:xfrm>
             <a:prstGeom prst="straightConnector1">
               <a:avLst/>
@@ -13135,7 +9473,7 @@
             <a:p>
               <a:pPr algn="ctr"/>
               <a:r>
-                <a:rPr lang="en-US" b="1" dirty="0" smtClean="0">
+                <a:rPr lang="en-US" sz="3200" b="1" dirty="0" smtClean="0">
                   <a:solidFill>
                     <a:srgbClr val="000000"/>
                   </a:solidFill>
@@ -13150,168 +9488,6 @@
             </a:p>
           </p:txBody>
         </p:sp>
-        <p:sp>
-          <p:nvSpPr>
-            <p:cNvPr id="26" name="Rectangle 25"/>
-            <p:cNvSpPr/>
-            <p:nvPr/>
-          </p:nvSpPr>
-          <p:spPr>
-            <a:xfrm>
-              <a:off x="4322783" y="2541164"/>
-              <a:ext cx="1223588" cy="1257410"/>
-            </a:xfrm>
-            <a:prstGeom prst="rect">
-              <a:avLst/>
-            </a:prstGeom>
-            <a:noFill/>
-            <a:ln w="19050">
-              <a:solidFill>
-                <a:schemeClr val="tx1"/>
-              </a:solidFill>
-              <a:prstDash val="dash"/>
-            </a:ln>
-            <a:effectLst/>
-          </p:spPr>
-          <p:style>
-            <a:lnRef idx="1">
-              <a:schemeClr val="accent1"/>
-            </a:lnRef>
-            <a:fillRef idx="3">
-              <a:schemeClr val="accent1"/>
-            </a:fillRef>
-            <a:effectRef idx="2">
-              <a:schemeClr val="accent1"/>
-            </a:effectRef>
-            <a:fontRef idx="minor">
-              <a:schemeClr val="lt1"/>
-            </a:fontRef>
-          </p:style>
-          <p:txBody>
-            <a:bodyPr rtlCol="0" anchor="ctr"/>
-            <a:lstStyle/>
-            <a:p>
-              <a:pPr algn="ctr"/>
-              <a:endParaRPr lang="en-US" dirty="0" smtClean="0"/>
-            </a:p>
-            <a:p>
-              <a:pPr algn="ctr"/>
-              <a:endParaRPr lang="en-US" sz="1800" dirty="0">
-                <a:solidFill>
-                  <a:srgbClr val="000000"/>
-                </a:solidFill>
-              </a:endParaRPr>
-            </a:p>
-            <a:p>
-              <a:pPr algn="ctr"/>
-              <a:endParaRPr lang="en-US" sz="1800" dirty="0">
-                <a:solidFill>
-                  <a:srgbClr val="000000"/>
-                </a:solidFill>
-              </a:endParaRPr>
-            </a:p>
-            <a:p>
-              <a:pPr algn="ctr"/>
-              <a:endParaRPr lang="en-US" sz="1800" dirty="0">
-                <a:solidFill>
-                  <a:srgbClr val="000000"/>
-                </a:solidFill>
-              </a:endParaRPr>
-            </a:p>
-            <a:p>
-              <a:pPr algn="ctr"/>
-              <a:r>
-                <a:rPr lang="en-US" sz="1800" b="1" dirty="0">
-                  <a:solidFill>
-                    <a:srgbClr val="000000"/>
-                  </a:solidFill>
-                </a:rPr>
-                <a:t>IP namespace 1</a:t>
-              </a:r>
-            </a:p>
-          </p:txBody>
-        </p:sp>
-        <p:sp>
-          <p:nvSpPr>
-            <p:cNvPr id="67" name="Rectangle 66"/>
-            <p:cNvSpPr/>
-            <p:nvPr/>
-          </p:nvSpPr>
-          <p:spPr>
-            <a:xfrm>
-              <a:off x="5658761" y="2537604"/>
-              <a:ext cx="1223588" cy="1257410"/>
-            </a:xfrm>
-            <a:prstGeom prst="rect">
-              <a:avLst/>
-            </a:prstGeom>
-            <a:noFill/>
-            <a:ln w="19050">
-              <a:solidFill>
-                <a:schemeClr val="tx1"/>
-              </a:solidFill>
-              <a:prstDash val="dash"/>
-            </a:ln>
-            <a:effectLst/>
-          </p:spPr>
-          <p:style>
-            <a:lnRef idx="1">
-              <a:schemeClr val="accent1"/>
-            </a:lnRef>
-            <a:fillRef idx="3">
-              <a:schemeClr val="accent1"/>
-            </a:fillRef>
-            <a:effectRef idx="2">
-              <a:schemeClr val="accent1"/>
-            </a:effectRef>
-            <a:fontRef idx="minor">
-              <a:schemeClr val="lt1"/>
-            </a:fontRef>
-          </p:style>
-          <p:txBody>
-            <a:bodyPr rtlCol="0" anchor="ctr"/>
-            <a:lstStyle/>
-            <a:p>
-              <a:pPr algn="ctr"/>
-              <a:endParaRPr lang="en-US" dirty="0" smtClean="0"/>
-            </a:p>
-            <a:p>
-              <a:pPr algn="ctr"/>
-              <a:endParaRPr lang="en-US" sz="1800" dirty="0">
-                <a:solidFill>
-                  <a:srgbClr val="000000"/>
-                </a:solidFill>
-              </a:endParaRPr>
-            </a:p>
-            <a:p>
-              <a:pPr algn="ctr"/>
-              <a:endParaRPr lang="en-US" sz="1800" dirty="0">
-                <a:solidFill>
-                  <a:srgbClr val="000000"/>
-                </a:solidFill>
-              </a:endParaRPr>
-            </a:p>
-            <a:p>
-              <a:pPr algn="ctr"/>
-              <a:endParaRPr lang="en-US" sz="1800" dirty="0">
-                <a:solidFill>
-                  <a:srgbClr val="000000"/>
-                </a:solidFill>
-              </a:endParaRPr>
-            </a:p>
-            <a:p>
-              <a:pPr algn="ctr"/>
-              <a:r>
-                <a:rPr lang="en-US" sz="1800" b="1" dirty="0">
-                  <a:solidFill>
-                    <a:srgbClr val="000000"/>
-                  </a:solidFill>
-                </a:rPr>
-                <a:t>IP namespace 2</a:t>
-              </a:r>
-            </a:p>
-          </p:txBody>
-        </p:sp>
         <p:cxnSp>
           <p:nvCxnSpPr>
             <p:cNvPr id="71" name="Straight Arrow Connector 70"/>
@@ -13396,8 +9572,8 @@
           </p:nvSpPr>
           <p:spPr>
             <a:xfrm>
-              <a:off x="4587618" y="4155338"/>
-              <a:ext cx="1984940" cy="296784"/>
+              <a:off x="4277825" y="4237576"/>
+              <a:ext cx="2671956" cy="329761"/>
             </a:xfrm>
             <a:prstGeom prst="rect">
               <a:avLst/>
@@ -13415,7 +9591,7 @@
             <a:p>
               <a:pPr algn="ctr"/>
               <a:r>
-                <a:rPr lang="en-US" sz="2100" b="1" dirty="0"/>
+                <a:rPr lang="en-US" sz="2400" b="1" dirty="0"/>
                 <a:t>To/From Duplicator</a:t>
               </a:r>
             </a:p>
@@ -13430,7 +9606,7 @@
         </p:nvCxnSpPr>
         <p:spPr>
           <a:xfrm>
-            <a:off x="4830347" y="613597"/>
+            <a:off x="4732648" y="725237"/>
             <a:ext cx="0" cy="5356374"/>
           </a:xfrm>
           <a:prstGeom prst="line">
@@ -13467,8 +9643,8 @@
         </p:nvSpPr>
         <p:spPr>
           <a:xfrm>
-            <a:off x="1191821" y="613596"/>
-            <a:ext cx="3040632" cy="554680"/>
+            <a:off x="1008192" y="561535"/>
+            <a:ext cx="3614862" cy="631625"/>
           </a:xfrm>
           <a:prstGeom prst="rect">
             <a:avLst/>
@@ -13486,10 +9662,10 @@
           <a:p>
             <a:pPr algn="ctr"/>
             <a:r>
-              <a:rPr lang="en-US" b="1" dirty="0" smtClean="0"/>
+              <a:rPr lang="en-US" sz="3200" b="1" dirty="0" smtClean="0"/>
               <a:t>External Mode</a:t>
             </a:r>
-            <a:endParaRPr lang="en-US" b="1" dirty="0"/>
+            <a:endParaRPr lang="en-US" sz="3200" b="1" dirty="0"/>
           </a:p>
         </p:txBody>
       </p:sp>
@@ -13501,8 +9677,8 @@
         </p:nvSpPr>
         <p:spPr>
           <a:xfrm>
-            <a:off x="5372315" y="613596"/>
-            <a:ext cx="3040632" cy="554680"/>
+            <a:off x="4865459" y="561535"/>
+            <a:ext cx="3740746" cy="631625"/>
           </a:xfrm>
           <a:prstGeom prst="rect">
             <a:avLst/>
@@ -13520,10 +9696,10 @@
           <a:p>
             <a:pPr algn="ctr"/>
             <a:r>
-              <a:rPr lang="en-US" b="1" dirty="0" smtClean="0"/>
+              <a:rPr lang="en-US" sz="3200" b="1" dirty="0" smtClean="0"/>
               <a:t>Internal Mode</a:t>
             </a:r>
-            <a:endParaRPr lang="en-US" b="1" dirty="0"/>
+            <a:endParaRPr lang="en-US" sz="3200" b="1" dirty="0"/>
           </a:p>
         </p:txBody>
       </p:sp>
@@ -13535,8 +9711,8 @@
         </p:nvCxnSpPr>
         <p:spPr>
           <a:xfrm>
-            <a:off x="1008198" y="1193595"/>
-            <a:ext cx="7849216" cy="0"/>
+            <a:off x="1280149" y="1193595"/>
+            <a:ext cx="7146917" cy="0"/>
           </a:xfrm>
           <a:prstGeom prst="line">
             <a:avLst/>
@@ -13564,6 +9740,173 @@
           </a:fontRef>
         </p:style>
       </p:cxnSp>
+      <p:sp>
+        <p:nvSpPr>
+          <p:cNvPr id="34" name="Rectangle 33"/>
+          <p:cNvSpPr/>
+          <p:nvPr/>
+        </p:nvSpPr>
+        <p:spPr>
+          <a:xfrm>
+            <a:off x="6735832" y="3519463"/>
+            <a:ext cx="1800303" cy="1893148"/>
+          </a:xfrm>
+          <a:prstGeom prst="rect">
+            <a:avLst/>
+          </a:prstGeom>
+          <a:noFill/>
+          <a:ln w="19050">
+            <a:solidFill>
+              <a:schemeClr val="tx1"/>
+            </a:solidFill>
+            <a:prstDash val="dash"/>
+          </a:ln>
+          <a:effectLst/>
+        </p:spPr>
+        <p:style>
+          <a:lnRef idx="1">
+            <a:schemeClr val="accent1"/>
+          </a:lnRef>
+          <a:fillRef idx="3">
+            <a:schemeClr val="accent1"/>
+          </a:fillRef>
+          <a:effectRef idx="2">
+            <a:schemeClr val="accent1"/>
+          </a:effectRef>
+          <a:fontRef idx="minor">
+            <a:schemeClr val="lt1"/>
+          </a:fontRef>
+        </p:style>
+        <p:txBody>
+          <a:bodyPr rtlCol="0" anchor="ctr"/>
+          <a:lstStyle/>
+          <a:p>
+            <a:pPr algn="ctr"/>
+            <a:endParaRPr lang="en-US" dirty="0" smtClean="0"/>
+          </a:p>
+          <a:p>
+            <a:pPr algn="ctr"/>
+            <a:endParaRPr lang="en-US" sz="1800" dirty="0">
+              <a:solidFill>
+                <a:srgbClr val="000000"/>
+              </a:solidFill>
+            </a:endParaRPr>
+          </a:p>
+          <a:p>
+            <a:pPr algn="ctr"/>
+            <a:endParaRPr lang="en-US" sz="1800" dirty="0">
+              <a:solidFill>
+                <a:srgbClr val="000000"/>
+              </a:solidFill>
+            </a:endParaRPr>
+          </a:p>
+          <a:p>
+            <a:pPr algn="ctr"/>
+            <a:endParaRPr lang="en-US" sz="1800" dirty="0">
+              <a:solidFill>
+                <a:srgbClr val="000000"/>
+              </a:solidFill>
+            </a:endParaRPr>
+          </a:p>
+          <a:p>
+            <a:pPr algn="ctr"/>
+            <a:r>
+              <a:rPr lang="en-US" sz="1800" b="1" dirty="0">
+                <a:solidFill>
+                  <a:srgbClr val="000000"/>
+                </a:solidFill>
+              </a:rPr>
+              <a:t>IP namespace 2</a:t>
+            </a:r>
+          </a:p>
+        </p:txBody>
+      </p:sp>
+      <p:sp>
+        <p:nvSpPr>
+          <p:cNvPr id="37" name="Rectangle 36"/>
+          <p:cNvSpPr/>
+          <p:nvPr/>
+        </p:nvSpPr>
+        <p:spPr>
+          <a:xfrm>
+            <a:off x="4921274" y="3519463"/>
+            <a:ext cx="1807431" cy="1893148"/>
+          </a:xfrm>
+          <a:prstGeom prst="rect">
+            <a:avLst/>
+          </a:prstGeom>
+          <a:noFill/>
+          <a:ln w="19050">
+            <a:solidFill>
+              <a:schemeClr val="tx1"/>
+            </a:solidFill>
+            <a:prstDash val="dash"/>
+          </a:ln>
+          <a:effectLst/>
+        </p:spPr>
+        <p:style>
+          <a:lnRef idx="1">
+            <a:schemeClr val="accent1"/>
+          </a:lnRef>
+          <a:fillRef idx="3">
+            <a:schemeClr val="accent1"/>
+          </a:fillRef>
+          <a:effectRef idx="2">
+            <a:schemeClr val="accent1"/>
+          </a:effectRef>
+          <a:fontRef idx="minor">
+            <a:schemeClr val="lt1"/>
+          </a:fontRef>
+        </p:style>
+        <p:txBody>
+          <a:bodyPr rtlCol="0" anchor="ctr"/>
+          <a:lstStyle/>
+          <a:p>
+            <a:pPr algn="ctr"/>
+            <a:endParaRPr lang="en-US" dirty="0" smtClean="0"/>
+          </a:p>
+          <a:p>
+            <a:pPr algn="ctr"/>
+            <a:endParaRPr lang="en-US" sz="1800" dirty="0">
+              <a:solidFill>
+                <a:srgbClr val="000000"/>
+              </a:solidFill>
+            </a:endParaRPr>
+          </a:p>
+          <a:p>
+            <a:pPr algn="ctr"/>
+            <a:endParaRPr lang="en-US" sz="1800" dirty="0">
+              <a:solidFill>
+                <a:srgbClr val="000000"/>
+              </a:solidFill>
+            </a:endParaRPr>
+          </a:p>
+          <a:p>
+            <a:pPr algn="ctr"/>
+            <a:endParaRPr lang="en-US" sz="1800" dirty="0">
+              <a:solidFill>
+                <a:srgbClr val="000000"/>
+              </a:solidFill>
+            </a:endParaRPr>
+          </a:p>
+          <a:p>
+            <a:pPr algn="ctr"/>
+            <a:r>
+              <a:rPr lang="en-US" sz="1800" b="1" dirty="0" smtClean="0">
+                <a:solidFill>
+                  <a:srgbClr val="000000"/>
+                </a:solidFill>
+              </a:rPr>
+              <a:t>IP namespace 1</a:t>
+            </a:r>
+            <a:endParaRPr lang="en-US" sz="1800" b="1" dirty="0">
+              <a:solidFill>
+                <a:srgbClr val="000000"/>
+              </a:solidFill>
+            </a:endParaRPr>
+          </a:p>
+        </p:txBody>
+      </p:sp>
     </p:spTree>
     <p:extLst>
       <p:ext uri="{BB962C8B-B14F-4D97-AF65-F5344CB8AC3E}">
@@ -13584,7 +9927,7 @@
 </p:sld>
 </file>
 
-<file path=ppt/slides/slide6.xml><?xml version="1.0" encoding="utf-8"?>
+<file path=ppt/slides/slide4.xml><?xml version="1.0" encoding="utf-8"?>
 <p:sld xmlns:a="http://schemas.openxmlformats.org/drawingml/2006/main" xmlns:r="http://schemas.openxmlformats.org/officeDocument/2006/relationships" xmlns:p="http://schemas.openxmlformats.org/presentationml/2006/main">
   <p:cSld>
     <p:spTree>
@@ -15218,7 +11561,7 @@
 </p:sld>
 </file>
 
-<file path=ppt/slides/slide7.xml><?xml version="1.0" encoding="utf-8"?>
+<file path=ppt/slides/slide5.xml><?xml version="1.0" encoding="utf-8"?>
 <p:sld xmlns:a="http://schemas.openxmlformats.org/drawingml/2006/main" xmlns:r="http://schemas.openxmlformats.org/officeDocument/2006/relationships" xmlns:p="http://schemas.openxmlformats.org/presentationml/2006/main">
   <p:cSld>
     <p:spTree>
@@ -16020,7 +12363,7 @@
 </p:sld>
 </file>
 
-<file path=ppt/slides/slide8.xml><?xml version="1.0" encoding="utf-8"?>
+<file path=ppt/slides/slide6.xml><?xml version="1.0" encoding="utf-8"?>
 <p:sld xmlns:a="http://schemas.openxmlformats.org/drawingml/2006/main" xmlns:r="http://schemas.openxmlformats.org/officeDocument/2006/relationships" xmlns:p="http://schemas.openxmlformats.org/presentationml/2006/main">
   <p:cSld>
     <p:spTree>
@@ -16182,11 +12525,6 @@
                   </a:rPr>
                   <a:t>Mid-Tier </a:t>
                 </a:r>
-                <a:endParaRPr lang="en-US" sz="3200" dirty="0" smtClean="0">
-                  <a:solidFill>
-                    <a:schemeClr val="tx1"/>
-                  </a:solidFill>
-                </a:endParaRPr>
               </a:p>
               <a:p>
                 <a:pPr algn="ctr"/>
@@ -16255,11 +12593,6 @@
                   </a:rPr>
                   <a:t>Mid-Tier </a:t>
                 </a:r>
-                <a:endParaRPr lang="en-US" sz="3200" dirty="0" smtClean="0">
-                  <a:solidFill>
-                    <a:schemeClr val="tx1"/>
-                  </a:solidFill>
-                </a:endParaRPr>
               </a:p>
               <a:p>
                 <a:pPr algn="ctr"/>
@@ -16709,15 +13042,7 @@
                     <a:schemeClr val="tx1"/>
                   </a:solidFill>
                 </a:rPr>
-                <a:t>Backend</a:t>
-              </a:r>
-              <a:r>
-                <a:rPr lang="en-US" sz="3200" dirty="0" smtClean="0">
-                  <a:solidFill>
-                    <a:schemeClr val="tx1"/>
-                  </a:solidFill>
-                </a:rPr>
-                <a:t>-</a:t>
+                <a:t>Backend-</a:t>
               </a:r>
             </a:p>
             <a:p>
@@ -16930,7 +13255,7 @@
 </p:sld>
 </file>
 
-<file path=ppt/slides/slide9.xml><?xml version="1.0" encoding="utf-8"?>
+<file path=ppt/slides/slide7.xml><?xml version="1.0" encoding="utf-8"?>
 <p:sld xmlns:a="http://schemas.openxmlformats.org/drawingml/2006/main" xmlns:r="http://schemas.openxmlformats.org/officeDocument/2006/relationships" xmlns:p="http://schemas.openxmlformats.org/presentationml/2006/main">
   <p:cSld>
     <p:spTree>
@@ -18164,6 +14489,1925 @@
 </p:sld>
 </file>
 
+<file path=ppt/slides/slide8.xml><?xml version="1.0" encoding="utf-8"?>
+<p:sld xmlns:a="http://schemas.openxmlformats.org/drawingml/2006/main" xmlns:r="http://schemas.openxmlformats.org/officeDocument/2006/relationships" xmlns:p="http://schemas.openxmlformats.org/presentationml/2006/main">
+  <p:cSld>
+    <p:spTree>
+      <p:nvGrpSpPr>
+        <p:cNvPr id="1" name=""/>
+        <p:cNvGrpSpPr/>
+        <p:nvPr/>
+      </p:nvGrpSpPr>
+      <p:grpSpPr>
+        <a:xfrm>
+          <a:off x="0" y="0"/>
+          <a:ext cx="0" cy="0"/>
+          <a:chOff x="0" y="0"/>
+          <a:chExt cx="0" cy="0"/>
+        </a:xfrm>
+      </p:grpSpPr>
+      <p:grpSp>
+        <p:nvGrpSpPr>
+          <p:cNvPr id="2" name="Group 1"/>
+          <p:cNvGrpSpPr/>
+          <p:nvPr/>
+        </p:nvGrpSpPr>
+        <p:grpSpPr>
+          <a:xfrm>
+            <a:off x="1688737" y="2374921"/>
+            <a:ext cx="10718592" cy="3788860"/>
+            <a:chOff x="1688737" y="2374921"/>
+            <a:chExt cx="10718592" cy="3788860"/>
+          </a:xfrm>
+        </p:grpSpPr>
+        <p:pic>
+          <p:nvPicPr>
+            <p:cNvPr id="72" name="Picture 71"/>
+            <p:cNvPicPr>
+              <a:picLocks noChangeAspect="1"/>
+            </p:cNvPicPr>
+            <p:nvPr/>
+          </p:nvPicPr>
+          <p:blipFill>
+            <a:blip r:embed="rId2"/>
+            <a:stretch>
+              <a:fillRect/>
+            </a:stretch>
+          </p:blipFill>
+          <p:spPr>
+            <a:xfrm>
+              <a:off x="7386546" y="4716932"/>
+              <a:ext cx="744577" cy="744577"/>
+            </a:xfrm>
+            <a:prstGeom prst="rect">
+              <a:avLst/>
+            </a:prstGeom>
+          </p:spPr>
+        </p:pic>
+        <p:pic>
+          <p:nvPicPr>
+            <p:cNvPr id="73" name="Picture 72"/>
+            <p:cNvPicPr>
+              <a:picLocks noChangeAspect="1"/>
+            </p:cNvPicPr>
+            <p:nvPr/>
+          </p:nvPicPr>
+          <p:blipFill>
+            <a:blip r:embed="rId3"/>
+            <a:stretch>
+              <a:fillRect/>
+            </a:stretch>
+          </p:blipFill>
+          <p:spPr>
+            <a:xfrm>
+              <a:off x="9378089" y="3592824"/>
+              <a:ext cx="827906" cy="425856"/>
+            </a:xfrm>
+            <a:prstGeom prst="rect">
+              <a:avLst/>
+            </a:prstGeom>
+          </p:spPr>
+        </p:pic>
+        <p:pic>
+          <p:nvPicPr>
+            <p:cNvPr id="74" name="Picture 73"/>
+            <p:cNvPicPr>
+              <a:picLocks noChangeAspect="1"/>
+            </p:cNvPicPr>
+            <p:nvPr/>
+          </p:nvPicPr>
+          <p:blipFill>
+            <a:blip r:embed="rId4"/>
+            <a:stretch>
+              <a:fillRect/>
+            </a:stretch>
+          </p:blipFill>
+          <p:spPr>
+            <a:xfrm>
+              <a:off x="9453657" y="2863635"/>
+              <a:ext cx="674131" cy="674131"/>
+            </a:xfrm>
+            <a:prstGeom prst="rect">
+              <a:avLst/>
+            </a:prstGeom>
+          </p:spPr>
+        </p:pic>
+        <p:pic>
+          <p:nvPicPr>
+            <p:cNvPr id="75" name="Picture 74"/>
+            <p:cNvPicPr>
+              <a:picLocks noChangeAspect="1"/>
+            </p:cNvPicPr>
+            <p:nvPr/>
+          </p:nvPicPr>
+          <p:blipFill>
+            <a:blip r:embed="rId5"/>
+            <a:stretch>
+              <a:fillRect/>
+            </a:stretch>
+          </p:blipFill>
+          <p:spPr>
+            <a:xfrm>
+              <a:off x="4047446" y="2798970"/>
+              <a:ext cx="590035" cy="590035"/>
+            </a:xfrm>
+            <a:prstGeom prst="rect">
+              <a:avLst/>
+            </a:prstGeom>
+          </p:spPr>
+        </p:pic>
+        <p:grpSp>
+          <p:nvGrpSpPr>
+            <p:cNvPr id="76" name="Group 75"/>
+            <p:cNvGrpSpPr/>
+            <p:nvPr/>
+          </p:nvGrpSpPr>
+          <p:grpSpPr>
+            <a:xfrm>
+              <a:off x="5096634" y="2702094"/>
+              <a:ext cx="1212367" cy="1380365"/>
+              <a:chOff x="2224233" y="1058080"/>
+              <a:chExt cx="1616051" cy="1540117"/>
+            </a:xfrm>
+          </p:grpSpPr>
+          <p:pic>
+            <p:nvPicPr>
+              <p:cNvPr id="77" name="Picture 76"/>
+              <p:cNvPicPr>
+                <a:picLocks noChangeAspect="1"/>
+              </p:cNvPicPr>
+              <p:nvPr/>
+            </p:nvPicPr>
+            <p:blipFill>
+              <a:blip r:embed="rId6"/>
+              <a:stretch>
+                <a:fillRect/>
+              </a:stretch>
+            </p:blipFill>
+            <p:spPr>
+              <a:xfrm>
+                <a:off x="2340600" y="1058080"/>
+                <a:ext cx="1289539" cy="967154"/>
+              </a:xfrm>
+              <a:prstGeom prst="rect">
+                <a:avLst/>
+              </a:prstGeom>
+            </p:spPr>
+          </p:pic>
+          <p:pic>
+            <p:nvPicPr>
+              <p:cNvPr id="78" name="Picture 77"/>
+              <p:cNvPicPr>
+                <a:picLocks noChangeAspect="1"/>
+              </p:cNvPicPr>
+              <p:nvPr/>
+            </p:nvPicPr>
+            <p:blipFill>
+              <a:blip r:embed="rId7"/>
+              <a:stretch>
+                <a:fillRect/>
+              </a:stretch>
+            </p:blipFill>
+            <p:spPr>
+              <a:xfrm>
+                <a:off x="2340600" y="2024278"/>
+                <a:ext cx="1289539" cy="265188"/>
+              </a:xfrm>
+              <a:prstGeom prst="rect">
+                <a:avLst/>
+              </a:prstGeom>
+            </p:spPr>
+          </p:pic>
+          <p:sp>
+            <p:nvSpPr>
+              <p:cNvPr id="79" name="Rounded Rectangle 78"/>
+              <p:cNvSpPr/>
+              <p:nvPr/>
+            </p:nvSpPr>
+            <p:spPr>
+              <a:xfrm>
+                <a:off x="2224233" y="1105118"/>
+                <a:ext cx="1616051" cy="1493079"/>
+              </a:xfrm>
+              <a:prstGeom prst="roundRect">
+                <a:avLst/>
+              </a:prstGeom>
+              <a:noFill/>
+              <a:ln w="22225">
+                <a:solidFill>
+                  <a:schemeClr val="tx1"/>
+                </a:solidFill>
+              </a:ln>
+              <a:effectLst/>
+            </p:spPr>
+            <p:style>
+              <a:lnRef idx="1">
+                <a:schemeClr val="accent1"/>
+              </a:lnRef>
+              <a:fillRef idx="3">
+                <a:schemeClr val="accent1"/>
+              </a:fillRef>
+              <a:effectRef idx="2">
+                <a:schemeClr val="accent1"/>
+              </a:effectRef>
+              <a:fontRef idx="minor">
+                <a:schemeClr val="lt1"/>
+              </a:fontRef>
+            </p:style>
+            <p:txBody>
+              <a:bodyPr rtlCol="0" anchor="ctr"/>
+              <a:lstStyle/>
+              <a:p>
+                <a:pPr algn="ctr"/>
+                <a:endParaRPr lang="en-US"/>
+              </a:p>
+            </p:txBody>
+          </p:sp>
+        </p:grpSp>
+        <p:grpSp>
+          <p:nvGrpSpPr>
+            <p:cNvPr id="80" name="Group 79"/>
+            <p:cNvGrpSpPr/>
+            <p:nvPr/>
+          </p:nvGrpSpPr>
+          <p:grpSpPr>
+            <a:xfrm>
+              <a:off x="6486636" y="2778808"/>
+              <a:ext cx="1247691" cy="1303651"/>
+              <a:chOff x="3558770" y="2396359"/>
+              <a:chExt cx="1247691" cy="1303651"/>
+            </a:xfrm>
+          </p:grpSpPr>
+          <p:pic>
+            <p:nvPicPr>
+              <p:cNvPr id="81" name="Picture 80"/>
+              <p:cNvPicPr>
+                <a:picLocks noChangeAspect="1"/>
+              </p:cNvPicPr>
+              <p:nvPr/>
+            </p:nvPicPr>
+            <p:blipFill>
+              <a:blip r:embed="rId2"/>
+              <a:stretch>
+                <a:fillRect/>
+              </a:stretch>
+            </p:blipFill>
+            <p:spPr>
+              <a:xfrm>
+                <a:off x="3739499" y="2955433"/>
+                <a:ext cx="744577" cy="744577"/>
+              </a:xfrm>
+              <a:prstGeom prst="rect">
+                <a:avLst/>
+              </a:prstGeom>
+            </p:spPr>
+          </p:pic>
+          <p:sp>
+            <p:nvSpPr>
+              <p:cNvPr id="82" name="Rounded Rectangle 81"/>
+              <p:cNvSpPr/>
+              <p:nvPr/>
+            </p:nvSpPr>
+            <p:spPr>
+              <a:xfrm>
+                <a:off x="3558770" y="2396359"/>
+                <a:ext cx="1247691" cy="1303651"/>
+              </a:xfrm>
+              <a:prstGeom prst="roundRect">
+                <a:avLst/>
+              </a:prstGeom>
+              <a:noFill/>
+              <a:ln w="22225">
+                <a:solidFill>
+                  <a:schemeClr val="tx1"/>
+                </a:solidFill>
+              </a:ln>
+              <a:effectLst/>
+            </p:spPr>
+            <p:style>
+              <a:lnRef idx="1">
+                <a:schemeClr val="accent1"/>
+              </a:lnRef>
+              <a:fillRef idx="3">
+                <a:schemeClr val="accent1"/>
+              </a:fillRef>
+              <a:effectRef idx="2">
+                <a:schemeClr val="accent1"/>
+              </a:effectRef>
+              <a:fontRef idx="minor">
+                <a:schemeClr val="lt1"/>
+              </a:fontRef>
+            </p:style>
+            <p:txBody>
+              <a:bodyPr rtlCol="0" anchor="ctr"/>
+              <a:lstStyle/>
+              <a:p>
+                <a:pPr algn="ctr"/>
+                <a:endParaRPr lang="en-US"/>
+              </a:p>
+            </p:txBody>
+          </p:sp>
+          <p:pic>
+            <p:nvPicPr>
+              <p:cNvPr id="83" name="Picture 82"/>
+              <p:cNvPicPr>
+                <a:picLocks noChangeAspect="1"/>
+              </p:cNvPicPr>
+              <p:nvPr/>
+            </p:nvPicPr>
+            <p:blipFill>
+              <a:blip r:embed="rId8"/>
+              <a:stretch>
+                <a:fillRect/>
+              </a:stretch>
+            </p:blipFill>
+            <p:spPr>
+              <a:xfrm>
+                <a:off x="3739499" y="2416523"/>
+                <a:ext cx="939962" cy="583766"/>
+              </a:xfrm>
+              <a:prstGeom prst="rect">
+                <a:avLst/>
+              </a:prstGeom>
+            </p:spPr>
+          </p:pic>
+        </p:grpSp>
+        <p:sp>
+          <p:nvSpPr>
+            <p:cNvPr id="84" name="Rounded Rectangle 83"/>
+            <p:cNvSpPr/>
+            <p:nvPr/>
+          </p:nvSpPr>
+          <p:spPr>
+            <a:xfrm>
+              <a:off x="5035035" y="3382738"/>
+              <a:ext cx="2794000" cy="810184"/>
+            </a:xfrm>
+            <a:prstGeom prst="roundRect">
+              <a:avLst/>
+            </a:prstGeom>
+            <a:noFill/>
+            <a:ln w="19050">
+              <a:solidFill>
+                <a:srgbClr val="FF0000"/>
+              </a:solidFill>
+              <a:prstDash val="dash"/>
+            </a:ln>
+            <a:effectLst/>
+          </p:spPr>
+          <p:style>
+            <a:lnRef idx="1">
+              <a:schemeClr val="accent1"/>
+            </a:lnRef>
+            <a:fillRef idx="3">
+              <a:schemeClr val="accent1"/>
+            </a:fillRef>
+            <a:effectRef idx="2">
+              <a:schemeClr val="accent1"/>
+            </a:effectRef>
+            <a:fontRef idx="minor">
+              <a:schemeClr val="lt1"/>
+            </a:fontRef>
+          </p:style>
+          <p:txBody>
+            <a:bodyPr lIns="91430" tIns="45714" rIns="91430" bIns="45714" spcCol="0" rtlCol="0" anchor="ctr"/>
+            <a:lstStyle/>
+            <a:p>
+              <a:pPr algn="ctr"/>
+              <a:endParaRPr lang="en-US"/>
+            </a:p>
+          </p:txBody>
+        </p:sp>
+        <p:grpSp>
+          <p:nvGrpSpPr>
+            <p:cNvPr id="85" name="Group 84"/>
+            <p:cNvGrpSpPr/>
+            <p:nvPr/>
+          </p:nvGrpSpPr>
+          <p:grpSpPr>
+            <a:xfrm>
+              <a:off x="7877882" y="2778806"/>
+              <a:ext cx="1263214" cy="1303652"/>
+              <a:chOff x="5106324" y="2416524"/>
+              <a:chExt cx="1419522" cy="1303652"/>
+            </a:xfrm>
+          </p:grpSpPr>
+          <p:pic>
+            <p:nvPicPr>
+              <p:cNvPr id="86" name="Picture 85"/>
+              <p:cNvPicPr>
+                <a:picLocks noChangeAspect="1"/>
+              </p:cNvPicPr>
+              <p:nvPr/>
+            </p:nvPicPr>
+            <p:blipFill>
+              <a:blip r:embed="rId9"/>
+              <a:stretch>
+                <a:fillRect/>
+              </a:stretch>
+            </p:blipFill>
+            <p:spPr>
+              <a:xfrm>
+                <a:off x="5217692" y="2501351"/>
+                <a:ext cx="1151846" cy="441065"/>
+              </a:xfrm>
+              <a:prstGeom prst="rect">
+                <a:avLst/>
+              </a:prstGeom>
+            </p:spPr>
+          </p:pic>
+          <p:pic>
+            <p:nvPicPr>
+              <p:cNvPr id="87" name="Picture 86"/>
+              <p:cNvPicPr>
+                <a:picLocks noChangeAspect="1"/>
+              </p:cNvPicPr>
+              <p:nvPr/>
+            </p:nvPicPr>
+            <p:blipFill>
+              <a:blip r:embed="rId10"/>
+              <a:stretch>
+                <a:fillRect/>
+              </a:stretch>
+            </p:blipFill>
+            <p:spPr>
+              <a:xfrm>
+                <a:off x="5217692" y="2942416"/>
+                <a:ext cx="1015077" cy="718675"/>
+              </a:xfrm>
+              <a:prstGeom prst="rect">
+                <a:avLst/>
+              </a:prstGeom>
+            </p:spPr>
+          </p:pic>
+          <p:sp>
+            <p:nvSpPr>
+              <p:cNvPr id="88" name="Rounded Rectangle 87"/>
+              <p:cNvSpPr/>
+              <p:nvPr/>
+            </p:nvSpPr>
+            <p:spPr>
+              <a:xfrm>
+                <a:off x="5106324" y="2416524"/>
+                <a:ext cx="1419522" cy="1303652"/>
+              </a:xfrm>
+              <a:prstGeom prst="roundRect">
+                <a:avLst/>
+              </a:prstGeom>
+              <a:noFill/>
+              <a:ln w="22225">
+                <a:solidFill>
+                  <a:schemeClr val="tx1"/>
+                </a:solidFill>
+              </a:ln>
+              <a:effectLst/>
+            </p:spPr>
+            <p:style>
+              <a:lnRef idx="1">
+                <a:schemeClr val="accent1"/>
+              </a:lnRef>
+              <a:fillRef idx="3">
+                <a:schemeClr val="accent1"/>
+              </a:fillRef>
+              <a:effectRef idx="2">
+                <a:schemeClr val="accent1"/>
+              </a:effectRef>
+              <a:fontRef idx="minor">
+                <a:schemeClr val="lt1"/>
+              </a:fontRef>
+            </p:style>
+            <p:txBody>
+              <a:bodyPr rtlCol="0" anchor="ctr"/>
+              <a:lstStyle/>
+              <a:p>
+                <a:pPr algn="ctr"/>
+                <a:endParaRPr lang="en-US"/>
+              </a:p>
+            </p:txBody>
+          </p:sp>
+        </p:grpSp>
+        <p:sp>
+          <p:nvSpPr>
+            <p:cNvPr id="89" name="Rounded Rectangle 88"/>
+            <p:cNvSpPr/>
+            <p:nvPr/>
+          </p:nvSpPr>
+          <p:spPr>
+            <a:xfrm>
+              <a:off x="5601817" y="4716933"/>
+              <a:ext cx="2794000" cy="810184"/>
+            </a:xfrm>
+            <a:prstGeom prst="roundRect">
+              <a:avLst/>
+            </a:prstGeom>
+            <a:noFill/>
+            <a:ln w="19050">
+              <a:solidFill>
+                <a:schemeClr val="tx1"/>
+              </a:solidFill>
+              <a:prstDash val="dash"/>
+            </a:ln>
+            <a:effectLst/>
+          </p:spPr>
+          <p:style>
+            <a:lnRef idx="1">
+              <a:schemeClr val="accent1"/>
+            </a:lnRef>
+            <a:fillRef idx="3">
+              <a:schemeClr val="accent1"/>
+            </a:fillRef>
+            <a:effectRef idx="2">
+              <a:schemeClr val="accent1"/>
+            </a:effectRef>
+            <a:fontRef idx="minor">
+              <a:schemeClr val="lt1"/>
+            </a:fontRef>
+          </p:style>
+          <p:txBody>
+            <a:bodyPr lIns="91430" tIns="45714" rIns="91430" bIns="45714" spcCol="0" rtlCol="0" anchor="ctr"/>
+            <a:lstStyle/>
+            <a:p>
+              <a:pPr algn="ctr"/>
+              <a:endParaRPr lang="en-US"/>
+            </a:p>
+          </p:txBody>
+        </p:sp>
+        <p:pic>
+          <p:nvPicPr>
+            <p:cNvPr id="90" name="Picture 89"/>
+            <p:cNvPicPr>
+              <a:picLocks noChangeAspect="1"/>
+            </p:cNvPicPr>
+            <p:nvPr/>
+          </p:nvPicPr>
+          <p:blipFill>
+            <a:blip r:embed="rId7"/>
+            <a:stretch>
+              <a:fillRect/>
+            </a:stretch>
+          </p:blipFill>
+          <p:spPr>
+            <a:xfrm>
+              <a:off x="5750715" y="4992037"/>
+              <a:ext cx="967417" cy="237682"/>
+            </a:xfrm>
+            <a:prstGeom prst="rect">
+              <a:avLst/>
+            </a:prstGeom>
+          </p:spPr>
+        </p:pic>
+        <p:sp>
+          <p:nvSpPr>
+            <p:cNvPr id="91" name="Rectangle 90"/>
+            <p:cNvSpPr/>
+            <p:nvPr/>
+          </p:nvSpPr>
+          <p:spPr>
+            <a:xfrm>
+              <a:off x="5663415" y="4799707"/>
+              <a:ext cx="1212367" cy="622726"/>
+            </a:xfrm>
+            <a:prstGeom prst="rect">
+              <a:avLst/>
+            </a:prstGeom>
+            <a:noFill/>
+            <a:ln w="22225">
+              <a:solidFill>
+                <a:schemeClr val="tx1"/>
+              </a:solidFill>
+            </a:ln>
+            <a:effectLst/>
+          </p:spPr>
+          <p:style>
+            <a:lnRef idx="1">
+              <a:schemeClr val="accent1"/>
+            </a:lnRef>
+            <a:fillRef idx="3">
+              <a:schemeClr val="accent1"/>
+            </a:fillRef>
+            <a:effectRef idx="2">
+              <a:schemeClr val="accent1"/>
+            </a:effectRef>
+            <a:fontRef idx="minor">
+              <a:schemeClr val="lt1"/>
+            </a:fontRef>
+          </p:style>
+          <p:txBody>
+            <a:bodyPr lIns="91430" tIns="45714" rIns="91430" bIns="45714" spcCol="0" rtlCol="0" anchor="ctr"/>
+            <a:lstStyle/>
+            <a:p>
+              <a:pPr algn="ctr"/>
+              <a:endParaRPr lang="en-US"/>
+            </a:p>
+          </p:txBody>
+        </p:sp>
+        <p:sp>
+          <p:nvSpPr>
+            <p:cNvPr id="92" name="Rectangle 91"/>
+            <p:cNvSpPr/>
+            <p:nvPr/>
+          </p:nvSpPr>
+          <p:spPr>
+            <a:xfrm>
+              <a:off x="7127457" y="4799707"/>
+              <a:ext cx="1212367" cy="622726"/>
+            </a:xfrm>
+            <a:prstGeom prst="rect">
+              <a:avLst/>
+            </a:prstGeom>
+            <a:noFill/>
+            <a:ln w="22225">
+              <a:solidFill>
+                <a:schemeClr val="tx1"/>
+              </a:solidFill>
+            </a:ln>
+            <a:effectLst/>
+          </p:spPr>
+          <p:style>
+            <a:lnRef idx="1">
+              <a:schemeClr val="accent1"/>
+            </a:lnRef>
+            <a:fillRef idx="3">
+              <a:schemeClr val="accent1"/>
+            </a:fillRef>
+            <a:effectRef idx="2">
+              <a:schemeClr val="accent1"/>
+            </a:effectRef>
+            <a:fontRef idx="minor">
+              <a:schemeClr val="lt1"/>
+            </a:fontRef>
+          </p:style>
+          <p:txBody>
+            <a:bodyPr lIns="91430" tIns="45714" rIns="91430" bIns="45714" spcCol="0" rtlCol="0" anchor="ctr"/>
+            <a:lstStyle/>
+            <a:p>
+              <a:pPr algn="ctr"/>
+              <a:endParaRPr lang="en-US"/>
+            </a:p>
+          </p:txBody>
+        </p:sp>
+        <p:sp>
+          <p:nvSpPr>
+            <p:cNvPr id="93" name="Rounded Rectangle 92"/>
+            <p:cNvSpPr/>
+            <p:nvPr/>
+          </p:nvSpPr>
+          <p:spPr>
+            <a:xfrm>
+              <a:off x="3738711" y="2744252"/>
+              <a:ext cx="1227019" cy="1338206"/>
+            </a:xfrm>
+            <a:prstGeom prst="roundRect">
+              <a:avLst/>
+            </a:prstGeom>
+            <a:noFill/>
+            <a:ln w="22225">
+              <a:solidFill>
+                <a:schemeClr val="tx1"/>
+              </a:solidFill>
+            </a:ln>
+            <a:effectLst/>
+          </p:spPr>
+          <p:style>
+            <a:lnRef idx="1">
+              <a:schemeClr val="accent1"/>
+            </a:lnRef>
+            <a:fillRef idx="3">
+              <a:schemeClr val="accent1"/>
+            </a:fillRef>
+            <a:effectRef idx="2">
+              <a:schemeClr val="accent1"/>
+            </a:effectRef>
+            <a:fontRef idx="minor">
+              <a:schemeClr val="lt1"/>
+            </a:fontRef>
+          </p:style>
+          <p:txBody>
+            <a:bodyPr lIns="91430" tIns="45714" rIns="91430" bIns="45714" spcCol="0" rtlCol="0" anchor="ctr"/>
+            <a:lstStyle/>
+            <a:p>
+              <a:pPr algn="ctr"/>
+              <a:endParaRPr lang="en-US"/>
+            </a:p>
+          </p:txBody>
+        </p:sp>
+        <p:cxnSp>
+          <p:nvCxnSpPr>
+            <p:cNvPr id="94" name="Straight Arrow Connector 93"/>
+            <p:cNvCxnSpPr/>
+            <p:nvPr/>
+          </p:nvCxnSpPr>
+          <p:spPr>
+            <a:xfrm>
+              <a:off x="4841798" y="4082458"/>
+              <a:ext cx="760019" cy="620049"/>
+            </a:xfrm>
+            <a:prstGeom prst="straightConnector1">
+              <a:avLst/>
+            </a:prstGeom>
+            <a:ln>
+              <a:solidFill>
+                <a:schemeClr val="tx1"/>
+              </a:solidFill>
+              <a:tailEnd type="arrow"/>
+            </a:ln>
+            <a:effectLst/>
+          </p:spPr>
+          <p:style>
+            <a:lnRef idx="2">
+              <a:schemeClr val="accent1"/>
+            </a:lnRef>
+            <a:fillRef idx="0">
+              <a:schemeClr val="accent1"/>
+            </a:fillRef>
+            <a:effectRef idx="1">
+              <a:schemeClr val="accent1"/>
+            </a:effectRef>
+            <a:fontRef idx="minor">
+              <a:schemeClr val="tx1"/>
+            </a:fontRef>
+          </p:style>
+        </p:cxnSp>
+        <p:cxnSp>
+          <p:nvCxnSpPr>
+            <p:cNvPr id="95" name="Straight Arrow Connector 94"/>
+            <p:cNvCxnSpPr/>
+            <p:nvPr/>
+          </p:nvCxnSpPr>
+          <p:spPr>
+            <a:xfrm flipV="1">
+              <a:off x="7887649" y="4091216"/>
+              <a:ext cx="374214" cy="625717"/>
+            </a:xfrm>
+            <a:prstGeom prst="straightConnector1">
+              <a:avLst/>
+            </a:prstGeom>
+            <a:ln>
+              <a:solidFill>
+                <a:schemeClr val="tx1"/>
+              </a:solidFill>
+              <a:tailEnd type="arrow"/>
+            </a:ln>
+            <a:effectLst/>
+          </p:spPr>
+          <p:style>
+            <a:lnRef idx="2">
+              <a:schemeClr val="accent1"/>
+            </a:lnRef>
+            <a:fillRef idx="0">
+              <a:schemeClr val="accent1"/>
+            </a:fillRef>
+            <a:effectRef idx="1">
+              <a:schemeClr val="accent1"/>
+            </a:effectRef>
+            <a:fontRef idx="minor">
+              <a:schemeClr val="tx1"/>
+            </a:fontRef>
+          </p:style>
+        </p:cxnSp>
+        <p:sp>
+          <p:nvSpPr>
+            <p:cNvPr id="96" name="Rounded Rectangle 95"/>
+            <p:cNvSpPr/>
+            <p:nvPr/>
+          </p:nvSpPr>
+          <p:spPr>
+            <a:xfrm>
+              <a:off x="9293496" y="2778806"/>
+              <a:ext cx="1049268" cy="1303652"/>
+            </a:xfrm>
+            <a:prstGeom prst="roundRect">
+              <a:avLst/>
+            </a:prstGeom>
+            <a:noFill/>
+            <a:ln w="22225">
+              <a:solidFill>
+                <a:schemeClr val="tx1"/>
+              </a:solidFill>
+            </a:ln>
+            <a:effectLst/>
+          </p:spPr>
+          <p:style>
+            <a:lnRef idx="1">
+              <a:schemeClr val="accent1"/>
+            </a:lnRef>
+            <a:fillRef idx="3">
+              <a:schemeClr val="accent1"/>
+            </a:fillRef>
+            <a:effectRef idx="2">
+              <a:schemeClr val="accent1"/>
+            </a:effectRef>
+            <a:fontRef idx="minor">
+              <a:schemeClr val="lt1"/>
+            </a:fontRef>
+          </p:style>
+          <p:txBody>
+            <a:bodyPr lIns="91430" tIns="45714" rIns="91430" bIns="45714" spcCol="0" rtlCol="0" anchor="ctr"/>
+            <a:lstStyle/>
+            <a:p>
+              <a:pPr algn="ctr"/>
+              <a:endParaRPr lang="en-US"/>
+            </a:p>
+          </p:txBody>
+        </p:sp>
+        <p:pic>
+          <p:nvPicPr>
+            <p:cNvPr id="98" name="Picture 97"/>
+            <p:cNvPicPr>
+              <a:picLocks noChangeAspect="1"/>
+            </p:cNvPicPr>
+            <p:nvPr/>
+          </p:nvPicPr>
+          <p:blipFill rotWithShape="1">
+            <a:blip r:embed="rId11"/>
+            <a:srcRect l="-1" r="63002"/>
+            <a:stretch/>
+          </p:blipFill>
+          <p:spPr>
+            <a:xfrm>
+              <a:off x="8911704" y="4841491"/>
+              <a:ext cx="657505" cy="617506"/>
+            </a:xfrm>
+            <a:prstGeom prst="rect">
+              <a:avLst/>
+            </a:prstGeom>
+          </p:spPr>
+        </p:pic>
+        <p:sp>
+          <p:nvSpPr>
+            <p:cNvPr id="99" name="Right Arrow 98"/>
+            <p:cNvSpPr/>
+            <p:nvPr/>
+          </p:nvSpPr>
+          <p:spPr>
+            <a:xfrm>
+              <a:off x="8473330" y="5007447"/>
+              <a:ext cx="390769" cy="257054"/>
+            </a:xfrm>
+            <a:prstGeom prst="rightArrow">
+              <a:avLst/>
+            </a:prstGeom>
+            <a:noFill/>
+            <a:ln>
+              <a:solidFill>
+                <a:schemeClr val="tx1"/>
+              </a:solidFill>
+            </a:ln>
+            <a:effectLst/>
+          </p:spPr>
+          <p:style>
+            <a:lnRef idx="1">
+              <a:schemeClr val="accent1"/>
+            </a:lnRef>
+            <a:fillRef idx="3">
+              <a:schemeClr val="accent1"/>
+            </a:fillRef>
+            <a:effectRef idx="2">
+              <a:schemeClr val="accent1"/>
+            </a:effectRef>
+            <a:fontRef idx="minor">
+              <a:schemeClr val="lt1"/>
+            </a:fontRef>
+          </p:style>
+          <p:txBody>
+            <a:bodyPr lIns="91430" tIns="45714" rIns="91430" bIns="45714" spcCol="0" rtlCol="0" anchor="ctr"/>
+            <a:lstStyle/>
+            <a:p>
+              <a:pPr algn="ctr"/>
+              <a:endParaRPr lang="en-US"/>
+            </a:p>
+          </p:txBody>
+        </p:sp>
+        <p:sp>
+          <p:nvSpPr>
+            <p:cNvPr id="100" name="TextBox 99"/>
+            <p:cNvSpPr txBox="1"/>
+            <p:nvPr/>
+          </p:nvSpPr>
+          <p:spPr>
+            <a:xfrm>
+              <a:off x="5611587" y="5517462"/>
+              <a:ext cx="2880356" cy="646319"/>
+            </a:xfrm>
+            <a:prstGeom prst="rect">
+              <a:avLst/>
+            </a:prstGeom>
+            <a:noFill/>
+          </p:spPr>
+          <p:txBody>
+            <a:bodyPr wrap="square" lIns="91430" tIns="45714" rIns="91430" bIns="45714" rtlCol="0">
+              <a:spAutoFit/>
+            </a:bodyPr>
+            <a:lstStyle/>
+            <a:p>
+              <a:pPr algn="ctr"/>
+              <a:r>
+                <a:rPr lang="en-US" sz="1800" dirty="0"/>
+                <a:t>Cloned </a:t>
+              </a:r>
+              <a:r>
+                <a:rPr lang="en-US" sz="1800" dirty="0" smtClean="0"/>
+                <a:t>test containers &amp;</a:t>
+              </a:r>
+            </a:p>
+            <a:p>
+              <a:pPr algn="ctr"/>
+              <a:r>
+                <a:rPr lang="en-US" sz="1800" dirty="0" smtClean="0"/>
+                <a:t>network </a:t>
+              </a:r>
+              <a:r>
+                <a:rPr lang="en-US" sz="1800" dirty="0"/>
+                <a:t>d</a:t>
+              </a:r>
+              <a:r>
+                <a:rPr lang="en-US" sz="1800" dirty="0" smtClean="0"/>
+                <a:t>uplication</a:t>
+              </a:r>
+              <a:endParaRPr lang="en-US" sz="1800" dirty="0"/>
+            </a:p>
+          </p:txBody>
+        </p:sp>
+        <p:sp>
+          <p:nvSpPr>
+            <p:cNvPr id="102" name="TextBox 101"/>
+            <p:cNvSpPr txBox="1"/>
+            <p:nvPr/>
+          </p:nvSpPr>
+          <p:spPr>
+            <a:xfrm>
+              <a:off x="8561269" y="5422433"/>
+              <a:ext cx="1207593" cy="646319"/>
+            </a:xfrm>
+            <a:prstGeom prst="rect">
+              <a:avLst/>
+            </a:prstGeom>
+            <a:noFill/>
+          </p:spPr>
+          <p:txBody>
+            <a:bodyPr wrap="square" lIns="91430" tIns="45714" rIns="91430" bIns="45714" rtlCol="0">
+              <a:spAutoFit/>
+            </a:bodyPr>
+            <a:lstStyle/>
+            <a:p>
+              <a:pPr algn="ctr"/>
+              <a:r>
+                <a:rPr lang="en-US" sz="1800" dirty="0"/>
+                <a:t>Debug </a:t>
+              </a:r>
+              <a:endParaRPr lang="en-US" sz="1800" dirty="0" smtClean="0"/>
+            </a:p>
+            <a:p>
+              <a:pPr algn="ctr"/>
+              <a:r>
+                <a:rPr lang="en-US" sz="1800" dirty="0"/>
+                <a:t>o</a:t>
+              </a:r>
+              <a:r>
+                <a:rPr lang="en-US" sz="1800" dirty="0" smtClean="0"/>
+                <a:t>utput</a:t>
+              </a:r>
+              <a:endParaRPr lang="en-US" sz="1800" dirty="0"/>
+            </a:p>
+          </p:txBody>
+        </p:sp>
+        <p:sp>
+          <p:nvSpPr>
+            <p:cNvPr id="103" name="TextBox 102"/>
+            <p:cNvSpPr txBox="1"/>
+            <p:nvPr/>
+          </p:nvSpPr>
+          <p:spPr>
+            <a:xfrm>
+              <a:off x="9768862" y="4589129"/>
+              <a:ext cx="2638467" cy="1477315"/>
+            </a:xfrm>
+            <a:prstGeom prst="rect">
+              <a:avLst/>
+            </a:prstGeom>
+            <a:noFill/>
+          </p:spPr>
+          <p:txBody>
+            <a:bodyPr wrap="square" lIns="91430" tIns="45714" rIns="91430" bIns="45714" numCol="1" rtlCol="0">
+              <a:spAutoFit/>
+            </a:bodyPr>
+            <a:lstStyle/>
+            <a:p>
+              <a:pPr marL="342862" indent="-342862">
+                <a:buAutoNum type="arabicPeriod"/>
+              </a:pPr>
+              <a:r>
+                <a:rPr lang="en-US" sz="1800" dirty="0"/>
+                <a:t>Live </a:t>
+              </a:r>
+              <a:r>
+                <a:rPr lang="en-US" sz="1800" dirty="0" smtClean="0"/>
+                <a:t>debugging</a:t>
+              </a:r>
+              <a:endParaRPr lang="en-US" sz="1800" dirty="0"/>
+            </a:p>
+            <a:p>
+              <a:pPr marL="342862" indent="-342862">
+                <a:buAutoNum type="arabicPeriod"/>
+              </a:pPr>
+              <a:r>
+                <a:rPr lang="en-US" sz="1800" dirty="0"/>
+                <a:t>Same system state</a:t>
+              </a:r>
+            </a:p>
+            <a:p>
+              <a:pPr marL="342862" indent="-342862">
+                <a:buAutoNum type="arabicPeriod"/>
+              </a:pPr>
+              <a:r>
+                <a:rPr lang="en-US" sz="1800" dirty="0"/>
+                <a:t>User input available</a:t>
+              </a:r>
+            </a:p>
+            <a:p>
+              <a:pPr marL="342862" indent="-342862">
+                <a:buAutoNum type="arabicPeriod"/>
+              </a:pPr>
+              <a:r>
+                <a:rPr lang="en-US" sz="1800" dirty="0"/>
+                <a:t>Less </a:t>
+              </a:r>
+              <a:r>
+                <a:rPr lang="en-US" sz="1800" dirty="0" smtClean="0"/>
+                <a:t>resources used</a:t>
+              </a:r>
+              <a:endParaRPr lang="en-US" sz="1800" dirty="0"/>
+            </a:p>
+            <a:p>
+              <a:pPr marL="342862" indent="-342862">
+                <a:buAutoNum type="arabicPeriod"/>
+              </a:pPr>
+              <a:r>
+                <a:rPr lang="en-US" sz="1800" dirty="0"/>
+                <a:t>Fast </a:t>
+              </a:r>
+              <a:r>
+                <a:rPr lang="en-US" sz="1800" dirty="0" smtClean="0"/>
+                <a:t>time </a:t>
+              </a:r>
+              <a:r>
+                <a:rPr lang="en-US" sz="1800" dirty="0"/>
+                <a:t>to </a:t>
+              </a:r>
+              <a:r>
+                <a:rPr lang="en-US" sz="1800" dirty="0" smtClean="0"/>
+                <a:t>debug</a:t>
+              </a:r>
+              <a:endParaRPr lang="en-US" sz="1800" dirty="0"/>
+            </a:p>
+          </p:txBody>
+        </p:sp>
+        <p:sp>
+          <p:nvSpPr>
+            <p:cNvPr id="104" name="TextBox 103"/>
+            <p:cNvSpPr txBox="1"/>
+            <p:nvPr/>
+          </p:nvSpPr>
+          <p:spPr>
+            <a:xfrm>
+              <a:off x="3791746" y="2375371"/>
+              <a:ext cx="1050053" cy="369320"/>
+            </a:xfrm>
+            <a:prstGeom prst="rect">
+              <a:avLst/>
+            </a:prstGeom>
+            <a:noFill/>
+          </p:spPr>
+          <p:txBody>
+            <a:bodyPr wrap="square" lIns="91430" tIns="45714" rIns="91430" bIns="45714" rtlCol="0">
+              <a:spAutoFit/>
+            </a:bodyPr>
+            <a:lstStyle/>
+            <a:p>
+              <a:pPr algn="ctr"/>
+              <a:r>
+                <a:rPr lang="en-US" sz="1800" dirty="0" smtClean="0"/>
+                <a:t>Tier 1</a:t>
+              </a:r>
+              <a:endParaRPr lang="en-US" sz="1800" dirty="0"/>
+            </a:p>
+          </p:txBody>
+        </p:sp>
+        <p:sp>
+          <p:nvSpPr>
+            <p:cNvPr id="105" name="TextBox 104"/>
+            <p:cNvSpPr txBox="1"/>
+            <p:nvPr/>
+          </p:nvSpPr>
+          <p:spPr>
+            <a:xfrm>
+              <a:off x="5161202" y="2374921"/>
+              <a:ext cx="1050053" cy="369320"/>
+            </a:xfrm>
+            <a:prstGeom prst="rect">
+              <a:avLst/>
+            </a:prstGeom>
+            <a:noFill/>
+          </p:spPr>
+          <p:txBody>
+            <a:bodyPr wrap="square" lIns="91430" tIns="45714" rIns="91430" bIns="45714" rtlCol="0">
+              <a:spAutoFit/>
+            </a:bodyPr>
+            <a:lstStyle/>
+            <a:p>
+              <a:pPr algn="ctr"/>
+              <a:r>
+                <a:rPr lang="en-US" sz="1800" dirty="0" smtClean="0"/>
+                <a:t>Tier 2</a:t>
+              </a:r>
+              <a:endParaRPr lang="en-US" sz="1800" dirty="0"/>
+            </a:p>
+          </p:txBody>
+        </p:sp>
+        <p:sp>
+          <p:nvSpPr>
+            <p:cNvPr id="106" name="TextBox 105"/>
+            <p:cNvSpPr txBox="1"/>
+            <p:nvPr/>
+          </p:nvSpPr>
+          <p:spPr>
+            <a:xfrm>
+              <a:off x="6514289" y="2375371"/>
+              <a:ext cx="1050053" cy="369320"/>
+            </a:xfrm>
+            <a:prstGeom prst="rect">
+              <a:avLst/>
+            </a:prstGeom>
+            <a:noFill/>
+          </p:spPr>
+          <p:txBody>
+            <a:bodyPr wrap="square" lIns="91430" tIns="45714" rIns="91430" bIns="45714" rtlCol="0">
+              <a:spAutoFit/>
+            </a:bodyPr>
+            <a:lstStyle/>
+            <a:p>
+              <a:pPr algn="ctr"/>
+              <a:r>
+                <a:rPr lang="en-US" sz="1800" dirty="0" smtClean="0"/>
+                <a:t>Tier 3</a:t>
+              </a:r>
+              <a:endParaRPr lang="en-US" sz="1800" dirty="0"/>
+            </a:p>
+          </p:txBody>
+        </p:sp>
+        <p:sp>
+          <p:nvSpPr>
+            <p:cNvPr id="107" name="TextBox 106"/>
+            <p:cNvSpPr txBox="1"/>
+            <p:nvPr/>
+          </p:nvSpPr>
+          <p:spPr>
+            <a:xfrm>
+              <a:off x="8006086" y="2374921"/>
+              <a:ext cx="1050053" cy="369320"/>
+            </a:xfrm>
+            <a:prstGeom prst="rect">
+              <a:avLst/>
+            </a:prstGeom>
+            <a:noFill/>
+          </p:spPr>
+          <p:txBody>
+            <a:bodyPr wrap="square" lIns="91430" tIns="45714" rIns="91430" bIns="45714" rtlCol="0">
+              <a:spAutoFit/>
+            </a:bodyPr>
+            <a:lstStyle/>
+            <a:p>
+              <a:pPr algn="ctr"/>
+              <a:r>
+                <a:rPr lang="en-US" sz="1800" dirty="0" smtClean="0"/>
+                <a:t>Tier 4</a:t>
+              </a:r>
+              <a:endParaRPr lang="en-US" sz="1800" dirty="0"/>
+            </a:p>
+          </p:txBody>
+        </p:sp>
+        <p:sp>
+          <p:nvSpPr>
+            <p:cNvPr id="108" name="TextBox 107"/>
+            <p:cNvSpPr txBox="1"/>
+            <p:nvPr/>
+          </p:nvSpPr>
+          <p:spPr>
+            <a:xfrm>
+              <a:off x="9293497" y="2374921"/>
+              <a:ext cx="1050053" cy="369320"/>
+            </a:xfrm>
+            <a:prstGeom prst="rect">
+              <a:avLst/>
+            </a:prstGeom>
+            <a:noFill/>
+          </p:spPr>
+          <p:txBody>
+            <a:bodyPr wrap="square" lIns="91430" tIns="45714" rIns="91430" bIns="45714" rtlCol="0">
+              <a:spAutoFit/>
+            </a:bodyPr>
+            <a:lstStyle/>
+            <a:p>
+              <a:pPr algn="ctr"/>
+              <a:r>
+                <a:rPr lang="en-US" sz="1800" dirty="0" smtClean="0"/>
+                <a:t>Tier 5</a:t>
+              </a:r>
+              <a:endParaRPr lang="en-US" sz="1800" dirty="0"/>
+            </a:p>
+          </p:txBody>
+        </p:sp>
+        <p:sp>
+          <p:nvSpPr>
+            <p:cNvPr id="109" name="Rounded Rectangle 108"/>
+            <p:cNvSpPr/>
+            <p:nvPr/>
+          </p:nvSpPr>
+          <p:spPr>
+            <a:xfrm>
+              <a:off x="10509681" y="2787564"/>
+              <a:ext cx="1049268" cy="1303652"/>
+            </a:xfrm>
+            <a:prstGeom prst="roundRect">
+              <a:avLst/>
+            </a:prstGeom>
+            <a:noFill/>
+            <a:ln w="22225">
+              <a:solidFill>
+                <a:schemeClr val="tx1"/>
+              </a:solidFill>
+            </a:ln>
+            <a:effectLst/>
+          </p:spPr>
+          <p:style>
+            <a:lnRef idx="1">
+              <a:schemeClr val="accent1"/>
+            </a:lnRef>
+            <a:fillRef idx="3">
+              <a:schemeClr val="accent1"/>
+            </a:fillRef>
+            <a:effectRef idx="2">
+              <a:schemeClr val="accent1"/>
+            </a:effectRef>
+            <a:fontRef idx="minor">
+              <a:schemeClr val="lt1"/>
+            </a:fontRef>
+          </p:style>
+          <p:txBody>
+            <a:bodyPr lIns="91430" tIns="45714" rIns="91430" bIns="45714" spcCol="0" rtlCol="0" anchor="ctr"/>
+            <a:lstStyle/>
+            <a:p>
+              <a:pPr algn="ctr"/>
+              <a:endParaRPr lang="en-US"/>
+            </a:p>
+          </p:txBody>
+        </p:sp>
+        <p:sp>
+          <p:nvSpPr>
+            <p:cNvPr id="110" name="Rounded Rectangle 109"/>
+            <p:cNvSpPr/>
+            <p:nvPr/>
+          </p:nvSpPr>
+          <p:spPr>
+            <a:xfrm>
+              <a:off x="10682736" y="2917101"/>
+              <a:ext cx="1049268" cy="1303652"/>
+            </a:xfrm>
+            <a:prstGeom prst="roundRect">
+              <a:avLst/>
+            </a:prstGeom>
+            <a:noFill/>
+            <a:ln w="22225">
+              <a:solidFill>
+                <a:schemeClr val="tx1"/>
+              </a:solidFill>
+            </a:ln>
+            <a:effectLst/>
+          </p:spPr>
+          <p:style>
+            <a:lnRef idx="1">
+              <a:schemeClr val="accent1"/>
+            </a:lnRef>
+            <a:fillRef idx="3">
+              <a:schemeClr val="accent1"/>
+            </a:fillRef>
+            <a:effectRef idx="2">
+              <a:schemeClr val="accent1"/>
+            </a:effectRef>
+            <a:fontRef idx="minor">
+              <a:schemeClr val="lt1"/>
+            </a:fontRef>
+          </p:style>
+          <p:txBody>
+            <a:bodyPr lIns="91430" tIns="45714" rIns="91430" bIns="45714" spcCol="0" rtlCol="0" anchor="ctr"/>
+            <a:lstStyle/>
+            <a:p>
+              <a:pPr algn="ctr"/>
+              <a:endParaRPr lang="en-US"/>
+            </a:p>
+          </p:txBody>
+        </p:sp>
+        <p:sp>
+          <p:nvSpPr>
+            <p:cNvPr id="111" name="Rounded Rectangle 110"/>
+            <p:cNvSpPr/>
+            <p:nvPr/>
+          </p:nvSpPr>
+          <p:spPr>
+            <a:xfrm>
+              <a:off x="10901511" y="3052829"/>
+              <a:ext cx="1049268" cy="1303652"/>
+            </a:xfrm>
+            <a:prstGeom prst="roundRect">
+              <a:avLst/>
+            </a:prstGeom>
+            <a:noFill/>
+            <a:ln w="22225">
+              <a:solidFill>
+                <a:schemeClr val="tx1"/>
+              </a:solidFill>
+            </a:ln>
+            <a:effectLst/>
+          </p:spPr>
+          <p:style>
+            <a:lnRef idx="1">
+              <a:schemeClr val="accent1"/>
+            </a:lnRef>
+            <a:fillRef idx="3">
+              <a:schemeClr val="accent1"/>
+            </a:fillRef>
+            <a:effectRef idx="2">
+              <a:schemeClr val="accent1"/>
+            </a:effectRef>
+            <a:fontRef idx="minor">
+              <a:schemeClr val="lt1"/>
+            </a:fontRef>
+          </p:style>
+          <p:txBody>
+            <a:bodyPr lIns="91430" tIns="45714" rIns="91430" bIns="45714" spcCol="0" rtlCol="0" anchor="ctr"/>
+            <a:lstStyle/>
+            <a:p>
+              <a:pPr algn="ctr"/>
+              <a:endParaRPr lang="en-US"/>
+            </a:p>
+          </p:txBody>
+        </p:sp>
+        <p:sp>
+          <p:nvSpPr>
+            <p:cNvPr id="112" name="TextBox 111"/>
+            <p:cNvSpPr txBox="1"/>
+            <p:nvPr/>
+          </p:nvSpPr>
+          <p:spPr>
+            <a:xfrm>
+              <a:off x="10568354" y="2375371"/>
+              <a:ext cx="1050053" cy="369320"/>
+            </a:xfrm>
+            <a:prstGeom prst="rect">
+              <a:avLst/>
+            </a:prstGeom>
+            <a:noFill/>
+          </p:spPr>
+          <p:txBody>
+            <a:bodyPr wrap="square" lIns="91430" tIns="45714" rIns="91430" bIns="45714" rtlCol="0">
+              <a:spAutoFit/>
+            </a:bodyPr>
+            <a:lstStyle/>
+            <a:p>
+              <a:pPr algn="ctr"/>
+              <a:r>
+                <a:rPr lang="en-US" sz="1800" dirty="0" smtClean="0"/>
+                <a:t>Tiers n</a:t>
+              </a:r>
+              <a:endParaRPr lang="en-US" sz="1800" dirty="0"/>
+            </a:p>
+          </p:txBody>
+        </p:sp>
+        <p:pic>
+          <p:nvPicPr>
+            <p:cNvPr id="113" name="Picture 112"/>
+            <p:cNvPicPr>
+              <a:picLocks noChangeAspect="1"/>
+            </p:cNvPicPr>
+            <p:nvPr/>
+          </p:nvPicPr>
+          <p:blipFill>
+            <a:blip r:embed="rId12"/>
+            <a:stretch>
+              <a:fillRect/>
+            </a:stretch>
+          </p:blipFill>
+          <p:spPr>
+            <a:xfrm>
+              <a:off x="6209962" y="3823461"/>
+              <a:ext cx="399824" cy="399824"/>
+            </a:xfrm>
+            <a:prstGeom prst="rect">
+              <a:avLst/>
+            </a:prstGeom>
+          </p:spPr>
+        </p:pic>
+        <p:pic>
+          <p:nvPicPr>
+            <p:cNvPr id="114" name="Picture 113"/>
+            <p:cNvPicPr>
+              <a:picLocks noChangeAspect="1"/>
+            </p:cNvPicPr>
+            <p:nvPr/>
+          </p:nvPicPr>
+          <p:blipFill>
+            <a:blip r:embed="rId5"/>
+            <a:stretch>
+              <a:fillRect/>
+            </a:stretch>
+          </p:blipFill>
+          <p:spPr>
+            <a:xfrm>
+              <a:off x="4061574" y="3442775"/>
+              <a:ext cx="575904" cy="575904"/>
+            </a:xfrm>
+            <a:prstGeom prst="rect">
+              <a:avLst/>
+            </a:prstGeom>
+          </p:spPr>
+        </p:pic>
+        <p:sp>
+          <p:nvSpPr>
+            <p:cNvPr id="116" name="TextBox 115"/>
+            <p:cNvSpPr txBox="1"/>
+            <p:nvPr/>
+          </p:nvSpPr>
+          <p:spPr>
+            <a:xfrm>
+              <a:off x="3411730" y="5204978"/>
+              <a:ext cx="1706754" cy="923318"/>
+            </a:xfrm>
+            <a:prstGeom prst="rect">
+              <a:avLst/>
+            </a:prstGeom>
+            <a:noFill/>
+          </p:spPr>
+          <p:txBody>
+            <a:bodyPr wrap="square" lIns="91430" tIns="45714" rIns="91430" bIns="45714" rtlCol="0">
+              <a:spAutoFit/>
+            </a:bodyPr>
+            <a:lstStyle/>
+            <a:p>
+              <a:pPr algn="ctr"/>
+              <a:r>
+                <a:rPr lang="en-US" sz="1800" dirty="0" smtClean="0"/>
+                <a:t>User observes error &amp; creates sandbox clones</a:t>
+              </a:r>
+              <a:endParaRPr lang="en-US" sz="1800" dirty="0"/>
+            </a:p>
+          </p:txBody>
+        </p:sp>
+        <p:pic>
+          <p:nvPicPr>
+            <p:cNvPr id="117" name="Picture 116"/>
+            <p:cNvPicPr>
+              <a:picLocks noChangeAspect="1"/>
+            </p:cNvPicPr>
+            <p:nvPr/>
+          </p:nvPicPr>
+          <p:blipFill>
+            <a:blip r:embed="rId12"/>
+            <a:stretch>
+              <a:fillRect/>
+            </a:stretch>
+          </p:blipFill>
+          <p:spPr>
+            <a:xfrm>
+              <a:off x="4265107" y="4716933"/>
+              <a:ext cx="399824" cy="399824"/>
+            </a:xfrm>
+            <a:prstGeom prst="rect">
+              <a:avLst/>
+            </a:prstGeom>
+          </p:spPr>
+        </p:pic>
+        <p:cxnSp>
+          <p:nvCxnSpPr>
+            <p:cNvPr id="119" name="Straight Connector 118"/>
+            <p:cNvCxnSpPr/>
+            <p:nvPr/>
+          </p:nvCxnSpPr>
+          <p:spPr>
+            <a:xfrm>
+              <a:off x="2064388" y="4509348"/>
+              <a:ext cx="10089584" cy="0"/>
+            </a:xfrm>
+            <a:prstGeom prst="line">
+              <a:avLst/>
+            </a:prstGeom>
+            <a:ln>
+              <a:solidFill>
+                <a:schemeClr val="tx1"/>
+              </a:solidFill>
+              <a:prstDash val="sysDot"/>
+            </a:ln>
+            <a:effectLst/>
+          </p:spPr>
+          <p:style>
+            <a:lnRef idx="2">
+              <a:schemeClr val="accent1"/>
+            </a:lnRef>
+            <a:fillRef idx="0">
+              <a:schemeClr val="accent1"/>
+            </a:fillRef>
+            <a:effectRef idx="1">
+              <a:schemeClr val="accent1"/>
+            </a:effectRef>
+            <a:fontRef idx="minor">
+              <a:schemeClr val="tx1"/>
+            </a:fontRef>
+          </p:style>
+        </p:cxnSp>
+        <p:sp>
+          <p:nvSpPr>
+            <p:cNvPr id="121" name="TextBox 120"/>
+            <p:cNvSpPr txBox="1"/>
+            <p:nvPr/>
+          </p:nvSpPr>
+          <p:spPr>
+            <a:xfrm>
+              <a:off x="1688737" y="3014798"/>
+              <a:ext cx="1579993" cy="923330"/>
+            </a:xfrm>
+            <a:prstGeom prst="rect">
+              <a:avLst/>
+            </a:prstGeom>
+            <a:noFill/>
+          </p:spPr>
+          <p:txBody>
+            <a:bodyPr wrap="square" rtlCol="0">
+              <a:spAutoFit/>
+            </a:bodyPr>
+            <a:lstStyle/>
+            <a:p>
+              <a:pPr algn="ctr"/>
+              <a:r>
+                <a:rPr lang="en-US" sz="1800" dirty="0" smtClean="0"/>
+                <a:t>Live </a:t>
+              </a:r>
+            </a:p>
+            <a:p>
+              <a:pPr algn="ctr"/>
+              <a:r>
+                <a:rPr lang="en-US" sz="1800" dirty="0"/>
+                <a:t>p</a:t>
+              </a:r>
+              <a:r>
+                <a:rPr lang="en-US" sz="1800" dirty="0" smtClean="0"/>
+                <a:t>roduction </a:t>
+              </a:r>
+              <a:r>
+                <a:rPr lang="en-US" sz="1800" dirty="0"/>
+                <a:t>s</a:t>
+              </a:r>
+              <a:r>
+                <a:rPr lang="en-US" sz="1800" dirty="0" smtClean="0"/>
+                <a:t>ystem</a:t>
+              </a:r>
+              <a:endParaRPr lang="en-US" sz="1800" dirty="0"/>
+            </a:p>
+          </p:txBody>
+        </p:sp>
+        <p:sp>
+          <p:nvSpPr>
+            <p:cNvPr id="122" name="Left Brace 121"/>
+            <p:cNvSpPr/>
+            <p:nvPr/>
+          </p:nvSpPr>
+          <p:spPr>
+            <a:xfrm>
+              <a:off x="3268730" y="2550832"/>
+              <a:ext cx="328457" cy="1805649"/>
+            </a:xfrm>
+            <a:prstGeom prst="leftBrace">
+              <a:avLst/>
+            </a:prstGeom>
+            <a:ln w="22225">
+              <a:solidFill>
+                <a:schemeClr val="tx1"/>
+              </a:solidFill>
+            </a:ln>
+            <a:effectLst/>
+          </p:spPr>
+          <p:style>
+            <a:lnRef idx="2">
+              <a:schemeClr val="accent1"/>
+            </a:lnRef>
+            <a:fillRef idx="0">
+              <a:schemeClr val="accent1"/>
+            </a:fillRef>
+            <a:effectRef idx="1">
+              <a:schemeClr val="accent1"/>
+            </a:effectRef>
+            <a:fontRef idx="minor">
+              <a:schemeClr val="tx1"/>
+            </a:fontRef>
+          </p:style>
+          <p:txBody>
+            <a:bodyPr rtlCol="0" anchor="ctr"/>
+            <a:lstStyle/>
+            <a:p>
+              <a:pPr algn="ctr"/>
+              <a:endParaRPr lang="en-US"/>
+            </a:p>
+          </p:txBody>
+        </p:sp>
+        <p:sp>
+          <p:nvSpPr>
+            <p:cNvPr id="123" name="Left Brace 122"/>
+            <p:cNvSpPr/>
+            <p:nvPr/>
+          </p:nvSpPr>
+          <p:spPr>
+            <a:xfrm>
+              <a:off x="3268730" y="4601949"/>
+              <a:ext cx="328457" cy="1430470"/>
+            </a:xfrm>
+            <a:prstGeom prst="leftBrace">
+              <a:avLst/>
+            </a:prstGeom>
+            <a:ln w="22225">
+              <a:solidFill>
+                <a:schemeClr val="tx1"/>
+              </a:solidFill>
+            </a:ln>
+            <a:effectLst/>
+          </p:spPr>
+          <p:style>
+            <a:lnRef idx="2">
+              <a:schemeClr val="accent1"/>
+            </a:lnRef>
+            <a:fillRef idx="0">
+              <a:schemeClr val="accent1"/>
+            </a:fillRef>
+            <a:effectRef idx="1">
+              <a:schemeClr val="accent1"/>
+            </a:effectRef>
+            <a:fontRef idx="minor">
+              <a:schemeClr val="tx1"/>
+            </a:fontRef>
+          </p:style>
+          <p:txBody>
+            <a:bodyPr rtlCol="0" anchor="ctr"/>
+            <a:lstStyle/>
+            <a:p>
+              <a:pPr algn="ctr"/>
+              <a:endParaRPr lang="en-US"/>
+            </a:p>
+          </p:txBody>
+        </p:sp>
+        <p:sp>
+          <p:nvSpPr>
+            <p:cNvPr id="124" name="TextBox 123"/>
+            <p:cNvSpPr txBox="1"/>
+            <p:nvPr/>
+          </p:nvSpPr>
+          <p:spPr>
+            <a:xfrm>
+              <a:off x="1688737" y="4644949"/>
+              <a:ext cx="1579993" cy="1477328"/>
+            </a:xfrm>
+            <a:prstGeom prst="rect">
+              <a:avLst/>
+            </a:prstGeom>
+            <a:noFill/>
+          </p:spPr>
+          <p:txBody>
+            <a:bodyPr wrap="square" rtlCol="0">
+              <a:spAutoFit/>
+            </a:bodyPr>
+            <a:lstStyle/>
+            <a:p>
+              <a:pPr algn="ctr"/>
+              <a:r>
+                <a:rPr lang="en-US" sz="1800" i="1" dirty="0" smtClean="0"/>
+                <a:t>PARIKSHAN</a:t>
+              </a:r>
+            </a:p>
+            <a:p>
+              <a:pPr algn="ctr"/>
+              <a:endParaRPr lang="en-US" sz="1800" i="1" dirty="0" smtClean="0"/>
+            </a:p>
+            <a:p>
+              <a:pPr algn="ctr"/>
+              <a:r>
+                <a:rPr lang="en-US" sz="1800" dirty="0" smtClean="0"/>
+                <a:t>“sandbox </a:t>
+              </a:r>
+            </a:p>
+            <a:p>
+              <a:pPr algn="ctr"/>
+              <a:r>
+                <a:rPr lang="en-US" sz="1800" dirty="0"/>
+                <a:t>c</a:t>
+              </a:r>
+              <a:r>
+                <a:rPr lang="en-US" sz="1800" dirty="0" smtClean="0"/>
+                <a:t>loned </a:t>
+              </a:r>
+              <a:r>
+                <a:rPr lang="en-US" sz="1800" dirty="0"/>
+                <a:t>d</a:t>
+              </a:r>
+              <a:r>
+                <a:rPr lang="en-US" sz="1800" dirty="0" smtClean="0"/>
+                <a:t>ebug system”</a:t>
+              </a:r>
+              <a:endParaRPr lang="en-US" sz="1800" dirty="0"/>
+            </a:p>
+          </p:txBody>
+        </p:sp>
+        <p:pic>
+          <p:nvPicPr>
+            <p:cNvPr id="125" name="Picture 124"/>
+            <p:cNvPicPr>
+              <a:picLocks noChangeAspect="1"/>
+            </p:cNvPicPr>
+            <p:nvPr/>
+          </p:nvPicPr>
+          <p:blipFill>
+            <a:blip r:embed="rId13"/>
+            <a:stretch>
+              <a:fillRect/>
+            </a:stretch>
+          </p:blipFill>
+          <p:spPr>
+            <a:xfrm>
+              <a:off x="3597187" y="4702507"/>
+              <a:ext cx="428345" cy="406927"/>
+            </a:xfrm>
+            <a:prstGeom prst="rect">
+              <a:avLst/>
+            </a:prstGeom>
+          </p:spPr>
+        </p:pic>
+        <p:sp>
+          <p:nvSpPr>
+            <p:cNvPr id="115" name="Right Arrow 114"/>
+            <p:cNvSpPr/>
+            <p:nvPr/>
+          </p:nvSpPr>
+          <p:spPr>
+            <a:xfrm rot="5400000">
+              <a:off x="6923167" y="4340598"/>
+              <a:ext cx="390769" cy="257054"/>
+            </a:xfrm>
+            <a:prstGeom prst="rightArrow">
+              <a:avLst/>
+            </a:prstGeom>
+            <a:solidFill>
+              <a:schemeClr val="bg1"/>
+            </a:solidFill>
+            <a:ln>
+              <a:solidFill>
+                <a:schemeClr val="tx1"/>
+              </a:solidFill>
+            </a:ln>
+            <a:effectLst/>
+          </p:spPr>
+          <p:style>
+            <a:lnRef idx="1">
+              <a:schemeClr val="accent1"/>
+            </a:lnRef>
+            <a:fillRef idx="3">
+              <a:schemeClr val="accent1"/>
+            </a:fillRef>
+            <a:effectRef idx="2">
+              <a:schemeClr val="accent1"/>
+            </a:effectRef>
+            <a:fontRef idx="minor">
+              <a:schemeClr val="lt1"/>
+            </a:fontRef>
+          </p:style>
+          <p:txBody>
+            <a:bodyPr lIns="91430" tIns="45714" rIns="91430" bIns="45714" spcCol="0" rtlCol="0" anchor="ctr"/>
+            <a:lstStyle/>
+            <a:p>
+              <a:pPr algn="ctr"/>
+              <a:endParaRPr lang="en-US"/>
+            </a:p>
+          </p:txBody>
+        </p:sp>
+        <p:sp>
+          <p:nvSpPr>
+            <p:cNvPr id="127" name="Right Arrow 126"/>
+            <p:cNvSpPr/>
+            <p:nvPr/>
+          </p:nvSpPr>
+          <p:spPr>
+            <a:xfrm>
+              <a:off x="5040551" y="5036561"/>
+              <a:ext cx="390769" cy="257054"/>
+            </a:xfrm>
+            <a:prstGeom prst="rightArrow">
+              <a:avLst/>
+            </a:prstGeom>
+            <a:solidFill>
+              <a:schemeClr val="bg1"/>
+            </a:solidFill>
+            <a:ln>
+              <a:solidFill>
+                <a:schemeClr val="tx1"/>
+              </a:solidFill>
+            </a:ln>
+            <a:effectLst/>
+          </p:spPr>
+          <p:style>
+            <a:lnRef idx="1">
+              <a:schemeClr val="accent1"/>
+            </a:lnRef>
+            <a:fillRef idx="3">
+              <a:schemeClr val="accent1"/>
+            </a:fillRef>
+            <a:effectRef idx="2">
+              <a:schemeClr val="accent1"/>
+            </a:effectRef>
+            <a:fontRef idx="minor">
+              <a:schemeClr val="lt1"/>
+            </a:fontRef>
+          </p:style>
+          <p:txBody>
+            <a:bodyPr lIns="91430" tIns="45714" rIns="91430" bIns="45714" spcCol="0" rtlCol="0" anchor="ctr"/>
+            <a:lstStyle/>
+            <a:p>
+              <a:pPr algn="ctr"/>
+              <a:endParaRPr lang="en-US"/>
+            </a:p>
+          </p:txBody>
+        </p:sp>
+      </p:grpSp>
+    </p:spTree>
+    <p:extLst>
+      <p:ext uri="{BB962C8B-B14F-4D97-AF65-F5344CB8AC3E}">
+        <p14:creationId xmlns:p14="http://schemas.microsoft.com/office/powerpoint/2010/main" val="2721693634"/>
+      </p:ext>
+    </p:extLst>
+  </p:cSld>
+  <p:clrMapOvr>
+    <a:masterClrMapping/>
+  </p:clrMapOvr>
+</p:sld>
+</file>
+
+<file path=ppt/slides/slide9.xml><?xml version="1.0" encoding="utf-8"?>
+<p:sld xmlns:a="http://schemas.openxmlformats.org/drawingml/2006/main" xmlns:r="http://schemas.openxmlformats.org/officeDocument/2006/relationships" xmlns:p="http://schemas.openxmlformats.org/presentationml/2006/main">
+  <p:cSld>
+    <p:spTree>
+      <p:nvGrpSpPr>
+        <p:cNvPr id="1" name=""/>
+        <p:cNvGrpSpPr/>
+        <p:nvPr/>
+      </p:nvGrpSpPr>
+      <p:grpSpPr>
+        <a:xfrm>
+          <a:off x="0" y="0"/>
+          <a:ext cx="0" cy="0"/>
+          <a:chOff x="0" y="0"/>
+          <a:chExt cx="0" cy="0"/>
+        </a:xfrm>
+      </p:grpSpPr>
+      <p:pic>
+        <p:nvPicPr>
+          <p:cNvPr id="4" name="Picture 3"/>
+          <p:cNvPicPr>
+            <a:picLocks noChangeAspect="1"/>
+          </p:cNvPicPr>
+          <p:nvPr/>
+        </p:nvPicPr>
+        <p:blipFill>
+          <a:blip r:embed="rId2"/>
+          <a:stretch>
+            <a:fillRect/>
+          </a:stretch>
+        </p:blipFill>
+        <p:spPr>
+          <a:xfrm>
+            <a:off x="0" y="1351279"/>
+            <a:ext cx="12801600" cy="6887231"/>
+          </a:xfrm>
+          <a:prstGeom prst="rect">
+            <a:avLst/>
+          </a:prstGeom>
+        </p:spPr>
+      </p:pic>
+    </p:spTree>
+    <p:extLst>
+      <p:ext uri="{BB962C8B-B14F-4D97-AF65-F5344CB8AC3E}">
+        <p14:creationId xmlns:p14="http://schemas.microsoft.com/office/powerpoint/2010/main" val="4144957084"/>
+      </p:ext>
+    </p:extLst>
+  </p:cSld>
+  <p:clrMapOvr>
+    <a:masterClrMapping/>
+  </p:clrMapOvr>
+</p:sld>
+</file>
+
 <file path=ppt/theme/theme1.xml><?xml version="1.0" encoding="utf-8"?>
 <a:theme xmlns:a="http://schemas.openxmlformats.org/drawingml/2006/main" name="Office Theme">
   <a:themeElements>
